--- a/GolangConcurency.pptx
+++ b/GolangConcurency.pptx
@@ -4956,7 +4956,7 @@
           <a:graphicData uri="http://schemas.openxmlformats.org/presentationml/2006/ole">
             <mc:AlternateContent xmlns:mc="http://schemas.openxmlformats.org/markup-compatibility/2006">
               <mc:Choice xmlns:v="urn:schemas-microsoft-com:vml" Requires="v">
-                <p:oleObj spid="_x0000_s2112" name="Packager Shell Object" showAsIcon="1" r:id="rId4" imgW="1421640" imgH="685800" progId="Package">
+                <p:oleObj spid="_x0000_s2116" name="Packager Shell Object" showAsIcon="1" r:id="rId4" imgW="1421640" imgH="685800" progId="Package">
                   <p:embed/>
                 </p:oleObj>
               </mc:Choice>
@@ -5019,7 +5019,7 @@
           <a:graphicData uri="http://schemas.openxmlformats.org/presentationml/2006/ole">
             <mc:AlternateContent xmlns:mc="http://schemas.openxmlformats.org/markup-compatibility/2006">
               <mc:Choice xmlns:v="urn:schemas-microsoft-com:vml" Requires="v">
-                <p:oleObj spid="_x0000_s2113" name="Packager Shell Object" showAsIcon="1" r:id="rId6" imgW="2196000" imgH="685800" progId="Package">
+                <p:oleObj spid="_x0000_s2117" name="Packager Shell Object" showAsIcon="1" r:id="rId6" imgW="2196000" imgH="685800" progId="Package">
                   <p:embed/>
                 </p:oleObj>
               </mc:Choice>
@@ -6597,12 +6597,12 @@
           <a:lstStyle/>
           <a:p>
             <a:r>
-              <a:rPr lang="en-US" altLang="zh-CN" dirty="0"/>
-              <a:t>Channel 3 </a:t>
-            </a:r>
-            <a:r>
               <a:rPr lang="zh-CN" altLang="en-US" dirty="0"/>
               <a:t>生成器模式</a:t>
+            </a:r>
+            <a:r>
+              <a:rPr lang="en-US" altLang="zh-CN" dirty="0"/>
+              <a:t>1</a:t>
             </a:r>
             <a:endParaRPr lang="en-US" dirty="0"/>
           </a:p>
@@ -6623,7 +6623,7 @@
         <p:spPr>
           <a:xfrm>
             <a:off x="713422" y="1223413"/>
-            <a:ext cx="4520315" cy="5447645"/>
+            <a:ext cx="3617945" cy="2616101"/>
           </a:xfrm>
           <a:prstGeom prst="rect">
             <a:avLst/>
@@ -6636,132 +6636,24 @@
           <a:lstStyle/>
           <a:p>
             <a:pPr marL="514350" indent="-514350">
-              <a:buFont typeface="Arial" panose="020B0604020202020204" pitchFamily="34" charset="0"/>
-              <a:buChar char="•"/>
+              <a:buFont typeface="+mj-lt"/>
+              <a:buAutoNum type="arabicPeriod"/>
             </a:pPr>
             <a:r>
-              <a:rPr lang="en-US" sz="3200" dirty="0">
-                <a:solidFill>
-                  <a:schemeClr val="bg1">
-                    <a:lumMod val="75000"/>
-                  </a:schemeClr>
-                </a:solidFill>
-              </a:rPr>
-              <a:t>Channel</a:t>
-            </a:r>
-            <a:r>
-              <a:rPr lang="zh-CN" altLang="en-US" sz="3200" dirty="0">
-                <a:solidFill>
-                  <a:schemeClr val="bg1">
-                    <a:lumMod val="75000"/>
-                  </a:schemeClr>
-                </a:solidFill>
-              </a:rPr>
-              <a:t>带有类型</a:t>
-            </a:r>
-            <a:endParaRPr lang="en-US" altLang="zh-CN" sz="3200" dirty="0">
-              <a:solidFill>
-                <a:schemeClr val="bg1">
-                  <a:lumMod val="75000"/>
-                </a:schemeClr>
-              </a:solidFill>
-            </a:endParaRPr>
+              <a:rPr lang="zh-CN" altLang="en-US" sz="3200" dirty="0"/>
+              <a:t>持续得写进去</a:t>
+            </a:r>
+            <a:endParaRPr lang="en-US" altLang="zh-CN" sz="3200" dirty="0"/>
           </a:p>
           <a:p>
             <a:pPr marL="514350" indent="-514350">
-              <a:buFont typeface="Arial" panose="020B0604020202020204" pitchFamily="34" charset="0"/>
-              <a:buChar char="•"/>
+              <a:buFont typeface="+mj-lt"/>
+              <a:buAutoNum type="arabicPeriod"/>
             </a:pPr>
             <a:r>
-              <a:rPr lang="en-US" altLang="zh-CN" sz="3200" dirty="0">
-                <a:solidFill>
-                  <a:schemeClr val="bg1">
-                    <a:lumMod val="75000"/>
-                  </a:schemeClr>
-                </a:solidFill>
-              </a:rPr>
-              <a:t>Channel</a:t>
-            </a:r>
-            <a:r>
-              <a:rPr lang="zh-CN" altLang="en-US" sz="3200" dirty="0">
-                <a:solidFill>
-                  <a:schemeClr val="bg1">
-                    <a:lumMod val="75000"/>
-                  </a:schemeClr>
-                </a:solidFill>
-              </a:rPr>
-              <a:t>的方向</a:t>
-            </a:r>
-            <a:endParaRPr lang="en-US" altLang="zh-CN" sz="3200" dirty="0">
-              <a:solidFill>
-                <a:schemeClr val="bg1">
-                  <a:lumMod val="75000"/>
-                </a:schemeClr>
-              </a:solidFill>
-            </a:endParaRPr>
-          </a:p>
-          <a:p>
-            <a:pPr marL="971550" lvl="1" indent="-514350">
-              <a:buFont typeface="Arial" panose="020B0604020202020204" pitchFamily="34" charset="0"/>
-              <a:buChar char="•"/>
-            </a:pPr>
-            <a:r>
-              <a:rPr lang="en-US" altLang="zh-CN" sz="2800" dirty="0">
-                <a:solidFill>
-                  <a:schemeClr val="bg1">
-                    <a:lumMod val="75000"/>
-                  </a:schemeClr>
-                </a:solidFill>
-              </a:rPr>
-              <a:t>channel &lt;- </a:t>
-            </a:r>
-          </a:p>
-          <a:p>
-            <a:pPr marL="971550" lvl="1" indent="-514350">
-              <a:buFont typeface="Arial" panose="020B0604020202020204" pitchFamily="34" charset="0"/>
-              <a:buChar char="•"/>
-            </a:pPr>
-            <a:r>
-              <a:rPr lang="en-US" altLang="zh-CN" sz="2800" dirty="0">
-                <a:solidFill>
-                  <a:schemeClr val="bg1">
-                    <a:lumMod val="75000"/>
-                  </a:schemeClr>
-                </a:solidFill>
-              </a:rPr>
-              <a:t>&lt;- channel</a:t>
-            </a:r>
-          </a:p>
-          <a:p>
-            <a:pPr marL="514350" indent="-514350">
-              <a:buFont typeface="Arial" panose="020B0604020202020204" pitchFamily="34" charset="0"/>
-              <a:buChar char="•"/>
-            </a:pPr>
-            <a:r>
-              <a:rPr lang="en-US" altLang="zh-CN" sz="3200" dirty="0"/>
-              <a:t>Channel </a:t>
-            </a:r>
-            <a:r>
               <a:rPr lang="zh-CN" altLang="en-US" sz="3200" dirty="0"/>
-              <a:t>是两个协程之间沟通的管道</a:t>
-            </a:r>
-            <a:r>
-              <a:rPr lang="en-US" altLang="zh-CN" sz="3200" dirty="0"/>
-              <a:t> </a:t>
-            </a:r>
-          </a:p>
-          <a:p>
-            <a:pPr marL="514350" indent="-514350">
-              <a:buFont typeface="Arial" panose="020B0604020202020204" pitchFamily="34" charset="0"/>
-              <a:buChar char="•"/>
-            </a:pPr>
-            <a:r>
-              <a:rPr lang="zh-CN" altLang="en-US" sz="3200" dirty="0"/>
-              <a:t>进和出缺一不可，否则就阻塞</a:t>
-            </a:r>
-            <a:endParaRPr lang="en-US" altLang="zh-CN" sz="3200" dirty="0"/>
-          </a:p>
-          <a:p>
+              <a:t>持续得读出来</a:t>
+            </a:r>
             <a:r>
               <a:rPr lang="en-US" altLang="zh-CN" sz="3200" dirty="0"/>
               <a:t>	</a:t>
@@ -6780,10 +6672,10 @@
       </p:sp>
       <p:pic>
         <p:nvPicPr>
-          <p:cNvPr id="5" name="Picture 4">
-            <a:extLst>
-              <a:ext uri="{FF2B5EF4-FFF2-40B4-BE49-F238E27FC236}">
-                <a16:creationId xmlns:a16="http://schemas.microsoft.com/office/drawing/2014/main" id="{5BEB50C7-7C44-42AC-B1B2-D7CC057DC100}"/>
+          <p:cNvPr id="3" name="Picture 2">
+            <a:extLst>
+              <a:ext uri="{FF2B5EF4-FFF2-40B4-BE49-F238E27FC236}">
+                <a16:creationId xmlns:a16="http://schemas.microsoft.com/office/drawing/2014/main" id="{8FB649D8-A1D6-465B-B61D-7C66ABA4C518}"/>
               </a:ext>
             </a:extLst>
           </p:cNvPr>
@@ -6800,8 +6692,8 @@
         </p:blipFill>
         <p:spPr>
           <a:xfrm>
-            <a:off x="5460548" y="1110064"/>
-            <a:ext cx="5283651" cy="4637872"/>
+            <a:off x="5233737" y="1223413"/>
+            <a:ext cx="5503961" cy="3709534"/>
           </a:xfrm>
           <a:prstGeom prst="rect">
             <a:avLst/>
@@ -6810,10 +6702,10 @@
       </p:pic>
       <p:pic>
         <p:nvPicPr>
-          <p:cNvPr id="6" name="Picture 5">
-            <a:extLst>
-              <a:ext uri="{FF2B5EF4-FFF2-40B4-BE49-F238E27FC236}">
-                <a16:creationId xmlns:a16="http://schemas.microsoft.com/office/drawing/2014/main" id="{233493A8-8494-4134-AEC6-4EB219D5F02D}"/>
+          <p:cNvPr id="4" name="Picture 3">
+            <a:extLst>
+              <a:ext uri="{FF2B5EF4-FFF2-40B4-BE49-F238E27FC236}">
+                <a16:creationId xmlns:a16="http://schemas.microsoft.com/office/drawing/2014/main" id="{3A05CCB4-D856-454B-BB6C-C9F53DDDFC3C}"/>
               </a:ext>
             </a:extLst>
           </p:cNvPr>
@@ -6830,8 +6722,8 @@
         </p:blipFill>
         <p:spPr>
           <a:xfrm>
-            <a:off x="5682392" y="5747936"/>
-            <a:ext cx="5061807" cy="617935"/>
+            <a:off x="10871935" y="1223413"/>
+            <a:ext cx="1320065" cy="3252334"/>
           </a:xfrm>
           <a:prstGeom prst="rect">
             <a:avLst/>
@@ -7442,12 +7334,9 @@
 </file>
 
 <file path=customXml/item1.xml><?xml version="1.0" encoding="utf-8"?>
-<?mso-contentType ?>
-<FormTemplates xmlns="http://schemas.microsoft.com/sharepoint/v3/contenttype/forms">
-  <Display>DocumentLibraryForm</Display>
-  <Edit>DocumentLibraryForm</Edit>
-  <New>DocumentLibraryForm</New>
-</FormTemplates>
+<p:properties xmlns:p="http://schemas.microsoft.com/office/2006/metadata/properties" xmlns:xsi="http://www.w3.org/2001/XMLSchema-instance" xmlns:pc="http://schemas.microsoft.com/office/infopath/2007/PartnerControls">
+  <documentManagement/>
+</p:properties>
 </file>
 
 <file path=customXml/item2.xml><?xml version="1.0" encoding="utf-8"?>
@@ -7589,15 +7478,26 @@
 </file>
 
 <file path=customXml/item3.xml><?xml version="1.0" encoding="utf-8"?>
-<p:properties xmlns:p="http://schemas.microsoft.com/office/2006/metadata/properties" xmlns:xsi="http://www.w3.org/2001/XMLSchema-instance" xmlns:pc="http://schemas.microsoft.com/office/infopath/2007/PartnerControls">
-  <documentManagement/>
-</p:properties>
+<?mso-contentType ?>
+<FormTemplates xmlns="http://schemas.microsoft.com/sharepoint/v3/contenttype/forms">
+  <Display>DocumentLibraryForm</Display>
+  <Edit>DocumentLibraryForm</Edit>
+  <New>DocumentLibraryForm</New>
+</FormTemplates>
 </file>
 
 <file path=customXml/itemProps1.xml><?xml version="1.0" encoding="utf-8"?>
-<ds:datastoreItem xmlns:ds="http://schemas.openxmlformats.org/officeDocument/2006/customXml" ds:itemID="{8D58F66B-F132-4627-A8F1-473C8F1DC658}">
+<ds:datastoreItem xmlns:ds="http://schemas.openxmlformats.org/officeDocument/2006/customXml" ds:itemID="{09818F5F-9A4E-472D-957A-F61DB6A689A1}">
   <ds:schemaRefs>
-    <ds:schemaRef ds:uri="http://schemas.microsoft.com/sharepoint/v3/contenttype/forms"/>
+    <ds:schemaRef ds:uri="http://www.w3.org/XML/1998/namespace"/>
+    <ds:schemaRef ds:uri="http://schemas.microsoft.com/office/2006/metadata/properties"/>
+    <ds:schemaRef ds:uri="http://purl.org/dc/dcmitype/"/>
+    <ds:schemaRef ds:uri="a5770b6f-473e-481d-a1c6-8a0376abbd89"/>
+    <ds:schemaRef ds:uri="http://purl.org/dc/terms/"/>
+    <ds:schemaRef ds:uri="http://schemas.microsoft.com/office/infopath/2007/PartnerControls"/>
+    <ds:schemaRef ds:uri="http://schemas.microsoft.com/office/2006/documentManagement/types"/>
+    <ds:schemaRef ds:uri="http://schemas.openxmlformats.org/package/2006/metadata/core-properties"/>
+    <ds:schemaRef ds:uri="http://purl.org/dc/elements/1.1/"/>
   </ds:schemaRefs>
 </ds:datastoreItem>
 </file>
@@ -7621,17 +7521,9 @@
 </file>
 
 <file path=customXml/itemProps3.xml><?xml version="1.0" encoding="utf-8"?>
-<ds:datastoreItem xmlns:ds="http://schemas.openxmlformats.org/officeDocument/2006/customXml" ds:itemID="{09818F5F-9A4E-472D-957A-F61DB6A689A1}">
+<ds:datastoreItem xmlns:ds="http://schemas.openxmlformats.org/officeDocument/2006/customXml" ds:itemID="{8D58F66B-F132-4627-A8F1-473C8F1DC658}">
   <ds:schemaRefs>
-    <ds:schemaRef ds:uri="http://www.w3.org/XML/1998/namespace"/>
-    <ds:schemaRef ds:uri="http://schemas.microsoft.com/office/2006/metadata/properties"/>
-    <ds:schemaRef ds:uri="http://purl.org/dc/dcmitype/"/>
-    <ds:schemaRef ds:uri="a5770b6f-473e-481d-a1c6-8a0376abbd89"/>
-    <ds:schemaRef ds:uri="http://purl.org/dc/terms/"/>
-    <ds:schemaRef ds:uri="http://schemas.microsoft.com/office/infopath/2007/PartnerControls"/>
-    <ds:schemaRef ds:uri="http://schemas.microsoft.com/office/2006/documentManagement/types"/>
-    <ds:schemaRef ds:uri="http://schemas.openxmlformats.org/package/2006/metadata/core-properties"/>
-    <ds:schemaRef ds:uri="http://purl.org/dc/elements/1.1/"/>
+    <ds:schemaRef ds:uri="http://schemas.microsoft.com/sharepoint/v3/contenttype/forms"/>
   </ds:schemaRefs>
 </ds:datastoreItem>
 </file>
--- a/GolangConcurency.pptx
+++ b/GolangConcurency.pptx
@@ -5,7 +5,7 @@
     <p:sldMasterId id="2147483648" r:id="rId4"/>
   </p:sldMasterIdLst>
   <p:notesMasterIdLst>
-    <p:notesMasterId r:id="rId15"/>
+    <p:notesMasterId r:id="rId20"/>
   </p:notesMasterIdLst>
   <p:sldIdLst>
     <p:sldId id="256" r:id="rId5"/>
@@ -16,8 +16,13 @@
     <p:sldId id="323" r:id="rId10"/>
     <p:sldId id="324" r:id="rId11"/>
     <p:sldId id="325" r:id="rId12"/>
-    <p:sldId id="326" r:id="rId13"/>
-    <p:sldId id="322" r:id="rId14"/>
+    <p:sldId id="331" r:id="rId13"/>
+    <p:sldId id="327" r:id="rId14"/>
+    <p:sldId id="326" r:id="rId15"/>
+    <p:sldId id="328" r:id="rId16"/>
+    <p:sldId id="329" r:id="rId17"/>
+    <p:sldId id="330" r:id="rId18"/>
+    <p:sldId id="322" r:id="rId19"/>
   </p:sldIdLst>
   <p:sldSz cx="12192000" cy="6858000"/>
   <p:notesSz cx="6858000" cy="9144000"/>
@@ -118,7 +123,7 @@
   </p:defaultTextStyle>
   <p:extLst>
     <p:ext uri="{521415D9-36F7-43E2-AB2F-B90AF26B5E84}">
-      <p14:sectionLst xmlns:p14="http://schemas.microsoft.com/office/powerpoint/2010/main">
+      <p14:sectionLst xmlns:p14="http://schemas.microsoft.com/office/powerpoint/2010/main" xmlns="">
         <p14:section name="Introduction" id="{53D9EADD-8752-4C05-9F62-8DF6D7C58F99}">
           <p14:sldIdLst>
             <p14:sldId id="256"/>
@@ -140,7 +145,7 @@
       </p14:sectionLst>
     </p:ext>
     <p:ext uri="{EFAFB233-063F-42B5-8137-9DF3F51BA10A}">
-      <p15:sldGuideLst xmlns:p15="http://schemas.microsoft.com/office/powerpoint/2012/main"/>
+      <p15:sldGuideLst xmlns:p15="http://schemas.microsoft.com/office/powerpoint/2012/main" xmlns=""/>
     </p:ext>
   </p:extLst>
 </p:presentation>
@@ -151,7 +156,7 @@
   <p:cmAuthor id="1" name="MICHAEL GONG (DSCOE-ISD-OOCLL/ZHA)" initials="MG(" lastIdx="1" clrIdx="0">
     <p:extLst>
       <p:ext uri="{19B8F6BF-5375-455C-9EA6-DF929625EA0E}">
-        <p15:presenceInfo xmlns:p15="http://schemas.microsoft.com/office/powerpoint/2012/main" userId="S-1-5-21-2065039802-622210664-899889007-132009" providerId="AD"/>
+        <p15:presenceInfo xmlns:p15="http://schemas.microsoft.com/office/powerpoint/2012/main" xmlns="" userId="S-1-5-21-2065039802-622210664-899889007-132009" providerId="AD"/>
       </p:ext>
     </p:extLst>
   </p:cmAuthor>
@@ -240,6 +245,7 @@
           <a:p>
             <a:fld id="{81A7F5E0-26D3-4F44-BD3F-0851D1E00D07}" type="datetimeFigureOut">
               <a:rPr lang="en-US" smtClean="0"/>
+              <a:pPr/>
               <a:t>11/12/2018</a:t>
             </a:fld>
             <a:endParaRPr lang="en-US"/>
@@ -398,6 +404,7 @@
           <a:p>
             <a:fld id="{148CC6F0-A91C-42A5-9365-46DAD84980C2}" type="slidenum">
               <a:rPr lang="en-US" smtClean="0"/>
+              <a:pPr/>
               <a:t>‹#›</a:t>
             </a:fld>
             <a:endParaRPr lang="en-US"/>
@@ -407,7 +414,7 @@
     </p:spTree>
     <p:extLst>
       <p:ext uri="{BB962C8B-B14F-4D97-AF65-F5344CB8AC3E}">
-        <p14:creationId xmlns:p14="http://schemas.microsoft.com/office/powerpoint/2010/main" val="3511084736"/>
+        <p14:creationId xmlns:p14="http://schemas.microsoft.com/office/powerpoint/2010/main" xmlns="" val="3511084736"/>
       </p:ext>
     </p:extLst>
   </p:cSld>
@@ -572,6 +579,7 @@
           <a:p>
             <a:fld id="{148CC6F0-A91C-42A5-9365-46DAD84980C2}" type="slidenum">
               <a:rPr lang="en-US" smtClean="0"/>
+              <a:pPr/>
               <a:t>1</a:t>
             </a:fld>
             <a:endParaRPr lang="en-US"/>
@@ -581,7 +589,432 @@
     </p:spTree>
     <p:extLst>
       <p:ext uri="{BB962C8B-B14F-4D97-AF65-F5344CB8AC3E}">
-        <p14:creationId xmlns:p14="http://schemas.microsoft.com/office/powerpoint/2010/main" val="1504085620"/>
+        <p14:creationId xmlns:p14="http://schemas.microsoft.com/office/powerpoint/2010/main" xmlns="" val="1504085620"/>
+      </p:ext>
+    </p:extLst>
+  </p:cSld>
+  <p:clrMapOvr>
+    <a:masterClrMapping/>
+  </p:clrMapOvr>
+</p:notes>
+</file>
+
+<file path=ppt/notesSlides/notesSlide10.xml><?xml version="1.0" encoding="utf-8"?>
+<p:notes xmlns:a="http://schemas.openxmlformats.org/drawingml/2006/main" xmlns:r="http://schemas.openxmlformats.org/officeDocument/2006/relationships" xmlns:p="http://schemas.openxmlformats.org/presentationml/2006/main">
+  <p:cSld>
+    <p:spTree>
+      <p:nvGrpSpPr>
+        <p:cNvPr id="1" name=""/>
+        <p:cNvGrpSpPr/>
+        <p:nvPr/>
+      </p:nvGrpSpPr>
+      <p:grpSpPr>
+        <a:xfrm>
+          <a:off x="0" y="0"/>
+          <a:ext cx="0" cy="0"/>
+          <a:chOff x="0" y="0"/>
+          <a:chExt cx="0" cy="0"/>
+        </a:xfrm>
+      </p:grpSpPr>
+      <p:sp>
+        <p:nvSpPr>
+          <p:cNvPr id="2" name="Slide Image Placeholder 1"/>
+          <p:cNvSpPr>
+            <a:spLocks noGrp="1" noRot="1" noChangeAspect="1"/>
+          </p:cNvSpPr>
+          <p:nvPr>
+            <p:ph type="sldImg"/>
+          </p:nvPr>
+        </p:nvSpPr>
+        <p:spPr/>
+      </p:sp>
+      <p:sp>
+        <p:nvSpPr>
+          <p:cNvPr id="3" name="Notes Placeholder 2"/>
+          <p:cNvSpPr>
+            <a:spLocks noGrp="1"/>
+          </p:cNvSpPr>
+          <p:nvPr>
+            <p:ph type="body" idx="1"/>
+          </p:nvPr>
+        </p:nvSpPr>
+        <p:spPr/>
+        <p:txBody>
+          <a:bodyPr/>
+          <a:lstStyle/>
+          <a:p>
+            <a:endParaRPr lang="en-US" dirty="0"/>
+          </a:p>
+        </p:txBody>
+      </p:sp>
+      <p:sp>
+        <p:nvSpPr>
+          <p:cNvPr id="4" name="Slide Number Placeholder 3"/>
+          <p:cNvSpPr>
+            <a:spLocks noGrp="1"/>
+          </p:cNvSpPr>
+          <p:nvPr>
+            <p:ph type="sldNum" sz="quarter" idx="10"/>
+          </p:nvPr>
+        </p:nvSpPr>
+        <p:spPr/>
+        <p:txBody>
+          <a:bodyPr/>
+          <a:lstStyle/>
+          <a:p>
+            <a:fld id="{148CC6F0-A91C-42A5-9365-46DAD84980C2}" type="slidenum">
+              <a:rPr lang="en-US" smtClean="0"/>
+              <a:pPr/>
+              <a:t>11</a:t>
+            </a:fld>
+            <a:endParaRPr lang="en-US"/>
+          </a:p>
+        </p:txBody>
+      </p:sp>
+    </p:spTree>
+    <p:extLst>
+      <p:ext uri="{BB962C8B-B14F-4D97-AF65-F5344CB8AC3E}">
+        <p14:creationId xmlns:p14="http://schemas.microsoft.com/office/powerpoint/2010/main" xmlns="" val="3843752410"/>
+      </p:ext>
+    </p:extLst>
+  </p:cSld>
+  <p:clrMapOvr>
+    <a:masterClrMapping/>
+  </p:clrMapOvr>
+</p:notes>
+</file>
+
+<file path=ppt/notesSlides/notesSlide11.xml><?xml version="1.0" encoding="utf-8"?>
+<p:notes xmlns:a="http://schemas.openxmlformats.org/drawingml/2006/main" xmlns:r="http://schemas.openxmlformats.org/officeDocument/2006/relationships" xmlns:p="http://schemas.openxmlformats.org/presentationml/2006/main">
+  <p:cSld>
+    <p:spTree>
+      <p:nvGrpSpPr>
+        <p:cNvPr id="1" name=""/>
+        <p:cNvGrpSpPr/>
+        <p:nvPr/>
+      </p:nvGrpSpPr>
+      <p:grpSpPr>
+        <a:xfrm>
+          <a:off x="0" y="0"/>
+          <a:ext cx="0" cy="0"/>
+          <a:chOff x="0" y="0"/>
+          <a:chExt cx="0" cy="0"/>
+        </a:xfrm>
+      </p:grpSpPr>
+      <p:sp>
+        <p:nvSpPr>
+          <p:cNvPr id="2" name="Slide Image Placeholder 1"/>
+          <p:cNvSpPr>
+            <a:spLocks noGrp="1" noRot="1" noChangeAspect="1"/>
+          </p:cNvSpPr>
+          <p:nvPr>
+            <p:ph type="sldImg"/>
+          </p:nvPr>
+        </p:nvSpPr>
+        <p:spPr/>
+      </p:sp>
+      <p:sp>
+        <p:nvSpPr>
+          <p:cNvPr id="3" name="Notes Placeholder 2"/>
+          <p:cNvSpPr>
+            <a:spLocks noGrp="1"/>
+          </p:cNvSpPr>
+          <p:nvPr>
+            <p:ph type="body" idx="1"/>
+          </p:nvPr>
+        </p:nvSpPr>
+        <p:spPr/>
+        <p:txBody>
+          <a:bodyPr/>
+          <a:lstStyle/>
+          <a:p>
+            <a:endParaRPr lang="en-US" dirty="0"/>
+          </a:p>
+        </p:txBody>
+      </p:sp>
+      <p:sp>
+        <p:nvSpPr>
+          <p:cNvPr id="4" name="Slide Number Placeholder 3"/>
+          <p:cNvSpPr>
+            <a:spLocks noGrp="1"/>
+          </p:cNvSpPr>
+          <p:nvPr>
+            <p:ph type="sldNum" sz="quarter" idx="10"/>
+          </p:nvPr>
+        </p:nvSpPr>
+        <p:spPr/>
+        <p:txBody>
+          <a:bodyPr/>
+          <a:lstStyle/>
+          <a:p>
+            <a:fld id="{148CC6F0-A91C-42A5-9365-46DAD84980C2}" type="slidenum">
+              <a:rPr lang="en-US" smtClean="0"/>
+              <a:pPr/>
+              <a:t>12</a:t>
+            </a:fld>
+            <a:endParaRPr lang="en-US"/>
+          </a:p>
+        </p:txBody>
+      </p:sp>
+    </p:spTree>
+    <p:extLst>
+      <p:ext uri="{BB962C8B-B14F-4D97-AF65-F5344CB8AC3E}">
+        <p14:creationId xmlns:p14="http://schemas.microsoft.com/office/powerpoint/2010/main" xmlns="" val="3843752410"/>
+      </p:ext>
+    </p:extLst>
+  </p:cSld>
+  <p:clrMapOvr>
+    <a:masterClrMapping/>
+  </p:clrMapOvr>
+</p:notes>
+</file>
+
+<file path=ppt/notesSlides/notesSlide12.xml><?xml version="1.0" encoding="utf-8"?>
+<p:notes xmlns:a="http://schemas.openxmlformats.org/drawingml/2006/main" xmlns:r="http://schemas.openxmlformats.org/officeDocument/2006/relationships" xmlns:p="http://schemas.openxmlformats.org/presentationml/2006/main">
+  <p:cSld>
+    <p:spTree>
+      <p:nvGrpSpPr>
+        <p:cNvPr id="1" name=""/>
+        <p:cNvGrpSpPr/>
+        <p:nvPr/>
+      </p:nvGrpSpPr>
+      <p:grpSpPr>
+        <a:xfrm>
+          <a:off x="0" y="0"/>
+          <a:ext cx="0" cy="0"/>
+          <a:chOff x="0" y="0"/>
+          <a:chExt cx="0" cy="0"/>
+        </a:xfrm>
+      </p:grpSpPr>
+      <p:sp>
+        <p:nvSpPr>
+          <p:cNvPr id="2" name="Slide Image Placeholder 1"/>
+          <p:cNvSpPr>
+            <a:spLocks noGrp="1" noRot="1" noChangeAspect="1"/>
+          </p:cNvSpPr>
+          <p:nvPr>
+            <p:ph type="sldImg"/>
+          </p:nvPr>
+        </p:nvSpPr>
+        <p:spPr/>
+      </p:sp>
+      <p:sp>
+        <p:nvSpPr>
+          <p:cNvPr id="3" name="Notes Placeholder 2"/>
+          <p:cNvSpPr>
+            <a:spLocks noGrp="1"/>
+          </p:cNvSpPr>
+          <p:nvPr>
+            <p:ph type="body" idx="1"/>
+          </p:nvPr>
+        </p:nvSpPr>
+        <p:spPr/>
+        <p:txBody>
+          <a:bodyPr/>
+          <a:lstStyle/>
+          <a:p>
+            <a:endParaRPr lang="en-US" dirty="0"/>
+          </a:p>
+        </p:txBody>
+      </p:sp>
+      <p:sp>
+        <p:nvSpPr>
+          <p:cNvPr id="4" name="Slide Number Placeholder 3"/>
+          <p:cNvSpPr>
+            <a:spLocks noGrp="1"/>
+          </p:cNvSpPr>
+          <p:nvPr>
+            <p:ph type="sldNum" sz="quarter" idx="10"/>
+          </p:nvPr>
+        </p:nvSpPr>
+        <p:spPr/>
+        <p:txBody>
+          <a:bodyPr/>
+          <a:lstStyle/>
+          <a:p>
+            <a:fld id="{148CC6F0-A91C-42A5-9365-46DAD84980C2}" type="slidenum">
+              <a:rPr lang="en-US" smtClean="0"/>
+              <a:pPr/>
+              <a:t>13</a:t>
+            </a:fld>
+            <a:endParaRPr lang="en-US"/>
+          </a:p>
+        </p:txBody>
+      </p:sp>
+    </p:spTree>
+    <p:extLst>
+      <p:ext uri="{BB962C8B-B14F-4D97-AF65-F5344CB8AC3E}">
+        <p14:creationId xmlns:p14="http://schemas.microsoft.com/office/powerpoint/2010/main" xmlns="" val="3843752410"/>
+      </p:ext>
+    </p:extLst>
+  </p:cSld>
+  <p:clrMapOvr>
+    <a:masterClrMapping/>
+  </p:clrMapOvr>
+</p:notes>
+</file>
+
+<file path=ppt/notesSlides/notesSlide13.xml><?xml version="1.0" encoding="utf-8"?>
+<p:notes xmlns:a="http://schemas.openxmlformats.org/drawingml/2006/main" xmlns:r="http://schemas.openxmlformats.org/officeDocument/2006/relationships" xmlns:p="http://schemas.openxmlformats.org/presentationml/2006/main">
+  <p:cSld>
+    <p:spTree>
+      <p:nvGrpSpPr>
+        <p:cNvPr id="1" name=""/>
+        <p:cNvGrpSpPr/>
+        <p:nvPr/>
+      </p:nvGrpSpPr>
+      <p:grpSpPr>
+        <a:xfrm>
+          <a:off x="0" y="0"/>
+          <a:ext cx="0" cy="0"/>
+          <a:chOff x="0" y="0"/>
+          <a:chExt cx="0" cy="0"/>
+        </a:xfrm>
+      </p:grpSpPr>
+      <p:sp>
+        <p:nvSpPr>
+          <p:cNvPr id="2" name="Slide Image Placeholder 1"/>
+          <p:cNvSpPr>
+            <a:spLocks noGrp="1" noRot="1" noChangeAspect="1"/>
+          </p:cNvSpPr>
+          <p:nvPr>
+            <p:ph type="sldImg"/>
+          </p:nvPr>
+        </p:nvSpPr>
+        <p:spPr/>
+      </p:sp>
+      <p:sp>
+        <p:nvSpPr>
+          <p:cNvPr id="3" name="Notes Placeholder 2"/>
+          <p:cNvSpPr>
+            <a:spLocks noGrp="1"/>
+          </p:cNvSpPr>
+          <p:nvPr>
+            <p:ph type="body" idx="1"/>
+          </p:nvPr>
+        </p:nvSpPr>
+        <p:spPr/>
+        <p:txBody>
+          <a:bodyPr/>
+          <a:lstStyle/>
+          <a:p>
+            <a:endParaRPr lang="en-US" dirty="0"/>
+          </a:p>
+        </p:txBody>
+      </p:sp>
+      <p:sp>
+        <p:nvSpPr>
+          <p:cNvPr id="4" name="Slide Number Placeholder 3"/>
+          <p:cNvSpPr>
+            <a:spLocks noGrp="1"/>
+          </p:cNvSpPr>
+          <p:nvPr>
+            <p:ph type="sldNum" sz="quarter" idx="10"/>
+          </p:nvPr>
+        </p:nvSpPr>
+        <p:spPr/>
+        <p:txBody>
+          <a:bodyPr/>
+          <a:lstStyle/>
+          <a:p>
+            <a:fld id="{148CC6F0-A91C-42A5-9365-46DAD84980C2}" type="slidenum">
+              <a:rPr lang="en-US" smtClean="0"/>
+              <a:pPr/>
+              <a:t>14</a:t>
+            </a:fld>
+            <a:endParaRPr lang="en-US"/>
+          </a:p>
+        </p:txBody>
+      </p:sp>
+    </p:spTree>
+    <p:extLst>
+      <p:ext uri="{BB962C8B-B14F-4D97-AF65-F5344CB8AC3E}">
+        <p14:creationId xmlns:p14="http://schemas.microsoft.com/office/powerpoint/2010/main" xmlns="" val="3843752410"/>
+      </p:ext>
+    </p:extLst>
+  </p:cSld>
+  <p:clrMapOvr>
+    <a:masterClrMapping/>
+  </p:clrMapOvr>
+</p:notes>
+</file>
+
+<file path=ppt/notesSlides/notesSlide14.xml><?xml version="1.0" encoding="utf-8"?>
+<p:notes xmlns:a="http://schemas.openxmlformats.org/drawingml/2006/main" xmlns:r="http://schemas.openxmlformats.org/officeDocument/2006/relationships" xmlns:p="http://schemas.openxmlformats.org/presentationml/2006/main">
+  <p:cSld>
+    <p:spTree>
+      <p:nvGrpSpPr>
+        <p:cNvPr id="1" name=""/>
+        <p:cNvGrpSpPr/>
+        <p:nvPr/>
+      </p:nvGrpSpPr>
+      <p:grpSpPr>
+        <a:xfrm>
+          <a:off x="0" y="0"/>
+          <a:ext cx="0" cy="0"/>
+          <a:chOff x="0" y="0"/>
+          <a:chExt cx="0" cy="0"/>
+        </a:xfrm>
+      </p:grpSpPr>
+      <p:sp>
+        <p:nvSpPr>
+          <p:cNvPr id="2" name="Slide Image Placeholder 1"/>
+          <p:cNvSpPr>
+            <a:spLocks noGrp="1" noRot="1" noChangeAspect="1"/>
+          </p:cNvSpPr>
+          <p:nvPr>
+            <p:ph type="sldImg"/>
+          </p:nvPr>
+        </p:nvSpPr>
+        <p:spPr/>
+      </p:sp>
+      <p:sp>
+        <p:nvSpPr>
+          <p:cNvPr id="3" name="Notes Placeholder 2"/>
+          <p:cNvSpPr>
+            <a:spLocks noGrp="1"/>
+          </p:cNvSpPr>
+          <p:nvPr>
+            <p:ph type="body" idx="1"/>
+          </p:nvPr>
+        </p:nvSpPr>
+        <p:spPr/>
+        <p:txBody>
+          <a:bodyPr/>
+          <a:lstStyle/>
+          <a:p>
+            <a:endParaRPr lang="en-US" dirty="0"/>
+          </a:p>
+        </p:txBody>
+      </p:sp>
+      <p:sp>
+        <p:nvSpPr>
+          <p:cNvPr id="4" name="Slide Number Placeholder 3"/>
+          <p:cNvSpPr>
+            <a:spLocks noGrp="1"/>
+          </p:cNvSpPr>
+          <p:nvPr>
+            <p:ph type="sldNum" sz="quarter" idx="10"/>
+          </p:nvPr>
+        </p:nvSpPr>
+        <p:spPr/>
+        <p:txBody>
+          <a:bodyPr/>
+          <a:lstStyle/>
+          <a:p>
+            <a:fld id="{148CC6F0-A91C-42A5-9365-46DAD84980C2}" type="slidenum">
+              <a:rPr lang="en-US" smtClean="0"/>
+              <a:pPr/>
+              <a:t>15</a:t>
+            </a:fld>
+            <a:endParaRPr lang="en-US"/>
+          </a:p>
+        </p:txBody>
+      </p:sp>
+    </p:spTree>
+    <p:extLst>
+      <p:ext uri="{BB962C8B-B14F-4D97-AF65-F5344CB8AC3E}">
+        <p14:creationId xmlns:p14="http://schemas.microsoft.com/office/powerpoint/2010/main" xmlns="" val="2905436193"/>
       </p:ext>
     </p:extLst>
   </p:cSld>
@@ -656,6 +1089,7 @@
           <a:p>
             <a:fld id="{148CC6F0-A91C-42A5-9365-46DAD84980C2}" type="slidenum">
               <a:rPr lang="en-US" smtClean="0"/>
+              <a:pPr/>
               <a:t>3</a:t>
             </a:fld>
             <a:endParaRPr lang="en-US"/>
@@ -665,7 +1099,7 @@
     </p:spTree>
     <p:extLst>
       <p:ext uri="{BB962C8B-B14F-4D97-AF65-F5344CB8AC3E}">
-        <p14:creationId xmlns:p14="http://schemas.microsoft.com/office/powerpoint/2010/main" val="1236732504"/>
+        <p14:creationId xmlns:p14="http://schemas.microsoft.com/office/powerpoint/2010/main" xmlns="" val="1236732504"/>
       </p:ext>
     </p:extLst>
   </p:cSld>
@@ -740,6 +1174,7 @@
           <a:p>
             <a:fld id="{148CC6F0-A91C-42A5-9365-46DAD84980C2}" type="slidenum">
               <a:rPr lang="en-US" smtClean="0"/>
+              <a:pPr/>
               <a:t>4</a:t>
             </a:fld>
             <a:endParaRPr lang="en-US"/>
@@ -749,7 +1184,7 @@
     </p:spTree>
     <p:extLst>
       <p:ext uri="{BB962C8B-B14F-4D97-AF65-F5344CB8AC3E}">
-        <p14:creationId xmlns:p14="http://schemas.microsoft.com/office/powerpoint/2010/main" val="2279340415"/>
+        <p14:creationId xmlns:p14="http://schemas.microsoft.com/office/powerpoint/2010/main" xmlns="" val="2279340415"/>
       </p:ext>
     </p:extLst>
   </p:cSld>
@@ -824,6 +1259,7 @@
           <a:p>
             <a:fld id="{148CC6F0-A91C-42A5-9365-46DAD84980C2}" type="slidenum">
               <a:rPr lang="en-US" smtClean="0"/>
+              <a:pPr/>
               <a:t>5</a:t>
             </a:fld>
             <a:endParaRPr lang="en-US"/>
@@ -833,7 +1269,7 @@
     </p:spTree>
     <p:extLst>
       <p:ext uri="{BB962C8B-B14F-4D97-AF65-F5344CB8AC3E}">
-        <p14:creationId xmlns:p14="http://schemas.microsoft.com/office/powerpoint/2010/main" val="151475752"/>
+        <p14:creationId xmlns:p14="http://schemas.microsoft.com/office/powerpoint/2010/main" xmlns="" val="151475752"/>
       </p:ext>
     </p:extLst>
   </p:cSld>
@@ -908,6 +1344,7 @@
           <a:p>
             <a:fld id="{148CC6F0-A91C-42A5-9365-46DAD84980C2}" type="slidenum">
               <a:rPr lang="en-US" smtClean="0"/>
+              <a:pPr/>
               <a:t>6</a:t>
             </a:fld>
             <a:endParaRPr lang="en-US"/>
@@ -917,7 +1354,7 @@
     </p:spTree>
     <p:extLst>
       <p:ext uri="{BB962C8B-B14F-4D97-AF65-F5344CB8AC3E}">
-        <p14:creationId xmlns:p14="http://schemas.microsoft.com/office/powerpoint/2010/main" val="4142781396"/>
+        <p14:creationId xmlns:p14="http://schemas.microsoft.com/office/powerpoint/2010/main" xmlns="" val="4142781396"/>
       </p:ext>
     </p:extLst>
   </p:cSld>
@@ -992,6 +1429,7 @@
           <a:p>
             <a:fld id="{148CC6F0-A91C-42A5-9365-46DAD84980C2}" type="slidenum">
               <a:rPr lang="en-US" smtClean="0"/>
+              <a:pPr/>
               <a:t>7</a:t>
             </a:fld>
             <a:endParaRPr lang="en-US"/>
@@ -1001,7 +1439,7 @@
     </p:spTree>
     <p:extLst>
       <p:ext uri="{BB962C8B-B14F-4D97-AF65-F5344CB8AC3E}">
-        <p14:creationId xmlns:p14="http://schemas.microsoft.com/office/powerpoint/2010/main" val="2925099622"/>
+        <p14:creationId xmlns:p14="http://schemas.microsoft.com/office/powerpoint/2010/main" xmlns="" val="2925099622"/>
       </p:ext>
     </p:extLst>
   </p:cSld>
@@ -1076,6 +1514,7 @@
           <a:p>
             <a:fld id="{148CC6F0-A91C-42A5-9365-46DAD84980C2}" type="slidenum">
               <a:rPr lang="en-US" smtClean="0"/>
+              <a:pPr/>
               <a:t>8</a:t>
             </a:fld>
             <a:endParaRPr lang="en-US"/>
@@ -1085,7 +1524,7 @@
     </p:spTree>
     <p:extLst>
       <p:ext uri="{BB962C8B-B14F-4D97-AF65-F5344CB8AC3E}">
-        <p14:creationId xmlns:p14="http://schemas.microsoft.com/office/powerpoint/2010/main" val="839460708"/>
+        <p14:creationId xmlns:p14="http://schemas.microsoft.com/office/powerpoint/2010/main" xmlns="" val="839460708"/>
       </p:ext>
     </p:extLst>
   </p:cSld>
@@ -1160,6 +1599,7 @@
           <a:p>
             <a:fld id="{148CC6F0-A91C-42A5-9365-46DAD84980C2}" type="slidenum">
               <a:rPr lang="en-US" smtClean="0"/>
+              <a:pPr/>
               <a:t>9</a:t>
             </a:fld>
             <a:endParaRPr lang="en-US"/>
@@ -1169,7 +1609,7 @@
     </p:spTree>
     <p:extLst>
       <p:ext uri="{BB962C8B-B14F-4D97-AF65-F5344CB8AC3E}">
-        <p14:creationId xmlns:p14="http://schemas.microsoft.com/office/powerpoint/2010/main" val="3843752410"/>
+        <p14:creationId xmlns:p14="http://schemas.microsoft.com/office/powerpoint/2010/main" xmlns="" val="839460708"/>
       </p:ext>
     </p:extLst>
   </p:cSld>
@@ -1244,6 +1684,7 @@
           <a:p>
             <a:fld id="{148CC6F0-A91C-42A5-9365-46DAD84980C2}" type="slidenum">
               <a:rPr lang="en-US" smtClean="0"/>
+              <a:pPr/>
               <a:t>10</a:t>
             </a:fld>
             <a:endParaRPr lang="en-US"/>
@@ -1253,7 +1694,7 @@
     </p:spTree>
     <p:extLst>
       <p:ext uri="{BB962C8B-B14F-4D97-AF65-F5344CB8AC3E}">
-        <p14:creationId xmlns:p14="http://schemas.microsoft.com/office/powerpoint/2010/main" val="2905436193"/>
+        <p14:creationId xmlns:p14="http://schemas.microsoft.com/office/powerpoint/2010/main" xmlns="" val="839460708"/>
       </p:ext>
     </p:extLst>
   </p:cSld>
@@ -1285,7 +1726,7 @@
           <p:cNvPr id="2" name="Title 1">
             <a:extLst>
               <a:ext uri="{FF2B5EF4-FFF2-40B4-BE49-F238E27FC236}">
-                <a16:creationId xmlns:a16="http://schemas.microsoft.com/office/drawing/2014/main" id="{EFF1F054-5F26-423F-A5DD-9C54CE0A2AE9}"/>
+                <a16:creationId xmlns:a16="http://schemas.microsoft.com/office/drawing/2014/main" xmlns="" id="{EFF1F054-5F26-423F-A5DD-9C54CE0A2AE9}"/>
               </a:ext>
             </a:extLst>
           </p:cNvPr>
@@ -1322,7 +1763,7 @@
           <p:cNvPr id="3" name="Subtitle 2">
             <a:extLst>
               <a:ext uri="{FF2B5EF4-FFF2-40B4-BE49-F238E27FC236}">
-                <a16:creationId xmlns:a16="http://schemas.microsoft.com/office/drawing/2014/main" id="{3BB2565F-9609-400E-9E2E-E6259786714D}"/>
+                <a16:creationId xmlns:a16="http://schemas.microsoft.com/office/drawing/2014/main" xmlns="" id="{3BB2565F-9609-400E-9E2E-E6259786714D}"/>
               </a:ext>
             </a:extLst>
           </p:cNvPr>
@@ -1392,7 +1833,7 @@
           <p:cNvPr id="4" name="Date Placeholder 3">
             <a:extLst>
               <a:ext uri="{FF2B5EF4-FFF2-40B4-BE49-F238E27FC236}">
-                <a16:creationId xmlns:a16="http://schemas.microsoft.com/office/drawing/2014/main" id="{EDA6FF66-933D-47F1-A95A-74DB940C384A}"/>
+                <a16:creationId xmlns:a16="http://schemas.microsoft.com/office/drawing/2014/main" xmlns="" id="{EDA6FF66-933D-47F1-A95A-74DB940C384A}"/>
               </a:ext>
             </a:extLst>
           </p:cNvPr>
@@ -1410,6 +1851,7 @@
           <a:p>
             <a:fld id="{B8159077-EF48-40E3-BF6E-366926B30A93}" type="datetimeFigureOut">
               <a:rPr lang="en-US" smtClean="0"/>
+              <a:pPr/>
               <a:t>11/12/2018</a:t>
             </a:fld>
             <a:endParaRPr lang="en-US"/>
@@ -1421,7 +1863,7 @@
           <p:cNvPr id="5" name="Footer Placeholder 4">
             <a:extLst>
               <a:ext uri="{FF2B5EF4-FFF2-40B4-BE49-F238E27FC236}">
-                <a16:creationId xmlns:a16="http://schemas.microsoft.com/office/drawing/2014/main" id="{89B5FEE5-1B4A-4EFE-B89E-F2559B365D40}"/>
+                <a16:creationId xmlns:a16="http://schemas.microsoft.com/office/drawing/2014/main" xmlns="" id="{89B5FEE5-1B4A-4EFE-B89E-F2559B365D40}"/>
               </a:ext>
             </a:extLst>
           </p:cNvPr>
@@ -1446,7 +1888,7 @@
           <p:cNvPr id="6" name="Slide Number Placeholder 5">
             <a:extLst>
               <a:ext uri="{FF2B5EF4-FFF2-40B4-BE49-F238E27FC236}">
-                <a16:creationId xmlns:a16="http://schemas.microsoft.com/office/drawing/2014/main" id="{C0D5733D-C7BB-4CC1-850C-DD54586BBBA5}"/>
+                <a16:creationId xmlns:a16="http://schemas.microsoft.com/office/drawing/2014/main" xmlns="" id="{C0D5733D-C7BB-4CC1-850C-DD54586BBBA5}"/>
               </a:ext>
             </a:extLst>
           </p:cNvPr>
@@ -1464,6 +1906,7 @@
           <a:p>
             <a:fld id="{EF5D5ED4-2A09-41F3-B198-C7A675178407}" type="slidenum">
               <a:rPr lang="en-US" smtClean="0"/>
+              <a:pPr/>
               <a:t>‹#›</a:t>
             </a:fld>
             <a:endParaRPr lang="en-US"/>
@@ -1475,7 +1918,7 @@
           <p:cNvPr id="7" name="Straight Connector 6">
             <a:extLst>
               <a:ext uri="{FF2B5EF4-FFF2-40B4-BE49-F238E27FC236}">
-                <a16:creationId xmlns:a16="http://schemas.microsoft.com/office/drawing/2014/main" id="{3EA4CAC6-7389-48ED-AC06-BFADD41551D5}"/>
+                <a16:creationId xmlns:a16="http://schemas.microsoft.com/office/drawing/2014/main" xmlns="" id="{3EA4CAC6-7389-48ED-AC06-BFADD41551D5}"/>
               </a:ext>
             </a:extLst>
           </p:cNvPr>
@@ -1513,7 +1956,7 @@
           <p:cNvPr id="9" name="TextBox 8">
             <a:extLst>
               <a:ext uri="{FF2B5EF4-FFF2-40B4-BE49-F238E27FC236}">
-                <a16:creationId xmlns:a16="http://schemas.microsoft.com/office/drawing/2014/main" id="{67F2ADF3-F7F8-4087-858A-6F66D508D87C}"/>
+                <a16:creationId xmlns:a16="http://schemas.microsoft.com/office/drawing/2014/main" xmlns="" id="{67F2ADF3-F7F8-4087-858A-6F66D508D87C}"/>
               </a:ext>
             </a:extLst>
           </p:cNvPr>
@@ -1561,7 +2004,7 @@
     </p:spTree>
     <p:extLst>
       <p:ext uri="{BB962C8B-B14F-4D97-AF65-F5344CB8AC3E}">
-        <p14:creationId xmlns:p14="http://schemas.microsoft.com/office/powerpoint/2010/main" val="37654009"/>
+        <p14:creationId xmlns:p14="http://schemas.microsoft.com/office/powerpoint/2010/main" xmlns="" val="37654009"/>
       </p:ext>
     </p:extLst>
   </p:cSld>
@@ -1593,7 +2036,7 @@
           <p:cNvPr id="2" name="Title 1">
             <a:extLst>
               <a:ext uri="{FF2B5EF4-FFF2-40B4-BE49-F238E27FC236}">
-                <a16:creationId xmlns:a16="http://schemas.microsoft.com/office/drawing/2014/main" id="{D578F509-E66E-42C7-B414-DEDB8CB0009A}"/>
+                <a16:creationId xmlns:a16="http://schemas.microsoft.com/office/drawing/2014/main" xmlns="" id="{D578F509-E66E-42C7-B414-DEDB8CB0009A}"/>
               </a:ext>
             </a:extLst>
           </p:cNvPr>
@@ -1621,7 +2064,7 @@
           <p:cNvPr id="3" name="Vertical Text Placeholder 2">
             <a:extLst>
               <a:ext uri="{FF2B5EF4-FFF2-40B4-BE49-F238E27FC236}">
-                <a16:creationId xmlns:a16="http://schemas.microsoft.com/office/drawing/2014/main" id="{39FD8C8D-EF98-470B-8FD0-A9BB0450B149}"/>
+                <a16:creationId xmlns:a16="http://schemas.microsoft.com/office/drawing/2014/main" xmlns="" id="{39FD8C8D-EF98-470B-8FD0-A9BB0450B149}"/>
               </a:ext>
             </a:extLst>
           </p:cNvPr>
@@ -1678,7 +2121,7 @@
           <p:cNvPr id="4" name="Date Placeholder 3">
             <a:extLst>
               <a:ext uri="{FF2B5EF4-FFF2-40B4-BE49-F238E27FC236}">
-                <a16:creationId xmlns:a16="http://schemas.microsoft.com/office/drawing/2014/main" id="{0600363F-FFE9-4A83-A47C-7B025E73A7D3}"/>
+                <a16:creationId xmlns:a16="http://schemas.microsoft.com/office/drawing/2014/main" xmlns="" id="{0600363F-FFE9-4A83-A47C-7B025E73A7D3}"/>
               </a:ext>
             </a:extLst>
           </p:cNvPr>
@@ -1696,6 +2139,7 @@
           <a:p>
             <a:fld id="{B8159077-EF48-40E3-BF6E-366926B30A93}" type="datetimeFigureOut">
               <a:rPr lang="en-US" smtClean="0"/>
+              <a:pPr/>
               <a:t>11/12/2018</a:t>
             </a:fld>
             <a:endParaRPr lang="en-US"/>
@@ -1707,7 +2151,7 @@
           <p:cNvPr id="5" name="Footer Placeholder 4">
             <a:extLst>
               <a:ext uri="{FF2B5EF4-FFF2-40B4-BE49-F238E27FC236}">
-                <a16:creationId xmlns:a16="http://schemas.microsoft.com/office/drawing/2014/main" id="{2639756C-4793-47FF-AF0E-A346FA4D9F5A}"/>
+                <a16:creationId xmlns:a16="http://schemas.microsoft.com/office/drawing/2014/main" xmlns="" id="{2639756C-4793-47FF-AF0E-A346FA4D9F5A}"/>
               </a:ext>
             </a:extLst>
           </p:cNvPr>
@@ -1732,7 +2176,7 @@
           <p:cNvPr id="6" name="Slide Number Placeholder 5">
             <a:extLst>
               <a:ext uri="{FF2B5EF4-FFF2-40B4-BE49-F238E27FC236}">
-                <a16:creationId xmlns:a16="http://schemas.microsoft.com/office/drawing/2014/main" id="{55698755-6A6A-4B66-94EC-81D56DA8E372}"/>
+                <a16:creationId xmlns:a16="http://schemas.microsoft.com/office/drawing/2014/main" xmlns="" id="{55698755-6A6A-4B66-94EC-81D56DA8E372}"/>
               </a:ext>
             </a:extLst>
           </p:cNvPr>
@@ -1750,6 +2194,7 @@
           <a:p>
             <a:fld id="{EF5D5ED4-2A09-41F3-B198-C7A675178407}" type="slidenum">
               <a:rPr lang="en-US" smtClean="0"/>
+              <a:pPr/>
               <a:t>‹#›</a:t>
             </a:fld>
             <a:endParaRPr lang="en-US"/>
@@ -1759,7 +2204,7 @@
     </p:spTree>
     <p:extLst>
       <p:ext uri="{BB962C8B-B14F-4D97-AF65-F5344CB8AC3E}">
-        <p14:creationId xmlns:p14="http://schemas.microsoft.com/office/powerpoint/2010/main" val="74609242"/>
+        <p14:creationId xmlns:p14="http://schemas.microsoft.com/office/powerpoint/2010/main" xmlns="" val="74609242"/>
       </p:ext>
     </p:extLst>
   </p:cSld>
@@ -1791,7 +2236,7 @@
           <p:cNvPr id="2" name="Vertical Title 1">
             <a:extLst>
               <a:ext uri="{FF2B5EF4-FFF2-40B4-BE49-F238E27FC236}">
-                <a16:creationId xmlns:a16="http://schemas.microsoft.com/office/drawing/2014/main" id="{02A87FEF-54B8-4489-85DC-D98FE6F28050}"/>
+                <a16:creationId xmlns:a16="http://schemas.microsoft.com/office/drawing/2014/main" xmlns="" id="{02A87FEF-54B8-4489-85DC-D98FE6F28050}"/>
               </a:ext>
             </a:extLst>
           </p:cNvPr>
@@ -1824,7 +2269,7 @@
           <p:cNvPr id="3" name="Vertical Text Placeholder 2">
             <a:extLst>
               <a:ext uri="{FF2B5EF4-FFF2-40B4-BE49-F238E27FC236}">
-                <a16:creationId xmlns:a16="http://schemas.microsoft.com/office/drawing/2014/main" id="{8B71D077-BD07-4382-8E63-59488FFCA8D5}"/>
+                <a16:creationId xmlns:a16="http://schemas.microsoft.com/office/drawing/2014/main" xmlns="" id="{8B71D077-BD07-4382-8E63-59488FFCA8D5}"/>
               </a:ext>
             </a:extLst>
           </p:cNvPr>
@@ -1886,7 +2331,7 @@
           <p:cNvPr id="4" name="Date Placeholder 3">
             <a:extLst>
               <a:ext uri="{FF2B5EF4-FFF2-40B4-BE49-F238E27FC236}">
-                <a16:creationId xmlns:a16="http://schemas.microsoft.com/office/drawing/2014/main" id="{9B481C67-9B19-4A17-87AF-47D2816A63D2}"/>
+                <a16:creationId xmlns:a16="http://schemas.microsoft.com/office/drawing/2014/main" xmlns="" id="{9B481C67-9B19-4A17-87AF-47D2816A63D2}"/>
               </a:ext>
             </a:extLst>
           </p:cNvPr>
@@ -1904,6 +2349,7 @@
           <a:p>
             <a:fld id="{B8159077-EF48-40E3-BF6E-366926B30A93}" type="datetimeFigureOut">
               <a:rPr lang="en-US" smtClean="0"/>
+              <a:pPr/>
               <a:t>11/12/2018</a:t>
             </a:fld>
             <a:endParaRPr lang="en-US"/>
@@ -1915,7 +2361,7 @@
           <p:cNvPr id="5" name="Footer Placeholder 4">
             <a:extLst>
               <a:ext uri="{FF2B5EF4-FFF2-40B4-BE49-F238E27FC236}">
-                <a16:creationId xmlns:a16="http://schemas.microsoft.com/office/drawing/2014/main" id="{9AB74035-BE1F-4B6A-A757-0A3BEBC07ECF}"/>
+                <a16:creationId xmlns:a16="http://schemas.microsoft.com/office/drawing/2014/main" xmlns="" id="{9AB74035-BE1F-4B6A-A757-0A3BEBC07ECF}"/>
               </a:ext>
             </a:extLst>
           </p:cNvPr>
@@ -1940,7 +2386,7 @@
           <p:cNvPr id="6" name="Slide Number Placeholder 5">
             <a:extLst>
               <a:ext uri="{FF2B5EF4-FFF2-40B4-BE49-F238E27FC236}">
-                <a16:creationId xmlns:a16="http://schemas.microsoft.com/office/drawing/2014/main" id="{FC371FF7-26AC-4666-A6E2-B9A9C931F17E}"/>
+                <a16:creationId xmlns:a16="http://schemas.microsoft.com/office/drawing/2014/main" xmlns="" id="{FC371FF7-26AC-4666-A6E2-B9A9C931F17E}"/>
               </a:ext>
             </a:extLst>
           </p:cNvPr>
@@ -1958,6 +2404,7 @@
           <a:p>
             <a:fld id="{EF5D5ED4-2A09-41F3-B198-C7A675178407}" type="slidenum">
               <a:rPr lang="en-US" smtClean="0"/>
+              <a:pPr/>
               <a:t>‹#›</a:t>
             </a:fld>
             <a:endParaRPr lang="en-US"/>
@@ -1967,7 +2414,7 @@
     </p:spTree>
     <p:extLst>
       <p:ext uri="{BB962C8B-B14F-4D97-AF65-F5344CB8AC3E}">
-        <p14:creationId xmlns:p14="http://schemas.microsoft.com/office/powerpoint/2010/main" val="327360313"/>
+        <p14:creationId xmlns:p14="http://schemas.microsoft.com/office/powerpoint/2010/main" xmlns="" val="327360313"/>
       </p:ext>
     </p:extLst>
   </p:cSld>
@@ -1999,7 +2446,7 @@
           <p:cNvPr id="2" name="Title 1">
             <a:extLst>
               <a:ext uri="{FF2B5EF4-FFF2-40B4-BE49-F238E27FC236}">
-                <a16:creationId xmlns:a16="http://schemas.microsoft.com/office/drawing/2014/main" id="{11EFF147-8305-4C8C-86F1-D856EBBAF7C2}"/>
+                <a16:creationId xmlns:a16="http://schemas.microsoft.com/office/drawing/2014/main" xmlns="" id="{11EFF147-8305-4C8C-86F1-D856EBBAF7C2}"/>
               </a:ext>
             </a:extLst>
           </p:cNvPr>
@@ -2027,7 +2474,7 @@
           <p:cNvPr id="3" name="Content Placeholder 2">
             <a:extLst>
               <a:ext uri="{FF2B5EF4-FFF2-40B4-BE49-F238E27FC236}">
-                <a16:creationId xmlns:a16="http://schemas.microsoft.com/office/drawing/2014/main" id="{05BB0835-3F9B-44C7-A1E0-BB6A820FB090}"/>
+                <a16:creationId xmlns:a16="http://schemas.microsoft.com/office/drawing/2014/main" xmlns="" id="{05BB0835-3F9B-44C7-A1E0-BB6A820FB090}"/>
               </a:ext>
             </a:extLst>
           </p:cNvPr>
@@ -2084,7 +2531,7 @@
           <p:cNvPr id="4" name="Date Placeholder 3">
             <a:extLst>
               <a:ext uri="{FF2B5EF4-FFF2-40B4-BE49-F238E27FC236}">
-                <a16:creationId xmlns:a16="http://schemas.microsoft.com/office/drawing/2014/main" id="{6B8082C4-E0B0-4F75-9A71-E46836F54912}"/>
+                <a16:creationId xmlns:a16="http://schemas.microsoft.com/office/drawing/2014/main" xmlns="" id="{6B8082C4-E0B0-4F75-9A71-E46836F54912}"/>
               </a:ext>
             </a:extLst>
           </p:cNvPr>
@@ -2102,6 +2549,7 @@
           <a:p>
             <a:fld id="{B8159077-EF48-40E3-BF6E-366926B30A93}" type="datetimeFigureOut">
               <a:rPr lang="en-US" smtClean="0"/>
+              <a:pPr/>
               <a:t>11/12/2018</a:t>
             </a:fld>
             <a:endParaRPr lang="en-US"/>
@@ -2113,7 +2561,7 @@
           <p:cNvPr id="5" name="Footer Placeholder 4">
             <a:extLst>
               <a:ext uri="{FF2B5EF4-FFF2-40B4-BE49-F238E27FC236}">
-                <a16:creationId xmlns:a16="http://schemas.microsoft.com/office/drawing/2014/main" id="{6C2526BA-4562-4167-9CC0-13E0F1E07ED2}"/>
+                <a16:creationId xmlns:a16="http://schemas.microsoft.com/office/drawing/2014/main" xmlns="" id="{6C2526BA-4562-4167-9CC0-13E0F1E07ED2}"/>
               </a:ext>
             </a:extLst>
           </p:cNvPr>
@@ -2138,7 +2586,7 @@
           <p:cNvPr id="6" name="Slide Number Placeholder 5">
             <a:extLst>
               <a:ext uri="{FF2B5EF4-FFF2-40B4-BE49-F238E27FC236}">
-                <a16:creationId xmlns:a16="http://schemas.microsoft.com/office/drawing/2014/main" id="{54DC031C-236C-4C79-B203-6266D585985E}"/>
+                <a16:creationId xmlns:a16="http://schemas.microsoft.com/office/drawing/2014/main" xmlns="" id="{54DC031C-236C-4C79-B203-6266D585985E}"/>
               </a:ext>
             </a:extLst>
           </p:cNvPr>
@@ -2156,6 +2604,7 @@
           <a:p>
             <a:fld id="{EF5D5ED4-2A09-41F3-B198-C7A675178407}" type="slidenum">
               <a:rPr lang="en-US" smtClean="0"/>
+              <a:pPr/>
               <a:t>‹#›</a:t>
             </a:fld>
             <a:endParaRPr lang="en-US"/>
@@ -2167,7 +2616,7 @@
           <p:cNvPr id="7" name="Straight Connector 6">
             <a:extLst>
               <a:ext uri="{FF2B5EF4-FFF2-40B4-BE49-F238E27FC236}">
-                <a16:creationId xmlns:a16="http://schemas.microsoft.com/office/drawing/2014/main" id="{EBA1F678-17D0-4A24-BC8C-596209B8A706}"/>
+                <a16:creationId xmlns:a16="http://schemas.microsoft.com/office/drawing/2014/main" xmlns="" id="{EBA1F678-17D0-4A24-BC8C-596209B8A706}"/>
               </a:ext>
             </a:extLst>
           </p:cNvPr>
@@ -2203,7 +2652,7 @@
     </p:spTree>
     <p:extLst>
       <p:ext uri="{BB962C8B-B14F-4D97-AF65-F5344CB8AC3E}">
-        <p14:creationId xmlns:p14="http://schemas.microsoft.com/office/powerpoint/2010/main" val="2709948559"/>
+        <p14:creationId xmlns:p14="http://schemas.microsoft.com/office/powerpoint/2010/main" xmlns="" val="2709948559"/>
       </p:ext>
     </p:extLst>
   </p:cSld>
@@ -2235,7 +2684,7 @@
           <p:cNvPr id="2" name="Title 1">
             <a:extLst>
               <a:ext uri="{FF2B5EF4-FFF2-40B4-BE49-F238E27FC236}">
-                <a16:creationId xmlns:a16="http://schemas.microsoft.com/office/drawing/2014/main" id="{9C77E9F5-987F-47D7-A80F-63B190B6C256}"/>
+                <a16:creationId xmlns:a16="http://schemas.microsoft.com/office/drawing/2014/main" xmlns="" id="{9C77E9F5-987F-47D7-A80F-63B190B6C256}"/>
               </a:ext>
             </a:extLst>
           </p:cNvPr>
@@ -2272,7 +2721,7 @@
           <p:cNvPr id="3" name="Text Placeholder 2">
             <a:extLst>
               <a:ext uri="{FF2B5EF4-FFF2-40B4-BE49-F238E27FC236}">
-                <a16:creationId xmlns:a16="http://schemas.microsoft.com/office/drawing/2014/main" id="{57A6DF7C-9109-464F-B881-82FA2A8012B7}"/>
+                <a16:creationId xmlns:a16="http://schemas.microsoft.com/office/drawing/2014/main" xmlns="" id="{57A6DF7C-9109-464F-B881-82FA2A8012B7}"/>
               </a:ext>
             </a:extLst>
           </p:cNvPr>
@@ -2397,7 +2846,7 @@
           <p:cNvPr id="4" name="Date Placeholder 3">
             <a:extLst>
               <a:ext uri="{FF2B5EF4-FFF2-40B4-BE49-F238E27FC236}">
-                <a16:creationId xmlns:a16="http://schemas.microsoft.com/office/drawing/2014/main" id="{2535BF5B-AF99-4CBF-AE0A-75C40BE9E0C1}"/>
+                <a16:creationId xmlns:a16="http://schemas.microsoft.com/office/drawing/2014/main" xmlns="" id="{2535BF5B-AF99-4CBF-AE0A-75C40BE9E0C1}"/>
               </a:ext>
             </a:extLst>
           </p:cNvPr>
@@ -2415,6 +2864,7 @@
           <a:p>
             <a:fld id="{B8159077-EF48-40E3-BF6E-366926B30A93}" type="datetimeFigureOut">
               <a:rPr lang="en-US" smtClean="0"/>
+              <a:pPr/>
               <a:t>11/12/2018</a:t>
             </a:fld>
             <a:endParaRPr lang="en-US"/>
@@ -2426,7 +2876,7 @@
           <p:cNvPr id="5" name="Footer Placeholder 4">
             <a:extLst>
               <a:ext uri="{FF2B5EF4-FFF2-40B4-BE49-F238E27FC236}">
-                <a16:creationId xmlns:a16="http://schemas.microsoft.com/office/drawing/2014/main" id="{E8645BFB-2055-42FB-AC89-BE1785D9BE1E}"/>
+                <a16:creationId xmlns:a16="http://schemas.microsoft.com/office/drawing/2014/main" xmlns="" id="{E8645BFB-2055-42FB-AC89-BE1785D9BE1E}"/>
               </a:ext>
             </a:extLst>
           </p:cNvPr>
@@ -2451,7 +2901,7 @@
           <p:cNvPr id="6" name="Slide Number Placeholder 5">
             <a:extLst>
               <a:ext uri="{FF2B5EF4-FFF2-40B4-BE49-F238E27FC236}">
-                <a16:creationId xmlns:a16="http://schemas.microsoft.com/office/drawing/2014/main" id="{3F95587E-758E-438B-84A0-1497D6C924FD}"/>
+                <a16:creationId xmlns:a16="http://schemas.microsoft.com/office/drawing/2014/main" xmlns="" id="{3F95587E-758E-438B-84A0-1497D6C924FD}"/>
               </a:ext>
             </a:extLst>
           </p:cNvPr>
@@ -2469,6 +2919,7 @@
           <a:p>
             <a:fld id="{EF5D5ED4-2A09-41F3-B198-C7A675178407}" type="slidenum">
               <a:rPr lang="en-US" smtClean="0"/>
+              <a:pPr/>
               <a:t>‹#›</a:t>
             </a:fld>
             <a:endParaRPr lang="en-US"/>
@@ -2480,7 +2931,7 @@
           <p:cNvPr id="7" name="Straight Connector 6">
             <a:extLst>
               <a:ext uri="{FF2B5EF4-FFF2-40B4-BE49-F238E27FC236}">
-                <a16:creationId xmlns:a16="http://schemas.microsoft.com/office/drawing/2014/main" id="{EC3CA79F-75C6-44C0-8E41-48A8B125B502}"/>
+                <a16:creationId xmlns:a16="http://schemas.microsoft.com/office/drawing/2014/main" xmlns="" id="{EC3CA79F-75C6-44C0-8E41-48A8B125B502}"/>
               </a:ext>
             </a:extLst>
           </p:cNvPr>
@@ -2516,7 +2967,7 @@
     </p:spTree>
     <p:extLst>
       <p:ext uri="{BB962C8B-B14F-4D97-AF65-F5344CB8AC3E}">
-        <p14:creationId xmlns:p14="http://schemas.microsoft.com/office/powerpoint/2010/main" val="1251077641"/>
+        <p14:creationId xmlns:p14="http://schemas.microsoft.com/office/powerpoint/2010/main" xmlns="" val="1251077641"/>
       </p:ext>
     </p:extLst>
   </p:cSld>
@@ -2548,7 +2999,7 @@
           <p:cNvPr id="2" name="Title 1">
             <a:extLst>
               <a:ext uri="{FF2B5EF4-FFF2-40B4-BE49-F238E27FC236}">
-                <a16:creationId xmlns:a16="http://schemas.microsoft.com/office/drawing/2014/main" id="{3DA31CFB-0F52-4EF9-A70F-4C8567F61C44}"/>
+                <a16:creationId xmlns:a16="http://schemas.microsoft.com/office/drawing/2014/main" xmlns="" id="{3DA31CFB-0F52-4EF9-A70F-4C8567F61C44}"/>
               </a:ext>
             </a:extLst>
           </p:cNvPr>
@@ -2576,7 +3027,7 @@
           <p:cNvPr id="3" name="Content Placeholder 2">
             <a:extLst>
               <a:ext uri="{FF2B5EF4-FFF2-40B4-BE49-F238E27FC236}">
-                <a16:creationId xmlns:a16="http://schemas.microsoft.com/office/drawing/2014/main" id="{0E4BACCB-8876-41D5-A33E-3FF0D5DA1899}"/>
+                <a16:creationId xmlns:a16="http://schemas.microsoft.com/office/drawing/2014/main" xmlns="" id="{0E4BACCB-8876-41D5-A33E-3FF0D5DA1899}"/>
               </a:ext>
             </a:extLst>
           </p:cNvPr>
@@ -2638,7 +3089,7 @@
           <p:cNvPr id="4" name="Content Placeholder 3">
             <a:extLst>
               <a:ext uri="{FF2B5EF4-FFF2-40B4-BE49-F238E27FC236}">
-                <a16:creationId xmlns:a16="http://schemas.microsoft.com/office/drawing/2014/main" id="{9D75392B-76F8-4D10-B40E-F73EAEE0812A}"/>
+                <a16:creationId xmlns:a16="http://schemas.microsoft.com/office/drawing/2014/main" xmlns="" id="{9D75392B-76F8-4D10-B40E-F73EAEE0812A}"/>
               </a:ext>
             </a:extLst>
           </p:cNvPr>
@@ -2700,7 +3151,7 @@
           <p:cNvPr id="5" name="Date Placeholder 4">
             <a:extLst>
               <a:ext uri="{FF2B5EF4-FFF2-40B4-BE49-F238E27FC236}">
-                <a16:creationId xmlns:a16="http://schemas.microsoft.com/office/drawing/2014/main" id="{680D36E2-8A03-4DBF-950E-C5B08EF7E361}"/>
+                <a16:creationId xmlns:a16="http://schemas.microsoft.com/office/drawing/2014/main" xmlns="" id="{680D36E2-8A03-4DBF-950E-C5B08EF7E361}"/>
               </a:ext>
             </a:extLst>
           </p:cNvPr>
@@ -2718,6 +3169,7 @@
           <a:p>
             <a:fld id="{B8159077-EF48-40E3-BF6E-366926B30A93}" type="datetimeFigureOut">
               <a:rPr lang="en-US" smtClean="0"/>
+              <a:pPr/>
               <a:t>11/12/2018</a:t>
             </a:fld>
             <a:endParaRPr lang="en-US"/>
@@ -2729,7 +3181,7 @@
           <p:cNvPr id="6" name="Footer Placeholder 5">
             <a:extLst>
               <a:ext uri="{FF2B5EF4-FFF2-40B4-BE49-F238E27FC236}">
-                <a16:creationId xmlns:a16="http://schemas.microsoft.com/office/drawing/2014/main" id="{400922BD-5DB1-403B-8A20-3C8F43A71D70}"/>
+                <a16:creationId xmlns:a16="http://schemas.microsoft.com/office/drawing/2014/main" xmlns="" id="{400922BD-5DB1-403B-8A20-3C8F43A71D70}"/>
               </a:ext>
             </a:extLst>
           </p:cNvPr>
@@ -2754,7 +3206,7 @@
           <p:cNvPr id="7" name="Slide Number Placeholder 6">
             <a:extLst>
               <a:ext uri="{FF2B5EF4-FFF2-40B4-BE49-F238E27FC236}">
-                <a16:creationId xmlns:a16="http://schemas.microsoft.com/office/drawing/2014/main" id="{9C3F9DBC-86E0-4E27-B5D1-BCED9750ED38}"/>
+                <a16:creationId xmlns:a16="http://schemas.microsoft.com/office/drawing/2014/main" xmlns="" id="{9C3F9DBC-86E0-4E27-B5D1-BCED9750ED38}"/>
               </a:ext>
             </a:extLst>
           </p:cNvPr>
@@ -2772,6 +3224,7 @@
           <a:p>
             <a:fld id="{EF5D5ED4-2A09-41F3-B198-C7A675178407}" type="slidenum">
               <a:rPr lang="en-US" smtClean="0"/>
+              <a:pPr/>
               <a:t>‹#›</a:t>
             </a:fld>
             <a:endParaRPr lang="en-US"/>
@@ -2781,7 +3234,7 @@
     </p:spTree>
     <p:extLst>
       <p:ext uri="{BB962C8B-B14F-4D97-AF65-F5344CB8AC3E}">
-        <p14:creationId xmlns:p14="http://schemas.microsoft.com/office/powerpoint/2010/main" val="759025932"/>
+        <p14:creationId xmlns:p14="http://schemas.microsoft.com/office/powerpoint/2010/main" xmlns="" val="759025932"/>
       </p:ext>
     </p:extLst>
   </p:cSld>
@@ -2813,7 +3266,7 @@
           <p:cNvPr id="2" name="Title 1">
             <a:extLst>
               <a:ext uri="{FF2B5EF4-FFF2-40B4-BE49-F238E27FC236}">
-                <a16:creationId xmlns:a16="http://schemas.microsoft.com/office/drawing/2014/main" id="{8CC6F189-CDD4-402C-BF48-5716492DB9F8}"/>
+                <a16:creationId xmlns:a16="http://schemas.microsoft.com/office/drawing/2014/main" xmlns="" id="{8CC6F189-CDD4-402C-BF48-5716492DB9F8}"/>
               </a:ext>
             </a:extLst>
           </p:cNvPr>
@@ -2846,7 +3299,7 @@
           <p:cNvPr id="3" name="Text Placeholder 2">
             <a:extLst>
               <a:ext uri="{FF2B5EF4-FFF2-40B4-BE49-F238E27FC236}">
-                <a16:creationId xmlns:a16="http://schemas.microsoft.com/office/drawing/2014/main" id="{50ED9ADE-86F8-4E1B-96EC-AAE4CE82A211}"/>
+                <a16:creationId xmlns:a16="http://schemas.microsoft.com/office/drawing/2014/main" xmlns="" id="{50ED9ADE-86F8-4E1B-96EC-AAE4CE82A211}"/>
               </a:ext>
             </a:extLst>
           </p:cNvPr>
@@ -2917,7 +3370,7 @@
           <p:cNvPr id="4" name="Content Placeholder 3">
             <a:extLst>
               <a:ext uri="{FF2B5EF4-FFF2-40B4-BE49-F238E27FC236}">
-                <a16:creationId xmlns:a16="http://schemas.microsoft.com/office/drawing/2014/main" id="{670DDFAE-921B-4FD1-96C7-CD55AB459341}"/>
+                <a16:creationId xmlns:a16="http://schemas.microsoft.com/office/drawing/2014/main" xmlns="" id="{670DDFAE-921B-4FD1-96C7-CD55AB459341}"/>
               </a:ext>
             </a:extLst>
           </p:cNvPr>
@@ -2979,7 +3432,7 @@
           <p:cNvPr id="5" name="Text Placeholder 4">
             <a:extLst>
               <a:ext uri="{FF2B5EF4-FFF2-40B4-BE49-F238E27FC236}">
-                <a16:creationId xmlns:a16="http://schemas.microsoft.com/office/drawing/2014/main" id="{5FD69DB8-23C3-4044-8A4D-4E92B22298C1}"/>
+                <a16:creationId xmlns:a16="http://schemas.microsoft.com/office/drawing/2014/main" xmlns="" id="{5FD69DB8-23C3-4044-8A4D-4E92B22298C1}"/>
               </a:ext>
             </a:extLst>
           </p:cNvPr>
@@ -3050,7 +3503,7 @@
           <p:cNvPr id="6" name="Content Placeholder 5">
             <a:extLst>
               <a:ext uri="{FF2B5EF4-FFF2-40B4-BE49-F238E27FC236}">
-                <a16:creationId xmlns:a16="http://schemas.microsoft.com/office/drawing/2014/main" id="{972B5D27-F40F-4F48-9993-561FC327DB43}"/>
+                <a16:creationId xmlns:a16="http://schemas.microsoft.com/office/drawing/2014/main" xmlns="" id="{972B5D27-F40F-4F48-9993-561FC327DB43}"/>
               </a:ext>
             </a:extLst>
           </p:cNvPr>
@@ -3112,7 +3565,7 @@
           <p:cNvPr id="7" name="Date Placeholder 6">
             <a:extLst>
               <a:ext uri="{FF2B5EF4-FFF2-40B4-BE49-F238E27FC236}">
-                <a16:creationId xmlns:a16="http://schemas.microsoft.com/office/drawing/2014/main" id="{B8D72A2F-6C03-4AA2-8675-A62997A1F179}"/>
+                <a16:creationId xmlns:a16="http://schemas.microsoft.com/office/drawing/2014/main" xmlns="" id="{B8D72A2F-6C03-4AA2-8675-A62997A1F179}"/>
               </a:ext>
             </a:extLst>
           </p:cNvPr>
@@ -3130,6 +3583,7 @@
           <a:p>
             <a:fld id="{B8159077-EF48-40E3-BF6E-366926B30A93}" type="datetimeFigureOut">
               <a:rPr lang="en-US" smtClean="0"/>
+              <a:pPr/>
               <a:t>11/12/2018</a:t>
             </a:fld>
             <a:endParaRPr lang="en-US"/>
@@ -3141,7 +3595,7 @@
           <p:cNvPr id="8" name="Footer Placeholder 7">
             <a:extLst>
               <a:ext uri="{FF2B5EF4-FFF2-40B4-BE49-F238E27FC236}">
-                <a16:creationId xmlns:a16="http://schemas.microsoft.com/office/drawing/2014/main" id="{C7FA0448-C108-4A98-BC11-71C694972BB9}"/>
+                <a16:creationId xmlns:a16="http://schemas.microsoft.com/office/drawing/2014/main" xmlns="" id="{C7FA0448-C108-4A98-BC11-71C694972BB9}"/>
               </a:ext>
             </a:extLst>
           </p:cNvPr>
@@ -3166,7 +3620,7 @@
           <p:cNvPr id="9" name="Slide Number Placeholder 8">
             <a:extLst>
               <a:ext uri="{FF2B5EF4-FFF2-40B4-BE49-F238E27FC236}">
-                <a16:creationId xmlns:a16="http://schemas.microsoft.com/office/drawing/2014/main" id="{907E1CB1-297A-48F9-BF2F-D32F99F4D530}"/>
+                <a16:creationId xmlns:a16="http://schemas.microsoft.com/office/drawing/2014/main" xmlns="" id="{907E1CB1-297A-48F9-BF2F-D32F99F4D530}"/>
               </a:ext>
             </a:extLst>
           </p:cNvPr>
@@ -3184,6 +3638,7 @@
           <a:p>
             <a:fld id="{EF5D5ED4-2A09-41F3-B198-C7A675178407}" type="slidenum">
               <a:rPr lang="en-US" smtClean="0"/>
+              <a:pPr/>
               <a:t>‹#›</a:t>
             </a:fld>
             <a:endParaRPr lang="en-US"/>
@@ -3193,7 +3648,7 @@
     </p:spTree>
     <p:extLst>
       <p:ext uri="{BB962C8B-B14F-4D97-AF65-F5344CB8AC3E}">
-        <p14:creationId xmlns:p14="http://schemas.microsoft.com/office/powerpoint/2010/main" val="3574849597"/>
+        <p14:creationId xmlns:p14="http://schemas.microsoft.com/office/powerpoint/2010/main" xmlns="" val="3574849597"/>
       </p:ext>
     </p:extLst>
   </p:cSld>
@@ -3225,7 +3680,7 @@
           <p:cNvPr id="2" name="Title 1">
             <a:extLst>
               <a:ext uri="{FF2B5EF4-FFF2-40B4-BE49-F238E27FC236}">
-                <a16:creationId xmlns:a16="http://schemas.microsoft.com/office/drawing/2014/main" id="{F9252D30-D733-4779-B79D-EED11F294B48}"/>
+                <a16:creationId xmlns:a16="http://schemas.microsoft.com/office/drawing/2014/main" xmlns="" id="{F9252D30-D733-4779-B79D-EED11F294B48}"/>
               </a:ext>
             </a:extLst>
           </p:cNvPr>
@@ -3253,7 +3708,7 @@
           <p:cNvPr id="3" name="Date Placeholder 2">
             <a:extLst>
               <a:ext uri="{FF2B5EF4-FFF2-40B4-BE49-F238E27FC236}">
-                <a16:creationId xmlns:a16="http://schemas.microsoft.com/office/drawing/2014/main" id="{36388E6C-E68D-48B1-ADCE-523903DA4557}"/>
+                <a16:creationId xmlns:a16="http://schemas.microsoft.com/office/drawing/2014/main" xmlns="" id="{36388E6C-E68D-48B1-ADCE-523903DA4557}"/>
               </a:ext>
             </a:extLst>
           </p:cNvPr>
@@ -3271,6 +3726,7 @@
           <a:p>
             <a:fld id="{B8159077-EF48-40E3-BF6E-366926B30A93}" type="datetimeFigureOut">
               <a:rPr lang="en-US" smtClean="0"/>
+              <a:pPr/>
               <a:t>11/12/2018</a:t>
             </a:fld>
             <a:endParaRPr lang="en-US"/>
@@ -3282,7 +3738,7 @@
           <p:cNvPr id="4" name="Footer Placeholder 3">
             <a:extLst>
               <a:ext uri="{FF2B5EF4-FFF2-40B4-BE49-F238E27FC236}">
-                <a16:creationId xmlns:a16="http://schemas.microsoft.com/office/drawing/2014/main" id="{E709D5ED-193F-47A7-86C6-BA079964B35E}"/>
+                <a16:creationId xmlns:a16="http://schemas.microsoft.com/office/drawing/2014/main" xmlns="" id="{E709D5ED-193F-47A7-86C6-BA079964B35E}"/>
               </a:ext>
             </a:extLst>
           </p:cNvPr>
@@ -3307,7 +3763,7 @@
           <p:cNvPr id="5" name="Slide Number Placeholder 4">
             <a:extLst>
               <a:ext uri="{FF2B5EF4-FFF2-40B4-BE49-F238E27FC236}">
-                <a16:creationId xmlns:a16="http://schemas.microsoft.com/office/drawing/2014/main" id="{C51EF39B-32C5-4504-9D3C-C73B01918821}"/>
+                <a16:creationId xmlns:a16="http://schemas.microsoft.com/office/drawing/2014/main" xmlns="" id="{C51EF39B-32C5-4504-9D3C-C73B01918821}"/>
               </a:ext>
             </a:extLst>
           </p:cNvPr>
@@ -3325,6 +3781,7 @@
           <a:p>
             <a:fld id="{EF5D5ED4-2A09-41F3-B198-C7A675178407}" type="slidenum">
               <a:rPr lang="en-US" smtClean="0"/>
+              <a:pPr/>
               <a:t>‹#›</a:t>
             </a:fld>
             <a:endParaRPr lang="en-US"/>
@@ -3334,7 +3791,7 @@
     </p:spTree>
     <p:extLst>
       <p:ext uri="{BB962C8B-B14F-4D97-AF65-F5344CB8AC3E}">
-        <p14:creationId xmlns:p14="http://schemas.microsoft.com/office/powerpoint/2010/main" val="579114760"/>
+        <p14:creationId xmlns:p14="http://schemas.microsoft.com/office/powerpoint/2010/main" xmlns="" val="579114760"/>
       </p:ext>
     </p:extLst>
   </p:cSld>
@@ -3366,7 +3823,7 @@
           <p:cNvPr id="2" name="Date Placeholder 1">
             <a:extLst>
               <a:ext uri="{FF2B5EF4-FFF2-40B4-BE49-F238E27FC236}">
-                <a16:creationId xmlns:a16="http://schemas.microsoft.com/office/drawing/2014/main" id="{49830188-1AC2-484C-9F53-B1C7CB88FB75}"/>
+                <a16:creationId xmlns:a16="http://schemas.microsoft.com/office/drawing/2014/main" xmlns="" id="{49830188-1AC2-484C-9F53-B1C7CB88FB75}"/>
               </a:ext>
             </a:extLst>
           </p:cNvPr>
@@ -3384,6 +3841,7 @@
           <a:p>
             <a:fld id="{B8159077-EF48-40E3-BF6E-366926B30A93}" type="datetimeFigureOut">
               <a:rPr lang="en-US" smtClean="0"/>
+              <a:pPr/>
               <a:t>11/12/2018</a:t>
             </a:fld>
             <a:endParaRPr lang="en-US"/>
@@ -3395,7 +3853,7 @@
           <p:cNvPr id="3" name="Footer Placeholder 2">
             <a:extLst>
               <a:ext uri="{FF2B5EF4-FFF2-40B4-BE49-F238E27FC236}">
-                <a16:creationId xmlns:a16="http://schemas.microsoft.com/office/drawing/2014/main" id="{8A333681-69BB-45B2-9377-67BC523A119F}"/>
+                <a16:creationId xmlns:a16="http://schemas.microsoft.com/office/drawing/2014/main" xmlns="" id="{8A333681-69BB-45B2-9377-67BC523A119F}"/>
               </a:ext>
             </a:extLst>
           </p:cNvPr>
@@ -3420,7 +3878,7 @@
           <p:cNvPr id="4" name="Slide Number Placeholder 3">
             <a:extLst>
               <a:ext uri="{FF2B5EF4-FFF2-40B4-BE49-F238E27FC236}">
-                <a16:creationId xmlns:a16="http://schemas.microsoft.com/office/drawing/2014/main" id="{8EDB1A5F-A319-4FCA-B8EB-7506ACFB7C78}"/>
+                <a16:creationId xmlns:a16="http://schemas.microsoft.com/office/drawing/2014/main" xmlns="" id="{8EDB1A5F-A319-4FCA-B8EB-7506ACFB7C78}"/>
               </a:ext>
             </a:extLst>
           </p:cNvPr>
@@ -3438,6 +3896,7 @@
           <a:p>
             <a:fld id="{EF5D5ED4-2A09-41F3-B198-C7A675178407}" type="slidenum">
               <a:rPr lang="en-US" smtClean="0"/>
+              <a:pPr/>
               <a:t>‹#›</a:t>
             </a:fld>
             <a:endParaRPr lang="en-US"/>
@@ -3447,7 +3906,7 @@
     </p:spTree>
     <p:extLst>
       <p:ext uri="{BB962C8B-B14F-4D97-AF65-F5344CB8AC3E}">
-        <p14:creationId xmlns:p14="http://schemas.microsoft.com/office/powerpoint/2010/main" val="209110672"/>
+        <p14:creationId xmlns:p14="http://schemas.microsoft.com/office/powerpoint/2010/main" xmlns="" val="209110672"/>
       </p:ext>
     </p:extLst>
   </p:cSld>
@@ -3479,7 +3938,7 @@
           <p:cNvPr id="2" name="Title 1">
             <a:extLst>
               <a:ext uri="{FF2B5EF4-FFF2-40B4-BE49-F238E27FC236}">
-                <a16:creationId xmlns:a16="http://schemas.microsoft.com/office/drawing/2014/main" id="{70C55B79-F8B8-4759-9FBD-205D80AEA9D8}"/>
+                <a16:creationId xmlns:a16="http://schemas.microsoft.com/office/drawing/2014/main" xmlns="" id="{70C55B79-F8B8-4759-9FBD-205D80AEA9D8}"/>
               </a:ext>
             </a:extLst>
           </p:cNvPr>
@@ -3516,7 +3975,7 @@
           <p:cNvPr id="3" name="Content Placeholder 2">
             <a:extLst>
               <a:ext uri="{FF2B5EF4-FFF2-40B4-BE49-F238E27FC236}">
-                <a16:creationId xmlns:a16="http://schemas.microsoft.com/office/drawing/2014/main" id="{83882243-0F38-4450-B420-7132E7BE7154}"/>
+                <a16:creationId xmlns:a16="http://schemas.microsoft.com/office/drawing/2014/main" xmlns="" id="{83882243-0F38-4450-B420-7132E7BE7154}"/>
               </a:ext>
             </a:extLst>
           </p:cNvPr>
@@ -3606,7 +4065,7 @@
           <p:cNvPr id="4" name="Text Placeholder 3">
             <a:extLst>
               <a:ext uri="{FF2B5EF4-FFF2-40B4-BE49-F238E27FC236}">
-                <a16:creationId xmlns:a16="http://schemas.microsoft.com/office/drawing/2014/main" id="{CC23093D-A8BF-4001-8391-24DB2CD7FC43}"/>
+                <a16:creationId xmlns:a16="http://schemas.microsoft.com/office/drawing/2014/main" xmlns="" id="{CC23093D-A8BF-4001-8391-24DB2CD7FC43}"/>
               </a:ext>
             </a:extLst>
           </p:cNvPr>
@@ -3677,7 +4136,7 @@
           <p:cNvPr id="5" name="Date Placeholder 4">
             <a:extLst>
               <a:ext uri="{FF2B5EF4-FFF2-40B4-BE49-F238E27FC236}">
-                <a16:creationId xmlns:a16="http://schemas.microsoft.com/office/drawing/2014/main" id="{56A90E2D-DC24-4359-8EB7-DD8EAA19B655}"/>
+                <a16:creationId xmlns:a16="http://schemas.microsoft.com/office/drawing/2014/main" xmlns="" id="{56A90E2D-DC24-4359-8EB7-DD8EAA19B655}"/>
               </a:ext>
             </a:extLst>
           </p:cNvPr>
@@ -3695,6 +4154,7 @@
           <a:p>
             <a:fld id="{B8159077-EF48-40E3-BF6E-366926B30A93}" type="datetimeFigureOut">
               <a:rPr lang="en-US" smtClean="0"/>
+              <a:pPr/>
               <a:t>11/12/2018</a:t>
             </a:fld>
             <a:endParaRPr lang="en-US"/>
@@ -3706,7 +4166,7 @@
           <p:cNvPr id="6" name="Footer Placeholder 5">
             <a:extLst>
               <a:ext uri="{FF2B5EF4-FFF2-40B4-BE49-F238E27FC236}">
-                <a16:creationId xmlns:a16="http://schemas.microsoft.com/office/drawing/2014/main" id="{79DA5AB0-20EC-4A87-B765-F369816EDAB6}"/>
+                <a16:creationId xmlns:a16="http://schemas.microsoft.com/office/drawing/2014/main" xmlns="" id="{79DA5AB0-20EC-4A87-B765-F369816EDAB6}"/>
               </a:ext>
             </a:extLst>
           </p:cNvPr>
@@ -3731,7 +4191,7 @@
           <p:cNvPr id="7" name="Slide Number Placeholder 6">
             <a:extLst>
               <a:ext uri="{FF2B5EF4-FFF2-40B4-BE49-F238E27FC236}">
-                <a16:creationId xmlns:a16="http://schemas.microsoft.com/office/drawing/2014/main" id="{952F5AE5-E610-4F52-8B1F-CC450BDE23A4}"/>
+                <a16:creationId xmlns:a16="http://schemas.microsoft.com/office/drawing/2014/main" xmlns="" id="{952F5AE5-E610-4F52-8B1F-CC450BDE23A4}"/>
               </a:ext>
             </a:extLst>
           </p:cNvPr>
@@ -3749,6 +4209,7 @@
           <a:p>
             <a:fld id="{EF5D5ED4-2A09-41F3-B198-C7A675178407}" type="slidenum">
               <a:rPr lang="en-US" smtClean="0"/>
+              <a:pPr/>
               <a:t>‹#›</a:t>
             </a:fld>
             <a:endParaRPr lang="en-US"/>
@@ -3758,7 +4219,7 @@
     </p:spTree>
     <p:extLst>
       <p:ext uri="{BB962C8B-B14F-4D97-AF65-F5344CB8AC3E}">
-        <p14:creationId xmlns:p14="http://schemas.microsoft.com/office/powerpoint/2010/main" val="3132102381"/>
+        <p14:creationId xmlns:p14="http://schemas.microsoft.com/office/powerpoint/2010/main" xmlns="" val="3132102381"/>
       </p:ext>
     </p:extLst>
   </p:cSld>
@@ -3790,7 +4251,7 @@
           <p:cNvPr id="2" name="Title 1">
             <a:extLst>
               <a:ext uri="{FF2B5EF4-FFF2-40B4-BE49-F238E27FC236}">
-                <a16:creationId xmlns:a16="http://schemas.microsoft.com/office/drawing/2014/main" id="{8B92E141-FE3E-4AF1-BC37-7F56A0CE766F}"/>
+                <a16:creationId xmlns:a16="http://schemas.microsoft.com/office/drawing/2014/main" xmlns="" id="{8B92E141-FE3E-4AF1-BC37-7F56A0CE766F}"/>
               </a:ext>
             </a:extLst>
           </p:cNvPr>
@@ -3827,7 +4288,7 @@
           <p:cNvPr id="3" name="Picture Placeholder 2">
             <a:extLst>
               <a:ext uri="{FF2B5EF4-FFF2-40B4-BE49-F238E27FC236}">
-                <a16:creationId xmlns:a16="http://schemas.microsoft.com/office/drawing/2014/main" id="{D5D1CE18-F9BD-41B4-8056-E22AEEF6D3A1}"/>
+                <a16:creationId xmlns:a16="http://schemas.microsoft.com/office/drawing/2014/main" xmlns="" id="{D5D1CE18-F9BD-41B4-8056-E22AEEF6D3A1}"/>
               </a:ext>
             </a:extLst>
           </p:cNvPr>
@@ -3894,7 +4355,7 @@
           <p:cNvPr id="4" name="Text Placeholder 3">
             <a:extLst>
               <a:ext uri="{FF2B5EF4-FFF2-40B4-BE49-F238E27FC236}">
-                <a16:creationId xmlns:a16="http://schemas.microsoft.com/office/drawing/2014/main" id="{8B2DB4DA-BA72-424A-845C-3E305D36B41E}"/>
+                <a16:creationId xmlns:a16="http://schemas.microsoft.com/office/drawing/2014/main" xmlns="" id="{8B2DB4DA-BA72-424A-845C-3E305D36B41E}"/>
               </a:ext>
             </a:extLst>
           </p:cNvPr>
@@ -3965,7 +4426,7 @@
           <p:cNvPr id="5" name="Date Placeholder 4">
             <a:extLst>
               <a:ext uri="{FF2B5EF4-FFF2-40B4-BE49-F238E27FC236}">
-                <a16:creationId xmlns:a16="http://schemas.microsoft.com/office/drawing/2014/main" id="{9E0F6947-54BB-40F7-85A7-2EB72C1BEAE8}"/>
+                <a16:creationId xmlns:a16="http://schemas.microsoft.com/office/drawing/2014/main" xmlns="" id="{9E0F6947-54BB-40F7-85A7-2EB72C1BEAE8}"/>
               </a:ext>
             </a:extLst>
           </p:cNvPr>
@@ -3983,6 +4444,7 @@
           <a:p>
             <a:fld id="{B8159077-EF48-40E3-BF6E-366926B30A93}" type="datetimeFigureOut">
               <a:rPr lang="en-US" smtClean="0"/>
+              <a:pPr/>
               <a:t>11/12/2018</a:t>
             </a:fld>
             <a:endParaRPr lang="en-US"/>
@@ -3994,7 +4456,7 @@
           <p:cNvPr id="6" name="Footer Placeholder 5">
             <a:extLst>
               <a:ext uri="{FF2B5EF4-FFF2-40B4-BE49-F238E27FC236}">
-                <a16:creationId xmlns:a16="http://schemas.microsoft.com/office/drawing/2014/main" id="{AFA4069D-0CC7-4B93-8DF5-3B1D962E47A6}"/>
+                <a16:creationId xmlns:a16="http://schemas.microsoft.com/office/drawing/2014/main" xmlns="" id="{AFA4069D-0CC7-4B93-8DF5-3B1D962E47A6}"/>
               </a:ext>
             </a:extLst>
           </p:cNvPr>
@@ -4019,7 +4481,7 @@
           <p:cNvPr id="7" name="Slide Number Placeholder 6">
             <a:extLst>
               <a:ext uri="{FF2B5EF4-FFF2-40B4-BE49-F238E27FC236}">
-                <a16:creationId xmlns:a16="http://schemas.microsoft.com/office/drawing/2014/main" id="{74BC649E-CEE5-4CE0-9B43-09D802EFB90F}"/>
+                <a16:creationId xmlns:a16="http://schemas.microsoft.com/office/drawing/2014/main" xmlns="" id="{74BC649E-CEE5-4CE0-9B43-09D802EFB90F}"/>
               </a:ext>
             </a:extLst>
           </p:cNvPr>
@@ -4037,6 +4499,7 @@
           <a:p>
             <a:fld id="{EF5D5ED4-2A09-41F3-B198-C7A675178407}" type="slidenum">
               <a:rPr lang="en-US" smtClean="0"/>
+              <a:pPr/>
               <a:t>‹#›</a:t>
             </a:fld>
             <a:endParaRPr lang="en-US"/>
@@ -4046,7 +4509,7 @@
     </p:spTree>
     <p:extLst>
       <p:ext uri="{BB962C8B-B14F-4D97-AF65-F5344CB8AC3E}">
-        <p14:creationId xmlns:p14="http://schemas.microsoft.com/office/powerpoint/2010/main" val="3685579883"/>
+        <p14:creationId xmlns:p14="http://schemas.microsoft.com/office/powerpoint/2010/main" xmlns="" val="3685579883"/>
       </p:ext>
     </p:extLst>
   </p:cSld>
@@ -4083,7 +4546,7 @@
           <p:cNvPr id="2" name="Title Placeholder 1">
             <a:extLst>
               <a:ext uri="{FF2B5EF4-FFF2-40B4-BE49-F238E27FC236}">
-                <a16:creationId xmlns:a16="http://schemas.microsoft.com/office/drawing/2014/main" id="{93167B93-6A4A-48BB-9AAF-6A6950557AEF}"/>
+                <a16:creationId xmlns:a16="http://schemas.microsoft.com/office/drawing/2014/main" xmlns="" id="{93167B93-6A4A-48BB-9AAF-6A6950557AEF}"/>
               </a:ext>
             </a:extLst>
           </p:cNvPr>
@@ -4121,7 +4584,7 @@
           <p:cNvPr id="3" name="Text Placeholder 2">
             <a:extLst>
               <a:ext uri="{FF2B5EF4-FFF2-40B4-BE49-F238E27FC236}">
-                <a16:creationId xmlns:a16="http://schemas.microsoft.com/office/drawing/2014/main" id="{C8681EC6-9512-483B-BA61-30A00B970F39}"/>
+                <a16:creationId xmlns:a16="http://schemas.microsoft.com/office/drawing/2014/main" xmlns="" id="{C8681EC6-9512-483B-BA61-30A00B970F39}"/>
               </a:ext>
             </a:extLst>
           </p:cNvPr>
@@ -4188,7 +4651,7 @@
           <p:cNvPr id="4" name="Date Placeholder 3">
             <a:extLst>
               <a:ext uri="{FF2B5EF4-FFF2-40B4-BE49-F238E27FC236}">
-                <a16:creationId xmlns:a16="http://schemas.microsoft.com/office/drawing/2014/main" id="{D3A290A6-5736-4CB6-A19C-DC4230F932F1}"/>
+                <a16:creationId xmlns:a16="http://schemas.microsoft.com/office/drawing/2014/main" xmlns="" id="{D3A290A6-5736-4CB6-A19C-DC4230F932F1}"/>
               </a:ext>
             </a:extLst>
           </p:cNvPr>
@@ -4224,6 +4687,7 @@
           <a:p>
             <a:fld id="{B8159077-EF48-40E3-BF6E-366926B30A93}" type="datetimeFigureOut">
               <a:rPr lang="en-US" smtClean="0"/>
+              <a:pPr/>
               <a:t>11/12/2018</a:t>
             </a:fld>
             <a:endParaRPr lang="en-US"/>
@@ -4235,7 +4699,7 @@
           <p:cNvPr id="5" name="Footer Placeholder 4">
             <a:extLst>
               <a:ext uri="{FF2B5EF4-FFF2-40B4-BE49-F238E27FC236}">
-                <a16:creationId xmlns:a16="http://schemas.microsoft.com/office/drawing/2014/main" id="{22EBE582-B1AB-4666-997A-F36EB63FD8D6}"/>
+                <a16:creationId xmlns:a16="http://schemas.microsoft.com/office/drawing/2014/main" xmlns="" id="{22EBE582-B1AB-4666-997A-F36EB63FD8D6}"/>
               </a:ext>
             </a:extLst>
           </p:cNvPr>
@@ -4278,7 +4742,7 @@
           <p:cNvPr id="6" name="Slide Number Placeholder 5">
             <a:extLst>
               <a:ext uri="{FF2B5EF4-FFF2-40B4-BE49-F238E27FC236}">
-                <a16:creationId xmlns:a16="http://schemas.microsoft.com/office/drawing/2014/main" id="{77B13510-3D74-470C-BD4E-4623587E12E3}"/>
+                <a16:creationId xmlns:a16="http://schemas.microsoft.com/office/drawing/2014/main" xmlns="" id="{77B13510-3D74-470C-BD4E-4623587E12E3}"/>
               </a:ext>
             </a:extLst>
           </p:cNvPr>
@@ -4314,6 +4778,7 @@
           <a:p>
             <a:fld id="{EF5D5ED4-2A09-41F3-B198-C7A675178407}" type="slidenum">
               <a:rPr lang="en-US" smtClean="0"/>
+              <a:pPr/>
               <a:t>‹#›</a:t>
             </a:fld>
             <a:endParaRPr lang="en-US"/>
@@ -4325,7 +4790,7 @@
           <p:cNvPr id="7" name="Rectangle 6">
             <a:extLst>
               <a:ext uri="{FF2B5EF4-FFF2-40B4-BE49-F238E27FC236}">
-                <a16:creationId xmlns:a16="http://schemas.microsoft.com/office/drawing/2014/main" id="{0ABD61A2-ECDD-4A5C-8B2C-67D04DF1A4F8}"/>
+                <a16:creationId xmlns:a16="http://schemas.microsoft.com/office/drawing/2014/main" xmlns="" id="{0ABD61A2-ECDD-4A5C-8B2C-67D04DF1A4F8}"/>
               </a:ext>
             </a:extLst>
           </p:cNvPr>
@@ -4367,7 +4832,7 @@
           <p:cNvPr id="8" name="Rectangle 7">
             <a:extLst>
               <a:ext uri="{FF2B5EF4-FFF2-40B4-BE49-F238E27FC236}">
-                <a16:creationId xmlns:a16="http://schemas.microsoft.com/office/drawing/2014/main" id="{B8ECBD3F-E3E0-4AF7-9498-072C80E24DAF}"/>
+                <a16:creationId xmlns:a16="http://schemas.microsoft.com/office/drawing/2014/main" xmlns="" id="{B8ECBD3F-E3E0-4AF7-9498-072C80E24DAF}"/>
               </a:ext>
             </a:extLst>
           </p:cNvPr>
@@ -4409,7 +4874,7 @@
     </p:spTree>
     <p:extLst>
       <p:ext uri="{BB962C8B-B14F-4D97-AF65-F5344CB8AC3E}">
-        <p14:creationId xmlns:p14="http://schemas.microsoft.com/office/powerpoint/2010/main" val="2651013160"/>
+        <p14:creationId xmlns:p14="http://schemas.microsoft.com/office/powerpoint/2010/main" xmlns="" val="2651013160"/>
       </p:ext>
     </p:extLst>
   </p:cSld>
@@ -4732,7 +5197,7 @@
           <p:cNvPr id="2" name="Title 1">
             <a:extLst>
               <a:ext uri="{FF2B5EF4-FFF2-40B4-BE49-F238E27FC236}">
-                <a16:creationId xmlns:a16="http://schemas.microsoft.com/office/drawing/2014/main" id="{67B1F4F5-F0B9-4D17-9B31-DE22B611FFFE}"/>
+                <a16:creationId xmlns:a16="http://schemas.microsoft.com/office/drawing/2014/main" xmlns="" id="{67B1F4F5-F0B9-4D17-9B31-DE22B611FFFE}"/>
               </a:ext>
             </a:extLst>
           </p:cNvPr>
@@ -4766,7 +5231,7 @@
           <p:cNvPr id="3" name="Subtitle 2">
             <a:extLst>
               <a:ext uri="{FF2B5EF4-FFF2-40B4-BE49-F238E27FC236}">
-                <a16:creationId xmlns:a16="http://schemas.microsoft.com/office/drawing/2014/main" id="{B3F7542E-6F3A-4349-99DB-1F21ABC8470C}"/>
+                <a16:creationId xmlns:a16="http://schemas.microsoft.com/office/drawing/2014/main" xmlns="" id="{B3F7542E-6F3A-4349-99DB-1F21ABC8470C}"/>
               </a:ext>
             </a:extLst>
           </p:cNvPr>
@@ -4797,7 +5262,7 @@
           <p:cNvPr id="4" name="Picture 3">
             <a:extLst>
               <a:ext uri="{FF2B5EF4-FFF2-40B4-BE49-F238E27FC236}">
-                <a16:creationId xmlns:a16="http://schemas.microsoft.com/office/drawing/2014/main" id="{72CB8E91-B469-4BBE-8EE8-56242C4C092C}"/>
+                <a16:creationId xmlns:a16="http://schemas.microsoft.com/office/drawing/2014/main" xmlns="" id="{72CB8E91-B469-4BBE-8EE8-56242C4C092C}"/>
               </a:ext>
             </a:extLst>
           </p:cNvPr>
@@ -4825,7 +5290,7 @@
     </p:spTree>
     <p:extLst>
       <p:ext uri="{BB962C8B-B14F-4D97-AF65-F5344CB8AC3E}">
-        <p14:creationId xmlns:p14="http://schemas.microsoft.com/office/powerpoint/2010/main" val="108172572"/>
+        <p14:creationId xmlns:p14="http://schemas.microsoft.com/office/powerpoint/2010/main" xmlns="" val="108172572"/>
       </p:ext>
     </p:extLst>
   </p:cSld>
@@ -4857,7 +5322,1358 @@
           <p:cNvPr id="2" name="Title 1">
             <a:extLst>
               <a:ext uri="{FF2B5EF4-FFF2-40B4-BE49-F238E27FC236}">
-                <a16:creationId xmlns:a16="http://schemas.microsoft.com/office/drawing/2014/main" id="{D7C84779-5F93-4DCC-86DF-8D79DEAEC374}"/>
+                <a16:creationId xmlns:a16="http://schemas.microsoft.com/office/drawing/2014/main" xmlns="" id="{D7C84779-5F93-4DCC-86DF-8D79DEAEC374}"/>
+              </a:ext>
+            </a:extLst>
+          </p:cNvPr>
+          <p:cNvSpPr>
+            <a:spLocks noGrp="1"/>
+          </p:cNvSpPr>
+          <p:nvPr>
+            <p:ph type="title"/>
+          </p:nvPr>
+        </p:nvSpPr>
+        <p:spPr/>
+        <p:txBody>
+          <a:bodyPr/>
+          <a:lstStyle/>
+          <a:p>
+            <a:r>
+              <a:rPr lang="en-US" altLang="zh-CN" dirty="0" smtClean="0"/>
+              <a:t>Buffered </a:t>
+            </a:r>
+            <a:r>
+              <a:rPr lang="en-US" altLang="zh-CN" dirty="0" smtClean="0"/>
+              <a:t>Channel </a:t>
+            </a:r>
+            <a:endParaRPr lang="en-US" dirty="0"/>
+          </a:p>
+        </p:txBody>
+      </p:sp>
+      <p:sp>
+        <p:nvSpPr>
+          <p:cNvPr id="9" name="Rectangle 8">
+            <a:extLst>
+              <a:ext uri="{FF2B5EF4-FFF2-40B4-BE49-F238E27FC236}">
+                <a16:creationId xmlns:a16="http://schemas.microsoft.com/office/drawing/2014/main" xmlns="" id="{09DF8025-61D7-487E-B878-BECE556123CE}"/>
+              </a:ext>
+            </a:extLst>
+          </p:cNvPr>
+          <p:cNvSpPr/>
+          <p:nvPr/>
+        </p:nvSpPr>
+        <p:spPr>
+          <a:xfrm>
+            <a:off x="500770" y="837899"/>
+            <a:ext cx="4560328" cy="3170099"/>
+          </a:xfrm>
+          <a:prstGeom prst="rect">
+            <a:avLst/>
+          </a:prstGeom>
+        </p:spPr>
+        <p:txBody>
+          <a:bodyPr wrap="square">
+            <a:spAutoFit/>
+          </a:bodyPr>
+          <a:lstStyle/>
+          <a:p>
+            <a:pPr marL="514350" indent="-514350">
+              <a:buFont typeface="Arial" panose="020B0604020202020204" pitchFamily="34" charset="0"/>
+              <a:buChar char="•"/>
+            </a:pPr>
+            <a:r>
+              <a:rPr lang="en-US" sz="3200" dirty="0" smtClean="0"/>
+              <a:t>Send</a:t>
+            </a:r>
+            <a:r>
+              <a:rPr lang="zh-CN" altLang="en-US" sz="3200" dirty="0" smtClean="0"/>
+              <a:t>不</a:t>
+            </a:r>
+            <a:r>
+              <a:rPr lang="zh-CN" altLang="en-US" sz="3200" dirty="0" smtClean="0"/>
+              <a:t>进会阻塞</a:t>
+            </a:r>
+            <a:endParaRPr lang="en-US" altLang="zh-CN" sz="3200" dirty="0" smtClean="0"/>
+          </a:p>
+          <a:p>
+            <a:pPr marL="514350" indent="-514350">
+              <a:buFont typeface="Arial" panose="020B0604020202020204" pitchFamily="34" charset="0"/>
+              <a:buChar char="•"/>
+            </a:pPr>
+            <a:r>
+              <a:rPr lang="en-US" altLang="zh-CN" sz="3200" dirty="0" smtClean="0"/>
+              <a:t>Read</a:t>
+            </a:r>
+            <a:r>
+              <a:rPr lang="zh-CN" altLang="en-US" sz="3200" dirty="0" smtClean="0"/>
+              <a:t>不出会阻塞</a:t>
+            </a:r>
+            <a:endParaRPr lang="en-US" altLang="zh-CN" sz="3200" dirty="0" smtClean="0"/>
+          </a:p>
+          <a:p>
+            <a:pPr marL="514350" indent="-514350">
+              <a:buFont typeface="Arial" panose="020B0604020202020204" pitchFamily="34" charset="0"/>
+              <a:buChar char="•"/>
+            </a:pPr>
+            <a:r>
+              <a:rPr lang="zh-CN" altLang="en-US" sz="3200" dirty="0" smtClean="0"/>
+              <a:t>缓冲未满则可以</a:t>
+            </a:r>
+            <a:r>
+              <a:rPr lang="en-US" altLang="zh-CN" sz="3200" dirty="0" smtClean="0"/>
+              <a:t>Send</a:t>
+            </a:r>
+            <a:r>
+              <a:rPr lang="en-US" altLang="zh-CN" sz="4000" b="1" dirty="0" smtClean="0"/>
+              <a:t> </a:t>
+            </a:r>
+          </a:p>
+          <a:p>
+            <a:pPr marL="514350" indent="-514350">
+              <a:buFont typeface="Arial" panose="020B0604020202020204" pitchFamily="34" charset="0"/>
+              <a:buChar char="•"/>
+            </a:pPr>
+            <a:r>
+              <a:rPr lang="en-US" altLang="zh-CN" sz="3200" dirty="0" smtClean="0"/>
+              <a:t>Read</a:t>
+            </a:r>
+            <a:r>
+              <a:rPr lang="zh-CN" altLang="en-US" sz="3200" dirty="0" smtClean="0"/>
+              <a:t>时，</a:t>
+            </a:r>
+            <a:r>
+              <a:rPr lang="en-US" altLang="zh-CN" sz="3200" dirty="0" smtClean="0"/>
+              <a:t>Channel</a:t>
+            </a:r>
+            <a:r>
+              <a:rPr lang="zh-CN" altLang="en-US" sz="3200" dirty="0" smtClean="0"/>
+              <a:t>内无内容则阻塞</a:t>
+            </a:r>
+            <a:endParaRPr lang="en-US" altLang="zh-CN" sz="3200" dirty="0" smtClean="0"/>
+          </a:p>
+          <a:p>
+            <a:pPr marL="514350" indent="-514350">
+              <a:buFont typeface="Arial" panose="020B0604020202020204" pitchFamily="34" charset="0"/>
+              <a:buChar char="•"/>
+            </a:pPr>
+            <a:r>
+              <a:rPr lang="en-US" altLang="zh-CN" sz="3200" dirty="0" smtClean="0"/>
+              <a:t>Channel </a:t>
+            </a:r>
+            <a:r>
+              <a:rPr lang="zh-CN" altLang="en-US" sz="3200" dirty="0" smtClean="0"/>
+              <a:t>像消息队列</a:t>
+            </a:r>
+            <a:endParaRPr lang="en-US" altLang="zh-CN" sz="3200" dirty="0"/>
+          </a:p>
+        </p:txBody>
+      </p:sp>
+      <p:pic>
+        <p:nvPicPr>
+          <p:cNvPr id="33794" name="Picture 2"/>
+          <p:cNvPicPr>
+            <a:picLocks noChangeAspect="1" noChangeArrowheads="1"/>
+          </p:cNvPicPr>
+          <p:nvPr/>
+        </p:nvPicPr>
+        <p:blipFill>
+          <a:blip r:embed="rId3"/>
+          <a:srcRect/>
+          <a:stretch>
+            <a:fillRect/>
+          </a:stretch>
+        </p:blipFill>
+        <p:spPr bwMode="auto">
+          <a:xfrm>
+            <a:off x="5097758" y="811065"/>
+            <a:ext cx="5439107" cy="4600305"/>
+          </a:xfrm>
+          <a:prstGeom prst="rect">
+            <a:avLst/>
+          </a:prstGeom>
+          <a:noFill/>
+          <a:ln w="9525">
+            <a:noFill/>
+            <a:miter lim="800000"/>
+            <a:headEnd/>
+            <a:tailEnd/>
+          </a:ln>
+          <a:effectLst/>
+        </p:spPr>
+      </p:pic>
+      <p:pic>
+        <p:nvPicPr>
+          <p:cNvPr id="33795" name="Picture 3"/>
+          <p:cNvPicPr>
+            <a:picLocks noChangeAspect="1" noChangeArrowheads="1"/>
+          </p:cNvPicPr>
+          <p:nvPr/>
+        </p:nvPicPr>
+        <p:blipFill>
+          <a:blip r:embed="rId4"/>
+          <a:srcRect/>
+          <a:stretch>
+            <a:fillRect/>
+          </a:stretch>
+        </p:blipFill>
+        <p:spPr bwMode="auto">
+          <a:xfrm>
+            <a:off x="5107725" y="5554624"/>
+            <a:ext cx="5397241" cy="698027"/>
+          </a:xfrm>
+          <a:prstGeom prst="rect">
+            <a:avLst/>
+          </a:prstGeom>
+          <a:noFill/>
+          <a:ln w="9525">
+            <a:noFill/>
+            <a:miter lim="800000"/>
+            <a:headEnd/>
+            <a:tailEnd/>
+          </a:ln>
+          <a:effectLst/>
+        </p:spPr>
+      </p:pic>
+    </p:spTree>
+    <p:extLst>
+      <p:ext uri="{BB962C8B-B14F-4D97-AF65-F5344CB8AC3E}">
+        <p14:creationId xmlns:p14="http://schemas.microsoft.com/office/powerpoint/2010/main" xmlns="" val="1934937011"/>
+      </p:ext>
+    </p:extLst>
+  </p:cSld>
+  <p:clrMapOvr>
+    <a:masterClrMapping/>
+  </p:clrMapOvr>
+</p:sld>
+</file>
+
+<file path=ppt/slides/slide11.xml><?xml version="1.0" encoding="utf-8"?>
+<p:sld xmlns:a="http://schemas.openxmlformats.org/drawingml/2006/main" xmlns:r="http://schemas.openxmlformats.org/officeDocument/2006/relationships" xmlns:p="http://schemas.openxmlformats.org/presentationml/2006/main">
+  <p:cSld>
+    <p:spTree>
+      <p:nvGrpSpPr>
+        <p:cNvPr id="1" name=""/>
+        <p:cNvGrpSpPr/>
+        <p:nvPr/>
+      </p:nvGrpSpPr>
+      <p:grpSpPr>
+        <a:xfrm>
+          <a:off x="0" y="0"/>
+          <a:ext cx="0" cy="0"/>
+          <a:chOff x="0" y="0"/>
+          <a:chExt cx="0" cy="0"/>
+        </a:xfrm>
+      </p:grpSpPr>
+      <p:sp>
+        <p:nvSpPr>
+          <p:cNvPr id="2" name="Title 1">
+            <a:extLst>
+              <a:ext uri="{FF2B5EF4-FFF2-40B4-BE49-F238E27FC236}">
+                <a16:creationId xmlns:a16="http://schemas.microsoft.com/office/drawing/2014/main" xmlns="" id="{D7C84779-5F93-4DCC-86DF-8D79DEAEC374}"/>
+              </a:ext>
+            </a:extLst>
+          </p:cNvPr>
+          <p:cNvSpPr>
+            <a:spLocks noGrp="1"/>
+          </p:cNvSpPr>
+          <p:nvPr>
+            <p:ph type="title"/>
+          </p:nvPr>
+        </p:nvSpPr>
+        <p:spPr/>
+        <p:txBody>
+          <a:bodyPr/>
+          <a:lstStyle/>
+          <a:p>
+            <a:r>
+              <a:rPr lang="zh-CN" altLang="en-US" dirty="0"/>
+              <a:t>生成器模式</a:t>
+            </a:r>
+            <a:r>
+              <a:rPr lang="en-US" altLang="zh-CN" dirty="0" smtClean="0"/>
+              <a:t>1S :1R</a:t>
+            </a:r>
+            <a:endParaRPr lang="en-US" dirty="0"/>
+          </a:p>
+        </p:txBody>
+      </p:sp>
+      <p:sp>
+        <p:nvSpPr>
+          <p:cNvPr id="9" name="Rectangle 8">
+            <a:extLst>
+              <a:ext uri="{FF2B5EF4-FFF2-40B4-BE49-F238E27FC236}">
+                <a16:creationId xmlns:a16="http://schemas.microsoft.com/office/drawing/2014/main" xmlns="" id="{09DF8025-61D7-487E-B878-BECE556123CE}"/>
+              </a:ext>
+            </a:extLst>
+          </p:cNvPr>
+          <p:cNvSpPr/>
+          <p:nvPr/>
+        </p:nvSpPr>
+        <p:spPr>
+          <a:xfrm>
+            <a:off x="713422" y="1223413"/>
+            <a:ext cx="3617945" cy="3600986"/>
+          </a:xfrm>
+          <a:prstGeom prst="rect">
+            <a:avLst/>
+          </a:prstGeom>
+        </p:spPr>
+        <p:txBody>
+          <a:bodyPr wrap="square">
+            <a:spAutoFit/>
+          </a:bodyPr>
+          <a:lstStyle/>
+          <a:p>
+            <a:pPr marL="514350" indent="-514350">
+              <a:buFont typeface="+mj-lt"/>
+              <a:buAutoNum type="arabicPeriod"/>
+            </a:pPr>
+            <a:r>
+              <a:rPr lang="zh-CN" altLang="en-US" sz="3200" dirty="0" smtClean="0"/>
+              <a:t>持续地发送</a:t>
+            </a:r>
+            <a:endParaRPr lang="en-US" altLang="zh-CN" sz="3200" dirty="0"/>
+          </a:p>
+          <a:p>
+            <a:pPr marL="514350" indent="-514350">
+              <a:buFont typeface="+mj-lt"/>
+              <a:buAutoNum type="arabicPeriod"/>
+            </a:pPr>
+            <a:r>
+              <a:rPr lang="zh-CN" altLang="en-US" sz="3200" dirty="0" smtClean="0"/>
+              <a:t>持续</a:t>
+            </a:r>
+            <a:r>
+              <a:rPr lang="zh-CN" altLang="en-US" sz="3200" dirty="0" smtClean="0"/>
+              <a:t>地接受</a:t>
+            </a:r>
+            <a:endParaRPr lang="en-US" altLang="zh-CN" sz="3200" dirty="0" smtClean="0"/>
+          </a:p>
+          <a:p>
+            <a:pPr marL="514350" indent="-514350">
+              <a:buFont typeface="+mj-lt"/>
+              <a:buAutoNum type="arabicPeriod"/>
+            </a:pPr>
+            <a:r>
+              <a:rPr lang="zh-CN" altLang="en-US" sz="3200" dirty="0" smtClean="0"/>
+              <a:t>一</a:t>
+            </a:r>
+            <a:r>
+              <a:rPr lang="zh-CN" altLang="en-US" sz="3200" dirty="0" smtClean="0"/>
+              <a:t>个</a:t>
+            </a:r>
+            <a:r>
+              <a:rPr lang="en-US" altLang="zh-CN" sz="3200" dirty="0" smtClean="0"/>
+              <a:t>Sender</a:t>
+            </a:r>
+          </a:p>
+          <a:p>
+            <a:pPr marL="514350" indent="-514350">
+              <a:buFont typeface="+mj-lt"/>
+              <a:buAutoNum type="arabicPeriod"/>
+            </a:pPr>
+            <a:r>
+              <a:rPr lang="zh-CN" altLang="en-US" sz="3200" dirty="0" smtClean="0"/>
+              <a:t>一</a:t>
+            </a:r>
+            <a:r>
+              <a:rPr lang="zh-CN" altLang="en-US" sz="3200" dirty="0" smtClean="0"/>
+              <a:t>个</a:t>
+            </a:r>
+            <a:r>
+              <a:rPr lang="en-US" altLang="zh-CN" sz="3200" dirty="0" smtClean="0"/>
+              <a:t>R</a:t>
+            </a:r>
+            <a:r>
+              <a:rPr lang="en-US" altLang="zh-CN" sz="3200" dirty="0" smtClean="0"/>
+              <a:t>eceiver</a:t>
+            </a:r>
+          </a:p>
+          <a:p>
+            <a:pPr marL="514350" indent="-514350"/>
+            <a:r>
+              <a:rPr lang="en-US" altLang="zh-CN" sz="3200" dirty="0"/>
+              <a:t>	</a:t>
+            </a:r>
+          </a:p>
+          <a:p>
+            <a:r>
+              <a:rPr lang="en-US" sz="3200" i="1" dirty="0"/>
+              <a:t>	</a:t>
+            </a:r>
+          </a:p>
+          <a:p>
+            <a:endParaRPr lang="en-US" altLang="zh-CN" sz="3600" b="1" dirty="0"/>
+          </a:p>
+        </p:txBody>
+      </p:sp>
+      <p:pic>
+        <p:nvPicPr>
+          <p:cNvPr id="4097" name="Picture 1"/>
+          <p:cNvPicPr>
+            <a:picLocks noChangeAspect="1" noChangeArrowheads="1"/>
+          </p:cNvPicPr>
+          <p:nvPr/>
+        </p:nvPicPr>
+        <p:blipFill>
+          <a:blip r:embed="rId3"/>
+          <a:srcRect/>
+          <a:stretch>
+            <a:fillRect/>
+          </a:stretch>
+        </p:blipFill>
+        <p:spPr bwMode="auto">
+          <a:xfrm>
+            <a:off x="4132298" y="1132479"/>
+            <a:ext cx="5343477" cy="4343288"/>
+          </a:xfrm>
+          <a:prstGeom prst="rect">
+            <a:avLst/>
+          </a:prstGeom>
+          <a:noFill/>
+          <a:ln w="9525">
+            <a:noFill/>
+            <a:miter lim="800000"/>
+            <a:headEnd/>
+            <a:tailEnd/>
+          </a:ln>
+          <a:effectLst/>
+        </p:spPr>
+      </p:pic>
+      <p:pic>
+        <p:nvPicPr>
+          <p:cNvPr id="4098" name="Picture 2"/>
+          <p:cNvPicPr>
+            <a:picLocks noChangeAspect="1" noChangeArrowheads="1"/>
+          </p:cNvPicPr>
+          <p:nvPr/>
+        </p:nvPicPr>
+        <p:blipFill>
+          <a:blip r:embed="rId4"/>
+          <a:srcRect/>
+          <a:stretch>
+            <a:fillRect/>
+          </a:stretch>
+        </p:blipFill>
+        <p:spPr bwMode="auto">
+          <a:xfrm>
+            <a:off x="9801558" y="1147099"/>
+            <a:ext cx="1575186" cy="4275506"/>
+          </a:xfrm>
+          <a:prstGeom prst="rect">
+            <a:avLst/>
+          </a:prstGeom>
+          <a:noFill/>
+          <a:ln w="9525">
+            <a:noFill/>
+            <a:miter lim="800000"/>
+            <a:headEnd/>
+            <a:tailEnd/>
+          </a:ln>
+          <a:effectLst/>
+        </p:spPr>
+      </p:pic>
+    </p:spTree>
+    <p:extLst>
+      <p:ext uri="{BB962C8B-B14F-4D97-AF65-F5344CB8AC3E}">
+        <p14:creationId xmlns:p14="http://schemas.microsoft.com/office/powerpoint/2010/main" xmlns="" val="375138371"/>
+      </p:ext>
+    </p:extLst>
+  </p:cSld>
+  <p:clrMapOvr>
+    <a:masterClrMapping/>
+  </p:clrMapOvr>
+</p:sld>
+</file>
+
+<file path=ppt/slides/slide12.xml><?xml version="1.0" encoding="utf-8"?>
+<p:sld xmlns:a="http://schemas.openxmlformats.org/drawingml/2006/main" xmlns:r="http://schemas.openxmlformats.org/officeDocument/2006/relationships" xmlns:p="http://schemas.openxmlformats.org/presentationml/2006/main">
+  <p:cSld>
+    <p:spTree>
+      <p:nvGrpSpPr>
+        <p:cNvPr id="1" name=""/>
+        <p:cNvGrpSpPr/>
+        <p:nvPr/>
+      </p:nvGrpSpPr>
+      <p:grpSpPr>
+        <a:xfrm>
+          <a:off x="0" y="0"/>
+          <a:ext cx="0" cy="0"/>
+          <a:chOff x="0" y="0"/>
+          <a:chExt cx="0" cy="0"/>
+        </a:xfrm>
+      </p:grpSpPr>
+      <p:sp>
+        <p:nvSpPr>
+          <p:cNvPr id="2" name="Title 1">
+            <a:extLst>
+              <a:ext uri="{FF2B5EF4-FFF2-40B4-BE49-F238E27FC236}">
+                <a16:creationId xmlns:a16="http://schemas.microsoft.com/office/drawing/2014/main" xmlns="" id="{D7C84779-5F93-4DCC-86DF-8D79DEAEC374}"/>
+              </a:ext>
+            </a:extLst>
+          </p:cNvPr>
+          <p:cNvSpPr>
+            <a:spLocks noGrp="1"/>
+          </p:cNvSpPr>
+          <p:nvPr>
+            <p:ph type="title"/>
+          </p:nvPr>
+        </p:nvSpPr>
+        <p:spPr/>
+        <p:txBody>
+          <a:bodyPr/>
+          <a:lstStyle/>
+          <a:p>
+            <a:r>
+              <a:rPr lang="zh-CN" altLang="en-US" dirty="0" smtClean="0"/>
+              <a:t>把</a:t>
+            </a:r>
+            <a:r>
+              <a:rPr lang="en-US" altLang="zh-CN" dirty="0" smtClean="0"/>
+              <a:t>Channel</a:t>
+            </a:r>
+            <a:r>
+              <a:rPr lang="zh-CN" altLang="en-US" dirty="0" smtClean="0"/>
+              <a:t>当作参数传递 </a:t>
+            </a:r>
+            <a:r>
+              <a:rPr lang="en-US" altLang="zh-CN" dirty="0" smtClean="0"/>
+              <a:t>NS :1R</a:t>
+            </a:r>
+            <a:endParaRPr lang="en-US" dirty="0"/>
+          </a:p>
+        </p:txBody>
+      </p:sp>
+      <p:sp>
+        <p:nvSpPr>
+          <p:cNvPr id="9" name="Rectangle 8">
+            <a:extLst>
+              <a:ext uri="{FF2B5EF4-FFF2-40B4-BE49-F238E27FC236}">
+                <a16:creationId xmlns:a16="http://schemas.microsoft.com/office/drawing/2014/main" xmlns="" id="{09DF8025-61D7-487E-B878-BECE556123CE}"/>
+              </a:ext>
+            </a:extLst>
+          </p:cNvPr>
+          <p:cNvSpPr/>
+          <p:nvPr/>
+        </p:nvSpPr>
+        <p:spPr>
+          <a:xfrm>
+            <a:off x="330650" y="1212780"/>
+            <a:ext cx="3816048" cy="3600986"/>
+          </a:xfrm>
+          <a:prstGeom prst="rect">
+            <a:avLst/>
+          </a:prstGeom>
+        </p:spPr>
+        <p:txBody>
+          <a:bodyPr wrap="square">
+            <a:spAutoFit/>
+          </a:bodyPr>
+          <a:lstStyle/>
+          <a:p>
+            <a:pPr marL="514350" indent="-514350">
+              <a:buFont typeface="+mj-lt"/>
+              <a:buAutoNum type="arabicPeriod"/>
+            </a:pPr>
+            <a:r>
+              <a:rPr lang="en-US" altLang="zh-CN" sz="3200" dirty="0" smtClean="0"/>
+              <a:t>Channel</a:t>
+            </a:r>
+            <a:r>
+              <a:rPr lang="zh-CN" altLang="en-US" sz="3200" dirty="0" smtClean="0"/>
+              <a:t>当作参数来传递</a:t>
+            </a:r>
+            <a:endParaRPr lang="en-US" altLang="zh-CN" sz="3200" dirty="0" smtClean="0"/>
+          </a:p>
+          <a:p>
+            <a:pPr marL="514350" indent="-514350">
+              <a:buFont typeface="+mj-lt"/>
+              <a:buAutoNum type="arabicPeriod"/>
+            </a:pPr>
+            <a:r>
+              <a:rPr lang="en-US" altLang="zh-CN" sz="3200" dirty="0" smtClean="0"/>
+              <a:t>N </a:t>
+            </a:r>
+            <a:r>
+              <a:rPr lang="zh-CN" altLang="en-US" sz="3200" dirty="0" smtClean="0"/>
+              <a:t>个</a:t>
+            </a:r>
+            <a:r>
+              <a:rPr lang="en-US" altLang="zh-CN" sz="3200" dirty="0" smtClean="0"/>
+              <a:t>Sender</a:t>
+            </a:r>
+          </a:p>
+          <a:p>
+            <a:pPr marL="514350" indent="-514350">
+              <a:buFont typeface="+mj-lt"/>
+              <a:buAutoNum type="arabicPeriod"/>
+            </a:pPr>
+            <a:r>
+              <a:rPr lang="zh-CN" altLang="en-US" sz="3200" dirty="0" smtClean="0"/>
+              <a:t>一</a:t>
+            </a:r>
+            <a:r>
+              <a:rPr lang="zh-CN" altLang="en-US" sz="3200" dirty="0" smtClean="0"/>
+              <a:t>个</a:t>
+            </a:r>
+            <a:r>
+              <a:rPr lang="en-US" altLang="zh-CN" sz="3200" dirty="0" smtClean="0"/>
+              <a:t>R</a:t>
+            </a:r>
+            <a:r>
+              <a:rPr lang="en-US" altLang="zh-CN" sz="3200" dirty="0" smtClean="0"/>
+              <a:t>eceiver</a:t>
+            </a:r>
+          </a:p>
+          <a:p>
+            <a:pPr marL="514350" indent="-514350"/>
+            <a:r>
+              <a:rPr lang="en-US" altLang="zh-CN" sz="3200" dirty="0"/>
+              <a:t>	</a:t>
+            </a:r>
+          </a:p>
+          <a:p>
+            <a:r>
+              <a:rPr lang="en-US" sz="3200" i="1" dirty="0"/>
+              <a:t>	</a:t>
+            </a:r>
+          </a:p>
+          <a:p>
+            <a:endParaRPr lang="en-US" altLang="zh-CN" sz="3600" b="1" dirty="0"/>
+          </a:p>
+        </p:txBody>
+      </p:sp>
+      <p:pic>
+        <p:nvPicPr>
+          <p:cNvPr id="34818" name="Picture 2"/>
+          <p:cNvPicPr>
+            <a:picLocks noChangeAspect="1" noChangeArrowheads="1"/>
+          </p:cNvPicPr>
+          <p:nvPr/>
+        </p:nvPicPr>
+        <p:blipFill>
+          <a:blip r:embed="rId3"/>
+          <a:srcRect/>
+          <a:stretch>
+            <a:fillRect/>
+          </a:stretch>
+        </p:blipFill>
+        <p:spPr bwMode="auto">
+          <a:xfrm>
+            <a:off x="4101621" y="1073446"/>
+            <a:ext cx="5817802" cy="4636237"/>
+          </a:xfrm>
+          <a:prstGeom prst="rect">
+            <a:avLst/>
+          </a:prstGeom>
+          <a:noFill/>
+          <a:ln w="9525">
+            <a:noFill/>
+            <a:miter lim="800000"/>
+            <a:headEnd/>
+            <a:tailEnd/>
+          </a:ln>
+          <a:effectLst/>
+        </p:spPr>
+      </p:pic>
+      <p:pic>
+        <p:nvPicPr>
+          <p:cNvPr id="34819" name="Picture 3"/>
+          <p:cNvPicPr>
+            <a:picLocks noChangeAspect="1" noChangeArrowheads="1"/>
+          </p:cNvPicPr>
+          <p:nvPr/>
+        </p:nvPicPr>
+        <p:blipFill>
+          <a:blip r:embed="rId4"/>
+          <a:srcRect/>
+          <a:stretch>
+            <a:fillRect/>
+          </a:stretch>
+        </p:blipFill>
+        <p:spPr bwMode="auto">
+          <a:xfrm>
+            <a:off x="10161624" y="1042102"/>
+            <a:ext cx="1401091" cy="4486828"/>
+          </a:xfrm>
+          <a:prstGeom prst="rect">
+            <a:avLst/>
+          </a:prstGeom>
+          <a:noFill/>
+          <a:ln w="9525">
+            <a:noFill/>
+            <a:miter lim="800000"/>
+            <a:headEnd/>
+            <a:tailEnd/>
+          </a:ln>
+          <a:effectLst/>
+        </p:spPr>
+      </p:pic>
+    </p:spTree>
+    <p:extLst>
+      <p:ext uri="{BB962C8B-B14F-4D97-AF65-F5344CB8AC3E}">
+        <p14:creationId xmlns:p14="http://schemas.microsoft.com/office/powerpoint/2010/main" xmlns="" val="375138371"/>
+      </p:ext>
+    </p:extLst>
+  </p:cSld>
+  <p:clrMapOvr>
+    <a:masterClrMapping/>
+  </p:clrMapOvr>
+</p:sld>
+</file>
+
+<file path=ppt/slides/slide13.xml><?xml version="1.0" encoding="utf-8"?>
+<p:sld xmlns:a="http://schemas.openxmlformats.org/drawingml/2006/main" xmlns:r="http://schemas.openxmlformats.org/officeDocument/2006/relationships" xmlns:p="http://schemas.openxmlformats.org/presentationml/2006/main">
+  <p:cSld>
+    <p:spTree>
+      <p:nvGrpSpPr>
+        <p:cNvPr id="1" name=""/>
+        <p:cNvGrpSpPr/>
+        <p:nvPr/>
+      </p:nvGrpSpPr>
+      <p:grpSpPr>
+        <a:xfrm>
+          <a:off x="0" y="0"/>
+          <a:ext cx="0" cy="0"/>
+          <a:chOff x="0" y="0"/>
+          <a:chExt cx="0" cy="0"/>
+        </a:xfrm>
+      </p:grpSpPr>
+      <p:sp>
+        <p:nvSpPr>
+          <p:cNvPr id="2" name="Title 1">
+            <a:extLst>
+              <a:ext uri="{FF2B5EF4-FFF2-40B4-BE49-F238E27FC236}">
+                <a16:creationId xmlns:a16="http://schemas.microsoft.com/office/drawing/2014/main" xmlns="" id="{D7C84779-5F93-4DCC-86DF-8D79DEAEC374}"/>
+              </a:ext>
+            </a:extLst>
+          </p:cNvPr>
+          <p:cNvSpPr>
+            <a:spLocks noGrp="1"/>
+          </p:cNvSpPr>
+          <p:nvPr>
+            <p:ph type="title"/>
+          </p:nvPr>
+        </p:nvSpPr>
+        <p:spPr/>
+        <p:txBody>
+          <a:bodyPr/>
+          <a:lstStyle/>
+          <a:p>
+            <a:r>
+              <a:rPr lang="en-US" altLang="zh-CN" dirty="0" smtClean="0"/>
+              <a:t>N</a:t>
+            </a:r>
+            <a:r>
+              <a:rPr lang="zh-CN" altLang="en-US" dirty="0" smtClean="0"/>
+              <a:t>个</a:t>
+            </a:r>
+            <a:r>
+              <a:rPr lang="en-US" altLang="zh-CN" dirty="0" err="1" smtClean="0"/>
+              <a:t>goroutine</a:t>
+            </a:r>
+            <a:r>
+              <a:rPr lang="zh-CN" altLang="en-US" dirty="0" smtClean="0"/>
+              <a:t>读</a:t>
+            </a:r>
+            <a:r>
+              <a:rPr lang="en-US" altLang="zh-CN" dirty="0" smtClean="0"/>
+              <a:t>1</a:t>
+            </a:r>
+            <a:r>
+              <a:rPr lang="zh-CN" altLang="en-US" dirty="0" smtClean="0"/>
+              <a:t>条</a:t>
+            </a:r>
+            <a:r>
+              <a:rPr lang="en-US" altLang="zh-CN" dirty="0" smtClean="0"/>
+              <a:t> </a:t>
+            </a:r>
+            <a:r>
+              <a:rPr lang="en-US" altLang="zh-CN" dirty="0" smtClean="0"/>
+              <a:t>Channel </a:t>
+            </a:r>
+            <a:r>
+              <a:rPr lang="zh-CN" altLang="en-US" dirty="0" smtClean="0"/>
+              <a:t> </a:t>
+            </a:r>
+            <a:r>
+              <a:rPr lang="en-US" altLang="zh-CN" dirty="0" smtClean="0"/>
+              <a:t>(NR :1S</a:t>
+            </a:r>
+            <a:r>
+              <a:rPr lang="en-US" altLang="zh-CN" dirty="0" smtClean="0"/>
+              <a:t>)</a:t>
+            </a:r>
+            <a:endParaRPr lang="en-US" dirty="0"/>
+          </a:p>
+        </p:txBody>
+      </p:sp>
+      <p:sp>
+        <p:nvSpPr>
+          <p:cNvPr id="9" name="Rectangle 8">
+            <a:extLst>
+              <a:ext uri="{FF2B5EF4-FFF2-40B4-BE49-F238E27FC236}">
+                <a16:creationId xmlns:a16="http://schemas.microsoft.com/office/drawing/2014/main" xmlns="" id="{09DF8025-61D7-487E-B878-BECE556123CE}"/>
+              </a:ext>
+            </a:extLst>
+          </p:cNvPr>
+          <p:cNvSpPr/>
+          <p:nvPr/>
+        </p:nvSpPr>
+        <p:spPr>
+          <a:xfrm>
+            <a:off x="330650" y="1212780"/>
+            <a:ext cx="3816048" cy="4585871"/>
+          </a:xfrm>
+          <a:prstGeom prst="rect">
+            <a:avLst/>
+          </a:prstGeom>
+        </p:spPr>
+        <p:txBody>
+          <a:bodyPr wrap="square">
+            <a:spAutoFit/>
+          </a:bodyPr>
+          <a:lstStyle/>
+          <a:p>
+            <a:pPr marL="514350" indent="-514350">
+              <a:buFont typeface="+mj-lt"/>
+              <a:buAutoNum type="arabicPeriod"/>
+            </a:pPr>
+            <a:r>
+              <a:rPr lang="en-US" altLang="zh-CN" sz="3200" dirty="0" smtClean="0"/>
+              <a:t>Channel</a:t>
+            </a:r>
+            <a:r>
+              <a:rPr lang="zh-CN" altLang="en-US" sz="3200" dirty="0" smtClean="0"/>
+              <a:t>当作参数来传递</a:t>
+            </a:r>
+            <a:endParaRPr lang="en-US" altLang="zh-CN" sz="3200" dirty="0" smtClean="0"/>
+          </a:p>
+          <a:p>
+            <a:pPr marL="514350" indent="-514350">
+              <a:buFont typeface="+mj-lt"/>
+              <a:buAutoNum type="arabicPeriod"/>
+            </a:pPr>
+            <a:r>
+              <a:rPr lang="en-US" altLang="zh-CN" sz="3200" dirty="0" smtClean="0"/>
+              <a:t>N </a:t>
+            </a:r>
+            <a:r>
+              <a:rPr lang="zh-CN" altLang="en-US" sz="3200" dirty="0" smtClean="0"/>
+              <a:t>个</a:t>
+            </a:r>
+            <a:r>
+              <a:rPr lang="en-US" altLang="zh-CN" sz="3200" dirty="0" smtClean="0"/>
+              <a:t>Sender</a:t>
+            </a:r>
+          </a:p>
+          <a:p>
+            <a:pPr marL="514350" indent="-514350">
+              <a:buFont typeface="+mj-lt"/>
+              <a:buAutoNum type="arabicPeriod"/>
+            </a:pPr>
+            <a:r>
+              <a:rPr lang="zh-CN" altLang="en-US" sz="3200" dirty="0" smtClean="0"/>
+              <a:t>一</a:t>
+            </a:r>
+            <a:r>
+              <a:rPr lang="zh-CN" altLang="en-US" sz="3200" dirty="0" smtClean="0"/>
+              <a:t>个</a:t>
+            </a:r>
+            <a:r>
+              <a:rPr lang="en-US" altLang="zh-CN" sz="3200" dirty="0" smtClean="0"/>
+              <a:t>Receiver</a:t>
+            </a:r>
+          </a:p>
+          <a:p>
+            <a:pPr marL="514350" indent="-514350">
+              <a:buFont typeface="+mj-lt"/>
+              <a:buAutoNum type="arabicPeriod"/>
+            </a:pPr>
+            <a:r>
+              <a:rPr lang="zh-CN" altLang="en-US" sz="3200" dirty="0" smtClean="0"/>
+              <a:t>为什么每次结果都不一样？？</a:t>
+            </a:r>
+            <a:endParaRPr lang="en-US" altLang="zh-CN" sz="3200" dirty="0" smtClean="0"/>
+          </a:p>
+          <a:p>
+            <a:pPr marL="514350" indent="-514350"/>
+            <a:r>
+              <a:rPr lang="en-US" altLang="zh-CN" sz="3200" dirty="0"/>
+              <a:t>	</a:t>
+            </a:r>
+          </a:p>
+          <a:p>
+            <a:r>
+              <a:rPr lang="en-US" sz="3200" i="1" dirty="0"/>
+              <a:t>	</a:t>
+            </a:r>
+          </a:p>
+          <a:p>
+            <a:endParaRPr lang="en-US" altLang="zh-CN" sz="3600" b="1" dirty="0"/>
+          </a:p>
+        </p:txBody>
+      </p:sp>
+      <p:pic>
+        <p:nvPicPr>
+          <p:cNvPr id="35842" name="Picture 2"/>
+          <p:cNvPicPr>
+            <a:picLocks noChangeAspect="1" noChangeArrowheads="1"/>
+          </p:cNvPicPr>
+          <p:nvPr/>
+        </p:nvPicPr>
+        <p:blipFill>
+          <a:blip r:embed="rId3"/>
+          <a:srcRect/>
+          <a:stretch>
+            <a:fillRect/>
+          </a:stretch>
+        </p:blipFill>
+        <p:spPr bwMode="auto">
+          <a:xfrm>
+            <a:off x="4216473" y="886601"/>
+            <a:ext cx="4049727" cy="5195222"/>
+          </a:xfrm>
+          <a:prstGeom prst="rect">
+            <a:avLst/>
+          </a:prstGeom>
+          <a:noFill/>
+          <a:ln w="9525">
+            <a:noFill/>
+            <a:miter lim="800000"/>
+            <a:headEnd/>
+            <a:tailEnd/>
+          </a:ln>
+          <a:effectLst/>
+        </p:spPr>
+      </p:pic>
+      <p:pic>
+        <p:nvPicPr>
+          <p:cNvPr id="35843" name="Picture 3"/>
+          <p:cNvPicPr>
+            <a:picLocks noChangeAspect="1" noChangeArrowheads="1"/>
+          </p:cNvPicPr>
+          <p:nvPr/>
+        </p:nvPicPr>
+        <p:blipFill>
+          <a:blip r:embed="rId4"/>
+          <a:srcRect/>
+          <a:stretch>
+            <a:fillRect/>
+          </a:stretch>
+        </p:blipFill>
+        <p:spPr bwMode="auto">
+          <a:xfrm>
+            <a:off x="8607941" y="977310"/>
+            <a:ext cx="1811966" cy="1432148"/>
+          </a:xfrm>
+          <a:prstGeom prst="rect">
+            <a:avLst/>
+          </a:prstGeom>
+          <a:noFill/>
+          <a:ln w="9525">
+            <a:noFill/>
+            <a:miter lim="800000"/>
+            <a:headEnd/>
+            <a:tailEnd/>
+          </a:ln>
+          <a:effectLst/>
+        </p:spPr>
+      </p:pic>
+      <p:pic>
+        <p:nvPicPr>
+          <p:cNvPr id="35844" name="Picture 4"/>
+          <p:cNvPicPr>
+            <a:picLocks noChangeAspect="1" noChangeArrowheads="1"/>
+          </p:cNvPicPr>
+          <p:nvPr/>
+        </p:nvPicPr>
+        <p:blipFill>
+          <a:blip r:embed="rId5"/>
+          <a:srcRect/>
+          <a:stretch>
+            <a:fillRect/>
+          </a:stretch>
+        </p:blipFill>
+        <p:spPr bwMode="auto">
+          <a:xfrm>
+            <a:off x="8635521" y="3082002"/>
+            <a:ext cx="1829977" cy="713821"/>
+          </a:xfrm>
+          <a:prstGeom prst="rect">
+            <a:avLst/>
+          </a:prstGeom>
+          <a:noFill/>
+          <a:ln w="9525">
+            <a:noFill/>
+            <a:miter lim="800000"/>
+            <a:headEnd/>
+            <a:tailEnd/>
+          </a:ln>
+          <a:effectLst/>
+        </p:spPr>
+      </p:pic>
+    </p:spTree>
+    <p:extLst>
+      <p:ext uri="{BB962C8B-B14F-4D97-AF65-F5344CB8AC3E}">
+        <p14:creationId xmlns:p14="http://schemas.microsoft.com/office/powerpoint/2010/main" xmlns="" val="375138371"/>
+      </p:ext>
+    </p:extLst>
+  </p:cSld>
+  <p:clrMapOvr>
+    <a:masterClrMapping/>
+  </p:clrMapOvr>
+</p:sld>
+</file>
+
+<file path=ppt/slides/slide14.xml><?xml version="1.0" encoding="utf-8"?>
+<p:sld xmlns:a="http://schemas.openxmlformats.org/drawingml/2006/main" xmlns:r="http://schemas.openxmlformats.org/officeDocument/2006/relationships" xmlns:p="http://schemas.openxmlformats.org/presentationml/2006/main">
+  <p:cSld>
+    <p:spTree>
+      <p:nvGrpSpPr>
+        <p:cNvPr id="1" name=""/>
+        <p:cNvGrpSpPr/>
+        <p:nvPr/>
+      </p:nvGrpSpPr>
+      <p:grpSpPr>
+        <a:xfrm>
+          <a:off x="0" y="0"/>
+          <a:ext cx="0" cy="0"/>
+          <a:chOff x="0" y="0"/>
+          <a:chExt cx="0" cy="0"/>
+        </a:xfrm>
+      </p:grpSpPr>
+      <p:sp>
+        <p:nvSpPr>
+          <p:cNvPr id="2" name="Title 1">
+            <a:extLst>
+              <a:ext uri="{FF2B5EF4-FFF2-40B4-BE49-F238E27FC236}">
+                <a16:creationId xmlns:a16="http://schemas.microsoft.com/office/drawing/2014/main" xmlns="" id="{D7C84779-5F93-4DCC-86DF-8D79DEAEC374}"/>
+              </a:ext>
+            </a:extLst>
+          </p:cNvPr>
+          <p:cNvSpPr>
+            <a:spLocks noGrp="1"/>
+          </p:cNvSpPr>
+          <p:nvPr>
+            <p:ph type="title"/>
+          </p:nvPr>
+        </p:nvSpPr>
+        <p:spPr/>
+        <p:txBody>
+          <a:bodyPr/>
+          <a:lstStyle/>
+          <a:p>
+            <a:r>
+              <a:rPr lang="en-US" altLang="zh-CN" dirty="0" smtClean="0"/>
+              <a:t>N</a:t>
+            </a:r>
+            <a:r>
+              <a:rPr lang="zh-CN" altLang="en-US" dirty="0" smtClean="0"/>
+              <a:t>个</a:t>
+            </a:r>
+            <a:r>
+              <a:rPr lang="en-US" altLang="zh-CN" dirty="0" err="1" smtClean="0"/>
+              <a:t>goroutine</a:t>
+            </a:r>
+            <a:r>
+              <a:rPr lang="zh-CN" altLang="en-US" dirty="0" smtClean="0"/>
+              <a:t>读</a:t>
+            </a:r>
+            <a:r>
+              <a:rPr lang="en-US" altLang="zh-CN" dirty="0" smtClean="0"/>
+              <a:t>1</a:t>
+            </a:r>
+            <a:r>
+              <a:rPr lang="zh-CN" altLang="en-US" dirty="0" smtClean="0"/>
+              <a:t>条</a:t>
+            </a:r>
+            <a:r>
+              <a:rPr lang="en-US" altLang="zh-CN" dirty="0" smtClean="0"/>
+              <a:t> </a:t>
+            </a:r>
+            <a:r>
+              <a:rPr lang="en-US" altLang="zh-CN" dirty="0" smtClean="0"/>
+              <a:t>Channel  </a:t>
+            </a:r>
+            <a:r>
+              <a:rPr lang="zh-CN" altLang="en-US" dirty="0" smtClean="0"/>
+              <a:t> </a:t>
+            </a:r>
+            <a:r>
+              <a:rPr lang="en-US" altLang="zh-CN" dirty="0" smtClean="0"/>
+              <a:t>(NR :1S</a:t>
+            </a:r>
+            <a:r>
+              <a:rPr lang="en-US" altLang="zh-CN" dirty="0" smtClean="0"/>
+              <a:t>) -cont</a:t>
+            </a:r>
+            <a:endParaRPr lang="en-US" dirty="0"/>
+          </a:p>
+        </p:txBody>
+      </p:sp>
+      <p:sp>
+        <p:nvSpPr>
+          <p:cNvPr id="9" name="Rectangle 8">
+            <a:extLst>
+              <a:ext uri="{FF2B5EF4-FFF2-40B4-BE49-F238E27FC236}">
+                <a16:creationId xmlns:a16="http://schemas.microsoft.com/office/drawing/2014/main" xmlns="" id="{09DF8025-61D7-487E-B878-BECE556123CE}"/>
+              </a:ext>
+            </a:extLst>
+          </p:cNvPr>
+          <p:cNvSpPr/>
+          <p:nvPr/>
+        </p:nvSpPr>
+        <p:spPr>
+          <a:xfrm>
+            <a:off x="330650" y="1212780"/>
+            <a:ext cx="3816048" cy="3600986"/>
+          </a:xfrm>
+          <a:prstGeom prst="rect">
+            <a:avLst/>
+          </a:prstGeom>
+        </p:spPr>
+        <p:txBody>
+          <a:bodyPr wrap="square">
+            <a:spAutoFit/>
+          </a:bodyPr>
+          <a:lstStyle/>
+          <a:p>
+            <a:pPr marL="514350" indent="-514350"/>
+            <a:endParaRPr lang="en-US" altLang="zh-CN" sz="3200" dirty="0" smtClean="0"/>
+          </a:p>
+          <a:p>
+            <a:pPr marL="514350" indent="-514350"/>
+            <a:r>
+              <a:rPr lang="en-US" altLang="zh-CN" sz="3200" dirty="0" err="1" smtClean="0"/>
+              <a:t>Sync.WaitGroup</a:t>
+            </a:r>
+            <a:r>
+              <a:rPr lang="zh-CN" altLang="en-US" sz="3200" dirty="0" smtClean="0"/>
+              <a:t>同步</a:t>
+            </a:r>
+            <a:endParaRPr lang="en-US" altLang="zh-CN" sz="3200" dirty="0" smtClean="0"/>
+          </a:p>
+          <a:p>
+            <a:r>
+              <a:rPr lang="en-US" sz="3200" i="1" dirty="0" err="1" smtClean="0">
+                <a:solidFill>
+                  <a:schemeClr val="accent1">
+                    <a:lumMod val="60000"/>
+                    <a:lumOff val="40000"/>
+                  </a:schemeClr>
+                </a:solidFill>
+              </a:rPr>
+              <a:t>wg.Add</a:t>
+            </a:r>
+            <a:r>
+              <a:rPr lang="en-US" sz="3200" i="1" dirty="0" smtClean="0">
+                <a:solidFill>
+                  <a:schemeClr val="accent1">
+                    <a:lumMod val="60000"/>
+                    <a:lumOff val="40000"/>
+                  </a:schemeClr>
+                </a:solidFill>
+              </a:rPr>
+              <a:t>(10)</a:t>
+            </a:r>
+          </a:p>
+          <a:p>
+            <a:r>
+              <a:rPr lang="en-US" sz="3200" i="1" dirty="0" err="1" smtClean="0">
+                <a:solidFill>
+                  <a:schemeClr val="accent1">
+                    <a:lumMod val="60000"/>
+                    <a:lumOff val="40000"/>
+                  </a:schemeClr>
+                </a:solidFill>
+              </a:rPr>
+              <a:t>wg.Done</a:t>
+            </a:r>
+            <a:r>
+              <a:rPr lang="en-US" sz="3200" i="1" dirty="0" smtClean="0">
+                <a:solidFill>
+                  <a:schemeClr val="accent1">
+                    <a:lumMod val="60000"/>
+                    <a:lumOff val="40000"/>
+                  </a:schemeClr>
+                </a:solidFill>
+              </a:rPr>
+              <a:t>()  //</a:t>
+            </a:r>
+            <a:r>
+              <a:rPr lang="en-US" altLang="zh-CN" sz="3200" i="1" dirty="0" smtClean="0">
+                <a:solidFill>
+                  <a:schemeClr val="accent1">
+                    <a:lumMod val="60000"/>
+                    <a:lumOff val="40000"/>
+                  </a:schemeClr>
+                </a:solidFill>
+              </a:rPr>
+              <a:t>10</a:t>
+            </a:r>
+            <a:r>
+              <a:rPr lang="zh-CN" altLang="en-US" sz="3200" i="1" dirty="0" smtClean="0">
+                <a:solidFill>
+                  <a:schemeClr val="accent1">
+                    <a:lumMod val="60000"/>
+                    <a:lumOff val="40000"/>
+                  </a:schemeClr>
+                </a:solidFill>
+              </a:rPr>
+              <a:t>次</a:t>
+            </a:r>
+            <a:endParaRPr lang="en-US" sz="3200" i="1" dirty="0" smtClean="0">
+              <a:solidFill>
+                <a:schemeClr val="accent1">
+                  <a:lumMod val="60000"/>
+                  <a:lumOff val="40000"/>
+                </a:schemeClr>
+              </a:solidFill>
+            </a:endParaRPr>
+          </a:p>
+          <a:p>
+            <a:r>
+              <a:rPr lang="en-US" sz="3200" i="1" dirty="0" err="1" smtClean="0">
+                <a:solidFill>
+                  <a:schemeClr val="accent1">
+                    <a:lumMod val="60000"/>
+                    <a:lumOff val="40000"/>
+                  </a:schemeClr>
+                </a:solidFill>
+              </a:rPr>
+              <a:t>wg.Wait</a:t>
+            </a:r>
+            <a:r>
+              <a:rPr lang="en-US" sz="3200" i="1" dirty="0" smtClean="0">
+                <a:solidFill>
+                  <a:schemeClr val="accent1">
+                    <a:lumMod val="60000"/>
+                    <a:lumOff val="40000"/>
+                  </a:schemeClr>
+                </a:solidFill>
+              </a:rPr>
+              <a:t>()</a:t>
+            </a:r>
+            <a:endParaRPr lang="en-US" sz="3200" i="1" dirty="0" smtClean="0">
+              <a:solidFill>
+                <a:schemeClr val="accent1">
+                  <a:lumMod val="60000"/>
+                  <a:lumOff val="40000"/>
+                </a:schemeClr>
+              </a:solidFill>
+            </a:endParaRPr>
+          </a:p>
+          <a:p>
+            <a:endParaRPr lang="en-US" sz="3200" i="1" dirty="0"/>
+          </a:p>
+          <a:p>
+            <a:endParaRPr lang="en-US" altLang="zh-CN" sz="3600" b="1" dirty="0"/>
+          </a:p>
+        </p:txBody>
+      </p:sp>
+      <p:pic>
+        <p:nvPicPr>
+          <p:cNvPr id="36867" name="Picture 3"/>
+          <p:cNvPicPr>
+            <a:picLocks noChangeAspect="1" noChangeArrowheads="1"/>
+          </p:cNvPicPr>
+          <p:nvPr/>
+        </p:nvPicPr>
+        <p:blipFill>
+          <a:blip r:embed="rId3"/>
+          <a:srcRect/>
+          <a:stretch>
+            <a:fillRect/>
+          </a:stretch>
+        </p:blipFill>
+        <p:spPr bwMode="auto">
+          <a:xfrm>
+            <a:off x="4791849" y="695437"/>
+            <a:ext cx="5181490" cy="5507370"/>
+          </a:xfrm>
+          <a:prstGeom prst="rect">
+            <a:avLst/>
+          </a:prstGeom>
+          <a:noFill/>
+          <a:ln w="9525">
+            <a:noFill/>
+            <a:miter lim="800000"/>
+            <a:headEnd/>
+            <a:tailEnd/>
+          </a:ln>
+          <a:effectLst/>
+        </p:spPr>
+      </p:pic>
+      <p:pic>
+        <p:nvPicPr>
+          <p:cNvPr id="36869" name="Picture 5"/>
+          <p:cNvPicPr>
+            <a:picLocks noChangeAspect="1" noChangeArrowheads="1"/>
+          </p:cNvPicPr>
+          <p:nvPr/>
+        </p:nvPicPr>
+        <p:blipFill>
+          <a:blip r:embed="rId4"/>
+          <a:srcRect/>
+          <a:stretch>
+            <a:fillRect/>
+          </a:stretch>
+        </p:blipFill>
+        <p:spPr bwMode="auto">
+          <a:xfrm>
+            <a:off x="10208917" y="710278"/>
+            <a:ext cx="1008432" cy="5552451"/>
+          </a:xfrm>
+          <a:prstGeom prst="rect">
+            <a:avLst/>
+          </a:prstGeom>
+          <a:noFill/>
+          <a:ln w="9525">
+            <a:noFill/>
+            <a:miter lim="800000"/>
+            <a:headEnd/>
+            <a:tailEnd/>
+          </a:ln>
+          <a:effectLst/>
+        </p:spPr>
+      </p:pic>
+    </p:spTree>
+    <p:extLst>
+      <p:ext uri="{BB962C8B-B14F-4D97-AF65-F5344CB8AC3E}">
+        <p14:creationId xmlns:p14="http://schemas.microsoft.com/office/powerpoint/2010/main" xmlns="" val="375138371"/>
+      </p:ext>
+    </p:extLst>
+  </p:cSld>
+  <p:clrMapOvr>
+    <a:masterClrMapping/>
+  </p:clrMapOvr>
+</p:sld>
+</file>
+
+<file path=ppt/slides/slide15.xml><?xml version="1.0" encoding="utf-8"?>
+<p:sld xmlns:a="http://schemas.openxmlformats.org/drawingml/2006/main" xmlns:r="http://schemas.openxmlformats.org/officeDocument/2006/relationships" xmlns:p="http://schemas.openxmlformats.org/presentationml/2006/main">
+  <p:cSld>
+    <p:spTree>
+      <p:nvGrpSpPr>
+        <p:cNvPr id="1" name=""/>
+        <p:cNvGrpSpPr/>
+        <p:nvPr/>
+      </p:nvGrpSpPr>
+      <p:grpSpPr>
+        <a:xfrm>
+          <a:off x="0" y="0"/>
+          <a:ext cx="0" cy="0"/>
+          <a:chOff x="0" y="0"/>
+          <a:chExt cx="0" cy="0"/>
+        </a:xfrm>
+      </p:grpSpPr>
+      <p:sp>
+        <p:nvSpPr>
+          <p:cNvPr id="2" name="Title 1">
+            <a:extLst>
+              <a:ext uri="{FF2B5EF4-FFF2-40B4-BE49-F238E27FC236}">
+                <a16:creationId xmlns:a16="http://schemas.microsoft.com/office/drawing/2014/main" xmlns="" id="{D7C84779-5F93-4DCC-86DF-8D79DEAEC374}"/>
               </a:ext>
             </a:extLst>
           </p:cNvPr>
@@ -4885,7 +6701,7 @@
           <p:cNvPr id="3" name="Content Placeholder 2">
             <a:extLst>
               <a:ext uri="{FF2B5EF4-FFF2-40B4-BE49-F238E27FC236}">
-                <a16:creationId xmlns:a16="http://schemas.microsoft.com/office/drawing/2014/main" id="{0E59A1AE-F806-46F3-BA69-B4B5C2C30661}"/>
+                <a16:creationId xmlns:a16="http://schemas.microsoft.com/office/drawing/2014/main" xmlns="" id="{0E59A1AE-F806-46F3-BA69-B4B5C2C30661}"/>
               </a:ext>
             </a:extLst>
           </p:cNvPr>
@@ -4933,7 +6749,7 @@
           <p:cNvPr id="9" name="Object 8">
             <a:extLst>
               <a:ext uri="{FF2B5EF4-FFF2-40B4-BE49-F238E27FC236}">
-                <a16:creationId xmlns:a16="http://schemas.microsoft.com/office/drawing/2014/main" id="{1045B712-5FE4-4762-8814-15F0ADBF60CC}"/>
+                <a16:creationId xmlns:a16="http://schemas.microsoft.com/office/drawing/2014/main" xmlns="" id="{1045B712-5FE4-4762-8814-15F0ADBF60CC}"/>
               </a:ext>
             </a:extLst>
           </p:cNvPr>
@@ -4943,7 +6759,7 @@
           <p:nvPr>
             <p:extLst>
               <p:ext uri="{D42A27DB-BD31-4B8C-83A1-F6EECF244321}">
-                <p14:modId xmlns:p14="http://schemas.microsoft.com/office/powerpoint/2010/main" val="802764902"/>
+                <p14:modId xmlns:p14="http://schemas.microsoft.com/office/powerpoint/2010/main" xmlns="" val="802764902"/>
               </p:ext>
             </p:extLst>
           </p:nvPr>
@@ -4954,40 +6770,9 @@
         </p:xfrm>
         <a:graphic>
           <a:graphicData uri="http://schemas.openxmlformats.org/presentationml/2006/ole">
-            <mc:AlternateContent xmlns:mc="http://schemas.openxmlformats.org/markup-compatibility/2006">
-              <mc:Choice xmlns:v="urn:schemas-microsoft-com:vml" Requires="v">
-                <p:oleObj spid="_x0000_s2116" name="Packager Shell Object" showAsIcon="1" r:id="rId4" imgW="1421640" imgH="685800" progId="Package">
-                  <p:embed/>
-                </p:oleObj>
-              </mc:Choice>
-              <mc:Fallback>
-                <p:oleObj name="Packager Shell Object" showAsIcon="1" r:id="rId4" imgW="1421640" imgH="685800" progId="Package">
-                  <p:embed/>
-                  <p:pic>
-                    <p:nvPicPr>
-                      <p:cNvPr id="0" name=""/>
-                      <p:cNvPicPr/>
-                      <p:nvPr/>
-                    </p:nvPicPr>
-                    <p:blipFill>
-                      <a:blip r:embed="rId5"/>
-                      <a:stretch>
-                        <a:fillRect/>
-                      </a:stretch>
-                    </p:blipFill>
-                    <p:spPr>
-                      <a:xfrm>
-                        <a:off x="1253707" y="3429000"/>
-                        <a:ext cx="1422400" cy="685800"/>
-                      </a:xfrm>
-                      <a:prstGeom prst="rect">
-                        <a:avLst/>
-                      </a:prstGeom>
-                    </p:spPr>
-                  </p:pic>
-                </p:oleObj>
-              </mc:Fallback>
-            </mc:AlternateContent>
+            <p:oleObj spid="_x0000_s2116" name="Packager Shell Object" showAsIcon="1" r:id="rId4" imgW="1421640" imgH="685800" progId="Package">
+              <p:embed/>
+            </p:oleObj>
           </a:graphicData>
         </a:graphic>
       </p:graphicFrame>
@@ -4996,7 +6781,7 @@
           <p:cNvPr id="10" name="Object 9">
             <a:extLst>
               <a:ext uri="{FF2B5EF4-FFF2-40B4-BE49-F238E27FC236}">
-                <a16:creationId xmlns:a16="http://schemas.microsoft.com/office/drawing/2014/main" id="{2A950656-C479-499D-9038-96DEB37536E6}"/>
+                <a16:creationId xmlns:a16="http://schemas.microsoft.com/office/drawing/2014/main" xmlns="" id="{2A950656-C479-499D-9038-96DEB37536E6}"/>
               </a:ext>
             </a:extLst>
           </p:cNvPr>
@@ -5006,7 +6791,7 @@
           <p:nvPr>
             <p:extLst>
               <p:ext uri="{D42A27DB-BD31-4B8C-83A1-F6EECF244321}">
-                <p14:modId xmlns:p14="http://schemas.microsoft.com/office/powerpoint/2010/main" val="3924934244"/>
+                <p14:modId xmlns:p14="http://schemas.microsoft.com/office/powerpoint/2010/main" xmlns="" val="3924934244"/>
               </p:ext>
             </p:extLst>
           </p:nvPr>
@@ -5017,47 +6802,16 @@
         </p:xfrm>
         <a:graphic>
           <a:graphicData uri="http://schemas.openxmlformats.org/presentationml/2006/ole">
-            <mc:AlternateContent xmlns:mc="http://schemas.openxmlformats.org/markup-compatibility/2006">
-              <mc:Choice xmlns:v="urn:schemas-microsoft-com:vml" Requires="v">
-                <p:oleObj spid="_x0000_s2117" name="Packager Shell Object" showAsIcon="1" r:id="rId6" imgW="2196000" imgH="685800" progId="Package">
-                  <p:embed/>
-                </p:oleObj>
-              </mc:Choice>
-              <mc:Fallback>
-                <p:oleObj name="Packager Shell Object" showAsIcon="1" r:id="rId6" imgW="2196000" imgH="685800" progId="Package">
-                  <p:embed/>
-                  <p:pic>
-                    <p:nvPicPr>
-                      <p:cNvPr id="0" name=""/>
-                      <p:cNvPicPr/>
-                      <p:nvPr/>
-                    </p:nvPicPr>
-                    <p:blipFill>
-                      <a:blip r:embed="rId7"/>
-                      <a:stretch>
-                        <a:fillRect/>
-                      </a:stretch>
-                    </p:blipFill>
-                    <p:spPr>
-                      <a:xfrm>
-                        <a:off x="3214604" y="3429000"/>
-                        <a:ext cx="2195513" cy="685800"/>
-                      </a:xfrm>
-                      <a:prstGeom prst="rect">
-                        <a:avLst/>
-                      </a:prstGeom>
-                    </p:spPr>
-                  </p:pic>
-                </p:oleObj>
-              </mc:Fallback>
-            </mc:AlternateContent>
+            <p:oleObj spid="_x0000_s2117" name="Packager Shell Object" showAsIcon="1" r:id="rId5" imgW="2196000" imgH="685800" progId="Package">
+              <p:embed/>
+            </p:oleObj>
           </a:graphicData>
         </a:graphic>
       </p:graphicFrame>
     </p:spTree>
     <p:extLst>
       <p:ext uri="{BB962C8B-B14F-4D97-AF65-F5344CB8AC3E}">
-        <p14:creationId xmlns:p14="http://schemas.microsoft.com/office/powerpoint/2010/main" val="1408701152"/>
+        <p14:creationId xmlns:p14="http://schemas.microsoft.com/office/powerpoint/2010/main" xmlns="" val="1408701152"/>
       </p:ext>
     </p:extLst>
   </p:cSld>
@@ -5089,7 +6843,7 @@
           <p:cNvPr id="2" name="Title 1">
             <a:extLst>
               <a:ext uri="{FF2B5EF4-FFF2-40B4-BE49-F238E27FC236}">
-                <a16:creationId xmlns:a16="http://schemas.microsoft.com/office/drawing/2014/main" id="{8342A161-B3E9-4758-A71C-0474D4118B56}"/>
+                <a16:creationId xmlns:a16="http://schemas.microsoft.com/office/drawing/2014/main" xmlns="" id="{8342A161-B3E9-4758-A71C-0474D4118B56}"/>
               </a:ext>
             </a:extLst>
           </p:cNvPr>
@@ -5117,7 +6871,7 @@
           <p:cNvPr id="3" name="Content Placeholder 2">
             <a:extLst>
               <a:ext uri="{FF2B5EF4-FFF2-40B4-BE49-F238E27FC236}">
-                <a16:creationId xmlns:a16="http://schemas.microsoft.com/office/drawing/2014/main" id="{EFC431BF-252A-4742-96DF-4B53752625D3}"/>
+                <a16:creationId xmlns:a16="http://schemas.microsoft.com/office/drawing/2014/main" xmlns="" id="{EFC431BF-252A-4742-96DF-4B53752625D3}"/>
               </a:ext>
             </a:extLst>
           </p:cNvPr>
@@ -5280,7 +7034,7 @@
     </p:spTree>
     <p:extLst>
       <p:ext uri="{BB962C8B-B14F-4D97-AF65-F5344CB8AC3E}">
-        <p14:creationId xmlns:p14="http://schemas.microsoft.com/office/powerpoint/2010/main" val="3122889517"/>
+        <p14:creationId xmlns:p14="http://schemas.microsoft.com/office/powerpoint/2010/main" xmlns="" val="3122889517"/>
       </p:ext>
     </p:extLst>
   </p:cSld>
@@ -5312,7 +7066,7 @@
           <p:cNvPr id="2" name="Title 1">
             <a:extLst>
               <a:ext uri="{FF2B5EF4-FFF2-40B4-BE49-F238E27FC236}">
-                <a16:creationId xmlns:a16="http://schemas.microsoft.com/office/drawing/2014/main" id="{AB0A8BCD-AB0A-49E3-A2BA-459943BAEEF4}"/>
+                <a16:creationId xmlns:a16="http://schemas.microsoft.com/office/drawing/2014/main" xmlns="" id="{AB0A8BCD-AB0A-49E3-A2BA-459943BAEEF4}"/>
               </a:ext>
             </a:extLst>
           </p:cNvPr>
@@ -5333,12 +7087,16 @@
               <a:t>一个</a:t>
             </a:r>
             <a:r>
-              <a:rPr lang="en-US" altLang="zh-CN" dirty="0"/>
+              <a:rPr lang="en-US" altLang="zh-CN" dirty="0" smtClean="0"/>
               <a:t>RPC</a:t>
             </a:r>
             <a:r>
+              <a:rPr lang="zh-CN" altLang="en-US" dirty="0" smtClean="0"/>
+              <a:t>调用的</a:t>
+            </a:r>
+            <a:r>
               <a:rPr lang="zh-CN" altLang="en-US" dirty="0"/>
-              <a:t>访问的例子</a:t>
+              <a:t>例子</a:t>
             </a:r>
             <a:endParaRPr lang="en-US" dirty="0"/>
           </a:p>
@@ -5349,7 +7107,7 @@
           <p:cNvPr id="3" name="Content Placeholder 2">
             <a:extLst>
               <a:ext uri="{FF2B5EF4-FFF2-40B4-BE49-F238E27FC236}">
-                <a16:creationId xmlns:a16="http://schemas.microsoft.com/office/drawing/2014/main" id="{9CEEFE61-DC95-418E-BAF4-089832837283}"/>
+                <a16:creationId xmlns:a16="http://schemas.microsoft.com/office/drawing/2014/main" xmlns="" id="{9CEEFE61-DC95-418E-BAF4-089832837283}"/>
               </a:ext>
             </a:extLst>
           </p:cNvPr>
@@ -5380,9 +7138,101 @@
             </a:r>
             <a:r>
               <a:rPr lang="zh-CN" altLang="en-US" sz="3600" i="1" dirty="0"/>
-              <a:t>服务端计算乘积并返回结果</a:t>
-            </a:r>
-            <a:endParaRPr lang="en-US" altLang="zh-CN" sz="3600" i="1" dirty="0"/>
+              <a:t>服务端计算乘积并返回</a:t>
+            </a:r>
+            <a:r>
+              <a:rPr lang="zh-CN" altLang="en-US" sz="3600" i="1" dirty="0" smtClean="0"/>
+              <a:t>结果</a:t>
+            </a:r>
+            <a:endParaRPr lang="en-US" altLang="zh-CN" sz="3600" i="1" dirty="0" smtClean="0"/>
+          </a:p>
+          <a:p>
+            <a:pPr lvl="1"/>
+            <a:endParaRPr lang="en-US" altLang="zh-CN" sz="3200" i="1" dirty="0"/>
+          </a:p>
+          <a:p>
+            <a:pPr lvl="1"/>
+            <a:r>
+              <a:rPr lang="en-US" altLang="zh-CN" dirty="0" smtClean="0"/>
+              <a:t>QPS</a:t>
+            </a:r>
+            <a:r>
+              <a:rPr lang="zh-CN" altLang="en-US" dirty="0" smtClean="0"/>
+              <a:t>：</a:t>
+            </a:r>
+            <a:r>
+              <a:rPr lang="en-US" altLang="zh-CN" dirty="0" smtClean="0"/>
+              <a:t>3~6</a:t>
+            </a:r>
+            <a:r>
+              <a:rPr lang="zh-CN" altLang="en-US" dirty="0" smtClean="0"/>
+              <a:t>万</a:t>
+            </a:r>
+            <a:endParaRPr lang="en-US" altLang="zh-CN" dirty="0" smtClean="0"/>
+          </a:p>
+          <a:p>
+            <a:pPr lvl="1"/>
+            <a:r>
+              <a:rPr lang="en-US" altLang="zh-CN" dirty="0" smtClean="0"/>
+              <a:t>15K </a:t>
+            </a:r>
+            <a:r>
+              <a:rPr lang="zh-CN" altLang="en-US" dirty="0" smtClean="0"/>
+              <a:t>长连接</a:t>
+            </a:r>
+            <a:endParaRPr lang="en-US" altLang="zh-CN" dirty="0" smtClean="0"/>
+          </a:p>
+          <a:p>
+            <a:pPr lvl="1"/>
+            <a:r>
+              <a:rPr lang="en-US" altLang="zh-CN" dirty="0" err="1" smtClean="0"/>
+              <a:t>Serv+Client</a:t>
+            </a:r>
+            <a:endParaRPr lang="en-US" altLang="zh-CN" dirty="0" smtClean="0"/>
+          </a:p>
+          <a:p>
+            <a:pPr lvl="1"/>
+            <a:r>
+              <a:rPr lang="en-US" altLang="zh-CN" dirty="0" smtClean="0"/>
+              <a:t>2</a:t>
+            </a:r>
+            <a:r>
+              <a:rPr lang="zh-CN" altLang="en-US" dirty="0" smtClean="0"/>
+              <a:t>次序列化</a:t>
+            </a:r>
+            <a:endParaRPr lang="en-US" altLang="zh-CN" dirty="0" smtClean="0"/>
+          </a:p>
+          <a:p>
+            <a:pPr lvl="1"/>
+            <a:r>
+              <a:rPr lang="en-US" altLang="zh-CN" dirty="0" smtClean="0"/>
+              <a:t>2</a:t>
+            </a:r>
+            <a:r>
+              <a:rPr lang="zh-CN" altLang="en-US" dirty="0" smtClean="0"/>
+              <a:t>次反序列化</a:t>
+            </a:r>
+            <a:endParaRPr lang="en-US" altLang="zh-CN" dirty="0" smtClean="0"/>
+          </a:p>
+          <a:p>
+            <a:pPr lvl="1"/>
+            <a:r>
+              <a:rPr lang="en-US" altLang="zh-CN" dirty="0" smtClean="0"/>
+              <a:t>2</a:t>
+            </a:r>
+            <a:r>
+              <a:rPr lang="zh-CN" altLang="en-US" dirty="0" smtClean="0"/>
+              <a:t>次网络传输</a:t>
+            </a:r>
+            <a:endParaRPr lang="en-US" altLang="zh-CN" dirty="0" smtClean="0"/>
+          </a:p>
+          <a:p>
+            <a:pPr lvl="1"/>
+            <a:endParaRPr lang="en-US" altLang="zh-CN" dirty="0" smtClean="0"/>
+          </a:p>
+          <a:p>
+            <a:pPr lvl="1"/>
+            <a:endParaRPr lang="en-US" altLang="zh-CN" dirty="0" smtClean="0"/>
           </a:p>
           <a:p>
             <a:pPr lvl="1"/>
@@ -5395,7 +7245,7 @@
           <p:cNvPr id="6" name="Picture 5">
             <a:extLst>
               <a:ext uri="{FF2B5EF4-FFF2-40B4-BE49-F238E27FC236}">
-                <a16:creationId xmlns:a16="http://schemas.microsoft.com/office/drawing/2014/main" id="{27422100-F92B-4F00-8593-4B9D8040F490}"/>
+                <a16:creationId xmlns:a16="http://schemas.microsoft.com/office/drawing/2014/main" xmlns="" id="{27422100-F92B-4F00-8593-4B9D8040F490}"/>
               </a:ext>
             </a:extLst>
           </p:cNvPr>
@@ -5412,7 +7262,7 @@
         </p:blipFill>
         <p:spPr>
           <a:xfrm>
-            <a:off x="1412958" y="1720543"/>
+            <a:off x="3762753" y="1667380"/>
             <a:ext cx="7634789" cy="865221"/>
           </a:xfrm>
           <a:prstGeom prst="rect">
@@ -5425,7 +7275,7 @@
           <p:cNvPr id="7" name="Picture 6">
             <a:extLst>
               <a:ext uri="{FF2B5EF4-FFF2-40B4-BE49-F238E27FC236}">
-                <a16:creationId xmlns:a16="http://schemas.microsoft.com/office/drawing/2014/main" id="{12A8AA35-23E3-4CB9-9C81-24C609C120D7}"/>
+                <a16:creationId xmlns:a16="http://schemas.microsoft.com/office/drawing/2014/main" xmlns="" id="{12A8AA35-23E3-4CB9-9C81-24C609C120D7}"/>
               </a:ext>
             </a:extLst>
           </p:cNvPr>
@@ -5442,7 +7292,7 @@
         </p:blipFill>
         <p:spPr>
           <a:xfrm>
-            <a:off x="1412958" y="2681575"/>
+            <a:off x="3762753" y="2628412"/>
             <a:ext cx="7731042" cy="3725321"/>
           </a:xfrm>
           <a:prstGeom prst="rect">
@@ -5453,7 +7303,7 @@
     </p:spTree>
     <p:extLst>
       <p:ext uri="{BB962C8B-B14F-4D97-AF65-F5344CB8AC3E}">
-        <p14:creationId xmlns:p14="http://schemas.microsoft.com/office/powerpoint/2010/main" val="2376815334"/>
+        <p14:creationId xmlns:p14="http://schemas.microsoft.com/office/powerpoint/2010/main" xmlns="" val="2376815334"/>
       </p:ext>
     </p:extLst>
   </p:cSld>
@@ -5485,7 +7335,7 @@
           <p:cNvPr id="2" name="Title 1">
             <a:extLst>
               <a:ext uri="{FF2B5EF4-FFF2-40B4-BE49-F238E27FC236}">
-                <a16:creationId xmlns:a16="http://schemas.microsoft.com/office/drawing/2014/main" id="{D7C84779-5F93-4DCC-86DF-8D79DEAEC374}"/>
+                <a16:creationId xmlns:a16="http://schemas.microsoft.com/office/drawing/2014/main" xmlns="" id="{D7C84779-5F93-4DCC-86DF-8D79DEAEC374}"/>
               </a:ext>
             </a:extLst>
           </p:cNvPr>
@@ -5502,12 +7352,12 @@
           <a:lstStyle/>
           <a:p>
             <a:r>
-              <a:rPr lang="en-US" altLang="zh-CN" dirty="0"/>
-              <a:t>Golang </a:t>
-            </a:r>
-            <a:r>
-              <a:rPr lang="zh-CN" altLang="en-US" dirty="0"/>
-              <a:t>并发的优点</a:t>
+              <a:rPr lang="en-US" altLang="zh-CN" dirty="0" err="1" smtClean="0"/>
+              <a:t>Golang</a:t>
+            </a:r>
+            <a:r>
+              <a:rPr lang="zh-CN" altLang="en-US" dirty="0" smtClean="0"/>
+              <a:t>大并发如此简单</a:t>
             </a:r>
             <a:endParaRPr lang="en-US" dirty="0"/>
           </a:p>
@@ -5518,7 +7368,7 @@
           <p:cNvPr id="3" name="Content Placeholder 2">
             <a:extLst>
               <a:ext uri="{FF2B5EF4-FFF2-40B4-BE49-F238E27FC236}">
-                <a16:creationId xmlns:a16="http://schemas.microsoft.com/office/drawing/2014/main" id="{0E59A1AE-F806-46F3-BA69-B4B5C2C30661}"/>
+                <a16:creationId xmlns:a16="http://schemas.microsoft.com/office/drawing/2014/main" xmlns="" id="{0E59A1AE-F806-46F3-BA69-B4B5C2C30661}"/>
               </a:ext>
             </a:extLst>
           </p:cNvPr>
@@ -5557,7 +7407,7 @@
           <p:cNvPr id="4" name="TextBox 3">
             <a:extLst>
               <a:ext uri="{FF2B5EF4-FFF2-40B4-BE49-F238E27FC236}">
-                <a16:creationId xmlns:a16="http://schemas.microsoft.com/office/drawing/2014/main" id="{945B14A7-9B10-4210-9FBD-CCE24D646A83}"/>
+                <a16:creationId xmlns:a16="http://schemas.microsoft.com/office/drawing/2014/main" xmlns="" id="{945B14A7-9B10-4210-9FBD-CCE24D646A83}"/>
               </a:ext>
             </a:extLst>
           </p:cNvPr>
@@ -5567,7 +7417,7 @@
         <p:spPr>
           <a:xfrm>
             <a:off x="529389" y="950495"/>
-            <a:ext cx="9372600" cy="2062103"/>
+            <a:ext cx="5751668" cy="1077218"/>
           </a:xfrm>
           <a:prstGeom prst="rect">
             <a:avLst/>
@@ -5585,10 +7435,18 @@
               <a:buAutoNum type="arabicPeriod"/>
             </a:pPr>
             <a:r>
-              <a:rPr lang="zh-CN" altLang="en-US" sz="3200" dirty="0"/>
-              <a:t>轻量的协程，线程还可以常驻许多协程</a:t>
-            </a:r>
-            <a:endParaRPr lang="en-US" altLang="zh-CN" sz="3200" dirty="0"/>
+              <a:rPr lang="zh-CN" altLang="en-US" sz="3200" dirty="0" smtClean="0"/>
+              <a:t>只需要加个 </a:t>
+            </a:r>
+            <a:r>
+              <a:rPr lang="en-US" altLang="zh-CN" sz="3200" dirty="0" smtClean="0"/>
+              <a:t>go </a:t>
+            </a:r>
+            <a:r>
+              <a:rPr lang="zh-CN" altLang="en-US" sz="3200" dirty="0" smtClean="0"/>
+              <a:t>关键字</a:t>
+            </a:r>
+            <a:endParaRPr lang="en-US" altLang="zh-CN" sz="3200" dirty="0" smtClean="0"/>
           </a:p>
           <a:p>
             <a:pPr marL="514350" indent="-514350">
@@ -5596,74 +7454,14 @@
               <a:buAutoNum type="arabicPeriod"/>
             </a:pPr>
             <a:r>
-              <a:rPr lang="zh-CN" altLang="en-US" sz="3200" dirty="0"/>
-              <a:t>沉重的线程，一个</a:t>
-            </a:r>
-            <a:r>
-              <a:rPr lang="en-US" altLang="zh-CN" sz="3200" dirty="0"/>
-              <a:t>3G ram</a:t>
-            </a:r>
-            <a:r>
-              <a:rPr lang="zh-CN" altLang="en-US" sz="3200" dirty="0"/>
-              <a:t>的</a:t>
-            </a:r>
-            <a:r>
-              <a:rPr lang="en-US" altLang="zh-CN" sz="3200" dirty="0"/>
-              <a:t>JVM </a:t>
-            </a:r>
-            <a:r>
-              <a:rPr lang="zh-CN" altLang="en-US" sz="3200" dirty="0"/>
-              <a:t>带</a:t>
-            </a:r>
-            <a:r>
-              <a:rPr lang="en-US" altLang="zh-CN" sz="3200" dirty="0"/>
-              <a:t>2000</a:t>
-            </a:r>
-            <a:r>
-              <a:rPr lang="zh-CN" altLang="en-US" sz="3200" dirty="0"/>
-              <a:t>个线程</a:t>
-            </a:r>
-            <a:r>
-              <a:rPr lang="en-US" altLang="zh-CN" sz="3200" dirty="0"/>
-              <a:t>.</a:t>
-            </a:r>
-          </a:p>
-          <a:p>
-            <a:pPr marL="514350" indent="-514350">
-              <a:buFont typeface="+mj-lt"/>
-              <a:buAutoNum type="arabicPeriod"/>
-            </a:pPr>
-            <a:r>
-              <a:rPr lang="zh-CN" altLang="en-US" sz="3200" dirty="0"/>
-              <a:t>只需要在前面加关键</a:t>
-            </a:r>
-            <a:r>
-              <a:rPr lang="en-US" altLang="zh-CN" sz="3200" dirty="0"/>
-              <a:t>Go. </a:t>
-            </a:r>
-            <a:r>
-              <a:rPr lang="zh-CN" altLang="en-US" sz="3200" dirty="0"/>
-              <a:t>最小的执行单位</a:t>
-            </a:r>
-            <a:r>
-              <a:rPr lang="en-US" altLang="zh-CN" sz="3200" dirty="0"/>
-              <a:t>.</a:t>
-            </a:r>
-          </a:p>
-          <a:p>
-            <a:pPr marL="514350" indent="-514350">
-              <a:buFont typeface="+mj-lt"/>
-              <a:buAutoNum type="arabicPeriod"/>
-            </a:pPr>
-            <a:r>
-              <a:rPr lang="zh-CN" altLang="en-US" sz="3200" dirty="0"/>
-              <a:t>协程有自己的栈空间，还可以动态增长</a:t>
-            </a:r>
-            <a:r>
-              <a:rPr lang="en-US" altLang="zh-CN" sz="3200" dirty="0"/>
-              <a:t>.</a:t>
-            </a:r>
-            <a:endParaRPr lang="en-US" sz="3200" dirty="0"/>
+              <a:rPr lang="zh-CN" altLang="en-US" sz="3200" dirty="0" smtClean="0"/>
+              <a:t>简单粗暴</a:t>
+            </a:r>
+            <a:r>
+              <a:rPr lang="zh-CN" altLang="en-US" sz="3200" dirty="0" smtClean="0"/>
+              <a:t>而富有成效</a:t>
+            </a:r>
+            <a:endParaRPr lang="en-US" altLang="zh-CN" sz="3200" dirty="0" smtClean="0"/>
           </a:p>
         </p:txBody>
       </p:sp>
@@ -5672,7 +7470,7 @@
           <p:cNvPr id="6" name="Picture 5">
             <a:extLst>
               <a:ext uri="{FF2B5EF4-FFF2-40B4-BE49-F238E27FC236}">
-                <a16:creationId xmlns:a16="http://schemas.microsoft.com/office/drawing/2014/main" id="{D9D35F01-3DBC-40A8-B0E2-A754678B0CB6}"/>
+                <a16:creationId xmlns:a16="http://schemas.microsoft.com/office/drawing/2014/main" xmlns="" id="{D9D35F01-3DBC-40A8-B0E2-A754678B0CB6}"/>
               </a:ext>
             </a:extLst>
           </p:cNvPr>
@@ -5689,38 +7487,8 @@
         </p:blipFill>
         <p:spPr>
           <a:xfrm>
-            <a:off x="529389" y="3101582"/>
-            <a:ext cx="5727032" cy="3408111"/>
-          </a:xfrm>
-          <a:prstGeom prst="rect">
-            <a:avLst/>
-          </a:prstGeom>
-        </p:spPr>
-      </p:pic>
-      <p:pic>
-        <p:nvPicPr>
-          <p:cNvPr id="9" name="Picture 8">
-            <a:extLst>
-              <a:ext uri="{FF2B5EF4-FFF2-40B4-BE49-F238E27FC236}">
-                <a16:creationId xmlns:a16="http://schemas.microsoft.com/office/drawing/2014/main" id="{05EAFD03-C94F-4041-B15A-79480E0B7FC4}"/>
-              </a:ext>
-            </a:extLst>
-          </p:cNvPr>
-          <p:cNvPicPr>
-            <a:picLocks noChangeAspect="1"/>
-          </p:cNvPicPr>
-          <p:nvPr/>
-        </p:nvPicPr>
-        <p:blipFill>
-          <a:blip r:embed="rId4"/>
-          <a:stretch>
-            <a:fillRect/>
-          </a:stretch>
-        </p:blipFill>
-        <p:spPr>
-          <a:xfrm>
-            <a:off x="6956726" y="3429000"/>
-            <a:ext cx="4461242" cy="2505629"/>
+            <a:off x="1074261" y="2179841"/>
+            <a:ext cx="6878546" cy="4093368"/>
           </a:xfrm>
           <a:prstGeom prst="rect">
             <a:avLst/>
@@ -5730,7 +7498,7 @@
     </p:spTree>
     <p:extLst>
       <p:ext uri="{BB962C8B-B14F-4D97-AF65-F5344CB8AC3E}">
-        <p14:creationId xmlns:p14="http://schemas.microsoft.com/office/powerpoint/2010/main" val="3732194823"/>
+        <p14:creationId xmlns:p14="http://schemas.microsoft.com/office/powerpoint/2010/main" xmlns="" val="3732194823"/>
       </p:ext>
     </p:extLst>
   </p:cSld>
@@ -5762,7 +7530,7 @@
           <p:cNvPr id="2" name="Title 1">
             <a:extLst>
               <a:ext uri="{FF2B5EF4-FFF2-40B4-BE49-F238E27FC236}">
-                <a16:creationId xmlns:a16="http://schemas.microsoft.com/office/drawing/2014/main" id="{D7C84779-5F93-4DCC-86DF-8D79DEAEC374}"/>
+                <a16:creationId xmlns:a16="http://schemas.microsoft.com/office/drawing/2014/main" xmlns="" id="{D7C84779-5F93-4DCC-86DF-8D79DEAEC374}"/>
               </a:ext>
             </a:extLst>
           </p:cNvPr>
@@ -5779,12 +7547,12 @@
           <a:lstStyle/>
           <a:p>
             <a:r>
-              <a:rPr lang="en-US" altLang="zh-CN" dirty="0"/>
-              <a:t>RPC Server:</a:t>
-            </a:r>
-            <a:r>
-              <a:rPr lang="zh-CN" altLang="en-US" dirty="0"/>
-              <a:t>简单粗暴而又有效</a:t>
+              <a:rPr lang="zh-CN" altLang="en-US" dirty="0" smtClean="0"/>
+              <a:t>初识</a:t>
+            </a:r>
+            <a:r>
+              <a:rPr lang="en-US" altLang="zh-CN" dirty="0" err="1" smtClean="0"/>
+              <a:t>goroutine</a:t>
             </a:r>
             <a:endParaRPr lang="en-US" dirty="0"/>
           </a:p>
@@ -5795,7 +7563,7 @@
           <p:cNvPr id="8" name="Picture 7">
             <a:extLst>
               <a:ext uri="{FF2B5EF4-FFF2-40B4-BE49-F238E27FC236}">
-                <a16:creationId xmlns:a16="http://schemas.microsoft.com/office/drawing/2014/main" id="{AD1537C4-A03B-4DA5-8884-D31334E7119A}"/>
+                <a16:creationId xmlns:a16="http://schemas.microsoft.com/office/drawing/2014/main" xmlns="" id="{AD1537C4-A03B-4DA5-8884-D31334E7119A}"/>
               </a:ext>
             </a:extLst>
           </p:cNvPr>
@@ -5812,7 +7580,7 @@
         </p:blipFill>
         <p:spPr>
           <a:xfrm>
-            <a:off x="713421" y="2306965"/>
+            <a:off x="6202108" y="1201178"/>
             <a:ext cx="5543325" cy="3953265"/>
           </a:xfrm>
           <a:prstGeom prst="rect">
@@ -5822,20 +7590,14 @@
       </p:pic>
       <p:sp>
         <p:nvSpPr>
-          <p:cNvPr id="9" name="Rectangle 8">
-            <a:extLst>
-              <a:ext uri="{FF2B5EF4-FFF2-40B4-BE49-F238E27FC236}">
-                <a16:creationId xmlns:a16="http://schemas.microsoft.com/office/drawing/2014/main" id="{09DF8025-61D7-487E-B878-BECE556123CE}"/>
-              </a:ext>
-            </a:extLst>
-          </p:cNvPr>
+          <p:cNvPr id="5" name="矩形 4"/>
           <p:cNvSpPr/>
           <p:nvPr/>
         </p:nvSpPr>
         <p:spPr>
           <a:xfrm>
-            <a:off x="713421" y="1042936"/>
-            <a:ext cx="9994683" cy="584775"/>
+            <a:off x="666306" y="1031358"/>
+            <a:ext cx="5096541" cy="4247317"/>
           </a:xfrm>
           <a:prstGeom prst="rect">
             <a:avLst/>
@@ -5847,18 +7609,111 @@
           </a:bodyPr>
           <a:lstStyle/>
           <a:p>
-            <a:r>
-              <a:rPr lang="zh-CN" altLang="en-US" sz="3200" dirty="0"/>
-              <a:t>协程的开销是如此的廉价，用完就扔</a:t>
-            </a:r>
-            <a:endParaRPr lang="en-US" altLang="zh-CN" dirty="0"/>
+            <a:pPr marL="514350" indent="-514350">
+              <a:buFont typeface="+mj-lt"/>
+              <a:buAutoNum type="arabicPeriod"/>
+            </a:pPr>
+            <a:r>
+              <a:rPr lang="zh-CN" altLang="en-US" sz="2800" dirty="0" smtClean="0"/>
+              <a:t>协程是最小的执行单位</a:t>
+            </a:r>
+            <a:r>
+              <a:rPr lang="en-US" altLang="zh-CN" sz="2800" dirty="0" smtClean="0"/>
+              <a:t>.</a:t>
+            </a:r>
+          </a:p>
+          <a:p>
+            <a:pPr marL="514350" indent="-514350">
+              <a:buFont typeface="+mj-lt"/>
+              <a:buAutoNum type="arabicPeriod"/>
+            </a:pPr>
+            <a:r>
+              <a:rPr lang="zh-CN" altLang="en-US" sz="2800" dirty="0" smtClean="0"/>
+              <a:t>轻量级，支持百万长连接</a:t>
+            </a:r>
+            <a:endParaRPr lang="en-US" altLang="zh-CN" sz="2800" dirty="0" smtClean="0"/>
+          </a:p>
+          <a:p>
+            <a:pPr marL="514350" indent="-514350">
+              <a:buFont typeface="+mj-lt"/>
+              <a:buAutoNum type="arabicPeriod"/>
+            </a:pPr>
+            <a:r>
+              <a:rPr lang="zh-CN" altLang="en-US" sz="2800" dirty="0" smtClean="0"/>
+              <a:t>线程其实很重</a:t>
+            </a:r>
+            <a:r>
+              <a:rPr lang="en-US" altLang="zh-CN" sz="2800" dirty="0" smtClean="0"/>
+              <a:t>.</a:t>
+            </a:r>
+          </a:p>
+          <a:p>
+            <a:pPr marL="514350" indent="-514350">
+              <a:buFont typeface="+mj-lt"/>
+              <a:buAutoNum type="arabicPeriod"/>
+            </a:pPr>
+            <a:r>
+              <a:rPr lang="en-US" altLang="zh-CN" sz="2800" dirty="0" smtClean="0"/>
+              <a:t>1</a:t>
+            </a:r>
+            <a:r>
+              <a:rPr lang="zh-CN" altLang="en-US" sz="2800" dirty="0" smtClean="0"/>
+              <a:t>线程可以容纳万千个协程</a:t>
+            </a:r>
+            <a:r>
+              <a:rPr lang="en-US" altLang="zh-CN" sz="2800" dirty="0" smtClean="0"/>
+              <a:t>.</a:t>
+            </a:r>
+          </a:p>
+          <a:p>
+            <a:pPr marL="514350" indent="-514350">
+              <a:buFont typeface="+mj-lt"/>
+              <a:buAutoNum type="arabicPeriod"/>
+            </a:pPr>
+            <a:r>
+              <a:rPr lang="zh-CN" altLang="en-US" sz="2800" dirty="0" smtClean="0"/>
+              <a:t>协程有自己的栈空间，还可以动态增长</a:t>
+            </a:r>
+            <a:r>
+              <a:rPr lang="en-US" altLang="zh-CN" sz="2800" dirty="0" smtClean="0"/>
+              <a:t>.</a:t>
+            </a:r>
+          </a:p>
+          <a:p>
+            <a:pPr marL="514350" indent="-514350">
+              <a:buFont typeface="+mj-lt"/>
+              <a:buAutoNum type="arabicPeriod"/>
+            </a:pPr>
+            <a:r>
+              <a:rPr lang="zh-CN" altLang="en-US" sz="2800" dirty="0" smtClean="0"/>
+              <a:t>协程的开销是如此的廉价，用完就</a:t>
+            </a:r>
+            <a:r>
+              <a:rPr lang="zh-CN" altLang="en-US" sz="2800" dirty="0" smtClean="0"/>
+              <a:t>扔</a:t>
+            </a:r>
+            <a:endParaRPr lang="en-US" altLang="zh-CN" sz="2800" dirty="0" smtClean="0"/>
+          </a:p>
+          <a:p>
+            <a:pPr marL="514350" indent="-514350">
+              <a:buFont typeface="+mj-lt"/>
+              <a:buAutoNum type="arabicPeriod"/>
+            </a:pPr>
+            <a:endParaRPr lang="en-US" altLang="zh-CN" sz="2800" dirty="0" smtClean="0"/>
+          </a:p>
+          <a:p>
+            <a:pPr marL="514350" indent="-514350">
+              <a:buFont typeface="+mj-lt"/>
+              <a:buAutoNum type="arabicPeriod"/>
+            </a:pPr>
+            <a:endParaRPr lang="en-US" dirty="0"/>
           </a:p>
         </p:txBody>
       </p:sp>
     </p:spTree>
     <p:extLst>
       <p:ext uri="{BB962C8B-B14F-4D97-AF65-F5344CB8AC3E}">
-        <p14:creationId xmlns:p14="http://schemas.microsoft.com/office/powerpoint/2010/main" val="3032618518"/>
+        <p14:creationId xmlns:p14="http://schemas.microsoft.com/office/powerpoint/2010/main" xmlns="" val="3032618518"/>
       </p:ext>
     </p:extLst>
   </p:cSld>
@@ -5890,7 +7745,7 @@
           <p:cNvPr id="2" name="Title 1">
             <a:extLst>
               <a:ext uri="{FF2B5EF4-FFF2-40B4-BE49-F238E27FC236}">
-                <a16:creationId xmlns:a16="http://schemas.microsoft.com/office/drawing/2014/main" id="{D7C84779-5F93-4DCC-86DF-8D79DEAEC374}"/>
+                <a16:creationId xmlns:a16="http://schemas.microsoft.com/office/drawing/2014/main" xmlns="" id="{D7C84779-5F93-4DCC-86DF-8D79DEAEC374}"/>
               </a:ext>
             </a:extLst>
           </p:cNvPr>
@@ -5923,7 +7778,7 @@
           <p:cNvPr id="9" name="Rectangle 8">
             <a:extLst>
               <a:ext uri="{FF2B5EF4-FFF2-40B4-BE49-F238E27FC236}">
-                <a16:creationId xmlns:a16="http://schemas.microsoft.com/office/drawing/2014/main" id="{09DF8025-61D7-487E-B878-BECE556123CE}"/>
+                <a16:creationId xmlns:a16="http://schemas.microsoft.com/office/drawing/2014/main" xmlns="" id="{09DF8025-61D7-487E-B878-BECE556123CE}"/>
               </a:ext>
             </a:extLst>
           </p:cNvPr>
@@ -5933,7 +7788,7 @@
         <p:spPr>
           <a:xfrm>
             <a:off x="713421" y="1223410"/>
-            <a:ext cx="9994683" cy="5632311"/>
+            <a:ext cx="9994683" cy="5078313"/>
           </a:xfrm>
           <a:prstGeom prst="rect">
             <a:avLst/>
@@ -5946,17 +7801,39 @@
           <a:lstStyle/>
           <a:p>
             <a:r>
+              <a:rPr lang="en-US" sz="3600" i="1" dirty="0" smtClean="0"/>
+              <a:t>“Don't </a:t>
+            </a:r>
+            <a:r>
               <a:rPr lang="en-US" sz="3600" i="1" dirty="0"/>
-              <a:t>Don't communicate by sharing memory, share memory by communicating.</a:t>
-            </a:r>
-          </a:p>
-          <a:p>
-            <a:endParaRPr lang="en-US" altLang="zh-CN" sz="3600" i="1" dirty="0"/>
-          </a:p>
-          <a:p>
+              <a:t>communicate by sharing memory, share memory by communicating</a:t>
+            </a:r>
+            <a:r>
+              <a:rPr lang="en-US" sz="3600" i="1" dirty="0" smtClean="0"/>
+              <a:t>.”</a:t>
+            </a:r>
+            <a:endParaRPr lang="en-US" sz="3600" i="1" dirty="0"/>
+          </a:p>
+          <a:p>
+            <a:r>
+              <a:rPr lang="en-US" altLang="zh-CN" sz="3600" i="1" dirty="0" smtClean="0"/>
+              <a:t>“</a:t>
+            </a:r>
+            <a:r>
+              <a:rPr lang="zh-CN" altLang="en-US" sz="3600" i="1" dirty="0" smtClean="0"/>
+              <a:t>不要</a:t>
+            </a:r>
             <a:r>
               <a:rPr lang="zh-CN" altLang="en-US" sz="3600" i="1" dirty="0"/>
-              <a:t>不要通过共享内存来通信，而应该通过通信来共享内存</a:t>
+              <a:t>通过共享内存来通信，而应该通过通信来共享</a:t>
+            </a:r>
+            <a:r>
+              <a:rPr lang="zh-CN" altLang="en-US" sz="3600" i="1" dirty="0" smtClean="0"/>
+              <a:t>内存</a:t>
+            </a:r>
+            <a:r>
+              <a:rPr lang="en-US" altLang="zh-CN" sz="3600" i="1" dirty="0" smtClean="0"/>
+              <a:t>”</a:t>
             </a:r>
             <a:endParaRPr lang="en-US" altLang="zh-CN" sz="3600" i="1" dirty="0"/>
           </a:p>
@@ -6077,7 +7954,7 @@
     </p:spTree>
     <p:extLst>
       <p:ext uri="{BB962C8B-B14F-4D97-AF65-F5344CB8AC3E}">
-        <p14:creationId xmlns:p14="http://schemas.microsoft.com/office/powerpoint/2010/main" val="421020347"/>
+        <p14:creationId xmlns:p14="http://schemas.microsoft.com/office/powerpoint/2010/main" xmlns="" val="421020347"/>
       </p:ext>
     </p:extLst>
   </p:cSld>
@@ -6109,7 +7986,7 @@
           <p:cNvPr id="2" name="Title 1">
             <a:extLst>
               <a:ext uri="{FF2B5EF4-FFF2-40B4-BE49-F238E27FC236}">
-                <a16:creationId xmlns:a16="http://schemas.microsoft.com/office/drawing/2014/main" id="{D7C84779-5F93-4DCC-86DF-8D79DEAEC374}"/>
+                <a16:creationId xmlns:a16="http://schemas.microsoft.com/office/drawing/2014/main" xmlns="" id="{D7C84779-5F93-4DCC-86DF-8D79DEAEC374}"/>
               </a:ext>
             </a:extLst>
           </p:cNvPr>
@@ -6138,7 +8015,7 @@
           <p:cNvPr id="9" name="Rectangle 8">
             <a:extLst>
               <a:ext uri="{FF2B5EF4-FFF2-40B4-BE49-F238E27FC236}">
-                <a16:creationId xmlns:a16="http://schemas.microsoft.com/office/drawing/2014/main" id="{09DF8025-61D7-487E-B878-BECE556123CE}"/>
+                <a16:creationId xmlns:a16="http://schemas.microsoft.com/office/drawing/2014/main" xmlns="" id="{09DF8025-61D7-487E-B878-BECE556123CE}"/>
               </a:ext>
             </a:extLst>
           </p:cNvPr>
@@ -6147,8 +8024,8 @@
         </p:nvSpPr>
         <p:spPr>
           <a:xfrm>
-            <a:off x="713422" y="1223412"/>
-            <a:ext cx="4652661" cy="3477875"/>
+            <a:off x="585831" y="882502"/>
+            <a:ext cx="4230718" cy="4770537"/>
           </a:xfrm>
           <a:prstGeom prst="rect">
             <a:avLst/>
@@ -6165,14 +8042,14 @@
               <a:buChar char="•"/>
             </a:pPr>
             <a:r>
-              <a:rPr lang="en-US" sz="3200" dirty="0"/>
+              <a:rPr lang="en-US" sz="2800" dirty="0"/>
               <a:t>Channel</a:t>
             </a:r>
             <a:r>
-              <a:rPr lang="zh-CN" altLang="en-US" sz="3200" dirty="0"/>
+              <a:rPr lang="zh-CN" altLang="en-US" sz="2800" dirty="0"/>
               <a:t>带有类型</a:t>
             </a:r>
-            <a:endParaRPr lang="en-US" altLang="zh-CN" sz="3200" dirty="0"/>
+            <a:endParaRPr lang="en-US" altLang="zh-CN" sz="2800" dirty="0"/>
           </a:p>
           <a:p>
             <a:pPr marL="514350" indent="-514350">
@@ -6180,14 +8057,14 @@
               <a:buChar char="•"/>
             </a:pPr>
             <a:r>
-              <a:rPr lang="en-US" altLang="zh-CN" sz="3200" dirty="0"/>
+              <a:rPr lang="en-US" altLang="zh-CN" sz="2800" dirty="0"/>
               <a:t>Channel</a:t>
             </a:r>
             <a:r>
-              <a:rPr lang="zh-CN" altLang="en-US" sz="3200" dirty="0"/>
+              <a:rPr lang="zh-CN" altLang="en-US" sz="2800" dirty="0"/>
               <a:t>的方向</a:t>
             </a:r>
-            <a:endParaRPr lang="en-US" altLang="zh-CN" sz="3200" dirty="0"/>
+            <a:endParaRPr lang="en-US" altLang="zh-CN" sz="2800" dirty="0"/>
           </a:p>
           <a:p>
             <a:pPr marL="971550" lvl="1" indent="-514350">
@@ -6206,8 +8083,57 @@
             </a:pPr>
             <a:r>
               <a:rPr lang="en-US" altLang="zh-CN" sz="2800" dirty="0"/>
-              <a:t>&lt;- channel</a:t>
-            </a:r>
+              <a:t>&lt;- </a:t>
+            </a:r>
+            <a:r>
+              <a:rPr lang="en-US" altLang="zh-CN" sz="2800" dirty="0" smtClean="0"/>
+              <a:t>channel</a:t>
+            </a:r>
+          </a:p>
+          <a:p>
+            <a:pPr marL="514350" indent="-514350">
+              <a:buFont typeface="Arial" panose="020B0604020202020204" pitchFamily="34" charset="0"/>
+              <a:buChar char="•"/>
+            </a:pPr>
+            <a:r>
+              <a:rPr lang="en-US" altLang="zh-CN" sz="2800" dirty="0" smtClean="0"/>
+              <a:t>Channel</a:t>
+            </a:r>
+            <a:r>
+              <a:rPr lang="zh-CN" altLang="en-US" sz="2800" dirty="0" smtClean="0"/>
+              <a:t>会导致阻塞</a:t>
+            </a:r>
+            <a:endParaRPr lang="en-US" altLang="zh-CN" sz="2800" dirty="0" smtClean="0"/>
+          </a:p>
+          <a:p>
+            <a:pPr marL="971550" lvl="1" indent="-514350">
+              <a:buFont typeface="Arial" panose="020B0604020202020204" pitchFamily="34" charset="0"/>
+              <a:buChar char="•"/>
+            </a:pPr>
+            <a:r>
+              <a:rPr lang="en-US" altLang="zh-CN" sz="2800" dirty="0" smtClean="0"/>
+              <a:t>Send</a:t>
+            </a:r>
+            <a:r>
+              <a:rPr lang="zh-CN" altLang="en-US" sz="2800" dirty="0" smtClean="0"/>
+              <a:t>不进去就阻塞</a:t>
+            </a:r>
+            <a:endParaRPr lang="en-US" altLang="zh-CN" sz="2800" dirty="0" smtClean="0"/>
+          </a:p>
+          <a:p>
+            <a:pPr marL="971550" lvl="1" indent="-514350">
+              <a:buFont typeface="Arial" panose="020B0604020202020204" pitchFamily="34" charset="0"/>
+              <a:buChar char="•"/>
+            </a:pPr>
+            <a:r>
+              <a:rPr lang="en-US" altLang="zh-CN" sz="2800" dirty="0" smtClean="0"/>
+              <a:t>Read</a:t>
+            </a:r>
+            <a:r>
+              <a:rPr lang="zh-CN" altLang="en-US" sz="2800" dirty="0" smtClean="0"/>
+              <a:t>不出来也阻塞</a:t>
+            </a:r>
+            <a:endParaRPr lang="en-US" altLang="zh-CN" sz="2800" dirty="0" smtClean="0"/>
           </a:p>
           <a:p>
             <a:r>
@@ -6231,7 +8157,7 @@
           <p:cNvPr id="3" name="Picture 2">
             <a:extLst>
               <a:ext uri="{FF2B5EF4-FFF2-40B4-BE49-F238E27FC236}">
-                <a16:creationId xmlns:a16="http://schemas.microsoft.com/office/drawing/2014/main" id="{1A39D9B2-21D2-44D4-A413-6845A3A83FEC}"/>
+                <a16:creationId xmlns:a16="http://schemas.microsoft.com/office/drawing/2014/main" xmlns="" id="{1A39D9B2-21D2-44D4-A413-6845A3A83FEC}"/>
               </a:ext>
             </a:extLst>
           </p:cNvPr>
@@ -6259,7 +8185,7 @@
     </p:spTree>
     <p:extLst>
       <p:ext uri="{BB962C8B-B14F-4D97-AF65-F5344CB8AC3E}">
-        <p14:creationId xmlns:p14="http://schemas.microsoft.com/office/powerpoint/2010/main" val="626934487"/>
+        <p14:creationId xmlns:p14="http://schemas.microsoft.com/office/powerpoint/2010/main" xmlns="" val="626934487"/>
       </p:ext>
     </p:extLst>
   </p:cSld>
@@ -6291,7 +8217,7 @@
           <p:cNvPr id="2" name="Title 1">
             <a:extLst>
               <a:ext uri="{FF2B5EF4-FFF2-40B4-BE49-F238E27FC236}">
-                <a16:creationId xmlns:a16="http://schemas.microsoft.com/office/drawing/2014/main" id="{D7C84779-5F93-4DCC-86DF-8D79DEAEC374}"/>
+                <a16:creationId xmlns:a16="http://schemas.microsoft.com/office/drawing/2014/main" xmlns="" id="{D7C84779-5F93-4DCC-86DF-8D79DEAEC374}"/>
               </a:ext>
             </a:extLst>
           </p:cNvPr>
@@ -6320,7 +8246,7 @@
           <p:cNvPr id="9" name="Rectangle 8">
             <a:extLst>
               <a:ext uri="{FF2B5EF4-FFF2-40B4-BE49-F238E27FC236}">
-                <a16:creationId xmlns:a16="http://schemas.microsoft.com/office/drawing/2014/main" id="{09DF8025-61D7-487E-B878-BECE556123CE}"/>
+                <a16:creationId xmlns:a16="http://schemas.microsoft.com/office/drawing/2014/main" xmlns="" id="{09DF8025-61D7-487E-B878-BECE556123CE}"/>
               </a:ext>
             </a:extLst>
           </p:cNvPr>
@@ -6329,8 +8255,8 @@
         </p:nvSpPr>
         <p:spPr>
           <a:xfrm>
-            <a:off x="713422" y="1223413"/>
-            <a:ext cx="4520315" cy="5447645"/>
+            <a:off x="500770" y="837899"/>
+            <a:ext cx="4220085" cy="5016758"/>
           </a:xfrm>
           <a:prstGeom prst="rect">
             <a:avLst/>
@@ -6347,7 +8273,7 @@
               <a:buChar char="•"/>
             </a:pPr>
             <a:r>
-              <a:rPr lang="en-US" sz="3200" dirty="0">
+              <a:rPr lang="en-US" sz="2800" dirty="0" smtClean="0">
                 <a:solidFill>
                   <a:schemeClr val="bg1">
                     <a:lumMod val="75000"/>
@@ -6357,7 +8283,7 @@
               <a:t>Channel</a:t>
             </a:r>
             <a:r>
-              <a:rPr lang="zh-CN" altLang="en-US" sz="3200" dirty="0">
+              <a:rPr lang="zh-CN" altLang="en-US" sz="2800" dirty="0" smtClean="0">
                 <a:solidFill>
                   <a:schemeClr val="bg1">
                     <a:lumMod val="75000"/>
@@ -6366,7 +8292,7 @@
               </a:rPr>
               <a:t>带有类型</a:t>
             </a:r>
-            <a:endParaRPr lang="en-US" altLang="zh-CN" sz="3200" dirty="0">
+            <a:endParaRPr lang="en-US" altLang="zh-CN" sz="2800" dirty="0" smtClean="0">
               <a:solidFill>
                 <a:schemeClr val="bg1">
                   <a:lumMod val="75000"/>
@@ -6380,7 +8306,7 @@
               <a:buChar char="•"/>
             </a:pPr>
             <a:r>
-              <a:rPr lang="en-US" altLang="zh-CN" sz="3200" dirty="0">
+              <a:rPr lang="en-US" altLang="zh-CN" sz="2800" dirty="0" smtClean="0">
                 <a:solidFill>
                   <a:schemeClr val="bg1">
                     <a:lumMod val="75000"/>
@@ -6390,7 +8316,7 @@
               <a:t>Channel</a:t>
             </a:r>
             <a:r>
-              <a:rPr lang="zh-CN" altLang="en-US" sz="3200" dirty="0">
+              <a:rPr lang="zh-CN" altLang="en-US" sz="2800" dirty="0" smtClean="0">
                 <a:solidFill>
                   <a:schemeClr val="bg1">
                     <a:lumMod val="75000"/>
@@ -6399,7 +8325,7 @@
               </a:rPr>
               <a:t>的方向</a:t>
             </a:r>
-            <a:endParaRPr lang="en-US" altLang="zh-CN" sz="3200" dirty="0">
+            <a:endParaRPr lang="en-US" altLang="zh-CN" sz="2800" dirty="0" smtClean="0">
               <a:solidFill>
                 <a:schemeClr val="bg1">
                   <a:lumMod val="75000"/>
@@ -6413,7 +8339,7 @@
               <a:buChar char="•"/>
             </a:pPr>
             <a:r>
-              <a:rPr lang="en-US" altLang="zh-CN" sz="2800" dirty="0">
+              <a:rPr lang="en-US" altLang="zh-CN" sz="2800" dirty="0" smtClean="0">
                 <a:solidFill>
                   <a:schemeClr val="bg1">
                     <a:lumMod val="75000"/>
@@ -6429,7 +8355,7 @@
               <a:buChar char="•"/>
             </a:pPr>
             <a:r>
-              <a:rPr lang="en-US" altLang="zh-CN" sz="2800" dirty="0">
+              <a:rPr lang="en-US" altLang="zh-CN" sz="2800" dirty="0" smtClean="0">
                 <a:solidFill>
                   <a:schemeClr val="bg1">
                     <a:lumMod val="75000"/>
@@ -6445,17 +8371,108 @@
               <a:buChar char="•"/>
             </a:pPr>
             <a:r>
-              <a:rPr lang="en-US" altLang="zh-CN" sz="3200" dirty="0"/>
-              <a:t>Channel </a:t>
-            </a:r>
-            <a:r>
-              <a:rPr lang="zh-CN" altLang="en-US" sz="3200" dirty="0"/>
-              <a:t>是两个协程之间沟通的管道</a:t>
-            </a:r>
-            <a:r>
-              <a:rPr lang="en-US" altLang="zh-CN" sz="3200" dirty="0"/>
-              <a:t> </a:t>
-            </a:r>
+              <a:rPr lang="en-US" altLang="zh-CN" sz="2800" dirty="0" smtClean="0">
+                <a:solidFill>
+                  <a:schemeClr val="bg1">
+                    <a:lumMod val="75000"/>
+                  </a:schemeClr>
+                </a:solidFill>
+              </a:rPr>
+              <a:t>Channel</a:t>
+            </a:r>
+            <a:r>
+              <a:rPr lang="zh-CN" altLang="en-US" sz="2800" dirty="0" smtClean="0">
+                <a:solidFill>
+                  <a:schemeClr val="bg1">
+                    <a:lumMod val="75000"/>
+                  </a:schemeClr>
+                </a:solidFill>
+              </a:rPr>
+              <a:t>会导致阻塞</a:t>
+            </a:r>
+            <a:endParaRPr lang="en-US" altLang="zh-CN" sz="2800" dirty="0" smtClean="0">
+              <a:solidFill>
+                <a:schemeClr val="bg1">
+                  <a:lumMod val="75000"/>
+                </a:schemeClr>
+              </a:solidFill>
+            </a:endParaRPr>
+          </a:p>
+          <a:p>
+            <a:pPr marL="971550" lvl="1" indent="-514350">
+              <a:buFont typeface="Arial" panose="020B0604020202020204" pitchFamily="34" charset="0"/>
+              <a:buChar char="•"/>
+            </a:pPr>
+            <a:r>
+              <a:rPr lang="en-US" altLang="zh-CN" sz="2800" dirty="0" smtClean="0">
+                <a:solidFill>
+                  <a:schemeClr val="bg1">
+                    <a:lumMod val="75000"/>
+                  </a:schemeClr>
+                </a:solidFill>
+              </a:rPr>
+              <a:t>Send</a:t>
+            </a:r>
+            <a:r>
+              <a:rPr lang="zh-CN" altLang="en-US" sz="2800" dirty="0" smtClean="0">
+                <a:solidFill>
+                  <a:schemeClr val="bg1">
+                    <a:lumMod val="75000"/>
+                  </a:schemeClr>
+                </a:solidFill>
+              </a:rPr>
+              <a:t>不进去就阻塞</a:t>
+            </a:r>
+            <a:endParaRPr lang="en-US" altLang="zh-CN" sz="2800" dirty="0" smtClean="0">
+              <a:solidFill>
+                <a:schemeClr val="bg1">
+                  <a:lumMod val="75000"/>
+                </a:schemeClr>
+              </a:solidFill>
+            </a:endParaRPr>
+          </a:p>
+          <a:p>
+            <a:pPr marL="971550" lvl="1" indent="-514350">
+              <a:buFont typeface="Arial" panose="020B0604020202020204" pitchFamily="34" charset="0"/>
+              <a:buChar char="•"/>
+            </a:pPr>
+            <a:r>
+              <a:rPr lang="en-US" altLang="zh-CN" sz="2800" dirty="0" smtClean="0">
+                <a:solidFill>
+                  <a:schemeClr val="bg1">
+                    <a:lumMod val="75000"/>
+                  </a:schemeClr>
+                </a:solidFill>
+              </a:rPr>
+              <a:t>Read</a:t>
+            </a:r>
+            <a:r>
+              <a:rPr lang="zh-CN" altLang="en-US" sz="2800" dirty="0" smtClean="0">
+                <a:solidFill>
+                  <a:schemeClr val="bg1">
+                    <a:lumMod val="75000"/>
+                  </a:schemeClr>
+                </a:solidFill>
+              </a:rPr>
+              <a:t>不出来也</a:t>
+            </a:r>
+            <a:r>
+              <a:rPr lang="zh-CN" altLang="en-US" sz="2800" dirty="0" smtClean="0">
+                <a:solidFill>
+                  <a:schemeClr val="bg1">
+                    <a:lumMod val="75000"/>
+                  </a:schemeClr>
+                </a:solidFill>
+              </a:rPr>
+              <a:t>阻塞</a:t>
+            </a:r>
+            <a:endParaRPr lang="en-US" altLang="zh-CN" sz="2800" dirty="0" smtClean="0">
+              <a:solidFill>
+                <a:schemeClr val="bg1">
+                  <a:lumMod val="75000"/>
+                </a:schemeClr>
+              </a:solidFill>
+            </a:endParaRPr>
           </a:p>
           <a:p>
             <a:pPr marL="514350" indent="-514350">
@@ -6463,22 +8480,29 @@
               <a:buChar char="•"/>
             </a:pPr>
             <a:r>
-              <a:rPr lang="zh-CN" altLang="en-US" sz="3200" dirty="0"/>
-              <a:t>进和出缺一不可，否则就阻塞</a:t>
-            </a:r>
-            <a:endParaRPr lang="en-US" altLang="zh-CN" sz="3200" dirty="0"/>
-          </a:p>
-          <a:p>
-            <a:r>
-              <a:rPr lang="en-US" altLang="zh-CN" sz="3200" dirty="0"/>
-              <a:t>	</a:t>
-            </a:r>
-          </a:p>
-          <a:p>
-            <a:r>
-              <a:rPr lang="en-US" sz="3200" i="1" dirty="0"/>
-              <a:t>	</a:t>
-            </a:r>
+              <a:rPr lang="en-US" altLang="zh-CN" sz="2800" dirty="0" smtClean="0"/>
+              <a:t>Channel </a:t>
+            </a:r>
+            <a:r>
+              <a:rPr lang="zh-CN" altLang="en-US" sz="2800" dirty="0"/>
+              <a:t>是两个协程之间沟通的管道</a:t>
+            </a:r>
+            <a:r>
+              <a:rPr lang="en-US" altLang="zh-CN" sz="2800" dirty="0"/>
+              <a:t> </a:t>
+            </a:r>
+            <a:endParaRPr lang="en-US" altLang="zh-CN" sz="2800" dirty="0" smtClean="0"/>
+          </a:p>
+          <a:p>
+            <a:pPr marL="514350" indent="-514350">
+              <a:buFont typeface="Arial" panose="020B0604020202020204" pitchFamily="34" charset="0"/>
+              <a:buChar char="•"/>
+            </a:pPr>
+            <a:r>
+              <a:rPr lang="zh-CN" altLang="en-US" sz="2800" dirty="0" smtClean="0"/>
+              <a:t>有进有出则打通</a:t>
+            </a:r>
+            <a:endParaRPr lang="en-US" sz="3200" i="1" dirty="0"/>
           </a:p>
           <a:p>
             <a:endParaRPr lang="en-US" altLang="zh-CN" sz="3600" b="1" dirty="0"/>
@@ -6490,7 +8514,7 @@
           <p:cNvPr id="5" name="Picture 4">
             <a:extLst>
               <a:ext uri="{FF2B5EF4-FFF2-40B4-BE49-F238E27FC236}">
-                <a16:creationId xmlns:a16="http://schemas.microsoft.com/office/drawing/2014/main" id="{5BEB50C7-7C44-42AC-B1B2-D7CC057DC100}"/>
+                <a16:creationId xmlns:a16="http://schemas.microsoft.com/office/drawing/2014/main" xmlns="" id="{5BEB50C7-7C44-42AC-B1B2-D7CC057DC100}"/>
               </a:ext>
             </a:extLst>
           </p:cNvPr>
@@ -6507,7 +8531,7 @@
         </p:blipFill>
         <p:spPr>
           <a:xfrm>
-            <a:off x="5460548" y="1110064"/>
+            <a:off x="5460548" y="929303"/>
             <a:ext cx="5283651" cy="4637872"/>
           </a:xfrm>
           <a:prstGeom prst="rect">
@@ -6520,7 +8544,7 @@
           <p:cNvPr id="6" name="Picture 5">
             <a:extLst>
               <a:ext uri="{FF2B5EF4-FFF2-40B4-BE49-F238E27FC236}">
-                <a16:creationId xmlns:a16="http://schemas.microsoft.com/office/drawing/2014/main" id="{233493A8-8494-4134-AEC6-4EB219D5F02D}"/>
+                <a16:creationId xmlns:a16="http://schemas.microsoft.com/office/drawing/2014/main" xmlns="" id="{233493A8-8494-4134-AEC6-4EB219D5F02D}"/>
               </a:ext>
             </a:extLst>
           </p:cNvPr>
@@ -6537,7 +8561,7 @@
         </p:blipFill>
         <p:spPr>
           <a:xfrm>
-            <a:off x="5682392" y="5747936"/>
+            <a:off x="5480373" y="5684140"/>
             <a:ext cx="5061807" cy="617935"/>
           </a:xfrm>
           <a:prstGeom prst="rect">
@@ -6548,7 +8572,7 @@
     </p:spTree>
     <p:extLst>
       <p:ext uri="{BB962C8B-B14F-4D97-AF65-F5344CB8AC3E}">
-        <p14:creationId xmlns:p14="http://schemas.microsoft.com/office/powerpoint/2010/main" val="1934937011"/>
+        <p14:creationId xmlns:p14="http://schemas.microsoft.com/office/powerpoint/2010/main" xmlns="" val="1934937011"/>
       </p:ext>
     </p:extLst>
   </p:cSld>
@@ -6580,7 +8604,7 @@
           <p:cNvPr id="2" name="Title 1">
             <a:extLst>
               <a:ext uri="{FF2B5EF4-FFF2-40B4-BE49-F238E27FC236}">
-                <a16:creationId xmlns:a16="http://schemas.microsoft.com/office/drawing/2014/main" id="{D7C84779-5F93-4DCC-86DF-8D79DEAEC374}"/>
+                <a16:creationId xmlns:a16="http://schemas.microsoft.com/office/drawing/2014/main" xmlns="" id="{D7C84779-5F93-4DCC-86DF-8D79DEAEC374}"/>
               </a:ext>
             </a:extLst>
           </p:cNvPr>
@@ -6597,12 +8621,16 @@
           <a:lstStyle/>
           <a:p>
             <a:r>
-              <a:rPr lang="zh-CN" altLang="en-US" dirty="0"/>
-              <a:t>生成器模式</a:t>
-            </a:r>
-            <a:r>
               <a:rPr lang="en-US" altLang="zh-CN" dirty="0"/>
-              <a:t>1</a:t>
+              <a:t>Channel </a:t>
+            </a:r>
+            <a:r>
+              <a:rPr lang="en-US" altLang="zh-CN" dirty="0" smtClean="0"/>
+              <a:t>3 – Ticker </a:t>
+            </a:r>
+            <a:r>
+              <a:rPr lang="zh-CN" altLang="en-US" dirty="0" smtClean="0"/>
+              <a:t>打点器</a:t>
             </a:r>
             <a:endParaRPr lang="en-US" dirty="0"/>
           </a:p>
@@ -6613,7 +8641,7 @@
           <p:cNvPr id="9" name="Rectangle 8">
             <a:extLst>
               <a:ext uri="{FF2B5EF4-FFF2-40B4-BE49-F238E27FC236}">
-                <a16:creationId xmlns:a16="http://schemas.microsoft.com/office/drawing/2014/main" id="{09DF8025-61D7-487E-B878-BECE556123CE}"/>
+                <a16:creationId xmlns:a16="http://schemas.microsoft.com/office/drawing/2014/main" xmlns="" id="{09DF8025-61D7-487E-B878-BECE556123CE}"/>
               </a:ext>
             </a:extLst>
           </p:cNvPr>
@@ -6622,8 +8650,8 @@
         </p:nvSpPr>
         <p:spPr>
           <a:xfrm>
-            <a:off x="713422" y="1223413"/>
-            <a:ext cx="3617945" cy="2616101"/>
+            <a:off x="500770" y="837901"/>
+            <a:ext cx="8951574" cy="1077218"/>
           </a:xfrm>
           <a:prstGeom prst="rect">
             <a:avLst/>
@@ -6636,104 +8664,118 @@
           <a:lstStyle/>
           <a:p>
             <a:pPr marL="514350" indent="-514350">
-              <a:buFont typeface="+mj-lt"/>
-              <a:buAutoNum type="arabicPeriod"/>
+              <a:buFont typeface="Arial" panose="020B0604020202020204" pitchFamily="34" charset="0"/>
+              <a:buChar char="•"/>
             </a:pPr>
             <a:r>
-              <a:rPr lang="zh-CN" altLang="en-US" sz="3200" dirty="0"/>
-              <a:t>持续得写进去</a:t>
+              <a:rPr lang="en-US" altLang="zh-CN" sz="3200" dirty="0" smtClean="0"/>
+              <a:t>Ticker </a:t>
+            </a:r>
+            <a:r>
+              <a:rPr lang="zh-CN" altLang="en-US" sz="3200" dirty="0" smtClean="0"/>
+              <a:t>其实是只读的 </a:t>
+            </a:r>
+            <a:r>
+              <a:rPr lang="en-US" altLang="zh-CN" sz="3200" dirty="0" err="1" smtClean="0"/>
+              <a:t>chan</a:t>
+            </a:r>
+            <a:r>
+              <a:rPr lang="en-US" altLang="zh-CN" sz="3200" dirty="0" smtClean="0"/>
+              <a:t> Time</a:t>
+            </a:r>
+            <a:endParaRPr lang="en-US" altLang="zh-CN" sz="2800" dirty="0" smtClean="0"/>
+          </a:p>
+          <a:p>
+            <a:pPr marL="514350" indent="-514350">
+              <a:buFont typeface="Arial" panose="020B0604020202020204" pitchFamily="34" charset="0"/>
+              <a:buChar char="•"/>
+            </a:pPr>
+            <a:r>
+              <a:rPr lang="zh-CN" altLang="en-US" sz="3200" dirty="0" smtClean="0"/>
+              <a:t>后面有</a:t>
+            </a:r>
+            <a:r>
+              <a:rPr lang="en-US" altLang="zh-CN" sz="3200" dirty="0" err="1" smtClean="0"/>
+              <a:t>goroutine</a:t>
+            </a:r>
+            <a:r>
+              <a:rPr lang="zh-CN" altLang="en-US" sz="3200" dirty="0" smtClean="0"/>
+              <a:t>定期给它发送值</a:t>
             </a:r>
             <a:endParaRPr lang="en-US" altLang="zh-CN" sz="3200" dirty="0"/>
-          </a:p>
-          <a:p>
-            <a:pPr marL="514350" indent="-514350">
-              <a:buFont typeface="+mj-lt"/>
-              <a:buAutoNum type="arabicPeriod"/>
-            </a:pPr>
-            <a:r>
-              <a:rPr lang="zh-CN" altLang="en-US" sz="3200" dirty="0"/>
-              <a:t>持续得读出来</a:t>
-            </a:r>
-            <a:r>
-              <a:rPr lang="en-US" altLang="zh-CN" sz="3200" dirty="0"/>
-              <a:t>	</a:t>
-            </a:r>
-          </a:p>
-          <a:p>
-            <a:r>
-              <a:rPr lang="en-US" sz="3200" i="1" dirty="0"/>
-              <a:t>	</a:t>
-            </a:r>
-          </a:p>
-          <a:p>
-            <a:endParaRPr lang="en-US" altLang="zh-CN" sz="3600" b="1" dirty="0"/>
           </a:p>
         </p:txBody>
       </p:sp>
       <p:pic>
         <p:nvPicPr>
-          <p:cNvPr id="3" name="Picture 2">
-            <a:extLst>
-              <a:ext uri="{FF2B5EF4-FFF2-40B4-BE49-F238E27FC236}">
-                <a16:creationId xmlns:a16="http://schemas.microsoft.com/office/drawing/2014/main" id="{8FB649D8-A1D6-465B-B61D-7C66ABA4C518}"/>
-              </a:ext>
-            </a:extLst>
-          </p:cNvPr>
+          <p:cNvPr id="37890" name="Picture 2"/>
           <p:cNvPicPr>
-            <a:picLocks noChangeAspect="1"/>
+            <a:picLocks noChangeAspect="1" noChangeArrowheads="1"/>
           </p:cNvPicPr>
           <p:nvPr/>
         </p:nvPicPr>
         <p:blipFill>
           <a:blip r:embed="rId3"/>
+          <a:srcRect/>
           <a:stretch>
             <a:fillRect/>
           </a:stretch>
         </p:blipFill>
-        <p:spPr>
+        <p:spPr bwMode="auto">
           <a:xfrm>
-            <a:off x="5233737" y="1223413"/>
-            <a:ext cx="5503961" cy="3709534"/>
+            <a:off x="1234818" y="1926044"/>
+            <a:ext cx="4740681" cy="3036818"/>
           </a:xfrm>
           <a:prstGeom prst="rect">
             <a:avLst/>
           </a:prstGeom>
+          <a:noFill/>
+          <a:ln w="9525">
+            <a:noFill/>
+            <a:miter lim="800000"/>
+            <a:headEnd/>
+            <a:tailEnd/>
+          </a:ln>
+          <a:effectLst/>
         </p:spPr>
       </p:pic>
       <p:pic>
         <p:nvPicPr>
-          <p:cNvPr id="4" name="Picture 3">
-            <a:extLst>
-              <a:ext uri="{FF2B5EF4-FFF2-40B4-BE49-F238E27FC236}">
-                <a16:creationId xmlns:a16="http://schemas.microsoft.com/office/drawing/2014/main" id="{3A05CCB4-D856-454B-BB6C-C9F53DDDFC3C}"/>
-              </a:ext>
-            </a:extLst>
-          </p:cNvPr>
+          <p:cNvPr id="37892" name="Picture 4"/>
           <p:cNvPicPr>
-            <a:picLocks noChangeAspect="1"/>
+            <a:picLocks noChangeAspect="1" noChangeArrowheads="1"/>
           </p:cNvPicPr>
           <p:nvPr/>
         </p:nvPicPr>
         <p:blipFill>
           <a:blip r:embed="rId4"/>
+          <a:srcRect/>
           <a:stretch>
             <a:fillRect/>
           </a:stretch>
         </p:blipFill>
-        <p:spPr>
+        <p:spPr bwMode="auto">
           <a:xfrm>
-            <a:off x="10871935" y="1223413"/>
-            <a:ext cx="1320065" cy="3252334"/>
+            <a:off x="1190293" y="5086904"/>
+            <a:ext cx="8070665" cy="1227203"/>
           </a:xfrm>
           <a:prstGeom prst="rect">
             <a:avLst/>
           </a:prstGeom>
+          <a:noFill/>
+          <a:ln w="9525">
+            <a:noFill/>
+            <a:miter lim="800000"/>
+            <a:headEnd/>
+            <a:tailEnd/>
+          </a:ln>
+          <a:effectLst/>
         </p:spPr>
       </p:pic>
     </p:spTree>
     <p:extLst>
       <p:ext uri="{BB962C8B-B14F-4D97-AF65-F5344CB8AC3E}">
-        <p14:creationId xmlns:p14="http://schemas.microsoft.com/office/powerpoint/2010/main" val="375138371"/>
+        <p14:creationId xmlns:p14="http://schemas.microsoft.com/office/powerpoint/2010/main" xmlns="" val="1934937011"/>
       </p:ext>
     </p:extLst>
   </p:cSld>
@@ -6786,7 +8828,7 @@
     </a:clrScheme>
     <a:fontScheme name="Office">
       <a:majorFont>
-        <a:latin typeface="Calibri Light" panose="020F0302020204030204"/>
+        <a:latin typeface="Calibri Light"/>
         <a:ea typeface=""/>
         <a:cs typeface=""/>
         <a:font script="Jpan" typeface="游ゴシック Light"/>
@@ -6838,7 +8880,7 @@
         <a:font script="Tfng" typeface="Ebrima"/>
       </a:majorFont>
       <a:minorFont>
-        <a:latin typeface="Calibri" panose="020F0502020204030204"/>
+        <a:latin typeface="Calibri"/>
         <a:ea typeface=""/>
         <a:cs typeface=""/>
         <a:font script="Jpan" typeface="游ゴシック"/>
@@ -7032,7 +9074,7 @@
   <a:extraClrSchemeLst/>
   <a:extLst>
     <a:ext uri="{05A4C25C-085E-4340-85A3-A5531E510DB2}">
-      <thm15:themeFamily xmlns:thm15="http://schemas.microsoft.com/office/thememl/2012/main" name="Office Theme" id="{62F939B6-93AF-4DB8-9C6B-D6C7DFDC589F}" vid="{4A3C46E8-61CC-4603-A589-7422A47A8E4A}"/>
+      <thm15:themeFamily xmlns:thm15="http://schemas.microsoft.com/office/thememl/2012/main" xmlns="" name="Office Theme" id="{62F939B6-93AF-4DB8-9C6B-D6C7DFDC589F}" vid="{4A3C46E8-61CC-4603-A589-7422A47A8E4A}"/>
     </a:ext>
   </a:extLst>
 </a:theme>
@@ -7081,7 +9123,7 @@
     </a:clrScheme>
     <a:fontScheme name="Office">
       <a:majorFont>
-        <a:latin typeface="Calibri Light" panose="020F0302020204030204"/>
+        <a:latin typeface="Calibri Light"/>
         <a:ea typeface=""/>
         <a:cs typeface=""/>
         <a:font script="Jpan" typeface="游ゴシック Light"/>
@@ -7133,7 +9175,7 @@
         <a:font script="Tfng" typeface="Ebrima"/>
       </a:majorFont>
       <a:minorFont>
-        <a:latin typeface="Calibri" panose="020F0502020204030204"/>
+        <a:latin typeface="Calibri"/>
         <a:ea typeface=""/>
         <a:cs typeface=""/>
         <a:font script="Jpan" typeface="游ゴシック"/>
@@ -7327,16 +9369,19 @@
   <a:extraClrSchemeLst/>
   <a:extLst>
     <a:ext uri="{05A4C25C-085E-4340-85A3-A5531E510DB2}">
-      <thm15:themeFamily xmlns:thm15="http://schemas.microsoft.com/office/thememl/2012/main" name="Office Theme" id="{62F939B6-93AF-4DB8-9C6B-D6C7DFDC589F}" vid="{4A3C46E8-61CC-4603-A589-7422A47A8E4A}"/>
+      <thm15:themeFamily xmlns:thm15="http://schemas.microsoft.com/office/thememl/2012/main" xmlns="" name="Office Theme" id="{62F939B6-93AF-4DB8-9C6B-D6C7DFDC589F}" vid="{4A3C46E8-61CC-4603-A589-7422A47A8E4A}"/>
     </a:ext>
   </a:extLst>
 </a:theme>
 </file>
 
 <file path=customXml/item1.xml><?xml version="1.0" encoding="utf-8"?>
-<p:properties xmlns:p="http://schemas.microsoft.com/office/2006/metadata/properties" xmlns:xsi="http://www.w3.org/2001/XMLSchema-instance" xmlns:pc="http://schemas.microsoft.com/office/infopath/2007/PartnerControls">
-  <documentManagement/>
-</p:properties>
+<?mso-contentType ?>
+<FormTemplates xmlns="http://schemas.microsoft.com/sharepoint/v3/contenttype/forms">
+  <Display>DocumentLibraryForm</Display>
+  <Edit>DocumentLibraryForm</Edit>
+  <New>DocumentLibraryForm</New>
+</FormTemplates>
 </file>
 
 <file path=customXml/item2.xml><?xml version="1.0" encoding="utf-8"?>
@@ -7478,26 +9523,15 @@
 </file>
 
 <file path=customXml/item3.xml><?xml version="1.0" encoding="utf-8"?>
-<?mso-contentType ?>
-<FormTemplates xmlns="http://schemas.microsoft.com/sharepoint/v3/contenttype/forms">
-  <Display>DocumentLibraryForm</Display>
-  <Edit>DocumentLibraryForm</Edit>
-  <New>DocumentLibraryForm</New>
-</FormTemplates>
+<p:properties xmlns:p="http://schemas.microsoft.com/office/2006/metadata/properties" xmlns:xsi="http://www.w3.org/2001/XMLSchema-instance" xmlns:pc="http://schemas.microsoft.com/office/infopath/2007/PartnerControls">
+  <documentManagement/>
+</p:properties>
 </file>
 
 <file path=customXml/itemProps1.xml><?xml version="1.0" encoding="utf-8"?>
-<ds:datastoreItem xmlns:ds="http://schemas.openxmlformats.org/officeDocument/2006/customXml" ds:itemID="{09818F5F-9A4E-472D-957A-F61DB6A689A1}">
+<ds:datastoreItem xmlns:ds="http://schemas.openxmlformats.org/officeDocument/2006/customXml" ds:itemID="{8D58F66B-F132-4627-A8F1-473C8F1DC658}">
   <ds:schemaRefs>
-    <ds:schemaRef ds:uri="http://www.w3.org/XML/1998/namespace"/>
-    <ds:schemaRef ds:uri="http://schemas.microsoft.com/office/2006/metadata/properties"/>
-    <ds:schemaRef ds:uri="http://purl.org/dc/dcmitype/"/>
-    <ds:schemaRef ds:uri="a5770b6f-473e-481d-a1c6-8a0376abbd89"/>
-    <ds:schemaRef ds:uri="http://purl.org/dc/terms/"/>
-    <ds:schemaRef ds:uri="http://schemas.microsoft.com/office/infopath/2007/PartnerControls"/>
-    <ds:schemaRef ds:uri="http://schemas.microsoft.com/office/2006/documentManagement/types"/>
-    <ds:schemaRef ds:uri="http://schemas.openxmlformats.org/package/2006/metadata/core-properties"/>
-    <ds:schemaRef ds:uri="http://purl.org/dc/elements/1.1/"/>
+    <ds:schemaRef ds:uri="http://schemas.microsoft.com/sharepoint/v3/contenttype/forms"/>
   </ds:schemaRefs>
 </ds:datastoreItem>
 </file>
@@ -7521,9 +9555,17 @@
 </file>
 
 <file path=customXml/itemProps3.xml><?xml version="1.0" encoding="utf-8"?>
-<ds:datastoreItem xmlns:ds="http://schemas.openxmlformats.org/officeDocument/2006/customXml" ds:itemID="{8D58F66B-F132-4627-A8F1-473C8F1DC658}">
+<ds:datastoreItem xmlns:ds="http://schemas.openxmlformats.org/officeDocument/2006/customXml" ds:itemID="{09818F5F-9A4E-472D-957A-F61DB6A689A1}">
   <ds:schemaRefs>
-    <ds:schemaRef ds:uri="http://schemas.microsoft.com/sharepoint/v3/contenttype/forms"/>
+    <ds:schemaRef ds:uri="http://www.w3.org/XML/1998/namespace"/>
+    <ds:schemaRef ds:uri="http://schemas.microsoft.com/office/2006/metadata/properties"/>
+    <ds:schemaRef ds:uri="http://purl.org/dc/dcmitype/"/>
+    <ds:schemaRef ds:uri="a5770b6f-473e-481d-a1c6-8a0376abbd89"/>
+    <ds:schemaRef ds:uri="http://purl.org/dc/terms/"/>
+    <ds:schemaRef ds:uri="http://schemas.microsoft.com/office/infopath/2007/PartnerControls"/>
+    <ds:schemaRef ds:uri="http://schemas.microsoft.com/office/2006/documentManagement/types"/>
+    <ds:schemaRef ds:uri="http://schemas.openxmlformats.org/package/2006/metadata/core-properties"/>
+    <ds:schemaRef ds:uri="http://purl.org/dc/elements/1.1/"/>
   </ds:schemaRefs>
 </ds:datastoreItem>
 </file>
--- a/GolangConcurency.pptx
+++ b/GolangConcurency.pptx
@@ -123,7 +123,7 @@
   </p:defaultTextStyle>
   <p:extLst>
     <p:ext uri="{521415D9-36F7-43E2-AB2F-B90AF26B5E84}">
-      <p14:sectionLst xmlns:p14="http://schemas.microsoft.com/office/powerpoint/2010/main" xmlns="">
+      <p14:sectionLst xmlns="" xmlns:p14="http://schemas.microsoft.com/office/powerpoint/2010/main">
         <p14:section name="Introduction" id="{53D9EADD-8752-4C05-9F62-8DF6D7C58F99}">
           <p14:sldIdLst>
             <p14:sldId id="256"/>
@@ -145,7 +145,7 @@
       </p14:sectionLst>
     </p:ext>
     <p:ext uri="{EFAFB233-063F-42B5-8137-9DF3F51BA10A}">
-      <p15:sldGuideLst xmlns:p15="http://schemas.microsoft.com/office/powerpoint/2012/main" xmlns=""/>
+      <p15:sldGuideLst xmlns="" xmlns:p15="http://schemas.microsoft.com/office/powerpoint/2012/main"/>
     </p:ext>
   </p:extLst>
 </p:presentation>
@@ -156,7 +156,7 @@
   <p:cmAuthor id="1" name="MICHAEL GONG (DSCOE-ISD-OOCLL/ZHA)" initials="MG(" lastIdx="1" clrIdx="0">
     <p:extLst>
       <p:ext uri="{19B8F6BF-5375-455C-9EA6-DF929625EA0E}">
-        <p15:presenceInfo xmlns:p15="http://schemas.microsoft.com/office/powerpoint/2012/main" xmlns="" userId="S-1-5-21-2065039802-622210664-899889007-132009" providerId="AD"/>
+        <p15:presenceInfo xmlns="" xmlns:p15="http://schemas.microsoft.com/office/powerpoint/2012/main" userId="S-1-5-21-2065039802-622210664-899889007-132009" providerId="AD"/>
       </p:ext>
     </p:extLst>
   </p:cmAuthor>
@@ -414,7 +414,7 @@
     </p:spTree>
     <p:extLst>
       <p:ext uri="{BB962C8B-B14F-4D97-AF65-F5344CB8AC3E}">
-        <p14:creationId xmlns:p14="http://schemas.microsoft.com/office/powerpoint/2010/main" xmlns="" val="3511084736"/>
+        <p14:creationId xmlns="" xmlns:p14="http://schemas.microsoft.com/office/powerpoint/2010/main" val="3511084736"/>
       </p:ext>
     </p:extLst>
   </p:cSld>
@@ -589,7 +589,7 @@
     </p:spTree>
     <p:extLst>
       <p:ext uri="{BB962C8B-B14F-4D97-AF65-F5344CB8AC3E}">
-        <p14:creationId xmlns:p14="http://schemas.microsoft.com/office/powerpoint/2010/main" xmlns="" val="1504085620"/>
+        <p14:creationId xmlns="" xmlns:p14="http://schemas.microsoft.com/office/powerpoint/2010/main" val="1504085620"/>
       </p:ext>
     </p:extLst>
   </p:cSld>
@@ -674,7 +674,7 @@
     </p:spTree>
     <p:extLst>
       <p:ext uri="{BB962C8B-B14F-4D97-AF65-F5344CB8AC3E}">
-        <p14:creationId xmlns:p14="http://schemas.microsoft.com/office/powerpoint/2010/main" xmlns="" val="3843752410"/>
+        <p14:creationId xmlns="" xmlns:p14="http://schemas.microsoft.com/office/powerpoint/2010/main" val="3843752410"/>
       </p:ext>
     </p:extLst>
   </p:cSld>
@@ -759,7 +759,7 @@
     </p:spTree>
     <p:extLst>
       <p:ext uri="{BB962C8B-B14F-4D97-AF65-F5344CB8AC3E}">
-        <p14:creationId xmlns:p14="http://schemas.microsoft.com/office/powerpoint/2010/main" xmlns="" val="3843752410"/>
+        <p14:creationId xmlns="" xmlns:p14="http://schemas.microsoft.com/office/powerpoint/2010/main" val="3843752410"/>
       </p:ext>
     </p:extLst>
   </p:cSld>
@@ -844,7 +844,7 @@
     </p:spTree>
     <p:extLst>
       <p:ext uri="{BB962C8B-B14F-4D97-AF65-F5344CB8AC3E}">
-        <p14:creationId xmlns:p14="http://schemas.microsoft.com/office/powerpoint/2010/main" xmlns="" val="3843752410"/>
+        <p14:creationId xmlns="" xmlns:p14="http://schemas.microsoft.com/office/powerpoint/2010/main" val="3843752410"/>
       </p:ext>
     </p:extLst>
   </p:cSld>
@@ -929,7 +929,7 @@
     </p:spTree>
     <p:extLst>
       <p:ext uri="{BB962C8B-B14F-4D97-AF65-F5344CB8AC3E}">
-        <p14:creationId xmlns:p14="http://schemas.microsoft.com/office/powerpoint/2010/main" xmlns="" val="3843752410"/>
+        <p14:creationId xmlns="" xmlns:p14="http://schemas.microsoft.com/office/powerpoint/2010/main" val="3843752410"/>
       </p:ext>
     </p:extLst>
   </p:cSld>
@@ -1014,7 +1014,7 @@
     </p:spTree>
     <p:extLst>
       <p:ext uri="{BB962C8B-B14F-4D97-AF65-F5344CB8AC3E}">
-        <p14:creationId xmlns:p14="http://schemas.microsoft.com/office/powerpoint/2010/main" xmlns="" val="2905436193"/>
+        <p14:creationId xmlns="" xmlns:p14="http://schemas.microsoft.com/office/powerpoint/2010/main" val="2905436193"/>
       </p:ext>
     </p:extLst>
   </p:cSld>
@@ -1099,7 +1099,7 @@
     </p:spTree>
     <p:extLst>
       <p:ext uri="{BB962C8B-B14F-4D97-AF65-F5344CB8AC3E}">
-        <p14:creationId xmlns:p14="http://schemas.microsoft.com/office/powerpoint/2010/main" xmlns="" val="1236732504"/>
+        <p14:creationId xmlns="" xmlns:p14="http://schemas.microsoft.com/office/powerpoint/2010/main" val="1236732504"/>
       </p:ext>
     </p:extLst>
   </p:cSld>
@@ -1184,7 +1184,7 @@
     </p:spTree>
     <p:extLst>
       <p:ext uri="{BB962C8B-B14F-4D97-AF65-F5344CB8AC3E}">
-        <p14:creationId xmlns:p14="http://schemas.microsoft.com/office/powerpoint/2010/main" xmlns="" val="2279340415"/>
+        <p14:creationId xmlns="" xmlns:p14="http://schemas.microsoft.com/office/powerpoint/2010/main" val="2279340415"/>
       </p:ext>
     </p:extLst>
   </p:cSld>
@@ -1269,7 +1269,7 @@
     </p:spTree>
     <p:extLst>
       <p:ext uri="{BB962C8B-B14F-4D97-AF65-F5344CB8AC3E}">
-        <p14:creationId xmlns:p14="http://schemas.microsoft.com/office/powerpoint/2010/main" xmlns="" val="151475752"/>
+        <p14:creationId xmlns="" xmlns:p14="http://schemas.microsoft.com/office/powerpoint/2010/main" val="151475752"/>
       </p:ext>
     </p:extLst>
   </p:cSld>
@@ -1354,7 +1354,7 @@
     </p:spTree>
     <p:extLst>
       <p:ext uri="{BB962C8B-B14F-4D97-AF65-F5344CB8AC3E}">
-        <p14:creationId xmlns:p14="http://schemas.microsoft.com/office/powerpoint/2010/main" xmlns="" val="4142781396"/>
+        <p14:creationId xmlns="" xmlns:p14="http://schemas.microsoft.com/office/powerpoint/2010/main" val="4142781396"/>
       </p:ext>
     </p:extLst>
   </p:cSld>
@@ -1439,7 +1439,7 @@
     </p:spTree>
     <p:extLst>
       <p:ext uri="{BB962C8B-B14F-4D97-AF65-F5344CB8AC3E}">
-        <p14:creationId xmlns:p14="http://schemas.microsoft.com/office/powerpoint/2010/main" xmlns="" val="2925099622"/>
+        <p14:creationId xmlns="" xmlns:p14="http://schemas.microsoft.com/office/powerpoint/2010/main" val="2925099622"/>
       </p:ext>
     </p:extLst>
   </p:cSld>
@@ -1524,7 +1524,7 @@
     </p:spTree>
     <p:extLst>
       <p:ext uri="{BB962C8B-B14F-4D97-AF65-F5344CB8AC3E}">
-        <p14:creationId xmlns:p14="http://schemas.microsoft.com/office/powerpoint/2010/main" xmlns="" val="839460708"/>
+        <p14:creationId xmlns="" xmlns:p14="http://schemas.microsoft.com/office/powerpoint/2010/main" val="839460708"/>
       </p:ext>
     </p:extLst>
   </p:cSld>
@@ -1609,7 +1609,7 @@
     </p:spTree>
     <p:extLst>
       <p:ext uri="{BB962C8B-B14F-4D97-AF65-F5344CB8AC3E}">
-        <p14:creationId xmlns:p14="http://schemas.microsoft.com/office/powerpoint/2010/main" xmlns="" val="839460708"/>
+        <p14:creationId xmlns="" xmlns:p14="http://schemas.microsoft.com/office/powerpoint/2010/main" val="839460708"/>
       </p:ext>
     </p:extLst>
   </p:cSld>
@@ -1694,7 +1694,7 @@
     </p:spTree>
     <p:extLst>
       <p:ext uri="{BB962C8B-B14F-4D97-AF65-F5344CB8AC3E}">
-        <p14:creationId xmlns:p14="http://schemas.microsoft.com/office/powerpoint/2010/main" xmlns="" val="839460708"/>
+        <p14:creationId xmlns="" xmlns:p14="http://schemas.microsoft.com/office/powerpoint/2010/main" val="839460708"/>
       </p:ext>
     </p:extLst>
   </p:cSld>
@@ -1726,7 +1726,7 @@
           <p:cNvPr id="2" name="Title 1">
             <a:extLst>
               <a:ext uri="{FF2B5EF4-FFF2-40B4-BE49-F238E27FC236}">
-                <a16:creationId xmlns:a16="http://schemas.microsoft.com/office/drawing/2014/main" xmlns="" id="{EFF1F054-5F26-423F-A5DD-9C54CE0A2AE9}"/>
+                <a16:creationId xmlns="" xmlns:a16="http://schemas.microsoft.com/office/drawing/2014/main" id="{EFF1F054-5F26-423F-A5DD-9C54CE0A2AE9}"/>
               </a:ext>
             </a:extLst>
           </p:cNvPr>
@@ -1763,7 +1763,7 @@
           <p:cNvPr id="3" name="Subtitle 2">
             <a:extLst>
               <a:ext uri="{FF2B5EF4-FFF2-40B4-BE49-F238E27FC236}">
-                <a16:creationId xmlns:a16="http://schemas.microsoft.com/office/drawing/2014/main" xmlns="" id="{3BB2565F-9609-400E-9E2E-E6259786714D}"/>
+                <a16:creationId xmlns="" xmlns:a16="http://schemas.microsoft.com/office/drawing/2014/main" id="{3BB2565F-9609-400E-9E2E-E6259786714D}"/>
               </a:ext>
             </a:extLst>
           </p:cNvPr>
@@ -1833,7 +1833,7 @@
           <p:cNvPr id="4" name="Date Placeholder 3">
             <a:extLst>
               <a:ext uri="{FF2B5EF4-FFF2-40B4-BE49-F238E27FC236}">
-                <a16:creationId xmlns:a16="http://schemas.microsoft.com/office/drawing/2014/main" xmlns="" id="{EDA6FF66-933D-47F1-A95A-74DB940C384A}"/>
+                <a16:creationId xmlns="" xmlns:a16="http://schemas.microsoft.com/office/drawing/2014/main" id="{EDA6FF66-933D-47F1-A95A-74DB940C384A}"/>
               </a:ext>
             </a:extLst>
           </p:cNvPr>
@@ -1863,7 +1863,7 @@
           <p:cNvPr id="5" name="Footer Placeholder 4">
             <a:extLst>
               <a:ext uri="{FF2B5EF4-FFF2-40B4-BE49-F238E27FC236}">
-                <a16:creationId xmlns:a16="http://schemas.microsoft.com/office/drawing/2014/main" xmlns="" id="{89B5FEE5-1B4A-4EFE-B89E-F2559B365D40}"/>
+                <a16:creationId xmlns="" xmlns:a16="http://schemas.microsoft.com/office/drawing/2014/main" id="{89B5FEE5-1B4A-4EFE-B89E-F2559B365D40}"/>
               </a:ext>
             </a:extLst>
           </p:cNvPr>
@@ -1888,7 +1888,7 @@
           <p:cNvPr id="6" name="Slide Number Placeholder 5">
             <a:extLst>
               <a:ext uri="{FF2B5EF4-FFF2-40B4-BE49-F238E27FC236}">
-                <a16:creationId xmlns:a16="http://schemas.microsoft.com/office/drawing/2014/main" xmlns="" id="{C0D5733D-C7BB-4CC1-850C-DD54586BBBA5}"/>
+                <a16:creationId xmlns="" xmlns:a16="http://schemas.microsoft.com/office/drawing/2014/main" id="{C0D5733D-C7BB-4CC1-850C-DD54586BBBA5}"/>
               </a:ext>
             </a:extLst>
           </p:cNvPr>
@@ -1918,7 +1918,7 @@
           <p:cNvPr id="7" name="Straight Connector 6">
             <a:extLst>
               <a:ext uri="{FF2B5EF4-FFF2-40B4-BE49-F238E27FC236}">
-                <a16:creationId xmlns:a16="http://schemas.microsoft.com/office/drawing/2014/main" xmlns="" id="{3EA4CAC6-7389-48ED-AC06-BFADD41551D5}"/>
+                <a16:creationId xmlns="" xmlns:a16="http://schemas.microsoft.com/office/drawing/2014/main" id="{3EA4CAC6-7389-48ED-AC06-BFADD41551D5}"/>
               </a:ext>
             </a:extLst>
           </p:cNvPr>
@@ -1956,7 +1956,7 @@
           <p:cNvPr id="9" name="TextBox 8">
             <a:extLst>
               <a:ext uri="{FF2B5EF4-FFF2-40B4-BE49-F238E27FC236}">
-                <a16:creationId xmlns:a16="http://schemas.microsoft.com/office/drawing/2014/main" xmlns="" id="{67F2ADF3-F7F8-4087-858A-6F66D508D87C}"/>
+                <a16:creationId xmlns="" xmlns:a16="http://schemas.microsoft.com/office/drawing/2014/main" id="{67F2ADF3-F7F8-4087-858A-6F66D508D87C}"/>
               </a:ext>
             </a:extLst>
           </p:cNvPr>
@@ -2004,7 +2004,7 @@
     </p:spTree>
     <p:extLst>
       <p:ext uri="{BB962C8B-B14F-4D97-AF65-F5344CB8AC3E}">
-        <p14:creationId xmlns:p14="http://schemas.microsoft.com/office/powerpoint/2010/main" xmlns="" val="37654009"/>
+        <p14:creationId xmlns="" xmlns:p14="http://schemas.microsoft.com/office/powerpoint/2010/main" val="37654009"/>
       </p:ext>
     </p:extLst>
   </p:cSld>
@@ -2036,7 +2036,7 @@
           <p:cNvPr id="2" name="Title 1">
             <a:extLst>
               <a:ext uri="{FF2B5EF4-FFF2-40B4-BE49-F238E27FC236}">
-                <a16:creationId xmlns:a16="http://schemas.microsoft.com/office/drawing/2014/main" xmlns="" id="{D578F509-E66E-42C7-B414-DEDB8CB0009A}"/>
+                <a16:creationId xmlns="" xmlns:a16="http://schemas.microsoft.com/office/drawing/2014/main" id="{D578F509-E66E-42C7-B414-DEDB8CB0009A}"/>
               </a:ext>
             </a:extLst>
           </p:cNvPr>
@@ -2064,7 +2064,7 @@
           <p:cNvPr id="3" name="Vertical Text Placeholder 2">
             <a:extLst>
               <a:ext uri="{FF2B5EF4-FFF2-40B4-BE49-F238E27FC236}">
-                <a16:creationId xmlns:a16="http://schemas.microsoft.com/office/drawing/2014/main" xmlns="" id="{39FD8C8D-EF98-470B-8FD0-A9BB0450B149}"/>
+                <a16:creationId xmlns="" xmlns:a16="http://schemas.microsoft.com/office/drawing/2014/main" id="{39FD8C8D-EF98-470B-8FD0-A9BB0450B149}"/>
               </a:ext>
             </a:extLst>
           </p:cNvPr>
@@ -2121,7 +2121,7 @@
           <p:cNvPr id="4" name="Date Placeholder 3">
             <a:extLst>
               <a:ext uri="{FF2B5EF4-FFF2-40B4-BE49-F238E27FC236}">
-                <a16:creationId xmlns:a16="http://schemas.microsoft.com/office/drawing/2014/main" xmlns="" id="{0600363F-FFE9-4A83-A47C-7B025E73A7D3}"/>
+                <a16:creationId xmlns="" xmlns:a16="http://schemas.microsoft.com/office/drawing/2014/main" id="{0600363F-FFE9-4A83-A47C-7B025E73A7D3}"/>
               </a:ext>
             </a:extLst>
           </p:cNvPr>
@@ -2151,7 +2151,7 @@
           <p:cNvPr id="5" name="Footer Placeholder 4">
             <a:extLst>
               <a:ext uri="{FF2B5EF4-FFF2-40B4-BE49-F238E27FC236}">
-                <a16:creationId xmlns:a16="http://schemas.microsoft.com/office/drawing/2014/main" xmlns="" id="{2639756C-4793-47FF-AF0E-A346FA4D9F5A}"/>
+                <a16:creationId xmlns="" xmlns:a16="http://schemas.microsoft.com/office/drawing/2014/main" id="{2639756C-4793-47FF-AF0E-A346FA4D9F5A}"/>
               </a:ext>
             </a:extLst>
           </p:cNvPr>
@@ -2176,7 +2176,7 @@
           <p:cNvPr id="6" name="Slide Number Placeholder 5">
             <a:extLst>
               <a:ext uri="{FF2B5EF4-FFF2-40B4-BE49-F238E27FC236}">
-                <a16:creationId xmlns:a16="http://schemas.microsoft.com/office/drawing/2014/main" xmlns="" id="{55698755-6A6A-4B66-94EC-81D56DA8E372}"/>
+                <a16:creationId xmlns="" xmlns:a16="http://schemas.microsoft.com/office/drawing/2014/main" id="{55698755-6A6A-4B66-94EC-81D56DA8E372}"/>
               </a:ext>
             </a:extLst>
           </p:cNvPr>
@@ -2204,7 +2204,7 @@
     </p:spTree>
     <p:extLst>
       <p:ext uri="{BB962C8B-B14F-4D97-AF65-F5344CB8AC3E}">
-        <p14:creationId xmlns:p14="http://schemas.microsoft.com/office/powerpoint/2010/main" xmlns="" val="74609242"/>
+        <p14:creationId xmlns="" xmlns:p14="http://schemas.microsoft.com/office/powerpoint/2010/main" val="74609242"/>
       </p:ext>
     </p:extLst>
   </p:cSld>
@@ -2236,7 +2236,7 @@
           <p:cNvPr id="2" name="Vertical Title 1">
             <a:extLst>
               <a:ext uri="{FF2B5EF4-FFF2-40B4-BE49-F238E27FC236}">
-                <a16:creationId xmlns:a16="http://schemas.microsoft.com/office/drawing/2014/main" xmlns="" id="{02A87FEF-54B8-4489-85DC-D98FE6F28050}"/>
+                <a16:creationId xmlns="" xmlns:a16="http://schemas.microsoft.com/office/drawing/2014/main" id="{02A87FEF-54B8-4489-85DC-D98FE6F28050}"/>
               </a:ext>
             </a:extLst>
           </p:cNvPr>
@@ -2269,7 +2269,7 @@
           <p:cNvPr id="3" name="Vertical Text Placeholder 2">
             <a:extLst>
               <a:ext uri="{FF2B5EF4-FFF2-40B4-BE49-F238E27FC236}">
-                <a16:creationId xmlns:a16="http://schemas.microsoft.com/office/drawing/2014/main" xmlns="" id="{8B71D077-BD07-4382-8E63-59488FFCA8D5}"/>
+                <a16:creationId xmlns="" xmlns:a16="http://schemas.microsoft.com/office/drawing/2014/main" id="{8B71D077-BD07-4382-8E63-59488FFCA8D5}"/>
               </a:ext>
             </a:extLst>
           </p:cNvPr>
@@ -2331,7 +2331,7 @@
           <p:cNvPr id="4" name="Date Placeholder 3">
             <a:extLst>
               <a:ext uri="{FF2B5EF4-FFF2-40B4-BE49-F238E27FC236}">
-                <a16:creationId xmlns:a16="http://schemas.microsoft.com/office/drawing/2014/main" xmlns="" id="{9B481C67-9B19-4A17-87AF-47D2816A63D2}"/>
+                <a16:creationId xmlns="" xmlns:a16="http://schemas.microsoft.com/office/drawing/2014/main" id="{9B481C67-9B19-4A17-87AF-47D2816A63D2}"/>
               </a:ext>
             </a:extLst>
           </p:cNvPr>
@@ -2361,7 +2361,7 @@
           <p:cNvPr id="5" name="Footer Placeholder 4">
             <a:extLst>
               <a:ext uri="{FF2B5EF4-FFF2-40B4-BE49-F238E27FC236}">
-                <a16:creationId xmlns:a16="http://schemas.microsoft.com/office/drawing/2014/main" xmlns="" id="{9AB74035-BE1F-4B6A-A757-0A3BEBC07ECF}"/>
+                <a16:creationId xmlns="" xmlns:a16="http://schemas.microsoft.com/office/drawing/2014/main" id="{9AB74035-BE1F-4B6A-A757-0A3BEBC07ECF}"/>
               </a:ext>
             </a:extLst>
           </p:cNvPr>
@@ -2386,7 +2386,7 @@
           <p:cNvPr id="6" name="Slide Number Placeholder 5">
             <a:extLst>
               <a:ext uri="{FF2B5EF4-FFF2-40B4-BE49-F238E27FC236}">
-                <a16:creationId xmlns:a16="http://schemas.microsoft.com/office/drawing/2014/main" xmlns="" id="{FC371FF7-26AC-4666-A6E2-B9A9C931F17E}"/>
+                <a16:creationId xmlns="" xmlns:a16="http://schemas.microsoft.com/office/drawing/2014/main" id="{FC371FF7-26AC-4666-A6E2-B9A9C931F17E}"/>
               </a:ext>
             </a:extLst>
           </p:cNvPr>
@@ -2414,7 +2414,7 @@
     </p:spTree>
     <p:extLst>
       <p:ext uri="{BB962C8B-B14F-4D97-AF65-F5344CB8AC3E}">
-        <p14:creationId xmlns:p14="http://schemas.microsoft.com/office/powerpoint/2010/main" xmlns="" val="327360313"/>
+        <p14:creationId xmlns="" xmlns:p14="http://schemas.microsoft.com/office/powerpoint/2010/main" val="327360313"/>
       </p:ext>
     </p:extLst>
   </p:cSld>
@@ -2446,7 +2446,7 @@
           <p:cNvPr id="2" name="Title 1">
             <a:extLst>
               <a:ext uri="{FF2B5EF4-FFF2-40B4-BE49-F238E27FC236}">
-                <a16:creationId xmlns:a16="http://schemas.microsoft.com/office/drawing/2014/main" xmlns="" id="{11EFF147-8305-4C8C-86F1-D856EBBAF7C2}"/>
+                <a16:creationId xmlns="" xmlns:a16="http://schemas.microsoft.com/office/drawing/2014/main" id="{11EFF147-8305-4C8C-86F1-D856EBBAF7C2}"/>
               </a:ext>
             </a:extLst>
           </p:cNvPr>
@@ -2474,7 +2474,7 @@
           <p:cNvPr id="3" name="Content Placeholder 2">
             <a:extLst>
               <a:ext uri="{FF2B5EF4-FFF2-40B4-BE49-F238E27FC236}">
-                <a16:creationId xmlns:a16="http://schemas.microsoft.com/office/drawing/2014/main" xmlns="" id="{05BB0835-3F9B-44C7-A1E0-BB6A820FB090}"/>
+                <a16:creationId xmlns="" xmlns:a16="http://schemas.microsoft.com/office/drawing/2014/main" id="{05BB0835-3F9B-44C7-A1E0-BB6A820FB090}"/>
               </a:ext>
             </a:extLst>
           </p:cNvPr>
@@ -2531,7 +2531,7 @@
           <p:cNvPr id="4" name="Date Placeholder 3">
             <a:extLst>
               <a:ext uri="{FF2B5EF4-FFF2-40B4-BE49-F238E27FC236}">
-                <a16:creationId xmlns:a16="http://schemas.microsoft.com/office/drawing/2014/main" xmlns="" id="{6B8082C4-E0B0-4F75-9A71-E46836F54912}"/>
+                <a16:creationId xmlns="" xmlns:a16="http://schemas.microsoft.com/office/drawing/2014/main" id="{6B8082C4-E0B0-4F75-9A71-E46836F54912}"/>
               </a:ext>
             </a:extLst>
           </p:cNvPr>
@@ -2561,7 +2561,7 @@
           <p:cNvPr id="5" name="Footer Placeholder 4">
             <a:extLst>
               <a:ext uri="{FF2B5EF4-FFF2-40B4-BE49-F238E27FC236}">
-                <a16:creationId xmlns:a16="http://schemas.microsoft.com/office/drawing/2014/main" xmlns="" id="{6C2526BA-4562-4167-9CC0-13E0F1E07ED2}"/>
+                <a16:creationId xmlns="" xmlns:a16="http://schemas.microsoft.com/office/drawing/2014/main" id="{6C2526BA-4562-4167-9CC0-13E0F1E07ED2}"/>
               </a:ext>
             </a:extLst>
           </p:cNvPr>
@@ -2586,7 +2586,7 @@
           <p:cNvPr id="6" name="Slide Number Placeholder 5">
             <a:extLst>
               <a:ext uri="{FF2B5EF4-FFF2-40B4-BE49-F238E27FC236}">
-                <a16:creationId xmlns:a16="http://schemas.microsoft.com/office/drawing/2014/main" xmlns="" id="{54DC031C-236C-4C79-B203-6266D585985E}"/>
+                <a16:creationId xmlns="" xmlns:a16="http://schemas.microsoft.com/office/drawing/2014/main" id="{54DC031C-236C-4C79-B203-6266D585985E}"/>
               </a:ext>
             </a:extLst>
           </p:cNvPr>
@@ -2616,7 +2616,7 @@
           <p:cNvPr id="7" name="Straight Connector 6">
             <a:extLst>
               <a:ext uri="{FF2B5EF4-FFF2-40B4-BE49-F238E27FC236}">
-                <a16:creationId xmlns:a16="http://schemas.microsoft.com/office/drawing/2014/main" xmlns="" id="{EBA1F678-17D0-4A24-BC8C-596209B8A706}"/>
+                <a16:creationId xmlns="" xmlns:a16="http://schemas.microsoft.com/office/drawing/2014/main" id="{EBA1F678-17D0-4A24-BC8C-596209B8A706}"/>
               </a:ext>
             </a:extLst>
           </p:cNvPr>
@@ -2652,7 +2652,7 @@
     </p:spTree>
     <p:extLst>
       <p:ext uri="{BB962C8B-B14F-4D97-AF65-F5344CB8AC3E}">
-        <p14:creationId xmlns:p14="http://schemas.microsoft.com/office/powerpoint/2010/main" xmlns="" val="2709948559"/>
+        <p14:creationId xmlns="" xmlns:p14="http://schemas.microsoft.com/office/powerpoint/2010/main" val="2709948559"/>
       </p:ext>
     </p:extLst>
   </p:cSld>
@@ -2684,7 +2684,7 @@
           <p:cNvPr id="2" name="Title 1">
             <a:extLst>
               <a:ext uri="{FF2B5EF4-FFF2-40B4-BE49-F238E27FC236}">
-                <a16:creationId xmlns:a16="http://schemas.microsoft.com/office/drawing/2014/main" xmlns="" id="{9C77E9F5-987F-47D7-A80F-63B190B6C256}"/>
+                <a16:creationId xmlns="" xmlns:a16="http://schemas.microsoft.com/office/drawing/2014/main" id="{9C77E9F5-987F-47D7-A80F-63B190B6C256}"/>
               </a:ext>
             </a:extLst>
           </p:cNvPr>
@@ -2721,7 +2721,7 @@
           <p:cNvPr id="3" name="Text Placeholder 2">
             <a:extLst>
               <a:ext uri="{FF2B5EF4-FFF2-40B4-BE49-F238E27FC236}">
-                <a16:creationId xmlns:a16="http://schemas.microsoft.com/office/drawing/2014/main" xmlns="" id="{57A6DF7C-9109-464F-B881-82FA2A8012B7}"/>
+                <a16:creationId xmlns="" xmlns:a16="http://schemas.microsoft.com/office/drawing/2014/main" id="{57A6DF7C-9109-464F-B881-82FA2A8012B7}"/>
               </a:ext>
             </a:extLst>
           </p:cNvPr>
@@ -2846,7 +2846,7 @@
           <p:cNvPr id="4" name="Date Placeholder 3">
             <a:extLst>
               <a:ext uri="{FF2B5EF4-FFF2-40B4-BE49-F238E27FC236}">
-                <a16:creationId xmlns:a16="http://schemas.microsoft.com/office/drawing/2014/main" xmlns="" id="{2535BF5B-AF99-4CBF-AE0A-75C40BE9E0C1}"/>
+                <a16:creationId xmlns="" xmlns:a16="http://schemas.microsoft.com/office/drawing/2014/main" id="{2535BF5B-AF99-4CBF-AE0A-75C40BE9E0C1}"/>
               </a:ext>
             </a:extLst>
           </p:cNvPr>
@@ -2876,7 +2876,7 @@
           <p:cNvPr id="5" name="Footer Placeholder 4">
             <a:extLst>
               <a:ext uri="{FF2B5EF4-FFF2-40B4-BE49-F238E27FC236}">
-                <a16:creationId xmlns:a16="http://schemas.microsoft.com/office/drawing/2014/main" xmlns="" id="{E8645BFB-2055-42FB-AC89-BE1785D9BE1E}"/>
+                <a16:creationId xmlns="" xmlns:a16="http://schemas.microsoft.com/office/drawing/2014/main" id="{E8645BFB-2055-42FB-AC89-BE1785D9BE1E}"/>
               </a:ext>
             </a:extLst>
           </p:cNvPr>
@@ -2901,7 +2901,7 @@
           <p:cNvPr id="6" name="Slide Number Placeholder 5">
             <a:extLst>
               <a:ext uri="{FF2B5EF4-FFF2-40B4-BE49-F238E27FC236}">
-                <a16:creationId xmlns:a16="http://schemas.microsoft.com/office/drawing/2014/main" xmlns="" id="{3F95587E-758E-438B-84A0-1497D6C924FD}"/>
+                <a16:creationId xmlns="" xmlns:a16="http://schemas.microsoft.com/office/drawing/2014/main" id="{3F95587E-758E-438B-84A0-1497D6C924FD}"/>
               </a:ext>
             </a:extLst>
           </p:cNvPr>
@@ -2931,7 +2931,7 @@
           <p:cNvPr id="7" name="Straight Connector 6">
             <a:extLst>
               <a:ext uri="{FF2B5EF4-FFF2-40B4-BE49-F238E27FC236}">
-                <a16:creationId xmlns:a16="http://schemas.microsoft.com/office/drawing/2014/main" xmlns="" id="{EC3CA79F-75C6-44C0-8E41-48A8B125B502}"/>
+                <a16:creationId xmlns="" xmlns:a16="http://schemas.microsoft.com/office/drawing/2014/main" id="{EC3CA79F-75C6-44C0-8E41-48A8B125B502}"/>
               </a:ext>
             </a:extLst>
           </p:cNvPr>
@@ -2967,7 +2967,7 @@
     </p:spTree>
     <p:extLst>
       <p:ext uri="{BB962C8B-B14F-4D97-AF65-F5344CB8AC3E}">
-        <p14:creationId xmlns:p14="http://schemas.microsoft.com/office/powerpoint/2010/main" xmlns="" val="1251077641"/>
+        <p14:creationId xmlns="" xmlns:p14="http://schemas.microsoft.com/office/powerpoint/2010/main" val="1251077641"/>
       </p:ext>
     </p:extLst>
   </p:cSld>
@@ -2999,7 +2999,7 @@
           <p:cNvPr id="2" name="Title 1">
             <a:extLst>
               <a:ext uri="{FF2B5EF4-FFF2-40B4-BE49-F238E27FC236}">
-                <a16:creationId xmlns:a16="http://schemas.microsoft.com/office/drawing/2014/main" xmlns="" id="{3DA31CFB-0F52-4EF9-A70F-4C8567F61C44}"/>
+                <a16:creationId xmlns="" xmlns:a16="http://schemas.microsoft.com/office/drawing/2014/main" id="{3DA31CFB-0F52-4EF9-A70F-4C8567F61C44}"/>
               </a:ext>
             </a:extLst>
           </p:cNvPr>
@@ -3027,7 +3027,7 @@
           <p:cNvPr id="3" name="Content Placeholder 2">
             <a:extLst>
               <a:ext uri="{FF2B5EF4-FFF2-40B4-BE49-F238E27FC236}">
-                <a16:creationId xmlns:a16="http://schemas.microsoft.com/office/drawing/2014/main" xmlns="" id="{0E4BACCB-8876-41D5-A33E-3FF0D5DA1899}"/>
+                <a16:creationId xmlns="" xmlns:a16="http://schemas.microsoft.com/office/drawing/2014/main" id="{0E4BACCB-8876-41D5-A33E-3FF0D5DA1899}"/>
               </a:ext>
             </a:extLst>
           </p:cNvPr>
@@ -3089,7 +3089,7 @@
           <p:cNvPr id="4" name="Content Placeholder 3">
             <a:extLst>
               <a:ext uri="{FF2B5EF4-FFF2-40B4-BE49-F238E27FC236}">
-                <a16:creationId xmlns:a16="http://schemas.microsoft.com/office/drawing/2014/main" xmlns="" id="{9D75392B-76F8-4D10-B40E-F73EAEE0812A}"/>
+                <a16:creationId xmlns="" xmlns:a16="http://schemas.microsoft.com/office/drawing/2014/main" id="{9D75392B-76F8-4D10-B40E-F73EAEE0812A}"/>
               </a:ext>
             </a:extLst>
           </p:cNvPr>
@@ -3151,7 +3151,7 @@
           <p:cNvPr id="5" name="Date Placeholder 4">
             <a:extLst>
               <a:ext uri="{FF2B5EF4-FFF2-40B4-BE49-F238E27FC236}">
-                <a16:creationId xmlns:a16="http://schemas.microsoft.com/office/drawing/2014/main" xmlns="" id="{680D36E2-8A03-4DBF-950E-C5B08EF7E361}"/>
+                <a16:creationId xmlns="" xmlns:a16="http://schemas.microsoft.com/office/drawing/2014/main" id="{680D36E2-8A03-4DBF-950E-C5B08EF7E361}"/>
               </a:ext>
             </a:extLst>
           </p:cNvPr>
@@ -3181,7 +3181,7 @@
           <p:cNvPr id="6" name="Footer Placeholder 5">
             <a:extLst>
               <a:ext uri="{FF2B5EF4-FFF2-40B4-BE49-F238E27FC236}">
-                <a16:creationId xmlns:a16="http://schemas.microsoft.com/office/drawing/2014/main" xmlns="" id="{400922BD-5DB1-403B-8A20-3C8F43A71D70}"/>
+                <a16:creationId xmlns="" xmlns:a16="http://schemas.microsoft.com/office/drawing/2014/main" id="{400922BD-5DB1-403B-8A20-3C8F43A71D70}"/>
               </a:ext>
             </a:extLst>
           </p:cNvPr>
@@ -3206,7 +3206,7 @@
           <p:cNvPr id="7" name="Slide Number Placeholder 6">
             <a:extLst>
               <a:ext uri="{FF2B5EF4-FFF2-40B4-BE49-F238E27FC236}">
-                <a16:creationId xmlns:a16="http://schemas.microsoft.com/office/drawing/2014/main" xmlns="" id="{9C3F9DBC-86E0-4E27-B5D1-BCED9750ED38}"/>
+                <a16:creationId xmlns="" xmlns:a16="http://schemas.microsoft.com/office/drawing/2014/main" id="{9C3F9DBC-86E0-4E27-B5D1-BCED9750ED38}"/>
               </a:ext>
             </a:extLst>
           </p:cNvPr>
@@ -3234,7 +3234,7 @@
     </p:spTree>
     <p:extLst>
       <p:ext uri="{BB962C8B-B14F-4D97-AF65-F5344CB8AC3E}">
-        <p14:creationId xmlns:p14="http://schemas.microsoft.com/office/powerpoint/2010/main" xmlns="" val="759025932"/>
+        <p14:creationId xmlns="" xmlns:p14="http://schemas.microsoft.com/office/powerpoint/2010/main" val="759025932"/>
       </p:ext>
     </p:extLst>
   </p:cSld>
@@ -3266,7 +3266,7 @@
           <p:cNvPr id="2" name="Title 1">
             <a:extLst>
               <a:ext uri="{FF2B5EF4-FFF2-40B4-BE49-F238E27FC236}">
-                <a16:creationId xmlns:a16="http://schemas.microsoft.com/office/drawing/2014/main" xmlns="" id="{8CC6F189-CDD4-402C-BF48-5716492DB9F8}"/>
+                <a16:creationId xmlns="" xmlns:a16="http://schemas.microsoft.com/office/drawing/2014/main" id="{8CC6F189-CDD4-402C-BF48-5716492DB9F8}"/>
               </a:ext>
             </a:extLst>
           </p:cNvPr>
@@ -3299,7 +3299,7 @@
           <p:cNvPr id="3" name="Text Placeholder 2">
             <a:extLst>
               <a:ext uri="{FF2B5EF4-FFF2-40B4-BE49-F238E27FC236}">
-                <a16:creationId xmlns:a16="http://schemas.microsoft.com/office/drawing/2014/main" xmlns="" id="{50ED9ADE-86F8-4E1B-96EC-AAE4CE82A211}"/>
+                <a16:creationId xmlns="" xmlns:a16="http://schemas.microsoft.com/office/drawing/2014/main" id="{50ED9ADE-86F8-4E1B-96EC-AAE4CE82A211}"/>
               </a:ext>
             </a:extLst>
           </p:cNvPr>
@@ -3370,7 +3370,7 @@
           <p:cNvPr id="4" name="Content Placeholder 3">
             <a:extLst>
               <a:ext uri="{FF2B5EF4-FFF2-40B4-BE49-F238E27FC236}">
-                <a16:creationId xmlns:a16="http://schemas.microsoft.com/office/drawing/2014/main" xmlns="" id="{670DDFAE-921B-4FD1-96C7-CD55AB459341}"/>
+                <a16:creationId xmlns="" xmlns:a16="http://schemas.microsoft.com/office/drawing/2014/main" id="{670DDFAE-921B-4FD1-96C7-CD55AB459341}"/>
               </a:ext>
             </a:extLst>
           </p:cNvPr>
@@ -3432,7 +3432,7 @@
           <p:cNvPr id="5" name="Text Placeholder 4">
             <a:extLst>
               <a:ext uri="{FF2B5EF4-FFF2-40B4-BE49-F238E27FC236}">
-                <a16:creationId xmlns:a16="http://schemas.microsoft.com/office/drawing/2014/main" xmlns="" id="{5FD69DB8-23C3-4044-8A4D-4E92B22298C1}"/>
+                <a16:creationId xmlns="" xmlns:a16="http://schemas.microsoft.com/office/drawing/2014/main" id="{5FD69DB8-23C3-4044-8A4D-4E92B22298C1}"/>
               </a:ext>
             </a:extLst>
           </p:cNvPr>
@@ -3503,7 +3503,7 @@
           <p:cNvPr id="6" name="Content Placeholder 5">
             <a:extLst>
               <a:ext uri="{FF2B5EF4-FFF2-40B4-BE49-F238E27FC236}">
-                <a16:creationId xmlns:a16="http://schemas.microsoft.com/office/drawing/2014/main" xmlns="" id="{972B5D27-F40F-4F48-9993-561FC327DB43}"/>
+                <a16:creationId xmlns="" xmlns:a16="http://schemas.microsoft.com/office/drawing/2014/main" id="{972B5D27-F40F-4F48-9993-561FC327DB43}"/>
               </a:ext>
             </a:extLst>
           </p:cNvPr>
@@ -3565,7 +3565,7 @@
           <p:cNvPr id="7" name="Date Placeholder 6">
             <a:extLst>
               <a:ext uri="{FF2B5EF4-FFF2-40B4-BE49-F238E27FC236}">
-                <a16:creationId xmlns:a16="http://schemas.microsoft.com/office/drawing/2014/main" xmlns="" id="{B8D72A2F-6C03-4AA2-8675-A62997A1F179}"/>
+                <a16:creationId xmlns="" xmlns:a16="http://schemas.microsoft.com/office/drawing/2014/main" id="{B8D72A2F-6C03-4AA2-8675-A62997A1F179}"/>
               </a:ext>
             </a:extLst>
           </p:cNvPr>
@@ -3595,7 +3595,7 @@
           <p:cNvPr id="8" name="Footer Placeholder 7">
             <a:extLst>
               <a:ext uri="{FF2B5EF4-FFF2-40B4-BE49-F238E27FC236}">
-                <a16:creationId xmlns:a16="http://schemas.microsoft.com/office/drawing/2014/main" xmlns="" id="{C7FA0448-C108-4A98-BC11-71C694972BB9}"/>
+                <a16:creationId xmlns="" xmlns:a16="http://schemas.microsoft.com/office/drawing/2014/main" id="{C7FA0448-C108-4A98-BC11-71C694972BB9}"/>
               </a:ext>
             </a:extLst>
           </p:cNvPr>
@@ -3620,7 +3620,7 @@
           <p:cNvPr id="9" name="Slide Number Placeholder 8">
             <a:extLst>
               <a:ext uri="{FF2B5EF4-FFF2-40B4-BE49-F238E27FC236}">
-                <a16:creationId xmlns:a16="http://schemas.microsoft.com/office/drawing/2014/main" xmlns="" id="{907E1CB1-297A-48F9-BF2F-D32F99F4D530}"/>
+                <a16:creationId xmlns="" xmlns:a16="http://schemas.microsoft.com/office/drawing/2014/main" id="{907E1CB1-297A-48F9-BF2F-D32F99F4D530}"/>
               </a:ext>
             </a:extLst>
           </p:cNvPr>
@@ -3648,7 +3648,7 @@
     </p:spTree>
     <p:extLst>
       <p:ext uri="{BB962C8B-B14F-4D97-AF65-F5344CB8AC3E}">
-        <p14:creationId xmlns:p14="http://schemas.microsoft.com/office/powerpoint/2010/main" xmlns="" val="3574849597"/>
+        <p14:creationId xmlns="" xmlns:p14="http://schemas.microsoft.com/office/powerpoint/2010/main" val="3574849597"/>
       </p:ext>
     </p:extLst>
   </p:cSld>
@@ -3680,7 +3680,7 @@
           <p:cNvPr id="2" name="Title 1">
             <a:extLst>
               <a:ext uri="{FF2B5EF4-FFF2-40B4-BE49-F238E27FC236}">
-                <a16:creationId xmlns:a16="http://schemas.microsoft.com/office/drawing/2014/main" xmlns="" id="{F9252D30-D733-4779-B79D-EED11F294B48}"/>
+                <a16:creationId xmlns="" xmlns:a16="http://schemas.microsoft.com/office/drawing/2014/main" id="{F9252D30-D733-4779-B79D-EED11F294B48}"/>
               </a:ext>
             </a:extLst>
           </p:cNvPr>
@@ -3708,7 +3708,7 @@
           <p:cNvPr id="3" name="Date Placeholder 2">
             <a:extLst>
               <a:ext uri="{FF2B5EF4-FFF2-40B4-BE49-F238E27FC236}">
-                <a16:creationId xmlns:a16="http://schemas.microsoft.com/office/drawing/2014/main" xmlns="" id="{36388E6C-E68D-48B1-ADCE-523903DA4557}"/>
+                <a16:creationId xmlns="" xmlns:a16="http://schemas.microsoft.com/office/drawing/2014/main" id="{36388E6C-E68D-48B1-ADCE-523903DA4557}"/>
               </a:ext>
             </a:extLst>
           </p:cNvPr>
@@ -3738,7 +3738,7 @@
           <p:cNvPr id="4" name="Footer Placeholder 3">
             <a:extLst>
               <a:ext uri="{FF2B5EF4-FFF2-40B4-BE49-F238E27FC236}">
-                <a16:creationId xmlns:a16="http://schemas.microsoft.com/office/drawing/2014/main" xmlns="" id="{E709D5ED-193F-47A7-86C6-BA079964B35E}"/>
+                <a16:creationId xmlns="" xmlns:a16="http://schemas.microsoft.com/office/drawing/2014/main" id="{E709D5ED-193F-47A7-86C6-BA079964B35E}"/>
               </a:ext>
             </a:extLst>
           </p:cNvPr>
@@ -3763,7 +3763,7 @@
           <p:cNvPr id="5" name="Slide Number Placeholder 4">
             <a:extLst>
               <a:ext uri="{FF2B5EF4-FFF2-40B4-BE49-F238E27FC236}">
-                <a16:creationId xmlns:a16="http://schemas.microsoft.com/office/drawing/2014/main" xmlns="" id="{C51EF39B-32C5-4504-9D3C-C73B01918821}"/>
+                <a16:creationId xmlns="" xmlns:a16="http://schemas.microsoft.com/office/drawing/2014/main" id="{C51EF39B-32C5-4504-9D3C-C73B01918821}"/>
               </a:ext>
             </a:extLst>
           </p:cNvPr>
@@ -3791,7 +3791,7 @@
     </p:spTree>
     <p:extLst>
       <p:ext uri="{BB962C8B-B14F-4D97-AF65-F5344CB8AC3E}">
-        <p14:creationId xmlns:p14="http://schemas.microsoft.com/office/powerpoint/2010/main" xmlns="" val="579114760"/>
+        <p14:creationId xmlns="" xmlns:p14="http://schemas.microsoft.com/office/powerpoint/2010/main" val="579114760"/>
       </p:ext>
     </p:extLst>
   </p:cSld>
@@ -3823,7 +3823,7 @@
           <p:cNvPr id="2" name="Date Placeholder 1">
             <a:extLst>
               <a:ext uri="{FF2B5EF4-FFF2-40B4-BE49-F238E27FC236}">
-                <a16:creationId xmlns:a16="http://schemas.microsoft.com/office/drawing/2014/main" xmlns="" id="{49830188-1AC2-484C-9F53-B1C7CB88FB75}"/>
+                <a16:creationId xmlns="" xmlns:a16="http://schemas.microsoft.com/office/drawing/2014/main" id="{49830188-1AC2-484C-9F53-B1C7CB88FB75}"/>
               </a:ext>
             </a:extLst>
           </p:cNvPr>
@@ -3853,7 +3853,7 @@
           <p:cNvPr id="3" name="Footer Placeholder 2">
             <a:extLst>
               <a:ext uri="{FF2B5EF4-FFF2-40B4-BE49-F238E27FC236}">
-                <a16:creationId xmlns:a16="http://schemas.microsoft.com/office/drawing/2014/main" xmlns="" id="{8A333681-69BB-45B2-9377-67BC523A119F}"/>
+                <a16:creationId xmlns="" xmlns:a16="http://schemas.microsoft.com/office/drawing/2014/main" id="{8A333681-69BB-45B2-9377-67BC523A119F}"/>
               </a:ext>
             </a:extLst>
           </p:cNvPr>
@@ -3878,7 +3878,7 @@
           <p:cNvPr id="4" name="Slide Number Placeholder 3">
             <a:extLst>
               <a:ext uri="{FF2B5EF4-FFF2-40B4-BE49-F238E27FC236}">
-                <a16:creationId xmlns:a16="http://schemas.microsoft.com/office/drawing/2014/main" xmlns="" id="{8EDB1A5F-A319-4FCA-B8EB-7506ACFB7C78}"/>
+                <a16:creationId xmlns="" xmlns:a16="http://schemas.microsoft.com/office/drawing/2014/main" id="{8EDB1A5F-A319-4FCA-B8EB-7506ACFB7C78}"/>
               </a:ext>
             </a:extLst>
           </p:cNvPr>
@@ -3906,7 +3906,7 @@
     </p:spTree>
     <p:extLst>
       <p:ext uri="{BB962C8B-B14F-4D97-AF65-F5344CB8AC3E}">
-        <p14:creationId xmlns:p14="http://schemas.microsoft.com/office/powerpoint/2010/main" xmlns="" val="209110672"/>
+        <p14:creationId xmlns="" xmlns:p14="http://schemas.microsoft.com/office/powerpoint/2010/main" val="209110672"/>
       </p:ext>
     </p:extLst>
   </p:cSld>
@@ -3938,7 +3938,7 @@
           <p:cNvPr id="2" name="Title 1">
             <a:extLst>
               <a:ext uri="{FF2B5EF4-FFF2-40B4-BE49-F238E27FC236}">
-                <a16:creationId xmlns:a16="http://schemas.microsoft.com/office/drawing/2014/main" xmlns="" id="{70C55B79-F8B8-4759-9FBD-205D80AEA9D8}"/>
+                <a16:creationId xmlns="" xmlns:a16="http://schemas.microsoft.com/office/drawing/2014/main" id="{70C55B79-F8B8-4759-9FBD-205D80AEA9D8}"/>
               </a:ext>
             </a:extLst>
           </p:cNvPr>
@@ -3975,7 +3975,7 @@
           <p:cNvPr id="3" name="Content Placeholder 2">
             <a:extLst>
               <a:ext uri="{FF2B5EF4-FFF2-40B4-BE49-F238E27FC236}">
-                <a16:creationId xmlns:a16="http://schemas.microsoft.com/office/drawing/2014/main" xmlns="" id="{83882243-0F38-4450-B420-7132E7BE7154}"/>
+                <a16:creationId xmlns="" xmlns:a16="http://schemas.microsoft.com/office/drawing/2014/main" id="{83882243-0F38-4450-B420-7132E7BE7154}"/>
               </a:ext>
             </a:extLst>
           </p:cNvPr>
@@ -4065,7 +4065,7 @@
           <p:cNvPr id="4" name="Text Placeholder 3">
             <a:extLst>
               <a:ext uri="{FF2B5EF4-FFF2-40B4-BE49-F238E27FC236}">
-                <a16:creationId xmlns:a16="http://schemas.microsoft.com/office/drawing/2014/main" xmlns="" id="{CC23093D-A8BF-4001-8391-24DB2CD7FC43}"/>
+                <a16:creationId xmlns="" xmlns:a16="http://schemas.microsoft.com/office/drawing/2014/main" id="{CC23093D-A8BF-4001-8391-24DB2CD7FC43}"/>
               </a:ext>
             </a:extLst>
           </p:cNvPr>
@@ -4136,7 +4136,7 @@
           <p:cNvPr id="5" name="Date Placeholder 4">
             <a:extLst>
               <a:ext uri="{FF2B5EF4-FFF2-40B4-BE49-F238E27FC236}">
-                <a16:creationId xmlns:a16="http://schemas.microsoft.com/office/drawing/2014/main" xmlns="" id="{56A90E2D-DC24-4359-8EB7-DD8EAA19B655}"/>
+                <a16:creationId xmlns="" xmlns:a16="http://schemas.microsoft.com/office/drawing/2014/main" id="{56A90E2D-DC24-4359-8EB7-DD8EAA19B655}"/>
               </a:ext>
             </a:extLst>
           </p:cNvPr>
@@ -4166,7 +4166,7 @@
           <p:cNvPr id="6" name="Footer Placeholder 5">
             <a:extLst>
               <a:ext uri="{FF2B5EF4-FFF2-40B4-BE49-F238E27FC236}">
-                <a16:creationId xmlns:a16="http://schemas.microsoft.com/office/drawing/2014/main" xmlns="" id="{79DA5AB0-20EC-4A87-B765-F369816EDAB6}"/>
+                <a16:creationId xmlns="" xmlns:a16="http://schemas.microsoft.com/office/drawing/2014/main" id="{79DA5AB0-20EC-4A87-B765-F369816EDAB6}"/>
               </a:ext>
             </a:extLst>
           </p:cNvPr>
@@ -4191,7 +4191,7 @@
           <p:cNvPr id="7" name="Slide Number Placeholder 6">
             <a:extLst>
               <a:ext uri="{FF2B5EF4-FFF2-40B4-BE49-F238E27FC236}">
-                <a16:creationId xmlns:a16="http://schemas.microsoft.com/office/drawing/2014/main" xmlns="" id="{952F5AE5-E610-4F52-8B1F-CC450BDE23A4}"/>
+                <a16:creationId xmlns="" xmlns:a16="http://schemas.microsoft.com/office/drawing/2014/main" id="{952F5AE5-E610-4F52-8B1F-CC450BDE23A4}"/>
               </a:ext>
             </a:extLst>
           </p:cNvPr>
@@ -4219,7 +4219,7 @@
     </p:spTree>
     <p:extLst>
       <p:ext uri="{BB962C8B-B14F-4D97-AF65-F5344CB8AC3E}">
-        <p14:creationId xmlns:p14="http://schemas.microsoft.com/office/powerpoint/2010/main" xmlns="" val="3132102381"/>
+        <p14:creationId xmlns="" xmlns:p14="http://schemas.microsoft.com/office/powerpoint/2010/main" val="3132102381"/>
       </p:ext>
     </p:extLst>
   </p:cSld>
@@ -4251,7 +4251,7 @@
           <p:cNvPr id="2" name="Title 1">
             <a:extLst>
               <a:ext uri="{FF2B5EF4-FFF2-40B4-BE49-F238E27FC236}">
-                <a16:creationId xmlns:a16="http://schemas.microsoft.com/office/drawing/2014/main" xmlns="" id="{8B92E141-FE3E-4AF1-BC37-7F56A0CE766F}"/>
+                <a16:creationId xmlns="" xmlns:a16="http://schemas.microsoft.com/office/drawing/2014/main" id="{8B92E141-FE3E-4AF1-BC37-7F56A0CE766F}"/>
               </a:ext>
             </a:extLst>
           </p:cNvPr>
@@ -4288,7 +4288,7 @@
           <p:cNvPr id="3" name="Picture Placeholder 2">
             <a:extLst>
               <a:ext uri="{FF2B5EF4-FFF2-40B4-BE49-F238E27FC236}">
-                <a16:creationId xmlns:a16="http://schemas.microsoft.com/office/drawing/2014/main" xmlns="" id="{D5D1CE18-F9BD-41B4-8056-E22AEEF6D3A1}"/>
+                <a16:creationId xmlns="" xmlns:a16="http://schemas.microsoft.com/office/drawing/2014/main" id="{D5D1CE18-F9BD-41B4-8056-E22AEEF6D3A1}"/>
               </a:ext>
             </a:extLst>
           </p:cNvPr>
@@ -4355,7 +4355,7 @@
           <p:cNvPr id="4" name="Text Placeholder 3">
             <a:extLst>
               <a:ext uri="{FF2B5EF4-FFF2-40B4-BE49-F238E27FC236}">
-                <a16:creationId xmlns:a16="http://schemas.microsoft.com/office/drawing/2014/main" xmlns="" id="{8B2DB4DA-BA72-424A-845C-3E305D36B41E}"/>
+                <a16:creationId xmlns="" xmlns:a16="http://schemas.microsoft.com/office/drawing/2014/main" id="{8B2DB4DA-BA72-424A-845C-3E305D36B41E}"/>
               </a:ext>
             </a:extLst>
           </p:cNvPr>
@@ -4426,7 +4426,7 @@
           <p:cNvPr id="5" name="Date Placeholder 4">
             <a:extLst>
               <a:ext uri="{FF2B5EF4-FFF2-40B4-BE49-F238E27FC236}">
-                <a16:creationId xmlns:a16="http://schemas.microsoft.com/office/drawing/2014/main" xmlns="" id="{9E0F6947-54BB-40F7-85A7-2EB72C1BEAE8}"/>
+                <a16:creationId xmlns="" xmlns:a16="http://schemas.microsoft.com/office/drawing/2014/main" id="{9E0F6947-54BB-40F7-85A7-2EB72C1BEAE8}"/>
               </a:ext>
             </a:extLst>
           </p:cNvPr>
@@ -4456,7 +4456,7 @@
           <p:cNvPr id="6" name="Footer Placeholder 5">
             <a:extLst>
               <a:ext uri="{FF2B5EF4-FFF2-40B4-BE49-F238E27FC236}">
-                <a16:creationId xmlns:a16="http://schemas.microsoft.com/office/drawing/2014/main" xmlns="" id="{AFA4069D-0CC7-4B93-8DF5-3B1D962E47A6}"/>
+                <a16:creationId xmlns="" xmlns:a16="http://schemas.microsoft.com/office/drawing/2014/main" id="{AFA4069D-0CC7-4B93-8DF5-3B1D962E47A6}"/>
               </a:ext>
             </a:extLst>
           </p:cNvPr>
@@ -4481,7 +4481,7 @@
           <p:cNvPr id="7" name="Slide Number Placeholder 6">
             <a:extLst>
               <a:ext uri="{FF2B5EF4-FFF2-40B4-BE49-F238E27FC236}">
-                <a16:creationId xmlns:a16="http://schemas.microsoft.com/office/drawing/2014/main" xmlns="" id="{74BC649E-CEE5-4CE0-9B43-09D802EFB90F}"/>
+                <a16:creationId xmlns="" xmlns:a16="http://schemas.microsoft.com/office/drawing/2014/main" id="{74BC649E-CEE5-4CE0-9B43-09D802EFB90F}"/>
               </a:ext>
             </a:extLst>
           </p:cNvPr>
@@ -4509,7 +4509,7 @@
     </p:spTree>
     <p:extLst>
       <p:ext uri="{BB962C8B-B14F-4D97-AF65-F5344CB8AC3E}">
-        <p14:creationId xmlns:p14="http://schemas.microsoft.com/office/powerpoint/2010/main" xmlns="" val="3685579883"/>
+        <p14:creationId xmlns="" xmlns:p14="http://schemas.microsoft.com/office/powerpoint/2010/main" val="3685579883"/>
       </p:ext>
     </p:extLst>
   </p:cSld>
@@ -4546,7 +4546,7 @@
           <p:cNvPr id="2" name="Title Placeholder 1">
             <a:extLst>
               <a:ext uri="{FF2B5EF4-FFF2-40B4-BE49-F238E27FC236}">
-                <a16:creationId xmlns:a16="http://schemas.microsoft.com/office/drawing/2014/main" xmlns="" id="{93167B93-6A4A-48BB-9AAF-6A6950557AEF}"/>
+                <a16:creationId xmlns="" xmlns:a16="http://schemas.microsoft.com/office/drawing/2014/main" id="{93167B93-6A4A-48BB-9AAF-6A6950557AEF}"/>
               </a:ext>
             </a:extLst>
           </p:cNvPr>
@@ -4584,7 +4584,7 @@
           <p:cNvPr id="3" name="Text Placeholder 2">
             <a:extLst>
               <a:ext uri="{FF2B5EF4-FFF2-40B4-BE49-F238E27FC236}">
-                <a16:creationId xmlns:a16="http://schemas.microsoft.com/office/drawing/2014/main" xmlns="" id="{C8681EC6-9512-483B-BA61-30A00B970F39}"/>
+                <a16:creationId xmlns="" xmlns:a16="http://schemas.microsoft.com/office/drawing/2014/main" id="{C8681EC6-9512-483B-BA61-30A00B970F39}"/>
               </a:ext>
             </a:extLst>
           </p:cNvPr>
@@ -4651,7 +4651,7 @@
           <p:cNvPr id="4" name="Date Placeholder 3">
             <a:extLst>
               <a:ext uri="{FF2B5EF4-FFF2-40B4-BE49-F238E27FC236}">
-                <a16:creationId xmlns:a16="http://schemas.microsoft.com/office/drawing/2014/main" xmlns="" id="{D3A290A6-5736-4CB6-A19C-DC4230F932F1}"/>
+                <a16:creationId xmlns="" xmlns:a16="http://schemas.microsoft.com/office/drawing/2014/main" id="{D3A290A6-5736-4CB6-A19C-DC4230F932F1}"/>
               </a:ext>
             </a:extLst>
           </p:cNvPr>
@@ -4699,7 +4699,7 @@
           <p:cNvPr id="5" name="Footer Placeholder 4">
             <a:extLst>
               <a:ext uri="{FF2B5EF4-FFF2-40B4-BE49-F238E27FC236}">
-                <a16:creationId xmlns:a16="http://schemas.microsoft.com/office/drawing/2014/main" xmlns="" id="{22EBE582-B1AB-4666-997A-F36EB63FD8D6}"/>
+                <a16:creationId xmlns="" xmlns:a16="http://schemas.microsoft.com/office/drawing/2014/main" id="{22EBE582-B1AB-4666-997A-F36EB63FD8D6}"/>
               </a:ext>
             </a:extLst>
           </p:cNvPr>
@@ -4742,7 +4742,7 @@
           <p:cNvPr id="6" name="Slide Number Placeholder 5">
             <a:extLst>
               <a:ext uri="{FF2B5EF4-FFF2-40B4-BE49-F238E27FC236}">
-                <a16:creationId xmlns:a16="http://schemas.microsoft.com/office/drawing/2014/main" xmlns="" id="{77B13510-3D74-470C-BD4E-4623587E12E3}"/>
+                <a16:creationId xmlns="" xmlns:a16="http://schemas.microsoft.com/office/drawing/2014/main" id="{77B13510-3D74-470C-BD4E-4623587E12E3}"/>
               </a:ext>
             </a:extLst>
           </p:cNvPr>
@@ -4790,7 +4790,7 @@
           <p:cNvPr id="7" name="Rectangle 6">
             <a:extLst>
               <a:ext uri="{FF2B5EF4-FFF2-40B4-BE49-F238E27FC236}">
-                <a16:creationId xmlns:a16="http://schemas.microsoft.com/office/drawing/2014/main" xmlns="" id="{0ABD61A2-ECDD-4A5C-8B2C-67D04DF1A4F8}"/>
+                <a16:creationId xmlns="" xmlns:a16="http://schemas.microsoft.com/office/drawing/2014/main" id="{0ABD61A2-ECDD-4A5C-8B2C-67D04DF1A4F8}"/>
               </a:ext>
             </a:extLst>
           </p:cNvPr>
@@ -4832,7 +4832,7 @@
           <p:cNvPr id="8" name="Rectangle 7">
             <a:extLst>
               <a:ext uri="{FF2B5EF4-FFF2-40B4-BE49-F238E27FC236}">
-                <a16:creationId xmlns:a16="http://schemas.microsoft.com/office/drawing/2014/main" xmlns="" id="{B8ECBD3F-E3E0-4AF7-9498-072C80E24DAF}"/>
+                <a16:creationId xmlns="" xmlns:a16="http://schemas.microsoft.com/office/drawing/2014/main" id="{B8ECBD3F-E3E0-4AF7-9498-072C80E24DAF}"/>
               </a:ext>
             </a:extLst>
           </p:cNvPr>
@@ -4874,7 +4874,7 @@
     </p:spTree>
     <p:extLst>
       <p:ext uri="{BB962C8B-B14F-4D97-AF65-F5344CB8AC3E}">
-        <p14:creationId xmlns:p14="http://schemas.microsoft.com/office/powerpoint/2010/main" xmlns="" val="2651013160"/>
+        <p14:creationId xmlns="" xmlns:p14="http://schemas.microsoft.com/office/powerpoint/2010/main" val="2651013160"/>
       </p:ext>
     </p:extLst>
   </p:cSld>
@@ -5197,7 +5197,7 @@
           <p:cNvPr id="2" name="Title 1">
             <a:extLst>
               <a:ext uri="{FF2B5EF4-FFF2-40B4-BE49-F238E27FC236}">
-                <a16:creationId xmlns:a16="http://schemas.microsoft.com/office/drawing/2014/main" xmlns="" id="{67B1F4F5-F0B9-4D17-9B31-DE22B611FFFE}"/>
+                <a16:creationId xmlns="" xmlns:a16="http://schemas.microsoft.com/office/drawing/2014/main" id="{67B1F4F5-F0B9-4D17-9B31-DE22B611FFFE}"/>
               </a:ext>
             </a:extLst>
           </p:cNvPr>
@@ -5231,7 +5231,7 @@
           <p:cNvPr id="3" name="Subtitle 2">
             <a:extLst>
               <a:ext uri="{FF2B5EF4-FFF2-40B4-BE49-F238E27FC236}">
-                <a16:creationId xmlns:a16="http://schemas.microsoft.com/office/drawing/2014/main" xmlns="" id="{B3F7542E-6F3A-4349-99DB-1F21ABC8470C}"/>
+                <a16:creationId xmlns="" xmlns:a16="http://schemas.microsoft.com/office/drawing/2014/main" id="{B3F7542E-6F3A-4349-99DB-1F21ABC8470C}"/>
               </a:ext>
             </a:extLst>
           </p:cNvPr>
@@ -5262,7 +5262,7 @@
           <p:cNvPr id="4" name="Picture 3">
             <a:extLst>
               <a:ext uri="{FF2B5EF4-FFF2-40B4-BE49-F238E27FC236}">
-                <a16:creationId xmlns:a16="http://schemas.microsoft.com/office/drawing/2014/main" xmlns="" id="{72CB8E91-B469-4BBE-8EE8-56242C4C092C}"/>
+                <a16:creationId xmlns="" xmlns:a16="http://schemas.microsoft.com/office/drawing/2014/main" id="{72CB8E91-B469-4BBE-8EE8-56242C4C092C}"/>
               </a:ext>
             </a:extLst>
           </p:cNvPr>
@@ -5290,7 +5290,7 @@
     </p:spTree>
     <p:extLst>
       <p:ext uri="{BB962C8B-B14F-4D97-AF65-F5344CB8AC3E}">
-        <p14:creationId xmlns:p14="http://schemas.microsoft.com/office/powerpoint/2010/main" xmlns="" val="108172572"/>
+        <p14:creationId xmlns="" xmlns:p14="http://schemas.microsoft.com/office/powerpoint/2010/main" val="108172572"/>
       </p:ext>
     </p:extLst>
   </p:cSld>
@@ -5322,7 +5322,7 @@
           <p:cNvPr id="2" name="Title 1">
             <a:extLst>
               <a:ext uri="{FF2B5EF4-FFF2-40B4-BE49-F238E27FC236}">
-                <a16:creationId xmlns:a16="http://schemas.microsoft.com/office/drawing/2014/main" xmlns="" id="{D7C84779-5F93-4DCC-86DF-8D79DEAEC374}"/>
+                <a16:creationId xmlns="" xmlns:a16="http://schemas.microsoft.com/office/drawing/2014/main" id="{D7C84779-5F93-4DCC-86DF-8D79DEAEC374}"/>
               </a:ext>
             </a:extLst>
           </p:cNvPr>
@@ -5340,11 +5340,7 @@
           <a:p>
             <a:r>
               <a:rPr lang="en-US" altLang="zh-CN" dirty="0" smtClean="0"/>
-              <a:t>Buffered </a:t>
-            </a:r>
-            <a:r>
-              <a:rPr lang="en-US" altLang="zh-CN" dirty="0" smtClean="0"/>
-              <a:t>Channel </a:t>
+              <a:t>Buffered Channel </a:t>
             </a:r>
             <a:endParaRPr lang="en-US" dirty="0"/>
           </a:p>
@@ -5355,7 +5351,7 @@
           <p:cNvPr id="9" name="Rectangle 8">
             <a:extLst>
               <a:ext uri="{FF2B5EF4-FFF2-40B4-BE49-F238E27FC236}">
-                <a16:creationId xmlns:a16="http://schemas.microsoft.com/office/drawing/2014/main" xmlns="" id="{09DF8025-61D7-487E-B878-BECE556123CE}"/>
+                <a16:creationId xmlns="" xmlns:a16="http://schemas.microsoft.com/office/drawing/2014/main" id="{09DF8025-61D7-487E-B878-BECE556123CE}"/>
               </a:ext>
             </a:extLst>
           </p:cNvPr>
@@ -5387,11 +5383,7 @@
             </a:r>
             <a:r>
               <a:rPr lang="zh-CN" altLang="en-US" sz="3200" dirty="0" smtClean="0"/>
-              <a:t>不</a:t>
-            </a:r>
-            <a:r>
-              <a:rPr lang="zh-CN" altLang="en-US" sz="3200" dirty="0" smtClean="0"/>
-              <a:t>进会阻塞</a:t>
+              <a:t>不进会阻塞</a:t>
             </a:r>
             <a:endParaRPr lang="en-US" altLang="zh-CN" sz="3200" dirty="0" smtClean="0"/>
           </a:p>
@@ -5537,7 +5529,7 @@
     </p:spTree>
     <p:extLst>
       <p:ext uri="{BB962C8B-B14F-4D97-AF65-F5344CB8AC3E}">
-        <p14:creationId xmlns:p14="http://schemas.microsoft.com/office/powerpoint/2010/main" xmlns="" val="1934937011"/>
+        <p14:creationId xmlns="" xmlns:p14="http://schemas.microsoft.com/office/powerpoint/2010/main" val="1934937011"/>
       </p:ext>
     </p:extLst>
   </p:cSld>
@@ -5569,7 +5561,7 @@
           <p:cNvPr id="2" name="Title 1">
             <a:extLst>
               <a:ext uri="{FF2B5EF4-FFF2-40B4-BE49-F238E27FC236}">
-                <a16:creationId xmlns:a16="http://schemas.microsoft.com/office/drawing/2014/main" xmlns="" id="{D7C84779-5F93-4DCC-86DF-8D79DEAEC374}"/>
+                <a16:creationId xmlns="" xmlns:a16="http://schemas.microsoft.com/office/drawing/2014/main" id="{D7C84779-5F93-4DCC-86DF-8D79DEAEC374}"/>
               </a:ext>
             </a:extLst>
           </p:cNvPr>
@@ -5602,7 +5594,7 @@
           <p:cNvPr id="9" name="Rectangle 8">
             <a:extLst>
               <a:ext uri="{FF2B5EF4-FFF2-40B4-BE49-F238E27FC236}">
-                <a16:creationId xmlns:a16="http://schemas.microsoft.com/office/drawing/2014/main" xmlns="" id="{09DF8025-61D7-487E-B878-BECE556123CE}"/>
+                <a16:creationId xmlns="" xmlns:a16="http://schemas.microsoft.com/office/drawing/2014/main" id="{09DF8025-61D7-487E-B878-BECE556123CE}"/>
               </a:ext>
             </a:extLst>
           </p:cNvPr>
@@ -5641,11 +5633,7 @@
             </a:pPr>
             <a:r>
               <a:rPr lang="zh-CN" altLang="en-US" sz="3200" dirty="0" smtClean="0"/>
-              <a:t>持续</a:t>
-            </a:r>
-            <a:r>
-              <a:rPr lang="zh-CN" altLang="en-US" sz="3200" dirty="0" smtClean="0"/>
-              <a:t>地接受</a:t>
+              <a:t>持续地接受</a:t>
             </a:r>
             <a:endParaRPr lang="en-US" altLang="zh-CN" sz="3200" dirty="0" smtClean="0"/>
           </a:p>
@@ -5656,11 +5644,7 @@
             </a:pPr>
             <a:r>
               <a:rPr lang="zh-CN" altLang="en-US" sz="3200" dirty="0" smtClean="0"/>
-              <a:t>一</a:t>
-            </a:r>
-            <a:r>
-              <a:rPr lang="zh-CN" altLang="en-US" sz="3200" dirty="0" smtClean="0"/>
-              <a:t>个</a:t>
+              <a:t>一个</a:t>
             </a:r>
             <a:r>
               <a:rPr lang="en-US" altLang="zh-CN" sz="3200" dirty="0" smtClean="0"/>
@@ -5674,19 +5658,11 @@
             </a:pPr>
             <a:r>
               <a:rPr lang="zh-CN" altLang="en-US" sz="3200" dirty="0" smtClean="0"/>
-              <a:t>一</a:t>
-            </a:r>
-            <a:r>
-              <a:rPr lang="zh-CN" altLang="en-US" sz="3200" dirty="0" smtClean="0"/>
-              <a:t>个</a:t>
+              <a:t>一个</a:t>
             </a:r>
             <a:r>
               <a:rPr lang="en-US" altLang="zh-CN" sz="3200" dirty="0" smtClean="0"/>
-              <a:t>R</a:t>
-            </a:r>
-            <a:r>
-              <a:rPr lang="en-US" altLang="zh-CN" sz="3200" dirty="0" smtClean="0"/>
-              <a:t>eceiver</a:t>
+              <a:t>Receiver</a:t>
             </a:r>
           </a:p>
           <a:p>
@@ -5776,7 +5752,7 @@
     </p:spTree>
     <p:extLst>
       <p:ext uri="{BB962C8B-B14F-4D97-AF65-F5344CB8AC3E}">
-        <p14:creationId xmlns:p14="http://schemas.microsoft.com/office/powerpoint/2010/main" xmlns="" val="375138371"/>
+        <p14:creationId xmlns="" xmlns:p14="http://schemas.microsoft.com/office/powerpoint/2010/main" val="375138371"/>
       </p:ext>
     </p:extLst>
   </p:cSld>
@@ -5808,7 +5784,7 @@
           <p:cNvPr id="2" name="Title 1">
             <a:extLst>
               <a:ext uri="{FF2B5EF4-FFF2-40B4-BE49-F238E27FC236}">
-                <a16:creationId xmlns:a16="http://schemas.microsoft.com/office/drawing/2014/main" xmlns="" id="{D7C84779-5F93-4DCC-86DF-8D79DEAEC374}"/>
+                <a16:creationId xmlns="" xmlns:a16="http://schemas.microsoft.com/office/drawing/2014/main" id="{D7C84779-5F93-4DCC-86DF-8D79DEAEC374}"/>
               </a:ext>
             </a:extLst>
           </p:cNvPr>
@@ -5849,7 +5825,7 @@
           <p:cNvPr id="9" name="Rectangle 8">
             <a:extLst>
               <a:ext uri="{FF2B5EF4-FFF2-40B4-BE49-F238E27FC236}">
-                <a16:creationId xmlns:a16="http://schemas.microsoft.com/office/drawing/2014/main" xmlns="" id="{09DF8025-61D7-487E-B878-BECE556123CE}"/>
+                <a16:creationId xmlns="" xmlns:a16="http://schemas.microsoft.com/office/drawing/2014/main" id="{09DF8025-61D7-487E-B878-BECE556123CE}"/>
               </a:ext>
             </a:extLst>
           </p:cNvPr>
@@ -5910,19 +5886,11 @@
             </a:pPr>
             <a:r>
               <a:rPr lang="zh-CN" altLang="en-US" sz="3200" dirty="0" smtClean="0"/>
-              <a:t>一</a:t>
-            </a:r>
-            <a:r>
-              <a:rPr lang="zh-CN" altLang="en-US" sz="3200" dirty="0" smtClean="0"/>
-              <a:t>个</a:t>
+              <a:t>一个</a:t>
             </a:r>
             <a:r>
               <a:rPr lang="en-US" altLang="zh-CN" sz="3200" dirty="0" smtClean="0"/>
-              <a:t>R</a:t>
-            </a:r>
-            <a:r>
-              <a:rPr lang="en-US" altLang="zh-CN" sz="3200" dirty="0" smtClean="0"/>
-              <a:t>eceiver</a:t>
+              <a:t>Receiver</a:t>
             </a:r>
           </a:p>
           <a:p>
@@ -6012,7 +5980,7 @@
     </p:spTree>
     <p:extLst>
       <p:ext uri="{BB962C8B-B14F-4D97-AF65-F5344CB8AC3E}">
-        <p14:creationId xmlns:p14="http://schemas.microsoft.com/office/powerpoint/2010/main" xmlns="" val="375138371"/>
+        <p14:creationId xmlns="" xmlns:p14="http://schemas.microsoft.com/office/powerpoint/2010/main" val="375138371"/>
       </p:ext>
     </p:extLst>
   </p:cSld>
@@ -6044,7 +6012,7 @@
           <p:cNvPr id="2" name="Title 1">
             <a:extLst>
               <a:ext uri="{FF2B5EF4-FFF2-40B4-BE49-F238E27FC236}">
-                <a16:creationId xmlns:a16="http://schemas.microsoft.com/office/drawing/2014/main" xmlns="" id="{D7C84779-5F93-4DCC-86DF-8D79DEAEC374}"/>
+                <a16:creationId xmlns="" xmlns:a16="http://schemas.microsoft.com/office/drawing/2014/main" id="{D7C84779-5F93-4DCC-86DF-8D79DEAEC374}"/>
               </a:ext>
             </a:extLst>
           </p:cNvPr>
@@ -6086,11 +6054,7 @@
             </a:r>
             <a:r>
               <a:rPr lang="en-US" altLang="zh-CN" dirty="0" smtClean="0"/>
-              <a:t> </a:t>
-            </a:r>
-            <a:r>
-              <a:rPr lang="en-US" altLang="zh-CN" dirty="0" smtClean="0"/>
-              <a:t>Channel </a:t>
+              <a:t> Channel </a:t>
             </a:r>
             <a:r>
               <a:rPr lang="zh-CN" altLang="en-US" dirty="0" smtClean="0"/>
@@ -6098,11 +6062,7 @@
             </a:r>
             <a:r>
               <a:rPr lang="en-US" altLang="zh-CN" dirty="0" smtClean="0"/>
-              <a:t>(NR :1S</a:t>
-            </a:r>
-            <a:r>
-              <a:rPr lang="en-US" altLang="zh-CN" dirty="0" smtClean="0"/>
-              <a:t>)</a:t>
+              <a:t>(NR :1S)</a:t>
             </a:r>
             <a:endParaRPr lang="en-US" dirty="0"/>
           </a:p>
@@ -6113,7 +6073,7 @@
           <p:cNvPr id="9" name="Rectangle 8">
             <a:extLst>
               <a:ext uri="{FF2B5EF4-FFF2-40B4-BE49-F238E27FC236}">
-                <a16:creationId xmlns:a16="http://schemas.microsoft.com/office/drawing/2014/main" xmlns="" id="{09DF8025-61D7-487E-B878-BECE556123CE}"/>
+                <a16:creationId xmlns="" xmlns:a16="http://schemas.microsoft.com/office/drawing/2014/main" id="{09DF8025-61D7-487E-B878-BECE556123CE}"/>
               </a:ext>
             </a:extLst>
           </p:cNvPr>
@@ -6174,11 +6134,7 @@
             </a:pPr>
             <a:r>
               <a:rPr lang="zh-CN" altLang="en-US" sz="3200" dirty="0" smtClean="0"/>
-              <a:t>一</a:t>
-            </a:r>
-            <a:r>
-              <a:rPr lang="zh-CN" altLang="en-US" sz="3200" dirty="0" smtClean="0"/>
-              <a:t>个</a:t>
+              <a:t>一个</a:t>
             </a:r>
             <a:r>
               <a:rPr lang="en-US" altLang="zh-CN" sz="3200" dirty="0" smtClean="0"/>
@@ -6316,7 +6272,7 @@
     </p:spTree>
     <p:extLst>
       <p:ext uri="{BB962C8B-B14F-4D97-AF65-F5344CB8AC3E}">
-        <p14:creationId xmlns:p14="http://schemas.microsoft.com/office/powerpoint/2010/main" xmlns="" val="375138371"/>
+        <p14:creationId xmlns="" xmlns:p14="http://schemas.microsoft.com/office/powerpoint/2010/main" val="375138371"/>
       </p:ext>
     </p:extLst>
   </p:cSld>
@@ -6348,7 +6304,7 @@
           <p:cNvPr id="2" name="Title 1">
             <a:extLst>
               <a:ext uri="{FF2B5EF4-FFF2-40B4-BE49-F238E27FC236}">
-                <a16:creationId xmlns:a16="http://schemas.microsoft.com/office/drawing/2014/main" xmlns="" id="{D7C84779-5F93-4DCC-86DF-8D79DEAEC374}"/>
+                <a16:creationId xmlns="" xmlns:a16="http://schemas.microsoft.com/office/drawing/2014/main" id="{D7C84779-5F93-4DCC-86DF-8D79DEAEC374}"/>
               </a:ext>
             </a:extLst>
           </p:cNvPr>
@@ -6390,11 +6346,7 @@
             </a:r>
             <a:r>
               <a:rPr lang="en-US" altLang="zh-CN" dirty="0" smtClean="0"/>
-              <a:t> </a:t>
-            </a:r>
-            <a:r>
-              <a:rPr lang="en-US" altLang="zh-CN" dirty="0" smtClean="0"/>
-              <a:t>Channel  </a:t>
+              <a:t> Channel  </a:t>
             </a:r>
             <a:r>
               <a:rPr lang="zh-CN" altLang="en-US" dirty="0" smtClean="0"/>
@@ -6402,11 +6354,7 @@
             </a:r>
             <a:r>
               <a:rPr lang="en-US" altLang="zh-CN" dirty="0" smtClean="0"/>
-              <a:t>(NR :1S</a:t>
-            </a:r>
-            <a:r>
-              <a:rPr lang="en-US" altLang="zh-CN" dirty="0" smtClean="0"/>
-              <a:t>) -cont</a:t>
+              <a:t>(NR :1S) -cont</a:t>
             </a:r>
             <a:endParaRPr lang="en-US" dirty="0"/>
           </a:p>
@@ -6417,7 +6365,7 @@
           <p:cNvPr id="9" name="Rectangle 8">
             <a:extLst>
               <a:ext uri="{FF2B5EF4-FFF2-40B4-BE49-F238E27FC236}">
-                <a16:creationId xmlns:a16="http://schemas.microsoft.com/office/drawing/2014/main" xmlns="" id="{09DF8025-61D7-487E-B878-BECE556123CE}"/>
+                <a16:creationId xmlns="" xmlns:a16="http://schemas.microsoft.com/office/drawing/2014/main" id="{09DF8025-61D7-487E-B878-BECE556123CE}"/>
               </a:ext>
             </a:extLst>
           </p:cNvPr>
@@ -6427,7 +6375,7 @@
         <p:spPr>
           <a:xfrm>
             <a:off x="330650" y="1212780"/>
-            <a:ext cx="3816048" cy="3600986"/>
+            <a:ext cx="3816048" cy="5078313"/>
           </a:xfrm>
           <a:prstGeom prst="rect">
             <a:avLst/>
@@ -6455,6 +6403,7 @@
             <a:endParaRPr lang="en-US" altLang="zh-CN" sz="3200" dirty="0" smtClean="0"/>
           </a:p>
           <a:p>
+            <a:pPr lvl="1"/>
             <a:r>
               <a:rPr lang="en-US" sz="3200" i="1" dirty="0" err="1" smtClean="0">
                 <a:solidFill>
@@ -6479,6 +6428,7 @@
             </a:r>
           </a:p>
           <a:p>
+            <a:pPr lvl="1"/>
             <a:r>
               <a:rPr lang="en-US" sz="3200" i="1" dirty="0" err="1" smtClean="0">
                 <a:solidFill>
@@ -6533,6 +6483,7 @@
             </a:endParaRPr>
           </a:p>
           <a:p>
+            <a:pPr lvl="1"/>
             <a:r>
               <a:rPr lang="en-US" sz="3200" i="1" dirty="0" err="1" smtClean="0">
                 <a:solidFill>
@@ -6555,16 +6506,33 @@
               </a:rPr>
               <a:t>()</a:t>
             </a:r>
-            <a:endParaRPr lang="en-US" sz="3200" i="1" dirty="0" smtClean="0">
-              <a:solidFill>
-                <a:schemeClr val="accent1">
-                  <a:lumMod val="60000"/>
-                  <a:lumOff val="40000"/>
-                </a:schemeClr>
-              </a:solidFill>
-            </a:endParaRPr>
-          </a:p>
-          <a:p>
+          </a:p>
+          <a:p>
+            <a:r>
+              <a:rPr lang="en-US" sz="3200" dirty="0" err="1" smtClean="0"/>
+              <a:t>Sync.Mutex</a:t>
+            </a:r>
+            <a:endParaRPr lang="en-US" sz="3200" dirty="0" smtClean="0"/>
+          </a:p>
+          <a:p>
+            <a:r>
+              <a:rPr lang="en-US" sz="3200" dirty="0" err="1" smtClean="0"/>
+              <a:t>Sync.RWMutex</a:t>
+            </a:r>
+            <a:endParaRPr lang="en-US" sz="3200" dirty="0" smtClean="0"/>
+          </a:p>
+          <a:p>
+            <a:r>
+              <a:rPr lang="en-US" sz="3200" dirty="0" err="1" smtClean="0"/>
+              <a:t>Sync.Once</a:t>
+            </a:r>
+            <a:endParaRPr lang="en-US" sz="3200" dirty="0" smtClean="0"/>
+          </a:p>
+          <a:p>
+            <a:r>
+              <a:rPr lang="en-US" sz="3200" dirty="0" err="1" smtClean="0"/>
+              <a:t>Sync.Cond</a:t>
+            </a:r>
             <a:endParaRPr lang="en-US" sz="3200" i="1" dirty="0"/>
           </a:p>
           <a:p>
@@ -6622,8 +6590,8 @@
         </p:blipFill>
         <p:spPr bwMode="auto">
           <a:xfrm>
-            <a:off x="10208917" y="710278"/>
-            <a:ext cx="1008432" cy="5552451"/>
+            <a:off x="10240813" y="689013"/>
+            <a:ext cx="992955" cy="5467238"/>
           </a:xfrm>
           <a:prstGeom prst="rect">
             <a:avLst/>
@@ -6641,7 +6609,7 @@
     </p:spTree>
     <p:extLst>
       <p:ext uri="{BB962C8B-B14F-4D97-AF65-F5344CB8AC3E}">
-        <p14:creationId xmlns:p14="http://schemas.microsoft.com/office/powerpoint/2010/main" xmlns="" val="375138371"/>
+        <p14:creationId xmlns="" xmlns:p14="http://schemas.microsoft.com/office/powerpoint/2010/main" val="375138371"/>
       </p:ext>
     </p:extLst>
   </p:cSld>
@@ -6673,7 +6641,7 @@
           <p:cNvPr id="2" name="Title 1">
             <a:extLst>
               <a:ext uri="{FF2B5EF4-FFF2-40B4-BE49-F238E27FC236}">
-                <a16:creationId xmlns:a16="http://schemas.microsoft.com/office/drawing/2014/main" xmlns="" id="{D7C84779-5F93-4DCC-86DF-8D79DEAEC374}"/>
+                <a16:creationId xmlns="" xmlns:a16="http://schemas.microsoft.com/office/drawing/2014/main" id="{D7C84779-5F93-4DCC-86DF-8D79DEAEC374}"/>
               </a:ext>
             </a:extLst>
           </p:cNvPr>
@@ -6701,7 +6669,7 @@
           <p:cNvPr id="3" name="Content Placeholder 2">
             <a:extLst>
               <a:ext uri="{FF2B5EF4-FFF2-40B4-BE49-F238E27FC236}">
-                <a16:creationId xmlns:a16="http://schemas.microsoft.com/office/drawing/2014/main" xmlns="" id="{0E59A1AE-F806-46F3-BA69-B4B5C2C30661}"/>
+                <a16:creationId xmlns="" xmlns:a16="http://schemas.microsoft.com/office/drawing/2014/main" id="{0E59A1AE-F806-46F3-BA69-B4B5C2C30661}"/>
               </a:ext>
             </a:extLst>
           </p:cNvPr>
@@ -6749,7 +6717,7 @@
           <p:cNvPr id="9" name="Object 8">
             <a:extLst>
               <a:ext uri="{FF2B5EF4-FFF2-40B4-BE49-F238E27FC236}">
-                <a16:creationId xmlns:a16="http://schemas.microsoft.com/office/drawing/2014/main" xmlns="" id="{1045B712-5FE4-4762-8814-15F0ADBF60CC}"/>
+                <a16:creationId xmlns="" xmlns:a16="http://schemas.microsoft.com/office/drawing/2014/main" id="{1045B712-5FE4-4762-8814-15F0ADBF60CC}"/>
               </a:ext>
             </a:extLst>
           </p:cNvPr>
@@ -6759,7 +6727,7 @@
           <p:nvPr>
             <p:extLst>
               <p:ext uri="{D42A27DB-BD31-4B8C-83A1-F6EECF244321}">
-                <p14:modId xmlns:p14="http://schemas.microsoft.com/office/powerpoint/2010/main" xmlns="" val="802764902"/>
+                <p14:modId xmlns="" xmlns:p14="http://schemas.microsoft.com/office/powerpoint/2010/main" val="802764902"/>
               </p:ext>
             </p:extLst>
           </p:nvPr>
@@ -6781,7 +6749,7 @@
           <p:cNvPr id="10" name="Object 9">
             <a:extLst>
               <a:ext uri="{FF2B5EF4-FFF2-40B4-BE49-F238E27FC236}">
-                <a16:creationId xmlns:a16="http://schemas.microsoft.com/office/drawing/2014/main" xmlns="" id="{2A950656-C479-499D-9038-96DEB37536E6}"/>
+                <a16:creationId xmlns="" xmlns:a16="http://schemas.microsoft.com/office/drawing/2014/main" id="{2A950656-C479-499D-9038-96DEB37536E6}"/>
               </a:ext>
             </a:extLst>
           </p:cNvPr>
@@ -6791,7 +6759,7 @@
           <p:nvPr>
             <p:extLst>
               <p:ext uri="{D42A27DB-BD31-4B8C-83A1-F6EECF244321}">
-                <p14:modId xmlns:p14="http://schemas.microsoft.com/office/powerpoint/2010/main" xmlns="" val="3924934244"/>
+                <p14:modId xmlns="" xmlns:p14="http://schemas.microsoft.com/office/powerpoint/2010/main" val="3924934244"/>
               </p:ext>
             </p:extLst>
           </p:nvPr>
@@ -6811,7 +6779,7 @@
     </p:spTree>
     <p:extLst>
       <p:ext uri="{BB962C8B-B14F-4D97-AF65-F5344CB8AC3E}">
-        <p14:creationId xmlns:p14="http://schemas.microsoft.com/office/powerpoint/2010/main" xmlns="" val="1408701152"/>
+        <p14:creationId xmlns="" xmlns:p14="http://schemas.microsoft.com/office/powerpoint/2010/main" val="1408701152"/>
       </p:ext>
     </p:extLst>
   </p:cSld>
@@ -6843,7 +6811,7 @@
           <p:cNvPr id="2" name="Title 1">
             <a:extLst>
               <a:ext uri="{FF2B5EF4-FFF2-40B4-BE49-F238E27FC236}">
-                <a16:creationId xmlns:a16="http://schemas.microsoft.com/office/drawing/2014/main" xmlns="" id="{8342A161-B3E9-4758-A71C-0474D4118B56}"/>
+                <a16:creationId xmlns="" xmlns:a16="http://schemas.microsoft.com/office/drawing/2014/main" id="{8342A161-B3E9-4758-A71C-0474D4118B56}"/>
               </a:ext>
             </a:extLst>
           </p:cNvPr>
@@ -6871,7 +6839,7 @@
           <p:cNvPr id="3" name="Content Placeholder 2">
             <a:extLst>
               <a:ext uri="{FF2B5EF4-FFF2-40B4-BE49-F238E27FC236}">
-                <a16:creationId xmlns:a16="http://schemas.microsoft.com/office/drawing/2014/main" xmlns="" id="{EFC431BF-252A-4742-96DF-4B53752625D3}"/>
+                <a16:creationId xmlns="" xmlns:a16="http://schemas.microsoft.com/office/drawing/2014/main" id="{EFC431BF-252A-4742-96DF-4B53752625D3}"/>
               </a:ext>
             </a:extLst>
           </p:cNvPr>
@@ -7034,7 +7002,7 @@
     </p:spTree>
     <p:extLst>
       <p:ext uri="{BB962C8B-B14F-4D97-AF65-F5344CB8AC3E}">
-        <p14:creationId xmlns:p14="http://schemas.microsoft.com/office/powerpoint/2010/main" xmlns="" val="3122889517"/>
+        <p14:creationId xmlns="" xmlns:p14="http://schemas.microsoft.com/office/powerpoint/2010/main" val="3122889517"/>
       </p:ext>
     </p:extLst>
   </p:cSld>
@@ -7066,7 +7034,7 @@
           <p:cNvPr id="2" name="Title 1">
             <a:extLst>
               <a:ext uri="{FF2B5EF4-FFF2-40B4-BE49-F238E27FC236}">
-                <a16:creationId xmlns:a16="http://schemas.microsoft.com/office/drawing/2014/main" xmlns="" id="{AB0A8BCD-AB0A-49E3-A2BA-459943BAEEF4}"/>
+                <a16:creationId xmlns="" xmlns:a16="http://schemas.microsoft.com/office/drawing/2014/main" id="{AB0A8BCD-AB0A-49E3-A2BA-459943BAEEF4}"/>
               </a:ext>
             </a:extLst>
           </p:cNvPr>
@@ -7107,7 +7075,7 @@
           <p:cNvPr id="3" name="Content Placeholder 2">
             <a:extLst>
               <a:ext uri="{FF2B5EF4-FFF2-40B4-BE49-F238E27FC236}">
-                <a16:creationId xmlns:a16="http://schemas.microsoft.com/office/drawing/2014/main" xmlns="" id="{9CEEFE61-DC95-418E-BAF4-089832837283}"/>
+                <a16:creationId xmlns="" xmlns:a16="http://schemas.microsoft.com/office/drawing/2014/main" id="{9CEEFE61-DC95-418E-BAF4-089832837283}"/>
               </a:ext>
             </a:extLst>
           </p:cNvPr>
@@ -7245,7 +7213,7 @@
           <p:cNvPr id="6" name="Picture 5">
             <a:extLst>
               <a:ext uri="{FF2B5EF4-FFF2-40B4-BE49-F238E27FC236}">
-                <a16:creationId xmlns:a16="http://schemas.microsoft.com/office/drawing/2014/main" xmlns="" id="{27422100-F92B-4F00-8593-4B9D8040F490}"/>
+                <a16:creationId xmlns="" xmlns:a16="http://schemas.microsoft.com/office/drawing/2014/main" id="{27422100-F92B-4F00-8593-4B9D8040F490}"/>
               </a:ext>
             </a:extLst>
           </p:cNvPr>
@@ -7275,7 +7243,7 @@
           <p:cNvPr id="7" name="Picture 6">
             <a:extLst>
               <a:ext uri="{FF2B5EF4-FFF2-40B4-BE49-F238E27FC236}">
-                <a16:creationId xmlns:a16="http://schemas.microsoft.com/office/drawing/2014/main" xmlns="" id="{12A8AA35-23E3-4CB9-9C81-24C609C120D7}"/>
+                <a16:creationId xmlns="" xmlns:a16="http://schemas.microsoft.com/office/drawing/2014/main" id="{12A8AA35-23E3-4CB9-9C81-24C609C120D7}"/>
               </a:ext>
             </a:extLst>
           </p:cNvPr>
@@ -7303,7 +7271,7 @@
     </p:spTree>
     <p:extLst>
       <p:ext uri="{BB962C8B-B14F-4D97-AF65-F5344CB8AC3E}">
-        <p14:creationId xmlns:p14="http://schemas.microsoft.com/office/powerpoint/2010/main" xmlns="" val="2376815334"/>
+        <p14:creationId xmlns="" xmlns:p14="http://schemas.microsoft.com/office/powerpoint/2010/main" val="2376815334"/>
       </p:ext>
     </p:extLst>
   </p:cSld>
@@ -7335,7 +7303,7 @@
           <p:cNvPr id="2" name="Title 1">
             <a:extLst>
               <a:ext uri="{FF2B5EF4-FFF2-40B4-BE49-F238E27FC236}">
-                <a16:creationId xmlns:a16="http://schemas.microsoft.com/office/drawing/2014/main" xmlns="" id="{D7C84779-5F93-4DCC-86DF-8D79DEAEC374}"/>
+                <a16:creationId xmlns="" xmlns:a16="http://schemas.microsoft.com/office/drawing/2014/main" id="{D7C84779-5F93-4DCC-86DF-8D79DEAEC374}"/>
               </a:ext>
             </a:extLst>
           </p:cNvPr>
@@ -7368,7 +7336,7 @@
           <p:cNvPr id="3" name="Content Placeholder 2">
             <a:extLst>
               <a:ext uri="{FF2B5EF4-FFF2-40B4-BE49-F238E27FC236}">
-                <a16:creationId xmlns:a16="http://schemas.microsoft.com/office/drawing/2014/main" xmlns="" id="{0E59A1AE-F806-46F3-BA69-B4B5C2C30661}"/>
+                <a16:creationId xmlns="" xmlns:a16="http://schemas.microsoft.com/office/drawing/2014/main" id="{0E59A1AE-F806-46F3-BA69-B4B5C2C30661}"/>
               </a:ext>
             </a:extLst>
           </p:cNvPr>
@@ -7407,7 +7375,7 @@
           <p:cNvPr id="4" name="TextBox 3">
             <a:extLst>
               <a:ext uri="{FF2B5EF4-FFF2-40B4-BE49-F238E27FC236}">
-                <a16:creationId xmlns:a16="http://schemas.microsoft.com/office/drawing/2014/main" xmlns="" id="{945B14A7-9B10-4210-9FBD-CCE24D646A83}"/>
+                <a16:creationId xmlns="" xmlns:a16="http://schemas.microsoft.com/office/drawing/2014/main" id="{945B14A7-9B10-4210-9FBD-CCE24D646A83}"/>
               </a:ext>
             </a:extLst>
           </p:cNvPr>
@@ -7455,11 +7423,7 @@
             </a:pPr>
             <a:r>
               <a:rPr lang="zh-CN" altLang="en-US" sz="3200" dirty="0" smtClean="0"/>
-              <a:t>简单粗暴</a:t>
-            </a:r>
-            <a:r>
-              <a:rPr lang="zh-CN" altLang="en-US" sz="3200" dirty="0" smtClean="0"/>
-              <a:t>而富有成效</a:t>
+              <a:t>简单粗暴而富有成效</a:t>
             </a:r>
             <a:endParaRPr lang="en-US" altLang="zh-CN" sz="3200" dirty="0" smtClean="0"/>
           </a:p>
@@ -7470,7 +7434,7 @@
           <p:cNvPr id="6" name="Picture 5">
             <a:extLst>
               <a:ext uri="{FF2B5EF4-FFF2-40B4-BE49-F238E27FC236}">
-                <a16:creationId xmlns:a16="http://schemas.microsoft.com/office/drawing/2014/main" xmlns="" id="{D9D35F01-3DBC-40A8-B0E2-A754678B0CB6}"/>
+                <a16:creationId xmlns="" xmlns:a16="http://schemas.microsoft.com/office/drawing/2014/main" id="{D9D35F01-3DBC-40A8-B0E2-A754678B0CB6}"/>
               </a:ext>
             </a:extLst>
           </p:cNvPr>
@@ -7498,7 +7462,7 @@
     </p:spTree>
     <p:extLst>
       <p:ext uri="{BB962C8B-B14F-4D97-AF65-F5344CB8AC3E}">
-        <p14:creationId xmlns:p14="http://schemas.microsoft.com/office/powerpoint/2010/main" xmlns="" val="3732194823"/>
+        <p14:creationId xmlns="" xmlns:p14="http://schemas.microsoft.com/office/powerpoint/2010/main" val="3732194823"/>
       </p:ext>
     </p:extLst>
   </p:cSld>
@@ -7530,7 +7494,7 @@
           <p:cNvPr id="2" name="Title 1">
             <a:extLst>
               <a:ext uri="{FF2B5EF4-FFF2-40B4-BE49-F238E27FC236}">
-                <a16:creationId xmlns:a16="http://schemas.microsoft.com/office/drawing/2014/main" xmlns="" id="{D7C84779-5F93-4DCC-86DF-8D79DEAEC374}"/>
+                <a16:creationId xmlns="" xmlns:a16="http://schemas.microsoft.com/office/drawing/2014/main" id="{D7C84779-5F93-4DCC-86DF-8D79DEAEC374}"/>
               </a:ext>
             </a:extLst>
           </p:cNvPr>
@@ -7563,7 +7527,7 @@
           <p:cNvPr id="8" name="Picture 7">
             <a:extLst>
               <a:ext uri="{FF2B5EF4-FFF2-40B4-BE49-F238E27FC236}">
-                <a16:creationId xmlns:a16="http://schemas.microsoft.com/office/drawing/2014/main" xmlns="" id="{AD1537C4-A03B-4DA5-8884-D31334E7119A}"/>
+                <a16:creationId xmlns="" xmlns:a16="http://schemas.microsoft.com/office/drawing/2014/main" id="{AD1537C4-A03B-4DA5-8884-D31334E7119A}"/>
               </a:ext>
             </a:extLst>
           </p:cNvPr>
@@ -7686,11 +7650,7 @@
             </a:pPr>
             <a:r>
               <a:rPr lang="zh-CN" altLang="en-US" sz="2800" dirty="0" smtClean="0"/>
-              <a:t>协程的开销是如此的廉价，用完就</a:t>
-            </a:r>
-            <a:r>
-              <a:rPr lang="zh-CN" altLang="en-US" sz="2800" dirty="0" smtClean="0"/>
-              <a:t>扔</a:t>
+              <a:t>协程的开销是如此的廉价，用完就扔</a:t>
             </a:r>
             <a:endParaRPr lang="en-US" altLang="zh-CN" sz="2800" dirty="0" smtClean="0"/>
           </a:p>
@@ -7713,7 +7673,7 @@
     </p:spTree>
     <p:extLst>
       <p:ext uri="{BB962C8B-B14F-4D97-AF65-F5344CB8AC3E}">
-        <p14:creationId xmlns:p14="http://schemas.microsoft.com/office/powerpoint/2010/main" xmlns="" val="3032618518"/>
+        <p14:creationId xmlns="" xmlns:p14="http://schemas.microsoft.com/office/powerpoint/2010/main" val="3032618518"/>
       </p:ext>
     </p:extLst>
   </p:cSld>
@@ -7745,7 +7705,7 @@
           <p:cNvPr id="2" name="Title 1">
             <a:extLst>
               <a:ext uri="{FF2B5EF4-FFF2-40B4-BE49-F238E27FC236}">
-                <a16:creationId xmlns:a16="http://schemas.microsoft.com/office/drawing/2014/main" xmlns="" id="{D7C84779-5F93-4DCC-86DF-8D79DEAEC374}"/>
+                <a16:creationId xmlns="" xmlns:a16="http://schemas.microsoft.com/office/drawing/2014/main" id="{D7C84779-5F93-4DCC-86DF-8D79DEAEC374}"/>
               </a:ext>
             </a:extLst>
           </p:cNvPr>
@@ -7778,7 +7738,7 @@
           <p:cNvPr id="9" name="Rectangle 8">
             <a:extLst>
               <a:ext uri="{FF2B5EF4-FFF2-40B4-BE49-F238E27FC236}">
-                <a16:creationId xmlns:a16="http://schemas.microsoft.com/office/drawing/2014/main" xmlns="" id="{09DF8025-61D7-487E-B878-BECE556123CE}"/>
+                <a16:creationId xmlns="" xmlns:a16="http://schemas.microsoft.com/office/drawing/2014/main" id="{09DF8025-61D7-487E-B878-BECE556123CE}"/>
               </a:ext>
             </a:extLst>
           </p:cNvPr>
@@ -7954,7 +7914,7 @@
     </p:spTree>
     <p:extLst>
       <p:ext uri="{BB962C8B-B14F-4D97-AF65-F5344CB8AC3E}">
-        <p14:creationId xmlns:p14="http://schemas.microsoft.com/office/powerpoint/2010/main" xmlns="" val="421020347"/>
+        <p14:creationId xmlns="" xmlns:p14="http://schemas.microsoft.com/office/powerpoint/2010/main" val="421020347"/>
       </p:ext>
     </p:extLst>
   </p:cSld>
@@ -7986,7 +7946,7 @@
           <p:cNvPr id="2" name="Title 1">
             <a:extLst>
               <a:ext uri="{FF2B5EF4-FFF2-40B4-BE49-F238E27FC236}">
-                <a16:creationId xmlns:a16="http://schemas.microsoft.com/office/drawing/2014/main" xmlns="" id="{D7C84779-5F93-4DCC-86DF-8D79DEAEC374}"/>
+                <a16:creationId xmlns="" xmlns:a16="http://schemas.microsoft.com/office/drawing/2014/main" id="{D7C84779-5F93-4DCC-86DF-8D79DEAEC374}"/>
               </a:ext>
             </a:extLst>
           </p:cNvPr>
@@ -8015,7 +7975,7 @@
           <p:cNvPr id="9" name="Rectangle 8">
             <a:extLst>
               <a:ext uri="{FF2B5EF4-FFF2-40B4-BE49-F238E27FC236}">
-                <a16:creationId xmlns:a16="http://schemas.microsoft.com/office/drawing/2014/main" xmlns="" id="{09DF8025-61D7-487E-B878-BECE556123CE}"/>
+                <a16:creationId xmlns="" xmlns:a16="http://schemas.microsoft.com/office/drawing/2014/main" id="{09DF8025-61D7-487E-B878-BECE556123CE}"/>
               </a:ext>
             </a:extLst>
           </p:cNvPr>
@@ -8157,7 +8117,7 @@
           <p:cNvPr id="3" name="Picture 2">
             <a:extLst>
               <a:ext uri="{FF2B5EF4-FFF2-40B4-BE49-F238E27FC236}">
-                <a16:creationId xmlns:a16="http://schemas.microsoft.com/office/drawing/2014/main" xmlns="" id="{1A39D9B2-21D2-44D4-A413-6845A3A83FEC}"/>
+                <a16:creationId xmlns="" xmlns:a16="http://schemas.microsoft.com/office/drawing/2014/main" id="{1A39D9B2-21D2-44D4-A413-6845A3A83FEC}"/>
               </a:ext>
             </a:extLst>
           </p:cNvPr>
@@ -8185,7 +8145,7 @@
     </p:spTree>
     <p:extLst>
       <p:ext uri="{BB962C8B-B14F-4D97-AF65-F5344CB8AC3E}">
-        <p14:creationId xmlns:p14="http://schemas.microsoft.com/office/powerpoint/2010/main" xmlns="" val="626934487"/>
+        <p14:creationId xmlns="" xmlns:p14="http://schemas.microsoft.com/office/powerpoint/2010/main" val="626934487"/>
       </p:ext>
     </p:extLst>
   </p:cSld>
@@ -8217,7 +8177,7 @@
           <p:cNvPr id="2" name="Title 1">
             <a:extLst>
               <a:ext uri="{FF2B5EF4-FFF2-40B4-BE49-F238E27FC236}">
-                <a16:creationId xmlns:a16="http://schemas.microsoft.com/office/drawing/2014/main" xmlns="" id="{D7C84779-5F93-4DCC-86DF-8D79DEAEC374}"/>
+                <a16:creationId xmlns="" xmlns:a16="http://schemas.microsoft.com/office/drawing/2014/main" id="{D7C84779-5F93-4DCC-86DF-8D79DEAEC374}"/>
               </a:ext>
             </a:extLst>
           </p:cNvPr>
@@ -8246,7 +8206,7 @@
           <p:cNvPr id="9" name="Rectangle 8">
             <a:extLst>
               <a:ext uri="{FF2B5EF4-FFF2-40B4-BE49-F238E27FC236}">
-                <a16:creationId xmlns:a16="http://schemas.microsoft.com/office/drawing/2014/main" xmlns="" id="{09DF8025-61D7-487E-B878-BECE556123CE}"/>
+                <a16:creationId xmlns="" xmlns:a16="http://schemas.microsoft.com/office/drawing/2014/main" id="{09DF8025-61D7-487E-B878-BECE556123CE}"/>
               </a:ext>
             </a:extLst>
           </p:cNvPr>
@@ -8454,17 +8414,7 @@
                   </a:schemeClr>
                 </a:solidFill>
               </a:rPr>
-              <a:t>不出来也</a:t>
-            </a:r>
-            <a:r>
-              <a:rPr lang="zh-CN" altLang="en-US" sz="2800" dirty="0" smtClean="0">
-                <a:solidFill>
-                  <a:schemeClr val="bg1">
-                    <a:lumMod val="75000"/>
-                  </a:schemeClr>
-                </a:solidFill>
-              </a:rPr>
-              <a:t>阻塞</a:t>
+              <a:t>不出来也阻塞</a:t>
             </a:r>
             <a:endParaRPr lang="en-US" altLang="zh-CN" sz="2800" dirty="0" smtClean="0">
               <a:solidFill>
@@ -8514,7 +8464,7 @@
           <p:cNvPr id="5" name="Picture 4">
             <a:extLst>
               <a:ext uri="{FF2B5EF4-FFF2-40B4-BE49-F238E27FC236}">
-                <a16:creationId xmlns:a16="http://schemas.microsoft.com/office/drawing/2014/main" xmlns="" id="{5BEB50C7-7C44-42AC-B1B2-D7CC057DC100}"/>
+                <a16:creationId xmlns="" xmlns:a16="http://schemas.microsoft.com/office/drawing/2014/main" id="{5BEB50C7-7C44-42AC-B1B2-D7CC057DC100}"/>
               </a:ext>
             </a:extLst>
           </p:cNvPr>
@@ -8544,7 +8494,7 @@
           <p:cNvPr id="6" name="Picture 5">
             <a:extLst>
               <a:ext uri="{FF2B5EF4-FFF2-40B4-BE49-F238E27FC236}">
-                <a16:creationId xmlns:a16="http://schemas.microsoft.com/office/drawing/2014/main" xmlns="" id="{233493A8-8494-4134-AEC6-4EB219D5F02D}"/>
+                <a16:creationId xmlns="" xmlns:a16="http://schemas.microsoft.com/office/drawing/2014/main" id="{233493A8-8494-4134-AEC6-4EB219D5F02D}"/>
               </a:ext>
             </a:extLst>
           </p:cNvPr>
@@ -8572,7 +8522,7 @@
     </p:spTree>
     <p:extLst>
       <p:ext uri="{BB962C8B-B14F-4D97-AF65-F5344CB8AC3E}">
-        <p14:creationId xmlns:p14="http://schemas.microsoft.com/office/powerpoint/2010/main" xmlns="" val="1934937011"/>
+        <p14:creationId xmlns="" xmlns:p14="http://schemas.microsoft.com/office/powerpoint/2010/main" val="1934937011"/>
       </p:ext>
     </p:extLst>
   </p:cSld>
@@ -8604,7 +8554,7 @@
           <p:cNvPr id="2" name="Title 1">
             <a:extLst>
               <a:ext uri="{FF2B5EF4-FFF2-40B4-BE49-F238E27FC236}">
-                <a16:creationId xmlns:a16="http://schemas.microsoft.com/office/drawing/2014/main" xmlns="" id="{D7C84779-5F93-4DCC-86DF-8D79DEAEC374}"/>
+                <a16:creationId xmlns="" xmlns:a16="http://schemas.microsoft.com/office/drawing/2014/main" id="{D7C84779-5F93-4DCC-86DF-8D79DEAEC374}"/>
               </a:ext>
             </a:extLst>
           </p:cNvPr>
@@ -8641,7 +8591,7 @@
           <p:cNvPr id="9" name="Rectangle 8">
             <a:extLst>
               <a:ext uri="{FF2B5EF4-FFF2-40B4-BE49-F238E27FC236}">
-                <a16:creationId xmlns:a16="http://schemas.microsoft.com/office/drawing/2014/main" xmlns="" id="{09DF8025-61D7-487E-B878-BECE556123CE}"/>
+                <a16:creationId xmlns="" xmlns:a16="http://schemas.microsoft.com/office/drawing/2014/main" id="{09DF8025-61D7-487E-B878-BECE556123CE}"/>
               </a:ext>
             </a:extLst>
           </p:cNvPr>
@@ -8775,7 +8725,7 @@
     </p:spTree>
     <p:extLst>
       <p:ext uri="{BB962C8B-B14F-4D97-AF65-F5344CB8AC3E}">
-        <p14:creationId xmlns:p14="http://schemas.microsoft.com/office/powerpoint/2010/main" xmlns="" val="1934937011"/>
+        <p14:creationId xmlns="" xmlns:p14="http://schemas.microsoft.com/office/powerpoint/2010/main" val="1934937011"/>
       </p:ext>
     </p:extLst>
   </p:cSld>
@@ -9074,7 +9024,7 @@
   <a:extraClrSchemeLst/>
   <a:extLst>
     <a:ext uri="{05A4C25C-085E-4340-85A3-A5531E510DB2}">
-      <thm15:themeFamily xmlns:thm15="http://schemas.microsoft.com/office/thememl/2012/main" xmlns="" name="Office Theme" id="{62F939B6-93AF-4DB8-9C6B-D6C7DFDC589F}" vid="{4A3C46E8-61CC-4603-A589-7422A47A8E4A}"/>
+      <thm15:themeFamily xmlns="" xmlns:thm15="http://schemas.microsoft.com/office/thememl/2012/main" name="Office Theme" id="{62F939B6-93AF-4DB8-9C6B-D6C7DFDC589F}" vid="{4A3C46E8-61CC-4603-A589-7422A47A8E4A}"/>
     </a:ext>
   </a:extLst>
 </a:theme>
@@ -9369,19 +9319,16 @@
   <a:extraClrSchemeLst/>
   <a:extLst>
     <a:ext uri="{05A4C25C-085E-4340-85A3-A5531E510DB2}">
-      <thm15:themeFamily xmlns:thm15="http://schemas.microsoft.com/office/thememl/2012/main" xmlns="" name="Office Theme" id="{62F939B6-93AF-4DB8-9C6B-D6C7DFDC589F}" vid="{4A3C46E8-61CC-4603-A589-7422A47A8E4A}"/>
+      <thm15:themeFamily xmlns="" xmlns:thm15="http://schemas.microsoft.com/office/thememl/2012/main" name="Office Theme" id="{62F939B6-93AF-4DB8-9C6B-D6C7DFDC589F}" vid="{4A3C46E8-61CC-4603-A589-7422A47A8E4A}"/>
     </a:ext>
   </a:extLst>
 </a:theme>
 </file>
 
 <file path=customXml/item1.xml><?xml version="1.0" encoding="utf-8"?>
-<?mso-contentType ?>
-<FormTemplates xmlns="http://schemas.microsoft.com/sharepoint/v3/contenttype/forms">
-  <Display>DocumentLibraryForm</Display>
-  <Edit>DocumentLibraryForm</Edit>
-  <New>DocumentLibraryForm</New>
-</FormTemplates>
+<p:properties xmlns:p="http://schemas.microsoft.com/office/2006/metadata/properties" xmlns:xsi="http://www.w3.org/2001/XMLSchema-instance" xmlns:pc="http://schemas.microsoft.com/office/infopath/2007/PartnerControls">
+  <documentManagement/>
+</p:properties>
 </file>
 
 <file path=customXml/item2.xml><?xml version="1.0" encoding="utf-8"?>
@@ -9523,15 +9470,26 @@
 </file>
 
 <file path=customXml/item3.xml><?xml version="1.0" encoding="utf-8"?>
-<p:properties xmlns:p="http://schemas.microsoft.com/office/2006/metadata/properties" xmlns:xsi="http://www.w3.org/2001/XMLSchema-instance" xmlns:pc="http://schemas.microsoft.com/office/infopath/2007/PartnerControls">
-  <documentManagement/>
-</p:properties>
+<?mso-contentType ?>
+<FormTemplates xmlns="http://schemas.microsoft.com/sharepoint/v3/contenttype/forms">
+  <Display>DocumentLibraryForm</Display>
+  <Edit>DocumentLibraryForm</Edit>
+  <New>DocumentLibraryForm</New>
+</FormTemplates>
 </file>
 
 <file path=customXml/itemProps1.xml><?xml version="1.0" encoding="utf-8"?>
-<ds:datastoreItem xmlns:ds="http://schemas.openxmlformats.org/officeDocument/2006/customXml" ds:itemID="{8D58F66B-F132-4627-A8F1-473C8F1DC658}">
+<ds:datastoreItem xmlns:ds="http://schemas.openxmlformats.org/officeDocument/2006/customXml" ds:itemID="{09818F5F-9A4E-472D-957A-F61DB6A689A1}">
   <ds:schemaRefs>
-    <ds:schemaRef ds:uri="http://schemas.microsoft.com/sharepoint/v3/contenttype/forms"/>
+    <ds:schemaRef ds:uri="http://www.w3.org/XML/1998/namespace"/>
+    <ds:schemaRef ds:uri="http://schemas.microsoft.com/office/2006/metadata/properties"/>
+    <ds:schemaRef ds:uri="http://purl.org/dc/dcmitype/"/>
+    <ds:schemaRef ds:uri="a5770b6f-473e-481d-a1c6-8a0376abbd89"/>
+    <ds:schemaRef ds:uri="http://purl.org/dc/terms/"/>
+    <ds:schemaRef ds:uri="http://schemas.microsoft.com/office/infopath/2007/PartnerControls"/>
+    <ds:schemaRef ds:uri="http://schemas.microsoft.com/office/2006/documentManagement/types"/>
+    <ds:schemaRef ds:uri="http://schemas.openxmlformats.org/package/2006/metadata/core-properties"/>
+    <ds:schemaRef ds:uri="http://purl.org/dc/elements/1.1/"/>
   </ds:schemaRefs>
 </ds:datastoreItem>
 </file>
@@ -9555,17 +9513,9 @@
 </file>
 
 <file path=customXml/itemProps3.xml><?xml version="1.0" encoding="utf-8"?>
-<ds:datastoreItem xmlns:ds="http://schemas.openxmlformats.org/officeDocument/2006/customXml" ds:itemID="{09818F5F-9A4E-472D-957A-F61DB6A689A1}">
+<ds:datastoreItem xmlns:ds="http://schemas.openxmlformats.org/officeDocument/2006/customXml" ds:itemID="{8D58F66B-F132-4627-A8F1-473C8F1DC658}">
   <ds:schemaRefs>
-    <ds:schemaRef ds:uri="http://www.w3.org/XML/1998/namespace"/>
-    <ds:schemaRef ds:uri="http://schemas.microsoft.com/office/2006/metadata/properties"/>
-    <ds:schemaRef ds:uri="http://purl.org/dc/dcmitype/"/>
-    <ds:schemaRef ds:uri="a5770b6f-473e-481d-a1c6-8a0376abbd89"/>
-    <ds:schemaRef ds:uri="http://purl.org/dc/terms/"/>
-    <ds:schemaRef ds:uri="http://schemas.microsoft.com/office/infopath/2007/PartnerControls"/>
-    <ds:schemaRef ds:uri="http://schemas.microsoft.com/office/2006/documentManagement/types"/>
-    <ds:schemaRef ds:uri="http://schemas.openxmlformats.org/package/2006/metadata/core-properties"/>
-    <ds:schemaRef ds:uri="http://purl.org/dc/elements/1.1/"/>
+    <ds:schemaRef ds:uri="http://schemas.microsoft.com/sharepoint/v3/contenttype/forms"/>
   </ds:schemaRefs>
 </ds:datastoreItem>
 </file>
--- a/GolangConcurency.pptx
+++ b/GolangConcurency.pptx
@@ -123,7 +123,7 @@
   </p:defaultTextStyle>
   <p:extLst>
     <p:ext uri="{521415D9-36F7-43E2-AB2F-B90AF26B5E84}">
-      <p14:sectionLst xmlns="" xmlns:p14="http://schemas.microsoft.com/office/powerpoint/2010/main">
+      <p14:sectionLst xmlns:p14="http://schemas.microsoft.com/office/powerpoint/2010/main">
         <p14:section name="Introduction" id="{53D9EADD-8752-4C05-9F62-8DF6D7C58F99}">
           <p14:sldIdLst>
             <p14:sldId id="256"/>
@@ -134,7 +134,12 @@
             <p14:sldId id="323"/>
             <p14:sldId id="324"/>
             <p14:sldId id="325"/>
+            <p14:sldId id="331"/>
+            <p14:sldId id="327"/>
             <p14:sldId id="326"/>
+            <p14:sldId id="328"/>
+            <p14:sldId id="329"/>
+            <p14:sldId id="330"/>
           </p14:sldIdLst>
         </p14:section>
         <p14:section name="Summary" id="{B6A0A644-47C2-48A4-AD14-D633EDD6C7CF}">
@@ -145,7 +150,18 @@
       </p14:sectionLst>
     </p:ext>
     <p:ext uri="{EFAFB233-063F-42B5-8137-9DF3F51BA10A}">
-      <p15:sldGuideLst xmlns="" xmlns:p15="http://schemas.microsoft.com/office/powerpoint/2012/main"/>
+      <p15:sldGuideLst xmlns:p15="http://schemas.microsoft.com/office/powerpoint/2012/main">
+        <p15:guide id="1" orient="horz" pos="2160">
+          <p15:clr>
+            <a:srgbClr val="A4A3A4"/>
+          </p15:clr>
+        </p15:guide>
+        <p15:guide id="2" pos="3840">
+          <p15:clr>
+            <a:srgbClr val="A4A3A4"/>
+          </p15:clr>
+        </p15:guide>
+      </p15:sldGuideLst>
     </p:ext>
   </p:extLst>
 </p:presentation>
@@ -156,7 +172,7 @@
   <p:cmAuthor id="1" name="MICHAEL GONG (DSCOE-ISD-OOCLL/ZHA)" initials="MG(" lastIdx="1" clrIdx="0">
     <p:extLst>
       <p:ext uri="{19B8F6BF-5375-455C-9EA6-DF929625EA0E}">
-        <p15:presenceInfo xmlns="" xmlns:p15="http://schemas.microsoft.com/office/powerpoint/2012/main" userId="S-1-5-21-2065039802-622210664-899889007-132009" providerId="AD"/>
+        <p15:presenceInfo xmlns:p15="http://schemas.microsoft.com/office/powerpoint/2012/main" userId="S-1-5-21-2065039802-622210664-899889007-132009" providerId="AD"/>
       </p:ext>
     </p:extLst>
   </p:cmAuthor>
@@ -246,7 +262,7 @@
             <a:fld id="{81A7F5E0-26D3-4F44-BD3F-0851D1E00D07}" type="datetimeFigureOut">
               <a:rPr lang="en-US" smtClean="0"/>
               <a:pPr/>
-              <a:t>11/12/2018</a:t>
+              <a:t>11/13/2018</a:t>
             </a:fld>
             <a:endParaRPr lang="en-US"/>
           </a:p>
@@ -414,7 +430,7 @@
     </p:spTree>
     <p:extLst>
       <p:ext uri="{BB962C8B-B14F-4D97-AF65-F5344CB8AC3E}">
-        <p14:creationId xmlns="" xmlns:p14="http://schemas.microsoft.com/office/powerpoint/2010/main" val="3511084736"/>
+        <p14:creationId xmlns:p14="http://schemas.microsoft.com/office/powerpoint/2010/main" val="3511084736"/>
       </p:ext>
     </p:extLst>
   </p:cSld>
@@ -589,7 +605,7 @@
     </p:spTree>
     <p:extLst>
       <p:ext uri="{BB962C8B-B14F-4D97-AF65-F5344CB8AC3E}">
-        <p14:creationId xmlns="" xmlns:p14="http://schemas.microsoft.com/office/powerpoint/2010/main" val="1504085620"/>
+        <p14:creationId xmlns:p14="http://schemas.microsoft.com/office/powerpoint/2010/main" val="1504085620"/>
       </p:ext>
     </p:extLst>
   </p:cSld>
@@ -674,7 +690,7 @@
     </p:spTree>
     <p:extLst>
       <p:ext uri="{BB962C8B-B14F-4D97-AF65-F5344CB8AC3E}">
-        <p14:creationId xmlns="" xmlns:p14="http://schemas.microsoft.com/office/powerpoint/2010/main" val="3843752410"/>
+        <p14:creationId xmlns:p14="http://schemas.microsoft.com/office/powerpoint/2010/main" val="3843752410"/>
       </p:ext>
     </p:extLst>
   </p:cSld>
@@ -759,7 +775,7 @@
     </p:spTree>
     <p:extLst>
       <p:ext uri="{BB962C8B-B14F-4D97-AF65-F5344CB8AC3E}">
-        <p14:creationId xmlns="" xmlns:p14="http://schemas.microsoft.com/office/powerpoint/2010/main" val="3843752410"/>
+        <p14:creationId xmlns:p14="http://schemas.microsoft.com/office/powerpoint/2010/main" val="3843752410"/>
       </p:ext>
     </p:extLst>
   </p:cSld>
@@ -844,7 +860,7 @@
     </p:spTree>
     <p:extLst>
       <p:ext uri="{BB962C8B-B14F-4D97-AF65-F5344CB8AC3E}">
-        <p14:creationId xmlns="" xmlns:p14="http://schemas.microsoft.com/office/powerpoint/2010/main" val="3843752410"/>
+        <p14:creationId xmlns:p14="http://schemas.microsoft.com/office/powerpoint/2010/main" val="3843752410"/>
       </p:ext>
     </p:extLst>
   </p:cSld>
@@ -929,7 +945,7 @@
     </p:spTree>
     <p:extLst>
       <p:ext uri="{BB962C8B-B14F-4D97-AF65-F5344CB8AC3E}">
-        <p14:creationId xmlns="" xmlns:p14="http://schemas.microsoft.com/office/powerpoint/2010/main" val="3843752410"/>
+        <p14:creationId xmlns:p14="http://schemas.microsoft.com/office/powerpoint/2010/main" val="3843752410"/>
       </p:ext>
     </p:extLst>
   </p:cSld>
@@ -1014,7 +1030,7 @@
     </p:spTree>
     <p:extLst>
       <p:ext uri="{BB962C8B-B14F-4D97-AF65-F5344CB8AC3E}">
-        <p14:creationId xmlns="" xmlns:p14="http://schemas.microsoft.com/office/powerpoint/2010/main" val="2905436193"/>
+        <p14:creationId xmlns:p14="http://schemas.microsoft.com/office/powerpoint/2010/main" val="2905436193"/>
       </p:ext>
     </p:extLst>
   </p:cSld>
@@ -1099,7 +1115,7 @@
     </p:spTree>
     <p:extLst>
       <p:ext uri="{BB962C8B-B14F-4D97-AF65-F5344CB8AC3E}">
-        <p14:creationId xmlns="" xmlns:p14="http://schemas.microsoft.com/office/powerpoint/2010/main" val="1236732504"/>
+        <p14:creationId xmlns:p14="http://schemas.microsoft.com/office/powerpoint/2010/main" val="1236732504"/>
       </p:ext>
     </p:extLst>
   </p:cSld>
@@ -1184,7 +1200,7 @@
     </p:spTree>
     <p:extLst>
       <p:ext uri="{BB962C8B-B14F-4D97-AF65-F5344CB8AC3E}">
-        <p14:creationId xmlns="" xmlns:p14="http://schemas.microsoft.com/office/powerpoint/2010/main" val="2279340415"/>
+        <p14:creationId xmlns:p14="http://schemas.microsoft.com/office/powerpoint/2010/main" val="2279340415"/>
       </p:ext>
     </p:extLst>
   </p:cSld>
@@ -1269,7 +1285,7 @@
     </p:spTree>
     <p:extLst>
       <p:ext uri="{BB962C8B-B14F-4D97-AF65-F5344CB8AC3E}">
-        <p14:creationId xmlns="" xmlns:p14="http://schemas.microsoft.com/office/powerpoint/2010/main" val="151475752"/>
+        <p14:creationId xmlns:p14="http://schemas.microsoft.com/office/powerpoint/2010/main" val="151475752"/>
       </p:ext>
     </p:extLst>
   </p:cSld>
@@ -1354,7 +1370,7 @@
     </p:spTree>
     <p:extLst>
       <p:ext uri="{BB962C8B-B14F-4D97-AF65-F5344CB8AC3E}">
-        <p14:creationId xmlns="" xmlns:p14="http://schemas.microsoft.com/office/powerpoint/2010/main" val="4142781396"/>
+        <p14:creationId xmlns:p14="http://schemas.microsoft.com/office/powerpoint/2010/main" val="4142781396"/>
       </p:ext>
     </p:extLst>
   </p:cSld>
@@ -1439,7 +1455,7 @@
     </p:spTree>
     <p:extLst>
       <p:ext uri="{BB962C8B-B14F-4D97-AF65-F5344CB8AC3E}">
-        <p14:creationId xmlns="" xmlns:p14="http://schemas.microsoft.com/office/powerpoint/2010/main" val="2925099622"/>
+        <p14:creationId xmlns:p14="http://schemas.microsoft.com/office/powerpoint/2010/main" val="2925099622"/>
       </p:ext>
     </p:extLst>
   </p:cSld>
@@ -1524,7 +1540,7 @@
     </p:spTree>
     <p:extLst>
       <p:ext uri="{BB962C8B-B14F-4D97-AF65-F5344CB8AC3E}">
-        <p14:creationId xmlns="" xmlns:p14="http://schemas.microsoft.com/office/powerpoint/2010/main" val="839460708"/>
+        <p14:creationId xmlns:p14="http://schemas.microsoft.com/office/powerpoint/2010/main" val="839460708"/>
       </p:ext>
     </p:extLst>
   </p:cSld>
@@ -1609,7 +1625,7 @@
     </p:spTree>
     <p:extLst>
       <p:ext uri="{BB962C8B-B14F-4D97-AF65-F5344CB8AC3E}">
-        <p14:creationId xmlns="" xmlns:p14="http://schemas.microsoft.com/office/powerpoint/2010/main" val="839460708"/>
+        <p14:creationId xmlns:p14="http://schemas.microsoft.com/office/powerpoint/2010/main" val="839460708"/>
       </p:ext>
     </p:extLst>
   </p:cSld>
@@ -1694,7 +1710,7 @@
     </p:spTree>
     <p:extLst>
       <p:ext uri="{BB962C8B-B14F-4D97-AF65-F5344CB8AC3E}">
-        <p14:creationId xmlns="" xmlns:p14="http://schemas.microsoft.com/office/powerpoint/2010/main" val="839460708"/>
+        <p14:creationId xmlns:p14="http://schemas.microsoft.com/office/powerpoint/2010/main" val="839460708"/>
       </p:ext>
     </p:extLst>
   </p:cSld>
@@ -1726,7 +1742,7 @@
           <p:cNvPr id="2" name="Title 1">
             <a:extLst>
               <a:ext uri="{FF2B5EF4-FFF2-40B4-BE49-F238E27FC236}">
-                <a16:creationId xmlns="" xmlns:a16="http://schemas.microsoft.com/office/drawing/2014/main" id="{EFF1F054-5F26-423F-A5DD-9C54CE0A2AE9}"/>
+                <a16:creationId xmlns:a16="http://schemas.microsoft.com/office/drawing/2014/main" id="{EFF1F054-5F26-423F-A5DD-9C54CE0A2AE9}"/>
               </a:ext>
             </a:extLst>
           </p:cNvPr>
@@ -1763,7 +1779,7 @@
           <p:cNvPr id="3" name="Subtitle 2">
             <a:extLst>
               <a:ext uri="{FF2B5EF4-FFF2-40B4-BE49-F238E27FC236}">
-                <a16:creationId xmlns="" xmlns:a16="http://schemas.microsoft.com/office/drawing/2014/main" id="{3BB2565F-9609-400E-9E2E-E6259786714D}"/>
+                <a16:creationId xmlns:a16="http://schemas.microsoft.com/office/drawing/2014/main" id="{3BB2565F-9609-400E-9E2E-E6259786714D}"/>
               </a:ext>
             </a:extLst>
           </p:cNvPr>
@@ -1833,7 +1849,7 @@
           <p:cNvPr id="4" name="Date Placeholder 3">
             <a:extLst>
               <a:ext uri="{FF2B5EF4-FFF2-40B4-BE49-F238E27FC236}">
-                <a16:creationId xmlns="" xmlns:a16="http://schemas.microsoft.com/office/drawing/2014/main" id="{EDA6FF66-933D-47F1-A95A-74DB940C384A}"/>
+                <a16:creationId xmlns:a16="http://schemas.microsoft.com/office/drawing/2014/main" id="{EDA6FF66-933D-47F1-A95A-74DB940C384A}"/>
               </a:ext>
             </a:extLst>
           </p:cNvPr>
@@ -1852,7 +1868,7 @@
             <a:fld id="{B8159077-EF48-40E3-BF6E-366926B30A93}" type="datetimeFigureOut">
               <a:rPr lang="en-US" smtClean="0"/>
               <a:pPr/>
-              <a:t>11/12/2018</a:t>
+              <a:t>11/13/2018</a:t>
             </a:fld>
             <a:endParaRPr lang="en-US"/>
           </a:p>
@@ -1863,7 +1879,7 @@
           <p:cNvPr id="5" name="Footer Placeholder 4">
             <a:extLst>
               <a:ext uri="{FF2B5EF4-FFF2-40B4-BE49-F238E27FC236}">
-                <a16:creationId xmlns="" xmlns:a16="http://schemas.microsoft.com/office/drawing/2014/main" id="{89B5FEE5-1B4A-4EFE-B89E-F2559B365D40}"/>
+                <a16:creationId xmlns:a16="http://schemas.microsoft.com/office/drawing/2014/main" id="{89B5FEE5-1B4A-4EFE-B89E-F2559B365D40}"/>
               </a:ext>
             </a:extLst>
           </p:cNvPr>
@@ -1888,7 +1904,7 @@
           <p:cNvPr id="6" name="Slide Number Placeholder 5">
             <a:extLst>
               <a:ext uri="{FF2B5EF4-FFF2-40B4-BE49-F238E27FC236}">
-                <a16:creationId xmlns="" xmlns:a16="http://schemas.microsoft.com/office/drawing/2014/main" id="{C0D5733D-C7BB-4CC1-850C-DD54586BBBA5}"/>
+                <a16:creationId xmlns:a16="http://schemas.microsoft.com/office/drawing/2014/main" id="{C0D5733D-C7BB-4CC1-850C-DD54586BBBA5}"/>
               </a:ext>
             </a:extLst>
           </p:cNvPr>
@@ -1918,7 +1934,7 @@
           <p:cNvPr id="7" name="Straight Connector 6">
             <a:extLst>
               <a:ext uri="{FF2B5EF4-FFF2-40B4-BE49-F238E27FC236}">
-                <a16:creationId xmlns="" xmlns:a16="http://schemas.microsoft.com/office/drawing/2014/main" id="{3EA4CAC6-7389-48ED-AC06-BFADD41551D5}"/>
+                <a16:creationId xmlns:a16="http://schemas.microsoft.com/office/drawing/2014/main" id="{3EA4CAC6-7389-48ED-AC06-BFADD41551D5}"/>
               </a:ext>
             </a:extLst>
           </p:cNvPr>
@@ -1956,7 +1972,7 @@
           <p:cNvPr id="9" name="TextBox 8">
             <a:extLst>
               <a:ext uri="{FF2B5EF4-FFF2-40B4-BE49-F238E27FC236}">
-                <a16:creationId xmlns="" xmlns:a16="http://schemas.microsoft.com/office/drawing/2014/main" id="{67F2ADF3-F7F8-4087-858A-6F66D508D87C}"/>
+                <a16:creationId xmlns:a16="http://schemas.microsoft.com/office/drawing/2014/main" id="{67F2ADF3-F7F8-4087-858A-6F66D508D87C}"/>
               </a:ext>
             </a:extLst>
           </p:cNvPr>
@@ -2004,7 +2020,7 @@
     </p:spTree>
     <p:extLst>
       <p:ext uri="{BB962C8B-B14F-4D97-AF65-F5344CB8AC3E}">
-        <p14:creationId xmlns="" xmlns:p14="http://schemas.microsoft.com/office/powerpoint/2010/main" val="37654009"/>
+        <p14:creationId xmlns:p14="http://schemas.microsoft.com/office/powerpoint/2010/main" val="37654009"/>
       </p:ext>
     </p:extLst>
   </p:cSld>
@@ -2036,7 +2052,7 @@
           <p:cNvPr id="2" name="Title 1">
             <a:extLst>
               <a:ext uri="{FF2B5EF4-FFF2-40B4-BE49-F238E27FC236}">
-                <a16:creationId xmlns="" xmlns:a16="http://schemas.microsoft.com/office/drawing/2014/main" id="{D578F509-E66E-42C7-B414-DEDB8CB0009A}"/>
+                <a16:creationId xmlns:a16="http://schemas.microsoft.com/office/drawing/2014/main" id="{D578F509-E66E-42C7-B414-DEDB8CB0009A}"/>
               </a:ext>
             </a:extLst>
           </p:cNvPr>
@@ -2064,7 +2080,7 @@
           <p:cNvPr id="3" name="Vertical Text Placeholder 2">
             <a:extLst>
               <a:ext uri="{FF2B5EF4-FFF2-40B4-BE49-F238E27FC236}">
-                <a16:creationId xmlns="" xmlns:a16="http://schemas.microsoft.com/office/drawing/2014/main" id="{39FD8C8D-EF98-470B-8FD0-A9BB0450B149}"/>
+                <a16:creationId xmlns:a16="http://schemas.microsoft.com/office/drawing/2014/main" id="{39FD8C8D-EF98-470B-8FD0-A9BB0450B149}"/>
               </a:ext>
             </a:extLst>
           </p:cNvPr>
@@ -2121,7 +2137,7 @@
           <p:cNvPr id="4" name="Date Placeholder 3">
             <a:extLst>
               <a:ext uri="{FF2B5EF4-FFF2-40B4-BE49-F238E27FC236}">
-                <a16:creationId xmlns="" xmlns:a16="http://schemas.microsoft.com/office/drawing/2014/main" id="{0600363F-FFE9-4A83-A47C-7B025E73A7D3}"/>
+                <a16:creationId xmlns:a16="http://schemas.microsoft.com/office/drawing/2014/main" id="{0600363F-FFE9-4A83-A47C-7B025E73A7D3}"/>
               </a:ext>
             </a:extLst>
           </p:cNvPr>
@@ -2140,7 +2156,7 @@
             <a:fld id="{B8159077-EF48-40E3-BF6E-366926B30A93}" type="datetimeFigureOut">
               <a:rPr lang="en-US" smtClean="0"/>
               <a:pPr/>
-              <a:t>11/12/2018</a:t>
+              <a:t>11/13/2018</a:t>
             </a:fld>
             <a:endParaRPr lang="en-US"/>
           </a:p>
@@ -2151,7 +2167,7 @@
           <p:cNvPr id="5" name="Footer Placeholder 4">
             <a:extLst>
               <a:ext uri="{FF2B5EF4-FFF2-40B4-BE49-F238E27FC236}">
-                <a16:creationId xmlns="" xmlns:a16="http://schemas.microsoft.com/office/drawing/2014/main" id="{2639756C-4793-47FF-AF0E-A346FA4D9F5A}"/>
+                <a16:creationId xmlns:a16="http://schemas.microsoft.com/office/drawing/2014/main" id="{2639756C-4793-47FF-AF0E-A346FA4D9F5A}"/>
               </a:ext>
             </a:extLst>
           </p:cNvPr>
@@ -2176,7 +2192,7 @@
           <p:cNvPr id="6" name="Slide Number Placeholder 5">
             <a:extLst>
               <a:ext uri="{FF2B5EF4-FFF2-40B4-BE49-F238E27FC236}">
-                <a16:creationId xmlns="" xmlns:a16="http://schemas.microsoft.com/office/drawing/2014/main" id="{55698755-6A6A-4B66-94EC-81D56DA8E372}"/>
+                <a16:creationId xmlns:a16="http://schemas.microsoft.com/office/drawing/2014/main" id="{55698755-6A6A-4B66-94EC-81D56DA8E372}"/>
               </a:ext>
             </a:extLst>
           </p:cNvPr>
@@ -2204,7 +2220,7 @@
     </p:spTree>
     <p:extLst>
       <p:ext uri="{BB962C8B-B14F-4D97-AF65-F5344CB8AC3E}">
-        <p14:creationId xmlns="" xmlns:p14="http://schemas.microsoft.com/office/powerpoint/2010/main" val="74609242"/>
+        <p14:creationId xmlns:p14="http://schemas.microsoft.com/office/powerpoint/2010/main" val="74609242"/>
       </p:ext>
     </p:extLst>
   </p:cSld>
@@ -2236,7 +2252,7 @@
           <p:cNvPr id="2" name="Vertical Title 1">
             <a:extLst>
               <a:ext uri="{FF2B5EF4-FFF2-40B4-BE49-F238E27FC236}">
-                <a16:creationId xmlns="" xmlns:a16="http://schemas.microsoft.com/office/drawing/2014/main" id="{02A87FEF-54B8-4489-85DC-D98FE6F28050}"/>
+                <a16:creationId xmlns:a16="http://schemas.microsoft.com/office/drawing/2014/main" id="{02A87FEF-54B8-4489-85DC-D98FE6F28050}"/>
               </a:ext>
             </a:extLst>
           </p:cNvPr>
@@ -2269,7 +2285,7 @@
           <p:cNvPr id="3" name="Vertical Text Placeholder 2">
             <a:extLst>
               <a:ext uri="{FF2B5EF4-FFF2-40B4-BE49-F238E27FC236}">
-                <a16:creationId xmlns="" xmlns:a16="http://schemas.microsoft.com/office/drawing/2014/main" id="{8B71D077-BD07-4382-8E63-59488FFCA8D5}"/>
+                <a16:creationId xmlns:a16="http://schemas.microsoft.com/office/drawing/2014/main" id="{8B71D077-BD07-4382-8E63-59488FFCA8D5}"/>
               </a:ext>
             </a:extLst>
           </p:cNvPr>
@@ -2331,7 +2347,7 @@
           <p:cNvPr id="4" name="Date Placeholder 3">
             <a:extLst>
               <a:ext uri="{FF2B5EF4-FFF2-40B4-BE49-F238E27FC236}">
-                <a16:creationId xmlns="" xmlns:a16="http://schemas.microsoft.com/office/drawing/2014/main" id="{9B481C67-9B19-4A17-87AF-47D2816A63D2}"/>
+                <a16:creationId xmlns:a16="http://schemas.microsoft.com/office/drawing/2014/main" id="{9B481C67-9B19-4A17-87AF-47D2816A63D2}"/>
               </a:ext>
             </a:extLst>
           </p:cNvPr>
@@ -2350,7 +2366,7 @@
             <a:fld id="{B8159077-EF48-40E3-BF6E-366926B30A93}" type="datetimeFigureOut">
               <a:rPr lang="en-US" smtClean="0"/>
               <a:pPr/>
-              <a:t>11/12/2018</a:t>
+              <a:t>11/13/2018</a:t>
             </a:fld>
             <a:endParaRPr lang="en-US"/>
           </a:p>
@@ -2361,7 +2377,7 @@
           <p:cNvPr id="5" name="Footer Placeholder 4">
             <a:extLst>
               <a:ext uri="{FF2B5EF4-FFF2-40B4-BE49-F238E27FC236}">
-                <a16:creationId xmlns="" xmlns:a16="http://schemas.microsoft.com/office/drawing/2014/main" id="{9AB74035-BE1F-4B6A-A757-0A3BEBC07ECF}"/>
+                <a16:creationId xmlns:a16="http://schemas.microsoft.com/office/drawing/2014/main" id="{9AB74035-BE1F-4B6A-A757-0A3BEBC07ECF}"/>
               </a:ext>
             </a:extLst>
           </p:cNvPr>
@@ -2386,7 +2402,7 @@
           <p:cNvPr id="6" name="Slide Number Placeholder 5">
             <a:extLst>
               <a:ext uri="{FF2B5EF4-FFF2-40B4-BE49-F238E27FC236}">
-                <a16:creationId xmlns="" xmlns:a16="http://schemas.microsoft.com/office/drawing/2014/main" id="{FC371FF7-26AC-4666-A6E2-B9A9C931F17E}"/>
+                <a16:creationId xmlns:a16="http://schemas.microsoft.com/office/drawing/2014/main" id="{FC371FF7-26AC-4666-A6E2-B9A9C931F17E}"/>
               </a:ext>
             </a:extLst>
           </p:cNvPr>
@@ -2414,7 +2430,7 @@
     </p:spTree>
     <p:extLst>
       <p:ext uri="{BB962C8B-B14F-4D97-AF65-F5344CB8AC3E}">
-        <p14:creationId xmlns="" xmlns:p14="http://schemas.microsoft.com/office/powerpoint/2010/main" val="327360313"/>
+        <p14:creationId xmlns:p14="http://schemas.microsoft.com/office/powerpoint/2010/main" val="327360313"/>
       </p:ext>
     </p:extLst>
   </p:cSld>
@@ -2446,7 +2462,7 @@
           <p:cNvPr id="2" name="Title 1">
             <a:extLst>
               <a:ext uri="{FF2B5EF4-FFF2-40B4-BE49-F238E27FC236}">
-                <a16:creationId xmlns="" xmlns:a16="http://schemas.microsoft.com/office/drawing/2014/main" id="{11EFF147-8305-4C8C-86F1-D856EBBAF7C2}"/>
+                <a16:creationId xmlns:a16="http://schemas.microsoft.com/office/drawing/2014/main" id="{11EFF147-8305-4C8C-86F1-D856EBBAF7C2}"/>
               </a:ext>
             </a:extLst>
           </p:cNvPr>
@@ -2474,7 +2490,7 @@
           <p:cNvPr id="3" name="Content Placeholder 2">
             <a:extLst>
               <a:ext uri="{FF2B5EF4-FFF2-40B4-BE49-F238E27FC236}">
-                <a16:creationId xmlns="" xmlns:a16="http://schemas.microsoft.com/office/drawing/2014/main" id="{05BB0835-3F9B-44C7-A1E0-BB6A820FB090}"/>
+                <a16:creationId xmlns:a16="http://schemas.microsoft.com/office/drawing/2014/main" id="{05BB0835-3F9B-44C7-A1E0-BB6A820FB090}"/>
               </a:ext>
             </a:extLst>
           </p:cNvPr>
@@ -2531,7 +2547,7 @@
           <p:cNvPr id="4" name="Date Placeholder 3">
             <a:extLst>
               <a:ext uri="{FF2B5EF4-FFF2-40B4-BE49-F238E27FC236}">
-                <a16:creationId xmlns="" xmlns:a16="http://schemas.microsoft.com/office/drawing/2014/main" id="{6B8082C4-E0B0-4F75-9A71-E46836F54912}"/>
+                <a16:creationId xmlns:a16="http://schemas.microsoft.com/office/drawing/2014/main" id="{6B8082C4-E0B0-4F75-9A71-E46836F54912}"/>
               </a:ext>
             </a:extLst>
           </p:cNvPr>
@@ -2550,7 +2566,7 @@
             <a:fld id="{B8159077-EF48-40E3-BF6E-366926B30A93}" type="datetimeFigureOut">
               <a:rPr lang="en-US" smtClean="0"/>
               <a:pPr/>
-              <a:t>11/12/2018</a:t>
+              <a:t>11/13/2018</a:t>
             </a:fld>
             <a:endParaRPr lang="en-US"/>
           </a:p>
@@ -2561,7 +2577,7 @@
           <p:cNvPr id="5" name="Footer Placeholder 4">
             <a:extLst>
               <a:ext uri="{FF2B5EF4-FFF2-40B4-BE49-F238E27FC236}">
-                <a16:creationId xmlns="" xmlns:a16="http://schemas.microsoft.com/office/drawing/2014/main" id="{6C2526BA-4562-4167-9CC0-13E0F1E07ED2}"/>
+                <a16:creationId xmlns:a16="http://schemas.microsoft.com/office/drawing/2014/main" id="{6C2526BA-4562-4167-9CC0-13E0F1E07ED2}"/>
               </a:ext>
             </a:extLst>
           </p:cNvPr>
@@ -2586,7 +2602,7 @@
           <p:cNvPr id="6" name="Slide Number Placeholder 5">
             <a:extLst>
               <a:ext uri="{FF2B5EF4-FFF2-40B4-BE49-F238E27FC236}">
-                <a16:creationId xmlns="" xmlns:a16="http://schemas.microsoft.com/office/drawing/2014/main" id="{54DC031C-236C-4C79-B203-6266D585985E}"/>
+                <a16:creationId xmlns:a16="http://schemas.microsoft.com/office/drawing/2014/main" id="{54DC031C-236C-4C79-B203-6266D585985E}"/>
               </a:ext>
             </a:extLst>
           </p:cNvPr>
@@ -2616,7 +2632,7 @@
           <p:cNvPr id="7" name="Straight Connector 6">
             <a:extLst>
               <a:ext uri="{FF2B5EF4-FFF2-40B4-BE49-F238E27FC236}">
-                <a16:creationId xmlns="" xmlns:a16="http://schemas.microsoft.com/office/drawing/2014/main" id="{EBA1F678-17D0-4A24-BC8C-596209B8A706}"/>
+                <a16:creationId xmlns:a16="http://schemas.microsoft.com/office/drawing/2014/main" id="{EBA1F678-17D0-4A24-BC8C-596209B8A706}"/>
               </a:ext>
             </a:extLst>
           </p:cNvPr>
@@ -2652,7 +2668,7 @@
     </p:spTree>
     <p:extLst>
       <p:ext uri="{BB962C8B-B14F-4D97-AF65-F5344CB8AC3E}">
-        <p14:creationId xmlns="" xmlns:p14="http://schemas.microsoft.com/office/powerpoint/2010/main" val="2709948559"/>
+        <p14:creationId xmlns:p14="http://schemas.microsoft.com/office/powerpoint/2010/main" val="2709948559"/>
       </p:ext>
     </p:extLst>
   </p:cSld>
@@ -2684,7 +2700,7 @@
           <p:cNvPr id="2" name="Title 1">
             <a:extLst>
               <a:ext uri="{FF2B5EF4-FFF2-40B4-BE49-F238E27FC236}">
-                <a16:creationId xmlns="" xmlns:a16="http://schemas.microsoft.com/office/drawing/2014/main" id="{9C77E9F5-987F-47D7-A80F-63B190B6C256}"/>
+                <a16:creationId xmlns:a16="http://schemas.microsoft.com/office/drawing/2014/main" id="{9C77E9F5-987F-47D7-A80F-63B190B6C256}"/>
               </a:ext>
             </a:extLst>
           </p:cNvPr>
@@ -2721,7 +2737,7 @@
           <p:cNvPr id="3" name="Text Placeholder 2">
             <a:extLst>
               <a:ext uri="{FF2B5EF4-FFF2-40B4-BE49-F238E27FC236}">
-                <a16:creationId xmlns="" xmlns:a16="http://schemas.microsoft.com/office/drawing/2014/main" id="{57A6DF7C-9109-464F-B881-82FA2A8012B7}"/>
+                <a16:creationId xmlns:a16="http://schemas.microsoft.com/office/drawing/2014/main" id="{57A6DF7C-9109-464F-B881-82FA2A8012B7}"/>
               </a:ext>
             </a:extLst>
           </p:cNvPr>
@@ -2846,7 +2862,7 @@
           <p:cNvPr id="4" name="Date Placeholder 3">
             <a:extLst>
               <a:ext uri="{FF2B5EF4-FFF2-40B4-BE49-F238E27FC236}">
-                <a16:creationId xmlns="" xmlns:a16="http://schemas.microsoft.com/office/drawing/2014/main" id="{2535BF5B-AF99-4CBF-AE0A-75C40BE9E0C1}"/>
+                <a16:creationId xmlns:a16="http://schemas.microsoft.com/office/drawing/2014/main" id="{2535BF5B-AF99-4CBF-AE0A-75C40BE9E0C1}"/>
               </a:ext>
             </a:extLst>
           </p:cNvPr>
@@ -2865,7 +2881,7 @@
             <a:fld id="{B8159077-EF48-40E3-BF6E-366926B30A93}" type="datetimeFigureOut">
               <a:rPr lang="en-US" smtClean="0"/>
               <a:pPr/>
-              <a:t>11/12/2018</a:t>
+              <a:t>11/13/2018</a:t>
             </a:fld>
             <a:endParaRPr lang="en-US"/>
           </a:p>
@@ -2876,7 +2892,7 @@
           <p:cNvPr id="5" name="Footer Placeholder 4">
             <a:extLst>
               <a:ext uri="{FF2B5EF4-FFF2-40B4-BE49-F238E27FC236}">
-                <a16:creationId xmlns="" xmlns:a16="http://schemas.microsoft.com/office/drawing/2014/main" id="{E8645BFB-2055-42FB-AC89-BE1785D9BE1E}"/>
+                <a16:creationId xmlns:a16="http://schemas.microsoft.com/office/drawing/2014/main" id="{E8645BFB-2055-42FB-AC89-BE1785D9BE1E}"/>
               </a:ext>
             </a:extLst>
           </p:cNvPr>
@@ -2901,7 +2917,7 @@
           <p:cNvPr id="6" name="Slide Number Placeholder 5">
             <a:extLst>
               <a:ext uri="{FF2B5EF4-FFF2-40B4-BE49-F238E27FC236}">
-                <a16:creationId xmlns="" xmlns:a16="http://schemas.microsoft.com/office/drawing/2014/main" id="{3F95587E-758E-438B-84A0-1497D6C924FD}"/>
+                <a16:creationId xmlns:a16="http://schemas.microsoft.com/office/drawing/2014/main" id="{3F95587E-758E-438B-84A0-1497D6C924FD}"/>
               </a:ext>
             </a:extLst>
           </p:cNvPr>
@@ -2931,7 +2947,7 @@
           <p:cNvPr id="7" name="Straight Connector 6">
             <a:extLst>
               <a:ext uri="{FF2B5EF4-FFF2-40B4-BE49-F238E27FC236}">
-                <a16:creationId xmlns="" xmlns:a16="http://schemas.microsoft.com/office/drawing/2014/main" id="{EC3CA79F-75C6-44C0-8E41-48A8B125B502}"/>
+                <a16:creationId xmlns:a16="http://schemas.microsoft.com/office/drawing/2014/main" id="{EC3CA79F-75C6-44C0-8E41-48A8B125B502}"/>
               </a:ext>
             </a:extLst>
           </p:cNvPr>
@@ -2967,7 +2983,7 @@
     </p:spTree>
     <p:extLst>
       <p:ext uri="{BB962C8B-B14F-4D97-AF65-F5344CB8AC3E}">
-        <p14:creationId xmlns="" xmlns:p14="http://schemas.microsoft.com/office/powerpoint/2010/main" val="1251077641"/>
+        <p14:creationId xmlns:p14="http://schemas.microsoft.com/office/powerpoint/2010/main" val="1251077641"/>
       </p:ext>
     </p:extLst>
   </p:cSld>
@@ -2999,7 +3015,7 @@
           <p:cNvPr id="2" name="Title 1">
             <a:extLst>
               <a:ext uri="{FF2B5EF4-FFF2-40B4-BE49-F238E27FC236}">
-                <a16:creationId xmlns="" xmlns:a16="http://schemas.microsoft.com/office/drawing/2014/main" id="{3DA31CFB-0F52-4EF9-A70F-4C8567F61C44}"/>
+                <a16:creationId xmlns:a16="http://schemas.microsoft.com/office/drawing/2014/main" id="{3DA31CFB-0F52-4EF9-A70F-4C8567F61C44}"/>
               </a:ext>
             </a:extLst>
           </p:cNvPr>
@@ -3027,7 +3043,7 @@
           <p:cNvPr id="3" name="Content Placeholder 2">
             <a:extLst>
               <a:ext uri="{FF2B5EF4-FFF2-40B4-BE49-F238E27FC236}">
-                <a16:creationId xmlns="" xmlns:a16="http://schemas.microsoft.com/office/drawing/2014/main" id="{0E4BACCB-8876-41D5-A33E-3FF0D5DA1899}"/>
+                <a16:creationId xmlns:a16="http://schemas.microsoft.com/office/drawing/2014/main" id="{0E4BACCB-8876-41D5-A33E-3FF0D5DA1899}"/>
               </a:ext>
             </a:extLst>
           </p:cNvPr>
@@ -3089,7 +3105,7 @@
           <p:cNvPr id="4" name="Content Placeholder 3">
             <a:extLst>
               <a:ext uri="{FF2B5EF4-FFF2-40B4-BE49-F238E27FC236}">
-                <a16:creationId xmlns="" xmlns:a16="http://schemas.microsoft.com/office/drawing/2014/main" id="{9D75392B-76F8-4D10-B40E-F73EAEE0812A}"/>
+                <a16:creationId xmlns:a16="http://schemas.microsoft.com/office/drawing/2014/main" id="{9D75392B-76F8-4D10-B40E-F73EAEE0812A}"/>
               </a:ext>
             </a:extLst>
           </p:cNvPr>
@@ -3151,7 +3167,7 @@
           <p:cNvPr id="5" name="Date Placeholder 4">
             <a:extLst>
               <a:ext uri="{FF2B5EF4-FFF2-40B4-BE49-F238E27FC236}">
-                <a16:creationId xmlns="" xmlns:a16="http://schemas.microsoft.com/office/drawing/2014/main" id="{680D36E2-8A03-4DBF-950E-C5B08EF7E361}"/>
+                <a16:creationId xmlns:a16="http://schemas.microsoft.com/office/drawing/2014/main" id="{680D36E2-8A03-4DBF-950E-C5B08EF7E361}"/>
               </a:ext>
             </a:extLst>
           </p:cNvPr>
@@ -3170,7 +3186,7 @@
             <a:fld id="{B8159077-EF48-40E3-BF6E-366926B30A93}" type="datetimeFigureOut">
               <a:rPr lang="en-US" smtClean="0"/>
               <a:pPr/>
-              <a:t>11/12/2018</a:t>
+              <a:t>11/13/2018</a:t>
             </a:fld>
             <a:endParaRPr lang="en-US"/>
           </a:p>
@@ -3181,7 +3197,7 @@
           <p:cNvPr id="6" name="Footer Placeholder 5">
             <a:extLst>
               <a:ext uri="{FF2B5EF4-FFF2-40B4-BE49-F238E27FC236}">
-                <a16:creationId xmlns="" xmlns:a16="http://schemas.microsoft.com/office/drawing/2014/main" id="{400922BD-5DB1-403B-8A20-3C8F43A71D70}"/>
+                <a16:creationId xmlns:a16="http://schemas.microsoft.com/office/drawing/2014/main" id="{400922BD-5DB1-403B-8A20-3C8F43A71D70}"/>
               </a:ext>
             </a:extLst>
           </p:cNvPr>
@@ -3206,7 +3222,7 @@
           <p:cNvPr id="7" name="Slide Number Placeholder 6">
             <a:extLst>
               <a:ext uri="{FF2B5EF4-FFF2-40B4-BE49-F238E27FC236}">
-                <a16:creationId xmlns="" xmlns:a16="http://schemas.microsoft.com/office/drawing/2014/main" id="{9C3F9DBC-86E0-4E27-B5D1-BCED9750ED38}"/>
+                <a16:creationId xmlns:a16="http://schemas.microsoft.com/office/drawing/2014/main" id="{9C3F9DBC-86E0-4E27-B5D1-BCED9750ED38}"/>
               </a:ext>
             </a:extLst>
           </p:cNvPr>
@@ -3234,7 +3250,7 @@
     </p:spTree>
     <p:extLst>
       <p:ext uri="{BB962C8B-B14F-4D97-AF65-F5344CB8AC3E}">
-        <p14:creationId xmlns="" xmlns:p14="http://schemas.microsoft.com/office/powerpoint/2010/main" val="759025932"/>
+        <p14:creationId xmlns:p14="http://schemas.microsoft.com/office/powerpoint/2010/main" val="759025932"/>
       </p:ext>
     </p:extLst>
   </p:cSld>
@@ -3266,7 +3282,7 @@
           <p:cNvPr id="2" name="Title 1">
             <a:extLst>
               <a:ext uri="{FF2B5EF4-FFF2-40B4-BE49-F238E27FC236}">
-                <a16:creationId xmlns="" xmlns:a16="http://schemas.microsoft.com/office/drawing/2014/main" id="{8CC6F189-CDD4-402C-BF48-5716492DB9F8}"/>
+                <a16:creationId xmlns:a16="http://schemas.microsoft.com/office/drawing/2014/main" id="{8CC6F189-CDD4-402C-BF48-5716492DB9F8}"/>
               </a:ext>
             </a:extLst>
           </p:cNvPr>
@@ -3299,7 +3315,7 @@
           <p:cNvPr id="3" name="Text Placeholder 2">
             <a:extLst>
               <a:ext uri="{FF2B5EF4-FFF2-40B4-BE49-F238E27FC236}">
-                <a16:creationId xmlns="" xmlns:a16="http://schemas.microsoft.com/office/drawing/2014/main" id="{50ED9ADE-86F8-4E1B-96EC-AAE4CE82A211}"/>
+                <a16:creationId xmlns:a16="http://schemas.microsoft.com/office/drawing/2014/main" id="{50ED9ADE-86F8-4E1B-96EC-AAE4CE82A211}"/>
               </a:ext>
             </a:extLst>
           </p:cNvPr>
@@ -3370,7 +3386,7 @@
           <p:cNvPr id="4" name="Content Placeholder 3">
             <a:extLst>
               <a:ext uri="{FF2B5EF4-FFF2-40B4-BE49-F238E27FC236}">
-                <a16:creationId xmlns="" xmlns:a16="http://schemas.microsoft.com/office/drawing/2014/main" id="{670DDFAE-921B-4FD1-96C7-CD55AB459341}"/>
+                <a16:creationId xmlns:a16="http://schemas.microsoft.com/office/drawing/2014/main" id="{670DDFAE-921B-4FD1-96C7-CD55AB459341}"/>
               </a:ext>
             </a:extLst>
           </p:cNvPr>
@@ -3432,7 +3448,7 @@
           <p:cNvPr id="5" name="Text Placeholder 4">
             <a:extLst>
               <a:ext uri="{FF2B5EF4-FFF2-40B4-BE49-F238E27FC236}">
-                <a16:creationId xmlns="" xmlns:a16="http://schemas.microsoft.com/office/drawing/2014/main" id="{5FD69DB8-23C3-4044-8A4D-4E92B22298C1}"/>
+                <a16:creationId xmlns:a16="http://schemas.microsoft.com/office/drawing/2014/main" id="{5FD69DB8-23C3-4044-8A4D-4E92B22298C1}"/>
               </a:ext>
             </a:extLst>
           </p:cNvPr>
@@ -3503,7 +3519,7 @@
           <p:cNvPr id="6" name="Content Placeholder 5">
             <a:extLst>
               <a:ext uri="{FF2B5EF4-FFF2-40B4-BE49-F238E27FC236}">
-                <a16:creationId xmlns="" xmlns:a16="http://schemas.microsoft.com/office/drawing/2014/main" id="{972B5D27-F40F-4F48-9993-561FC327DB43}"/>
+                <a16:creationId xmlns:a16="http://schemas.microsoft.com/office/drawing/2014/main" id="{972B5D27-F40F-4F48-9993-561FC327DB43}"/>
               </a:ext>
             </a:extLst>
           </p:cNvPr>
@@ -3565,7 +3581,7 @@
           <p:cNvPr id="7" name="Date Placeholder 6">
             <a:extLst>
               <a:ext uri="{FF2B5EF4-FFF2-40B4-BE49-F238E27FC236}">
-                <a16:creationId xmlns="" xmlns:a16="http://schemas.microsoft.com/office/drawing/2014/main" id="{B8D72A2F-6C03-4AA2-8675-A62997A1F179}"/>
+                <a16:creationId xmlns:a16="http://schemas.microsoft.com/office/drawing/2014/main" id="{B8D72A2F-6C03-4AA2-8675-A62997A1F179}"/>
               </a:ext>
             </a:extLst>
           </p:cNvPr>
@@ -3584,7 +3600,7 @@
             <a:fld id="{B8159077-EF48-40E3-BF6E-366926B30A93}" type="datetimeFigureOut">
               <a:rPr lang="en-US" smtClean="0"/>
               <a:pPr/>
-              <a:t>11/12/2018</a:t>
+              <a:t>11/13/2018</a:t>
             </a:fld>
             <a:endParaRPr lang="en-US"/>
           </a:p>
@@ -3595,7 +3611,7 @@
           <p:cNvPr id="8" name="Footer Placeholder 7">
             <a:extLst>
               <a:ext uri="{FF2B5EF4-FFF2-40B4-BE49-F238E27FC236}">
-                <a16:creationId xmlns="" xmlns:a16="http://schemas.microsoft.com/office/drawing/2014/main" id="{C7FA0448-C108-4A98-BC11-71C694972BB9}"/>
+                <a16:creationId xmlns:a16="http://schemas.microsoft.com/office/drawing/2014/main" id="{C7FA0448-C108-4A98-BC11-71C694972BB9}"/>
               </a:ext>
             </a:extLst>
           </p:cNvPr>
@@ -3620,7 +3636,7 @@
           <p:cNvPr id="9" name="Slide Number Placeholder 8">
             <a:extLst>
               <a:ext uri="{FF2B5EF4-FFF2-40B4-BE49-F238E27FC236}">
-                <a16:creationId xmlns="" xmlns:a16="http://schemas.microsoft.com/office/drawing/2014/main" id="{907E1CB1-297A-48F9-BF2F-D32F99F4D530}"/>
+                <a16:creationId xmlns:a16="http://schemas.microsoft.com/office/drawing/2014/main" id="{907E1CB1-297A-48F9-BF2F-D32F99F4D530}"/>
               </a:ext>
             </a:extLst>
           </p:cNvPr>
@@ -3648,7 +3664,7 @@
     </p:spTree>
     <p:extLst>
       <p:ext uri="{BB962C8B-B14F-4D97-AF65-F5344CB8AC3E}">
-        <p14:creationId xmlns="" xmlns:p14="http://schemas.microsoft.com/office/powerpoint/2010/main" val="3574849597"/>
+        <p14:creationId xmlns:p14="http://schemas.microsoft.com/office/powerpoint/2010/main" val="3574849597"/>
       </p:ext>
     </p:extLst>
   </p:cSld>
@@ -3680,7 +3696,7 @@
           <p:cNvPr id="2" name="Title 1">
             <a:extLst>
               <a:ext uri="{FF2B5EF4-FFF2-40B4-BE49-F238E27FC236}">
-                <a16:creationId xmlns="" xmlns:a16="http://schemas.microsoft.com/office/drawing/2014/main" id="{F9252D30-D733-4779-B79D-EED11F294B48}"/>
+                <a16:creationId xmlns:a16="http://schemas.microsoft.com/office/drawing/2014/main" id="{F9252D30-D733-4779-B79D-EED11F294B48}"/>
               </a:ext>
             </a:extLst>
           </p:cNvPr>
@@ -3708,7 +3724,7 @@
           <p:cNvPr id="3" name="Date Placeholder 2">
             <a:extLst>
               <a:ext uri="{FF2B5EF4-FFF2-40B4-BE49-F238E27FC236}">
-                <a16:creationId xmlns="" xmlns:a16="http://schemas.microsoft.com/office/drawing/2014/main" id="{36388E6C-E68D-48B1-ADCE-523903DA4557}"/>
+                <a16:creationId xmlns:a16="http://schemas.microsoft.com/office/drawing/2014/main" id="{36388E6C-E68D-48B1-ADCE-523903DA4557}"/>
               </a:ext>
             </a:extLst>
           </p:cNvPr>
@@ -3727,7 +3743,7 @@
             <a:fld id="{B8159077-EF48-40E3-BF6E-366926B30A93}" type="datetimeFigureOut">
               <a:rPr lang="en-US" smtClean="0"/>
               <a:pPr/>
-              <a:t>11/12/2018</a:t>
+              <a:t>11/13/2018</a:t>
             </a:fld>
             <a:endParaRPr lang="en-US"/>
           </a:p>
@@ -3738,7 +3754,7 @@
           <p:cNvPr id="4" name="Footer Placeholder 3">
             <a:extLst>
               <a:ext uri="{FF2B5EF4-FFF2-40B4-BE49-F238E27FC236}">
-                <a16:creationId xmlns="" xmlns:a16="http://schemas.microsoft.com/office/drawing/2014/main" id="{E709D5ED-193F-47A7-86C6-BA079964B35E}"/>
+                <a16:creationId xmlns:a16="http://schemas.microsoft.com/office/drawing/2014/main" id="{E709D5ED-193F-47A7-86C6-BA079964B35E}"/>
               </a:ext>
             </a:extLst>
           </p:cNvPr>
@@ -3763,7 +3779,7 @@
           <p:cNvPr id="5" name="Slide Number Placeholder 4">
             <a:extLst>
               <a:ext uri="{FF2B5EF4-FFF2-40B4-BE49-F238E27FC236}">
-                <a16:creationId xmlns="" xmlns:a16="http://schemas.microsoft.com/office/drawing/2014/main" id="{C51EF39B-32C5-4504-9D3C-C73B01918821}"/>
+                <a16:creationId xmlns:a16="http://schemas.microsoft.com/office/drawing/2014/main" id="{C51EF39B-32C5-4504-9D3C-C73B01918821}"/>
               </a:ext>
             </a:extLst>
           </p:cNvPr>
@@ -3791,7 +3807,7 @@
     </p:spTree>
     <p:extLst>
       <p:ext uri="{BB962C8B-B14F-4D97-AF65-F5344CB8AC3E}">
-        <p14:creationId xmlns="" xmlns:p14="http://schemas.microsoft.com/office/powerpoint/2010/main" val="579114760"/>
+        <p14:creationId xmlns:p14="http://schemas.microsoft.com/office/powerpoint/2010/main" val="579114760"/>
       </p:ext>
     </p:extLst>
   </p:cSld>
@@ -3823,7 +3839,7 @@
           <p:cNvPr id="2" name="Date Placeholder 1">
             <a:extLst>
               <a:ext uri="{FF2B5EF4-FFF2-40B4-BE49-F238E27FC236}">
-                <a16:creationId xmlns="" xmlns:a16="http://schemas.microsoft.com/office/drawing/2014/main" id="{49830188-1AC2-484C-9F53-B1C7CB88FB75}"/>
+                <a16:creationId xmlns:a16="http://schemas.microsoft.com/office/drawing/2014/main" id="{49830188-1AC2-484C-9F53-B1C7CB88FB75}"/>
               </a:ext>
             </a:extLst>
           </p:cNvPr>
@@ -3842,7 +3858,7 @@
             <a:fld id="{B8159077-EF48-40E3-BF6E-366926B30A93}" type="datetimeFigureOut">
               <a:rPr lang="en-US" smtClean="0"/>
               <a:pPr/>
-              <a:t>11/12/2018</a:t>
+              <a:t>11/13/2018</a:t>
             </a:fld>
             <a:endParaRPr lang="en-US"/>
           </a:p>
@@ -3853,7 +3869,7 @@
           <p:cNvPr id="3" name="Footer Placeholder 2">
             <a:extLst>
               <a:ext uri="{FF2B5EF4-FFF2-40B4-BE49-F238E27FC236}">
-                <a16:creationId xmlns="" xmlns:a16="http://schemas.microsoft.com/office/drawing/2014/main" id="{8A333681-69BB-45B2-9377-67BC523A119F}"/>
+                <a16:creationId xmlns:a16="http://schemas.microsoft.com/office/drawing/2014/main" id="{8A333681-69BB-45B2-9377-67BC523A119F}"/>
               </a:ext>
             </a:extLst>
           </p:cNvPr>
@@ -3878,7 +3894,7 @@
           <p:cNvPr id="4" name="Slide Number Placeholder 3">
             <a:extLst>
               <a:ext uri="{FF2B5EF4-FFF2-40B4-BE49-F238E27FC236}">
-                <a16:creationId xmlns="" xmlns:a16="http://schemas.microsoft.com/office/drawing/2014/main" id="{8EDB1A5F-A319-4FCA-B8EB-7506ACFB7C78}"/>
+                <a16:creationId xmlns:a16="http://schemas.microsoft.com/office/drawing/2014/main" id="{8EDB1A5F-A319-4FCA-B8EB-7506ACFB7C78}"/>
               </a:ext>
             </a:extLst>
           </p:cNvPr>
@@ -3906,7 +3922,7 @@
     </p:spTree>
     <p:extLst>
       <p:ext uri="{BB962C8B-B14F-4D97-AF65-F5344CB8AC3E}">
-        <p14:creationId xmlns="" xmlns:p14="http://schemas.microsoft.com/office/powerpoint/2010/main" val="209110672"/>
+        <p14:creationId xmlns:p14="http://schemas.microsoft.com/office/powerpoint/2010/main" val="209110672"/>
       </p:ext>
     </p:extLst>
   </p:cSld>
@@ -3938,7 +3954,7 @@
           <p:cNvPr id="2" name="Title 1">
             <a:extLst>
               <a:ext uri="{FF2B5EF4-FFF2-40B4-BE49-F238E27FC236}">
-                <a16:creationId xmlns="" xmlns:a16="http://schemas.microsoft.com/office/drawing/2014/main" id="{70C55B79-F8B8-4759-9FBD-205D80AEA9D8}"/>
+                <a16:creationId xmlns:a16="http://schemas.microsoft.com/office/drawing/2014/main" id="{70C55B79-F8B8-4759-9FBD-205D80AEA9D8}"/>
               </a:ext>
             </a:extLst>
           </p:cNvPr>
@@ -3975,7 +3991,7 @@
           <p:cNvPr id="3" name="Content Placeholder 2">
             <a:extLst>
               <a:ext uri="{FF2B5EF4-FFF2-40B4-BE49-F238E27FC236}">
-                <a16:creationId xmlns="" xmlns:a16="http://schemas.microsoft.com/office/drawing/2014/main" id="{83882243-0F38-4450-B420-7132E7BE7154}"/>
+                <a16:creationId xmlns:a16="http://schemas.microsoft.com/office/drawing/2014/main" id="{83882243-0F38-4450-B420-7132E7BE7154}"/>
               </a:ext>
             </a:extLst>
           </p:cNvPr>
@@ -4065,7 +4081,7 @@
           <p:cNvPr id="4" name="Text Placeholder 3">
             <a:extLst>
               <a:ext uri="{FF2B5EF4-FFF2-40B4-BE49-F238E27FC236}">
-                <a16:creationId xmlns="" xmlns:a16="http://schemas.microsoft.com/office/drawing/2014/main" id="{CC23093D-A8BF-4001-8391-24DB2CD7FC43}"/>
+                <a16:creationId xmlns:a16="http://schemas.microsoft.com/office/drawing/2014/main" id="{CC23093D-A8BF-4001-8391-24DB2CD7FC43}"/>
               </a:ext>
             </a:extLst>
           </p:cNvPr>
@@ -4136,7 +4152,7 @@
           <p:cNvPr id="5" name="Date Placeholder 4">
             <a:extLst>
               <a:ext uri="{FF2B5EF4-FFF2-40B4-BE49-F238E27FC236}">
-                <a16:creationId xmlns="" xmlns:a16="http://schemas.microsoft.com/office/drawing/2014/main" id="{56A90E2D-DC24-4359-8EB7-DD8EAA19B655}"/>
+                <a16:creationId xmlns:a16="http://schemas.microsoft.com/office/drawing/2014/main" id="{56A90E2D-DC24-4359-8EB7-DD8EAA19B655}"/>
               </a:ext>
             </a:extLst>
           </p:cNvPr>
@@ -4155,7 +4171,7 @@
             <a:fld id="{B8159077-EF48-40E3-BF6E-366926B30A93}" type="datetimeFigureOut">
               <a:rPr lang="en-US" smtClean="0"/>
               <a:pPr/>
-              <a:t>11/12/2018</a:t>
+              <a:t>11/13/2018</a:t>
             </a:fld>
             <a:endParaRPr lang="en-US"/>
           </a:p>
@@ -4166,7 +4182,7 @@
           <p:cNvPr id="6" name="Footer Placeholder 5">
             <a:extLst>
               <a:ext uri="{FF2B5EF4-FFF2-40B4-BE49-F238E27FC236}">
-                <a16:creationId xmlns="" xmlns:a16="http://schemas.microsoft.com/office/drawing/2014/main" id="{79DA5AB0-20EC-4A87-B765-F369816EDAB6}"/>
+                <a16:creationId xmlns:a16="http://schemas.microsoft.com/office/drawing/2014/main" id="{79DA5AB0-20EC-4A87-B765-F369816EDAB6}"/>
               </a:ext>
             </a:extLst>
           </p:cNvPr>
@@ -4191,7 +4207,7 @@
           <p:cNvPr id="7" name="Slide Number Placeholder 6">
             <a:extLst>
               <a:ext uri="{FF2B5EF4-FFF2-40B4-BE49-F238E27FC236}">
-                <a16:creationId xmlns="" xmlns:a16="http://schemas.microsoft.com/office/drawing/2014/main" id="{952F5AE5-E610-4F52-8B1F-CC450BDE23A4}"/>
+                <a16:creationId xmlns:a16="http://schemas.microsoft.com/office/drawing/2014/main" id="{952F5AE5-E610-4F52-8B1F-CC450BDE23A4}"/>
               </a:ext>
             </a:extLst>
           </p:cNvPr>
@@ -4219,7 +4235,7 @@
     </p:spTree>
     <p:extLst>
       <p:ext uri="{BB962C8B-B14F-4D97-AF65-F5344CB8AC3E}">
-        <p14:creationId xmlns="" xmlns:p14="http://schemas.microsoft.com/office/powerpoint/2010/main" val="3132102381"/>
+        <p14:creationId xmlns:p14="http://schemas.microsoft.com/office/powerpoint/2010/main" val="3132102381"/>
       </p:ext>
     </p:extLst>
   </p:cSld>
@@ -4251,7 +4267,7 @@
           <p:cNvPr id="2" name="Title 1">
             <a:extLst>
               <a:ext uri="{FF2B5EF4-FFF2-40B4-BE49-F238E27FC236}">
-                <a16:creationId xmlns="" xmlns:a16="http://schemas.microsoft.com/office/drawing/2014/main" id="{8B92E141-FE3E-4AF1-BC37-7F56A0CE766F}"/>
+                <a16:creationId xmlns:a16="http://schemas.microsoft.com/office/drawing/2014/main" id="{8B92E141-FE3E-4AF1-BC37-7F56A0CE766F}"/>
               </a:ext>
             </a:extLst>
           </p:cNvPr>
@@ -4288,7 +4304,7 @@
           <p:cNvPr id="3" name="Picture Placeholder 2">
             <a:extLst>
               <a:ext uri="{FF2B5EF4-FFF2-40B4-BE49-F238E27FC236}">
-                <a16:creationId xmlns="" xmlns:a16="http://schemas.microsoft.com/office/drawing/2014/main" id="{D5D1CE18-F9BD-41B4-8056-E22AEEF6D3A1}"/>
+                <a16:creationId xmlns:a16="http://schemas.microsoft.com/office/drawing/2014/main" id="{D5D1CE18-F9BD-41B4-8056-E22AEEF6D3A1}"/>
               </a:ext>
             </a:extLst>
           </p:cNvPr>
@@ -4355,7 +4371,7 @@
           <p:cNvPr id="4" name="Text Placeholder 3">
             <a:extLst>
               <a:ext uri="{FF2B5EF4-FFF2-40B4-BE49-F238E27FC236}">
-                <a16:creationId xmlns="" xmlns:a16="http://schemas.microsoft.com/office/drawing/2014/main" id="{8B2DB4DA-BA72-424A-845C-3E305D36B41E}"/>
+                <a16:creationId xmlns:a16="http://schemas.microsoft.com/office/drawing/2014/main" id="{8B2DB4DA-BA72-424A-845C-3E305D36B41E}"/>
               </a:ext>
             </a:extLst>
           </p:cNvPr>
@@ -4426,7 +4442,7 @@
           <p:cNvPr id="5" name="Date Placeholder 4">
             <a:extLst>
               <a:ext uri="{FF2B5EF4-FFF2-40B4-BE49-F238E27FC236}">
-                <a16:creationId xmlns="" xmlns:a16="http://schemas.microsoft.com/office/drawing/2014/main" id="{9E0F6947-54BB-40F7-85A7-2EB72C1BEAE8}"/>
+                <a16:creationId xmlns:a16="http://schemas.microsoft.com/office/drawing/2014/main" id="{9E0F6947-54BB-40F7-85A7-2EB72C1BEAE8}"/>
               </a:ext>
             </a:extLst>
           </p:cNvPr>
@@ -4445,7 +4461,7 @@
             <a:fld id="{B8159077-EF48-40E3-BF6E-366926B30A93}" type="datetimeFigureOut">
               <a:rPr lang="en-US" smtClean="0"/>
               <a:pPr/>
-              <a:t>11/12/2018</a:t>
+              <a:t>11/13/2018</a:t>
             </a:fld>
             <a:endParaRPr lang="en-US"/>
           </a:p>
@@ -4456,7 +4472,7 @@
           <p:cNvPr id="6" name="Footer Placeholder 5">
             <a:extLst>
               <a:ext uri="{FF2B5EF4-FFF2-40B4-BE49-F238E27FC236}">
-                <a16:creationId xmlns="" xmlns:a16="http://schemas.microsoft.com/office/drawing/2014/main" id="{AFA4069D-0CC7-4B93-8DF5-3B1D962E47A6}"/>
+                <a16:creationId xmlns:a16="http://schemas.microsoft.com/office/drawing/2014/main" id="{AFA4069D-0CC7-4B93-8DF5-3B1D962E47A6}"/>
               </a:ext>
             </a:extLst>
           </p:cNvPr>
@@ -4481,7 +4497,7 @@
           <p:cNvPr id="7" name="Slide Number Placeholder 6">
             <a:extLst>
               <a:ext uri="{FF2B5EF4-FFF2-40B4-BE49-F238E27FC236}">
-                <a16:creationId xmlns="" xmlns:a16="http://schemas.microsoft.com/office/drawing/2014/main" id="{74BC649E-CEE5-4CE0-9B43-09D802EFB90F}"/>
+                <a16:creationId xmlns:a16="http://schemas.microsoft.com/office/drawing/2014/main" id="{74BC649E-CEE5-4CE0-9B43-09D802EFB90F}"/>
               </a:ext>
             </a:extLst>
           </p:cNvPr>
@@ -4509,7 +4525,7 @@
     </p:spTree>
     <p:extLst>
       <p:ext uri="{BB962C8B-B14F-4D97-AF65-F5344CB8AC3E}">
-        <p14:creationId xmlns="" xmlns:p14="http://schemas.microsoft.com/office/powerpoint/2010/main" val="3685579883"/>
+        <p14:creationId xmlns:p14="http://schemas.microsoft.com/office/powerpoint/2010/main" val="3685579883"/>
       </p:ext>
     </p:extLst>
   </p:cSld>
@@ -4546,7 +4562,7 @@
           <p:cNvPr id="2" name="Title Placeholder 1">
             <a:extLst>
               <a:ext uri="{FF2B5EF4-FFF2-40B4-BE49-F238E27FC236}">
-                <a16:creationId xmlns="" xmlns:a16="http://schemas.microsoft.com/office/drawing/2014/main" id="{93167B93-6A4A-48BB-9AAF-6A6950557AEF}"/>
+                <a16:creationId xmlns:a16="http://schemas.microsoft.com/office/drawing/2014/main" id="{93167B93-6A4A-48BB-9AAF-6A6950557AEF}"/>
               </a:ext>
             </a:extLst>
           </p:cNvPr>
@@ -4584,7 +4600,7 @@
           <p:cNvPr id="3" name="Text Placeholder 2">
             <a:extLst>
               <a:ext uri="{FF2B5EF4-FFF2-40B4-BE49-F238E27FC236}">
-                <a16:creationId xmlns="" xmlns:a16="http://schemas.microsoft.com/office/drawing/2014/main" id="{C8681EC6-9512-483B-BA61-30A00B970F39}"/>
+                <a16:creationId xmlns:a16="http://schemas.microsoft.com/office/drawing/2014/main" id="{C8681EC6-9512-483B-BA61-30A00B970F39}"/>
               </a:ext>
             </a:extLst>
           </p:cNvPr>
@@ -4651,7 +4667,7 @@
           <p:cNvPr id="4" name="Date Placeholder 3">
             <a:extLst>
               <a:ext uri="{FF2B5EF4-FFF2-40B4-BE49-F238E27FC236}">
-                <a16:creationId xmlns="" xmlns:a16="http://schemas.microsoft.com/office/drawing/2014/main" id="{D3A290A6-5736-4CB6-A19C-DC4230F932F1}"/>
+                <a16:creationId xmlns:a16="http://schemas.microsoft.com/office/drawing/2014/main" id="{D3A290A6-5736-4CB6-A19C-DC4230F932F1}"/>
               </a:ext>
             </a:extLst>
           </p:cNvPr>
@@ -4688,7 +4704,7 @@
             <a:fld id="{B8159077-EF48-40E3-BF6E-366926B30A93}" type="datetimeFigureOut">
               <a:rPr lang="en-US" smtClean="0"/>
               <a:pPr/>
-              <a:t>11/12/2018</a:t>
+              <a:t>11/13/2018</a:t>
             </a:fld>
             <a:endParaRPr lang="en-US"/>
           </a:p>
@@ -4699,7 +4715,7 @@
           <p:cNvPr id="5" name="Footer Placeholder 4">
             <a:extLst>
               <a:ext uri="{FF2B5EF4-FFF2-40B4-BE49-F238E27FC236}">
-                <a16:creationId xmlns="" xmlns:a16="http://schemas.microsoft.com/office/drawing/2014/main" id="{22EBE582-B1AB-4666-997A-F36EB63FD8D6}"/>
+                <a16:creationId xmlns:a16="http://schemas.microsoft.com/office/drawing/2014/main" id="{22EBE582-B1AB-4666-997A-F36EB63FD8D6}"/>
               </a:ext>
             </a:extLst>
           </p:cNvPr>
@@ -4742,7 +4758,7 @@
           <p:cNvPr id="6" name="Slide Number Placeholder 5">
             <a:extLst>
               <a:ext uri="{FF2B5EF4-FFF2-40B4-BE49-F238E27FC236}">
-                <a16:creationId xmlns="" xmlns:a16="http://schemas.microsoft.com/office/drawing/2014/main" id="{77B13510-3D74-470C-BD4E-4623587E12E3}"/>
+                <a16:creationId xmlns:a16="http://schemas.microsoft.com/office/drawing/2014/main" id="{77B13510-3D74-470C-BD4E-4623587E12E3}"/>
               </a:ext>
             </a:extLst>
           </p:cNvPr>
@@ -4790,7 +4806,7 @@
           <p:cNvPr id="7" name="Rectangle 6">
             <a:extLst>
               <a:ext uri="{FF2B5EF4-FFF2-40B4-BE49-F238E27FC236}">
-                <a16:creationId xmlns="" xmlns:a16="http://schemas.microsoft.com/office/drawing/2014/main" id="{0ABD61A2-ECDD-4A5C-8B2C-67D04DF1A4F8}"/>
+                <a16:creationId xmlns:a16="http://schemas.microsoft.com/office/drawing/2014/main" id="{0ABD61A2-ECDD-4A5C-8B2C-67D04DF1A4F8}"/>
               </a:ext>
             </a:extLst>
           </p:cNvPr>
@@ -4832,7 +4848,7 @@
           <p:cNvPr id="8" name="Rectangle 7">
             <a:extLst>
               <a:ext uri="{FF2B5EF4-FFF2-40B4-BE49-F238E27FC236}">
-                <a16:creationId xmlns="" xmlns:a16="http://schemas.microsoft.com/office/drawing/2014/main" id="{B8ECBD3F-E3E0-4AF7-9498-072C80E24DAF}"/>
+                <a16:creationId xmlns:a16="http://schemas.microsoft.com/office/drawing/2014/main" id="{B8ECBD3F-E3E0-4AF7-9498-072C80E24DAF}"/>
               </a:ext>
             </a:extLst>
           </p:cNvPr>
@@ -4874,7 +4890,7 @@
     </p:spTree>
     <p:extLst>
       <p:ext uri="{BB962C8B-B14F-4D97-AF65-F5344CB8AC3E}">
-        <p14:creationId xmlns="" xmlns:p14="http://schemas.microsoft.com/office/powerpoint/2010/main" val="2651013160"/>
+        <p14:creationId xmlns:p14="http://schemas.microsoft.com/office/powerpoint/2010/main" val="2651013160"/>
       </p:ext>
     </p:extLst>
   </p:cSld>
@@ -5197,7 +5213,7 @@
           <p:cNvPr id="2" name="Title 1">
             <a:extLst>
               <a:ext uri="{FF2B5EF4-FFF2-40B4-BE49-F238E27FC236}">
-                <a16:creationId xmlns="" xmlns:a16="http://schemas.microsoft.com/office/drawing/2014/main" id="{67B1F4F5-F0B9-4D17-9B31-DE22B611FFFE}"/>
+                <a16:creationId xmlns:a16="http://schemas.microsoft.com/office/drawing/2014/main" id="{67B1F4F5-F0B9-4D17-9B31-DE22B611FFFE}"/>
               </a:ext>
             </a:extLst>
           </p:cNvPr>
@@ -5231,7 +5247,7 @@
           <p:cNvPr id="3" name="Subtitle 2">
             <a:extLst>
               <a:ext uri="{FF2B5EF4-FFF2-40B4-BE49-F238E27FC236}">
-                <a16:creationId xmlns="" xmlns:a16="http://schemas.microsoft.com/office/drawing/2014/main" id="{B3F7542E-6F3A-4349-99DB-1F21ABC8470C}"/>
+                <a16:creationId xmlns:a16="http://schemas.microsoft.com/office/drawing/2014/main" id="{B3F7542E-6F3A-4349-99DB-1F21ABC8470C}"/>
               </a:ext>
             </a:extLst>
           </p:cNvPr>
@@ -5262,7 +5278,7 @@
           <p:cNvPr id="4" name="Picture 3">
             <a:extLst>
               <a:ext uri="{FF2B5EF4-FFF2-40B4-BE49-F238E27FC236}">
-                <a16:creationId xmlns="" xmlns:a16="http://schemas.microsoft.com/office/drawing/2014/main" id="{72CB8E91-B469-4BBE-8EE8-56242C4C092C}"/>
+                <a16:creationId xmlns:a16="http://schemas.microsoft.com/office/drawing/2014/main" id="{72CB8E91-B469-4BBE-8EE8-56242C4C092C}"/>
               </a:ext>
             </a:extLst>
           </p:cNvPr>
@@ -5290,7 +5306,7 @@
     </p:spTree>
     <p:extLst>
       <p:ext uri="{BB962C8B-B14F-4D97-AF65-F5344CB8AC3E}">
-        <p14:creationId xmlns="" xmlns:p14="http://schemas.microsoft.com/office/powerpoint/2010/main" val="108172572"/>
+        <p14:creationId xmlns:p14="http://schemas.microsoft.com/office/powerpoint/2010/main" val="108172572"/>
       </p:ext>
     </p:extLst>
   </p:cSld>
@@ -5322,7 +5338,7 @@
           <p:cNvPr id="2" name="Title 1">
             <a:extLst>
               <a:ext uri="{FF2B5EF4-FFF2-40B4-BE49-F238E27FC236}">
-                <a16:creationId xmlns="" xmlns:a16="http://schemas.microsoft.com/office/drawing/2014/main" id="{D7C84779-5F93-4DCC-86DF-8D79DEAEC374}"/>
+                <a16:creationId xmlns:a16="http://schemas.microsoft.com/office/drawing/2014/main" id="{D7C84779-5F93-4DCC-86DF-8D79DEAEC374}"/>
               </a:ext>
             </a:extLst>
           </p:cNvPr>
@@ -5339,7 +5355,7 @@
           <a:lstStyle/>
           <a:p>
             <a:r>
-              <a:rPr lang="en-US" altLang="zh-CN" dirty="0" smtClean="0"/>
+              <a:rPr lang="en-US" altLang="zh-CN" dirty="0"/>
               <a:t>Buffered Channel </a:t>
             </a:r>
             <a:endParaRPr lang="en-US" dirty="0"/>
@@ -5351,7 +5367,7 @@
           <p:cNvPr id="9" name="Rectangle 8">
             <a:extLst>
               <a:ext uri="{FF2B5EF4-FFF2-40B4-BE49-F238E27FC236}">
-                <a16:creationId xmlns="" xmlns:a16="http://schemas.microsoft.com/office/drawing/2014/main" id="{09DF8025-61D7-487E-B878-BECE556123CE}"/>
+                <a16:creationId xmlns:a16="http://schemas.microsoft.com/office/drawing/2014/main" id="{09DF8025-61D7-487E-B878-BECE556123CE}"/>
               </a:ext>
             </a:extLst>
           </p:cNvPr>
@@ -5361,7 +5377,7 @@
         <p:spPr>
           <a:xfrm>
             <a:off x="500770" y="837899"/>
-            <a:ext cx="4560328" cy="3170099"/>
+            <a:ext cx="4560328" cy="4154984"/>
           </a:xfrm>
           <a:prstGeom prst="rect">
             <a:avLst/>
@@ -5378,14 +5394,14 @@
               <a:buChar char="•"/>
             </a:pPr>
             <a:r>
-              <a:rPr lang="en-US" sz="3200" dirty="0" smtClean="0"/>
+              <a:rPr lang="en-US" sz="3200" dirty="0"/>
               <a:t>Send</a:t>
             </a:r>
             <a:r>
-              <a:rPr lang="zh-CN" altLang="en-US" sz="3200" dirty="0" smtClean="0"/>
+              <a:rPr lang="zh-CN" altLang="en-US" sz="3200" dirty="0"/>
               <a:t>不进会阻塞</a:t>
             </a:r>
-            <a:endParaRPr lang="en-US" altLang="zh-CN" sz="3200" dirty="0" smtClean="0"/>
+            <a:endParaRPr lang="en-US" altLang="zh-CN" sz="3200" dirty="0"/>
           </a:p>
           <a:p>
             <a:pPr marL="514350" indent="-514350">
@@ -5393,14 +5409,14 @@
               <a:buChar char="•"/>
             </a:pPr>
             <a:r>
-              <a:rPr lang="en-US" altLang="zh-CN" sz="3200" dirty="0" smtClean="0"/>
+              <a:rPr lang="en-US" altLang="zh-CN" sz="3200" dirty="0"/>
               <a:t>Read</a:t>
             </a:r>
             <a:r>
-              <a:rPr lang="zh-CN" altLang="en-US" sz="3200" dirty="0" smtClean="0"/>
+              <a:rPr lang="zh-CN" altLang="en-US" sz="3200" dirty="0"/>
               <a:t>不出会阻塞</a:t>
             </a:r>
-            <a:endParaRPr lang="en-US" altLang="zh-CN" sz="3200" dirty="0" smtClean="0"/>
+            <a:endParaRPr lang="en-US" altLang="zh-CN" sz="3200" dirty="0"/>
           </a:p>
           <a:p>
             <a:pPr marL="514350" indent="-514350">
@@ -5408,15 +5424,15 @@
               <a:buChar char="•"/>
             </a:pPr>
             <a:r>
-              <a:rPr lang="zh-CN" altLang="en-US" sz="3200" dirty="0" smtClean="0"/>
+              <a:rPr lang="zh-CN" altLang="en-US" sz="3200" dirty="0"/>
               <a:t>缓冲未满则可以</a:t>
             </a:r>
             <a:r>
-              <a:rPr lang="en-US" altLang="zh-CN" sz="3200" dirty="0" smtClean="0"/>
+              <a:rPr lang="en-US" altLang="zh-CN" sz="3200" dirty="0"/>
               <a:t>Send</a:t>
             </a:r>
             <a:r>
-              <a:rPr lang="en-US" altLang="zh-CN" sz="4000" b="1" dirty="0" smtClean="0"/>
+              <a:rPr lang="en-US" altLang="zh-CN" sz="4000" b="1" dirty="0"/>
               <a:t> </a:t>
             </a:r>
           </a:p>
@@ -5426,22 +5442,22 @@
               <a:buChar char="•"/>
             </a:pPr>
             <a:r>
-              <a:rPr lang="en-US" altLang="zh-CN" sz="3200" dirty="0" smtClean="0"/>
+              <a:rPr lang="en-US" altLang="zh-CN" sz="3200" dirty="0"/>
               <a:t>Read</a:t>
             </a:r>
             <a:r>
-              <a:rPr lang="zh-CN" altLang="en-US" sz="3200" dirty="0" smtClean="0"/>
+              <a:rPr lang="zh-CN" altLang="en-US" sz="3200" dirty="0"/>
               <a:t>时，</a:t>
             </a:r>
             <a:r>
-              <a:rPr lang="en-US" altLang="zh-CN" sz="3200" dirty="0" smtClean="0"/>
+              <a:rPr lang="en-US" altLang="zh-CN" sz="3200" dirty="0"/>
               <a:t>Channel</a:t>
             </a:r>
             <a:r>
-              <a:rPr lang="zh-CN" altLang="en-US" sz="3200" dirty="0" smtClean="0"/>
+              <a:rPr lang="zh-CN" altLang="en-US" sz="3200" dirty="0"/>
               <a:t>内无内容则阻塞</a:t>
             </a:r>
-            <a:endParaRPr lang="en-US" altLang="zh-CN" sz="3200" dirty="0" smtClean="0"/>
+            <a:endParaRPr lang="en-US" altLang="zh-CN" sz="3200" dirty="0"/>
           </a:p>
           <a:p>
             <a:pPr marL="514350" indent="-514350">
@@ -5449,14 +5465,48 @@
               <a:buChar char="•"/>
             </a:pPr>
             <a:r>
-              <a:rPr lang="en-US" altLang="zh-CN" sz="3200" dirty="0" smtClean="0"/>
+              <a:rPr lang="en-US" altLang="zh-CN" sz="3200" dirty="0"/>
               <a:t>Channel </a:t>
             </a:r>
             <a:r>
-              <a:rPr lang="zh-CN" altLang="en-US" sz="3200" dirty="0" smtClean="0"/>
+              <a:rPr lang="zh-CN" altLang="en-US" sz="3200" dirty="0"/>
               <a:t>像消息队列</a:t>
             </a:r>
             <a:endParaRPr lang="en-US" altLang="zh-CN" sz="3200" dirty="0"/>
+          </a:p>
+          <a:p>
+            <a:pPr marL="514350" indent="-514350">
+              <a:buFont typeface="Arial" panose="020B0604020202020204" pitchFamily="34" charset="0"/>
+              <a:buChar char="•"/>
+            </a:pPr>
+            <a:r>
+              <a:rPr lang="en-US" altLang="zh-CN" sz="3200" dirty="0"/>
+              <a:t>Buffer</a:t>
+            </a:r>
+            <a:r>
+              <a:rPr lang="zh-CN" altLang="en-US" sz="3200" dirty="0"/>
+              <a:t>为</a:t>
+            </a:r>
+            <a:r>
+              <a:rPr lang="en-US" altLang="zh-CN" sz="3200" dirty="0"/>
+              <a:t>0</a:t>
+            </a:r>
+            <a:r>
+              <a:rPr lang="zh-CN" altLang="en-US" sz="3200" dirty="0"/>
+              <a:t>，单方面无法</a:t>
+            </a:r>
+            <a:r>
+              <a:rPr lang="en-US" altLang="zh-CN" sz="3200" dirty="0"/>
+              <a:t>Send</a:t>
+            </a:r>
+            <a:r>
+              <a:rPr lang="zh-CN" altLang="en-US" sz="3200" dirty="0"/>
+              <a:t>或者</a:t>
+            </a:r>
+            <a:r>
+              <a:rPr lang="en-US" altLang="zh-CN" sz="3200" dirty="0"/>
+              <a:t>Read</a:t>
+            </a:r>
           </a:p>
         </p:txBody>
       </p:sp>
@@ -5529,7 +5579,7 @@
     </p:spTree>
     <p:extLst>
       <p:ext uri="{BB962C8B-B14F-4D97-AF65-F5344CB8AC3E}">
-        <p14:creationId xmlns="" xmlns:p14="http://schemas.microsoft.com/office/powerpoint/2010/main" val="1934937011"/>
+        <p14:creationId xmlns:p14="http://schemas.microsoft.com/office/powerpoint/2010/main" val="1934937011"/>
       </p:ext>
     </p:extLst>
   </p:cSld>
@@ -5561,7 +5611,7 @@
           <p:cNvPr id="2" name="Title 1">
             <a:extLst>
               <a:ext uri="{FF2B5EF4-FFF2-40B4-BE49-F238E27FC236}">
-                <a16:creationId xmlns="" xmlns:a16="http://schemas.microsoft.com/office/drawing/2014/main" id="{D7C84779-5F93-4DCC-86DF-8D79DEAEC374}"/>
+                <a16:creationId xmlns:a16="http://schemas.microsoft.com/office/drawing/2014/main" id="{D7C84779-5F93-4DCC-86DF-8D79DEAEC374}"/>
               </a:ext>
             </a:extLst>
           </p:cNvPr>
@@ -5582,7 +5632,7 @@
               <a:t>生成器模式</a:t>
             </a:r>
             <a:r>
-              <a:rPr lang="en-US" altLang="zh-CN" dirty="0" smtClean="0"/>
+              <a:rPr lang="en-US" altLang="zh-CN" dirty="0"/>
               <a:t>1S :1R</a:t>
             </a:r>
             <a:endParaRPr lang="en-US" dirty="0"/>
@@ -5594,7 +5644,7 @@
           <p:cNvPr id="9" name="Rectangle 8">
             <a:extLst>
               <a:ext uri="{FF2B5EF4-FFF2-40B4-BE49-F238E27FC236}">
-                <a16:creationId xmlns="" xmlns:a16="http://schemas.microsoft.com/office/drawing/2014/main" id="{09DF8025-61D7-487E-B878-BECE556123CE}"/>
+                <a16:creationId xmlns:a16="http://schemas.microsoft.com/office/drawing/2014/main" id="{09DF8025-61D7-487E-B878-BECE556123CE}"/>
               </a:ext>
             </a:extLst>
           </p:cNvPr>
@@ -5621,7 +5671,7 @@
               <a:buAutoNum type="arabicPeriod"/>
             </a:pPr>
             <a:r>
-              <a:rPr lang="zh-CN" altLang="en-US" sz="3200" dirty="0" smtClean="0"/>
+              <a:rPr lang="zh-CN" altLang="en-US" sz="3200" dirty="0"/>
               <a:t>持续地发送</a:t>
             </a:r>
             <a:endParaRPr lang="en-US" altLang="zh-CN" sz="3200" dirty="0"/>
@@ -5632,10 +5682,10 @@
               <a:buAutoNum type="arabicPeriod"/>
             </a:pPr>
             <a:r>
-              <a:rPr lang="zh-CN" altLang="en-US" sz="3200" dirty="0" smtClean="0"/>
+              <a:rPr lang="zh-CN" altLang="en-US" sz="3200" dirty="0"/>
               <a:t>持续地接受</a:t>
             </a:r>
-            <a:endParaRPr lang="en-US" altLang="zh-CN" sz="3200" dirty="0" smtClean="0"/>
+            <a:endParaRPr lang="en-US" altLang="zh-CN" sz="3200" dirty="0"/>
           </a:p>
           <a:p>
             <a:pPr marL="514350" indent="-514350">
@@ -5643,11 +5693,11 @@
               <a:buAutoNum type="arabicPeriod"/>
             </a:pPr>
             <a:r>
-              <a:rPr lang="zh-CN" altLang="en-US" sz="3200" dirty="0" smtClean="0"/>
+              <a:rPr lang="zh-CN" altLang="en-US" sz="3200" dirty="0"/>
               <a:t>一个</a:t>
             </a:r>
             <a:r>
-              <a:rPr lang="en-US" altLang="zh-CN" sz="3200" dirty="0" smtClean="0"/>
+              <a:rPr lang="en-US" altLang="zh-CN" sz="3200" dirty="0"/>
               <a:t>Sender</a:t>
             </a:r>
           </a:p>
@@ -5657,12 +5707,12 @@
               <a:buAutoNum type="arabicPeriod"/>
             </a:pPr>
             <a:r>
-              <a:rPr lang="zh-CN" altLang="en-US" sz="3200" dirty="0" smtClean="0"/>
+              <a:rPr lang="zh-CN" altLang="en-US" sz="3200" dirty="0"/>
               <a:t>一个</a:t>
             </a:r>
             <a:r>
-              <a:rPr lang="en-US" altLang="zh-CN" sz="3200" dirty="0" smtClean="0"/>
-              <a:t>Receiver</a:t>
+              <a:rPr lang="en-US" altLang="zh-CN" sz="3200" dirty="0"/>
+              <a:t>Reader</a:t>
             </a:r>
           </a:p>
           <a:p>
@@ -5752,7 +5802,7 @@
     </p:spTree>
     <p:extLst>
       <p:ext uri="{BB962C8B-B14F-4D97-AF65-F5344CB8AC3E}">
-        <p14:creationId xmlns="" xmlns:p14="http://schemas.microsoft.com/office/powerpoint/2010/main" val="375138371"/>
+        <p14:creationId xmlns:p14="http://schemas.microsoft.com/office/powerpoint/2010/main" val="375138371"/>
       </p:ext>
     </p:extLst>
   </p:cSld>
@@ -5784,7 +5834,7 @@
           <p:cNvPr id="2" name="Title 1">
             <a:extLst>
               <a:ext uri="{FF2B5EF4-FFF2-40B4-BE49-F238E27FC236}">
-                <a16:creationId xmlns="" xmlns:a16="http://schemas.microsoft.com/office/drawing/2014/main" id="{D7C84779-5F93-4DCC-86DF-8D79DEAEC374}"/>
+                <a16:creationId xmlns:a16="http://schemas.microsoft.com/office/drawing/2014/main" id="{D7C84779-5F93-4DCC-86DF-8D79DEAEC374}"/>
               </a:ext>
             </a:extLst>
           </p:cNvPr>
@@ -5801,19 +5851,19 @@
           <a:lstStyle/>
           <a:p>
             <a:r>
-              <a:rPr lang="zh-CN" altLang="en-US" dirty="0" smtClean="0"/>
+              <a:rPr lang="zh-CN" altLang="en-US" dirty="0"/>
               <a:t>把</a:t>
             </a:r>
             <a:r>
-              <a:rPr lang="en-US" altLang="zh-CN" dirty="0" smtClean="0"/>
+              <a:rPr lang="en-US" altLang="zh-CN" dirty="0"/>
               <a:t>Channel</a:t>
             </a:r>
             <a:r>
-              <a:rPr lang="zh-CN" altLang="en-US" dirty="0" smtClean="0"/>
+              <a:rPr lang="zh-CN" altLang="en-US" dirty="0"/>
               <a:t>当作参数传递 </a:t>
             </a:r>
             <a:r>
-              <a:rPr lang="en-US" altLang="zh-CN" dirty="0" smtClean="0"/>
+              <a:rPr lang="en-US" altLang="zh-CN" dirty="0"/>
               <a:t>NS :1R</a:t>
             </a:r>
             <a:endParaRPr lang="en-US" dirty="0"/>
@@ -5825,7 +5875,7 @@
           <p:cNvPr id="9" name="Rectangle 8">
             <a:extLst>
               <a:ext uri="{FF2B5EF4-FFF2-40B4-BE49-F238E27FC236}">
-                <a16:creationId xmlns="" xmlns:a16="http://schemas.microsoft.com/office/drawing/2014/main" id="{09DF8025-61D7-487E-B878-BECE556123CE}"/>
+                <a16:creationId xmlns:a16="http://schemas.microsoft.com/office/drawing/2014/main" id="{09DF8025-61D7-487E-B878-BECE556123CE}"/>
               </a:ext>
             </a:extLst>
           </p:cNvPr>
@@ -5852,14 +5902,14 @@
               <a:buAutoNum type="arabicPeriod"/>
             </a:pPr>
             <a:r>
-              <a:rPr lang="en-US" altLang="zh-CN" sz="3200" dirty="0" smtClean="0"/>
+              <a:rPr lang="en-US" altLang="zh-CN" sz="3200" dirty="0"/>
               <a:t>Channel</a:t>
             </a:r>
             <a:r>
-              <a:rPr lang="zh-CN" altLang="en-US" sz="3200" dirty="0" smtClean="0"/>
+              <a:rPr lang="zh-CN" altLang="en-US" sz="3200" dirty="0"/>
               <a:t>当作参数来传递</a:t>
             </a:r>
-            <a:endParaRPr lang="en-US" altLang="zh-CN" sz="3200" dirty="0" smtClean="0"/>
+            <a:endParaRPr lang="en-US" altLang="zh-CN" sz="3200" dirty="0"/>
           </a:p>
           <a:p>
             <a:pPr marL="514350" indent="-514350">
@@ -5867,15 +5917,15 @@
               <a:buAutoNum type="arabicPeriod"/>
             </a:pPr>
             <a:r>
-              <a:rPr lang="en-US" altLang="zh-CN" sz="3200" dirty="0" smtClean="0"/>
+              <a:rPr lang="en-US" altLang="zh-CN" sz="3200" dirty="0"/>
               <a:t>N </a:t>
             </a:r>
             <a:r>
-              <a:rPr lang="zh-CN" altLang="en-US" sz="3200" dirty="0" smtClean="0"/>
+              <a:rPr lang="zh-CN" altLang="en-US" sz="3200" dirty="0"/>
               <a:t>个</a:t>
             </a:r>
             <a:r>
-              <a:rPr lang="en-US" altLang="zh-CN" sz="3200" dirty="0" smtClean="0"/>
+              <a:rPr lang="en-US" altLang="zh-CN" sz="3200" dirty="0"/>
               <a:t>Sender</a:t>
             </a:r>
           </a:p>
@@ -5885,11 +5935,11 @@
               <a:buAutoNum type="arabicPeriod"/>
             </a:pPr>
             <a:r>
-              <a:rPr lang="zh-CN" altLang="en-US" sz="3200" dirty="0" smtClean="0"/>
+              <a:rPr lang="zh-CN" altLang="en-US" sz="3200" dirty="0"/>
               <a:t>一个</a:t>
             </a:r>
             <a:r>
-              <a:rPr lang="en-US" altLang="zh-CN" sz="3200" dirty="0" smtClean="0"/>
+              <a:rPr lang="en-US" altLang="zh-CN" sz="3200" dirty="0"/>
               <a:t>Receiver</a:t>
             </a:r>
           </a:p>
@@ -5980,7 +6030,7 @@
     </p:spTree>
     <p:extLst>
       <p:ext uri="{BB962C8B-B14F-4D97-AF65-F5344CB8AC3E}">
-        <p14:creationId xmlns="" xmlns:p14="http://schemas.microsoft.com/office/powerpoint/2010/main" val="375138371"/>
+        <p14:creationId xmlns:p14="http://schemas.microsoft.com/office/powerpoint/2010/main" val="375138371"/>
       </p:ext>
     </p:extLst>
   </p:cSld>
@@ -6012,7 +6062,7 @@
           <p:cNvPr id="2" name="Title 1">
             <a:extLst>
               <a:ext uri="{FF2B5EF4-FFF2-40B4-BE49-F238E27FC236}">
-                <a16:creationId xmlns="" xmlns:a16="http://schemas.microsoft.com/office/drawing/2014/main" id="{D7C84779-5F93-4DCC-86DF-8D79DEAEC374}"/>
+                <a16:creationId xmlns:a16="http://schemas.microsoft.com/office/drawing/2014/main" id="{D7C84779-5F93-4DCC-86DF-8D79DEAEC374}"/>
               </a:ext>
             </a:extLst>
           </p:cNvPr>
@@ -6029,40 +6079,40 @@
           <a:lstStyle/>
           <a:p>
             <a:r>
-              <a:rPr lang="en-US" altLang="zh-CN" dirty="0" smtClean="0"/>
+              <a:rPr lang="en-US" altLang="zh-CN" dirty="0"/>
               <a:t>N</a:t>
             </a:r>
             <a:r>
-              <a:rPr lang="zh-CN" altLang="en-US" dirty="0" smtClean="0"/>
+              <a:rPr lang="zh-CN" altLang="en-US" dirty="0"/>
               <a:t>个</a:t>
             </a:r>
             <a:r>
-              <a:rPr lang="en-US" altLang="zh-CN" dirty="0" err="1" smtClean="0"/>
+              <a:rPr lang="en-US" altLang="zh-CN" dirty="0" err="1"/>
               <a:t>goroutine</a:t>
             </a:r>
             <a:r>
-              <a:rPr lang="zh-CN" altLang="en-US" dirty="0" smtClean="0"/>
+              <a:rPr lang="zh-CN" altLang="en-US" dirty="0"/>
               <a:t>读</a:t>
             </a:r>
             <a:r>
-              <a:rPr lang="en-US" altLang="zh-CN" dirty="0" smtClean="0"/>
+              <a:rPr lang="en-US" altLang="zh-CN" dirty="0"/>
               <a:t>1</a:t>
             </a:r>
             <a:r>
-              <a:rPr lang="zh-CN" altLang="en-US" dirty="0" smtClean="0"/>
+              <a:rPr lang="zh-CN" altLang="en-US" dirty="0"/>
               <a:t>条</a:t>
             </a:r>
             <a:r>
-              <a:rPr lang="en-US" altLang="zh-CN" dirty="0" smtClean="0"/>
+              <a:rPr lang="en-US" altLang="zh-CN" dirty="0"/>
               <a:t> Channel </a:t>
             </a:r>
             <a:r>
-              <a:rPr lang="zh-CN" altLang="en-US" dirty="0" smtClean="0"/>
+              <a:rPr lang="zh-CN" altLang="en-US" dirty="0"/>
               <a:t> </a:t>
             </a:r>
             <a:r>
-              <a:rPr lang="en-US" altLang="zh-CN" dirty="0" smtClean="0"/>
-              <a:t>(NR :1S)</a:t>
+              <a:rPr lang="en-US" altLang="zh-CN" dirty="0"/>
+              <a:t>(1S :NR)</a:t>
             </a:r>
             <a:endParaRPr lang="en-US" dirty="0"/>
           </a:p>
@@ -6073,7 +6123,7 @@
           <p:cNvPr id="9" name="Rectangle 8">
             <a:extLst>
               <a:ext uri="{FF2B5EF4-FFF2-40B4-BE49-F238E27FC236}">
-                <a16:creationId xmlns="" xmlns:a16="http://schemas.microsoft.com/office/drawing/2014/main" id="{09DF8025-61D7-487E-B878-BECE556123CE}"/>
+                <a16:creationId xmlns:a16="http://schemas.microsoft.com/office/drawing/2014/main" id="{09DF8025-61D7-487E-B878-BECE556123CE}"/>
               </a:ext>
             </a:extLst>
           </p:cNvPr>
@@ -6100,14 +6150,14 @@
               <a:buAutoNum type="arabicPeriod"/>
             </a:pPr>
             <a:r>
-              <a:rPr lang="en-US" altLang="zh-CN" sz="3200" dirty="0" smtClean="0"/>
+              <a:rPr lang="en-US" altLang="zh-CN" sz="3200" dirty="0"/>
               <a:t>Channel</a:t>
             </a:r>
             <a:r>
-              <a:rPr lang="zh-CN" altLang="en-US" sz="3200" dirty="0" smtClean="0"/>
+              <a:rPr lang="zh-CN" altLang="en-US" sz="3200" dirty="0"/>
               <a:t>当作参数来传递</a:t>
             </a:r>
-            <a:endParaRPr lang="en-US" altLang="zh-CN" sz="3200" dirty="0" smtClean="0"/>
+            <a:endParaRPr lang="en-US" altLang="zh-CN" sz="3200" dirty="0"/>
           </a:p>
           <a:p>
             <a:pPr marL="514350" indent="-514350">
@@ -6115,15 +6165,15 @@
               <a:buAutoNum type="arabicPeriod"/>
             </a:pPr>
             <a:r>
-              <a:rPr lang="en-US" altLang="zh-CN" sz="3200" dirty="0" smtClean="0"/>
+              <a:rPr lang="en-US" altLang="zh-CN" sz="3200" dirty="0"/>
               <a:t>N </a:t>
             </a:r>
             <a:r>
-              <a:rPr lang="zh-CN" altLang="en-US" sz="3200" dirty="0" smtClean="0"/>
+              <a:rPr lang="zh-CN" altLang="en-US" sz="3200" dirty="0"/>
               <a:t>个</a:t>
             </a:r>
             <a:r>
-              <a:rPr lang="en-US" altLang="zh-CN" sz="3200" dirty="0" smtClean="0"/>
+              <a:rPr lang="en-US" altLang="zh-CN" sz="3200" dirty="0"/>
               <a:t>Sender</a:t>
             </a:r>
           </a:p>
@@ -6133,11 +6183,11 @@
               <a:buAutoNum type="arabicPeriod"/>
             </a:pPr>
             <a:r>
-              <a:rPr lang="zh-CN" altLang="en-US" sz="3200" dirty="0" smtClean="0"/>
+              <a:rPr lang="zh-CN" altLang="en-US" sz="3200" dirty="0"/>
               <a:t>一个</a:t>
             </a:r>
             <a:r>
-              <a:rPr lang="en-US" altLang="zh-CN" sz="3200" dirty="0" smtClean="0"/>
+              <a:rPr lang="en-US" altLang="zh-CN" sz="3200" dirty="0"/>
               <a:t>Receiver</a:t>
             </a:r>
           </a:p>
@@ -6147,10 +6197,10 @@
               <a:buAutoNum type="arabicPeriod"/>
             </a:pPr>
             <a:r>
-              <a:rPr lang="zh-CN" altLang="en-US" sz="3200" dirty="0" smtClean="0"/>
+              <a:rPr lang="zh-CN" altLang="en-US" sz="3200" dirty="0"/>
               <a:t>为什么每次结果都不一样？？</a:t>
             </a:r>
-            <a:endParaRPr lang="en-US" altLang="zh-CN" sz="3200" dirty="0" smtClean="0"/>
+            <a:endParaRPr lang="en-US" altLang="zh-CN" sz="3200" dirty="0"/>
           </a:p>
           <a:p>
             <a:pPr marL="514350" indent="-514350"/>
@@ -6272,7 +6322,7 @@
     </p:spTree>
     <p:extLst>
       <p:ext uri="{BB962C8B-B14F-4D97-AF65-F5344CB8AC3E}">
-        <p14:creationId xmlns="" xmlns:p14="http://schemas.microsoft.com/office/powerpoint/2010/main" val="375138371"/>
+        <p14:creationId xmlns:p14="http://schemas.microsoft.com/office/powerpoint/2010/main" val="375138371"/>
       </p:ext>
     </p:extLst>
   </p:cSld>
@@ -6304,7 +6354,7 @@
           <p:cNvPr id="2" name="Title 1">
             <a:extLst>
               <a:ext uri="{FF2B5EF4-FFF2-40B4-BE49-F238E27FC236}">
-                <a16:creationId xmlns="" xmlns:a16="http://schemas.microsoft.com/office/drawing/2014/main" id="{D7C84779-5F93-4DCC-86DF-8D79DEAEC374}"/>
+                <a16:creationId xmlns:a16="http://schemas.microsoft.com/office/drawing/2014/main" id="{D7C84779-5F93-4DCC-86DF-8D79DEAEC374}"/>
               </a:ext>
             </a:extLst>
           </p:cNvPr>
@@ -6321,40 +6371,40 @@
           <a:lstStyle/>
           <a:p>
             <a:r>
-              <a:rPr lang="en-US" altLang="zh-CN" dirty="0" smtClean="0"/>
+              <a:rPr lang="en-US" altLang="zh-CN" dirty="0"/>
               <a:t>N</a:t>
             </a:r>
             <a:r>
-              <a:rPr lang="zh-CN" altLang="en-US" dirty="0" smtClean="0"/>
+              <a:rPr lang="zh-CN" altLang="en-US" dirty="0"/>
               <a:t>个</a:t>
             </a:r>
             <a:r>
-              <a:rPr lang="en-US" altLang="zh-CN" dirty="0" err="1" smtClean="0"/>
+              <a:rPr lang="en-US" altLang="zh-CN" dirty="0" err="1"/>
               <a:t>goroutine</a:t>
             </a:r>
             <a:r>
-              <a:rPr lang="zh-CN" altLang="en-US" dirty="0" smtClean="0"/>
+              <a:rPr lang="zh-CN" altLang="en-US" dirty="0"/>
               <a:t>读</a:t>
             </a:r>
             <a:r>
-              <a:rPr lang="en-US" altLang="zh-CN" dirty="0" smtClean="0"/>
+              <a:rPr lang="en-US" altLang="zh-CN" dirty="0"/>
               <a:t>1</a:t>
             </a:r>
             <a:r>
-              <a:rPr lang="zh-CN" altLang="en-US" dirty="0" smtClean="0"/>
+              <a:rPr lang="zh-CN" altLang="en-US" dirty="0"/>
               <a:t>条</a:t>
             </a:r>
             <a:r>
-              <a:rPr lang="en-US" altLang="zh-CN" dirty="0" smtClean="0"/>
+              <a:rPr lang="en-US" altLang="zh-CN" dirty="0"/>
               <a:t> Channel  </a:t>
             </a:r>
             <a:r>
-              <a:rPr lang="zh-CN" altLang="en-US" dirty="0" smtClean="0"/>
+              <a:rPr lang="zh-CN" altLang="en-US" dirty="0"/>
               <a:t> </a:t>
             </a:r>
             <a:r>
-              <a:rPr lang="en-US" altLang="zh-CN" dirty="0" smtClean="0"/>
-              <a:t>(NR :1S) -cont</a:t>
+              <a:rPr lang="en-US" altLang="zh-CN" dirty="0"/>
+              <a:t>(1S: NR) -cont</a:t>
             </a:r>
             <a:endParaRPr lang="en-US" dirty="0"/>
           </a:p>
@@ -6365,7 +6415,7 @@
           <p:cNvPr id="9" name="Rectangle 8">
             <a:extLst>
               <a:ext uri="{FF2B5EF4-FFF2-40B4-BE49-F238E27FC236}">
-                <a16:creationId xmlns="" xmlns:a16="http://schemas.microsoft.com/office/drawing/2014/main" id="{09DF8025-61D7-487E-B878-BECE556123CE}"/>
+                <a16:creationId xmlns:a16="http://schemas.microsoft.com/office/drawing/2014/main" id="{09DF8025-61D7-487E-B878-BECE556123CE}"/>
               </a:ext>
             </a:extLst>
           </p:cNvPr>
@@ -6388,24 +6438,24 @@
           <a:lstStyle/>
           <a:p>
             <a:pPr marL="514350" indent="-514350"/>
-            <a:endParaRPr lang="en-US" altLang="zh-CN" sz="3200" dirty="0" smtClean="0"/>
+            <a:endParaRPr lang="en-US" altLang="zh-CN" sz="3200" dirty="0"/>
           </a:p>
           <a:p>
             <a:pPr marL="514350" indent="-514350"/>
             <a:r>
-              <a:rPr lang="en-US" altLang="zh-CN" sz="3200" dirty="0" err="1" smtClean="0"/>
+              <a:rPr lang="en-US" altLang="zh-CN" sz="3200" dirty="0" err="1"/>
               <a:t>Sync.WaitGroup</a:t>
             </a:r>
             <a:r>
-              <a:rPr lang="zh-CN" altLang="en-US" sz="3200" dirty="0" smtClean="0"/>
+              <a:rPr lang="zh-CN" altLang="en-US" sz="3200" dirty="0"/>
               <a:t>同步</a:t>
             </a:r>
-            <a:endParaRPr lang="en-US" altLang="zh-CN" sz="3200" dirty="0" smtClean="0"/>
+            <a:endParaRPr lang="en-US" altLang="zh-CN" sz="3200" dirty="0"/>
           </a:p>
           <a:p>
             <a:pPr lvl="1"/>
             <a:r>
-              <a:rPr lang="en-US" sz="3200" i="1" dirty="0" err="1" smtClean="0">
+              <a:rPr lang="en-US" sz="3200" i="1" dirty="0" err="1">
                 <a:solidFill>
                   <a:schemeClr val="accent1">
                     <a:lumMod val="60000"/>
@@ -6416,7 +6466,7 @@
               <a:t>wg.Add</a:t>
             </a:r>
             <a:r>
-              <a:rPr lang="en-US" sz="3200" i="1" dirty="0" smtClean="0">
+              <a:rPr lang="en-US" sz="3200" i="1" dirty="0">
                 <a:solidFill>
                   <a:schemeClr val="accent1">
                     <a:lumMod val="60000"/>
@@ -6430,7 +6480,7 @@
           <a:p>
             <a:pPr lvl="1"/>
             <a:r>
-              <a:rPr lang="en-US" sz="3200" i="1" dirty="0" err="1" smtClean="0">
+              <a:rPr lang="en-US" sz="3200" i="1" dirty="0" err="1">
                 <a:solidFill>
                   <a:schemeClr val="accent1">
                     <a:lumMod val="60000"/>
@@ -6441,7 +6491,7 @@
               <a:t>wg.Done</a:t>
             </a:r>
             <a:r>
-              <a:rPr lang="en-US" sz="3200" i="1" dirty="0" smtClean="0">
+              <a:rPr lang="en-US" sz="3200" i="1" dirty="0">
                 <a:solidFill>
                   <a:schemeClr val="accent1">
                     <a:lumMod val="60000"/>
@@ -6452,7 +6502,7 @@
               <a:t>()  //</a:t>
             </a:r>
             <a:r>
-              <a:rPr lang="en-US" altLang="zh-CN" sz="3200" i="1" dirty="0" smtClean="0">
+              <a:rPr lang="en-US" altLang="zh-CN" sz="3200" i="1" dirty="0">
                 <a:solidFill>
                   <a:schemeClr val="accent1">
                     <a:lumMod val="60000"/>
@@ -6463,7 +6513,7 @@
               <a:t>10</a:t>
             </a:r>
             <a:r>
-              <a:rPr lang="zh-CN" altLang="en-US" sz="3200" i="1" dirty="0" smtClean="0">
+              <a:rPr lang="zh-CN" altLang="en-US" sz="3200" i="1" dirty="0">
                 <a:solidFill>
                   <a:schemeClr val="accent1">
                     <a:lumMod val="60000"/>
@@ -6473,7 +6523,7 @@
               </a:rPr>
               <a:t>次</a:t>
             </a:r>
-            <a:endParaRPr lang="en-US" sz="3200" i="1" dirty="0" smtClean="0">
+            <a:endParaRPr lang="en-US" sz="3200" i="1" dirty="0">
               <a:solidFill>
                 <a:schemeClr val="accent1">
                   <a:lumMod val="60000"/>
@@ -6485,7 +6535,7 @@
           <a:p>
             <a:pPr lvl="1"/>
             <a:r>
-              <a:rPr lang="en-US" sz="3200" i="1" dirty="0" err="1" smtClean="0">
+              <a:rPr lang="en-US" sz="3200" i="1" dirty="0" err="1">
                 <a:solidFill>
                   <a:schemeClr val="accent1">
                     <a:lumMod val="60000"/>
@@ -6496,7 +6546,7 @@
               <a:t>wg.Wait</a:t>
             </a:r>
             <a:r>
-              <a:rPr lang="en-US" sz="3200" i="1" dirty="0" smtClean="0">
+              <a:rPr lang="en-US" sz="3200" i="1" dirty="0">
                 <a:solidFill>
                   <a:schemeClr val="accent1">
                     <a:lumMod val="60000"/>
@@ -6509,28 +6559,28 @@
           </a:p>
           <a:p>
             <a:r>
-              <a:rPr lang="en-US" sz="3200" dirty="0" err="1" smtClean="0"/>
+              <a:rPr lang="en-US" sz="3200" dirty="0" err="1"/>
               <a:t>Sync.Mutex</a:t>
             </a:r>
-            <a:endParaRPr lang="en-US" sz="3200" dirty="0" smtClean="0"/>
-          </a:p>
-          <a:p>
-            <a:r>
-              <a:rPr lang="en-US" sz="3200" dirty="0" err="1" smtClean="0"/>
+            <a:endParaRPr lang="en-US" sz="3200" dirty="0"/>
+          </a:p>
+          <a:p>
+            <a:r>
+              <a:rPr lang="en-US" sz="3200" dirty="0" err="1"/>
               <a:t>Sync.RWMutex</a:t>
             </a:r>
-            <a:endParaRPr lang="en-US" sz="3200" dirty="0" smtClean="0"/>
-          </a:p>
-          <a:p>
-            <a:r>
-              <a:rPr lang="en-US" sz="3200" dirty="0" err="1" smtClean="0"/>
+            <a:endParaRPr lang="en-US" sz="3200" dirty="0"/>
+          </a:p>
+          <a:p>
+            <a:r>
+              <a:rPr lang="en-US" sz="3200" dirty="0" err="1"/>
               <a:t>Sync.Once</a:t>
             </a:r>
-            <a:endParaRPr lang="en-US" sz="3200" dirty="0" smtClean="0"/>
-          </a:p>
-          <a:p>
-            <a:r>
-              <a:rPr lang="en-US" sz="3200" dirty="0" err="1" smtClean="0"/>
+            <a:endParaRPr lang="en-US" sz="3200" dirty="0"/>
+          </a:p>
+          <a:p>
+            <a:r>
+              <a:rPr lang="en-US" sz="3200" dirty="0" err="1"/>
               <a:t>Sync.Cond</a:t>
             </a:r>
             <a:endParaRPr lang="en-US" sz="3200" i="1" dirty="0"/>
@@ -6609,7 +6659,7 @@
     </p:spTree>
     <p:extLst>
       <p:ext uri="{BB962C8B-B14F-4D97-AF65-F5344CB8AC3E}">
-        <p14:creationId xmlns="" xmlns:p14="http://schemas.microsoft.com/office/powerpoint/2010/main" val="375138371"/>
+        <p14:creationId xmlns:p14="http://schemas.microsoft.com/office/powerpoint/2010/main" val="375138371"/>
       </p:ext>
     </p:extLst>
   </p:cSld>
@@ -6641,7 +6691,7 @@
           <p:cNvPr id="2" name="Title 1">
             <a:extLst>
               <a:ext uri="{FF2B5EF4-FFF2-40B4-BE49-F238E27FC236}">
-                <a16:creationId xmlns="" xmlns:a16="http://schemas.microsoft.com/office/drawing/2014/main" id="{D7C84779-5F93-4DCC-86DF-8D79DEAEC374}"/>
+                <a16:creationId xmlns:a16="http://schemas.microsoft.com/office/drawing/2014/main" id="{D7C84779-5F93-4DCC-86DF-8D79DEAEC374}"/>
               </a:ext>
             </a:extLst>
           </p:cNvPr>
@@ -6669,7 +6719,7 @@
           <p:cNvPr id="3" name="Content Placeholder 2">
             <a:extLst>
               <a:ext uri="{FF2B5EF4-FFF2-40B4-BE49-F238E27FC236}">
-                <a16:creationId xmlns="" xmlns:a16="http://schemas.microsoft.com/office/drawing/2014/main" id="{0E59A1AE-F806-46F3-BA69-B4B5C2C30661}"/>
+                <a16:creationId xmlns:a16="http://schemas.microsoft.com/office/drawing/2014/main" id="{0E59A1AE-F806-46F3-BA69-B4B5C2C30661}"/>
               </a:ext>
             </a:extLst>
           </p:cNvPr>
@@ -6712,74 +6762,10 @@
           </a:p>
         </p:txBody>
       </p:sp>
-      <p:graphicFrame>
-        <p:nvGraphicFramePr>
-          <p:cNvPr id="9" name="Object 8">
-            <a:extLst>
-              <a:ext uri="{FF2B5EF4-FFF2-40B4-BE49-F238E27FC236}">
-                <a16:creationId xmlns="" xmlns:a16="http://schemas.microsoft.com/office/drawing/2014/main" id="{1045B712-5FE4-4762-8814-15F0ADBF60CC}"/>
-              </a:ext>
-            </a:extLst>
-          </p:cNvPr>
-          <p:cNvGraphicFramePr>
-            <a:graphicFrameLocks noChangeAspect="1"/>
-          </p:cNvGraphicFramePr>
-          <p:nvPr>
-            <p:extLst>
-              <p:ext uri="{D42A27DB-BD31-4B8C-83A1-F6EECF244321}">
-                <p14:modId xmlns="" xmlns:p14="http://schemas.microsoft.com/office/powerpoint/2010/main" val="802764902"/>
-              </p:ext>
-            </p:extLst>
-          </p:nvPr>
-        </p:nvGraphicFramePr>
-        <p:xfrm>
-          <a:off x="1253707" y="3429000"/>
-          <a:ext cx="1422400" cy="685800"/>
-        </p:xfrm>
-        <a:graphic>
-          <a:graphicData uri="http://schemas.openxmlformats.org/presentationml/2006/ole">
-            <p:oleObj spid="_x0000_s2116" name="Packager Shell Object" showAsIcon="1" r:id="rId4" imgW="1421640" imgH="685800" progId="Package">
-              <p:embed/>
-            </p:oleObj>
-          </a:graphicData>
-        </a:graphic>
-      </p:graphicFrame>
-      <p:graphicFrame>
-        <p:nvGraphicFramePr>
-          <p:cNvPr id="10" name="Object 9">
-            <a:extLst>
-              <a:ext uri="{FF2B5EF4-FFF2-40B4-BE49-F238E27FC236}">
-                <a16:creationId xmlns="" xmlns:a16="http://schemas.microsoft.com/office/drawing/2014/main" id="{2A950656-C479-499D-9038-96DEB37536E6}"/>
-              </a:ext>
-            </a:extLst>
-          </p:cNvPr>
-          <p:cNvGraphicFramePr>
-            <a:graphicFrameLocks noChangeAspect="1"/>
-          </p:cNvGraphicFramePr>
-          <p:nvPr>
-            <p:extLst>
-              <p:ext uri="{D42A27DB-BD31-4B8C-83A1-F6EECF244321}">
-                <p14:modId xmlns="" xmlns:p14="http://schemas.microsoft.com/office/powerpoint/2010/main" val="3924934244"/>
-              </p:ext>
-            </p:extLst>
-          </p:nvPr>
-        </p:nvGraphicFramePr>
-        <p:xfrm>
-          <a:off x="3214604" y="3429000"/>
-          <a:ext cx="2195513" cy="685800"/>
-        </p:xfrm>
-        <a:graphic>
-          <a:graphicData uri="http://schemas.openxmlformats.org/presentationml/2006/ole">
-            <p:oleObj spid="_x0000_s2117" name="Packager Shell Object" showAsIcon="1" r:id="rId5" imgW="2196000" imgH="685800" progId="Package">
-              <p:embed/>
-            </p:oleObj>
-          </a:graphicData>
-        </a:graphic>
-      </p:graphicFrame>
     </p:spTree>
     <p:extLst>
       <p:ext uri="{BB962C8B-B14F-4D97-AF65-F5344CB8AC3E}">
-        <p14:creationId xmlns="" xmlns:p14="http://schemas.microsoft.com/office/powerpoint/2010/main" val="1408701152"/>
+        <p14:creationId xmlns:p14="http://schemas.microsoft.com/office/powerpoint/2010/main" val="1408701152"/>
       </p:ext>
     </p:extLst>
   </p:cSld>
@@ -6811,7 +6797,7 @@
           <p:cNvPr id="2" name="Title 1">
             <a:extLst>
               <a:ext uri="{FF2B5EF4-FFF2-40B4-BE49-F238E27FC236}">
-                <a16:creationId xmlns="" xmlns:a16="http://schemas.microsoft.com/office/drawing/2014/main" id="{8342A161-B3E9-4758-A71C-0474D4118B56}"/>
+                <a16:creationId xmlns:a16="http://schemas.microsoft.com/office/drawing/2014/main" id="{8342A161-B3E9-4758-A71C-0474D4118B56}"/>
               </a:ext>
             </a:extLst>
           </p:cNvPr>
@@ -6839,7 +6825,7 @@
           <p:cNvPr id="3" name="Content Placeholder 2">
             <a:extLst>
               <a:ext uri="{FF2B5EF4-FFF2-40B4-BE49-F238E27FC236}">
-                <a16:creationId xmlns="" xmlns:a16="http://schemas.microsoft.com/office/drawing/2014/main" id="{EFC431BF-252A-4742-96DF-4B53752625D3}"/>
+                <a16:creationId xmlns:a16="http://schemas.microsoft.com/office/drawing/2014/main" id="{EFC431BF-252A-4742-96DF-4B53752625D3}"/>
               </a:ext>
             </a:extLst>
           </p:cNvPr>
@@ -6850,10 +6836,15 @@
             <p:ph idx="1"/>
           </p:nvPr>
         </p:nvSpPr>
-        <p:spPr/>
+        <p:spPr>
+          <a:xfrm>
+            <a:off x="299101" y="800114"/>
+            <a:ext cx="11647919" cy="5352785"/>
+          </a:xfrm>
+        </p:spPr>
         <p:txBody>
           <a:bodyPr>
-            <a:normAutofit lnSpcReduction="10000"/>
+            <a:normAutofit/>
           </a:bodyPr>
           <a:lstStyle/>
           <a:p>
@@ -6884,75 +6875,81 @@
           <a:p>
             <a:r>
               <a:rPr lang="en-US" dirty="0"/>
-              <a:t>Channel, and Sync.</a:t>
-            </a:r>
+              <a:t>Channel </a:t>
+            </a:r>
+            <a:r>
+              <a:rPr lang="zh-CN" altLang="en-US" dirty="0"/>
+              <a:t>通道</a:t>
+            </a:r>
+            <a:endParaRPr lang="en-US" altLang="zh-CN" dirty="0"/>
+          </a:p>
+          <a:p>
+            <a:pPr lvl="1"/>
+            <a:r>
+              <a:rPr lang="zh-CN" altLang="en-US" dirty="0"/>
+              <a:t>方向，类型，阻塞，</a:t>
+            </a:r>
+            <a:r>
+              <a:rPr lang="en-US" altLang="zh-CN" dirty="0"/>
+              <a:t>Ticker </a:t>
+            </a:r>
+            <a:r>
+              <a:rPr lang="zh-CN" altLang="en-US" dirty="0"/>
+              <a:t>打点器</a:t>
+            </a:r>
+            <a:endParaRPr lang="en-US" altLang="zh-CN" dirty="0"/>
+          </a:p>
+          <a:p>
+            <a:pPr lvl="1"/>
+            <a:r>
+              <a:rPr lang="zh-CN" altLang="en-US" dirty="0"/>
+              <a:t>缓冲</a:t>
+            </a:r>
+            <a:r>
+              <a:rPr lang="en-US" altLang="zh-CN" dirty="0"/>
+              <a:t>Channel</a:t>
+            </a:r>
+          </a:p>
+          <a:p>
+            <a:pPr lvl="1"/>
+            <a:r>
+              <a:rPr lang="zh-CN" altLang="en-US" dirty="0"/>
+              <a:t>把</a:t>
+            </a:r>
+            <a:r>
+              <a:rPr lang="en-US" altLang="zh-CN" dirty="0"/>
+              <a:t>Channel</a:t>
+            </a:r>
+            <a:r>
+              <a:rPr lang="zh-CN" altLang="en-US" dirty="0"/>
+              <a:t>看着消息队列  </a:t>
+            </a:r>
+            <a:r>
+              <a:rPr lang="en-US" altLang="zh-CN" dirty="0"/>
+              <a:t>1:1,</a:t>
+            </a:r>
+            <a:r>
+              <a:rPr lang="zh-CN" altLang="en-US" dirty="0"/>
+              <a:t> </a:t>
+            </a:r>
+            <a:r>
+              <a:rPr lang="en-US" altLang="zh-CN" dirty="0"/>
+              <a:t>N:1, 1:N</a:t>
+            </a:r>
+            <a:endParaRPr lang="en-US" dirty="0"/>
+          </a:p>
+          <a:p>
+            <a:endParaRPr lang="en-US" dirty="0"/>
           </a:p>
           <a:p>
             <a:r>
               <a:rPr lang="en-US" dirty="0"/>
-              <a:t>Hamcrest Assert Samples:</a:t>
-            </a:r>
-            <a:endParaRPr lang="en-US" dirty="0">
-              <a:solidFill>
-                <a:srgbClr val="FFC000"/>
-              </a:solidFill>
-            </a:endParaRPr>
-          </a:p>
-          <a:p>
-            <a:pPr lvl="1"/>
-            <a:r>
-              <a:rPr lang="en-US" dirty="0"/>
-              <a:t>Generics</a:t>
-            </a:r>
-            <a:endParaRPr lang="en-US" dirty="0">
-              <a:solidFill>
-                <a:srgbClr val="FFC000"/>
-              </a:solidFill>
-            </a:endParaRPr>
-          </a:p>
-          <a:p>
-            <a:pPr lvl="1"/>
-            <a:r>
-              <a:rPr lang="en-US" dirty="0"/>
-              <a:t>Combining</a:t>
-            </a:r>
-          </a:p>
-          <a:p>
-            <a:pPr lvl="1"/>
-            <a:r>
-              <a:rPr lang="en-US" dirty="0"/>
-              <a:t>Strings</a:t>
-            </a:r>
-            <a:endParaRPr lang="en-US" dirty="0">
-              <a:solidFill>
-                <a:srgbClr val="FFC000"/>
-              </a:solidFill>
-            </a:endParaRPr>
-          </a:p>
-          <a:p>
-            <a:pPr lvl="1"/>
-            <a:r>
-              <a:rPr lang="en-US" dirty="0"/>
-              <a:t>Containers</a:t>
-            </a:r>
-          </a:p>
-          <a:p>
-            <a:pPr lvl="1"/>
-            <a:r>
-              <a:rPr lang="en-US" dirty="0"/>
-              <a:t>Beans</a:t>
-            </a:r>
-          </a:p>
-          <a:p>
-            <a:pPr lvl="1"/>
-            <a:r>
-              <a:rPr lang="en-US" dirty="0" err="1"/>
-              <a:t>Comparables</a:t>
-            </a:r>
-            <a:endParaRPr lang="en-US" dirty="0"/>
-          </a:p>
-          <a:p>
-            <a:pPr lvl="1"/>
+              <a:t>Sync</a:t>
+            </a:r>
+            <a:r>
+              <a:rPr lang="zh-CN" altLang="en-US" dirty="0"/>
+              <a:t>包 </a:t>
+            </a:r>
             <a:endParaRPr lang="en-US" dirty="0"/>
           </a:p>
           <a:p>
@@ -7002,7 +6999,7 @@
     </p:spTree>
     <p:extLst>
       <p:ext uri="{BB962C8B-B14F-4D97-AF65-F5344CB8AC3E}">
-        <p14:creationId xmlns="" xmlns:p14="http://schemas.microsoft.com/office/powerpoint/2010/main" val="3122889517"/>
+        <p14:creationId xmlns:p14="http://schemas.microsoft.com/office/powerpoint/2010/main" val="3122889517"/>
       </p:ext>
     </p:extLst>
   </p:cSld>
@@ -7034,7 +7031,7 @@
           <p:cNvPr id="2" name="Title 1">
             <a:extLst>
               <a:ext uri="{FF2B5EF4-FFF2-40B4-BE49-F238E27FC236}">
-                <a16:creationId xmlns="" xmlns:a16="http://schemas.microsoft.com/office/drawing/2014/main" id="{AB0A8BCD-AB0A-49E3-A2BA-459943BAEEF4}"/>
+                <a16:creationId xmlns:a16="http://schemas.microsoft.com/office/drawing/2014/main" id="{AB0A8BCD-AB0A-49E3-A2BA-459943BAEEF4}"/>
               </a:ext>
             </a:extLst>
           </p:cNvPr>
@@ -7055,16 +7052,12 @@
               <a:t>一个</a:t>
             </a:r>
             <a:r>
-              <a:rPr lang="en-US" altLang="zh-CN" dirty="0" smtClean="0"/>
+              <a:rPr lang="en-US" altLang="zh-CN" dirty="0"/>
               <a:t>RPC</a:t>
             </a:r>
             <a:r>
-              <a:rPr lang="zh-CN" altLang="en-US" dirty="0" smtClean="0"/>
-              <a:t>调用的</a:t>
-            </a:r>
-            <a:r>
               <a:rPr lang="zh-CN" altLang="en-US" dirty="0"/>
-              <a:t>例子</a:t>
+              <a:t>调用的例子</a:t>
             </a:r>
             <a:endParaRPr lang="en-US" dirty="0"/>
           </a:p>
@@ -7075,7 +7068,7 @@
           <p:cNvPr id="3" name="Content Placeholder 2">
             <a:extLst>
               <a:ext uri="{FF2B5EF4-FFF2-40B4-BE49-F238E27FC236}">
-                <a16:creationId xmlns="" xmlns:a16="http://schemas.microsoft.com/office/drawing/2014/main" id="{9CEEFE61-DC95-418E-BAF4-089832837283}"/>
+                <a16:creationId xmlns:a16="http://schemas.microsoft.com/office/drawing/2014/main" id="{9CEEFE61-DC95-418E-BAF4-089832837283}"/>
               </a:ext>
             </a:extLst>
           </p:cNvPr>
@@ -7106,13 +7099,9 @@
             </a:r>
             <a:r>
               <a:rPr lang="zh-CN" altLang="en-US" sz="3600" i="1" dirty="0"/>
-              <a:t>服务端计算乘积并返回</a:t>
-            </a:r>
-            <a:r>
-              <a:rPr lang="zh-CN" altLang="en-US" sz="3600" i="1" dirty="0" smtClean="0"/>
-              <a:t>结果</a:t>
-            </a:r>
-            <a:endParaRPr lang="en-US" altLang="zh-CN" sz="3600" i="1" dirty="0" smtClean="0"/>
+              <a:t>服务端计算乘积并返回结果</a:t>
+            </a:r>
+            <a:endParaRPr lang="en-US" altLang="zh-CN" sz="3600" i="1" dirty="0"/>
           </a:p>
           <a:p>
             <a:pPr lvl="1"/>
@@ -7121,86 +7110,86 @@
           <a:p>
             <a:pPr lvl="1"/>
             <a:r>
-              <a:rPr lang="en-US" altLang="zh-CN" dirty="0" smtClean="0"/>
+              <a:rPr lang="en-US" altLang="zh-CN" dirty="0"/>
               <a:t>QPS</a:t>
             </a:r>
             <a:r>
-              <a:rPr lang="zh-CN" altLang="en-US" dirty="0" smtClean="0"/>
+              <a:rPr lang="zh-CN" altLang="en-US" dirty="0"/>
               <a:t>：</a:t>
             </a:r>
             <a:r>
-              <a:rPr lang="en-US" altLang="zh-CN" dirty="0" smtClean="0"/>
+              <a:rPr lang="en-US" altLang="zh-CN" dirty="0"/>
               <a:t>3~6</a:t>
             </a:r>
             <a:r>
-              <a:rPr lang="zh-CN" altLang="en-US" dirty="0" smtClean="0"/>
+              <a:rPr lang="zh-CN" altLang="en-US" dirty="0"/>
               <a:t>万</a:t>
             </a:r>
-            <a:endParaRPr lang="en-US" altLang="zh-CN" dirty="0" smtClean="0"/>
+            <a:endParaRPr lang="en-US" altLang="zh-CN" dirty="0"/>
           </a:p>
           <a:p>
             <a:pPr lvl="1"/>
             <a:r>
-              <a:rPr lang="en-US" altLang="zh-CN" dirty="0" smtClean="0"/>
+              <a:rPr lang="en-US" altLang="zh-CN" dirty="0"/>
               <a:t>15K </a:t>
             </a:r>
             <a:r>
-              <a:rPr lang="zh-CN" altLang="en-US" dirty="0" smtClean="0"/>
+              <a:rPr lang="zh-CN" altLang="en-US" dirty="0"/>
               <a:t>长连接</a:t>
             </a:r>
-            <a:endParaRPr lang="en-US" altLang="zh-CN" dirty="0" smtClean="0"/>
+            <a:endParaRPr lang="en-US" altLang="zh-CN" dirty="0"/>
           </a:p>
           <a:p>
             <a:pPr lvl="1"/>
             <a:r>
-              <a:rPr lang="en-US" altLang="zh-CN" dirty="0" err="1" smtClean="0"/>
+              <a:rPr lang="en-US" altLang="zh-CN" dirty="0" err="1"/>
               <a:t>Serv+Client</a:t>
             </a:r>
-            <a:endParaRPr lang="en-US" altLang="zh-CN" dirty="0" smtClean="0"/>
+            <a:endParaRPr lang="en-US" altLang="zh-CN" dirty="0"/>
           </a:p>
           <a:p>
             <a:pPr lvl="1"/>
             <a:r>
-              <a:rPr lang="en-US" altLang="zh-CN" dirty="0" smtClean="0"/>
+              <a:rPr lang="en-US" altLang="zh-CN" dirty="0"/>
               <a:t>2</a:t>
             </a:r>
             <a:r>
-              <a:rPr lang="zh-CN" altLang="en-US" dirty="0" smtClean="0"/>
+              <a:rPr lang="zh-CN" altLang="en-US" dirty="0"/>
               <a:t>次序列化</a:t>
             </a:r>
-            <a:endParaRPr lang="en-US" altLang="zh-CN" dirty="0" smtClean="0"/>
+            <a:endParaRPr lang="en-US" altLang="zh-CN" dirty="0"/>
           </a:p>
           <a:p>
             <a:pPr lvl="1"/>
             <a:r>
-              <a:rPr lang="en-US" altLang="zh-CN" dirty="0" smtClean="0"/>
+              <a:rPr lang="en-US" altLang="zh-CN" dirty="0"/>
               <a:t>2</a:t>
             </a:r>
             <a:r>
-              <a:rPr lang="zh-CN" altLang="en-US" dirty="0" smtClean="0"/>
+              <a:rPr lang="zh-CN" altLang="en-US" dirty="0"/>
               <a:t>次反序列化</a:t>
             </a:r>
-            <a:endParaRPr lang="en-US" altLang="zh-CN" dirty="0" smtClean="0"/>
+            <a:endParaRPr lang="en-US" altLang="zh-CN" dirty="0"/>
           </a:p>
           <a:p>
             <a:pPr lvl="1"/>
             <a:r>
-              <a:rPr lang="en-US" altLang="zh-CN" dirty="0" smtClean="0"/>
+              <a:rPr lang="en-US" altLang="zh-CN" dirty="0"/>
               <a:t>2</a:t>
             </a:r>
             <a:r>
-              <a:rPr lang="zh-CN" altLang="en-US" dirty="0" smtClean="0"/>
+              <a:rPr lang="zh-CN" altLang="en-US" dirty="0"/>
               <a:t>次网络传输</a:t>
             </a:r>
-            <a:endParaRPr lang="en-US" altLang="zh-CN" dirty="0" smtClean="0"/>
+            <a:endParaRPr lang="en-US" altLang="zh-CN" dirty="0"/>
           </a:p>
           <a:p>
             <a:pPr lvl="1"/>
-            <a:endParaRPr lang="en-US" altLang="zh-CN" dirty="0" smtClean="0"/>
+            <a:endParaRPr lang="en-US" altLang="zh-CN" dirty="0"/>
           </a:p>
           <a:p>
             <a:pPr lvl="1"/>
-            <a:endParaRPr lang="en-US" altLang="zh-CN" dirty="0" smtClean="0"/>
+            <a:endParaRPr lang="en-US" altLang="zh-CN" dirty="0"/>
           </a:p>
           <a:p>
             <a:pPr lvl="1"/>
@@ -7213,7 +7202,7 @@
           <p:cNvPr id="6" name="Picture 5">
             <a:extLst>
               <a:ext uri="{FF2B5EF4-FFF2-40B4-BE49-F238E27FC236}">
-                <a16:creationId xmlns="" xmlns:a16="http://schemas.microsoft.com/office/drawing/2014/main" id="{27422100-F92B-4F00-8593-4B9D8040F490}"/>
+                <a16:creationId xmlns:a16="http://schemas.microsoft.com/office/drawing/2014/main" id="{27422100-F92B-4F00-8593-4B9D8040F490}"/>
               </a:ext>
             </a:extLst>
           </p:cNvPr>
@@ -7243,7 +7232,7 @@
           <p:cNvPr id="7" name="Picture 6">
             <a:extLst>
               <a:ext uri="{FF2B5EF4-FFF2-40B4-BE49-F238E27FC236}">
-                <a16:creationId xmlns="" xmlns:a16="http://schemas.microsoft.com/office/drawing/2014/main" id="{12A8AA35-23E3-4CB9-9C81-24C609C120D7}"/>
+                <a16:creationId xmlns:a16="http://schemas.microsoft.com/office/drawing/2014/main" id="{12A8AA35-23E3-4CB9-9C81-24C609C120D7}"/>
               </a:ext>
             </a:extLst>
           </p:cNvPr>
@@ -7271,7 +7260,7 @@
     </p:spTree>
     <p:extLst>
       <p:ext uri="{BB962C8B-B14F-4D97-AF65-F5344CB8AC3E}">
-        <p14:creationId xmlns="" xmlns:p14="http://schemas.microsoft.com/office/powerpoint/2010/main" val="2376815334"/>
+        <p14:creationId xmlns:p14="http://schemas.microsoft.com/office/powerpoint/2010/main" val="2376815334"/>
       </p:ext>
     </p:extLst>
   </p:cSld>
@@ -7303,7 +7292,7 @@
           <p:cNvPr id="2" name="Title 1">
             <a:extLst>
               <a:ext uri="{FF2B5EF4-FFF2-40B4-BE49-F238E27FC236}">
-                <a16:creationId xmlns="" xmlns:a16="http://schemas.microsoft.com/office/drawing/2014/main" id="{D7C84779-5F93-4DCC-86DF-8D79DEAEC374}"/>
+                <a16:creationId xmlns:a16="http://schemas.microsoft.com/office/drawing/2014/main" id="{D7C84779-5F93-4DCC-86DF-8D79DEAEC374}"/>
               </a:ext>
             </a:extLst>
           </p:cNvPr>
@@ -7320,11 +7309,11 @@
           <a:lstStyle/>
           <a:p>
             <a:r>
-              <a:rPr lang="en-US" altLang="zh-CN" dirty="0" err="1" smtClean="0"/>
+              <a:rPr lang="en-US" altLang="zh-CN" dirty="0" err="1"/>
               <a:t>Golang</a:t>
             </a:r>
             <a:r>
-              <a:rPr lang="zh-CN" altLang="en-US" dirty="0" smtClean="0"/>
+              <a:rPr lang="zh-CN" altLang="en-US" dirty="0"/>
               <a:t>大并发如此简单</a:t>
             </a:r>
             <a:endParaRPr lang="en-US" dirty="0"/>
@@ -7336,7 +7325,7 @@
           <p:cNvPr id="3" name="Content Placeholder 2">
             <a:extLst>
               <a:ext uri="{FF2B5EF4-FFF2-40B4-BE49-F238E27FC236}">
-                <a16:creationId xmlns="" xmlns:a16="http://schemas.microsoft.com/office/drawing/2014/main" id="{0E59A1AE-F806-46F3-BA69-B4B5C2C30661}"/>
+                <a16:creationId xmlns:a16="http://schemas.microsoft.com/office/drawing/2014/main" id="{0E59A1AE-F806-46F3-BA69-B4B5C2C30661}"/>
               </a:ext>
             </a:extLst>
           </p:cNvPr>
@@ -7375,7 +7364,7 @@
           <p:cNvPr id="4" name="TextBox 3">
             <a:extLst>
               <a:ext uri="{FF2B5EF4-FFF2-40B4-BE49-F238E27FC236}">
-                <a16:creationId xmlns="" xmlns:a16="http://schemas.microsoft.com/office/drawing/2014/main" id="{945B14A7-9B10-4210-9FBD-CCE24D646A83}"/>
+                <a16:creationId xmlns:a16="http://schemas.microsoft.com/office/drawing/2014/main" id="{945B14A7-9B10-4210-9FBD-CCE24D646A83}"/>
               </a:ext>
             </a:extLst>
           </p:cNvPr>
@@ -7403,18 +7392,18 @@
               <a:buAutoNum type="arabicPeriod"/>
             </a:pPr>
             <a:r>
-              <a:rPr lang="zh-CN" altLang="en-US" sz="3200" dirty="0" smtClean="0"/>
+              <a:rPr lang="zh-CN" altLang="en-US" sz="3200" dirty="0"/>
               <a:t>只需要加个 </a:t>
             </a:r>
             <a:r>
-              <a:rPr lang="en-US" altLang="zh-CN" sz="3200" dirty="0" smtClean="0"/>
+              <a:rPr lang="en-US" altLang="zh-CN" sz="3200" dirty="0"/>
               <a:t>go </a:t>
             </a:r>
             <a:r>
-              <a:rPr lang="zh-CN" altLang="en-US" sz="3200" dirty="0" smtClean="0"/>
+              <a:rPr lang="zh-CN" altLang="en-US" sz="3200" dirty="0"/>
               <a:t>关键字</a:t>
             </a:r>
-            <a:endParaRPr lang="en-US" altLang="zh-CN" sz="3200" dirty="0" smtClean="0"/>
+            <a:endParaRPr lang="en-US" altLang="zh-CN" sz="3200" dirty="0"/>
           </a:p>
           <a:p>
             <a:pPr marL="514350" indent="-514350">
@@ -7422,10 +7411,10 @@
               <a:buAutoNum type="arabicPeriod"/>
             </a:pPr>
             <a:r>
-              <a:rPr lang="zh-CN" altLang="en-US" sz="3200" dirty="0" smtClean="0"/>
+              <a:rPr lang="zh-CN" altLang="en-US" sz="3200" dirty="0"/>
               <a:t>简单粗暴而富有成效</a:t>
             </a:r>
-            <a:endParaRPr lang="en-US" altLang="zh-CN" sz="3200" dirty="0" smtClean="0"/>
+            <a:endParaRPr lang="en-US" altLang="zh-CN" sz="3200" dirty="0"/>
           </a:p>
         </p:txBody>
       </p:sp>
@@ -7434,7 +7423,7 @@
           <p:cNvPr id="6" name="Picture 5">
             <a:extLst>
               <a:ext uri="{FF2B5EF4-FFF2-40B4-BE49-F238E27FC236}">
-                <a16:creationId xmlns="" xmlns:a16="http://schemas.microsoft.com/office/drawing/2014/main" id="{D9D35F01-3DBC-40A8-B0E2-A754678B0CB6}"/>
+                <a16:creationId xmlns:a16="http://schemas.microsoft.com/office/drawing/2014/main" id="{D9D35F01-3DBC-40A8-B0E2-A754678B0CB6}"/>
               </a:ext>
             </a:extLst>
           </p:cNvPr>
@@ -7462,7 +7451,7 @@
     </p:spTree>
     <p:extLst>
       <p:ext uri="{BB962C8B-B14F-4D97-AF65-F5344CB8AC3E}">
-        <p14:creationId xmlns="" xmlns:p14="http://schemas.microsoft.com/office/powerpoint/2010/main" val="3732194823"/>
+        <p14:creationId xmlns:p14="http://schemas.microsoft.com/office/powerpoint/2010/main" val="3732194823"/>
       </p:ext>
     </p:extLst>
   </p:cSld>
@@ -7494,7 +7483,7 @@
           <p:cNvPr id="2" name="Title 1">
             <a:extLst>
               <a:ext uri="{FF2B5EF4-FFF2-40B4-BE49-F238E27FC236}">
-                <a16:creationId xmlns="" xmlns:a16="http://schemas.microsoft.com/office/drawing/2014/main" id="{D7C84779-5F93-4DCC-86DF-8D79DEAEC374}"/>
+                <a16:creationId xmlns:a16="http://schemas.microsoft.com/office/drawing/2014/main" id="{D7C84779-5F93-4DCC-86DF-8D79DEAEC374}"/>
               </a:ext>
             </a:extLst>
           </p:cNvPr>
@@ -7511,11 +7500,11 @@
           <a:lstStyle/>
           <a:p>
             <a:r>
-              <a:rPr lang="zh-CN" altLang="en-US" dirty="0" smtClean="0"/>
+              <a:rPr lang="zh-CN" altLang="en-US" dirty="0"/>
               <a:t>初识</a:t>
             </a:r>
             <a:r>
-              <a:rPr lang="en-US" altLang="zh-CN" dirty="0" err="1" smtClean="0"/>
+              <a:rPr lang="en-US" altLang="zh-CN" dirty="0" err="1"/>
               <a:t>goroutine</a:t>
             </a:r>
             <a:endParaRPr lang="en-US" dirty="0"/>
@@ -7527,7 +7516,7 @@
           <p:cNvPr id="8" name="Picture 7">
             <a:extLst>
               <a:ext uri="{FF2B5EF4-FFF2-40B4-BE49-F238E27FC236}">
-                <a16:creationId xmlns="" xmlns:a16="http://schemas.microsoft.com/office/drawing/2014/main" id="{AD1537C4-A03B-4DA5-8884-D31334E7119A}"/>
+                <a16:creationId xmlns:a16="http://schemas.microsoft.com/office/drawing/2014/main" id="{AD1537C4-A03B-4DA5-8884-D31334E7119A}"/>
               </a:ext>
             </a:extLst>
           </p:cNvPr>
@@ -7578,11 +7567,11 @@
               <a:buAutoNum type="arabicPeriod"/>
             </a:pPr>
             <a:r>
-              <a:rPr lang="zh-CN" altLang="en-US" sz="2800" dirty="0" smtClean="0"/>
+              <a:rPr lang="zh-CN" altLang="en-US" sz="2800" dirty="0"/>
               <a:t>协程是最小的执行单位</a:t>
             </a:r>
             <a:r>
-              <a:rPr lang="en-US" altLang="zh-CN" sz="2800" dirty="0" smtClean="0"/>
+              <a:rPr lang="en-US" altLang="zh-CN" sz="2800" dirty="0"/>
               <a:t>.</a:t>
             </a:r>
           </a:p>
@@ -7592,10 +7581,10 @@
               <a:buAutoNum type="arabicPeriod"/>
             </a:pPr>
             <a:r>
-              <a:rPr lang="zh-CN" altLang="en-US" sz="2800" dirty="0" smtClean="0"/>
+              <a:rPr lang="zh-CN" altLang="en-US" sz="2800" dirty="0"/>
               <a:t>轻量级，支持百万长连接</a:t>
             </a:r>
-            <a:endParaRPr lang="en-US" altLang="zh-CN" sz="2800" dirty="0" smtClean="0"/>
+            <a:endParaRPr lang="en-US" altLang="zh-CN" sz="2800" dirty="0"/>
           </a:p>
           <a:p>
             <a:pPr marL="514350" indent="-514350">
@@ -7603,11 +7592,11 @@
               <a:buAutoNum type="arabicPeriod"/>
             </a:pPr>
             <a:r>
-              <a:rPr lang="zh-CN" altLang="en-US" sz="2800" dirty="0" smtClean="0"/>
+              <a:rPr lang="zh-CN" altLang="en-US" sz="2800" dirty="0"/>
               <a:t>线程其实很重</a:t>
             </a:r>
             <a:r>
-              <a:rPr lang="en-US" altLang="zh-CN" sz="2800" dirty="0" smtClean="0"/>
+              <a:rPr lang="en-US" altLang="zh-CN" sz="2800" dirty="0"/>
               <a:t>.</a:t>
             </a:r>
           </a:p>
@@ -7617,15 +7606,15 @@
               <a:buAutoNum type="arabicPeriod"/>
             </a:pPr>
             <a:r>
-              <a:rPr lang="en-US" altLang="zh-CN" sz="2800" dirty="0" smtClean="0"/>
+              <a:rPr lang="en-US" altLang="zh-CN" sz="2800" dirty="0"/>
               <a:t>1</a:t>
             </a:r>
             <a:r>
-              <a:rPr lang="zh-CN" altLang="en-US" sz="2800" dirty="0" smtClean="0"/>
+              <a:rPr lang="zh-CN" altLang="en-US" sz="2800" dirty="0"/>
               <a:t>线程可以容纳万千个协程</a:t>
             </a:r>
             <a:r>
-              <a:rPr lang="en-US" altLang="zh-CN" sz="2800" dirty="0" smtClean="0"/>
+              <a:rPr lang="en-US" altLang="zh-CN" sz="2800" dirty="0"/>
               <a:t>.</a:t>
             </a:r>
           </a:p>
@@ -7635,11 +7624,11 @@
               <a:buAutoNum type="arabicPeriod"/>
             </a:pPr>
             <a:r>
-              <a:rPr lang="zh-CN" altLang="en-US" sz="2800" dirty="0" smtClean="0"/>
+              <a:rPr lang="zh-CN" altLang="en-US" sz="2800" dirty="0"/>
               <a:t>协程有自己的栈空间，还可以动态增长</a:t>
             </a:r>
             <a:r>
-              <a:rPr lang="en-US" altLang="zh-CN" sz="2800" dirty="0" smtClean="0"/>
+              <a:rPr lang="en-US" altLang="zh-CN" sz="2800" dirty="0"/>
               <a:t>.</a:t>
             </a:r>
           </a:p>
@@ -7649,17 +7638,17 @@
               <a:buAutoNum type="arabicPeriod"/>
             </a:pPr>
             <a:r>
-              <a:rPr lang="zh-CN" altLang="en-US" sz="2800" dirty="0" smtClean="0"/>
+              <a:rPr lang="zh-CN" altLang="en-US" sz="2800" dirty="0"/>
               <a:t>协程的开销是如此的廉价，用完就扔</a:t>
             </a:r>
-            <a:endParaRPr lang="en-US" altLang="zh-CN" sz="2800" dirty="0" smtClean="0"/>
+            <a:endParaRPr lang="en-US" altLang="zh-CN" sz="2800" dirty="0"/>
           </a:p>
           <a:p>
             <a:pPr marL="514350" indent="-514350">
               <a:buFont typeface="+mj-lt"/>
               <a:buAutoNum type="arabicPeriod"/>
             </a:pPr>
-            <a:endParaRPr lang="en-US" altLang="zh-CN" sz="2800" dirty="0" smtClean="0"/>
+            <a:endParaRPr lang="en-US" altLang="zh-CN" sz="2800" dirty="0"/>
           </a:p>
           <a:p>
             <a:pPr marL="514350" indent="-514350">
@@ -7673,7 +7662,7 @@
     </p:spTree>
     <p:extLst>
       <p:ext uri="{BB962C8B-B14F-4D97-AF65-F5344CB8AC3E}">
-        <p14:creationId xmlns="" xmlns:p14="http://schemas.microsoft.com/office/powerpoint/2010/main" val="3032618518"/>
+        <p14:creationId xmlns:p14="http://schemas.microsoft.com/office/powerpoint/2010/main" val="3032618518"/>
       </p:ext>
     </p:extLst>
   </p:cSld>
@@ -7705,7 +7694,7 @@
           <p:cNvPr id="2" name="Title 1">
             <a:extLst>
               <a:ext uri="{FF2B5EF4-FFF2-40B4-BE49-F238E27FC236}">
-                <a16:creationId xmlns="" xmlns:a16="http://schemas.microsoft.com/office/drawing/2014/main" id="{D7C84779-5F93-4DCC-86DF-8D79DEAEC374}"/>
+                <a16:creationId xmlns:a16="http://schemas.microsoft.com/office/drawing/2014/main" id="{D7C84779-5F93-4DCC-86DF-8D79DEAEC374}"/>
               </a:ext>
             </a:extLst>
           </p:cNvPr>
@@ -7738,7 +7727,7 @@
           <p:cNvPr id="9" name="Rectangle 8">
             <a:extLst>
               <a:ext uri="{FF2B5EF4-FFF2-40B4-BE49-F238E27FC236}">
-                <a16:creationId xmlns="" xmlns:a16="http://schemas.microsoft.com/office/drawing/2014/main" id="{09DF8025-61D7-487E-B878-BECE556123CE}"/>
+                <a16:creationId xmlns:a16="http://schemas.microsoft.com/office/drawing/2014/main" id="{09DF8025-61D7-487E-B878-BECE556123CE}"/>
               </a:ext>
             </a:extLst>
           </p:cNvPr>
@@ -7761,41 +7750,23 @@
           <a:lstStyle/>
           <a:p>
             <a:r>
-              <a:rPr lang="en-US" sz="3600" i="1" dirty="0" smtClean="0"/>
-              <a:t>“Don't </a:t>
-            </a:r>
-            <a:r>
               <a:rPr lang="en-US" sz="3600" i="1" dirty="0"/>
-              <a:t>communicate by sharing memory, share memory by communicating</a:t>
-            </a:r>
-            <a:r>
-              <a:rPr lang="en-US" sz="3600" i="1" dirty="0" smtClean="0"/>
-              <a:t>.”</a:t>
-            </a:r>
-            <a:endParaRPr lang="en-US" sz="3600" i="1" dirty="0"/>
-          </a:p>
-          <a:p>
-            <a:r>
-              <a:rPr lang="en-US" altLang="zh-CN" sz="3600" i="1" dirty="0" smtClean="0"/>
+              <a:t>“Don't communicate by sharing memory, share memory by communicating.”</a:t>
+            </a:r>
+          </a:p>
+          <a:p>
+            <a:r>
+              <a:rPr lang="en-US" altLang="zh-CN" sz="3600" i="1" dirty="0"/>
               <a:t>“</a:t>
             </a:r>
             <a:r>
-              <a:rPr lang="zh-CN" altLang="en-US" sz="3600" i="1" dirty="0" smtClean="0"/>
-              <a:t>不要</a:t>
-            </a:r>
-            <a:r>
               <a:rPr lang="zh-CN" altLang="en-US" sz="3600" i="1" dirty="0"/>
-              <a:t>通过共享内存来通信，而应该通过通信来共享</a:t>
-            </a:r>
-            <a:r>
-              <a:rPr lang="zh-CN" altLang="en-US" sz="3600" i="1" dirty="0" smtClean="0"/>
-              <a:t>内存</a:t>
-            </a:r>
-            <a:r>
-              <a:rPr lang="en-US" altLang="zh-CN" sz="3600" i="1" dirty="0" smtClean="0"/>
+              <a:t>不要通过共享内存来通信，而应该通过通信来共享内存</a:t>
+            </a:r>
+            <a:r>
+              <a:rPr lang="en-US" altLang="zh-CN" sz="3600" i="1" dirty="0"/>
               <a:t>”</a:t>
             </a:r>
-            <a:endParaRPr lang="en-US" altLang="zh-CN" sz="3600" i="1" dirty="0"/>
           </a:p>
           <a:p>
             <a:endParaRPr lang="en-US" altLang="zh-CN" sz="3600" b="1" dirty="0"/>
@@ -7914,7 +7885,7 @@
     </p:spTree>
     <p:extLst>
       <p:ext uri="{BB962C8B-B14F-4D97-AF65-F5344CB8AC3E}">
-        <p14:creationId xmlns="" xmlns:p14="http://schemas.microsoft.com/office/powerpoint/2010/main" val="421020347"/>
+        <p14:creationId xmlns:p14="http://schemas.microsoft.com/office/powerpoint/2010/main" val="421020347"/>
       </p:ext>
     </p:extLst>
   </p:cSld>
@@ -7946,7 +7917,7 @@
           <p:cNvPr id="2" name="Title 1">
             <a:extLst>
               <a:ext uri="{FF2B5EF4-FFF2-40B4-BE49-F238E27FC236}">
-                <a16:creationId xmlns="" xmlns:a16="http://schemas.microsoft.com/office/drawing/2014/main" id="{D7C84779-5F93-4DCC-86DF-8D79DEAEC374}"/>
+                <a16:creationId xmlns:a16="http://schemas.microsoft.com/office/drawing/2014/main" id="{D7C84779-5F93-4DCC-86DF-8D79DEAEC374}"/>
               </a:ext>
             </a:extLst>
           </p:cNvPr>
@@ -7975,7 +7946,7 @@
           <p:cNvPr id="9" name="Rectangle 8">
             <a:extLst>
               <a:ext uri="{FF2B5EF4-FFF2-40B4-BE49-F238E27FC236}">
-                <a16:creationId xmlns="" xmlns:a16="http://schemas.microsoft.com/office/drawing/2014/main" id="{09DF8025-61D7-487E-B878-BECE556123CE}"/>
+                <a16:creationId xmlns:a16="http://schemas.microsoft.com/office/drawing/2014/main" id="{09DF8025-61D7-487E-B878-BECE556123CE}"/>
               </a:ext>
             </a:extLst>
           </p:cNvPr>
@@ -8043,11 +8014,7 @@
             </a:pPr>
             <a:r>
               <a:rPr lang="en-US" altLang="zh-CN" sz="2800" dirty="0"/>
-              <a:t>&lt;- </a:t>
-            </a:r>
-            <a:r>
-              <a:rPr lang="en-US" altLang="zh-CN" sz="2800" dirty="0" smtClean="0"/>
-              <a:t>channel</a:t>
+              <a:t>&lt;- channel</a:t>
             </a:r>
           </a:p>
           <a:p>
@@ -8056,14 +8023,14 @@
               <a:buChar char="•"/>
             </a:pPr>
             <a:r>
-              <a:rPr lang="en-US" altLang="zh-CN" sz="2800" dirty="0" smtClean="0"/>
+              <a:rPr lang="en-US" altLang="zh-CN" sz="2800" dirty="0"/>
               <a:t>Channel</a:t>
             </a:r>
             <a:r>
-              <a:rPr lang="zh-CN" altLang="en-US" sz="2800" dirty="0" smtClean="0"/>
+              <a:rPr lang="zh-CN" altLang="en-US" sz="2800" dirty="0"/>
               <a:t>会导致阻塞</a:t>
             </a:r>
-            <a:endParaRPr lang="en-US" altLang="zh-CN" sz="2800" dirty="0" smtClean="0"/>
+            <a:endParaRPr lang="en-US" altLang="zh-CN" sz="2800" dirty="0"/>
           </a:p>
           <a:p>
             <a:pPr marL="971550" lvl="1" indent="-514350">
@@ -8071,14 +8038,14 @@
               <a:buChar char="•"/>
             </a:pPr>
             <a:r>
-              <a:rPr lang="en-US" altLang="zh-CN" sz="2800" dirty="0" smtClean="0"/>
+              <a:rPr lang="en-US" altLang="zh-CN" sz="2800" dirty="0"/>
               <a:t>Send</a:t>
             </a:r>
             <a:r>
-              <a:rPr lang="zh-CN" altLang="en-US" sz="2800" dirty="0" smtClean="0"/>
+              <a:rPr lang="zh-CN" altLang="en-US" sz="2800" dirty="0"/>
               <a:t>不进去就阻塞</a:t>
             </a:r>
-            <a:endParaRPr lang="en-US" altLang="zh-CN" sz="2800" dirty="0" smtClean="0"/>
+            <a:endParaRPr lang="en-US" altLang="zh-CN" sz="2800" dirty="0"/>
           </a:p>
           <a:p>
             <a:pPr marL="971550" lvl="1" indent="-514350">
@@ -8086,14 +8053,14 @@
               <a:buChar char="•"/>
             </a:pPr>
             <a:r>
-              <a:rPr lang="en-US" altLang="zh-CN" sz="2800" dirty="0" smtClean="0"/>
+              <a:rPr lang="en-US" altLang="zh-CN" sz="2800" dirty="0"/>
               <a:t>Read</a:t>
             </a:r>
             <a:r>
-              <a:rPr lang="zh-CN" altLang="en-US" sz="2800" dirty="0" smtClean="0"/>
+              <a:rPr lang="zh-CN" altLang="en-US" sz="2800" dirty="0"/>
               <a:t>不出来也阻塞</a:t>
             </a:r>
-            <a:endParaRPr lang="en-US" altLang="zh-CN" sz="2800" dirty="0" smtClean="0"/>
+            <a:endParaRPr lang="en-US" altLang="zh-CN" sz="2800" dirty="0"/>
           </a:p>
           <a:p>
             <a:r>
@@ -8117,7 +8084,7 @@
           <p:cNvPr id="3" name="Picture 2">
             <a:extLst>
               <a:ext uri="{FF2B5EF4-FFF2-40B4-BE49-F238E27FC236}">
-                <a16:creationId xmlns="" xmlns:a16="http://schemas.microsoft.com/office/drawing/2014/main" id="{1A39D9B2-21D2-44D4-A413-6845A3A83FEC}"/>
+                <a16:creationId xmlns:a16="http://schemas.microsoft.com/office/drawing/2014/main" id="{1A39D9B2-21D2-44D4-A413-6845A3A83FEC}"/>
               </a:ext>
             </a:extLst>
           </p:cNvPr>
@@ -8145,7 +8112,7 @@
     </p:spTree>
     <p:extLst>
       <p:ext uri="{BB962C8B-B14F-4D97-AF65-F5344CB8AC3E}">
-        <p14:creationId xmlns="" xmlns:p14="http://schemas.microsoft.com/office/powerpoint/2010/main" val="626934487"/>
+        <p14:creationId xmlns:p14="http://schemas.microsoft.com/office/powerpoint/2010/main" val="626934487"/>
       </p:ext>
     </p:extLst>
   </p:cSld>
@@ -8177,7 +8144,7 @@
           <p:cNvPr id="2" name="Title 1">
             <a:extLst>
               <a:ext uri="{FF2B5EF4-FFF2-40B4-BE49-F238E27FC236}">
-                <a16:creationId xmlns="" xmlns:a16="http://schemas.microsoft.com/office/drawing/2014/main" id="{D7C84779-5F93-4DCC-86DF-8D79DEAEC374}"/>
+                <a16:creationId xmlns:a16="http://schemas.microsoft.com/office/drawing/2014/main" id="{D7C84779-5F93-4DCC-86DF-8D79DEAEC374}"/>
               </a:ext>
             </a:extLst>
           </p:cNvPr>
@@ -8206,7 +8173,7 @@
           <p:cNvPr id="9" name="Rectangle 8">
             <a:extLst>
               <a:ext uri="{FF2B5EF4-FFF2-40B4-BE49-F238E27FC236}">
-                <a16:creationId xmlns="" xmlns:a16="http://schemas.microsoft.com/office/drawing/2014/main" id="{09DF8025-61D7-487E-B878-BECE556123CE}"/>
+                <a16:creationId xmlns:a16="http://schemas.microsoft.com/office/drawing/2014/main" id="{09DF8025-61D7-487E-B878-BECE556123CE}"/>
               </a:ext>
             </a:extLst>
           </p:cNvPr>
@@ -8233,7 +8200,7 @@
               <a:buChar char="•"/>
             </a:pPr>
             <a:r>
-              <a:rPr lang="en-US" sz="2800" dirty="0" smtClean="0">
+              <a:rPr lang="en-US" sz="2800" dirty="0">
                 <a:solidFill>
                   <a:schemeClr val="bg1">
                     <a:lumMod val="75000"/>
@@ -8243,7 +8210,7 @@
               <a:t>Channel</a:t>
             </a:r>
             <a:r>
-              <a:rPr lang="zh-CN" altLang="en-US" sz="2800" dirty="0" smtClean="0">
+              <a:rPr lang="zh-CN" altLang="en-US" sz="2800" dirty="0">
                 <a:solidFill>
                   <a:schemeClr val="bg1">
                     <a:lumMod val="75000"/>
@@ -8252,7 +8219,7 @@
               </a:rPr>
               <a:t>带有类型</a:t>
             </a:r>
-            <a:endParaRPr lang="en-US" altLang="zh-CN" sz="2800" dirty="0" smtClean="0">
+            <a:endParaRPr lang="en-US" altLang="zh-CN" sz="2800" dirty="0">
               <a:solidFill>
                 <a:schemeClr val="bg1">
                   <a:lumMod val="75000"/>
@@ -8266,7 +8233,7 @@
               <a:buChar char="•"/>
             </a:pPr>
             <a:r>
-              <a:rPr lang="en-US" altLang="zh-CN" sz="2800" dirty="0" smtClean="0">
+              <a:rPr lang="en-US" altLang="zh-CN" sz="2800" dirty="0">
                 <a:solidFill>
                   <a:schemeClr val="bg1">
                     <a:lumMod val="75000"/>
@@ -8276,7 +8243,7 @@
               <a:t>Channel</a:t>
             </a:r>
             <a:r>
-              <a:rPr lang="zh-CN" altLang="en-US" sz="2800" dirty="0" smtClean="0">
+              <a:rPr lang="zh-CN" altLang="en-US" sz="2800" dirty="0">
                 <a:solidFill>
                   <a:schemeClr val="bg1">
                     <a:lumMod val="75000"/>
@@ -8285,7 +8252,7 @@
               </a:rPr>
               <a:t>的方向</a:t>
             </a:r>
-            <a:endParaRPr lang="en-US" altLang="zh-CN" sz="2800" dirty="0" smtClean="0">
+            <a:endParaRPr lang="en-US" altLang="zh-CN" sz="2800" dirty="0">
               <a:solidFill>
                 <a:schemeClr val="bg1">
                   <a:lumMod val="75000"/>
@@ -8299,7 +8266,7 @@
               <a:buChar char="•"/>
             </a:pPr>
             <a:r>
-              <a:rPr lang="en-US" altLang="zh-CN" sz="2800" dirty="0" smtClean="0">
+              <a:rPr lang="en-US" altLang="zh-CN" sz="2800" dirty="0">
                 <a:solidFill>
                   <a:schemeClr val="bg1">
                     <a:lumMod val="75000"/>
@@ -8315,7 +8282,7 @@
               <a:buChar char="•"/>
             </a:pPr>
             <a:r>
-              <a:rPr lang="en-US" altLang="zh-CN" sz="2800" dirty="0" smtClean="0">
+              <a:rPr lang="en-US" altLang="zh-CN" sz="2800" dirty="0">
                 <a:solidFill>
                   <a:schemeClr val="bg1">
                     <a:lumMod val="75000"/>
@@ -8331,7 +8298,7 @@
               <a:buChar char="•"/>
             </a:pPr>
             <a:r>
-              <a:rPr lang="en-US" altLang="zh-CN" sz="2800" dirty="0" smtClean="0">
+              <a:rPr lang="en-US" altLang="zh-CN" sz="2800" dirty="0">
                 <a:solidFill>
                   <a:schemeClr val="bg1">
                     <a:lumMod val="75000"/>
@@ -8341,7 +8308,7 @@
               <a:t>Channel</a:t>
             </a:r>
             <a:r>
-              <a:rPr lang="zh-CN" altLang="en-US" sz="2800" dirty="0" smtClean="0">
+              <a:rPr lang="zh-CN" altLang="en-US" sz="2800" dirty="0">
                 <a:solidFill>
                   <a:schemeClr val="bg1">
                     <a:lumMod val="75000"/>
@@ -8350,7 +8317,7 @@
               </a:rPr>
               <a:t>会导致阻塞</a:t>
             </a:r>
-            <a:endParaRPr lang="en-US" altLang="zh-CN" sz="2800" dirty="0" smtClean="0">
+            <a:endParaRPr lang="en-US" altLang="zh-CN" sz="2800" dirty="0">
               <a:solidFill>
                 <a:schemeClr val="bg1">
                   <a:lumMod val="75000"/>
@@ -8364,7 +8331,7 @@
               <a:buChar char="•"/>
             </a:pPr>
             <a:r>
-              <a:rPr lang="en-US" altLang="zh-CN" sz="2800" dirty="0" smtClean="0">
+              <a:rPr lang="en-US" altLang="zh-CN" sz="2800" dirty="0">
                 <a:solidFill>
                   <a:schemeClr val="bg1">
                     <a:lumMod val="75000"/>
@@ -8374,7 +8341,7 @@
               <a:t>Send</a:t>
             </a:r>
             <a:r>
-              <a:rPr lang="zh-CN" altLang="en-US" sz="2800" dirty="0" smtClean="0">
+              <a:rPr lang="zh-CN" altLang="en-US" sz="2800" dirty="0">
                 <a:solidFill>
                   <a:schemeClr val="bg1">
                     <a:lumMod val="75000"/>
@@ -8383,7 +8350,7 @@
               </a:rPr>
               <a:t>不进去就阻塞</a:t>
             </a:r>
-            <a:endParaRPr lang="en-US" altLang="zh-CN" sz="2800" dirty="0" smtClean="0">
+            <a:endParaRPr lang="en-US" altLang="zh-CN" sz="2800" dirty="0">
               <a:solidFill>
                 <a:schemeClr val="bg1">
                   <a:lumMod val="75000"/>
@@ -8397,7 +8364,7 @@
               <a:buChar char="•"/>
             </a:pPr>
             <a:r>
-              <a:rPr lang="en-US" altLang="zh-CN" sz="2800" dirty="0" smtClean="0">
+              <a:rPr lang="en-US" altLang="zh-CN" sz="2800" dirty="0">
                 <a:solidFill>
                   <a:schemeClr val="bg1">
                     <a:lumMod val="75000"/>
@@ -8407,7 +8374,7 @@
               <a:t>Read</a:t>
             </a:r>
             <a:r>
-              <a:rPr lang="zh-CN" altLang="en-US" sz="2800" dirty="0" smtClean="0">
+              <a:rPr lang="zh-CN" altLang="en-US" sz="2800" dirty="0">
                 <a:solidFill>
                   <a:schemeClr val="bg1">
                     <a:lumMod val="75000"/>
@@ -8416,7 +8383,7 @@
               </a:rPr>
               <a:t>不出来也阻塞</a:t>
             </a:r>
-            <a:endParaRPr lang="en-US" altLang="zh-CN" sz="2800" dirty="0" smtClean="0">
+            <a:endParaRPr lang="en-US" altLang="zh-CN" sz="2800" dirty="0">
               <a:solidFill>
                 <a:schemeClr val="bg1">
                   <a:lumMod val="75000"/>
@@ -8430,7 +8397,7 @@
               <a:buChar char="•"/>
             </a:pPr>
             <a:r>
-              <a:rPr lang="en-US" altLang="zh-CN" sz="2800" dirty="0" smtClean="0"/>
+              <a:rPr lang="en-US" altLang="zh-CN" sz="2800" dirty="0"/>
               <a:t>Channel </a:t>
             </a:r>
             <a:r>
@@ -8441,7 +8408,6 @@
               <a:rPr lang="en-US" altLang="zh-CN" sz="2800" dirty="0"/>
               <a:t> </a:t>
             </a:r>
-            <a:endParaRPr lang="en-US" altLang="zh-CN" sz="2800" dirty="0" smtClean="0"/>
           </a:p>
           <a:p>
             <a:pPr marL="514350" indent="-514350">
@@ -8449,7 +8415,7 @@
               <a:buChar char="•"/>
             </a:pPr>
             <a:r>
-              <a:rPr lang="zh-CN" altLang="en-US" sz="2800" dirty="0" smtClean="0"/>
+              <a:rPr lang="zh-CN" altLang="en-US" sz="2800" dirty="0"/>
               <a:t>有进有出则打通</a:t>
             </a:r>
             <a:endParaRPr lang="en-US" sz="3200" i="1" dirty="0"/>
@@ -8464,7 +8430,7 @@
           <p:cNvPr id="5" name="Picture 4">
             <a:extLst>
               <a:ext uri="{FF2B5EF4-FFF2-40B4-BE49-F238E27FC236}">
-                <a16:creationId xmlns="" xmlns:a16="http://schemas.microsoft.com/office/drawing/2014/main" id="{5BEB50C7-7C44-42AC-B1B2-D7CC057DC100}"/>
+                <a16:creationId xmlns:a16="http://schemas.microsoft.com/office/drawing/2014/main" id="{5BEB50C7-7C44-42AC-B1B2-D7CC057DC100}"/>
               </a:ext>
             </a:extLst>
           </p:cNvPr>
@@ -8494,7 +8460,7 @@
           <p:cNvPr id="6" name="Picture 5">
             <a:extLst>
               <a:ext uri="{FF2B5EF4-FFF2-40B4-BE49-F238E27FC236}">
-                <a16:creationId xmlns="" xmlns:a16="http://schemas.microsoft.com/office/drawing/2014/main" id="{233493A8-8494-4134-AEC6-4EB219D5F02D}"/>
+                <a16:creationId xmlns:a16="http://schemas.microsoft.com/office/drawing/2014/main" id="{233493A8-8494-4134-AEC6-4EB219D5F02D}"/>
               </a:ext>
             </a:extLst>
           </p:cNvPr>
@@ -8522,7 +8488,7 @@
     </p:spTree>
     <p:extLst>
       <p:ext uri="{BB962C8B-B14F-4D97-AF65-F5344CB8AC3E}">
-        <p14:creationId xmlns="" xmlns:p14="http://schemas.microsoft.com/office/powerpoint/2010/main" val="1934937011"/>
+        <p14:creationId xmlns:p14="http://schemas.microsoft.com/office/powerpoint/2010/main" val="1934937011"/>
       </p:ext>
     </p:extLst>
   </p:cSld>
@@ -8554,7 +8520,7 @@
           <p:cNvPr id="2" name="Title 1">
             <a:extLst>
               <a:ext uri="{FF2B5EF4-FFF2-40B4-BE49-F238E27FC236}">
-                <a16:creationId xmlns="" xmlns:a16="http://schemas.microsoft.com/office/drawing/2014/main" id="{D7C84779-5F93-4DCC-86DF-8D79DEAEC374}"/>
+                <a16:creationId xmlns:a16="http://schemas.microsoft.com/office/drawing/2014/main" id="{D7C84779-5F93-4DCC-86DF-8D79DEAEC374}"/>
               </a:ext>
             </a:extLst>
           </p:cNvPr>
@@ -8572,14 +8538,10 @@
           <a:p>
             <a:r>
               <a:rPr lang="en-US" altLang="zh-CN" dirty="0"/>
-              <a:t>Channel </a:t>
-            </a:r>
-            <a:r>
-              <a:rPr lang="en-US" altLang="zh-CN" dirty="0" smtClean="0"/>
-              <a:t>3 – Ticker </a:t>
-            </a:r>
-            <a:r>
-              <a:rPr lang="zh-CN" altLang="en-US" dirty="0" smtClean="0"/>
+              <a:t>Channel 3 – Ticker </a:t>
+            </a:r>
+            <a:r>
+              <a:rPr lang="zh-CN" altLang="en-US" dirty="0"/>
               <a:t>打点器</a:t>
             </a:r>
             <a:endParaRPr lang="en-US" dirty="0"/>
@@ -8591,7 +8553,7 @@
           <p:cNvPr id="9" name="Rectangle 8">
             <a:extLst>
               <a:ext uri="{FF2B5EF4-FFF2-40B4-BE49-F238E27FC236}">
-                <a16:creationId xmlns="" xmlns:a16="http://schemas.microsoft.com/office/drawing/2014/main" id="{09DF8025-61D7-487E-B878-BECE556123CE}"/>
+                <a16:creationId xmlns:a16="http://schemas.microsoft.com/office/drawing/2014/main" id="{09DF8025-61D7-487E-B878-BECE556123CE}"/>
               </a:ext>
             </a:extLst>
           </p:cNvPr>
@@ -8618,22 +8580,22 @@
               <a:buChar char="•"/>
             </a:pPr>
             <a:r>
-              <a:rPr lang="en-US" altLang="zh-CN" sz="3200" dirty="0" smtClean="0"/>
+              <a:rPr lang="en-US" altLang="zh-CN" sz="3200" dirty="0"/>
               <a:t>Ticker </a:t>
             </a:r>
             <a:r>
-              <a:rPr lang="zh-CN" altLang="en-US" sz="3200" dirty="0" smtClean="0"/>
+              <a:rPr lang="zh-CN" altLang="en-US" sz="3200" dirty="0"/>
               <a:t>其实是只读的 </a:t>
             </a:r>
             <a:r>
-              <a:rPr lang="en-US" altLang="zh-CN" sz="3200" dirty="0" err="1" smtClean="0"/>
+              <a:rPr lang="en-US" altLang="zh-CN" sz="3200" dirty="0" err="1"/>
               <a:t>chan</a:t>
             </a:r>
             <a:r>
-              <a:rPr lang="en-US" altLang="zh-CN" sz="3200" dirty="0" smtClean="0"/>
+              <a:rPr lang="en-US" altLang="zh-CN" sz="3200" dirty="0"/>
               <a:t> Time</a:t>
             </a:r>
-            <a:endParaRPr lang="en-US" altLang="zh-CN" sz="2800" dirty="0" smtClean="0"/>
+            <a:endParaRPr lang="en-US" altLang="zh-CN" sz="2800" dirty="0"/>
           </a:p>
           <a:p>
             <a:pPr marL="514350" indent="-514350">
@@ -8641,15 +8603,15 @@
               <a:buChar char="•"/>
             </a:pPr>
             <a:r>
-              <a:rPr lang="zh-CN" altLang="en-US" sz="3200" dirty="0" smtClean="0"/>
+              <a:rPr lang="zh-CN" altLang="en-US" sz="3200" dirty="0"/>
               <a:t>后面有</a:t>
             </a:r>
             <a:r>
-              <a:rPr lang="en-US" altLang="zh-CN" sz="3200" dirty="0" err="1" smtClean="0"/>
+              <a:rPr lang="en-US" altLang="zh-CN" sz="3200" dirty="0" err="1"/>
               <a:t>goroutine</a:t>
             </a:r>
             <a:r>
-              <a:rPr lang="zh-CN" altLang="en-US" sz="3200" dirty="0" smtClean="0"/>
+              <a:rPr lang="zh-CN" altLang="en-US" sz="3200" dirty="0"/>
               <a:t>定期给它发送值</a:t>
             </a:r>
             <a:endParaRPr lang="en-US" altLang="zh-CN" sz="3200" dirty="0"/>
@@ -8725,7 +8687,7 @@
     </p:spTree>
     <p:extLst>
       <p:ext uri="{BB962C8B-B14F-4D97-AF65-F5344CB8AC3E}">
-        <p14:creationId xmlns="" xmlns:p14="http://schemas.microsoft.com/office/powerpoint/2010/main" val="1934937011"/>
+        <p14:creationId xmlns:p14="http://schemas.microsoft.com/office/powerpoint/2010/main" val="1934937011"/>
       </p:ext>
     </p:extLst>
   </p:cSld>
@@ -9024,7 +8986,7 @@
   <a:extraClrSchemeLst/>
   <a:extLst>
     <a:ext uri="{05A4C25C-085E-4340-85A3-A5531E510DB2}">
-      <thm15:themeFamily xmlns="" xmlns:thm15="http://schemas.microsoft.com/office/thememl/2012/main" name="Office Theme" id="{62F939B6-93AF-4DB8-9C6B-D6C7DFDC589F}" vid="{4A3C46E8-61CC-4603-A589-7422A47A8E4A}"/>
+      <thm15:themeFamily xmlns:thm15="http://schemas.microsoft.com/office/thememl/2012/main" name="Office Theme" id="{62F939B6-93AF-4DB8-9C6B-D6C7DFDC589F}" vid="{4A3C46E8-61CC-4603-A589-7422A47A8E4A}"/>
     </a:ext>
   </a:extLst>
 </a:theme>
@@ -9319,16 +9281,19 @@
   <a:extraClrSchemeLst/>
   <a:extLst>
     <a:ext uri="{05A4C25C-085E-4340-85A3-A5531E510DB2}">
-      <thm15:themeFamily xmlns="" xmlns:thm15="http://schemas.microsoft.com/office/thememl/2012/main" name="Office Theme" id="{62F939B6-93AF-4DB8-9C6B-D6C7DFDC589F}" vid="{4A3C46E8-61CC-4603-A589-7422A47A8E4A}"/>
+      <thm15:themeFamily xmlns:thm15="http://schemas.microsoft.com/office/thememl/2012/main" name="Office Theme" id="{62F939B6-93AF-4DB8-9C6B-D6C7DFDC589F}" vid="{4A3C46E8-61CC-4603-A589-7422A47A8E4A}"/>
     </a:ext>
   </a:extLst>
 </a:theme>
 </file>
 
 <file path=customXml/item1.xml><?xml version="1.0" encoding="utf-8"?>
-<p:properties xmlns:p="http://schemas.microsoft.com/office/2006/metadata/properties" xmlns:xsi="http://www.w3.org/2001/XMLSchema-instance" xmlns:pc="http://schemas.microsoft.com/office/infopath/2007/PartnerControls">
-  <documentManagement/>
-</p:properties>
+<?mso-contentType ?>
+<FormTemplates xmlns="http://schemas.microsoft.com/sharepoint/v3/contenttype/forms">
+  <Display>DocumentLibraryForm</Display>
+  <Edit>DocumentLibraryForm</Edit>
+  <New>DocumentLibraryForm</New>
+</FormTemplates>
 </file>
 
 <file path=customXml/item2.xml><?xml version="1.0" encoding="utf-8"?>
@@ -9470,26 +9435,15 @@
 </file>
 
 <file path=customXml/item3.xml><?xml version="1.0" encoding="utf-8"?>
-<?mso-contentType ?>
-<FormTemplates xmlns="http://schemas.microsoft.com/sharepoint/v3/contenttype/forms">
-  <Display>DocumentLibraryForm</Display>
-  <Edit>DocumentLibraryForm</Edit>
-  <New>DocumentLibraryForm</New>
-</FormTemplates>
+<p:properties xmlns:p="http://schemas.microsoft.com/office/2006/metadata/properties" xmlns:xsi="http://www.w3.org/2001/XMLSchema-instance" xmlns:pc="http://schemas.microsoft.com/office/infopath/2007/PartnerControls">
+  <documentManagement/>
+</p:properties>
 </file>
 
 <file path=customXml/itemProps1.xml><?xml version="1.0" encoding="utf-8"?>
-<ds:datastoreItem xmlns:ds="http://schemas.openxmlformats.org/officeDocument/2006/customXml" ds:itemID="{09818F5F-9A4E-472D-957A-F61DB6A689A1}">
+<ds:datastoreItem xmlns:ds="http://schemas.openxmlformats.org/officeDocument/2006/customXml" ds:itemID="{8D58F66B-F132-4627-A8F1-473C8F1DC658}">
   <ds:schemaRefs>
-    <ds:schemaRef ds:uri="http://www.w3.org/XML/1998/namespace"/>
-    <ds:schemaRef ds:uri="http://schemas.microsoft.com/office/2006/metadata/properties"/>
-    <ds:schemaRef ds:uri="http://purl.org/dc/dcmitype/"/>
-    <ds:schemaRef ds:uri="a5770b6f-473e-481d-a1c6-8a0376abbd89"/>
-    <ds:schemaRef ds:uri="http://purl.org/dc/terms/"/>
-    <ds:schemaRef ds:uri="http://schemas.microsoft.com/office/infopath/2007/PartnerControls"/>
-    <ds:schemaRef ds:uri="http://schemas.microsoft.com/office/2006/documentManagement/types"/>
-    <ds:schemaRef ds:uri="http://schemas.openxmlformats.org/package/2006/metadata/core-properties"/>
-    <ds:schemaRef ds:uri="http://purl.org/dc/elements/1.1/"/>
+    <ds:schemaRef ds:uri="http://schemas.microsoft.com/sharepoint/v3/contenttype/forms"/>
   </ds:schemaRefs>
 </ds:datastoreItem>
 </file>
@@ -9513,9 +9467,17 @@
 </file>
 
 <file path=customXml/itemProps3.xml><?xml version="1.0" encoding="utf-8"?>
-<ds:datastoreItem xmlns:ds="http://schemas.openxmlformats.org/officeDocument/2006/customXml" ds:itemID="{8D58F66B-F132-4627-A8F1-473C8F1DC658}">
+<ds:datastoreItem xmlns:ds="http://schemas.openxmlformats.org/officeDocument/2006/customXml" ds:itemID="{09818F5F-9A4E-472D-957A-F61DB6A689A1}">
   <ds:schemaRefs>
-    <ds:schemaRef ds:uri="http://schemas.microsoft.com/sharepoint/v3/contenttype/forms"/>
+    <ds:schemaRef ds:uri="http://www.w3.org/XML/1998/namespace"/>
+    <ds:schemaRef ds:uri="http://schemas.microsoft.com/office/2006/metadata/properties"/>
+    <ds:schemaRef ds:uri="http://purl.org/dc/dcmitype/"/>
+    <ds:schemaRef ds:uri="a5770b6f-473e-481d-a1c6-8a0376abbd89"/>
+    <ds:schemaRef ds:uri="http://purl.org/dc/terms/"/>
+    <ds:schemaRef ds:uri="http://schemas.microsoft.com/office/infopath/2007/PartnerControls"/>
+    <ds:schemaRef ds:uri="http://schemas.microsoft.com/office/2006/documentManagement/types"/>
+    <ds:schemaRef ds:uri="http://schemas.openxmlformats.org/package/2006/metadata/core-properties"/>
+    <ds:schemaRef ds:uri="http://purl.org/dc/elements/1.1/"/>
   </ds:schemaRefs>
 </ds:datastoreItem>
 </file>
--- a/GolangConcurency.pptx
+++ b/GolangConcurency.pptx
@@ -5,7 +5,7 @@
     <p:sldMasterId id="2147483648" r:id="rId4"/>
   </p:sldMasterIdLst>
   <p:notesMasterIdLst>
-    <p:notesMasterId r:id="rId20"/>
+    <p:notesMasterId r:id="rId23"/>
   </p:notesMasterIdLst>
   <p:sldIdLst>
     <p:sldId id="256" r:id="rId5"/>
@@ -22,7 +22,10 @@
     <p:sldId id="328" r:id="rId16"/>
     <p:sldId id="329" r:id="rId17"/>
     <p:sldId id="330" r:id="rId18"/>
-    <p:sldId id="322" r:id="rId19"/>
+    <p:sldId id="332" r:id="rId19"/>
+    <p:sldId id="334" r:id="rId20"/>
+    <p:sldId id="333" r:id="rId21"/>
+    <p:sldId id="322" r:id="rId22"/>
   </p:sldIdLst>
   <p:sldSz cx="12192000" cy="6858000"/>
   <p:notesSz cx="6858000" cy="9144000"/>
@@ -140,6 +143,9 @@
             <p14:sldId id="328"/>
             <p14:sldId id="329"/>
             <p14:sldId id="330"/>
+            <p14:sldId id="332"/>
+            <p14:sldId id="334"/>
+            <p14:sldId id="333"/>
           </p14:sldIdLst>
         </p14:section>
         <p14:section name="Summary" id="{B6A0A644-47C2-48A4-AD14-D633EDD6C7CF}">
@@ -1022,6 +1028,261 @@
               <a:rPr lang="en-US" smtClean="0"/>
               <a:pPr/>
               <a:t>15</a:t>
+            </a:fld>
+            <a:endParaRPr lang="en-US"/>
+          </a:p>
+        </p:txBody>
+      </p:sp>
+    </p:spTree>
+    <p:extLst>
+      <p:ext uri="{BB962C8B-B14F-4D97-AF65-F5344CB8AC3E}">
+        <p14:creationId xmlns:p14="http://schemas.microsoft.com/office/powerpoint/2010/main" val="3208220907"/>
+      </p:ext>
+    </p:extLst>
+  </p:cSld>
+  <p:clrMapOvr>
+    <a:masterClrMapping/>
+  </p:clrMapOvr>
+</p:notes>
+</file>
+
+<file path=ppt/notesSlides/notesSlide15.xml><?xml version="1.0" encoding="utf-8"?>
+<p:notes xmlns:a="http://schemas.openxmlformats.org/drawingml/2006/main" xmlns:r="http://schemas.openxmlformats.org/officeDocument/2006/relationships" xmlns:p="http://schemas.openxmlformats.org/presentationml/2006/main">
+  <p:cSld>
+    <p:spTree>
+      <p:nvGrpSpPr>
+        <p:cNvPr id="1" name=""/>
+        <p:cNvGrpSpPr/>
+        <p:nvPr/>
+      </p:nvGrpSpPr>
+      <p:grpSpPr>
+        <a:xfrm>
+          <a:off x="0" y="0"/>
+          <a:ext cx="0" cy="0"/>
+          <a:chOff x="0" y="0"/>
+          <a:chExt cx="0" cy="0"/>
+        </a:xfrm>
+      </p:grpSpPr>
+      <p:sp>
+        <p:nvSpPr>
+          <p:cNvPr id="2" name="Slide Image Placeholder 1"/>
+          <p:cNvSpPr>
+            <a:spLocks noGrp="1" noRot="1" noChangeAspect="1"/>
+          </p:cNvSpPr>
+          <p:nvPr>
+            <p:ph type="sldImg"/>
+          </p:nvPr>
+        </p:nvSpPr>
+        <p:spPr/>
+      </p:sp>
+      <p:sp>
+        <p:nvSpPr>
+          <p:cNvPr id="3" name="Notes Placeholder 2"/>
+          <p:cNvSpPr>
+            <a:spLocks noGrp="1"/>
+          </p:cNvSpPr>
+          <p:nvPr>
+            <p:ph type="body" idx="1"/>
+          </p:nvPr>
+        </p:nvSpPr>
+        <p:spPr/>
+        <p:txBody>
+          <a:bodyPr/>
+          <a:lstStyle/>
+          <a:p>
+            <a:endParaRPr lang="en-US" dirty="0"/>
+          </a:p>
+        </p:txBody>
+      </p:sp>
+      <p:sp>
+        <p:nvSpPr>
+          <p:cNvPr id="4" name="Slide Number Placeholder 3"/>
+          <p:cNvSpPr>
+            <a:spLocks noGrp="1"/>
+          </p:cNvSpPr>
+          <p:nvPr>
+            <p:ph type="sldNum" sz="quarter" idx="10"/>
+          </p:nvPr>
+        </p:nvSpPr>
+        <p:spPr/>
+        <p:txBody>
+          <a:bodyPr/>
+          <a:lstStyle/>
+          <a:p>
+            <a:fld id="{148CC6F0-A91C-42A5-9365-46DAD84980C2}" type="slidenum">
+              <a:rPr lang="en-US" smtClean="0"/>
+              <a:pPr/>
+              <a:t>16</a:t>
+            </a:fld>
+            <a:endParaRPr lang="en-US"/>
+          </a:p>
+        </p:txBody>
+      </p:sp>
+    </p:spTree>
+    <p:extLst>
+      <p:ext uri="{BB962C8B-B14F-4D97-AF65-F5344CB8AC3E}">
+        <p14:creationId xmlns:p14="http://schemas.microsoft.com/office/powerpoint/2010/main" val="2434866526"/>
+      </p:ext>
+    </p:extLst>
+  </p:cSld>
+  <p:clrMapOvr>
+    <a:masterClrMapping/>
+  </p:clrMapOvr>
+</p:notes>
+</file>
+
+<file path=ppt/notesSlides/notesSlide16.xml><?xml version="1.0" encoding="utf-8"?>
+<p:notes xmlns:a="http://schemas.openxmlformats.org/drawingml/2006/main" xmlns:r="http://schemas.openxmlformats.org/officeDocument/2006/relationships" xmlns:p="http://schemas.openxmlformats.org/presentationml/2006/main">
+  <p:cSld>
+    <p:spTree>
+      <p:nvGrpSpPr>
+        <p:cNvPr id="1" name=""/>
+        <p:cNvGrpSpPr/>
+        <p:nvPr/>
+      </p:nvGrpSpPr>
+      <p:grpSpPr>
+        <a:xfrm>
+          <a:off x="0" y="0"/>
+          <a:ext cx="0" cy="0"/>
+          <a:chOff x="0" y="0"/>
+          <a:chExt cx="0" cy="0"/>
+        </a:xfrm>
+      </p:grpSpPr>
+      <p:sp>
+        <p:nvSpPr>
+          <p:cNvPr id="2" name="Slide Image Placeholder 1"/>
+          <p:cNvSpPr>
+            <a:spLocks noGrp="1" noRot="1" noChangeAspect="1"/>
+          </p:cNvSpPr>
+          <p:nvPr>
+            <p:ph type="sldImg"/>
+          </p:nvPr>
+        </p:nvSpPr>
+        <p:spPr/>
+      </p:sp>
+      <p:sp>
+        <p:nvSpPr>
+          <p:cNvPr id="3" name="Notes Placeholder 2"/>
+          <p:cNvSpPr>
+            <a:spLocks noGrp="1"/>
+          </p:cNvSpPr>
+          <p:nvPr>
+            <p:ph type="body" idx="1"/>
+          </p:nvPr>
+        </p:nvSpPr>
+        <p:spPr/>
+        <p:txBody>
+          <a:bodyPr/>
+          <a:lstStyle/>
+          <a:p>
+            <a:endParaRPr lang="en-US" dirty="0"/>
+          </a:p>
+        </p:txBody>
+      </p:sp>
+      <p:sp>
+        <p:nvSpPr>
+          <p:cNvPr id="4" name="Slide Number Placeholder 3"/>
+          <p:cNvSpPr>
+            <a:spLocks noGrp="1"/>
+          </p:cNvSpPr>
+          <p:nvPr>
+            <p:ph type="sldNum" sz="quarter" idx="10"/>
+          </p:nvPr>
+        </p:nvSpPr>
+        <p:spPr/>
+        <p:txBody>
+          <a:bodyPr/>
+          <a:lstStyle/>
+          <a:p>
+            <a:fld id="{148CC6F0-A91C-42A5-9365-46DAD84980C2}" type="slidenum">
+              <a:rPr lang="en-US" smtClean="0"/>
+              <a:pPr/>
+              <a:t>17</a:t>
+            </a:fld>
+            <a:endParaRPr lang="en-US"/>
+          </a:p>
+        </p:txBody>
+      </p:sp>
+    </p:spTree>
+    <p:extLst>
+      <p:ext uri="{BB962C8B-B14F-4D97-AF65-F5344CB8AC3E}">
+        <p14:creationId xmlns:p14="http://schemas.microsoft.com/office/powerpoint/2010/main" val="2782073266"/>
+      </p:ext>
+    </p:extLst>
+  </p:cSld>
+  <p:clrMapOvr>
+    <a:masterClrMapping/>
+  </p:clrMapOvr>
+</p:notes>
+</file>
+
+<file path=ppt/notesSlides/notesSlide17.xml><?xml version="1.0" encoding="utf-8"?>
+<p:notes xmlns:a="http://schemas.openxmlformats.org/drawingml/2006/main" xmlns:r="http://schemas.openxmlformats.org/officeDocument/2006/relationships" xmlns:p="http://schemas.openxmlformats.org/presentationml/2006/main">
+  <p:cSld>
+    <p:spTree>
+      <p:nvGrpSpPr>
+        <p:cNvPr id="1" name=""/>
+        <p:cNvGrpSpPr/>
+        <p:nvPr/>
+      </p:nvGrpSpPr>
+      <p:grpSpPr>
+        <a:xfrm>
+          <a:off x="0" y="0"/>
+          <a:ext cx="0" cy="0"/>
+          <a:chOff x="0" y="0"/>
+          <a:chExt cx="0" cy="0"/>
+        </a:xfrm>
+      </p:grpSpPr>
+      <p:sp>
+        <p:nvSpPr>
+          <p:cNvPr id="2" name="Slide Image Placeholder 1"/>
+          <p:cNvSpPr>
+            <a:spLocks noGrp="1" noRot="1" noChangeAspect="1"/>
+          </p:cNvSpPr>
+          <p:nvPr>
+            <p:ph type="sldImg"/>
+          </p:nvPr>
+        </p:nvSpPr>
+        <p:spPr/>
+      </p:sp>
+      <p:sp>
+        <p:nvSpPr>
+          <p:cNvPr id="3" name="Notes Placeholder 2"/>
+          <p:cNvSpPr>
+            <a:spLocks noGrp="1"/>
+          </p:cNvSpPr>
+          <p:nvPr>
+            <p:ph type="body" idx="1"/>
+          </p:nvPr>
+        </p:nvSpPr>
+        <p:spPr/>
+        <p:txBody>
+          <a:bodyPr/>
+          <a:lstStyle/>
+          <a:p>
+            <a:endParaRPr lang="en-US" dirty="0"/>
+          </a:p>
+        </p:txBody>
+      </p:sp>
+      <p:sp>
+        <p:nvSpPr>
+          <p:cNvPr id="4" name="Slide Number Placeholder 3"/>
+          <p:cNvSpPr>
+            <a:spLocks noGrp="1"/>
+          </p:cNvSpPr>
+          <p:nvPr>
+            <p:ph type="sldNum" sz="quarter" idx="10"/>
+          </p:nvPr>
+        </p:nvSpPr>
+        <p:spPr/>
+        <p:txBody>
+          <a:bodyPr/>
+          <a:lstStyle/>
+          <a:p>
+            <a:fld id="{148CC6F0-A91C-42A5-9365-46DAD84980C2}" type="slidenum">
+              <a:rPr lang="en-US" smtClean="0"/>
+              <a:pPr/>
+              <a:t>18</a:t>
             </a:fld>
             <a:endParaRPr lang="en-US"/>
           </a:p>
@@ -6708,6 +6969,534 @@
           <a:lstStyle/>
           <a:p>
             <a:r>
+              <a:rPr lang="en-US" altLang="zh-CN" dirty="0"/>
+              <a:t>Select:</a:t>
+            </a:r>
+            <a:r>
+              <a:rPr lang="zh-CN" altLang="en-US" dirty="0"/>
+              <a:t>管理多条</a:t>
+            </a:r>
+            <a:r>
+              <a:rPr lang="en-US" altLang="zh-CN" dirty="0"/>
+              <a:t>Channel – Random</a:t>
+            </a:r>
+            <a:endParaRPr lang="en-US" dirty="0"/>
+          </a:p>
+        </p:txBody>
+      </p:sp>
+      <p:sp>
+        <p:nvSpPr>
+          <p:cNvPr id="9" name="Rectangle 8">
+            <a:extLst>
+              <a:ext uri="{FF2B5EF4-FFF2-40B4-BE49-F238E27FC236}">
+                <a16:creationId xmlns:a16="http://schemas.microsoft.com/office/drawing/2014/main" id="{09DF8025-61D7-487E-B878-BECE556123CE}"/>
+              </a:ext>
+            </a:extLst>
+          </p:cNvPr>
+          <p:cNvSpPr/>
+          <p:nvPr/>
+        </p:nvSpPr>
+        <p:spPr>
+          <a:xfrm>
+            <a:off x="330649" y="1212780"/>
+            <a:ext cx="5480603" cy="4585871"/>
+          </a:xfrm>
+          <a:prstGeom prst="rect">
+            <a:avLst/>
+          </a:prstGeom>
+        </p:spPr>
+        <p:txBody>
+          <a:bodyPr wrap="square">
+            <a:spAutoFit/>
+          </a:bodyPr>
+          <a:lstStyle/>
+          <a:p>
+            <a:pPr marL="514350" indent="-514350">
+              <a:buFont typeface="+mj-lt"/>
+              <a:buAutoNum type="arabicPeriod"/>
+            </a:pPr>
+            <a:r>
+              <a:rPr lang="en-US" altLang="zh-CN" sz="3200" dirty="0"/>
+              <a:t>case </a:t>
+            </a:r>
+            <a:r>
+              <a:rPr lang="zh-CN" altLang="en-US" sz="3200" dirty="0"/>
+              <a:t>必须是</a:t>
+            </a:r>
+            <a:r>
+              <a:rPr lang="en-US" altLang="zh-CN" sz="3200" dirty="0"/>
+              <a:t>Channel</a:t>
+            </a:r>
+            <a:r>
+              <a:rPr lang="zh-CN" altLang="en-US" sz="3200" dirty="0"/>
+              <a:t>的读写</a:t>
+            </a:r>
+            <a:endParaRPr lang="en-US" altLang="zh-CN" sz="3200" dirty="0"/>
+          </a:p>
+          <a:p>
+            <a:pPr marL="514350" indent="-514350">
+              <a:buFont typeface="+mj-lt"/>
+              <a:buAutoNum type="arabicPeriod"/>
+            </a:pPr>
+            <a:r>
+              <a:rPr lang="zh-CN" altLang="en-US" sz="3200" dirty="0"/>
+              <a:t>多条</a:t>
+            </a:r>
+            <a:r>
+              <a:rPr lang="en-US" altLang="zh-CN" sz="3200" dirty="0"/>
+              <a:t>case</a:t>
+            </a:r>
+            <a:r>
+              <a:rPr lang="zh-CN" altLang="en-US" sz="3200" dirty="0"/>
+              <a:t>竞赛，谁先满足执行谁。</a:t>
+            </a:r>
+            <a:endParaRPr lang="en-US" altLang="zh-CN" sz="3200" dirty="0"/>
+          </a:p>
+          <a:p>
+            <a:pPr marL="514350" indent="-514350">
+              <a:buFont typeface="+mj-lt"/>
+              <a:buAutoNum type="arabicPeriod"/>
+            </a:pPr>
+            <a:r>
+              <a:rPr lang="zh-CN" altLang="en-US" sz="3200" dirty="0"/>
+              <a:t>多条</a:t>
+            </a:r>
+            <a:r>
+              <a:rPr lang="en-US" altLang="zh-CN" sz="3200" dirty="0"/>
+              <a:t>case</a:t>
+            </a:r>
+            <a:r>
+              <a:rPr lang="zh-CN" altLang="en-US" sz="3200" dirty="0"/>
+              <a:t>满足，则随机选择一个</a:t>
+            </a:r>
+            <a:r>
+              <a:rPr lang="en-US" altLang="zh-CN" sz="3200" dirty="0"/>
+              <a:t>case</a:t>
+            </a:r>
+          </a:p>
+          <a:p>
+            <a:pPr marL="514350" indent="-514350">
+              <a:buFont typeface="+mj-lt"/>
+              <a:buAutoNum type="arabicPeriod"/>
+            </a:pPr>
+            <a:r>
+              <a:rPr lang="zh-CN" altLang="en-US" sz="3200" dirty="0"/>
+              <a:t>没有</a:t>
+            </a:r>
+            <a:r>
+              <a:rPr lang="en-US" altLang="zh-CN" sz="3200" dirty="0"/>
+              <a:t>case</a:t>
+            </a:r>
+            <a:r>
+              <a:rPr lang="zh-CN" altLang="en-US" sz="3200" dirty="0"/>
+              <a:t>满足，则</a:t>
+            </a:r>
+            <a:r>
+              <a:rPr lang="en-US" altLang="zh-CN" sz="3200" dirty="0"/>
+              <a:t>default</a:t>
+            </a:r>
+          </a:p>
+          <a:p>
+            <a:pPr marL="514350" indent="-514350">
+              <a:buFont typeface="+mj-lt"/>
+              <a:buAutoNum type="arabicPeriod"/>
+            </a:pPr>
+            <a:r>
+              <a:rPr lang="en-US" altLang="zh-CN" sz="3200" dirty="0"/>
+              <a:t>3+</a:t>
+            </a:r>
+            <a:r>
+              <a:rPr lang="zh-CN" altLang="en-US" sz="3200" dirty="0"/>
+              <a:t>没有</a:t>
+            </a:r>
+            <a:r>
+              <a:rPr lang="en-US" altLang="zh-CN" sz="3200" dirty="0"/>
+              <a:t>default</a:t>
+            </a:r>
+            <a:r>
+              <a:rPr lang="zh-CN" altLang="en-US" sz="3200" dirty="0"/>
+              <a:t>，则阻塞</a:t>
+            </a:r>
+            <a:r>
+              <a:rPr lang="en-US" altLang="zh-CN" sz="3200" dirty="0"/>
+              <a:t>.</a:t>
+            </a:r>
+          </a:p>
+          <a:p>
+            <a:pPr marL="514350" indent="-514350">
+              <a:buFont typeface="+mj-lt"/>
+              <a:buAutoNum type="arabicPeriod"/>
+            </a:pPr>
+            <a:r>
+              <a:rPr lang="zh-CN" altLang="en-US" sz="3200" dirty="0"/>
+              <a:t>右图结果为随机</a:t>
+            </a:r>
+            <a:endParaRPr lang="en-US" altLang="zh-CN" sz="3200" dirty="0"/>
+          </a:p>
+          <a:p>
+            <a:pPr marL="514350" indent="-514350"/>
+            <a:endParaRPr lang="en-US" altLang="zh-CN" sz="3600" dirty="0"/>
+          </a:p>
+        </p:txBody>
+      </p:sp>
+      <p:pic>
+        <p:nvPicPr>
+          <p:cNvPr id="5" name="Picture 4">
+            <a:extLst>
+              <a:ext uri="{FF2B5EF4-FFF2-40B4-BE49-F238E27FC236}">
+                <a16:creationId xmlns:a16="http://schemas.microsoft.com/office/drawing/2014/main" id="{E0E11AA0-E964-49DE-806D-6A7BF4056416}"/>
+              </a:ext>
+            </a:extLst>
+          </p:cNvPr>
+          <p:cNvPicPr>
+            <a:picLocks noChangeAspect="1"/>
+          </p:cNvPicPr>
+          <p:nvPr/>
+        </p:nvPicPr>
+        <p:blipFill>
+          <a:blip r:embed="rId3"/>
+          <a:stretch>
+            <a:fillRect/>
+          </a:stretch>
+        </p:blipFill>
+        <p:spPr>
+          <a:xfrm>
+            <a:off x="5603525" y="821144"/>
+            <a:ext cx="6896873" cy="4384258"/>
+          </a:xfrm>
+          <a:prstGeom prst="rect">
+            <a:avLst/>
+          </a:prstGeom>
+        </p:spPr>
+      </p:pic>
+    </p:spTree>
+    <p:extLst>
+      <p:ext uri="{BB962C8B-B14F-4D97-AF65-F5344CB8AC3E}">
+        <p14:creationId xmlns:p14="http://schemas.microsoft.com/office/powerpoint/2010/main" val="3308199554"/>
+      </p:ext>
+    </p:extLst>
+  </p:cSld>
+  <p:clrMapOvr>
+    <a:masterClrMapping/>
+  </p:clrMapOvr>
+</p:sld>
+</file>
+
+<file path=ppt/slides/slide16.xml><?xml version="1.0" encoding="utf-8"?>
+<p:sld xmlns:a="http://schemas.openxmlformats.org/drawingml/2006/main" xmlns:r="http://schemas.openxmlformats.org/officeDocument/2006/relationships" xmlns:p="http://schemas.openxmlformats.org/presentationml/2006/main">
+  <p:cSld>
+    <p:spTree>
+      <p:nvGrpSpPr>
+        <p:cNvPr id="1" name=""/>
+        <p:cNvGrpSpPr/>
+        <p:nvPr/>
+      </p:nvGrpSpPr>
+      <p:grpSpPr>
+        <a:xfrm>
+          <a:off x="0" y="0"/>
+          <a:ext cx="0" cy="0"/>
+          <a:chOff x="0" y="0"/>
+          <a:chExt cx="0" cy="0"/>
+        </a:xfrm>
+      </p:grpSpPr>
+      <p:sp>
+        <p:nvSpPr>
+          <p:cNvPr id="2" name="Title 1">
+            <a:extLst>
+              <a:ext uri="{FF2B5EF4-FFF2-40B4-BE49-F238E27FC236}">
+                <a16:creationId xmlns:a16="http://schemas.microsoft.com/office/drawing/2014/main" id="{D7C84779-5F93-4DCC-86DF-8D79DEAEC374}"/>
+              </a:ext>
+            </a:extLst>
+          </p:cNvPr>
+          <p:cNvSpPr>
+            <a:spLocks noGrp="1"/>
+          </p:cNvSpPr>
+          <p:nvPr>
+            <p:ph type="title"/>
+          </p:nvPr>
+        </p:nvSpPr>
+        <p:spPr/>
+        <p:txBody>
+          <a:bodyPr/>
+          <a:lstStyle/>
+          <a:p>
+            <a:r>
+              <a:rPr lang="en-US" altLang="zh-CN" dirty="0"/>
+              <a:t>Select:</a:t>
+            </a:r>
+            <a:r>
+              <a:rPr lang="zh-CN" altLang="en-US" dirty="0"/>
+              <a:t>管理多条</a:t>
+            </a:r>
+            <a:r>
+              <a:rPr lang="en-US" altLang="zh-CN" dirty="0"/>
+              <a:t>Channel – Fan in</a:t>
+            </a:r>
+            <a:endParaRPr lang="en-US" dirty="0"/>
+          </a:p>
+        </p:txBody>
+      </p:sp>
+      <p:sp>
+        <p:nvSpPr>
+          <p:cNvPr id="9" name="Rectangle 8">
+            <a:extLst>
+              <a:ext uri="{FF2B5EF4-FFF2-40B4-BE49-F238E27FC236}">
+                <a16:creationId xmlns:a16="http://schemas.microsoft.com/office/drawing/2014/main" id="{09DF8025-61D7-487E-B878-BECE556123CE}"/>
+              </a:ext>
+            </a:extLst>
+          </p:cNvPr>
+          <p:cNvSpPr/>
+          <p:nvPr/>
+        </p:nvSpPr>
+        <p:spPr>
+          <a:xfrm>
+            <a:off x="475029" y="791535"/>
+            <a:ext cx="9294613" cy="646331"/>
+          </a:xfrm>
+          <a:prstGeom prst="rect">
+            <a:avLst/>
+          </a:prstGeom>
+        </p:spPr>
+        <p:txBody>
+          <a:bodyPr wrap="square">
+            <a:spAutoFit/>
+          </a:bodyPr>
+          <a:lstStyle/>
+          <a:p>
+            <a:r>
+              <a:rPr lang="zh-CN" altLang="en-US" sz="3600" dirty="0"/>
+              <a:t>竞赛条件下先到先返回</a:t>
+            </a:r>
+            <a:endParaRPr lang="en-US" altLang="zh-CN" sz="3600" dirty="0"/>
+          </a:p>
+        </p:txBody>
+      </p:sp>
+      <p:pic>
+        <p:nvPicPr>
+          <p:cNvPr id="4" name="Picture 3">
+            <a:extLst>
+              <a:ext uri="{FF2B5EF4-FFF2-40B4-BE49-F238E27FC236}">
+                <a16:creationId xmlns:a16="http://schemas.microsoft.com/office/drawing/2014/main" id="{0E93A281-8F7C-4ED6-85BF-4D34EBF9B69A}"/>
+              </a:ext>
+            </a:extLst>
+          </p:cNvPr>
+          <p:cNvPicPr>
+            <a:picLocks noChangeAspect="1"/>
+          </p:cNvPicPr>
+          <p:nvPr/>
+        </p:nvPicPr>
+        <p:blipFill>
+          <a:blip r:embed="rId3"/>
+          <a:stretch>
+            <a:fillRect/>
+          </a:stretch>
+        </p:blipFill>
+        <p:spPr>
+          <a:xfrm>
+            <a:off x="734909" y="1367095"/>
+            <a:ext cx="9684437" cy="5176988"/>
+          </a:xfrm>
+          <a:prstGeom prst="rect">
+            <a:avLst/>
+          </a:prstGeom>
+        </p:spPr>
+      </p:pic>
+    </p:spTree>
+    <p:extLst>
+      <p:ext uri="{BB962C8B-B14F-4D97-AF65-F5344CB8AC3E}">
+        <p14:creationId xmlns:p14="http://schemas.microsoft.com/office/powerpoint/2010/main" val="2066996563"/>
+      </p:ext>
+    </p:extLst>
+  </p:cSld>
+  <p:clrMapOvr>
+    <a:masterClrMapping/>
+  </p:clrMapOvr>
+</p:sld>
+</file>
+
+<file path=ppt/slides/slide17.xml><?xml version="1.0" encoding="utf-8"?>
+<p:sld xmlns:a="http://schemas.openxmlformats.org/drawingml/2006/main" xmlns:r="http://schemas.openxmlformats.org/officeDocument/2006/relationships" xmlns:p="http://schemas.openxmlformats.org/presentationml/2006/main">
+  <p:cSld>
+    <p:spTree>
+      <p:nvGrpSpPr>
+        <p:cNvPr id="1" name=""/>
+        <p:cNvGrpSpPr/>
+        <p:nvPr/>
+      </p:nvGrpSpPr>
+      <p:grpSpPr>
+        <a:xfrm>
+          <a:off x="0" y="0"/>
+          <a:ext cx="0" cy="0"/>
+          <a:chOff x="0" y="0"/>
+          <a:chExt cx="0" cy="0"/>
+        </a:xfrm>
+      </p:grpSpPr>
+      <p:sp>
+        <p:nvSpPr>
+          <p:cNvPr id="2" name="Title 1">
+            <a:extLst>
+              <a:ext uri="{FF2B5EF4-FFF2-40B4-BE49-F238E27FC236}">
+                <a16:creationId xmlns:a16="http://schemas.microsoft.com/office/drawing/2014/main" id="{D7C84779-5F93-4DCC-86DF-8D79DEAEC374}"/>
+              </a:ext>
+            </a:extLst>
+          </p:cNvPr>
+          <p:cNvSpPr>
+            <a:spLocks noGrp="1"/>
+          </p:cNvSpPr>
+          <p:nvPr>
+            <p:ph type="title"/>
+          </p:nvPr>
+        </p:nvSpPr>
+        <p:spPr/>
+        <p:txBody>
+          <a:bodyPr/>
+          <a:lstStyle/>
+          <a:p>
+            <a:r>
+              <a:rPr lang="en-US" altLang="zh-CN" dirty="0"/>
+              <a:t>Select:</a:t>
+            </a:r>
+            <a:r>
+              <a:rPr lang="zh-CN" altLang="en-US" dirty="0"/>
+              <a:t>管理多条</a:t>
+            </a:r>
+            <a:r>
+              <a:rPr lang="en-US" altLang="zh-CN" dirty="0"/>
+              <a:t>Channel - Timeout</a:t>
+            </a:r>
+            <a:endParaRPr lang="en-US" dirty="0"/>
+          </a:p>
+        </p:txBody>
+      </p:sp>
+      <p:sp>
+        <p:nvSpPr>
+          <p:cNvPr id="9" name="Rectangle 8">
+            <a:extLst>
+              <a:ext uri="{FF2B5EF4-FFF2-40B4-BE49-F238E27FC236}">
+                <a16:creationId xmlns:a16="http://schemas.microsoft.com/office/drawing/2014/main" id="{09DF8025-61D7-487E-B878-BECE556123CE}"/>
+              </a:ext>
+            </a:extLst>
+          </p:cNvPr>
+          <p:cNvSpPr/>
+          <p:nvPr/>
+        </p:nvSpPr>
+        <p:spPr>
+          <a:xfrm>
+            <a:off x="462997" y="851692"/>
+            <a:ext cx="9294613" cy="584775"/>
+          </a:xfrm>
+          <a:prstGeom prst="rect">
+            <a:avLst/>
+          </a:prstGeom>
+        </p:spPr>
+        <p:txBody>
+          <a:bodyPr wrap="square">
+            <a:spAutoFit/>
+          </a:bodyPr>
+          <a:lstStyle/>
+          <a:p>
+            <a:r>
+              <a:rPr lang="en-US" altLang="zh-CN" sz="3200" dirty="0"/>
+              <a:t>Timer</a:t>
+            </a:r>
+            <a:r>
+              <a:rPr lang="zh-CN" altLang="en-US" sz="3200" dirty="0"/>
+              <a:t>保证</a:t>
+            </a:r>
+            <a:r>
+              <a:rPr lang="en-US" altLang="zh-CN" sz="3200" dirty="0"/>
+              <a:t>1</a:t>
+            </a:r>
+            <a:r>
+              <a:rPr lang="zh-CN" altLang="en-US" sz="3200" dirty="0"/>
+              <a:t>秒钟后可以返回，可以用作超时控制</a:t>
+            </a:r>
+            <a:endParaRPr lang="en-US" altLang="zh-CN" sz="3600" dirty="0"/>
+          </a:p>
+        </p:txBody>
+      </p:sp>
+      <p:pic>
+        <p:nvPicPr>
+          <p:cNvPr id="6" name="Picture 5">
+            <a:extLst>
+              <a:ext uri="{FF2B5EF4-FFF2-40B4-BE49-F238E27FC236}">
+                <a16:creationId xmlns:a16="http://schemas.microsoft.com/office/drawing/2014/main" id="{803B6F91-4E64-444F-A565-D062A84CD754}"/>
+              </a:ext>
+            </a:extLst>
+          </p:cNvPr>
+          <p:cNvPicPr>
+            <a:picLocks noChangeAspect="1"/>
+          </p:cNvPicPr>
+          <p:nvPr/>
+        </p:nvPicPr>
+        <p:blipFill>
+          <a:blip r:embed="rId3"/>
+          <a:stretch>
+            <a:fillRect/>
+          </a:stretch>
+        </p:blipFill>
+        <p:spPr>
+          <a:xfrm>
+            <a:off x="595343" y="1436467"/>
+            <a:ext cx="9162267" cy="4615997"/>
+          </a:xfrm>
+          <a:prstGeom prst="rect">
+            <a:avLst/>
+          </a:prstGeom>
+        </p:spPr>
+      </p:pic>
+    </p:spTree>
+    <p:extLst>
+      <p:ext uri="{BB962C8B-B14F-4D97-AF65-F5344CB8AC3E}">
+        <p14:creationId xmlns:p14="http://schemas.microsoft.com/office/powerpoint/2010/main" val="2622786567"/>
+      </p:ext>
+    </p:extLst>
+  </p:cSld>
+  <p:clrMapOvr>
+    <a:masterClrMapping/>
+  </p:clrMapOvr>
+</p:sld>
+</file>
+
+<file path=ppt/slides/slide18.xml><?xml version="1.0" encoding="utf-8"?>
+<p:sld xmlns:a="http://schemas.openxmlformats.org/drawingml/2006/main" xmlns:r="http://schemas.openxmlformats.org/officeDocument/2006/relationships" xmlns:p="http://schemas.openxmlformats.org/presentationml/2006/main">
+  <p:cSld>
+    <p:spTree>
+      <p:nvGrpSpPr>
+        <p:cNvPr id="1" name=""/>
+        <p:cNvGrpSpPr/>
+        <p:nvPr/>
+      </p:nvGrpSpPr>
+      <p:grpSpPr>
+        <a:xfrm>
+          <a:off x="0" y="0"/>
+          <a:ext cx="0" cy="0"/>
+          <a:chOff x="0" y="0"/>
+          <a:chExt cx="0" cy="0"/>
+        </a:xfrm>
+      </p:grpSpPr>
+      <p:sp>
+        <p:nvSpPr>
+          <p:cNvPr id="2" name="Title 1">
+            <a:extLst>
+              <a:ext uri="{FF2B5EF4-FFF2-40B4-BE49-F238E27FC236}">
+                <a16:creationId xmlns:a16="http://schemas.microsoft.com/office/drawing/2014/main" id="{D7C84779-5F93-4DCC-86DF-8D79DEAEC374}"/>
+              </a:ext>
+            </a:extLst>
+          </p:cNvPr>
+          <p:cNvSpPr>
+            <a:spLocks noGrp="1"/>
+          </p:cNvSpPr>
+          <p:nvPr>
+            <p:ph type="title"/>
+          </p:nvPr>
+        </p:nvSpPr>
+        <p:spPr/>
+        <p:txBody>
+          <a:bodyPr/>
+          <a:lstStyle/>
+          <a:p>
+            <a:r>
               <a:rPr lang="en-US" dirty="0"/>
               <a:t>Appendix</a:t>
             </a:r>
@@ -6922,7 +7711,7 @@
             </a:r>
             <a:r>
               <a:rPr lang="zh-CN" altLang="en-US" dirty="0"/>
-              <a:t>看着消息队列  </a:t>
+              <a:t>当作消息队列  </a:t>
             </a:r>
             <a:r>
               <a:rPr lang="en-US" altLang="zh-CN" dirty="0"/>
@@ -6939,9 +7728,6 @@
             <a:endParaRPr lang="en-US" dirty="0"/>
           </a:p>
           <a:p>
-            <a:endParaRPr lang="en-US" dirty="0"/>
-          </a:p>
-          <a:p>
             <a:r>
               <a:rPr lang="en-US" dirty="0"/>
               <a:t>Sync</a:t>
@@ -6949,6 +7735,48 @@
             <a:r>
               <a:rPr lang="zh-CN" altLang="en-US" dirty="0"/>
               <a:t>包 </a:t>
+            </a:r>
+            <a:endParaRPr lang="en-US" altLang="zh-CN" dirty="0"/>
+          </a:p>
+          <a:p>
+            <a:r>
+              <a:rPr lang="en-US" dirty="0"/>
+              <a:t>Select: </a:t>
+            </a:r>
+            <a:r>
+              <a:rPr lang="zh-CN" altLang="en-US" dirty="0"/>
+              <a:t>随机或竞赛</a:t>
+            </a:r>
+            <a:r>
+              <a:rPr lang="en-US" altLang="zh-CN" dirty="0"/>
+              <a:t>/</a:t>
+            </a:r>
+            <a:r>
+              <a:rPr lang="zh-CN" altLang="en-US" dirty="0"/>
+              <a:t>扇入</a:t>
+            </a:r>
+            <a:r>
+              <a:rPr lang="en-US" altLang="zh-CN" dirty="0"/>
+              <a:t>/</a:t>
+            </a:r>
+            <a:r>
+              <a:rPr lang="zh-CN" altLang="en-US" dirty="0"/>
+              <a:t>超时</a:t>
+            </a:r>
+            <a:endParaRPr lang="en-US" dirty="0"/>
+          </a:p>
+          <a:p>
+            <a:r>
+              <a:rPr lang="en-US" altLang="zh-CN" dirty="0"/>
+              <a:t>Golang</a:t>
+            </a:r>
+            <a:r>
+              <a:rPr lang="zh-CN" altLang="en-US" dirty="0"/>
+              <a:t>如何改善</a:t>
+            </a:r>
+            <a:r>
+              <a:rPr lang="en-US" altLang="zh-CN" dirty="0"/>
+              <a:t>Google Search</a:t>
             </a:r>
             <a:endParaRPr lang="en-US" dirty="0"/>
           </a:p>
@@ -9288,12 +10116,9 @@
 </file>
 
 <file path=customXml/item1.xml><?xml version="1.0" encoding="utf-8"?>
-<?mso-contentType ?>
-<FormTemplates xmlns="http://schemas.microsoft.com/sharepoint/v3/contenttype/forms">
-  <Display>DocumentLibraryForm</Display>
-  <Edit>DocumentLibraryForm</Edit>
-  <New>DocumentLibraryForm</New>
-</FormTemplates>
+<p:properties xmlns:p="http://schemas.microsoft.com/office/2006/metadata/properties" xmlns:xsi="http://www.w3.org/2001/XMLSchema-instance" xmlns:pc="http://schemas.microsoft.com/office/infopath/2007/PartnerControls">
+  <documentManagement/>
+</p:properties>
 </file>
 
 <file path=customXml/item2.xml><?xml version="1.0" encoding="utf-8"?>
@@ -9435,15 +10260,26 @@
 </file>
 
 <file path=customXml/item3.xml><?xml version="1.0" encoding="utf-8"?>
-<p:properties xmlns:p="http://schemas.microsoft.com/office/2006/metadata/properties" xmlns:xsi="http://www.w3.org/2001/XMLSchema-instance" xmlns:pc="http://schemas.microsoft.com/office/infopath/2007/PartnerControls">
-  <documentManagement/>
-</p:properties>
+<?mso-contentType ?>
+<FormTemplates xmlns="http://schemas.microsoft.com/sharepoint/v3/contenttype/forms">
+  <Display>DocumentLibraryForm</Display>
+  <Edit>DocumentLibraryForm</Edit>
+  <New>DocumentLibraryForm</New>
+</FormTemplates>
 </file>
 
 <file path=customXml/itemProps1.xml><?xml version="1.0" encoding="utf-8"?>
-<ds:datastoreItem xmlns:ds="http://schemas.openxmlformats.org/officeDocument/2006/customXml" ds:itemID="{8D58F66B-F132-4627-A8F1-473C8F1DC658}">
+<ds:datastoreItem xmlns:ds="http://schemas.openxmlformats.org/officeDocument/2006/customXml" ds:itemID="{09818F5F-9A4E-472D-957A-F61DB6A689A1}">
   <ds:schemaRefs>
-    <ds:schemaRef ds:uri="http://schemas.microsoft.com/sharepoint/v3/contenttype/forms"/>
+    <ds:schemaRef ds:uri="http://www.w3.org/XML/1998/namespace"/>
+    <ds:schemaRef ds:uri="http://schemas.microsoft.com/office/2006/metadata/properties"/>
+    <ds:schemaRef ds:uri="http://purl.org/dc/dcmitype/"/>
+    <ds:schemaRef ds:uri="a5770b6f-473e-481d-a1c6-8a0376abbd89"/>
+    <ds:schemaRef ds:uri="http://purl.org/dc/terms/"/>
+    <ds:schemaRef ds:uri="http://schemas.microsoft.com/office/infopath/2007/PartnerControls"/>
+    <ds:schemaRef ds:uri="http://schemas.microsoft.com/office/2006/documentManagement/types"/>
+    <ds:schemaRef ds:uri="http://schemas.openxmlformats.org/package/2006/metadata/core-properties"/>
+    <ds:schemaRef ds:uri="http://purl.org/dc/elements/1.1/"/>
   </ds:schemaRefs>
 </ds:datastoreItem>
 </file>
@@ -9467,17 +10303,9 @@
 </file>
 
 <file path=customXml/itemProps3.xml><?xml version="1.0" encoding="utf-8"?>
-<ds:datastoreItem xmlns:ds="http://schemas.openxmlformats.org/officeDocument/2006/customXml" ds:itemID="{09818F5F-9A4E-472D-957A-F61DB6A689A1}">
+<ds:datastoreItem xmlns:ds="http://schemas.openxmlformats.org/officeDocument/2006/customXml" ds:itemID="{8D58F66B-F132-4627-A8F1-473C8F1DC658}">
   <ds:schemaRefs>
-    <ds:schemaRef ds:uri="http://www.w3.org/XML/1998/namespace"/>
-    <ds:schemaRef ds:uri="http://schemas.microsoft.com/office/2006/metadata/properties"/>
-    <ds:schemaRef ds:uri="http://purl.org/dc/dcmitype/"/>
-    <ds:schemaRef ds:uri="a5770b6f-473e-481d-a1c6-8a0376abbd89"/>
-    <ds:schemaRef ds:uri="http://purl.org/dc/terms/"/>
-    <ds:schemaRef ds:uri="http://schemas.microsoft.com/office/infopath/2007/PartnerControls"/>
-    <ds:schemaRef ds:uri="http://schemas.microsoft.com/office/2006/documentManagement/types"/>
-    <ds:schemaRef ds:uri="http://schemas.openxmlformats.org/package/2006/metadata/core-properties"/>
-    <ds:schemaRef ds:uri="http://purl.org/dc/elements/1.1/"/>
+    <ds:schemaRef ds:uri="http://schemas.microsoft.com/sharepoint/v3/contenttype/forms"/>
   </ds:schemaRefs>
 </ds:datastoreItem>
 </file>
--- a/GolangConcurency.pptx
+++ b/GolangConcurency.pptx
@@ -23,8 +23,8 @@
     <p:sldId id="329" r:id="rId17"/>
     <p:sldId id="330" r:id="rId18"/>
     <p:sldId id="332" r:id="rId19"/>
-    <p:sldId id="334" r:id="rId20"/>
-    <p:sldId id="333" r:id="rId21"/>
+    <p:sldId id="333" r:id="rId20"/>
+    <p:sldId id="334" r:id="rId21"/>
     <p:sldId id="322" r:id="rId22"/>
   </p:sldIdLst>
   <p:sldSz cx="12192000" cy="6858000"/>
@@ -126,7 +126,7 @@
   </p:defaultTextStyle>
   <p:extLst>
     <p:ext uri="{521415D9-36F7-43E2-AB2F-B90AF26B5E84}">
-      <p14:sectionLst xmlns:p14="http://schemas.microsoft.com/office/powerpoint/2010/main">
+      <p14:sectionLst xmlns:p14="http://schemas.microsoft.com/office/powerpoint/2010/main" xmlns="">
         <p14:section name="Introduction" id="{53D9EADD-8752-4C05-9F62-8DF6D7C58F99}">
           <p14:sldIdLst>
             <p14:sldId id="256"/>
@@ -156,7 +156,7 @@
       </p14:sectionLst>
     </p:ext>
     <p:ext uri="{EFAFB233-063F-42B5-8137-9DF3F51BA10A}">
-      <p15:sldGuideLst xmlns:p15="http://schemas.microsoft.com/office/powerpoint/2012/main">
+      <p15:sldGuideLst xmlns:p15="http://schemas.microsoft.com/office/powerpoint/2012/main" xmlns="">
         <p15:guide id="1" orient="horz" pos="2160">
           <p15:clr>
             <a:srgbClr val="A4A3A4"/>
@@ -178,7 +178,7 @@
   <p:cmAuthor id="1" name="MICHAEL GONG (DSCOE-ISD-OOCLL/ZHA)" initials="MG(" lastIdx="1" clrIdx="0">
     <p:extLst>
       <p:ext uri="{19B8F6BF-5375-455C-9EA6-DF929625EA0E}">
-        <p15:presenceInfo xmlns:p15="http://schemas.microsoft.com/office/powerpoint/2012/main" userId="S-1-5-21-2065039802-622210664-899889007-132009" providerId="AD"/>
+        <p15:presenceInfo xmlns:p15="http://schemas.microsoft.com/office/powerpoint/2012/main" xmlns="" userId="S-1-5-21-2065039802-622210664-899889007-132009" providerId="AD"/>
       </p:ext>
     </p:extLst>
   </p:cmAuthor>
@@ -436,7 +436,7 @@
     </p:spTree>
     <p:extLst>
       <p:ext uri="{BB962C8B-B14F-4D97-AF65-F5344CB8AC3E}">
-        <p14:creationId xmlns:p14="http://schemas.microsoft.com/office/powerpoint/2010/main" val="3511084736"/>
+        <p14:creationId xmlns:p14="http://schemas.microsoft.com/office/powerpoint/2010/main" xmlns="" val="3511084736"/>
       </p:ext>
     </p:extLst>
   </p:cSld>
@@ -611,7 +611,7 @@
     </p:spTree>
     <p:extLst>
       <p:ext uri="{BB962C8B-B14F-4D97-AF65-F5344CB8AC3E}">
-        <p14:creationId xmlns:p14="http://schemas.microsoft.com/office/powerpoint/2010/main" val="1504085620"/>
+        <p14:creationId xmlns:p14="http://schemas.microsoft.com/office/powerpoint/2010/main" xmlns="" val="1504085620"/>
       </p:ext>
     </p:extLst>
   </p:cSld>
@@ -696,7 +696,7 @@
     </p:spTree>
     <p:extLst>
       <p:ext uri="{BB962C8B-B14F-4D97-AF65-F5344CB8AC3E}">
-        <p14:creationId xmlns:p14="http://schemas.microsoft.com/office/powerpoint/2010/main" val="3843752410"/>
+        <p14:creationId xmlns:p14="http://schemas.microsoft.com/office/powerpoint/2010/main" xmlns="" val="3843752410"/>
       </p:ext>
     </p:extLst>
   </p:cSld>
@@ -781,7 +781,7 @@
     </p:spTree>
     <p:extLst>
       <p:ext uri="{BB962C8B-B14F-4D97-AF65-F5344CB8AC3E}">
-        <p14:creationId xmlns:p14="http://schemas.microsoft.com/office/powerpoint/2010/main" val="3843752410"/>
+        <p14:creationId xmlns:p14="http://schemas.microsoft.com/office/powerpoint/2010/main" xmlns="" val="3843752410"/>
       </p:ext>
     </p:extLst>
   </p:cSld>
@@ -866,7 +866,7 @@
     </p:spTree>
     <p:extLst>
       <p:ext uri="{BB962C8B-B14F-4D97-AF65-F5344CB8AC3E}">
-        <p14:creationId xmlns:p14="http://schemas.microsoft.com/office/powerpoint/2010/main" val="3843752410"/>
+        <p14:creationId xmlns:p14="http://schemas.microsoft.com/office/powerpoint/2010/main" xmlns="" val="3843752410"/>
       </p:ext>
     </p:extLst>
   </p:cSld>
@@ -951,7 +951,7 @@
     </p:spTree>
     <p:extLst>
       <p:ext uri="{BB962C8B-B14F-4D97-AF65-F5344CB8AC3E}">
-        <p14:creationId xmlns:p14="http://schemas.microsoft.com/office/powerpoint/2010/main" val="3843752410"/>
+        <p14:creationId xmlns:p14="http://schemas.microsoft.com/office/powerpoint/2010/main" xmlns="" val="3843752410"/>
       </p:ext>
     </p:extLst>
   </p:cSld>
@@ -1036,7 +1036,7 @@
     </p:spTree>
     <p:extLst>
       <p:ext uri="{BB962C8B-B14F-4D97-AF65-F5344CB8AC3E}">
-        <p14:creationId xmlns:p14="http://schemas.microsoft.com/office/powerpoint/2010/main" val="3208220907"/>
+        <p14:creationId xmlns:p14="http://schemas.microsoft.com/office/powerpoint/2010/main" xmlns="" val="3208220907"/>
       </p:ext>
     </p:extLst>
   </p:cSld>
@@ -1121,7 +1121,7 @@
     </p:spTree>
     <p:extLst>
       <p:ext uri="{BB962C8B-B14F-4D97-AF65-F5344CB8AC3E}">
-        <p14:creationId xmlns:p14="http://schemas.microsoft.com/office/powerpoint/2010/main" val="2434866526"/>
+        <p14:creationId xmlns:p14="http://schemas.microsoft.com/office/powerpoint/2010/main" xmlns="" val="2782073266"/>
       </p:ext>
     </p:extLst>
   </p:cSld>
@@ -1206,7 +1206,7 @@
     </p:spTree>
     <p:extLst>
       <p:ext uri="{BB962C8B-B14F-4D97-AF65-F5344CB8AC3E}">
-        <p14:creationId xmlns:p14="http://schemas.microsoft.com/office/powerpoint/2010/main" val="2782073266"/>
+        <p14:creationId xmlns:p14="http://schemas.microsoft.com/office/powerpoint/2010/main" xmlns="" val="2434866526"/>
       </p:ext>
     </p:extLst>
   </p:cSld>
@@ -1291,7 +1291,7 @@
     </p:spTree>
     <p:extLst>
       <p:ext uri="{BB962C8B-B14F-4D97-AF65-F5344CB8AC3E}">
-        <p14:creationId xmlns:p14="http://schemas.microsoft.com/office/powerpoint/2010/main" val="2905436193"/>
+        <p14:creationId xmlns:p14="http://schemas.microsoft.com/office/powerpoint/2010/main" xmlns="" val="2905436193"/>
       </p:ext>
     </p:extLst>
   </p:cSld>
@@ -1376,7 +1376,7 @@
     </p:spTree>
     <p:extLst>
       <p:ext uri="{BB962C8B-B14F-4D97-AF65-F5344CB8AC3E}">
-        <p14:creationId xmlns:p14="http://schemas.microsoft.com/office/powerpoint/2010/main" val="1236732504"/>
+        <p14:creationId xmlns:p14="http://schemas.microsoft.com/office/powerpoint/2010/main" xmlns="" val="1236732504"/>
       </p:ext>
     </p:extLst>
   </p:cSld>
@@ -1461,7 +1461,7 @@
     </p:spTree>
     <p:extLst>
       <p:ext uri="{BB962C8B-B14F-4D97-AF65-F5344CB8AC3E}">
-        <p14:creationId xmlns:p14="http://schemas.microsoft.com/office/powerpoint/2010/main" val="2279340415"/>
+        <p14:creationId xmlns:p14="http://schemas.microsoft.com/office/powerpoint/2010/main" xmlns="" val="2279340415"/>
       </p:ext>
     </p:extLst>
   </p:cSld>
@@ -1546,7 +1546,7 @@
     </p:spTree>
     <p:extLst>
       <p:ext uri="{BB962C8B-B14F-4D97-AF65-F5344CB8AC3E}">
-        <p14:creationId xmlns:p14="http://schemas.microsoft.com/office/powerpoint/2010/main" val="151475752"/>
+        <p14:creationId xmlns:p14="http://schemas.microsoft.com/office/powerpoint/2010/main" xmlns="" val="151475752"/>
       </p:ext>
     </p:extLst>
   </p:cSld>
@@ -1631,7 +1631,7 @@
     </p:spTree>
     <p:extLst>
       <p:ext uri="{BB962C8B-B14F-4D97-AF65-F5344CB8AC3E}">
-        <p14:creationId xmlns:p14="http://schemas.microsoft.com/office/powerpoint/2010/main" val="4142781396"/>
+        <p14:creationId xmlns:p14="http://schemas.microsoft.com/office/powerpoint/2010/main" xmlns="" val="4142781396"/>
       </p:ext>
     </p:extLst>
   </p:cSld>
@@ -1716,7 +1716,7 @@
     </p:spTree>
     <p:extLst>
       <p:ext uri="{BB962C8B-B14F-4D97-AF65-F5344CB8AC3E}">
-        <p14:creationId xmlns:p14="http://schemas.microsoft.com/office/powerpoint/2010/main" val="2925099622"/>
+        <p14:creationId xmlns:p14="http://schemas.microsoft.com/office/powerpoint/2010/main" xmlns="" val="2925099622"/>
       </p:ext>
     </p:extLst>
   </p:cSld>
@@ -1801,7 +1801,7 @@
     </p:spTree>
     <p:extLst>
       <p:ext uri="{BB962C8B-B14F-4D97-AF65-F5344CB8AC3E}">
-        <p14:creationId xmlns:p14="http://schemas.microsoft.com/office/powerpoint/2010/main" val="839460708"/>
+        <p14:creationId xmlns:p14="http://schemas.microsoft.com/office/powerpoint/2010/main" xmlns="" val="839460708"/>
       </p:ext>
     </p:extLst>
   </p:cSld>
@@ -1886,7 +1886,7 @@
     </p:spTree>
     <p:extLst>
       <p:ext uri="{BB962C8B-B14F-4D97-AF65-F5344CB8AC3E}">
-        <p14:creationId xmlns:p14="http://schemas.microsoft.com/office/powerpoint/2010/main" val="839460708"/>
+        <p14:creationId xmlns:p14="http://schemas.microsoft.com/office/powerpoint/2010/main" xmlns="" val="839460708"/>
       </p:ext>
     </p:extLst>
   </p:cSld>
@@ -1971,7 +1971,7 @@
     </p:spTree>
     <p:extLst>
       <p:ext uri="{BB962C8B-B14F-4D97-AF65-F5344CB8AC3E}">
-        <p14:creationId xmlns:p14="http://schemas.microsoft.com/office/powerpoint/2010/main" val="839460708"/>
+        <p14:creationId xmlns:p14="http://schemas.microsoft.com/office/powerpoint/2010/main" xmlns="" val="839460708"/>
       </p:ext>
     </p:extLst>
   </p:cSld>
@@ -2003,7 +2003,7 @@
           <p:cNvPr id="2" name="Title 1">
             <a:extLst>
               <a:ext uri="{FF2B5EF4-FFF2-40B4-BE49-F238E27FC236}">
-                <a16:creationId xmlns:a16="http://schemas.microsoft.com/office/drawing/2014/main" id="{EFF1F054-5F26-423F-A5DD-9C54CE0A2AE9}"/>
+                <a16:creationId xmlns:a16="http://schemas.microsoft.com/office/drawing/2014/main" xmlns="" id="{EFF1F054-5F26-423F-A5DD-9C54CE0A2AE9}"/>
               </a:ext>
             </a:extLst>
           </p:cNvPr>
@@ -2040,7 +2040,7 @@
           <p:cNvPr id="3" name="Subtitle 2">
             <a:extLst>
               <a:ext uri="{FF2B5EF4-FFF2-40B4-BE49-F238E27FC236}">
-                <a16:creationId xmlns:a16="http://schemas.microsoft.com/office/drawing/2014/main" id="{3BB2565F-9609-400E-9E2E-E6259786714D}"/>
+                <a16:creationId xmlns:a16="http://schemas.microsoft.com/office/drawing/2014/main" xmlns="" id="{3BB2565F-9609-400E-9E2E-E6259786714D}"/>
               </a:ext>
             </a:extLst>
           </p:cNvPr>
@@ -2110,7 +2110,7 @@
           <p:cNvPr id="4" name="Date Placeholder 3">
             <a:extLst>
               <a:ext uri="{FF2B5EF4-FFF2-40B4-BE49-F238E27FC236}">
-                <a16:creationId xmlns:a16="http://schemas.microsoft.com/office/drawing/2014/main" id="{EDA6FF66-933D-47F1-A95A-74DB940C384A}"/>
+                <a16:creationId xmlns:a16="http://schemas.microsoft.com/office/drawing/2014/main" xmlns="" id="{EDA6FF66-933D-47F1-A95A-74DB940C384A}"/>
               </a:ext>
             </a:extLst>
           </p:cNvPr>
@@ -2140,7 +2140,7 @@
           <p:cNvPr id="5" name="Footer Placeholder 4">
             <a:extLst>
               <a:ext uri="{FF2B5EF4-FFF2-40B4-BE49-F238E27FC236}">
-                <a16:creationId xmlns:a16="http://schemas.microsoft.com/office/drawing/2014/main" id="{89B5FEE5-1B4A-4EFE-B89E-F2559B365D40}"/>
+                <a16:creationId xmlns:a16="http://schemas.microsoft.com/office/drawing/2014/main" xmlns="" id="{89B5FEE5-1B4A-4EFE-B89E-F2559B365D40}"/>
               </a:ext>
             </a:extLst>
           </p:cNvPr>
@@ -2165,7 +2165,7 @@
           <p:cNvPr id="6" name="Slide Number Placeholder 5">
             <a:extLst>
               <a:ext uri="{FF2B5EF4-FFF2-40B4-BE49-F238E27FC236}">
-                <a16:creationId xmlns:a16="http://schemas.microsoft.com/office/drawing/2014/main" id="{C0D5733D-C7BB-4CC1-850C-DD54586BBBA5}"/>
+                <a16:creationId xmlns:a16="http://schemas.microsoft.com/office/drawing/2014/main" xmlns="" id="{C0D5733D-C7BB-4CC1-850C-DD54586BBBA5}"/>
               </a:ext>
             </a:extLst>
           </p:cNvPr>
@@ -2195,7 +2195,7 @@
           <p:cNvPr id="7" name="Straight Connector 6">
             <a:extLst>
               <a:ext uri="{FF2B5EF4-FFF2-40B4-BE49-F238E27FC236}">
-                <a16:creationId xmlns:a16="http://schemas.microsoft.com/office/drawing/2014/main" id="{3EA4CAC6-7389-48ED-AC06-BFADD41551D5}"/>
+                <a16:creationId xmlns:a16="http://schemas.microsoft.com/office/drawing/2014/main" xmlns="" id="{3EA4CAC6-7389-48ED-AC06-BFADD41551D5}"/>
               </a:ext>
             </a:extLst>
           </p:cNvPr>
@@ -2233,7 +2233,7 @@
           <p:cNvPr id="9" name="TextBox 8">
             <a:extLst>
               <a:ext uri="{FF2B5EF4-FFF2-40B4-BE49-F238E27FC236}">
-                <a16:creationId xmlns:a16="http://schemas.microsoft.com/office/drawing/2014/main" id="{67F2ADF3-F7F8-4087-858A-6F66D508D87C}"/>
+                <a16:creationId xmlns:a16="http://schemas.microsoft.com/office/drawing/2014/main" xmlns="" id="{67F2ADF3-F7F8-4087-858A-6F66D508D87C}"/>
               </a:ext>
             </a:extLst>
           </p:cNvPr>
@@ -2281,7 +2281,7 @@
     </p:spTree>
     <p:extLst>
       <p:ext uri="{BB962C8B-B14F-4D97-AF65-F5344CB8AC3E}">
-        <p14:creationId xmlns:p14="http://schemas.microsoft.com/office/powerpoint/2010/main" val="37654009"/>
+        <p14:creationId xmlns:p14="http://schemas.microsoft.com/office/powerpoint/2010/main" xmlns="" val="37654009"/>
       </p:ext>
     </p:extLst>
   </p:cSld>
@@ -2313,7 +2313,7 @@
           <p:cNvPr id="2" name="Title 1">
             <a:extLst>
               <a:ext uri="{FF2B5EF4-FFF2-40B4-BE49-F238E27FC236}">
-                <a16:creationId xmlns:a16="http://schemas.microsoft.com/office/drawing/2014/main" id="{D578F509-E66E-42C7-B414-DEDB8CB0009A}"/>
+                <a16:creationId xmlns:a16="http://schemas.microsoft.com/office/drawing/2014/main" xmlns="" id="{D578F509-E66E-42C7-B414-DEDB8CB0009A}"/>
               </a:ext>
             </a:extLst>
           </p:cNvPr>
@@ -2341,7 +2341,7 @@
           <p:cNvPr id="3" name="Vertical Text Placeholder 2">
             <a:extLst>
               <a:ext uri="{FF2B5EF4-FFF2-40B4-BE49-F238E27FC236}">
-                <a16:creationId xmlns:a16="http://schemas.microsoft.com/office/drawing/2014/main" id="{39FD8C8D-EF98-470B-8FD0-A9BB0450B149}"/>
+                <a16:creationId xmlns:a16="http://schemas.microsoft.com/office/drawing/2014/main" xmlns="" id="{39FD8C8D-EF98-470B-8FD0-A9BB0450B149}"/>
               </a:ext>
             </a:extLst>
           </p:cNvPr>
@@ -2398,7 +2398,7 @@
           <p:cNvPr id="4" name="Date Placeholder 3">
             <a:extLst>
               <a:ext uri="{FF2B5EF4-FFF2-40B4-BE49-F238E27FC236}">
-                <a16:creationId xmlns:a16="http://schemas.microsoft.com/office/drawing/2014/main" id="{0600363F-FFE9-4A83-A47C-7B025E73A7D3}"/>
+                <a16:creationId xmlns:a16="http://schemas.microsoft.com/office/drawing/2014/main" xmlns="" id="{0600363F-FFE9-4A83-A47C-7B025E73A7D3}"/>
               </a:ext>
             </a:extLst>
           </p:cNvPr>
@@ -2428,7 +2428,7 @@
           <p:cNvPr id="5" name="Footer Placeholder 4">
             <a:extLst>
               <a:ext uri="{FF2B5EF4-FFF2-40B4-BE49-F238E27FC236}">
-                <a16:creationId xmlns:a16="http://schemas.microsoft.com/office/drawing/2014/main" id="{2639756C-4793-47FF-AF0E-A346FA4D9F5A}"/>
+                <a16:creationId xmlns:a16="http://schemas.microsoft.com/office/drawing/2014/main" xmlns="" id="{2639756C-4793-47FF-AF0E-A346FA4D9F5A}"/>
               </a:ext>
             </a:extLst>
           </p:cNvPr>
@@ -2453,7 +2453,7 @@
           <p:cNvPr id="6" name="Slide Number Placeholder 5">
             <a:extLst>
               <a:ext uri="{FF2B5EF4-FFF2-40B4-BE49-F238E27FC236}">
-                <a16:creationId xmlns:a16="http://schemas.microsoft.com/office/drawing/2014/main" id="{55698755-6A6A-4B66-94EC-81D56DA8E372}"/>
+                <a16:creationId xmlns:a16="http://schemas.microsoft.com/office/drawing/2014/main" xmlns="" id="{55698755-6A6A-4B66-94EC-81D56DA8E372}"/>
               </a:ext>
             </a:extLst>
           </p:cNvPr>
@@ -2481,7 +2481,7 @@
     </p:spTree>
     <p:extLst>
       <p:ext uri="{BB962C8B-B14F-4D97-AF65-F5344CB8AC3E}">
-        <p14:creationId xmlns:p14="http://schemas.microsoft.com/office/powerpoint/2010/main" val="74609242"/>
+        <p14:creationId xmlns:p14="http://schemas.microsoft.com/office/powerpoint/2010/main" xmlns="" val="74609242"/>
       </p:ext>
     </p:extLst>
   </p:cSld>
@@ -2513,7 +2513,7 @@
           <p:cNvPr id="2" name="Vertical Title 1">
             <a:extLst>
               <a:ext uri="{FF2B5EF4-FFF2-40B4-BE49-F238E27FC236}">
-                <a16:creationId xmlns:a16="http://schemas.microsoft.com/office/drawing/2014/main" id="{02A87FEF-54B8-4489-85DC-D98FE6F28050}"/>
+                <a16:creationId xmlns:a16="http://schemas.microsoft.com/office/drawing/2014/main" xmlns="" id="{02A87FEF-54B8-4489-85DC-D98FE6F28050}"/>
               </a:ext>
             </a:extLst>
           </p:cNvPr>
@@ -2546,7 +2546,7 @@
           <p:cNvPr id="3" name="Vertical Text Placeholder 2">
             <a:extLst>
               <a:ext uri="{FF2B5EF4-FFF2-40B4-BE49-F238E27FC236}">
-                <a16:creationId xmlns:a16="http://schemas.microsoft.com/office/drawing/2014/main" id="{8B71D077-BD07-4382-8E63-59488FFCA8D5}"/>
+                <a16:creationId xmlns:a16="http://schemas.microsoft.com/office/drawing/2014/main" xmlns="" id="{8B71D077-BD07-4382-8E63-59488FFCA8D5}"/>
               </a:ext>
             </a:extLst>
           </p:cNvPr>
@@ -2608,7 +2608,7 @@
           <p:cNvPr id="4" name="Date Placeholder 3">
             <a:extLst>
               <a:ext uri="{FF2B5EF4-FFF2-40B4-BE49-F238E27FC236}">
-                <a16:creationId xmlns:a16="http://schemas.microsoft.com/office/drawing/2014/main" id="{9B481C67-9B19-4A17-87AF-47D2816A63D2}"/>
+                <a16:creationId xmlns:a16="http://schemas.microsoft.com/office/drawing/2014/main" xmlns="" id="{9B481C67-9B19-4A17-87AF-47D2816A63D2}"/>
               </a:ext>
             </a:extLst>
           </p:cNvPr>
@@ -2638,7 +2638,7 @@
           <p:cNvPr id="5" name="Footer Placeholder 4">
             <a:extLst>
               <a:ext uri="{FF2B5EF4-FFF2-40B4-BE49-F238E27FC236}">
-                <a16:creationId xmlns:a16="http://schemas.microsoft.com/office/drawing/2014/main" id="{9AB74035-BE1F-4B6A-A757-0A3BEBC07ECF}"/>
+                <a16:creationId xmlns:a16="http://schemas.microsoft.com/office/drawing/2014/main" xmlns="" id="{9AB74035-BE1F-4B6A-A757-0A3BEBC07ECF}"/>
               </a:ext>
             </a:extLst>
           </p:cNvPr>
@@ -2663,7 +2663,7 @@
           <p:cNvPr id="6" name="Slide Number Placeholder 5">
             <a:extLst>
               <a:ext uri="{FF2B5EF4-FFF2-40B4-BE49-F238E27FC236}">
-                <a16:creationId xmlns:a16="http://schemas.microsoft.com/office/drawing/2014/main" id="{FC371FF7-26AC-4666-A6E2-B9A9C931F17E}"/>
+                <a16:creationId xmlns:a16="http://schemas.microsoft.com/office/drawing/2014/main" xmlns="" id="{FC371FF7-26AC-4666-A6E2-B9A9C931F17E}"/>
               </a:ext>
             </a:extLst>
           </p:cNvPr>
@@ -2691,7 +2691,7 @@
     </p:spTree>
     <p:extLst>
       <p:ext uri="{BB962C8B-B14F-4D97-AF65-F5344CB8AC3E}">
-        <p14:creationId xmlns:p14="http://schemas.microsoft.com/office/powerpoint/2010/main" val="327360313"/>
+        <p14:creationId xmlns:p14="http://schemas.microsoft.com/office/powerpoint/2010/main" xmlns="" val="327360313"/>
       </p:ext>
     </p:extLst>
   </p:cSld>
@@ -2723,7 +2723,7 @@
           <p:cNvPr id="2" name="Title 1">
             <a:extLst>
               <a:ext uri="{FF2B5EF4-FFF2-40B4-BE49-F238E27FC236}">
-                <a16:creationId xmlns:a16="http://schemas.microsoft.com/office/drawing/2014/main" id="{11EFF147-8305-4C8C-86F1-D856EBBAF7C2}"/>
+                <a16:creationId xmlns:a16="http://schemas.microsoft.com/office/drawing/2014/main" xmlns="" id="{11EFF147-8305-4C8C-86F1-D856EBBAF7C2}"/>
               </a:ext>
             </a:extLst>
           </p:cNvPr>
@@ -2751,7 +2751,7 @@
           <p:cNvPr id="3" name="Content Placeholder 2">
             <a:extLst>
               <a:ext uri="{FF2B5EF4-FFF2-40B4-BE49-F238E27FC236}">
-                <a16:creationId xmlns:a16="http://schemas.microsoft.com/office/drawing/2014/main" id="{05BB0835-3F9B-44C7-A1E0-BB6A820FB090}"/>
+                <a16:creationId xmlns:a16="http://schemas.microsoft.com/office/drawing/2014/main" xmlns="" id="{05BB0835-3F9B-44C7-A1E0-BB6A820FB090}"/>
               </a:ext>
             </a:extLst>
           </p:cNvPr>
@@ -2808,7 +2808,7 @@
           <p:cNvPr id="4" name="Date Placeholder 3">
             <a:extLst>
               <a:ext uri="{FF2B5EF4-FFF2-40B4-BE49-F238E27FC236}">
-                <a16:creationId xmlns:a16="http://schemas.microsoft.com/office/drawing/2014/main" id="{6B8082C4-E0B0-4F75-9A71-E46836F54912}"/>
+                <a16:creationId xmlns:a16="http://schemas.microsoft.com/office/drawing/2014/main" xmlns="" id="{6B8082C4-E0B0-4F75-9A71-E46836F54912}"/>
               </a:ext>
             </a:extLst>
           </p:cNvPr>
@@ -2838,7 +2838,7 @@
           <p:cNvPr id="5" name="Footer Placeholder 4">
             <a:extLst>
               <a:ext uri="{FF2B5EF4-FFF2-40B4-BE49-F238E27FC236}">
-                <a16:creationId xmlns:a16="http://schemas.microsoft.com/office/drawing/2014/main" id="{6C2526BA-4562-4167-9CC0-13E0F1E07ED2}"/>
+                <a16:creationId xmlns:a16="http://schemas.microsoft.com/office/drawing/2014/main" xmlns="" id="{6C2526BA-4562-4167-9CC0-13E0F1E07ED2}"/>
               </a:ext>
             </a:extLst>
           </p:cNvPr>
@@ -2863,7 +2863,7 @@
           <p:cNvPr id="6" name="Slide Number Placeholder 5">
             <a:extLst>
               <a:ext uri="{FF2B5EF4-FFF2-40B4-BE49-F238E27FC236}">
-                <a16:creationId xmlns:a16="http://schemas.microsoft.com/office/drawing/2014/main" id="{54DC031C-236C-4C79-B203-6266D585985E}"/>
+                <a16:creationId xmlns:a16="http://schemas.microsoft.com/office/drawing/2014/main" xmlns="" id="{54DC031C-236C-4C79-B203-6266D585985E}"/>
               </a:ext>
             </a:extLst>
           </p:cNvPr>
@@ -2893,7 +2893,7 @@
           <p:cNvPr id="7" name="Straight Connector 6">
             <a:extLst>
               <a:ext uri="{FF2B5EF4-FFF2-40B4-BE49-F238E27FC236}">
-                <a16:creationId xmlns:a16="http://schemas.microsoft.com/office/drawing/2014/main" id="{EBA1F678-17D0-4A24-BC8C-596209B8A706}"/>
+                <a16:creationId xmlns:a16="http://schemas.microsoft.com/office/drawing/2014/main" xmlns="" id="{EBA1F678-17D0-4A24-BC8C-596209B8A706}"/>
               </a:ext>
             </a:extLst>
           </p:cNvPr>
@@ -2929,7 +2929,7 @@
     </p:spTree>
     <p:extLst>
       <p:ext uri="{BB962C8B-B14F-4D97-AF65-F5344CB8AC3E}">
-        <p14:creationId xmlns:p14="http://schemas.microsoft.com/office/powerpoint/2010/main" val="2709948559"/>
+        <p14:creationId xmlns:p14="http://schemas.microsoft.com/office/powerpoint/2010/main" xmlns="" val="2709948559"/>
       </p:ext>
     </p:extLst>
   </p:cSld>
@@ -2961,7 +2961,7 @@
           <p:cNvPr id="2" name="Title 1">
             <a:extLst>
               <a:ext uri="{FF2B5EF4-FFF2-40B4-BE49-F238E27FC236}">
-                <a16:creationId xmlns:a16="http://schemas.microsoft.com/office/drawing/2014/main" id="{9C77E9F5-987F-47D7-A80F-63B190B6C256}"/>
+                <a16:creationId xmlns:a16="http://schemas.microsoft.com/office/drawing/2014/main" xmlns="" id="{9C77E9F5-987F-47D7-A80F-63B190B6C256}"/>
               </a:ext>
             </a:extLst>
           </p:cNvPr>
@@ -2998,7 +2998,7 @@
           <p:cNvPr id="3" name="Text Placeholder 2">
             <a:extLst>
               <a:ext uri="{FF2B5EF4-FFF2-40B4-BE49-F238E27FC236}">
-                <a16:creationId xmlns:a16="http://schemas.microsoft.com/office/drawing/2014/main" id="{57A6DF7C-9109-464F-B881-82FA2A8012B7}"/>
+                <a16:creationId xmlns:a16="http://schemas.microsoft.com/office/drawing/2014/main" xmlns="" id="{57A6DF7C-9109-464F-B881-82FA2A8012B7}"/>
               </a:ext>
             </a:extLst>
           </p:cNvPr>
@@ -3123,7 +3123,7 @@
           <p:cNvPr id="4" name="Date Placeholder 3">
             <a:extLst>
               <a:ext uri="{FF2B5EF4-FFF2-40B4-BE49-F238E27FC236}">
-                <a16:creationId xmlns:a16="http://schemas.microsoft.com/office/drawing/2014/main" id="{2535BF5B-AF99-4CBF-AE0A-75C40BE9E0C1}"/>
+                <a16:creationId xmlns:a16="http://schemas.microsoft.com/office/drawing/2014/main" xmlns="" id="{2535BF5B-AF99-4CBF-AE0A-75C40BE9E0C1}"/>
               </a:ext>
             </a:extLst>
           </p:cNvPr>
@@ -3153,7 +3153,7 @@
           <p:cNvPr id="5" name="Footer Placeholder 4">
             <a:extLst>
               <a:ext uri="{FF2B5EF4-FFF2-40B4-BE49-F238E27FC236}">
-                <a16:creationId xmlns:a16="http://schemas.microsoft.com/office/drawing/2014/main" id="{E8645BFB-2055-42FB-AC89-BE1785D9BE1E}"/>
+                <a16:creationId xmlns:a16="http://schemas.microsoft.com/office/drawing/2014/main" xmlns="" id="{E8645BFB-2055-42FB-AC89-BE1785D9BE1E}"/>
               </a:ext>
             </a:extLst>
           </p:cNvPr>
@@ -3178,7 +3178,7 @@
           <p:cNvPr id="6" name="Slide Number Placeholder 5">
             <a:extLst>
               <a:ext uri="{FF2B5EF4-FFF2-40B4-BE49-F238E27FC236}">
-                <a16:creationId xmlns:a16="http://schemas.microsoft.com/office/drawing/2014/main" id="{3F95587E-758E-438B-84A0-1497D6C924FD}"/>
+                <a16:creationId xmlns:a16="http://schemas.microsoft.com/office/drawing/2014/main" xmlns="" id="{3F95587E-758E-438B-84A0-1497D6C924FD}"/>
               </a:ext>
             </a:extLst>
           </p:cNvPr>
@@ -3208,7 +3208,7 @@
           <p:cNvPr id="7" name="Straight Connector 6">
             <a:extLst>
               <a:ext uri="{FF2B5EF4-FFF2-40B4-BE49-F238E27FC236}">
-                <a16:creationId xmlns:a16="http://schemas.microsoft.com/office/drawing/2014/main" id="{EC3CA79F-75C6-44C0-8E41-48A8B125B502}"/>
+                <a16:creationId xmlns:a16="http://schemas.microsoft.com/office/drawing/2014/main" xmlns="" id="{EC3CA79F-75C6-44C0-8E41-48A8B125B502}"/>
               </a:ext>
             </a:extLst>
           </p:cNvPr>
@@ -3244,7 +3244,7 @@
     </p:spTree>
     <p:extLst>
       <p:ext uri="{BB962C8B-B14F-4D97-AF65-F5344CB8AC3E}">
-        <p14:creationId xmlns:p14="http://schemas.microsoft.com/office/powerpoint/2010/main" val="1251077641"/>
+        <p14:creationId xmlns:p14="http://schemas.microsoft.com/office/powerpoint/2010/main" xmlns="" val="1251077641"/>
       </p:ext>
     </p:extLst>
   </p:cSld>
@@ -3276,7 +3276,7 @@
           <p:cNvPr id="2" name="Title 1">
             <a:extLst>
               <a:ext uri="{FF2B5EF4-FFF2-40B4-BE49-F238E27FC236}">
-                <a16:creationId xmlns:a16="http://schemas.microsoft.com/office/drawing/2014/main" id="{3DA31CFB-0F52-4EF9-A70F-4C8567F61C44}"/>
+                <a16:creationId xmlns:a16="http://schemas.microsoft.com/office/drawing/2014/main" xmlns="" id="{3DA31CFB-0F52-4EF9-A70F-4C8567F61C44}"/>
               </a:ext>
             </a:extLst>
           </p:cNvPr>
@@ -3304,7 +3304,7 @@
           <p:cNvPr id="3" name="Content Placeholder 2">
             <a:extLst>
               <a:ext uri="{FF2B5EF4-FFF2-40B4-BE49-F238E27FC236}">
-                <a16:creationId xmlns:a16="http://schemas.microsoft.com/office/drawing/2014/main" id="{0E4BACCB-8876-41D5-A33E-3FF0D5DA1899}"/>
+                <a16:creationId xmlns:a16="http://schemas.microsoft.com/office/drawing/2014/main" xmlns="" id="{0E4BACCB-8876-41D5-A33E-3FF0D5DA1899}"/>
               </a:ext>
             </a:extLst>
           </p:cNvPr>
@@ -3366,7 +3366,7 @@
           <p:cNvPr id="4" name="Content Placeholder 3">
             <a:extLst>
               <a:ext uri="{FF2B5EF4-FFF2-40B4-BE49-F238E27FC236}">
-                <a16:creationId xmlns:a16="http://schemas.microsoft.com/office/drawing/2014/main" id="{9D75392B-76F8-4D10-B40E-F73EAEE0812A}"/>
+                <a16:creationId xmlns:a16="http://schemas.microsoft.com/office/drawing/2014/main" xmlns="" id="{9D75392B-76F8-4D10-B40E-F73EAEE0812A}"/>
               </a:ext>
             </a:extLst>
           </p:cNvPr>
@@ -3428,7 +3428,7 @@
           <p:cNvPr id="5" name="Date Placeholder 4">
             <a:extLst>
               <a:ext uri="{FF2B5EF4-FFF2-40B4-BE49-F238E27FC236}">
-                <a16:creationId xmlns:a16="http://schemas.microsoft.com/office/drawing/2014/main" id="{680D36E2-8A03-4DBF-950E-C5B08EF7E361}"/>
+                <a16:creationId xmlns:a16="http://schemas.microsoft.com/office/drawing/2014/main" xmlns="" id="{680D36E2-8A03-4DBF-950E-C5B08EF7E361}"/>
               </a:ext>
             </a:extLst>
           </p:cNvPr>
@@ -3458,7 +3458,7 @@
           <p:cNvPr id="6" name="Footer Placeholder 5">
             <a:extLst>
               <a:ext uri="{FF2B5EF4-FFF2-40B4-BE49-F238E27FC236}">
-                <a16:creationId xmlns:a16="http://schemas.microsoft.com/office/drawing/2014/main" id="{400922BD-5DB1-403B-8A20-3C8F43A71D70}"/>
+                <a16:creationId xmlns:a16="http://schemas.microsoft.com/office/drawing/2014/main" xmlns="" id="{400922BD-5DB1-403B-8A20-3C8F43A71D70}"/>
               </a:ext>
             </a:extLst>
           </p:cNvPr>
@@ -3483,7 +3483,7 @@
           <p:cNvPr id="7" name="Slide Number Placeholder 6">
             <a:extLst>
               <a:ext uri="{FF2B5EF4-FFF2-40B4-BE49-F238E27FC236}">
-                <a16:creationId xmlns:a16="http://schemas.microsoft.com/office/drawing/2014/main" id="{9C3F9DBC-86E0-4E27-B5D1-BCED9750ED38}"/>
+                <a16:creationId xmlns:a16="http://schemas.microsoft.com/office/drawing/2014/main" xmlns="" id="{9C3F9DBC-86E0-4E27-B5D1-BCED9750ED38}"/>
               </a:ext>
             </a:extLst>
           </p:cNvPr>
@@ -3511,7 +3511,7 @@
     </p:spTree>
     <p:extLst>
       <p:ext uri="{BB962C8B-B14F-4D97-AF65-F5344CB8AC3E}">
-        <p14:creationId xmlns:p14="http://schemas.microsoft.com/office/powerpoint/2010/main" val="759025932"/>
+        <p14:creationId xmlns:p14="http://schemas.microsoft.com/office/powerpoint/2010/main" xmlns="" val="759025932"/>
       </p:ext>
     </p:extLst>
   </p:cSld>
@@ -3543,7 +3543,7 @@
           <p:cNvPr id="2" name="Title 1">
             <a:extLst>
               <a:ext uri="{FF2B5EF4-FFF2-40B4-BE49-F238E27FC236}">
-                <a16:creationId xmlns:a16="http://schemas.microsoft.com/office/drawing/2014/main" id="{8CC6F189-CDD4-402C-BF48-5716492DB9F8}"/>
+                <a16:creationId xmlns:a16="http://schemas.microsoft.com/office/drawing/2014/main" xmlns="" id="{8CC6F189-CDD4-402C-BF48-5716492DB9F8}"/>
               </a:ext>
             </a:extLst>
           </p:cNvPr>
@@ -3576,7 +3576,7 @@
           <p:cNvPr id="3" name="Text Placeholder 2">
             <a:extLst>
               <a:ext uri="{FF2B5EF4-FFF2-40B4-BE49-F238E27FC236}">
-                <a16:creationId xmlns:a16="http://schemas.microsoft.com/office/drawing/2014/main" id="{50ED9ADE-86F8-4E1B-96EC-AAE4CE82A211}"/>
+                <a16:creationId xmlns:a16="http://schemas.microsoft.com/office/drawing/2014/main" xmlns="" id="{50ED9ADE-86F8-4E1B-96EC-AAE4CE82A211}"/>
               </a:ext>
             </a:extLst>
           </p:cNvPr>
@@ -3647,7 +3647,7 @@
           <p:cNvPr id="4" name="Content Placeholder 3">
             <a:extLst>
               <a:ext uri="{FF2B5EF4-FFF2-40B4-BE49-F238E27FC236}">
-                <a16:creationId xmlns:a16="http://schemas.microsoft.com/office/drawing/2014/main" id="{670DDFAE-921B-4FD1-96C7-CD55AB459341}"/>
+                <a16:creationId xmlns:a16="http://schemas.microsoft.com/office/drawing/2014/main" xmlns="" id="{670DDFAE-921B-4FD1-96C7-CD55AB459341}"/>
               </a:ext>
             </a:extLst>
           </p:cNvPr>
@@ -3709,7 +3709,7 @@
           <p:cNvPr id="5" name="Text Placeholder 4">
             <a:extLst>
               <a:ext uri="{FF2B5EF4-FFF2-40B4-BE49-F238E27FC236}">
-                <a16:creationId xmlns:a16="http://schemas.microsoft.com/office/drawing/2014/main" id="{5FD69DB8-23C3-4044-8A4D-4E92B22298C1}"/>
+                <a16:creationId xmlns:a16="http://schemas.microsoft.com/office/drawing/2014/main" xmlns="" id="{5FD69DB8-23C3-4044-8A4D-4E92B22298C1}"/>
               </a:ext>
             </a:extLst>
           </p:cNvPr>
@@ -3780,7 +3780,7 @@
           <p:cNvPr id="6" name="Content Placeholder 5">
             <a:extLst>
               <a:ext uri="{FF2B5EF4-FFF2-40B4-BE49-F238E27FC236}">
-                <a16:creationId xmlns:a16="http://schemas.microsoft.com/office/drawing/2014/main" id="{972B5D27-F40F-4F48-9993-561FC327DB43}"/>
+                <a16:creationId xmlns:a16="http://schemas.microsoft.com/office/drawing/2014/main" xmlns="" id="{972B5D27-F40F-4F48-9993-561FC327DB43}"/>
               </a:ext>
             </a:extLst>
           </p:cNvPr>
@@ -3842,7 +3842,7 @@
           <p:cNvPr id="7" name="Date Placeholder 6">
             <a:extLst>
               <a:ext uri="{FF2B5EF4-FFF2-40B4-BE49-F238E27FC236}">
-                <a16:creationId xmlns:a16="http://schemas.microsoft.com/office/drawing/2014/main" id="{B8D72A2F-6C03-4AA2-8675-A62997A1F179}"/>
+                <a16:creationId xmlns:a16="http://schemas.microsoft.com/office/drawing/2014/main" xmlns="" id="{B8D72A2F-6C03-4AA2-8675-A62997A1F179}"/>
               </a:ext>
             </a:extLst>
           </p:cNvPr>
@@ -3872,7 +3872,7 @@
           <p:cNvPr id="8" name="Footer Placeholder 7">
             <a:extLst>
               <a:ext uri="{FF2B5EF4-FFF2-40B4-BE49-F238E27FC236}">
-                <a16:creationId xmlns:a16="http://schemas.microsoft.com/office/drawing/2014/main" id="{C7FA0448-C108-4A98-BC11-71C694972BB9}"/>
+                <a16:creationId xmlns:a16="http://schemas.microsoft.com/office/drawing/2014/main" xmlns="" id="{C7FA0448-C108-4A98-BC11-71C694972BB9}"/>
               </a:ext>
             </a:extLst>
           </p:cNvPr>
@@ -3897,7 +3897,7 @@
           <p:cNvPr id="9" name="Slide Number Placeholder 8">
             <a:extLst>
               <a:ext uri="{FF2B5EF4-FFF2-40B4-BE49-F238E27FC236}">
-                <a16:creationId xmlns:a16="http://schemas.microsoft.com/office/drawing/2014/main" id="{907E1CB1-297A-48F9-BF2F-D32F99F4D530}"/>
+                <a16:creationId xmlns:a16="http://schemas.microsoft.com/office/drawing/2014/main" xmlns="" id="{907E1CB1-297A-48F9-BF2F-D32F99F4D530}"/>
               </a:ext>
             </a:extLst>
           </p:cNvPr>
@@ -3925,7 +3925,7 @@
     </p:spTree>
     <p:extLst>
       <p:ext uri="{BB962C8B-B14F-4D97-AF65-F5344CB8AC3E}">
-        <p14:creationId xmlns:p14="http://schemas.microsoft.com/office/powerpoint/2010/main" val="3574849597"/>
+        <p14:creationId xmlns:p14="http://schemas.microsoft.com/office/powerpoint/2010/main" xmlns="" val="3574849597"/>
       </p:ext>
     </p:extLst>
   </p:cSld>
@@ -3957,7 +3957,7 @@
           <p:cNvPr id="2" name="Title 1">
             <a:extLst>
               <a:ext uri="{FF2B5EF4-FFF2-40B4-BE49-F238E27FC236}">
-                <a16:creationId xmlns:a16="http://schemas.microsoft.com/office/drawing/2014/main" id="{F9252D30-D733-4779-B79D-EED11F294B48}"/>
+                <a16:creationId xmlns:a16="http://schemas.microsoft.com/office/drawing/2014/main" xmlns="" id="{F9252D30-D733-4779-B79D-EED11F294B48}"/>
               </a:ext>
             </a:extLst>
           </p:cNvPr>
@@ -3985,7 +3985,7 @@
           <p:cNvPr id="3" name="Date Placeholder 2">
             <a:extLst>
               <a:ext uri="{FF2B5EF4-FFF2-40B4-BE49-F238E27FC236}">
-                <a16:creationId xmlns:a16="http://schemas.microsoft.com/office/drawing/2014/main" id="{36388E6C-E68D-48B1-ADCE-523903DA4557}"/>
+                <a16:creationId xmlns:a16="http://schemas.microsoft.com/office/drawing/2014/main" xmlns="" id="{36388E6C-E68D-48B1-ADCE-523903DA4557}"/>
               </a:ext>
             </a:extLst>
           </p:cNvPr>
@@ -4015,7 +4015,7 @@
           <p:cNvPr id="4" name="Footer Placeholder 3">
             <a:extLst>
               <a:ext uri="{FF2B5EF4-FFF2-40B4-BE49-F238E27FC236}">
-                <a16:creationId xmlns:a16="http://schemas.microsoft.com/office/drawing/2014/main" id="{E709D5ED-193F-47A7-86C6-BA079964B35E}"/>
+                <a16:creationId xmlns:a16="http://schemas.microsoft.com/office/drawing/2014/main" xmlns="" id="{E709D5ED-193F-47A7-86C6-BA079964B35E}"/>
               </a:ext>
             </a:extLst>
           </p:cNvPr>
@@ -4040,7 +4040,7 @@
           <p:cNvPr id="5" name="Slide Number Placeholder 4">
             <a:extLst>
               <a:ext uri="{FF2B5EF4-FFF2-40B4-BE49-F238E27FC236}">
-                <a16:creationId xmlns:a16="http://schemas.microsoft.com/office/drawing/2014/main" id="{C51EF39B-32C5-4504-9D3C-C73B01918821}"/>
+                <a16:creationId xmlns:a16="http://schemas.microsoft.com/office/drawing/2014/main" xmlns="" id="{C51EF39B-32C5-4504-9D3C-C73B01918821}"/>
               </a:ext>
             </a:extLst>
           </p:cNvPr>
@@ -4068,7 +4068,7 @@
     </p:spTree>
     <p:extLst>
       <p:ext uri="{BB962C8B-B14F-4D97-AF65-F5344CB8AC3E}">
-        <p14:creationId xmlns:p14="http://schemas.microsoft.com/office/powerpoint/2010/main" val="579114760"/>
+        <p14:creationId xmlns:p14="http://schemas.microsoft.com/office/powerpoint/2010/main" xmlns="" val="579114760"/>
       </p:ext>
     </p:extLst>
   </p:cSld>
@@ -4100,7 +4100,7 @@
           <p:cNvPr id="2" name="Date Placeholder 1">
             <a:extLst>
               <a:ext uri="{FF2B5EF4-FFF2-40B4-BE49-F238E27FC236}">
-                <a16:creationId xmlns:a16="http://schemas.microsoft.com/office/drawing/2014/main" id="{49830188-1AC2-484C-9F53-B1C7CB88FB75}"/>
+                <a16:creationId xmlns:a16="http://schemas.microsoft.com/office/drawing/2014/main" xmlns="" id="{49830188-1AC2-484C-9F53-B1C7CB88FB75}"/>
               </a:ext>
             </a:extLst>
           </p:cNvPr>
@@ -4130,7 +4130,7 @@
           <p:cNvPr id="3" name="Footer Placeholder 2">
             <a:extLst>
               <a:ext uri="{FF2B5EF4-FFF2-40B4-BE49-F238E27FC236}">
-                <a16:creationId xmlns:a16="http://schemas.microsoft.com/office/drawing/2014/main" id="{8A333681-69BB-45B2-9377-67BC523A119F}"/>
+                <a16:creationId xmlns:a16="http://schemas.microsoft.com/office/drawing/2014/main" xmlns="" id="{8A333681-69BB-45B2-9377-67BC523A119F}"/>
               </a:ext>
             </a:extLst>
           </p:cNvPr>
@@ -4155,7 +4155,7 @@
           <p:cNvPr id="4" name="Slide Number Placeholder 3">
             <a:extLst>
               <a:ext uri="{FF2B5EF4-FFF2-40B4-BE49-F238E27FC236}">
-                <a16:creationId xmlns:a16="http://schemas.microsoft.com/office/drawing/2014/main" id="{8EDB1A5F-A319-4FCA-B8EB-7506ACFB7C78}"/>
+                <a16:creationId xmlns:a16="http://schemas.microsoft.com/office/drawing/2014/main" xmlns="" id="{8EDB1A5F-A319-4FCA-B8EB-7506ACFB7C78}"/>
               </a:ext>
             </a:extLst>
           </p:cNvPr>
@@ -4183,7 +4183,7 @@
     </p:spTree>
     <p:extLst>
       <p:ext uri="{BB962C8B-B14F-4D97-AF65-F5344CB8AC3E}">
-        <p14:creationId xmlns:p14="http://schemas.microsoft.com/office/powerpoint/2010/main" val="209110672"/>
+        <p14:creationId xmlns:p14="http://schemas.microsoft.com/office/powerpoint/2010/main" xmlns="" val="209110672"/>
       </p:ext>
     </p:extLst>
   </p:cSld>
@@ -4215,7 +4215,7 @@
           <p:cNvPr id="2" name="Title 1">
             <a:extLst>
               <a:ext uri="{FF2B5EF4-FFF2-40B4-BE49-F238E27FC236}">
-                <a16:creationId xmlns:a16="http://schemas.microsoft.com/office/drawing/2014/main" id="{70C55B79-F8B8-4759-9FBD-205D80AEA9D8}"/>
+                <a16:creationId xmlns:a16="http://schemas.microsoft.com/office/drawing/2014/main" xmlns="" id="{70C55B79-F8B8-4759-9FBD-205D80AEA9D8}"/>
               </a:ext>
             </a:extLst>
           </p:cNvPr>
@@ -4252,7 +4252,7 @@
           <p:cNvPr id="3" name="Content Placeholder 2">
             <a:extLst>
               <a:ext uri="{FF2B5EF4-FFF2-40B4-BE49-F238E27FC236}">
-                <a16:creationId xmlns:a16="http://schemas.microsoft.com/office/drawing/2014/main" id="{83882243-0F38-4450-B420-7132E7BE7154}"/>
+                <a16:creationId xmlns:a16="http://schemas.microsoft.com/office/drawing/2014/main" xmlns="" id="{83882243-0F38-4450-B420-7132E7BE7154}"/>
               </a:ext>
             </a:extLst>
           </p:cNvPr>
@@ -4342,7 +4342,7 @@
           <p:cNvPr id="4" name="Text Placeholder 3">
             <a:extLst>
               <a:ext uri="{FF2B5EF4-FFF2-40B4-BE49-F238E27FC236}">
-                <a16:creationId xmlns:a16="http://schemas.microsoft.com/office/drawing/2014/main" id="{CC23093D-A8BF-4001-8391-24DB2CD7FC43}"/>
+                <a16:creationId xmlns:a16="http://schemas.microsoft.com/office/drawing/2014/main" xmlns="" id="{CC23093D-A8BF-4001-8391-24DB2CD7FC43}"/>
               </a:ext>
             </a:extLst>
           </p:cNvPr>
@@ -4413,7 +4413,7 @@
           <p:cNvPr id="5" name="Date Placeholder 4">
             <a:extLst>
               <a:ext uri="{FF2B5EF4-FFF2-40B4-BE49-F238E27FC236}">
-                <a16:creationId xmlns:a16="http://schemas.microsoft.com/office/drawing/2014/main" id="{56A90E2D-DC24-4359-8EB7-DD8EAA19B655}"/>
+                <a16:creationId xmlns:a16="http://schemas.microsoft.com/office/drawing/2014/main" xmlns="" id="{56A90E2D-DC24-4359-8EB7-DD8EAA19B655}"/>
               </a:ext>
             </a:extLst>
           </p:cNvPr>
@@ -4443,7 +4443,7 @@
           <p:cNvPr id="6" name="Footer Placeholder 5">
             <a:extLst>
               <a:ext uri="{FF2B5EF4-FFF2-40B4-BE49-F238E27FC236}">
-                <a16:creationId xmlns:a16="http://schemas.microsoft.com/office/drawing/2014/main" id="{79DA5AB0-20EC-4A87-B765-F369816EDAB6}"/>
+                <a16:creationId xmlns:a16="http://schemas.microsoft.com/office/drawing/2014/main" xmlns="" id="{79DA5AB0-20EC-4A87-B765-F369816EDAB6}"/>
               </a:ext>
             </a:extLst>
           </p:cNvPr>
@@ -4468,7 +4468,7 @@
           <p:cNvPr id="7" name="Slide Number Placeholder 6">
             <a:extLst>
               <a:ext uri="{FF2B5EF4-FFF2-40B4-BE49-F238E27FC236}">
-                <a16:creationId xmlns:a16="http://schemas.microsoft.com/office/drawing/2014/main" id="{952F5AE5-E610-4F52-8B1F-CC450BDE23A4}"/>
+                <a16:creationId xmlns:a16="http://schemas.microsoft.com/office/drawing/2014/main" xmlns="" id="{952F5AE5-E610-4F52-8B1F-CC450BDE23A4}"/>
               </a:ext>
             </a:extLst>
           </p:cNvPr>
@@ -4496,7 +4496,7 @@
     </p:spTree>
     <p:extLst>
       <p:ext uri="{BB962C8B-B14F-4D97-AF65-F5344CB8AC3E}">
-        <p14:creationId xmlns:p14="http://schemas.microsoft.com/office/powerpoint/2010/main" val="3132102381"/>
+        <p14:creationId xmlns:p14="http://schemas.microsoft.com/office/powerpoint/2010/main" xmlns="" val="3132102381"/>
       </p:ext>
     </p:extLst>
   </p:cSld>
@@ -4528,7 +4528,7 @@
           <p:cNvPr id="2" name="Title 1">
             <a:extLst>
               <a:ext uri="{FF2B5EF4-FFF2-40B4-BE49-F238E27FC236}">
-                <a16:creationId xmlns:a16="http://schemas.microsoft.com/office/drawing/2014/main" id="{8B92E141-FE3E-4AF1-BC37-7F56A0CE766F}"/>
+                <a16:creationId xmlns:a16="http://schemas.microsoft.com/office/drawing/2014/main" xmlns="" id="{8B92E141-FE3E-4AF1-BC37-7F56A0CE766F}"/>
               </a:ext>
             </a:extLst>
           </p:cNvPr>
@@ -4565,7 +4565,7 @@
           <p:cNvPr id="3" name="Picture Placeholder 2">
             <a:extLst>
               <a:ext uri="{FF2B5EF4-FFF2-40B4-BE49-F238E27FC236}">
-                <a16:creationId xmlns:a16="http://schemas.microsoft.com/office/drawing/2014/main" id="{D5D1CE18-F9BD-41B4-8056-E22AEEF6D3A1}"/>
+                <a16:creationId xmlns:a16="http://schemas.microsoft.com/office/drawing/2014/main" xmlns="" id="{D5D1CE18-F9BD-41B4-8056-E22AEEF6D3A1}"/>
               </a:ext>
             </a:extLst>
           </p:cNvPr>
@@ -4632,7 +4632,7 @@
           <p:cNvPr id="4" name="Text Placeholder 3">
             <a:extLst>
               <a:ext uri="{FF2B5EF4-FFF2-40B4-BE49-F238E27FC236}">
-                <a16:creationId xmlns:a16="http://schemas.microsoft.com/office/drawing/2014/main" id="{8B2DB4DA-BA72-424A-845C-3E305D36B41E}"/>
+                <a16:creationId xmlns:a16="http://schemas.microsoft.com/office/drawing/2014/main" xmlns="" id="{8B2DB4DA-BA72-424A-845C-3E305D36B41E}"/>
               </a:ext>
             </a:extLst>
           </p:cNvPr>
@@ -4703,7 +4703,7 @@
           <p:cNvPr id="5" name="Date Placeholder 4">
             <a:extLst>
               <a:ext uri="{FF2B5EF4-FFF2-40B4-BE49-F238E27FC236}">
-                <a16:creationId xmlns:a16="http://schemas.microsoft.com/office/drawing/2014/main" id="{9E0F6947-54BB-40F7-85A7-2EB72C1BEAE8}"/>
+                <a16:creationId xmlns:a16="http://schemas.microsoft.com/office/drawing/2014/main" xmlns="" id="{9E0F6947-54BB-40F7-85A7-2EB72C1BEAE8}"/>
               </a:ext>
             </a:extLst>
           </p:cNvPr>
@@ -4733,7 +4733,7 @@
           <p:cNvPr id="6" name="Footer Placeholder 5">
             <a:extLst>
               <a:ext uri="{FF2B5EF4-FFF2-40B4-BE49-F238E27FC236}">
-                <a16:creationId xmlns:a16="http://schemas.microsoft.com/office/drawing/2014/main" id="{AFA4069D-0CC7-4B93-8DF5-3B1D962E47A6}"/>
+                <a16:creationId xmlns:a16="http://schemas.microsoft.com/office/drawing/2014/main" xmlns="" id="{AFA4069D-0CC7-4B93-8DF5-3B1D962E47A6}"/>
               </a:ext>
             </a:extLst>
           </p:cNvPr>
@@ -4758,7 +4758,7 @@
           <p:cNvPr id="7" name="Slide Number Placeholder 6">
             <a:extLst>
               <a:ext uri="{FF2B5EF4-FFF2-40B4-BE49-F238E27FC236}">
-                <a16:creationId xmlns:a16="http://schemas.microsoft.com/office/drawing/2014/main" id="{74BC649E-CEE5-4CE0-9B43-09D802EFB90F}"/>
+                <a16:creationId xmlns:a16="http://schemas.microsoft.com/office/drawing/2014/main" xmlns="" id="{74BC649E-CEE5-4CE0-9B43-09D802EFB90F}"/>
               </a:ext>
             </a:extLst>
           </p:cNvPr>
@@ -4786,7 +4786,7 @@
     </p:spTree>
     <p:extLst>
       <p:ext uri="{BB962C8B-B14F-4D97-AF65-F5344CB8AC3E}">
-        <p14:creationId xmlns:p14="http://schemas.microsoft.com/office/powerpoint/2010/main" val="3685579883"/>
+        <p14:creationId xmlns:p14="http://schemas.microsoft.com/office/powerpoint/2010/main" xmlns="" val="3685579883"/>
       </p:ext>
     </p:extLst>
   </p:cSld>
@@ -4823,7 +4823,7 @@
           <p:cNvPr id="2" name="Title Placeholder 1">
             <a:extLst>
               <a:ext uri="{FF2B5EF4-FFF2-40B4-BE49-F238E27FC236}">
-                <a16:creationId xmlns:a16="http://schemas.microsoft.com/office/drawing/2014/main" id="{93167B93-6A4A-48BB-9AAF-6A6950557AEF}"/>
+                <a16:creationId xmlns:a16="http://schemas.microsoft.com/office/drawing/2014/main" xmlns="" id="{93167B93-6A4A-48BB-9AAF-6A6950557AEF}"/>
               </a:ext>
             </a:extLst>
           </p:cNvPr>
@@ -4861,7 +4861,7 @@
           <p:cNvPr id="3" name="Text Placeholder 2">
             <a:extLst>
               <a:ext uri="{FF2B5EF4-FFF2-40B4-BE49-F238E27FC236}">
-                <a16:creationId xmlns:a16="http://schemas.microsoft.com/office/drawing/2014/main" id="{C8681EC6-9512-483B-BA61-30A00B970F39}"/>
+                <a16:creationId xmlns:a16="http://schemas.microsoft.com/office/drawing/2014/main" xmlns="" id="{C8681EC6-9512-483B-BA61-30A00B970F39}"/>
               </a:ext>
             </a:extLst>
           </p:cNvPr>
@@ -4928,7 +4928,7 @@
           <p:cNvPr id="4" name="Date Placeholder 3">
             <a:extLst>
               <a:ext uri="{FF2B5EF4-FFF2-40B4-BE49-F238E27FC236}">
-                <a16:creationId xmlns:a16="http://schemas.microsoft.com/office/drawing/2014/main" id="{D3A290A6-5736-4CB6-A19C-DC4230F932F1}"/>
+                <a16:creationId xmlns:a16="http://schemas.microsoft.com/office/drawing/2014/main" xmlns="" id="{D3A290A6-5736-4CB6-A19C-DC4230F932F1}"/>
               </a:ext>
             </a:extLst>
           </p:cNvPr>
@@ -4976,7 +4976,7 @@
           <p:cNvPr id="5" name="Footer Placeholder 4">
             <a:extLst>
               <a:ext uri="{FF2B5EF4-FFF2-40B4-BE49-F238E27FC236}">
-                <a16:creationId xmlns:a16="http://schemas.microsoft.com/office/drawing/2014/main" id="{22EBE582-B1AB-4666-997A-F36EB63FD8D6}"/>
+                <a16:creationId xmlns:a16="http://schemas.microsoft.com/office/drawing/2014/main" xmlns="" id="{22EBE582-B1AB-4666-997A-F36EB63FD8D6}"/>
               </a:ext>
             </a:extLst>
           </p:cNvPr>
@@ -5019,7 +5019,7 @@
           <p:cNvPr id="6" name="Slide Number Placeholder 5">
             <a:extLst>
               <a:ext uri="{FF2B5EF4-FFF2-40B4-BE49-F238E27FC236}">
-                <a16:creationId xmlns:a16="http://schemas.microsoft.com/office/drawing/2014/main" id="{77B13510-3D74-470C-BD4E-4623587E12E3}"/>
+                <a16:creationId xmlns:a16="http://schemas.microsoft.com/office/drawing/2014/main" xmlns="" id="{77B13510-3D74-470C-BD4E-4623587E12E3}"/>
               </a:ext>
             </a:extLst>
           </p:cNvPr>
@@ -5067,7 +5067,7 @@
           <p:cNvPr id="7" name="Rectangle 6">
             <a:extLst>
               <a:ext uri="{FF2B5EF4-FFF2-40B4-BE49-F238E27FC236}">
-                <a16:creationId xmlns:a16="http://schemas.microsoft.com/office/drawing/2014/main" id="{0ABD61A2-ECDD-4A5C-8B2C-67D04DF1A4F8}"/>
+                <a16:creationId xmlns:a16="http://schemas.microsoft.com/office/drawing/2014/main" xmlns="" id="{0ABD61A2-ECDD-4A5C-8B2C-67D04DF1A4F8}"/>
               </a:ext>
             </a:extLst>
           </p:cNvPr>
@@ -5109,7 +5109,7 @@
           <p:cNvPr id="8" name="Rectangle 7">
             <a:extLst>
               <a:ext uri="{FF2B5EF4-FFF2-40B4-BE49-F238E27FC236}">
-                <a16:creationId xmlns:a16="http://schemas.microsoft.com/office/drawing/2014/main" id="{B8ECBD3F-E3E0-4AF7-9498-072C80E24DAF}"/>
+                <a16:creationId xmlns:a16="http://schemas.microsoft.com/office/drawing/2014/main" xmlns="" id="{B8ECBD3F-E3E0-4AF7-9498-072C80E24DAF}"/>
               </a:ext>
             </a:extLst>
           </p:cNvPr>
@@ -5151,7 +5151,7 @@
     </p:spTree>
     <p:extLst>
       <p:ext uri="{BB962C8B-B14F-4D97-AF65-F5344CB8AC3E}">
-        <p14:creationId xmlns:p14="http://schemas.microsoft.com/office/powerpoint/2010/main" val="2651013160"/>
+        <p14:creationId xmlns:p14="http://schemas.microsoft.com/office/powerpoint/2010/main" xmlns="" val="2651013160"/>
       </p:ext>
     </p:extLst>
   </p:cSld>
@@ -5474,7 +5474,7 @@
           <p:cNvPr id="2" name="Title 1">
             <a:extLst>
               <a:ext uri="{FF2B5EF4-FFF2-40B4-BE49-F238E27FC236}">
-                <a16:creationId xmlns:a16="http://schemas.microsoft.com/office/drawing/2014/main" id="{67B1F4F5-F0B9-4D17-9B31-DE22B611FFFE}"/>
+                <a16:creationId xmlns:a16="http://schemas.microsoft.com/office/drawing/2014/main" xmlns="" id="{67B1F4F5-F0B9-4D17-9B31-DE22B611FFFE}"/>
               </a:ext>
             </a:extLst>
           </p:cNvPr>
@@ -5508,7 +5508,7 @@
           <p:cNvPr id="3" name="Subtitle 2">
             <a:extLst>
               <a:ext uri="{FF2B5EF4-FFF2-40B4-BE49-F238E27FC236}">
-                <a16:creationId xmlns:a16="http://schemas.microsoft.com/office/drawing/2014/main" id="{B3F7542E-6F3A-4349-99DB-1F21ABC8470C}"/>
+                <a16:creationId xmlns:a16="http://schemas.microsoft.com/office/drawing/2014/main" xmlns="" id="{B3F7542E-6F3A-4349-99DB-1F21ABC8470C}"/>
               </a:ext>
             </a:extLst>
           </p:cNvPr>
@@ -5539,7 +5539,7 @@
           <p:cNvPr id="4" name="Picture 3">
             <a:extLst>
               <a:ext uri="{FF2B5EF4-FFF2-40B4-BE49-F238E27FC236}">
-                <a16:creationId xmlns:a16="http://schemas.microsoft.com/office/drawing/2014/main" id="{72CB8E91-B469-4BBE-8EE8-56242C4C092C}"/>
+                <a16:creationId xmlns:a16="http://schemas.microsoft.com/office/drawing/2014/main" xmlns="" id="{72CB8E91-B469-4BBE-8EE8-56242C4C092C}"/>
               </a:ext>
             </a:extLst>
           </p:cNvPr>
@@ -5567,7 +5567,7 @@
     </p:spTree>
     <p:extLst>
       <p:ext uri="{BB962C8B-B14F-4D97-AF65-F5344CB8AC3E}">
-        <p14:creationId xmlns:p14="http://schemas.microsoft.com/office/powerpoint/2010/main" val="108172572"/>
+        <p14:creationId xmlns:p14="http://schemas.microsoft.com/office/powerpoint/2010/main" xmlns="" val="108172572"/>
       </p:ext>
     </p:extLst>
   </p:cSld>
@@ -5599,7 +5599,7 @@
           <p:cNvPr id="2" name="Title 1">
             <a:extLst>
               <a:ext uri="{FF2B5EF4-FFF2-40B4-BE49-F238E27FC236}">
-                <a16:creationId xmlns:a16="http://schemas.microsoft.com/office/drawing/2014/main" id="{D7C84779-5F93-4DCC-86DF-8D79DEAEC374}"/>
+                <a16:creationId xmlns:a16="http://schemas.microsoft.com/office/drawing/2014/main" xmlns="" id="{D7C84779-5F93-4DCC-86DF-8D79DEAEC374}"/>
               </a:ext>
             </a:extLst>
           </p:cNvPr>
@@ -5628,7 +5628,7 @@
           <p:cNvPr id="9" name="Rectangle 8">
             <a:extLst>
               <a:ext uri="{FF2B5EF4-FFF2-40B4-BE49-F238E27FC236}">
-                <a16:creationId xmlns:a16="http://schemas.microsoft.com/office/drawing/2014/main" id="{09DF8025-61D7-487E-B878-BECE556123CE}"/>
+                <a16:creationId xmlns:a16="http://schemas.microsoft.com/office/drawing/2014/main" xmlns="" id="{09DF8025-61D7-487E-B878-BECE556123CE}"/>
               </a:ext>
             </a:extLst>
           </p:cNvPr>
@@ -5638,7 +5638,7 @@
         <p:spPr>
           <a:xfrm>
             <a:off x="500770" y="837899"/>
-            <a:ext cx="4560328" cy="4154984"/>
+            <a:ext cx="4560328" cy="4647426"/>
           </a:xfrm>
           <a:prstGeom prst="rect">
             <a:avLst/>
@@ -5726,14 +5726,33 @@
               <a:buChar char="•"/>
             </a:pPr>
             <a:r>
+              <a:rPr lang="en-US" altLang="zh-CN" sz="3200" dirty="0" smtClean="0"/>
+              <a:t>Buffer</a:t>
+            </a:r>
+            <a:r>
+              <a:rPr lang="zh-CN" altLang="en-US" sz="3200" dirty="0"/>
+              <a:t>为</a:t>
+            </a:r>
+            <a:r>
               <a:rPr lang="en-US" altLang="zh-CN" sz="3200" dirty="0"/>
-              <a:t>Channel </a:t>
+              <a:t>0</a:t>
             </a:r>
             <a:r>
               <a:rPr lang="zh-CN" altLang="en-US" sz="3200" dirty="0"/>
-              <a:t>像消息队列</a:t>
-            </a:r>
-            <a:endParaRPr lang="en-US" altLang="zh-CN" sz="3200" dirty="0"/>
+              <a:t>，单方面无法</a:t>
+            </a:r>
+            <a:r>
+              <a:rPr lang="en-US" altLang="zh-CN" sz="3200" dirty="0"/>
+              <a:t>Send</a:t>
+            </a:r>
+            <a:r>
+              <a:rPr lang="zh-CN" altLang="en-US" sz="3200" dirty="0"/>
+              <a:t>或者</a:t>
+            </a:r>
+            <a:r>
+              <a:rPr lang="en-US" altLang="zh-CN" sz="3200" dirty="0" smtClean="0"/>
+              <a:t>Read</a:t>
+            </a:r>
           </a:p>
           <a:p>
             <a:pPr marL="514350" indent="-514350">
@@ -5741,69 +5760,24 @@
               <a:buChar char="•"/>
             </a:pPr>
             <a:r>
-              <a:rPr lang="en-US" altLang="zh-CN" sz="3200" dirty="0"/>
-              <a:t>Buffer</a:t>
-            </a:r>
-            <a:r>
-              <a:rPr lang="zh-CN" altLang="en-US" sz="3200" dirty="0"/>
-              <a:t>为</a:t>
-            </a:r>
-            <a:r>
-              <a:rPr lang="en-US" altLang="zh-CN" sz="3200" dirty="0"/>
-              <a:t>0</a:t>
-            </a:r>
-            <a:r>
-              <a:rPr lang="zh-CN" altLang="en-US" sz="3200" dirty="0"/>
-              <a:t>，单方面无法</a:t>
-            </a:r>
-            <a:r>
-              <a:rPr lang="en-US" altLang="zh-CN" sz="3200" dirty="0"/>
-              <a:t>Send</a:t>
-            </a:r>
-            <a:r>
-              <a:rPr lang="zh-CN" altLang="en-US" sz="3200" dirty="0"/>
-              <a:t>或者</a:t>
-            </a:r>
-            <a:r>
-              <a:rPr lang="en-US" altLang="zh-CN" sz="3200" dirty="0"/>
-              <a:t>Read</a:t>
-            </a:r>
-          </a:p>
-        </p:txBody>
-      </p:sp>
-      <p:pic>
-        <p:nvPicPr>
-          <p:cNvPr id="33794" name="Picture 2"/>
-          <p:cNvPicPr>
-            <a:picLocks noChangeAspect="1" noChangeArrowheads="1"/>
-          </p:cNvPicPr>
-          <p:nvPr/>
-        </p:nvPicPr>
-        <p:blipFill>
-          <a:blip r:embed="rId3"/>
-          <a:srcRect/>
-          <a:stretch>
-            <a:fillRect/>
-          </a:stretch>
-        </p:blipFill>
-        <p:spPr bwMode="auto">
-          <a:xfrm>
-            <a:off x="5097758" y="811065"/>
-            <a:ext cx="5439107" cy="4600305"/>
-          </a:xfrm>
-          <a:prstGeom prst="rect">
-            <a:avLst/>
-          </a:prstGeom>
-          <a:noFill/>
-          <a:ln w="9525">
-            <a:noFill/>
-            <a:miter lim="800000"/>
-            <a:headEnd/>
-            <a:tailEnd/>
-          </a:ln>
-          <a:effectLst/>
-        </p:spPr>
-      </p:pic>
+              <a:rPr lang="en-US" altLang="zh-CN" sz="3200" dirty="0" smtClean="0"/>
+              <a:t>Channel </a:t>
+            </a:r>
+            <a:r>
+              <a:rPr lang="zh-CN" altLang="en-US" sz="3200" dirty="0" smtClean="0"/>
+              <a:t>像消息队列</a:t>
+            </a:r>
+            <a:endParaRPr lang="en-US" altLang="zh-CN" sz="3200" dirty="0" smtClean="0"/>
+          </a:p>
+          <a:p>
+            <a:pPr marL="514350" indent="-514350">
+              <a:buFont typeface="Arial" panose="020B0604020202020204" pitchFamily="34" charset="0"/>
+              <a:buChar char="•"/>
+            </a:pPr>
+            <a:endParaRPr lang="en-US" altLang="zh-CN" sz="3200" dirty="0"/>
+          </a:p>
+        </p:txBody>
+      </p:sp>
       <p:pic>
         <p:nvPicPr>
           <p:cNvPr id="33795" name="Picture 3"/>
@@ -5813,7 +5787,7 @@
           <p:nvPr/>
         </p:nvPicPr>
         <p:blipFill>
-          <a:blip r:embed="rId4"/>
+          <a:blip r:embed="rId3"/>
           <a:srcRect/>
           <a:stretch>
             <a:fillRect/>
@@ -5837,10 +5811,43 @@
           <a:effectLst/>
         </p:spPr>
       </p:pic>
+      <p:pic>
+        <p:nvPicPr>
+          <p:cNvPr id="3075" name="Picture 3"/>
+          <p:cNvPicPr>
+            <a:picLocks noChangeAspect="1" noChangeArrowheads="1"/>
+          </p:cNvPicPr>
+          <p:nvPr/>
+        </p:nvPicPr>
+        <p:blipFill>
+          <a:blip r:embed="rId4"/>
+          <a:srcRect/>
+          <a:stretch>
+            <a:fillRect/>
+          </a:stretch>
+        </p:blipFill>
+        <p:spPr bwMode="auto">
+          <a:xfrm>
+            <a:off x="5065196" y="925144"/>
+            <a:ext cx="5527921" cy="3434205"/>
+          </a:xfrm>
+          <a:prstGeom prst="rect">
+            <a:avLst/>
+          </a:prstGeom>
+          <a:noFill/>
+          <a:ln w="9525">
+            <a:noFill/>
+            <a:miter lim="800000"/>
+            <a:headEnd/>
+            <a:tailEnd/>
+          </a:ln>
+          <a:effectLst/>
+        </p:spPr>
+      </p:pic>
     </p:spTree>
     <p:extLst>
       <p:ext uri="{BB962C8B-B14F-4D97-AF65-F5344CB8AC3E}">
-        <p14:creationId xmlns:p14="http://schemas.microsoft.com/office/powerpoint/2010/main" val="1934937011"/>
+        <p14:creationId xmlns:p14="http://schemas.microsoft.com/office/powerpoint/2010/main" xmlns="" val="1934937011"/>
       </p:ext>
     </p:extLst>
   </p:cSld>
@@ -5872,7 +5879,7 @@
           <p:cNvPr id="2" name="Title 1">
             <a:extLst>
               <a:ext uri="{FF2B5EF4-FFF2-40B4-BE49-F238E27FC236}">
-                <a16:creationId xmlns:a16="http://schemas.microsoft.com/office/drawing/2014/main" id="{D7C84779-5F93-4DCC-86DF-8D79DEAEC374}"/>
+                <a16:creationId xmlns:a16="http://schemas.microsoft.com/office/drawing/2014/main" xmlns="" id="{D7C84779-5F93-4DCC-86DF-8D79DEAEC374}"/>
               </a:ext>
             </a:extLst>
           </p:cNvPr>
@@ -5905,7 +5912,7 @@
           <p:cNvPr id="9" name="Rectangle 8">
             <a:extLst>
               <a:ext uri="{FF2B5EF4-FFF2-40B4-BE49-F238E27FC236}">
-                <a16:creationId xmlns:a16="http://schemas.microsoft.com/office/drawing/2014/main" id="{09DF8025-61D7-487E-B878-BECE556123CE}"/>
+                <a16:creationId xmlns:a16="http://schemas.microsoft.com/office/drawing/2014/main" xmlns="" id="{09DF8025-61D7-487E-B878-BECE556123CE}"/>
               </a:ext>
             </a:extLst>
           </p:cNvPr>
@@ -6063,7 +6070,7 @@
     </p:spTree>
     <p:extLst>
       <p:ext uri="{BB962C8B-B14F-4D97-AF65-F5344CB8AC3E}">
-        <p14:creationId xmlns:p14="http://schemas.microsoft.com/office/powerpoint/2010/main" val="375138371"/>
+        <p14:creationId xmlns:p14="http://schemas.microsoft.com/office/powerpoint/2010/main" xmlns="" val="375138371"/>
       </p:ext>
     </p:extLst>
   </p:cSld>
@@ -6095,7 +6102,7 @@
           <p:cNvPr id="2" name="Title 1">
             <a:extLst>
               <a:ext uri="{FF2B5EF4-FFF2-40B4-BE49-F238E27FC236}">
-                <a16:creationId xmlns:a16="http://schemas.microsoft.com/office/drawing/2014/main" id="{D7C84779-5F93-4DCC-86DF-8D79DEAEC374}"/>
+                <a16:creationId xmlns:a16="http://schemas.microsoft.com/office/drawing/2014/main" xmlns="" id="{D7C84779-5F93-4DCC-86DF-8D79DEAEC374}"/>
               </a:ext>
             </a:extLst>
           </p:cNvPr>
@@ -6136,7 +6143,7 @@
           <p:cNvPr id="9" name="Rectangle 8">
             <a:extLst>
               <a:ext uri="{FF2B5EF4-FFF2-40B4-BE49-F238E27FC236}">
-                <a16:creationId xmlns:a16="http://schemas.microsoft.com/office/drawing/2014/main" id="{09DF8025-61D7-487E-B878-BECE556123CE}"/>
+                <a16:creationId xmlns:a16="http://schemas.microsoft.com/office/drawing/2014/main" xmlns="" id="{09DF8025-61D7-487E-B878-BECE556123CE}"/>
               </a:ext>
             </a:extLst>
           </p:cNvPr>
@@ -6291,7 +6298,7 @@
     </p:spTree>
     <p:extLst>
       <p:ext uri="{BB962C8B-B14F-4D97-AF65-F5344CB8AC3E}">
-        <p14:creationId xmlns:p14="http://schemas.microsoft.com/office/powerpoint/2010/main" val="375138371"/>
+        <p14:creationId xmlns:p14="http://schemas.microsoft.com/office/powerpoint/2010/main" xmlns="" val="375138371"/>
       </p:ext>
     </p:extLst>
   </p:cSld>
@@ -6323,7 +6330,7 @@
           <p:cNvPr id="2" name="Title 1">
             <a:extLst>
               <a:ext uri="{FF2B5EF4-FFF2-40B4-BE49-F238E27FC236}">
-                <a16:creationId xmlns:a16="http://schemas.microsoft.com/office/drawing/2014/main" id="{D7C84779-5F93-4DCC-86DF-8D79DEAEC374}"/>
+                <a16:creationId xmlns:a16="http://schemas.microsoft.com/office/drawing/2014/main" xmlns="" id="{D7C84779-5F93-4DCC-86DF-8D79DEAEC374}"/>
               </a:ext>
             </a:extLst>
           </p:cNvPr>
@@ -6384,7 +6391,7 @@
           <p:cNvPr id="9" name="Rectangle 8">
             <a:extLst>
               <a:ext uri="{FF2B5EF4-FFF2-40B4-BE49-F238E27FC236}">
-                <a16:creationId xmlns:a16="http://schemas.microsoft.com/office/drawing/2014/main" id="{09DF8025-61D7-487E-B878-BECE556123CE}"/>
+                <a16:creationId xmlns:a16="http://schemas.microsoft.com/office/drawing/2014/main" xmlns="" id="{09DF8025-61D7-487E-B878-BECE556123CE}"/>
               </a:ext>
             </a:extLst>
           </p:cNvPr>
@@ -6427,7 +6434,11 @@
             </a:pPr>
             <a:r>
               <a:rPr lang="en-US" altLang="zh-CN" sz="3200" dirty="0"/>
-              <a:t>N </a:t>
+              <a:t>1</a:t>
+            </a:r>
+            <a:r>
+              <a:rPr lang="en-US" altLang="zh-CN" sz="3200" dirty="0" smtClean="0"/>
+              <a:t> </a:t>
             </a:r>
             <a:r>
               <a:rPr lang="zh-CN" altLang="en-US" sz="3200" dirty="0"/>
@@ -6444,13 +6455,18 @@
               <a:buAutoNum type="arabicPeriod"/>
             </a:pPr>
             <a:r>
-              <a:rPr lang="zh-CN" altLang="en-US" sz="3200" dirty="0"/>
-              <a:t>一个</a:t>
-            </a:r>
-            <a:r>
-              <a:rPr lang="en-US" altLang="zh-CN" sz="3200" dirty="0"/>
-              <a:t>Receiver</a:t>
-            </a:r>
+              <a:rPr lang="en-US" altLang="zh-CN" sz="3200" dirty="0" smtClean="0"/>
+              <a:t>N</a:t>
+            </a:r>
+            <a:r>
+              <a:rPr lang="zh-CN" altLang="en-US" sz="3200" dirty="0" smtClean="0"/>
+              <a:t>个</a:t>
+            </a:r>
+            <a:r>
+              <a:rPr lang="en-US" altLang="zh-CN" sz="3200" dirty="0" smtClean="0"/>
+              <a:t>Reader</a:t>
+            </a:r>
+            <a:endParaRPr lang="en-US" altLang="zh-CN" sz="3200" dirty="0"/>
           </a:p>
           <a:p>
             <a:pPr marL="514350" indent="-514350">
@@ -6583,7 +6599,7 @@
     </p:spTree>
     <p:extLst>
       <p:ext uri="{BB962C8B-B14F-4D97-AF65-F5344CB8AC3E}">
-        <p14:creationId xmlns:p14="http://schemas.microsoft.com/office/powerpoint/2010/main" val="375138371"/>
+        <p14:creationId xmlns:p14="http://schemas.microsoft.com/office/powerpoint/2010/main" xmlns="" val="375138371"/>
       </p:ext>
     </p:extLst>
   </p:cSld>
@@ -6615,7 +6631,7 @@
           <p:cNvPr id="2" name="Title 1">
             <a:extLst>
               <a:ext uri="{FF2B5EF4-FFF2-40B4-BE49-F238E27FC236}">
-                <a16:creationId xmlns:a16="http://schemas.microsoft.com/office/drawing/2014/main" id="{D7C84779-5F93-4DCC-86DF-8D79DEAEC374}"/>
+                <a16:creationId xmlns:a16="http://schemas.microsoft.com/office/drawing/2014/main" xmlns="" id="{D7C84779-5F93-4DCC-86DF-8D79DEAEC374}"/>
               </a:ext>
             </a:extLst>
           </p:cNvPr>
@@ -6676,7 +6692,7 @@
           <p:cNvPr id="9" name="Rectangle 8">
             <a:extLst>
               <a:ext uri="{FF2B5EF4-FFF2-40B4-BE49-F238E27FC236}">
-                <a16:creationId xmlns:a16="http://schemas.microsoft.com/office/drawing/2014/main" id="{09DF8025-61D7-487E-B878-BECE556123CE}"/>
+                <a16:creationId xmlns:a16="http://schemas.microsoft.com/office/drawing/2014/main" xmlns="" id="{09DF8025-61D7-487E-B878-BECE556123CE}"/>
               </a:ext>
             </a:extLst>
           </p:cNvPr>
@@ -6920,7 +6936,7 @@
     </p:spTree>
     <p:extLst>
       <p:ext uri="{BB962C8B-B14F-4D97-AF65-F5344CB8AC3E}">
-        <p14:creationId xmlns:p14="http://schemas.microsoft.com/office/powerpoint/2010/main" val="375138371"/>
+        <p14:creationId xmlns:p14="http://schemas.microsoft.com/office/powerpoint/2010/main" xmlns="" val="375138371"/>
       </p:ext>
     </p:extLst>
   </p:cSld>
@@ -6952,7 +6968,7 @@
           <p:cNvPr id="2" name="Title 1">
             <a:extLst>
               <a:ext uri="{FF2B5EF4-FFF2-40B4-BE49-F238E27FC236}">
-                <a16:creationId xmlns:a16="http://schemas.microsoft.com/office/drawing/2014/main" id="{D7C84779-5F93-4DCC-86DF-8D79DEAEC374}"/>
+                <a16:creationId xmlns:a16="http://schemas.microsoft.com/office/drawing/2014/main" xmlns="" id="{D7C84779-5F93-4DCC-86DF-8D79DEAEC374}"/>
               </a:ext>
             </a:extLst>
           </p:cNvPr>
@@ -6978,7 +6994,11 @@
             </a:r>
             <a:r>
               <a:rPr lang="en-US" altLang="zh-CN" dirty="0"/>
-              <a:t>Channel – Random</a:t>
+              <a:t>Channel – </a:t>
+            </a:r>
+            <a:r>
+              <a:rPr lang="en-US" altLang="zh-CN" dirty="0" smtClean="0"/>
+              <a:t>Random or Race</a:t>
             </a:r>
             <a:endParaRPr lang="en-US" dirty="0"/>
           </a:p>
@@ -6989,7 +7009,7 @@
           <p:cNvPr id="9" name="Rectangle 8">
             <a:extLst>
               <a:ext uri="{FF2B5EF4-FFF2-40B4-BE49-F238E27FC236}">
-                <a16:creationId xmlns:a16="http://schemas.microsoft.com/office/drawing/2014/main" id="{09DF8025-61D7-487E-B878-BECE556123CE}"/>
+                <a16:creationId xmlns:a16="http://schemas.microsoft.com/office/drawing/2014/main" xmlns="" id="{09DF8025-61D7-487E-B878-BECE556123CE}"/>
               </a:ext>
             </a:extLst>
           </p:cNvPr>
@@ -7141,38 +7161,41 @@
       </p:sp>
       <p:pic>
         <p:nvPicPr>
-          <p:cNvPr id="5" name="Picture 4">
-            <a:extLst>
-              <a:ext uri="{FF2B5EF4-FFF2-40B4-BE49-F238E27FC236}">
-                <a16:creationId xmlns:a16="http://schemas.microsoft.com/office/drawing/2014/main" id="{E0E11AA0-E964-49DE-806D-6A7BF4056416}"/>
-              </a:ext>
-            </a:extLst>
-          </p:cNvPr>
+          <p:cNvPr id="4099" name="Picture 3"/>
           <p:cNvPicPr>
-            <a:picLocks noChangeAspect="1"/>
+            <a:picLocks noChangeAspect="1" noChangeArrowheads="1"/>
           </p:cNvPicPr>
           <p:nvPr/>
         </p:nvPicPr>
         <p:blipFill>
           <a:blip r:embed="rId3"/>
+          <a:srcRect/>
           <a:stretch>
             <a:fillRect/>
           </a:stretch>
         </p:blipFill>
-        <p:spPr>
+        <p:spPr bwMode="auto">
           <a:xfrm>
-            <a:off x="5603525" y="821144"/>
-            <a:ext cx="6896873" cy="4384258"/>
+            <a:off x="5556382" y="975206"/>
+            <a:ext cx="6593086" cy="4883334"/>
           </a:xfrm>
           <a:prstGeom prst="rect">
             <a:avLst/>
           </a:prstGeom>
+          <a:noFill/>
+          <a:ln w="9525">
+            <a:noFill/>
+            <a:miter lim="800000"/>
+            <a:headEnd/>
+            <a:tailEnd/>
+          </a:ln>
+          <a:effectLst/>
         </p:spPr>
       </p:pic>
     </p:spTree>
     <p:extLst>
       <p:ext uri="{BB962C8B-B14F-4D97-AF65-F5344CB8AC3E}">
-        <p14:creationId xmlns:p14="http://schemas.microsoft.com/office/powerpoint/2010/main" val="3308199554"/>
+        <p14:creationId xmlns:p14="http://schemas.microsoft.com/office/powerpoint/2010/main" xmlns="" val="3308199554"/>
       </p:ext>
     </p:extLst>
   </p:cSld>
@@ -7204,7 +7227,7 @@
           <p:cNvPr id="2" name="Title 1">
             <a:extLst>
               <a:ext uri="{FF2B5EF4-FFF2-40B4-BE49-F238E27FC236}">
-                <a16:creationId xmlns:a16="http://schemas.microsoft.com/office/drawing/2014/main" id="{D7C84779-5F93-4DCC-86DF-8D79DEAEC374}"/>
+                <a16:creationId xmlns:a16="http://schemas.microsoft.com/office/drawing/2014/main" xmlns="" id="{D7C84779-5F93-4DCC-86DF-8D79DEAEC374}"/>
               </a:ext>
             </a:extLst>
           </p:cNvPr>
@@ -7230,7 +7253,7 @@
             </a:r>
             <a:r>
               <a:rPr lang="en-US" altLang="zh-CN" dirty="0"/>
-              <a:t>Channel – Fan in</a:t>
+              <a:t>Channel - Timeout</a:t>
             </a:r>
             <a:endParaRPr lang="en-US" dirty="0"/>
           </a:p>
@@ -7241,7 +7264,7 @@
           <p:cNvPr id="9" name="Rectangle 8">
             <a:extLst>
               <a:ext uri="{FF2B5EF4-FFF2-40B4-BE49-F238E27FC236}">
-                <a16:creationId xmlns:a16="http://schemas.microsoft.com/office/drawing/2014/main" id="{09DF8025-61D7-487E-B878-BECE556123CE}"/>
+                <a16:creationId xmlns:a16="http://schemas.microsoft.com/office/drawing/2014/main" xmlns="" id="{09DF8025-61D7-487E-B878-BECE556123CE}"/>
               </a:ext>
             </a:extLst>
           </p:cNvPr>
@@ -7250,8 +7273,8 @@
         </p:nvSpPr>
         <p:spPr>
           <a:xfrm>
-            <a:off x="475029" y="791535"/>
-            <a:ext cx="9294613" cy="646331"/>
+            <a:off x="462997" y="851692"/>
+            <a:ext cx="9294613" cy="584775"/>
           </a:xfrm>
           <a:prstGeom prst="rect">
             <a:avLst/>
@@ -7264,8 +7287,20 @@
           <a:lstStyle/>
           <a:p>
             <a:r>
-              <a:rPr lang="zh-CN" altLang="en-US" sz="3600" dirty="0"/>
-              <a:t>竞赛条件下先到先返回</a:t>
+              <a:rPr lang="en-US" altLang="zh-CN" sz="3200" dirty="0"/>
+              <a:t>Timer</a:t>
+            </a:r>
+            <a:r>
+              <a:rPr lang="zh-CN" altLang="en-US" sz="3200" dirty="0"/>
+              <a:t>保证</a:t>
+            </a:r>
+            <a:r>
+              <a:rPr lang="en-US" altLang="zh-CN" sz="3200" dirty="0"/>
+              <a:t>1</a:t>
+            </a:r>
+            <a:r>
+              <a:rPr lang="zh-CN" altLang="en-US" sz="3200" dirty="0"/>
+              <a:t>秒钟后可以返回，可以用作超时控制</a:t>
             </a:r>
             <a:endParaRPr lang="en-US" altLang="zh-CN" sz="3600" dirty="0"/>
           </a:p>
@@ -7273,10 +7308,10 @@
       </p:sp>
       <p:pic>
         <p:nvPicPr>
-          <p:cNvPr id="4" name="Picture 3">
-            <a:extLst>
-              <a:ext uri="{FF2B5EF4-FFF2-40B4-BE49-F238E27FC236}">
-                <a16:creationId xmlns:a16="http://schemas.microsoft.com/office/drawing/2014/main" id="{0E93A281-8F7C-4ED6-85BF-4D34EBF9B69A}"/>
+          <p:cNvPr id="6" name="Picture 5">
+            <a:extLst>
+              <a:ext uri="{FF2B5EF4-FFF2-40B4-BE49-F238E27FC236}">
+                <a16:creationId xmlns:a16="http://schemas.microsoft.com/office/drawing/2014/main" xmlns="" id="{803B6F91-4E64-444F-A565-D062A84CD754}"/>
               </a:ext>
             </a:extLst>
           </p:cNvPr>
@@ -7293,8 +7328,8 @@
         </p:blipFill>
         <p:spPr>
           <a:xfrm>
-            <a:off x="734909" y="1367095"/>
-            <a:ext cx="9684437" cy="5176988"/>
+            <a:off x="595343" y="1436467"/>
+            <a:ext cx="9162267" cy="4615997"/>
           </a:xfrm>
           <a:prstGeom prst="rect">
             <a:avLst/>
@@ -7304,7 +7339,7 @@
     </p:spTree>
     <p:extLst>
       <p:ext uri="{BB962C8B-B14F-4D97-AF65-F5344CB8AC3E}">
-        <p14:creationId xmlns:p14="http://schemas.microsoft.com/office/powerpoint/2010/main" val="2066996563"/>
+        <p14:creationId xmlns:p14="http://schemas.microsoft.com/office/powerpoint/2010/main" xmlns="" val="2622786567"/>
       </p:ext>
     </p:extLst>
   </p:cSld>
@@ -7336,7 +7371,7 @@
           <p:cNvPr id="2" name="Title 1">
             <a:extLst>
               <a:ext uri="{FF2B5EF4-FFF2-40B4-BE49-F238E27FC236}">
-                <a16:creationId xmlns:a16="http://schemas.microsoft.com/office/drawing/2014/main" id="{D7C84779-5F93-4DCC-86DF-8D79DEAEC374}"/>
+                <a16:creationId xmlns:a16="http://schemas.microsoft.com/office/drawing/2014/main" xmlns="" id="{D7C84779-5F93-4DCC-86DF-8D79DEAEC374}"/>
               </a:ext>
             </a:extLst>
           </p:cNvPr>
@@ -7362,7 +7397,7 @@
             </a:r>
             <a:r>
               <a:rPr lang="en-US" altLang="zh-CN" dirty="0"/>
-              <a:t>Channel - Timeout</a:t>
+              <a:t>Channel – Fan in</a:t>
             </a:r>
             <a:endParaRPr lang="en-US" dirty="0"/>
           </a:p>
@@ -7373,7 +7408,7 @@
           <p:cNvPr id="9" name="Rectangle 8">
             <a:extLst>
               <a:ext uri="{FF2B5EF4-FFF2-40B4-BE49-F238E27FC236}">
-                <a16:creationId xmlns:a16="http://schemas.microsoft.com/office/drawing/2014/main" id="{09DF8025-61D7-487E-B878-BECE556123CE}"/>
+                <a16:creationId xmlns:a16="http://schemas.microsoft.com/office/drawing/2014/main" xmlns="" id="{09DF8025-61D7-487E-B878-BECE556123CE}"/>
               </a:ext>
             </a:extLst>
           </p:cNvPr>
@@ -7382,8 +7417,8 @@
         </p:nvSpPr>
         <p:spPr>
           <a:xfrm>
-            <a:off x="462997" y="851692"/>
-            <a:ext cx="9294613" cy="584775"/>
+            <a:off x="475029" y="791535"/>
+            <a:ext cx="9294613" cy="646331"/>
           </a:xfrm>
           <a:prstGeom prst="rect">
             <a:avLst/>
@@ -7396,20 +7431,8 @@
           <a:lstStyle/>
           <a:p>
             <a:r>
-              <a:rPr lang="en-US" altLang="zh-CN" sz="3200" dirty="0"/>
-              <a:t>Timer</a:t>
-            </a:r>
-            <a:r>
-              <a:rPr lang="zh-CN" altLang="en-US" sz="3200" dirty="0"/>
-              <a:t>保证</a:t>
-            </a:r>
-            <a:r>
-              <a:rPr lang="en-US" altLang="zh-CN" sz="3200" dirty="0"/>
-              <a:t>1</a:t>
-            </a:r>
-            <a:r>
-              <a:rPr lang="zh-CN" altLang="en-US" sz="3200" dirty="0"/>
-              <a:t>秒钟后可以返回，可以用作超时控制</a:t>
+              <a:rPr lang="zh-CN" altLang="en-US" sz="3600" dirty="0"/>
+              <a:t>竞赛条件下先到先返回</a:t>
             </a:r>
             <a:endParaRPr lang="en-US" altLang="zh-CN" sz="3600" dirty="0"/>
           </a:p>
@@ -7417,38 +7440,41 @@
       </p:sp>
       <p:pic>
         <p:nvPicPr>
-          <p:cNvPr id="6" name="Picture 5">
-            <a:extLst>
-              <a:ext uri="{FF2B5EF4-FFF2-40B4-BE49-F238E27FC236}">
-                <a16:creationId xmlns:a16="http://schemas.microsoft.com/office/drawing/2014/main" id="{803B6F91-4E64-444F-A565-D062A84CD754}"/>
-              </a:ext>
-            </a:extLst>
-          </p:cNvPr>
+          <p:cNvPr id="5124" name="Picture 4"/>
           <p:cNvPicPr>
-            <a:picLocks noChangeAspect="1"/>
+            <a:picLocks noChangeAspect="1" noChangeArrowheads="1"/>
           </p:cNvPicPr>
           <p:nvPr/>
         </p:nvPicPr>
         <p:blipFill>
           <a:blip r:embed="rId3"/>
+          <a:srcRect/>
           <a:stretch>
             <a:fillRect/>
           </a:stretch>
         </p:blipFill>
-        <p:spPr>
+        <p:spPr bwMode="auto">
           <a:xfrm>
-            <a:off x="595343" y="1436467"/>
-            <a:ext cx="9162267" cy="4615997"/>
+            <a:off x="614584" y="1330954"/>
+            <a:ext cx="9574626" cy="5165539"/>
           </a:xfrm>
           <a:prstGeom prst="rect">
             <a:avLst/>
           </a:prstGeom>
+          <a:noFill/>
+          <a:ln w="9525">
+            <a:noFill/>
+            <a:miter lim="800000"/>
+            <a:headEnd/>
+            <a:tailEnd/>
+          </a:ln>
+          <a:effectLst/>
         </p:spPr>
       </p:pic>
     </p:spTree>
     <p:extLst>
       <p:ext uri="{BB962C8B-B14F-4D97-AF65-F5344CB8AC3E}">
-        <p14:creationId xmlns:p14="http://schemas.microsoft.com/office/powerpoint/2010/main" val="2622786567"/>
+        <p14:creationId xmlns:p14="http://schemas.microsoft.com/office/powerpoint/2010/main" xmlns="" val="2066996563"/>
       </p:ext>
     </p:extLst>
   </p:cSld>
@@ -7480,7 +7506,7 @@
           <p:cNvPr id="2" name="Title 1">
             <a:extLst>
               <a:ext uri="{FF2B5EF4-FFF2-40B4-BE49-F238E27FC236}">
-                <a16:creationId xmlns:a16="http://schemas.microsoft.com/office/drawing/2014/main" id="{D7C84779-5F93-4DCC-86DF-8D79DEAEC374}"/>
+                <a16:creationId xmlns:a16="http://schemas.microsoft.com/office/drawing/2014/main" xmlns="" id="{D7C84779-5F93-4DCC-86DF-8D79DEAEC374}"/>
               </a:ext>
             </a:extLst>
           </p:cNvPr>
@@ -7508,7 +7534,7 @@
           <p:cNvPr id="3" name="Content Placeholder 2">
             <a:extLst>
               <a:ext uri="{FF2B5EF4-FFF2-40B4-BE49-F238E27FC236}">
-                <a16:creationId xmlns:a16="http://schemas.microsoft.com/office/drawing/2014/main" id="{0E59A1AE-F806-46F3-BA69-B4B5C2C30661}"/>
+                <a16:creationId xmlns:a16="http://schemas.microsoft.com/office/drawing/2014/main" xmlns="" id="{0E59A1AE-F806-46F3-BA69-B4B5C2C30661}"/>
               </a:ext>
             </a:extLst>
           </p:cNvPr>
@@ -7554,7 +7580,7 @@
     </p:spTree>
     <p:extLst>
       <p:ext uri="{BB962C8B-B14F-4D97-AF65-F5344CB8AC3E}">
-        <p14:creationId xmlns:p14="http://schemas.microsoft.com/office/powerpoint/2010/main" val="1408701152"/>
+        <p14:creationId xmlns:p14="http://schemas.microsoft.com/office/powerpoint/2010/main" xmlns="" val="1408701152"/>
       </p:ext>
     </p:extLst>
   </p:cSld>
@@ -7586,7 +7612,7 @@
           <p:cNvPr id="2" name="Title 1">
             <a:extLst>
               <a:ext uri="{FF2B5EF4-FFF2-40B4-BE49-F238E27FC236}">
-                <a16:creationId xmlns:a16="http://schemas.microsoft.com/office/drawing/2014/main" id="{8342A161-B3E9-4758-A71C-0474D4118B56}"/>
+                <a16:creationId xmlns:a16="http://schemas.microsoft.com/office/drawing/2014/main" xmlns="" id="{8342A161-B3E9-4758-A71C-0474D4118B56}"/>
               </a:ext>
             </a:extLst>
           </p:cNvPr>
@@ -7614,7 +7640,7 @@
           <p:cNvPr id="3" name="Content Placeholder 2">
             <a:extLst>
               <a:ext uri="{FF2B5EF4-FFF2-40B4-BE49-F238E27FC236}">
-                <a16:creationId xmlns:a16="http://schemas.microsoft.com/office/drawing/2014/main" id="{EFC431BF-252A-4742-96DF-4B53752625D3}"/>
+                <a16:creationId xmlns:a16="http://schemas.microsoft.com/office/drawing/2014/main" xmlns="" id="{EFC431BF-252A-4742-96DF-4B53752625D3}"/>
               </a:ext>
             </a:extLst>
           </p:cNvPr>
@@ -7827,7 +7853,7 @@
     </p:spTree>
     <p:extLst>
       <p:ext uri="{BB962C8B-B14F-4D97-AF65-F5344CB8AC3E}">
-        <p14:creationId xmlns:p14="http://schemas.microsoft.com/office/powerpoint/2010/main" val="3122889517"/>
+        <p14:creationId xmlns:p14="http://schemas.microsoft.com/office/powerpoint/2010/main" xmlns="" val="3122889517"/>
       </p:ext>
     </p:extLst>
   </p:cSld>
@@ -7859,7 +7885,7 @@
           <p:cNvPr id="2" name="Title 1">
             <a:extLst>
               <a:ext uri="{FF2B5EF4-FFF2-40B4-BE49-F238E27FC236}">
-                <a16:creationId xmlns:a16="http://schemas.microsoft.com/office/drawing/2014/main" id="{AB0A8BCD-AB0A-49E3-A2BA-459943BAEEF4}"/>
+                <a16:creationId xmlns:a16="http://schemas.microsoft.com/office/drawing/2014/main" xmlns="" id="{AB0A8BCD-AB0A-49E3-A2BA-459943BAEEF4}"/>
               </a:ext>
             </a:extLst>
           </p:cNvPr>
@@ -7896,7 +7922,7 @@
           <p:cNvPr id="3" name="Content Placeholder 2">
             <a:extLst>
               <a:ext uri="{FF2B5EF4-FFF2-40B4-BE49-F238E27FC236}">
-                <a16:creationId xmlns:a16="http://schemas.microsoft.com/office/drawing/2014/main" id="{9CEEFE61-DC95-418E-BAF4-089832837283}"/>
+                <a16:creationId xmlns:a16="http://schemas.microsoft.com/office/drawing/2014/main" xmlns="" id="{9CEEFE61-DC95-418E-BAF4-089832837283}"/>
               </a:ext>
             </a:extLst>
           </p:cNvPr>
@@ -7978,36 +8004,36 @@
           <a:p>
             <a:pPr lvl="1"/>
             <a:r>
+              <a:rPr lang="en-US" altLang="zh-CN" dirty="0" smtClean="0"/>
+              <a:t>2</a:t>
+            </a:r>
+            <a:r>
+              <a:rPr lang="zh-CN" altLang="en-US" dirty="0" smtClean="0"/>
+              <a:t>次网络传输</a:t>
+            </a:r>
+            <a:endParaRPr lang="en-US" altLang="zh-CN" dirty="0" smtClean="0"/>
+          </a:p>
+          <a:p>
+            <a:pPr lvl="1"/>
+            <a:r>
+              <a:rPr lang="en-US" altLang="zh-CN" dirty="0" smtClean="0"/>
+              <a:t>2</a:t>
+            </a:r>
+            <a:r>
+              <a:rPr lang="zh-CN" altLang="en-US" dirty="0"/>
+              <a:t>次序列化</a:t>
+            </a:r>
+            <a:endParaRPr lang="en-US" altLang="zh-CN" dirty="0"/>
+          </a:p>
+          <a:p>
+            <a:pPr lvl="1"/>
+            <a:r>
               <a:rPr lang="en-US" altLang="zh-CN" dirty="0"/>
               <a:t>2</a:t>
             </a:r>
             <a:r>
               <a:rPr lang="zh-CN" altLang="en-US" dirty="0"/>
-              <a:t>次序列化</a:t>
-            </a:r>
-            <a:endParaRPr lang="en-US" altLang="zh-CN" dirty="0"/>
-          </a:p>
-          <a:p>
-            <a:pPr lvl="1"/>
-            <a:r>
-              <a:rPr lang="en-US" altLang="zh-CN" dirty="0"/>
-              <a:t>2</a:t>
-            </a:r>
-            <a:r>
-              <a:rPr lang="zh-CN" altLang="en-US" dirty="0"/>
               <a:t>次反序列化</a:t>
-            </a:r>
-            <a:endParaRPr lang="en-US" altLang="zh-CN" dirty="0"/>
-          </a:p>
-          <a:p>
-            <a:pPr lvl="1"/>
-            <a:r>
-              <a:rPr lang="en-US" altLang="zh-CN" dirty="0"/>
-              <a:t>2</a:t>
-            </a:r>
-            <a:r>
-              <a:rPr lang="zh-CN" altLang="en-US" dirty="0"/>
-              <a:t>次网络传输</a:t>
             </a:r>
             <a:endParaRPr lang="en-US" altLang="zh-CN" dirty="0"/>
           </a:p>
@@ -8030,7 +8056,7 @@
           <p:cNvPr id="6" name="Picture 5">
             <a:extLst>
               <a:ext uri="{FF2B5EF4-FFF2-40B4-BE49-F238E27FC236}">
-                <a16:creationId xmlns:a16="http://schemas.microsoft.com/office/drawing/2014/main" id="{27422100-F92B-4F00-8593-4B9D8040F490}"/>
+                <a16:creationId xmlns:a16="http://schemas.microsoft.com/office/drawing/2014/main" xmlns="" id="{27422100-F92B-4F00-8593-4B9D8040F490}"/>
               </a:ext>
             </a:extLst>
           </p:cNvPr>
@@ -8060,7 +8086,7 @@
           <p:cNvPr id="7" name="Picture 6">
             <a:extLst>
               <a:ext uri="{FF2B5EF4-FFF2-40B4-BE49-F238E27FC236}">
-                <a16:creationId xmlns:a16="http://schemas.microsoft.com/office/drawing/2014/main" id="{12A8AA35-23E3-4CB9-9C81-24C609C120D7}"/>
+                <a16:creationId xmlns:a16="http://schemas.microsoft.com/office/drawing/2014/main" xmlns="" id="{12A8AA35-23E3-4CB9-9C81-24C609C120D7}"/>
               </a:ext>
             </a:extLst>
           </p:cNvPr>
@@ -8088,7 +8114,7 @@
     </p:spTree>
     <p:extLst>
       <p:ext uri="{BB962C8B-B14F-4D97-AF65-F5344CB8AC3E}">
-        <p14:creationId xmlns:p14="http://schemas.microsoft.com/office/powerpoint/2010/main" val="2376815334"/>
+        <p14:creationId xmlns:p14="http://schemas.microsoft.com/office/powerpoint/2010/main" xmlns="" val="2376815334"/>
       </p:ext>
     </p:extLst>
   </p:cSld>
@@ -8120,7 +8146,7 @@
           <p:cNvPr id="2" name="Title 1">
             <a:extLst>
               <a:ext uri="{FF2B5EF4-FFF2-40B4-BE49-F238E27FC236}">
-                <a16:creationId xmlns:a16="http://schemas.microsoft.com/office/drawing/2014/main" id="{D7C84779-5F93-4DCC-86DF-8D79DEAEC374}"/>
+                <a16:creationId xmlns:a16="http://schemas.microsoft.com/office/drawing/2014/main" xmlns="" id="{D7C84779-5F93-4DCC-86DF-8D79DEAEC374}"/>
               </a:ext>
             </a:extLst>
           </p:cNvPr>
@@ -8153,7 +8179,7 @@
           <p:cNvPr id="3" name="Content Placeholder 2">
             <a:extLst>
               <a:ext uri="{FF2B5EF4-FFF2-40B4-BE49-F238E27FC236}">
-                <a16:creationId xmlns:a16="http://schemas.microsoft.com/office/drawing/2014/main" id="{0E59A1AE-F806-46F3-BA69-B4B5C2C30661}"/>
+                <a16:creationId xmlns:a16="http://schemas.microsoft.com/office/drawing/2014/main" xmlns="" id="{0E59A1AE-F806-46F3-BA69-B4B5C2C30661}"/>
               </a:ext>
             </a:extLst>
           </p:cNvPr>
@@ -8192,7 +8218,7 @@
           <p:cNvPr id="4" name="TextBox 3">
             <a:extLst>
               <a:ext uri="{FF2B5EF4-FFF2-40B4-BE49-F238E27FC236}">
-                <a16:creationId xmlns:a16="http://schemas.microsoft.com/office/drawing/2014/main" id="{945B14A7-9B10-4210-9FBD-CCE24D646A83}"/>
+                <a16:creationId xmlns:a16="http://schemas.microsoft.com/office/drawing/2014/main" xmlns="" id="{945B14A7-9B10-4210-9FBD-CCE24D646A83}"/>
               </a:ext>
             </a:extLst>
           </p:cNvPr>
@@ -8202,7 +8228,7 @@
         <p:spPr>
           <a:xfrm>
             <a:off x="529389" y="950495"/>
-            <a:ext cx="5751668" cy="1077218"/>
+            <a:ext cx="9241932" cy="584775"/>
           </a:xfrm>
           <a:prstGeom prst="rect">
             <a:avLst/>
@@ -8215,32 +8241,34 @@
           </a:bodyPr>
           <a:lstStyle/>
           <a:p>
-            <a:pPr marL="514350" indent="-514350">
-              <a:buFont typeface="+mj-lt"/>
-              <a:buAutoNum type="arabicPeriod"/>
-            </a:pPr>
+            <a:pPr marL="514350" indent="-514350"/>
+            <a:r>
+              <a:rPr lang="zh-CN" altLang="en-US" sz="3200" dirty="0" smtClean="0"/>
+              <a:t>只需加</a:t>
+            </a:r>
             <a:r>
               <a:rPr lang="zh-CN" altLang="en-US" sz="3200" dirty="0"/>
-              <a:t>只需要加个 </a:t>
+              <a:t>个 </a:t>
             </a:r>
             <a:r>
               <a:rPr lang="en-US" altLang="zh-CN" sz="3200" dirty="0"/>
               <a:t>go </a:t>
             </a:r>
             <a:r>
+              <a:rPr lang="zh-CN" altLang="en-US" sz="3200" dirty="0" smtClean="0"/>
+              <a:t>关键字</a:t>
+            </a:r>
+            <a:r>
+              <a:rPr lang="en-US" altLang="zh-CN" sz="3200" dirty="0" smtClean="0"/>
+              <a:t>,</a:t>
+            </a:r>
+            <a:r>
+              <a:rPr lang="zh-CN" altLang="en-US" sz="3200" dirty="0" smtClean="0"/>
+              <a:t>简单</a:t>
+            </a:r>
+            <a:r>
               <a:rPr lang="zh-CN" altLang="en-US" sz="3200" dirty="0"/>
-              <a:t>关键字</a:t>
-            </a:r>
-            <a:endParaRPr lang="en-US" altLang="zh-CN" sz="3200" dirty="0"/>
-          </a:p>
-          <a:p>
-            <a:pPr marL="514350" indent="-514350">
-              <a:buFont typeface="+mj-lt"/>
-              <a:buAutoNum type="arabicPeriod"/>
-            </a:pPr>
-            <a:r>
-              <a:rPr lang="zh-CN" altLang="en-US" sz="3200" dirty="0"/>
-              <a:t>简单粗暴而富有成效</a:t>
+              <a:t>粗暴而富有成效</a:t>
             </a:r>
             <a:endParaRPr lang="en-US" altLang="zh-CN" sz="3200" dirty="0"/>
           </a:p>
@@ -8251,7 +8279,7 @@
           <p:cNvPr id="6" name="Picture 5">
             <a:extLst>
               <a:ext uri="{FF2B5EF4-FFF2-40B4-BE49-F238E27FC236}">
-                <a16:creationId xmlns:a16="http://schemas.microsoft.com/office/drawing/2014/main" id="{D9D35F01-3DBC-40A8-B0E2-A754678B0CB6}"/>
+                <a16:creationId xmlns:a16="http://schemas.microsoft.com/office/drawing/2014/main" xmlns="" id="{D9D35F01-3DBC-40A8-B0E2-A754678B0CB6}"/>
               </a:ext>
             </a:extLst>
           </p:cNvPr>
@@ -8268,8 +8296,8 @@
         </p:blipFill>
         <p:spPr>
           <a:xfrm>
-            <a:off x="1074261" y="2179841"/>
-            <a:ext cx="6878546" cy="4093368"/>
+            <a:off x="1549528" y="1637580"/>
+            <a:ext cx="7966611" cy="4740867"/>
           </a:xfrm>
           <a:prstGeom prst="rect">
             <a:avLst/>
@@ -8279,7 +8307,7 @@
     </p:spTree>
     <p:extLst>
       <p:ext uri="{BB962C8B-B14F-4D97-AF65-F5344CB8AC3E}">
-        <p14:creationId xmlns:p14="http://schemas.microsoft.com/office/powerpoint/2010/main" val="3732194823"/>
+        <p14:creationId xmlns:p14="http://schemas.microsoft.com/office/powerpoint/2010/main" xmlns="" val="3732194823"/>
       </p:ext>
     </p:extLst>
   </p:cSld>
@@ -8311,7 +8339,7 @@
           <p:cNvPr id="2" name="Title 1">
             <a:extLst>
               <a:ext uri="{FF2B5EF4-FFF2-40B4-BE49-F238E27FC236}">
-                <a16:creationId xmlns:a16="http://schemas.microsoft.com/office/drawing/2014/main" id="{D7C84779-5F93-4DCC-86DF-8D79DEAEC374}"/>
+                <a16:creationId xmlns:a16="http://schemas.microsoft.com/office/drawing/2014/main" xmlns="" id="{D7C84779-5F93-4DCC-86DF-8D79DEAEC374}"/>
               </a:ext>
             </a:extLst>
           </p:cNvPr>
@@ -8344,7 +8372,7 @@
           <p:cNvPr id="8" name="Picture 7">
             <a:extLst>
               <a:ext uri="{FF2B5EF4-FFF2-40B4-BE49-F238E27FC236}">
-                <a16:creationId xmlns:a16="http://schemas.microsoft.com/office/drawing/2014/main" id="{AD1537C4-A03B-4DA5-8884-D31334E7119A}"/>
+                <a16:creationId xmlns:a16="http://schemas.microsoft.com/office/drawing/2014/main" xmlns="" id="{AD1537C4-A03B-4DA5-8884-D31334E7119A}"/>
               </a:ext>
             </a:extLst>
           </p:cNvPr>
@@ -8378,7 +8406,7 @@
         <p:spPr>
           <a:xfrm>
             <a:off x="666306" y="1031358"/>
-            <a:ext cx="5096541" cy="4247317"/>
+            <a:ext cx="5096541" cy="5539978"/>
           </a:xfrm>
           <a:prstGeom prst="rect">
             <a:avLst/>
@@ -8466,16 +8494,43 @@
               <a:buAutoNum type="arabicPeriod"/>
             </a:pPr>
             <a:r>
-              <a:rPr lang="zh-CN" altLang="en-US" sz="2800" dirty="0"/>
-              <a:t>协程的开销是如此的廉价，用完就扔</a:t>
-            </a:r>
-            <a:endParaRPr lang="en-US" altLang="zh-CN" sz="2800" dirty="0"/>
+              <a:rPr lang="zh-CN" altLang="en-US" sz="2800" dirty="0" smtClean="0"/>
+              <a:t>协程是用户态的线程，切换代价很小。</a:t>
+            </a:r>
+            <a:endParaRPr lang="en-US" altLang="zh-CN" sz="2800" dirty="0" smtClean="0"/>
           </a:p>
           <a:p>
             <a:pPr marL="514350" indent="-514350">
               <a:buFont typeface="+mj-lt"/>
               <a:buAutoNum type="arabicPeriod"/>
             </a:pPr>
+            <a:r>
+              <a:rPr lang="zh-CN" altLang="en-US" sz="2800" dirty="0" smtClean="0"/>
+              <a:t>协程的开销是如此的廉价，用完就</a:t>
+            </a:r>
+            <a:r>
+              <a:rPr lang="zh-CN" altLang="en-US" sz="2800" dirty="0" smtClean="0"/>
+              <a:t>扔</a:t>
+            </a:r>
+            <a:endParaRPr lang="en-US" altLang="zh-CN" sz="2800" dirty="0" smtClean="0"/>
+          </a:p>
+          <a:p>
+            <a:pPr marL="514350" indent="-514350">
+              <a:buFont typeface="+mj-lt"/>
+              <a:buAutoNum type="arabicPeriod"/>
+            </a:pPr>
+            <a:r>
+              <a:rPr lang="zh-CN" altLang="en-US" sz="2800" dirty="0" smtClean="0"/>
+              <a:t>协</a:t>
+            </a:r>
+            <a:r>
+              <a:rPr lang="zh-CN" altLang="en-US" sz="2800" dirty="0" smtClean="0"/>
+              <a:t>程的通信同步控制很重要</a:t>
+            </a:r>
+            <a:endParaRPr lang="en-US" altLang="zh-CN" sz="2800" dirty="0" smtClean="0"/>
+          </a:p>
+          <a:p>
+            <a:pPr marL="514350" indent="-514350"/>
             <a:endParaRPr lang="en-US" altLang="zh-CN" sz="2800" dirty="0"/>
           </a:p>
           <a:p>
@@ -8490,7 +8545,7 @@
     </p:spTree>
     <p:extLst>
       <p:ext uri="{BB962C8B-B14F-4D97-AF65-F5344CB8AC3E}">
-        <p14:creationId xmlns:p14="http://schemas.microsoft.com/office/powerpoint/2010/main" val="3032618518"/>
+        <p14:creationId xmlns:p14="http://schemas.microsoft.com/office/powerpoint/2010/main" xmlns="" val="3032618518"/>
       </p:ext>
     </p:extLst>
   </p:cSld>
@@ -8522,7 +8577,7 @@
           <p:cNvPr id="2" name="Title 1">
             <a:extLst>
               <a:ext uri="{FF2B5EF4-FFF2-40B4-BE49-F238E27FC236}">
-                <a16:creationId xmlns:a16="http://schemas.microsoft.com/office/drawing/2014/main" id="{D7C84779-5F93-4DCC-86DF-8D79DEAEC374}"/>
+                <a16:creationId xmlns:a16="http://schemas.microsoft.com/office/drawing/2014/main" xmlns="" id="{D7C84779-5F93-4DCC-86DF-8D79DEAEC374}"/>
               </a:ext>
             </a:extLst>
           </p:cNvPr>
@@ -8555,7 +8610,7 @@
           <p:cNvPr id="9" name="Rectangle 8">
             <a:extLst>
               <a:ext uri="{FF2B5EF4-FFF2-40B4-BE49-F238E27FC236}">
-                <a16:creationId xmlns:a16="http://schemas.microsoft.com/office/drawing/2014/main" id="{09DF8025-61D7-487E-B878-BECE556123CE}"/>
+                <a16:creationId xmlns:a16="http://schemas.microsoft.com/office/drawing/2014/main" xmlns="" id="{09DF8025-61D7-487E-B878-BECE556123CE}"/>
               </a:ext>
             </a:extLst>
           </p:cNvPr>
@@ -8713,7 +8768,7 @@
     </p:spTree>
     <p:extLst>
       <p:ext uri="{BB962C8B-B14F-4D97-AF65-F5344CB8AC3E}">
-        <p14:creationId xmlns:p14="http://schemas.microsoft.com/office/powerpoint/2010/main" val="421020347"/>
+        <p14:creationId xmlns:p14="http://schemas.microsoft.com/office/powerpoint/2010/main" xmlns="" val="421020347"/>
       </p:ext>
     </p:extLst>
   </p:cSld>
@@ -8745,7 +8800,7 @@
           <p:cNvPr id="2" name="Title 1">
             <a:extLst>
               <a:ext uri="{FF2B5EF4-FFF2-40B4-BE49-F238E27FC236}">
-                <a16:creationId xmlns:a16="http://schemas.microsoft.com/office/drawing/2014/main" id="{D7C84779-5F93-4DCC-86DF-8D79DEAEC374}"/>
+                <a16:creationId xmlns:a16="http://schemas.microsoft.com/office/drawing/2014/main" xmlns="" id="{D7C84779-5F93-4DCC-86DF-8D79DEAEC374}"/>
               </a:ext>
             </a:extLst>
           </p:cNvPr>
@@ -8774,7 +8829,7 @@
           <p:cNvPr id="9" name="Rectangle 8">
             <a:extLst>
               <a:ext uri="{FF2B5EF4-FFF2-40B4-BE49-F238E27FC236}">
-                <a16:creationId xmlns:a16="http://schemas.microsoft.com/office/drawing/2014/main" id="{09DF8025-61D7-487E-B878-BECE556123CE}"/>
+                <a16:creationId xmlns:a16="http://schemas.microsoft.com/office/drawing/2014/main" xmlns="" id="{09DF8025-61D7-487E-B878-BECE556123CE}"/>
               </a:ext>
             </a:extLst>
           </p:cNvPr>
@@ -8912,7 +8967,7 @@
           <p:cNvPr id="3" name="Picture 2">
             <a:extLst>
               <a:ext uri="{FF2B5EF4-FFF2-40B4-BE49-F238E27FC236}">
-                <a16:creationId xmlns:a16="http://schemas.microsoft.com/office/drawing/2014/main" id="{1A39D9B2-21D2-44D4-A413-6845A3A83FEC}"/>
+                <a16:creationId xmlns:a16="http://schemas.microsoft.com/office/drawing/2014/main" xmlns="" id="{1A39D9B2-21D2-44D4-A413-6845A3A83FEC}"/>
               </a:ext>
             </a:extLst>
           </p:cNvPr>
@@ -8940,7 +8995,7 @@
     </p:spTree>
     <p:extLst>
       <p:ext uri="{BB962C8B-B14F-4D97-AF65-F5344CB8AC3E}">
-        <p14:creationId xmlns:p14="http://schemas.microsoft.com/office/powerpoint/2010/main" val="626934487"/>
+        <p14:creationId xmlns:p14="http://schemas.microsoft.com/office/powerpoint/2010/main" xmlns="" val="626934487"/>
       </p:ext>
     </p:extLst>
   </p:cSld>
@@ -8972,7 +9027,7 @@
           <p:cNvPr id="2" name="Title 1">
             <a:extLst>
               <a:ext uri="{FF2B5EF4-FFF2-40B4-BE49-F238E27FC236}">
-                <a16:creationId xmlns:a16="http://schemas.microsoft.com/office/drawing/2014/main" id="{D7C84779-5F93-4DCC-86DF-8D79DEAEC374}"/>
+                <a16:creationId xmlns:a16="http://schemas.microsoft.com/office/drawing/2014/main" xmlns="" id="{D7C84779-5F93-4DCC-86DF-8D79DEAEC374}"/>
               </a:ext>
             </a:extLst>
           </p:cNvPr>
@@ -9001,7 +9056,7 @@
           <p:cNvPr id="9" name="Rectangle 8">
             <a:extLst>
               <a:ext uri="{FF2B5EF4-FFF2-40B4-BE49-F238E27FC236}">
-                <a16:creationId xmlns:a16="http://schemas.microsoft.com/office/drawing/2014/main" id="{09DF8025-61D7-487E-B878-BECE556123CE}"/>
+                <a16:creationId xmlns:a16="http://schemas.microsoft.com/office/drawing/2014/main" xmlns="" id="{09DF8025-61D7-487E-B878-BECE556123CE}"/>
               </a:ext>
             </a:extLst>
           </p:cNvPr>
@@ -9255,68 +9310,41 @@
       </p:sp>
       <p:pic>
         <p:nvPicPr>
-          <p:cNvPr id="5" name="Picture 4">
-            <a:extLst>
-              <a:ext uri="{FF2B5EF4-FFF2-40B4-BE49-F238E27FC236}">
-                <a16:creationId xmlns:a16="http://schemas.microsoft.com/office/drawing/2014/main" id="{5BEB50C7-7C44-42AC-B1B2-D7CC057DC100}"/>
-              </a:ext>
-            </a:extLst>
-          </p:cNvPr>
+          <p:cNvPr id="2052" name="Picture 4"/>
           <p:cNvPicPr>
-            <a:picLocks noChangeAspect="1"/>
+            <a:picLocks noChangeAspect="1" noChangeArrowheads="1"/>
           </p:cNvPicPr>
           <p:nvPr/>
         </p:nvPicPr>
         <p:blipFill>
           <a:blip r:embed="rId3"/>
+          <a:srcRect/>
           <a:stretch>
             <a:fillRect/>
           </a:stretch>
         </p:blipFill>
-        <p:spPr>
+        <p:spPr bwMode="auto">
           <a:xfrm>
-            <a:off x="5460548" y="929303"/>
-            <a:ext cx="5283651" cy="4637872"/>
+            <a:off x="4863177" y="903214"/>
+            <a:ext cx="6914702" cy="4583186"/>
           </a:xfrm>
           <a:prstGeom prst="rect">
             <a:avLst/>
           </a:prstGeom>
-        </p:spPr>
-      </p:pic>
-      <p:pic>
-        <p:nvPicPr>
-          <p:cNvPr id="6" name="Picture 5">
-            <a:extLst>
-              <a:ext uri="{FF2B5EF4-FFF2-40B4-BE49-F238E27FC236}">
-                <a16:creationId xmlns:a16="http://schemas.microsoft.com/office/drawing/2014/main" id="{233493A8-8494-4134-AEC6-4EB219D5F02D}"/>
-              </a:ext>
-            </a:extLst>
-          </p:cNvPr>
-          <p:cNvPicPr>
-            <a:picLocks noChangeAspect="1"/>
-          </p:cNvPicPr>
-          <p:nvPr/>
-        </p:nvPicPr>
-        <p:blipFill>
-          <a:blip r:embed="rId4"/>
-          <a:stretch>
-            <a:fillRect/>
-          </a:stretch>
-        </p:blipFill>
-        <p:spPr>
-          <a:xfrm>
-            <a:off x="5480373" y="5684140"/>
-            <a:ext cx="5061807" cy="617935"/>
-          </a:xfrm>
-          <a:prstGeom prst="rect">
-            <a:avLst/>
-          </a:prstGeom>
+          <a:noFill/>
+          <a:ln w="9525">
+            <a:noFill/>
+            <a:miter lim="800000"/>
+            <a:headEnd/>
+            <a:tailEnd/>
+          </a:ln>
+          <a:effectLst/>
         </p:spPr>
       </p:pic>
     </p:spTree>
     <p:extLst>
       <p:ext uri="{BB962C8B-B14F-4D97-AF65-F5344CB8AC3E}">
-        <p14:creationId xmlns:p14="http://schemas.microsoft.com/office/powerpoint/2010/main" val="1934937011"/>
+        <p14:creationId xmlns:p14="http://schemas.microsoft.com/office/powerpoint/2010/main" xmlns="" val="1934937011"/>
       </p:ext>
     </p:extLst>
   </p:cSld>
@@ -9348,7 +9376,7 @@
           <p:cNvPr id="2" name="Title 1">
             <a:extLst>
               <a:ext uri="{FF2B5EF4-FFF2-40B4-BE49-F238E27FC236}">
-                <a16:creationId xmlns:a16="http://schemas.microsoft.com/office/drawing/2014/main" id="{D7C84779-5F93-4DCC-86DF-8D79DEAEC374}"/>
+                <a16:creationId xmlns:a16="http://schemas.microsoft.com/office/drawing/2014/main" xmlns="" id="{D7C84779-5F93-4DCC-86DF-8D79DEAEC374}"/>
               </a:ext>
             </a:extLst>
           </p:cNvPr>
@@ -9381,7 +9409,7 @@
           <p:cNvPr id="9" name="Rectangle 8">
             <a:extLst>
               <a:ext uri="{FF2B5EF4-FFF2-40B4-BE49-F238E27FC236}">
-                <a16:creationId xmlns:a16="http://schemas.microsoft.com/office/drawing/2014/main" id="{09DF8025-61D7-487E-B878-BECE556123CE}"/>
+                <a16:creationId xmlns:a16="http://schemas.microsoft.com/office/drawing/2014/main" xmlns="" id="{09DF8025-61D7-487E-B878-BECE556123CE}"/>
               </a:ext>
             </a:extLst>
           </p:cNvPr>
@@ -9515,7 +9543,7 @@
     </p:spTree>
     <p:extLst>
       <p:ext uri="{BB962C8B-B14F-4D97-AF65-F5344CB8AC3E}">
-        <p14:creationId xmlns:p14="http://schemas.microsoft.com/office/powerpoint/2010/main" val="1934937011"/>
+        <p14:creationId xmlns:p14="http://schemas.microsoft.com/office/powerpoint/2010/main" xmlns="" val="1934937011"/>
       </p:ext>
     </p:extLst>
   </p:cSld>
@@ -9814,7 +9842,7 @@
   <a:extraClrSchemeLst/>
   <a:extLst>
     <a:ext uri="{05A4C25C-085E-4340-85A3-A5531E510DB2}">
-      <thm15:themeFamily xmlns:thm15="http://schemas.microsoft.com/office/thememl/2012/main" name="Office Theme" id="{62F939B6-93AF-4DB8-9C6B-D6C7DFDC589F}" vid="{4A3C46E8-61CC-4603-A589-7422A47A8E4A}"/>
+      <thm15:themeFamily xmlns:thm15="http://schemas.microsoft.com/office/thememl/2012/main" xmlns="" name="Office Theme" id="{62F939B6-93AF-4DB8-9C6B-D6C7DFDC589F}" vid="{4A3C46E8-61CC-4603-A589-7422A47A8E4A}"/>
     </a:ext>
   </a:extLst>
 </a:theme>
@@ -10109,16 +10137,19 @@
   <a:extraClrSchemeLst/>
   <a:extLst>
     <a:ext uri="{05A4C25C-085E-4340-85A3-A5531E510DB2}">
-      <thm15:themeFamily xmlns:thm15="http://schemas.microsoft.com/office/thememl/2012/main" name="Office Theme" id="{62F939B6-93AF-4DB8-9C6B-D6C7DFDC589F}" vid="{4A3C46E8-61CC-4603-A589-7422A47A8E4A}"/>
+      <thm15:themeFamily xmlns:thm15="http://schemas.microsoft.com/office/thememl/2012/main" xmlns="" name="Office Theme" id="{62F939B6-93AF-4DB8-9C6B-D6C7DFDC589F}" vid="{4A3C46E8-61CC-4603-A589-7422A47A8E4A}"/>
     </a:ext>
   </a:extLst>
 </a:theme>
 </file>
 
 <file path=customXml/item1.xml><?xml version="1.0" encoding="utf-8"?>
-<p:properties xmlns:p="http://schemas.microsoft.com/office/2006/metadata/properties" xmlns:xsi="http://www.w3.org/2001/XMLSchema-instance" xmlns:pc="http://schemas.microsoft.com/office/infopath/2007/PartnerControls">
-  <documentManagement/>
-</p:properties>
+<?mso-contentType ?>
+<FormTemplates xmlns="http://schemas.microsoft.com/sharepoint/v3/contenttype/forms">
+  <Display>DocumentLibraryForm</Display>
+  <Edit>DocumentLibraryForm</Edit>
+  <New>DocumentLibraryForm</New>
+</FormTemplates>
 </file>
 
 <file path=customXml/item2.xml><?xml version="1.0" encoding="utf-8"?>
@@ -10260,26 +10291,15 @@
 </file>
 
 <file path=customXml/item3.xml><?xml version="1.0" encoding="utf-8"?>
-<?mso-contentType ?>
-<FormTemplates xmlns="http://schemas.microsoft.com/sharepoint/v3/contenttype/forms">
-  <Display>DocumentLibraryForm</Display>
-  <Edit>DocumentLibraryForm</Edit>
-  <New>DocumentLibraryForm</New>
-</FormTemplates>
+<p:properties xmlns:p="http://schemas.microsoft.com/office/2006/metadata/properties" xmlns:xsi="http://www.w3.org/2001/XMLSchema-instance" xmlns:pc="http://schemas.microsoft.com/office/infopath/2007/PartnerControls">
+  <documentManagement/>
+</p:properties>
 </file>
 
 <file path=customXml/itemProps1.xml><?xml version="1.0" encoding="utf-8"?>
-<ds:datastoreItem xmlns:ds="http://schemas.openxmlformats.org/officeDocument/2006/customXml" ds:itemID="{09818F5F-9A4E-472D-957A-F61DB6A689A1}">
+<ds:datastoreItem xmlns:ds="http://schemas.openxmlformats.org/officeDocument/2006/customXml" ds:itemID="{8D58F66B-F132-4627-A8F1-473C8F1DC658}">
   <ds:schemaRefs>
-    <ds:schemaRef ds:uri="http://www.w3.org/XML/1998/namespace"/>
-    <ds:schemaRef ds:uri="http://schemas.microsoft.com/office/2006/metadata/properties"/>
-    <ds:schemaRef ds:uri="http://purl.org/dc/dcmitype/"/>
-    <ds:schemaRef ds:uri="a5770b6f-473e-481d-a1c6-8a0376abbd89"/>
-    <ds:schemaRef ds:uri="http://purl.org/dc/terms/"/>
-    <ds:schemaRef ds:uri="http://schemas.microsoft.com/office/infopath/2007/PartnerControls"/>
-    <ds:schemaRef ds:uri="http://schemas.microsoft.com/office/2006/documentManagement/types"/>
-    <ds:schemaRef ds:uri="http://schemas.openxmlformats.org/package/2006/metadata/core-properties"/>
-    <ds:schemaRef ds:uri="http://purl.org/dc/elements/1.1/"/>
+    <ds:schemaRef ds:uri="http://schemas.microsoft.com/sharepoint/v3/contenttype/forms"/>
   </ds:schemaRefs>
 </ds:datastoreItem>
 </file>
@@ -10303,9 +10323,17 @@
 </file>
 
 <file path=customXml/itemProps3.xml><?xml version="1.0" encoding="utf-8"?>
-<ds:datastoreItem xmlns:ds="http://schemas.openxmlformats.org/officeDocument/2006/customXml" ds:itemID="{8D58F66B-F132-4627-A8F1-473C8F1DC658}">
+<ds:datastoreItem xmlns:ds="http://schemas.openxmlformats.org/officeDocument/2006/customXml" ds:itemID="{09818F5F-9A4E-472D-957A-F61DB6A689A1}">
   <ds:schemaRefs>
-    <ds:schemaRef ds:uri="http://schemas.microsoft.com/sharepoint/v3/contenttype/forms"/>
+    <ds:schemaRef ds:uri="http://www.w3.org/XML/1998/namespace"/>
+    <ds:schemaRef ds:uri="http://schemas.microsoft.com/office/2006/metadata/properties"/>
+    <ds:schemaRef ds:uri="http://purl.org/dc/dcmitype/"/>
+    <ds:schemaRef ds:uri="a5770b6f-473e-481d-a1c6-8a0376abbd89"/>
+    <ds:schemaRef ds:uri="http://purl.org/dc/terms/"/>
+    <ds:schemaRef ds:uri="http://schemas.microsoft.com/office/infopath/2007/PartnerControls"/>
+    <ds:schemaRef ds:uri="http://schemas.microsoft.com/office/2006/documentManagement/types"/>
+    <ds:schemaRef ds:uri="http://schemas.openxmlformats.org/package/2006/metadata/core-properties"/>
+    <ds:schemaRef ds:uri="http://purl.org/dc/elements/1.1/"/>
   </ds:schemaRefs>
 </ds:datastoreItem>
 </file>
--- a/GolangConcurency.pptx
+++ b/GolangConcurency.pptx
@@ -5,7 +5,7 @@
     <p:sldMasterId id="2147483648" r:id="rId4"/>
   </p:sldMasterIdLst>
   <p:notesMasterIdLst>
-    <p:notesMasterId r:id="rId23"/>
+    <p:notesMasterId r:id="rId25"/>
   </p:notesMasterIdLst>
   <p:sldIdLst>
     <p:sldId id="256" r:id="rId5"/>
@@ -26,6 +26,8 @@
     <p:sldId id="333" r:id="rId20"/>
     <p:sldId id="334" r:id="rId21"/>
     <p:sldId id="322" r:id="rId22"/>
+    <p:sldId id="336" r:id="rId23"/>
+    <p:sldId id="335" r:id="rId24"/>
   </p:sldIdLst>
   <p:sldSz cx="12192000" cy="6858000"/>
   <p:notesSz cx="6858000" cy="9144000"/>
@@ -126,7 +128,7 @@
   </p:defaultTextStyle>
   <p:extLst>
     <p:ext uri="{521415D9-36F7-43E2-AB2F-B90AF26B5E84}">
-      <p14:sectionLst xmlns:p14="http://schemas.microsoft.com/office/powerpoint/2010/main" xmlns="">
+      <p14:sectionLst xmlns:p14="http://schemas.microsoft.com/office/powerpoint/2010/main">
         <p14:section name="Introduction" id="{53D9EADD-8752-4C05-9F62-8DF6D7C58F99}">
           <p14:sldIdLst>
             <p14:sldId id="256"/>
@@ -144,19 +146,21 @@
             <p14:sldId id="329"/>
             <p14:sldId id="330"/>
             <p14:sldId id="332"/>
+            <p14:sldId id="333"/>
             <p14:sldId id="334"/>
-            <p14:sldId id="333"/>
           </p14:sldIdLst>
         </p14:section>
         <p14:section name="Summary" id="{B6A0A644-47C2-48A4-AD14-D633EDD6C7CF}">
           <p14:sldIdLst>
             <p14:sldId id="322"/>
+            <p14:sldId id="336"/>
+            <p14:sldId id="335"/>
           </p14:sldIdLst>
         </p14:section>
       </p14:sectionLst>
     </p:ext>
     <p:ext uri="{EFAFB233-063F-42B5-8137-9DF3F51BA10A}">
-      <p15:sldGuideLst xmlns:p15="http://schemas.microsoft.com/office/powerpoint/2012/main" xmlns="">
+      <p15:sldGuideLst xmlns:p15="http://schemas.microsoft.com/office/powerpoint/2012/main">
         <p15:guide id="1" orient="horz" pos="2160">
           <p15:clr>
             <a:srgbClr val="A4A3A4"/>
@@ -178,7 +182,7 @@
   <p:cmAuthor id="1" name="MICHAEL GONG (DSCOE-ISD-OOCLL/ZHA)" initials="MG(" lastIdx="1" clrIdx="0">
     <p:extLst>
       <p:ext uri="{19B8F6BF-5375-455C-9EA6-DF929625EA0E}">
-        <p15:presenceInfo xmlns:p15="http://schemas.microsoft.com/office/powerpoint/2012/main" xmlns="" userId="S-1-5-21-2065039802-622210664-899889007-132009" providerId="AD"/>
+        <p15:presenceInfo xmlns:p15="http://schemas.microsoft.com/office/powerpoint/2012/main" userId="S-1-5-21-2065039802-622210664-899889007-132009" providerId="AD"/>
       </p:ext>
     </p:extLst>
   </p:cmAuthor>
@@ -268,7 +272,7 @@
             <a:fld id="{81A7F5E0-26D3-4F44-BD3F-0851D1E00D07}" type="datetimeFigureOut">
               <a:rPr lang="en-US" smtClean="0"/>
               <a:pPr/>
-              <a:t>11/13/2018</a:t>
+              <a:t>11/14/2018</a:t>
             </a:fld>
             <a:endParaRPr lang="en-US"/>
           </a:p>
@@ -436,7 +440,7 @@
     </p:spTree>
     <p:extLst>
       <p:ext uri="{BB962C8B-B14F-4D97-AF65-F5344CB8AC3E}">
-        <p14:creationId xmlns:p14="http://schemas.microsoft.com/office/powerpoint/2010/main" xmlns="" val="3511084736"/>
+        <p14:creationId xmlns:p14="http://schemas.microsoft.com/office/powerpoint/2010/main" val="3511084736"/>
       </p:ext>
     </p:extLst>
   </p:cSld>
@@ -611,7 +615,7 @@
     </p:spTree>
     <p:extLst>
       <p:ext uri="{BB962C8B-B14F-4D97-AF65-F5344CB8AC3E}">
-        <p14:creationId xmlns:p14="http://schemas.microsoft.com/office/powerpoint/2010/main" xmlns="" val="1504085620"/>
+        <p14:creationId xmlns:p14="http://schemas.microsoft.com/office/powerpoint/2010/main" val="1504085620"/>
       </p:ext>
     </p:extLst>
   </p:cSld>
@@ -696,7 +700,7 @@
     </p:spTree>
     <p:extLst>
       <p:ext uri="{BB962C8B-B14F-4D97-AF65-F5344CB8AC3E}">
-        <p14:creationId xmlns:p14="http://schemas.microsoft.com/office/powerpoint/2010/main" xmlns="" val="3843752410"/>
+        <p14:creationId xmlns:p14="http://schemas.microsoft.com/office/powerpoint/2010/main" val="3843752410"/>
       </p:ext>
     </p:extLst>
   </p:cSld>
@@ -781,7 +785,7 @@
     </p:spTree>
     <p:extLst>
       <p:ext uri="{BB962C8B-B14F-4D97-AF65-F5344CB8AC3E}">
-        <p14:creationId xmlns:p14="http://schemas.microsoft.com/office/powerpoint/2010/main" xmlns="" val="3843752410"/>
+        <p14:creationId xmlns:p14="http://schemas.microsoft.com/office/powerpoint/2010/main" val="3843752410"/>
       </p:ext>
     </p:extLst>
   </p:cSld>
@@ -866,7 +870,7 @@
     </p:spTree>
     <p:extLst>
       <p:ext uri="{BB962C8B-B14F-4D97-AF65-F5344CB8AC3E}">
-        <p14:creationId xmlns:p14="http://schemas.microsoft.com/office/powerpoint/2010/main" xmlns="" val="3843752410"/>
+        <p14:creationId xmlns:p14="http://schemas.microsoft.com/office/powerpoint/2010/main" val="3843752410"/>
       </p:ext>
     </p:extLst>
   </p:cSld>
@@ -951,7 +955,7 @@
     </p:spTree>
     <p:extLst>
       <p:ext uri="{BB962C8B-B14F-4D97-AF65-F5344CB8AC3E}">
-        <p14:creationId xmlns:p14="http://schemas.microsoft.com/office/powerpoint/2010/main" xmlns="" val="3843752410"/>
+        <p14:creationId xmlns:p14="http://schemas.microsoft.com/office/powerpoint/2010/main" val="3843752410"/>
       </p:ext>
     </p:extLst>
   </p:cSld>
@@ -1036,7 +1040,7 @@
     </p:spTree>
     <p:extLst>
       <p:ext uri="{BB962C8B-B14F-4D97-AF65-F5344CB8AC3E}">
-        <p14:creationId xmlns:p14="http://schemas.microsoft.com/office/powerpoint/2010/main" xmlns="" val="3208220907"/>
+        <p14:creationId xmlns:p14="http://schemas.microsoft.com/office/powerpoint/2010/main" val="3208220907"/>
       </p:ext>
     </p:extLst>
   </p:cSld>
@@ -1121,7 +1125,7 @@
     </p:spTree>
     <p:extLst>
       <p:ext uri="{BB962C8B-B14F-4D97-AF65-F5344CB8AC3E}">
-        <p14:creationId xmlns:p14="http://schemas.microsoft.com/office/powerpoint/2010/main" xmlns="" val="2782073266"/>
+        <p14:creationId xmlns:p14="http://schemas.microsoft.com/office/powerpoint/2010/main" val="2782073266"/>
       </p:ext>
     </p:extLst>
   </p:cSld>
@@ -1206,7 +1210,7 @@
     </p:spTree>
     <p:extLst>
       <p:ext uri="{BB962C8B-B14F-4D97-AF65-F5344CB8AC3E}">
-        <p14:creationId xmlns:p14="http://schemas.microsoft.com/office/powerpoint/2010/main" xmlns="" val="2434866526"/>
+        <p14:creationId xmlns:p14="http://schemas.microsoft.com/office/powerpoint/2010/main" val="2434866526"/>
       </p:ext>
     </p:extLst>
   </p:cSld>
@@ -1291,7 +1295,177 @@
     </p:spTree>
     <p:extLst>
       <p:ext uri="{BB962C8B-B14F-4D97-AF65-F5344CB8AC3E}">
-        <p14:creationId xmlns:p14="http://schemas.microsoft.com/office/powerpoint/2010/main" xmlns="" val="2905436193"/>
+        <p14:creationId xmlns:p14="http://schemas.microsoft.com/office/powerpoint/2010/main" val="2905436193"/>
+      </p:ext>
+    </p:extLst>
+  </p:cSld>
+  <p:clrMapOvr>
+    <a:masterClrMapping/>
+  </p:clrMapOvr>
+</p:notes>
+</file>
+
+<file path=ppt/notesSlides/notesSlide18.xml><?xml version="1.0" encoding="utf-8"?>
+<p:notes xmlns:a="http://schemas.openxmlformats.org/drawingml/2006/main" xmlns:r="http://schemas.openxmlformats.org/officeDocument/2006/relationships" xmlns:p="http://schemas.openxmlformats.org/presentationml/2006/main">
+  <p:cSld>
+    <p:spTree>
+      <p:nvGrpSpPr>
+        <p:cNvPr id="1" name=""/>
+        <p:cNvGrpSpPr/>
+        <p:nvPr/>
+      </p:nvGrpSpPr>
+      <p:grpSpPr>
+        <a:xfrm>
+          <a:off x="0" y="0"/>
+          <a:ext cx="0" cy="0"/>
+          <a:chOff x="0" y="0"/>
+          <a:chExt cx="0" cy="0"/>
+        </a:xfrm>
+      </p:grpSpPr>
+      <p:sp>
+        <p:nvSpPr>
+          <p:cNvPr id="2" name="Slide Image Placeholder 1"/>
+          <p:cNvSpPr>
+            <a:spLocks noGrp="1" noRot="1" noChangeAspect="1"/>
+          </p:cNvSpPr>
+          <p:nvPr>
+            <p:ph type="sldImg"/>
+          </p:nvPr>
+        </p:nvSpPr>
+        <p:spPr/>
+      </p:sp>
+      <p:sp>
+        <p:nvSpPr>
+          <p:cNvPr id="3" name="Notes Placeholder 2"/>
+          <p:cNvSpPr>
+            <a:spLocks noGrp="1"/>
+          </p:cNvSpPr>
+          <p:nvPr>
+            <p:ph type="body" idx="1"/>
+          </p:nvPr>
+        </p:nvSpPr>
+        <p:spPr/>
+        <p:txBody>
+          <a:bodyPr/>
+          <a:lstStyle/>
+          <a:p>
+            <a:endParaRPr lang="en-US" dirty="0"/>
+          </a:p>
+        </p:txBody>
+      </p:sp>
+      <p:sp>
+        <p:nvSpPr>
+          <p:cNvPr id="4" name="Slide Number Placeholder 3"/>
+          <p:cNvSpPr>
+            <a:spLocks noGrp="1"/>
+          </p:cNvSpPr>
+          <p:nvPr>
+            <p:ph type="sldNum" sz="quarter" idx="10"/>
+          </p:nvPr>
+        </p:nvSpPr>
+        <p:spPr/>
+        <p:txBody>
+          <a:bodyPr/>
+          <a:lstStyle/>
+          <a:p>
+            <a:fld id="{148CC6F0-A91C-42A5-9365-46DAD84980C2}" type="slidenum">
+              <a:rPr lang="en-US" smtClean="0"/>
+              <a:pPr/>
+              <a:t>19</a:t>
+            </a:fld>
+            <a:endParaRPr lang="en-US"/>
+          </a:p>
+        </p:txBody>
+      </p:sp>
+    </p:spTree>
+    <p:extLst>
+      <p:ext uri="{BB962C8B-B14F-4D97-AF65-F5344CB8AC3E}">
+        <p14:creationId xmlns:p14="http://schemas.microsoft.com/office/powerpoint/2010/main" val="1164159088"/>
+      </p:ext>
+    </p:extLst>
+  </p:cSld>
+  <p:clrMapOvr>
+    <a:masterClrMapping/>
+  </p:clrMapOvr>
+</p:notes>
+</file>
+
+<file path=ppt/notesSlides/notesSlide19.xml><?xml version="1.0" encoding="utf-8"?>
+<p:notes xmlns:a="http://schemas.openxmlformats.org/drawingml/2006/main" xmlns:r="http://schemas.openxmlformats.org/officeDocument/2006/relationships" xmlns:p="http://schemas.openxmlformats.org/presentationml/2006/main">
+  <p:cSld>
+    <p:spTree>
+      <p:nvGrpSpPr>
+        <p:cNvPr id="1" name=""/>
+        <p:cNvGrpSpPr/>
+        <p:nvPr/>
+      </p:nvGrpSpPr>
+      <p:grpSpPr>
+        <a:xfrm>
+          <a:off x="0" y="0"/>
+          <a:ext cx="0" cy="0"/>
+          <a:chOff x="0" y="0"/>
+          <a:chExt cx="0" cy="0"/>
+        </a:xfrm>
+      </p:grpSpPr>
+      <p:sp>
+        <p:nvSpPr>
+          <p:cNvPr id="2" name="Slide Image Placeholder 1"/>
+          <p:cNvSpPr>
+            <a:spLocks noGrp="1" noRot="1" noChangeAspect="1"/>
+          </p:cNvSpPr>
+          <p:nvPr>
+            <p:ph type="sldImg"/>
+          </p:nvPr>
+        </p:nvSpPr>
+        <p:spPr/>
+      </p:sp>
+      <p:sp>
+        <p:nvSpPr>
+          <p:cNvPr id="3" name="Notes Placeholder 2"/>
+          <p:cNvSpPr>
+            <a:spLocks noGrp="1"/>
+          </p:cNvSpPr>
+          <p:nvPr>
+            <p:ph type="body" idx="1"/>
+          </p:nvPr>
+        </p:nvSpPr>
+        <p:spPr/>
+        <p:txBody>
+          <a:bodyPr/>
+          <a:lstStyle/>
+          <a:p>
+            <a:endParaRPr lang="en-US" dirty="0"/>
+          </a:p>
+        </p:txBody>
+      </p:sp>
+      <p:sp>
+        <p:nvSpPr>
+          <p:cNvPr id="4" name="Slide Number Placeholder 3"/>
+          <p:cNvSpPr>
+            <a:spLocks noGrp="1"/>
+          </p:cNvSpPr>
+          <p:nvPr>
+            <p:ph type="sldNum" sz="quarter" idx="10"/>
+          </p:nvPr>
+        </p:nvSpPr>
+        <p:spPr/>
+        <p:txBody>
+          <a:bodyPr/>
+          <a:lstStyle/>
+          <a:p>
+            <a:fld id="{148CC6F0-A91C-42A5-9365-46DAD84980C2}" type="slidenum">
+              <a:rPr lang="en-US" smtClean="0"/>
+              <a:pPr/>
+              <a:t>20</a:t>
+            </a:fld>
+            <a:endParaRPr lang="en-US"/>
+          </a:p>
+        </p:txBody>
+      </p:sp>
+    </p:spTree>
+    <p:extLst>
+      <p:ext uri="{BB962C8B-B14F-4D97-AF65-F5344CB8AC3E}">
+        <p14:creationId xmlns:p14="http://schemas.microsoft.com/office/powerpoint/2010/main" val="1878289805"/>
       </p:ext>
     </p:extLst>
   </p:cSld>
@@ -1376,7 +1550,7 @@
     </p:spTree>
     <p:extLst>
       <p:ext uri="{BB962C8B-B14F-4D97-AF65-F5344CB8AC3E}">
-        <p14:creationId xmlns:p14="http://schemas.microsoft.com/office/powerpoint/2010/main" xmlns="" val="1236732504"/>
+        <p14:creationId xmlns:p14="http://schemas.microsoft.com/office/powerpoint/2010/main" val="1236732504"/>
       </p:ext>
     </p:extLst>
   </p:cSld>
@@ -1461,7 +1635,7 @@
     </p:spTree>
     <p:extLst>
       <p:ext uri="{BB962C8B-B14F-4D97-AF65-F5344CB8AC3E}">
-        <p14:creationId xmlns:p14="http://schemas.microsoft.com/office/powerpoint/2010/main" xmlns="" val="2279340415"/>
+        <p14:creationId xmlns:p14="http://schemas.microsoft.com/office/powerpoint/2010/main" val="2279340415"/>
       </p:ext>
     </p:extLst>
   </p:cSld>
@@ -1546,7 +1720,7 @@
     </p:spTree>
     <p:extLst>
       <p:ext uri="{BB962C8B-B14F-4D97-AF65-F5344CB8AC3E}">
-        <p14:creationId xmlns:p14="http://schemas.microsoft.com/office/powerpoint/2010/main" xmlns="" val="151475752"/>
+        <p14:creationId xmlns:p14="http://schemas.microsoft.com/office/powerpoint/2010/main" val="151475752"/>
       </p:ext>
     </p:extLst>
   </p:cSld>
@@ -1631,7 +1805,7 @@
     </p:spTree>
     <p:extLst>
       <p:ext uri="{BB962C8B-B14F-4D97-AF65-F5344CB8AC3E}">
-        <p14:creationId xmlns:p14="http://schemas.microsoft.com/office/powerpoint/2010/main" xmlns="" val="4142781396"/>
+        <p14:creationId xmlns:p14="http://schemas.microsoft.com/office/powerpoint/2010/main" val="4142781396"/>
       </p:ext>
     </p:extLst>
   </p:cSld>
@@ -1716,7 +1890,7 @@
     </p:spTree>
     <p:extLst>
       <p:ext uri="{BB962C8B-B14F-4D97-AF65-F5344CB8AC3E}">
-        <p14:creationId xmlns:p14="http://schemas.microsoft.com/office/powerpoint/2010/main" xmlns="" val="2925099622"/>
+        <p14:creationId xmlns:p14="http://schemas.microsoft.com/office/powerpoint/2010/main" val="2925099622"/>
       </p:ext>
     </p:extLst>
   </p:cSld>
@@ -1801,7 +1975,7 @@
     </p:spTree>
     <p:extLst>
       <p:ext uri="{BB962C8B-B14F-4D97-AF65-F5344CB8AC3E}">
-        <p14:creationId xmlns:p14="http://schemas.microsoft.com/office/powerpoint/2010/main" xmlns="" val="839460708"/>
+        <p14:creationId xmlns:p14="http://schemas.microsoft.com/office/powerpoint/2010/main" val="839460708"/>
       </p:ext>
     </p:extLst>
   </p:cSld>
@@ -1886,7 +2060,7 @@
     </p:spTree>
     <p:extLst>
       <p:ext uri="{BB962C8B-B14F-4D97-AF65-F5344CB8AC3E}">
-        <p14:creationId xmlns:p14="http://schemas.microsoft.com/office/powerpoint/2010/main" xmlns="" val="839460708"/>
+        <p14:creationId xmlns:p14="http://schemas.microsoft.com/office/powerpoint/2010/main" val="839460708"/>
       </p:ext>
     </p:extLst>
   </p:cSld>
@@ -1971,7 +2145,7 @@
     </p:spTree>
     <p:extLst>
       <p:ext uri="{BB962C8B-B14F-4D97-AF65-F5344CB8AC3E}">
-        <p14:creationId xmlns:p14="http://schemas.microsoft.com/office/powerpoint/2010/main" xmlns="" val="839460708"/>
+        <p14:creationId xmlns:p14="http://schemas.microsoft.com/office/powerpoint/2010/main" val="839460708"/>
       </p:ext>
     </p:extLst>
   </p:cSld>
@@ -2003,7 +2177,7 @@
           <p:cNvPr id="2" name="Title 1">
             <a:extLst>
               <a:ext uri="{FF2B5EF4-FFF2-40B4-BE49-F238E27FC236}">
-                <a16:creationId xmlns:a16="http://schemas.microsoft.com/office/drawing/2014/main" xmlns="" id="{EFF1F054-5F26-423F-A5DD-9C54CE0A2AE9}"/>
+                <a16:creationId xmlns:a16="http://schemas.microsoft.com/office/drawing/2014/main" id="{EFF1F054-5F26-423F-A5DD-9C54CE0A2AE9}"/>
               </a:ext>
             </a:extLst>
           </p:cNvPr>
@@ -2040,7 +2214,7 @@
           <p:cNvPr id="3" name="Subtitle 2">
             <a:extLst>
               <a:ext uri="{FF2B5EF4-FFF2-40B4-BE49-F238E27FC236}">
-                <a16:creationId xmlns:a16="http://schemas.microsoft.com/office/drawing/2014/main" xmlns="" id="{3BB2565F-9609-400E-9E2E-E6259786714D}"/>
+                <a16:creationId xmlns:a16="http://schemas.microsoft.com/office/drawing/2014/main" id="{3BB2565F-9609-400E-9E2E-E6259786714D}"/>
               </a:ext>
             </a:extLst>
           </p:cNvPr>
@@ -2110,7 +2284,7 @@
           <p:cNvPr id="4" name="Date Placeholder 3">
             <a:extLst>
               <a:ext uri="{FF2B5EF4-FFF2-40B4-BE49-F238E27FC236}">
-                <a16:creationId xmlns:a16="http://schemas.microsoft.com/office/drawing/2014/main" xmlns="" id="{EDA6FF66-933D-47F1-A95A-74DB940C384A}"/>
+                <a16:creationId xmlns:a16="http://schemas.microsoft.com/office/drawing/2014/main" id="{EDA6FF66-933D-47F1-A95A-74DB940C384A}"/>
               </a:ext>
             </a:extLst>
           </p:cNvPr>
@@ -2129,7 +2303,7 @@
             <a:fld id="{B8159077-EF48-40E3-BF6E-366926B30A93}" type="datetimeFigureOut">
               <a:rPr lang="en-US" smtClean="0"/>
               <a:pPr/>
-              <a:t>11/13/2018</a:t>
+              <a:t>11/14/2018</a:t>
             </a:fld>
             <a:endParaRPr lang="en-US"/>
           </a:p>
@@ -2140,7 +2314,7 @@
           <p:cNvPr id="5" name="Footer Placeholder 4">
             <a:extLst>
               <a:ext uri="{FF2B5EF4-FFF2-40B4-BE49-F238E27FC236}">
-                <a16:creationId xmlns:a16="http://schemas.microsoft.com/office/drawing/2014/main" xmlns="" id="{89B5FEE5-1B4A-4EFE-B89E-F2559B365D40}"/>
+                <a16:creationId xmlns:a16="http://schemas.microsoft.com/office/drawing/2014/main" id="{89B5FEE5-1B4A-4EFE-B89E-F2559B365D40}"/>
               </a:ext>
             </a:extLst>
           </p:cNvPr>
@@ -2165,7 +2339,7 @@
           <p:cNvPr id="6" name="Slide Number Placeholder 5">
             <a:extLst>
               <a:ext uri="{FF2B5EF4-FFF2-40B4-BE49-F238E27FC236}">
-                <a16:creationId xmlns:a16="http://schemas.microsoft.com/office/drawing/2014/main" xmlns="" id="{C0D5733D-C7BB-4CC1-850C-DD54586BBBA5}"/>
+                <a16:creationId xmlns:a16="http://schemas.microsoft.com/office/drawing/2014/main" id="{C0D5733D-C7BB-4CC1-850C-DD54586BBBA5}"/>
               </a:ext>
             </a:extLst>
           </p:cNvPr>
@@ -2195,7 +2369,7 @@
           <p:cNvPr id="7" name="Straight Connector 6">
             <a:extLst>
               <a:ext uri="{FF2B5EF4-FFF2-40B4-BE49-F238E27FC236}">
-                <a16:creationId xmlns:a16="http://schemas.microsoft.com/office/drawing/2014/main" xmlns="" id="{3EA4CAC6-7389-48ED-AC06-BFADD41551D5}"/>
+                <a16:creationId xmlns:a16="http://schemas.microsoft.com/office/drawing/2014/main" id="{3EA4CAC6-7389-48ED-AC06-BFADD41551D5}"/>
               </a:ext>
             </a:extLst>
           </p:cNvPr>
@@ -2233,7 +2407,7 @@
           <p:cNvPr id="9" name="TextBox 8">
             <a:extLst>
               <a:ext uri="{FF2B5EF4-FFF2-40B4-BE49-F238E27FC236}">
-                <a16:creationId xmlns:a16="http://schemas.microsoft.com/office/drawing/2014/main" xmlns="" id="{67F2ADF3-F7F8-4087-858A-6F66D508D87C}"/>
+                <a16:creationId xmlns:a16="http://schemas.microsoft.com/office/drawing/2014/main" id="{67F2ADF3-F7F8-4087-858A-6F66D508D87C}"/>
               </a:ext>
             </a:extLst>
           </p:cNvPr>
@@ -2281,7 +2455,7 @@
     </p:spTree>
     <p:extLst>
       <p:ext uri="{BB962C8B-B14F-4D97-AF65-F5344CB8AC3E}">
-        <p14:creationId xmlns:p14="http://schemas.microsoft.com/office/powerpoint/2010/main" xmlns="" val="37654009"/>
+        <p14:creationId xmlns:p14="http://schemas.microsoft.com/office/powerpoint/2010/main" val="37654009"/>
       </p:ext>
     </p:extLst>
   </p:cSld>
@@ -2313,7 +2487,7 @@
           <p:cNvPr id="2" name="Title 1">
             <a:extLst>
               <a:ext uri="{FF2B5EF4-FFF2-40B4-BE49-F238E27FC236}">
-                <a16:creationId xmlns:a16="http://schemas.microsoft.com/office/drawing/2014/main" xmlns="" id="{D578F509-E66E-42C7-B414-DEDB8CB0009A}"/>
+                <a16:creationId xmlns:a16="http://schemas.microsoft.com/office/drawing/2014/main" id="{D578F509-E66E-42C7-B414-DEDB8CB0009A}"/>
               </a:ext>
             </a:extLst>
           </p:cNvPr>
@@ -2341,7 +2515,7 @@
           <p:cNvPr id="3" name="Vertical Text Placeholder 2">
             <a:extLst>
               <a:ext uri="{FF2B5EF4-FFF2-40B4-BE49-F238E27FC236}">
-                <a16:creationId xmlns:a16="http://schemas.microsoft.com/office/drawing/2014/main" xmlns="" id="{39FD8C8D-EF98-470B-8FD0-A9BB0450B149}"/>
+                <a16:creationId xmlns:a16="http://schemas.microsoft.com/office/drawing/2014/main" id="{39FD8C8D-EF98-470B-8FD0-A9BB0450B149}"/>
               </a:ext>
             </a:extLst>
           </p:cNvPr>
@@ -2398,7 +2572,7 @@
           <p:cNvPr id="4" name="Date Placeholder 3">
             <a:extLst>
               <a:ext uri="{FF2B5EF4-FFF2-40B4-BE49-F238E27FC236}">
-                <a16:creationId xmlns:a16="http://schemas.microsoft.com/office/drawing/2014/main" xmlns="" id="{0600363F-FFE9-4A83-A47C-7B025E73A7D3}"/>
+                <a16:creationId xmlns:a16="http://schemas.microsoft.com/office/drawing/2014/main" id="{0600363F-FFE9-4A83-A47C-7B025E73A7D3}"/>
               </a:ext>
             </a:extLst>
           </p:cNvPr>
@@ -2417,7 +2591,7 @@
             <a:fld id="{B8159077-EF48-40E3-BF6E-366926B30A93}" type="datetimeFigureOut">
               <a:rPr lang="en-US" smtClean="0"/>
               <a:pPr/>
-              <a:t>11/13/2018</a:t>
+              <a:t>11/14/2018</a:t>
             </a:fld>
             <a:endParaRPr lang="en-US"/>
           </a:p>
@@ -2428,7 +2602,7 @@
           <p:cNvPr id="5" name="Footer Placeholder 4">
             <a:extLst>
               <a:ext uri="{FF2B5EF4-FFF2-40B4-BE49-F238E27FC236}">
-                <a16:creationId xmlns:a16="http://schemas.microsoft.com/office/drawing/2014/main" xmlns="" id="{2639756C-4793-47FF-AF0E-A346FA4D9F5A}"/>
+                <a16:creationId xmlns:a16="http://schemas.microsoft.com/office/drawing/2014/main" id="{2639756C-4793-47FF-AF0E-A346FA4D9F5A}"/>
               </a:ext>
             </a:extLst>
           </p:cNvPr>
@@ -2453,7 +2627,7 @@
           <p:cNvPr id="6" name="Slide Number Placeholder 5">
             <a:extLst>
               <a:ext uri="{FF2B5EF4-FFF2-40B4-BE49-F238E27FC236}">
-                <a16:creationId xmlns:a16="http://schemas.microsoft.com/office/drawing/2014/main" xmlns="" id="{55698755-6A6A-4B66-94EC-81D56DA8E372}"/>
+                <a16:creationId xmlns:a16="http://schemas.microsoft.com/office/drawing/2014/main" id="{55698755-6A6A-4B66-94EC-81D56DA8E372}"/>
               </a:ext>
             </a:extLst>
           </p:cNvPr>
@@ -2481,7 +2655,7 @@
     </p:spTree>
     <p:extLst>
       <p:ext uri="{BB962C8B-B14F-4D97-AF65-F5344CB8AC3E}">
-        <p14:creationId xmlns:p14="http://schemas.microsoft.com/office/powerpoint/2010/main" xmlns="" val="74609242"/>
+        <p14:creationId xmlns:p14="http://schemas.microsoft.com/office/powerpoint/2010/main" val="74609242"/>
       </p:ext>
     </p:extLst>
   </p:cSld>
@@ -2513,7 +2687,7 @@
           <p:cNvPr id="2" name="Vertical Title 1">
             <a:extLst>
               <a:ext uri="{FF2B5EF4-FFF2-40B4-BE49-F238E27FC236}">
-                <a16:creationId xmlns:a16="http://schemas.microsoft.com/office/drawing/2014/main" xmlns="" id="{02A87FEF-54B8-4489-85DC-D98FE6F28050}"/>
+                <a16:creationId xmlns:a16="http://schemas.microsoft.com/office/drawing/2014/main" id="{02A87FEF-54B8-4489-85DC-D98FE6F28050}"/>
               </a:ext>
             </a:extLst>
           </p:cNvPr>
@@ -2546,7 +2720,7 @@
           <p:cNvPr id="3" name="Vertical Text Placeholder 2">
             <a:extLst>
               <a:ext uri="{FF2B5EF4-FFF2-40B4-BE49-F238E27FC236}">
-                <a16:creationId xmlns:a16="http://schemas.microsoft.com/office/drawing/2014/main" xmlns="" id="{8B71D077-BD07-4382-8E63-59488FFCA8D5}"/>
+                <a16:creationId xmlns:a16="http://schemas.microsoft.com/office/drawing/2014/main" id="{8B71D077-BD07-4382-8E63-59488FFCA8D5}"/>
               </a:ext>
             </a:extLst>
           </p:cNvPr>
@@ -2608,7 +2782,7 @@
           <p:cNvPr id="4" name="Date Placeholder 3">
             <a:extLst>
               <a:ext uri="{FF2B5EF4-FFF2-40B4-BE49-F238E27FC236}">
-                <a16:creationId xmlns:a16="http://schemas.microsoft.com/office/drawing/2014/main" xmlns="" id="{9B481C67-9B19-4A17-87AF-47D2816A63D2}"/>
+                <a16:creationId xmlns:a16="http://schemas.microsoft.com/office/drawing/2014/main" id="{9B481C67-9B19-4A17-87AF-47D2816A63D2}"/>
               </a:ext>
             </a:extLst>
           </p:cNvPr>
@@ -2627,7 +2801,7 @@
             <a:fld id="{B8159077-EF48-40E3-BF6E-366926B30A93}" type="datetimeFigureOut">
               <a:rPr lang="en-US" smtClean="0"/>
               <a:pPr/>
-              <a:t>11/13/2018</a:t>
+              <a:t>11/14/2018</a:t>
             </a:fld>
             <a:endParaRPr lang="en-US"/>
           </a:p>
@@ -2638,7 +2812,7 @@
           <p:cNvPr id="5" name="Footer Placeholder 4">
             <a:extLst>
               <a:ext uri="{FF2B5EF4-FFF2-40B4-BE49-F238E27FC236}">
-                <a16:creationId xmlns:a16="http://schemas.microsoft.com/office/drawing/2014/main" xmlns="" id="{9AB74035-BE1F-4B6A-A757-0A3BEBC07ECF}"/>
+                <a16:creationId xmlns:a16="http://schemas.microsoft.com/office/drawing/2014/main" id="{9AB74035-BE1F-4B6A-A757-0A3BEBC07ECF}"/>
               </a:ext>
             </a:extLst>
           </p:cNvPr>
@@ -2663,7 +2837,7 @@
           <p:cNvPr id="6" name="Slide Number Placeholder 5">
             <a:extLst>
               <a:ext uri="{FF2B5EF4-FFF2-40B4-BE49-F238E27FC236}">
-                <a16:creationId xmlns:a16="http://schemas.microsoft.com/office/drawing/2014/main" xmlns="" id="{FC371FF7-26AC-4666-A6E2-B9A9C931F17E}"/>
+                <a16:creationId xmlns:a16="http://schemas.microsoft.com/office/drawing/2014/main" id="{FC371FF7-26AC-4666-A6E2-B9A9C931F17E}"/>
               </a:ext>
             </a:extLst>
           </p:cNvPr>
@@ -2691,7 +2865,7 @@
     </p:spTree>
     <p:extLst>
       <p:ext uri="{BB962C8B-B14F-4D97-AF65-F5344CB8AC3E}">
-        <p14:creationId xmlns:p14="http://schemas.microsoft.com/office/powerpoint/2010/main" xmlns="" val="327360313"/>
+        <p14:creationId xmlns:p14="http://schemas.microsoft.com/office/powerpoint/2010/main" val="327360313"/>
       </p:ext>
     </p:extLst>
   </p:cSld>
@@ -2723,7 +2897,7 @@
           <p:cNvPr id="2" name="Title 1">
             <a:extLst>
               <a:ext uri="{FF2B5EF4-FFF2-40B4-BE49-F238E27FC236}">
-                <a16:creationId xmlns:a16="http://schemas.microsoft.com/office/drawing/2014/main" xmlns="" id="{11EFF147-8305-4C8C-86F1-D856EBBAF7C2}"/>
+                <a16:creationId xmlns:a16="http://schemas.microsoft.com/office/drawing/2014/main" id="{11EFF147-8305-4C8C-86F1-D856EBBAF7C2}"/>
               </a:ext>
             </a:extLst>
           </p:cNvPr>
@@ -2751,7 +2925,7 @@
           <p:cNvPr id="3" name="Content Placeholder 2">
             <a:extLst>
               <a:ext uri="{FF2B5EF4-FFF2-40B4-BE49-F238E27FC236}">
-                <a16:creationId xmlns:a16="http://schemas.microsoft.com/office/drawing/2014/main" xmlns="" id="{05BB0835-3F9B-44C7-A1E0-BB6A820FB090}"/>
+                <a16:creationId xmlns:a16="http://schemas.microsoft.com/office/drawing/2014/main" id="{05BB0835-3F9B-44C7-A1E0-BB6A820FB090}"/>
               </a:ext>
             </a:extLst>
           </p:cNvPr>
@@ -2808,7 +2982,7 @@
           <p:cNvPr id="4" name="Date Placeholder 3">
             <a:extLst>
               <a:ext uri="{FF2B5EF4-FFF2-40B4-BE49-F238E27FC236}">
-                <a16:creationId xmlns:a16="http://schemas.microsoft.com/office/drawing/2014/main" xmlns="" id="{6B8082C4-E0B0-4F75-9A71-E46836F54912}"/>
+                <a16:creationId xmlns:a16="http://schemas.microsoft.com/office/drawing/2014/main" id="{6B8082C4-E0B0-4F75-9A71-E46836F54912}"/>
               </a:ext>
             </a:extLst>
           </p:cNvPr>
@@ -2827,7 +3001,7 @@
             <a:fld id="{B8159077-EF48-40E3-BF6E-366926B30A93}" type="datetimeFigureOut">
               <a:rPr lang="en-US" smtClean="0"/>
               <a:pPr/>
-              <a:t>11/13/2018</a:t>
+              <a:t>11/14/2018</a:t>
             </a:fld>
             <a:endParaRPr lang="en-US"/>
           </a:p>
@@ -2838,7 +3012,7 @@
           <p:cNvPr id="5" name="Footer Placeholder 4">
             <a:extLst>
               <a:ext uri="{FF2B5EF4-FFF2-40B4-BE49-F238E27FC236}">
-                <a16:creationId xmlns:a16="http://schemas.microsoft.com/office/drawing/2014/main" xmlns="" id="{6C2526BA-4562-4167-9CC0-13E0F1E07ED2}"/>
+                <a16:creationId xmlns:a16="http://schemas.microsoft.com/office/drawing/2014/main" id="{6C2526BA-4562-4167-9CC0-13E0F1E07ED2}"/>
               </a:ext>
             </a:extLst>
           </p:cNvPr>
@@ -2863,7 +3037,7 @@
           <p:cNvPr id="6" name="Slide Number Placeholder 5">
             <a:extLst>
               <a:ext uri="{FF2B5EF4-FFF2-40B4-BE49-F238E27FC236}">
-                <a16:creationId xmlns:a16="http://schemas.microsoft.com/office/drawing/2014/main" xmlns="" id="{54DC031C-236C-4C79-B203-6266D585985E}"/>
+                <a16:creationId xmlns:a16="http://schemas.microsoft.com/office/drawing/2014/main" id="{54DC031C-236C-4C79-B203-6266D585985E}"/>
               </a:ext>
             </a:extLst>
           </p:cNvPr>
@@ -2893,7 +3067,7 @@
           <p:cNvPr id="7" name="Straight Connector 6">
             <a:extLst>
               <a:ext uri="{FF2B5EF4-FFF2-40B4-BE49-F238E27FC236}">
-                <a16:creationId xmlns:a16="http://schemas.microsoft.com/office/drawing/2014/main" xmlns="" id="{EBA1F678-17D0-4A24-BC8C-596209B8A706}"/>
+                <a16:creationId xmlns:a16="http://schemas.microsoft.com/office/drawing/2014/main" id="{EBA1F678-17D0-4A24-BC8C-596209B8A706}"/>
               </a:ext>
             </a:extLst>
           </p:cNvPr>
@@ -2929,7 +3103,7 @@
     </p:spTree>
     <p:extLst>
       <p:ext uri="{BB962C8B-B14F-4D97-AF65-F5344CB8AC3E}">
-        <p14:creationId xmlns:p14="http://schemas.microsoft.com/office/powerpoint/2010/main" xmlns="" val="2709948559"/>
+        <p14:creationId xmlns:p14="http://schemas.microsoft.com/office/powerpoint/2010/main" val="2709948559"/>
       </p:ext>
     </p:extLst>
   </p:cSld>
@@ -2961,7 +3135,7 @@
           <p:cNvPr id="2" name="Title 1">
             <a:extLst>
               <a:ext uri="{FF2B5EF4-FFF2-40B4-BE49-F238E27FC236}">
-                <a16:creationId xmlns:a16="http://schemas.microsoft.com/office/drawing/2014/main" xmlns="" id="{9C77E9F5-987F-47D7-A80F-63B190B6C256}"/>
+                <a16:creationId xmlns:a16="http://schemas.microsoft.com/office/drawing/2014/main" id="{9C77E9F5-987F-47D7-A80F-63B190B6C256}"/>
               </a:ext>
             </a:extLst>
           </p:cNvPr>
@@ -2998,7 +3172,7 @@
           <p:cNvPr id="3" name="Text Placeholder 2">
             <a:extLst>
               <a:ext uri="{FF2B5EF4-FFF2-40B4-BE49-F238E27FC236}">
-                <a16:creationId xmlns:a16="http://schemas.microsoft.com/office/drawing/2014/main" xmlns="" id="{57A6DF7C-9109-464F-B881-82FA2A8012B7}"/>
+                <a16:creationId xmlns:a16="http://schemas.microsoft.com/office/drawing/2014/main" id="{57A6DF7C-9109-464F-B881-82FA2A8012B7}"/>
               </a:ext>
             </a:extLst>
           </p:cNvPr>
@@ -3123,7 +3297,7 @@
           <p:cNvPr id="4" name="Date Placeholder 3">
             <a:extLst>
               <a:ext uri="{FF2B5EF4-FFF2-40B4-BE49-F238E27FC236}">
-                <a16:creationId xmlns:a16="http://schemas.microsoft.com/office/drawing/2014/main" xmlns="" id="{2535BF5B-AF99-4CBF-AE0A-75C40BE9E0C1}"/>
+                <a16:creationId xmlns:a16="http://schemas.microsoft.com/office/drawing/2014/main" id="{2535BF5B-AF99-4CBF-AE0A-75C40BE9E0C1}"/>
               </a:ext>
             </a:extLst>
           </p:cNvPr>
@@ -3142,7 +3316,7 @@
             <a:fld id="{B8159077-EF48-40E3-BF6E-366926B30A93}" type="datetimeFigureOut">
               <a:rPr lang="en-US" smtClean="0"/>
               <a:pPr/>
-              <a:t>11/13/2018</a:t>
+              <a:t>11/14/2018</a:t>
             </a:fld>
             <a:endParaRPr lang="en-US"/>
           </a:p>
@@ -3153,7 +3327,7 @@
           <p:cNvPr id="5" name="Footer Placeholder 4">
             <a:extLst>
               <a:ext uri="{FF2B5EF4-FFF2-40B4-BE49-F238E27FC236}">
-                <a16:creationId xmlns:a16="http://schemas.microsoft.com/office/drawing/2014/main" xmlns="" id="{E8645BFB-2055-42FB-AC89-BE1785D9BE1E}"/>
+                <a16:creationId xmlns:a16="http://schemas.microsoft.com/office/drawing/2014/main" id="{E8645BFB-2055-42FB-AC89-BE1785D9BE1E}"/>
               </a:ext>
             </a:extLst>
           </p:cNvPr>
@@ -3178,7 +3352,7 @@
           <p:cNvPr id="6" name="Slide Number Placeholder 5">
             <a:extLst>
               <a:ext uri="{FF2B5EF4-FFF2-40B4-BE49-F238E27FC236}">
-                <a16:creationId xmlns:a16="http://schemas.microsoft.com/office/drawing/2014/main" xmlns="" id="{3F95587E-758E-438B-84A0-1497D6C924FD}"/>
+                <a16:creationId xmlns:a16="http://schemas.microsoft.com/office/drawing/2014/main" id="{3F95587E-758E-438B-84A0-1497D6C924FD}"/>
               </a:ext>
             </a:extLst>
           </p:cNvPr>
@@ -3208,7 +3382,7 @@
           <p:cNvPr id="7" name="Straight Connector 6">
             <a:extLst>
               <a:ext uri="{FF2B5EF4-FFF2-40B4-BE49-F238E27FC236}">
-                <a16:creationId xmlns:a16="http://schemas.microsoft.com/office/drawing/2014/main" xmlns="" id="{EC3CA79F-75C6-44C0-8E41-48A8B125B502}"/>
+                <a16:creationId xmlns:a16="http://schemas.microsoft.com/office/drawing/2014/main" id="{EC3CA79F-75C6-44C0-8E41-48A8B125B502}"/>
               </a:ext>
             </a:extLst>
           </p:cNvPr>
@@ -3244,7 +3418,7 @@
     </p:spTree>
     <p:extLst>
       <p:ext uri="{BB962C8B-B14F-4D97-AF65-F5344CB8AC3E}">
-        <p14:creationId xmlns:p14="http://schemas.microsoft.com/office/powerpoint/2010/main" xmlns="" val="1251077641"/>
+        <p14:creationId xmlns:p14="http://schemas.microsoft.com/office/powerpoint/2010/main" val="1251077641"/>
       </p:ext>
     </p:extLst>
   </p:cSld>
@@ -3276,7 +3450,7 @@
           <p:cNvPr id="2" name="Title 1">
             <a:extLst>
               <a:ext uri="{FF2B5EF4-FFF2-40B4-BE49-F238E27FC236}">
-                <a16:creationId xmlns:a16="http://schemas.microsoft.com/office/drawing/2014/main" xmlns="" id="{3DA31CFB-0F52-4EF9-A70F-4C8567F61C44}"/>
+                <a16:creationId xmlns:a16="http://schemas.microsoft.com/office/drawing/2014/main" id="{3DA31CFB-0F52-4EF9-A70F-4C8567F61C44}"/>
               </a:ext>
             </a:extLst>
           </p:cNvPr>
@@ -3304,7 +3478,7 @@
           <p:cNvPr id="3" name="Content Placeholder 2">
             <a:extLst>
               <a:ext uri="{FF2B5EF4-FFF2-40B4-BE49-F238E27FC236}">
-                <a16:creationId xmlns:a16="http://schemas.microsoft.com/office/drawing/2014/main" xmlns="" id="{0E4BACCB-8876-41D5-A33E-3FF0D5DA1899}"/>
+                <a16:creationId xmlns:a16="http://schemas.microsoft.com/office/drawing/2014/main" id="{0E4BACCB-8876-41D5-A33E-3FF0D5DA1899}"/>
               </a:ext>
             </a:extLst>
           </p:cNvPr>
@@ -3366,7 +3540,7 @@
           <p:cNvPr id="4" name="Content Placeholder 3">
             <a:extLst>
               <a:ext uri="{FF2B5EF4-FFF2-40B4-BE49-F238E27FC236}">
-                <a16:creationId xmlns:a16="http://schemas.microsoft.com/office/drawing/2014/main" xmlns="" id="{9D75392B-76F8-4D10-B40E-F73EAEE0812A}"/>
+                <a16:creationId xmlns:a16="http://schemas.microsoft.com/office/drawing/2014/main" id="{9D75392B-76F8-4D10-B40E-F73EAEE0812A}"/>
               </a:ext>
             </a:extLst>
           </p:cNvPr>
@@ -3428,7 +3602,7 @@
           <p:cNvPr id="5" name="Date Placeholder 4">
             <a:extLst>
               <a:ext uri="{FF2B5EF4-FFF2-40B4-BE49-F238E27FC236}">
-                <a16:creationId xmlns:a16="http://schemas.microsoft.com/office/drawing/2014/main" xmlns="" id="{680D36E2-8A03-4DBF-950E-C5B08EF7E361}"/>
+                <a16:creationId xmlns:a16="http://schemas.microsoft.com/office/drawing/2014/main" id="{680D36E2-8A03-4DBF-950E-C5B08EF7E361}"/>
               </a:ext>
             </a:extLst>
           </p:cNvPr>
@@ -3447,7 +3621,7 @@
             <a:fld id="{B8159077-EF48-40E3-BF6E-366926B30A93}" type="datetimeFigureOut">
               <a:rPr lang="en-US" smtClean="0"/>
               <a:pPr/>
-              <a:t>11/13/2018</a:t>
+              <a:t>11/14/2018</a:t>
             </a:fld>
             <a:endParaRPr lang="en-US"/>
           </a:p>
@@ -3458,7 +3632,7 @@
           <p:cNvPr id="6" name="Footer Placeholder 5">
             <a:extLst>
               <a:ext uri="{FF2B5EF4-FFF2-40B4-BE49-F238E27FC236}">
-                <a16:creationId xmlns:a16="http://schemas.microsoft.com/office/drawing/2014/main" xmlns="" id="{400922BD-5DB1-403B-8A20-3C8F43A71D70}"/>
+                <a16:creationId xmlns:a16="http://schemas.microsoft.com/office/drawing/2014/main" id="{400922BD-5DB1-403B-8A20-3C8F43A71D70}"/>
               </a:ext>
             </a:extLst>
           </p:cNvPr>
@@ -3483,7 +3657,7 @@
           <p:cNvPr id="7" name="Slide Number Placeholder 6">
             <a:extLst>
               <a:ext uri="{FF2B5EF4-FFF2-40B4-BE49-F238E27FC236}">
-                <a16:creationId xmlns:a16="http://schemas.microsoft.com/office/drawing/2014/main" xmlns="" id="{9C3F9DBC-86E0-4E27-B5D1-BCED9750ED38}"/>
+                <a16:creationId xmlns:a16="http://schemas.microsoft.com/office/drawing/2014/main" id="{9C3F9DBC-86E0-4E27-B5D1-BCED9750ED38}"/>
               </a:ext>
             </a:extLst>
           </p:cNvPr>
@@ -3511,7 +3685,7 @@
     </p:spTree>
     <p:extLst>
       <p:ext uri="{BB962C8B-B14F-4D97-AF65-F5344CB8AC3E}">
-        <p14:creationId xmlns:p14="http://schemas.microsoft.com/office/powerpoint/2010/main" xmlns="" val="759025932"/>
+        <p14:creationId xmlns:p14="http://schemas.microsoft.com/office/powerpoint/2010/main" val="759025932"/>
       </p:ext>
     </p:extLst>
   </p:cSld>
@@ -3543,7 +3717,7 @@
           <p:cNvPr id="2" name="Title 1">
             <a:extLst>
               <a:ext uri="{FF2B5EF4-FFF2-40B4-BE49-F238E27FC236}">
-                <a16:creationId xmlns:a16="http://schemas.microsoft.com/office/drawing/2014/main" xmlns="" id="{8CC6F189-CDD4-402C-BF48-5716492DB9F8}"/>
+                <a16:creationId xmlns:a16="http://schemas.microsoft.com/office/drawing/2014/main" id="{8CC6F189-CDD4-402C-BF48-5716492DB9F8}"/>
               </a:ext>
             </a:extLst>
           </p:cNvPr>
@@ -3576,7 +3750,7 @@
           <p:cNvPr id="3" name="Text Placeholder 2">
             <a:extLst>
               <a:ext uri="{FF2B5EF4-FFF2-40B4-BE49-F238E27FC236}">
-                <a16:creationId xmlns:a16="http://schemas.microsoft.com/office/drawing/2014/main" xmlns="" id="{50ED9ADE-86F8-4E1B-96EC-AAE4CE82A211}"/>
+                <a16:creationId xmlns:a16="http://schemas.microsoft.com/office/drawing/2014/main" id="{50ED9ADE-86F8-4E1B-96EC-AAE4CE82A211}"/>
               </a:ext>
             </a:extLst>
           </p:cNvPr>
@@ -3647,7 +3821,7 @@
           <p:cNvPr id="4" name="Content Placeholder 3">
             <a:extLst>
               <a:ext uri="{FF2B5EF4-FFF2-40B4-BE49-F238E27FC236}">
-                <a16:creationId xmlns:a16="http://schemas.microsoft.com/office/drawing/2014/main" xmlns="" id="{670DDFAE-921B-4FD1-96C7-CD55AB459341}"/>
+                <a16:creationId xmlns:a16="http://schemas.microsoft.com/office/drawing/2014/main" id="{670DDFAE-921B-4FD1-96C7-CD55AB459341}"/>
               </a:ext>
             </a:extLst>
           </p:cNvPr>
@@ -3709,7 +3883,7 @@
           <p:cNvPr id="5" name="Text Placeholder 4">
             <a:extLst>
               <a:ext uri="{FF2B5EF4-FFF2-40B4-BE49-F238E27FC236}">
-                <a16:creationId xmlns:a16="http://schemas.microsoft.com/office/drawing/2014/main" xmlns="" id="{5FD69DB8-23C3-4044-8A4D-4E92B22298C1}"/>
+                <a16:creationId xmlns:a16="http://schemas.microsoft.com/office/drawing/2014/main" id="{5FD69DB8-23C3-4044-8A4D-4E92B22298C1}"/>
               </a:ext>
             </a:extLst>
           </p:cNvPr>
@@ -3780,7 +3954,7 @@
           <p:cNvPr id="6" name="Content Placeholder 5">
             <a:extLst>
               <a:ext uri="{FF2B5EF4-FFF2-40B4-BE49-F238E27FC236}">
-                <a16:creationId xmlns:a16="http://schemas.microsoft.com/office/drawing/2014/main" xmlns="" id="{972B5D27-F40F-4F48-9993-561FC327DB43}"/>
+                <a16:creationId xmlns:a16="http://schemas.microsoft.com/office/drawing/2014/main" id="{972B5D27-F40F-4F48-9993-561FC327DB43}"/>
               </a:ext>
             </a:extLst>
           </p:cNvPr>
@@ -3842,7 +4016,7 @@
           <p:cNvPr id="7" name="Date Placeholder 6">
             <a:extLst>
               <a:ext uri="{FF2B5EF4-FFF2-40B4-BE49-F238E27FC236}">
-                <a16:creationId xmlns:a16="http://schemas.microsoft.com/office/drawing/2014/main" xmlns="" id="{B8D72A2F-6C03-4AA2-8675-A62997A1F179}"/>
+                <a16:creationId xmlns:a16="http://schemas.microsoft.com/office/drawing/2014/main" id="{B8D72A2F-6C03-4AA2-8675-A62997A1F179}"/>
               </a:ext>
             </a:extLst>
           </p:cNvPr>
@@ -3861,7 +4035,7 @@
             <a:fld id="{B8159077-EF48-40E3-BF6E-366926B30A93}" type="datetimeFigureOut">
               <a:rPr lang="en-US" smtClean="0"/>
               <a:pPr/>
-              <a:t>11/13/2018</a:t>
+              <a:t>11/14/2018</a:t>
             </a:fld>
             <a:endParaRPr lang="en-US"/>
           </a:p>
@@ -3872,7 +4046,7 @@
           <p:cNvPr id="8" name="Footer Placeholder 7">
             <a:extLst>
               <a:ext uri="{FF2B5EF4-FFF2-40B4-BE49-F238E27FC236}">
-                <a16:creationId xmlns:a16="http://schemas.microsoft.com/office/drawing/2014/main" xmlns="" id="{C7FA0448-C108-4A98-BC11-71C694972BB9}"/>
+                <a16:creationId xmlns:a16="http://schemas.microsoft.com/office/drawing/2014/main" id="{C7FA0448-C108-4A98-BC11-71C694972BB9}"/>
               </a:ext>
             </a:extLst>
           </p:cNvPr>
@@ -3897,7 +4071,7 @@
           <p:cNvPr id="9" name="Slide Number Placeholder 8">
             <a:extLst>
               <a:ext uri="{FF2B5EF4-FFF2-40B4-BE49-F238E27FC236}">
-                <a16:creationId xmlns:a16="http://schemas.microsoft.com/office/drawing/2014/main" xmlns="" id="{907E1CB1-297A-48F9-BF2F-D32F99F4D530}"/>
+                <a16:creationId xmlns:a16="http://schemas.microsoft.com/office/drawing/2014/main" id="{907E1CB1-297A-48F9-BF2F-D32F99F4D530}"/>
               </a:ext>
             </a:extLst>
           </p:cNvPr>
@@ -3925,7 +4099,7 @@
     </p:spTree>
     <p:extLst>
       <p:ext uri="{BB962C8B-B14F-4D97-AF65-F5344CB8AC3E}">
-        <p14:creationId xmlns:p14="http://schemas.microsoft.com/office/powerpoint/2010/main" xmlns="" val="3574849597"/>
+        <p14:creationId xmlns:p14="http://schemas.microsoft.com/office/powerpoint/2010/main" val="3574849597"/>
       </p:ext>
     </p:extLst>
   </p:cSld>
@@ -3957,7 +4131,7 @@
           <p:cNvPr id="2" name="Title 1">
             <a:extLst>
               <a:ext uri="{FF2B5EF4-FFF2-40B4-BE49-F238E27FC236}">
-                <a16:creationId xmlns:a16="http://schemas.microsoft.com/office/drawing/2014/main" xmlns="" id="{F9252D30-D733-4779-B79D-EED11F294B48}"/>
+                <a16:creationId xmlns:a16="http://schemas.microsoft.com/office/drawing/2014/main" id="{F9252D30-D733-4779-B79D-EED11F294B48}"/>
               </a:ext>
             </a:extLst>
           </p:cNvPr>
@@ -3985,7 +4159,7 @@
           <p:cNvPr id="3" name="Date Placeholder 2">
             <a:extLst>
               <a:ext uri="{FF2B5EF4-FFF2-40B4-BE49-F238E27FC236}">
-                <a16:creationId xmlns:a16="http://schemas.microsoft.com/office/drawing/2014/main" xmlns="" id="{36388E6C-E68D-48B1-ADCE-523903DA4557}"/>
+                <a16:creationId xmlns:a16="http://schemas.microsoft.com/office/drawing/2014/main" id="{36388E6C-E68D-48B1-ADCE-523903DA4557}"/>
               </a:ext>
             </a:extLst>
           </p:cNvPr>
@@ -4004,7 +4178,7 @@
             <a:fld id="{B8159077-EF48-40E3-BF6E-366926B30A93}" type="datetimeFigureOut">
               <a:rPr lang="en-US" smtClean="0"/>
               <a:pPr/>
-              <a:t>11/13/2018</a:t>
+              <a:t>11/14/2018</a:t>
             </a:fld>
             <a:endParaRPr lang="en-US"/>
           </a:p>
@@ -4015,7 +4189,7 @@
           <p:cNvPr id="4" name="Footer Placeholder 3">
             <a:extLst>
               <a:ext uri="{FF2B5EF4-FFF2-40B4-BE49-F238E27FC236}">
-                <a16:creationId xmlns:a16="http://schemas.microsoft.com/office/drawing/2014/main" xmlns="" id="{E709D5ED-193F-47A7-86C6-BA079964B35E}"/>
+                <a16:creationId xmlns:a16="http://schemas.microsoft.com/office/drawing/2014/main" id="{E709D5ED-193F-47A7-86C6-BA079964B35E}"/>
               </a:ext>
             </a:extLst>
           </p:cNvPr>
@@ -4040,7 +4214,7 @@
           <p:cNvPr id="5" name="Slide Number Placeholder 4">
             <a:extLst>
               <a:ext uri="{FF2B5EF4-FFF2-40B4-BE49-F238E27FC236}">
-                <a16:creationId xmlns:a16="http://schemas.microsoft.com/office/drawing/2014/main" xmlns="" id="{C51EF39B-32C5-4504-9D3C-C73B01918821}"/>
+                <a16:creationId xmlns:a16="http://schemas.microsoft.com/office/drawing/2014/main" id="{C51EF39B-32C5-4504-9D3C-C73B01918821}"/>
               </a:ext>
             </a:extLst>
           </p:cNvPr>
@@ -4068,7 +4242,7 @@
     </p:spTree>
     <p:extLst>
       <p:ext uri="{BB962C8B-B14F-4D97-AF65-F5344CB8AC3E}">
-        <p14:creationId xmlns:p14="http://schemas.microsoft.com/office/powerpoint/2010/main" xmlns="" val="579114760"/>
+        <p14:creationId xmlns:p14="http://schemas.microsoft.com/office/powerpoint/2010/main" val="579114760"/>
       </p:ext>
     </p:extLst>
   </p:cSld>
@@ -4100,7 +4274,7 @@
           <p:cNvPr id="2" name="Date Placeholder 1">
             <a:extLst>
               <a:ext uri="{FF2B5EF4-FFF2-40B4-BE49-F238E27FC236}">
-                <a16:creationId xmlns:a16="http://schemas.microsoft.com/office/drawing/2014/main" xmlns="" id="{49830188-1AC2-484C-9F53-B1C7CB88FB75}"/>
+                <a16:creationId xmlns:a16="http://schemas.microsoft.com/office/drawing/2014/main" id="{49830188-1AC2-484C-9F53-B1C7CB88FB75}"/>
               </a:ext>
             </a:extLst>
           </p:cNvPr>
@@ -4119,7 +4293,7 @@
             <a:fld id="{B8159077-EF48-40E3-BF6E-366926B30A93}" type="datetimeFigureOut">
               <a:rPr lang="en-US" smtClean="0"/>
               <a:pPr/>
-              <a:t>11/13/2018</a:t>
+              <a:t>11/14/2018</a:t>
             </a:fld>
             <a:endParaRPr lang="en-US"/>
           </a:p>
@@ -4130,7 +4304,7 @@
           <p:cNvPr id="3" name="Footer Placeholder 2">
             <a:extLst>
               <a:ext uri="{FF2B5EF4-FFF2-40B4-BE49-F238E27FC236}">
-                <a16:creationId xmlns:a16="http://schemas.microsoft.com/office/drawing/2014/main" xmlns="" id="{8A333681-69BB-45B2-9377-67BC523A119F}"/>
+                <a16:creationId xmlns:a16="http://schemas.microsoft.com/office/drawing/2014/main" id="{8A333681-69BB-45B2-9377-67BC523A119F}"/>
               </a:ext>
             </a:extLst>
           </p:cNvPr>
@@ -4155,7 +4329,7 @@
           <p:cNvPr id="4" name="Slide Number Placeholder 3">
             <a:extLst>
               <a:ext uri="{FF2B5EF4-FFF2-40B4-BE49-F238E27FC236}">
-                <a16:creationId xmlns:a16="http://schemas.microsoft.com/office/drawing/2014/main" xmlns="" id="{8EDB1A5F-A319-4FCA-B8EB-7506ACFB7C78}"/>
+                <a16:creationId xmlns:a16="http://schemas.microsoft.com/office/drawing/2014/main" id="{8EDB1A5F-A319-4FCA-B8EB-7506ACFB7C78}"/>
               </a:ext>
             </a:extLst>
           </p:cNvPr>
@@ -4183,7 +4357,7 @@
     </p:spTree>
     <p:extLst>
       <p:ext uri="{BB962C8B-B14F-4D97-AF65-F5344CB8AC3E}">
-        <p14:creationId xmlns:p14="http://schemas.microsoft.com/office/powerpoint/2010/main" xmlns="" val="209110672"/>
+        <p14:creationId xmlns:p14="http://schemas.microsoft.com/office/powerpoint/2010/main" val="209110672"/>
       </p:ext>
     </p:extLst>
   </p:cSld>
@@ -4215,7 +4389,7 @@
           <p:cNvPr id="2" name="Title 1">
             <a:extLst>
               <a:ext uri="{FF2B5EF4-FFF2-40B4-BE49-F238E27FC236}">
-                <a16:creationId xmlns:a16="http://schemas.microsoft.com/office/drawing/2014/main" xmlns="" id="{70C55B79-F8B8-4759-9FBD-205D80AEA9D8}"/>
+                <a16:creationId xmlns:a16="http://schemas.microsoft.com/office/drawing/2014/main" id="{70C55B79-F8B8-4759-9FBD-205D80AEA9D8}"/>
               </a:ext>
             </a:extLst>
           </p:cNvPr>
@@ -4252,7 +4426,7 @@
           <p:cNvPr id="3" name="Content Placeholder 2">
             <a:extLst>
               <a:ext uri="{FF2B5EF4-FFF2-40B4-BE49-F238E27FC236}">
-                <a16:creationId xmlns:a16="http://schemas.microsoft.com/office/drawing/2014/main" xmlns="" id="{83882243-0F38-4450-B420-7132E7BE7154}"/>
+                <a16:creationId xmlns:a16="http://schemas.microsoft.com/office/drawing/2014/main" id="{83882243-0F38-4450-B420-7132E7BE7154}"/>
               </a:ext>
             </a:extLst>
           </p:cNvPr>
@@ -4342,7 +4516,7 @@
           <p:cNvPr id="4" name="Text Placeholder 3">
             <a:extLst>
               <a:ext uri="{FF2B5EF4-FFF2-40B4-BE49-F238E27FC236}">
-                <a16:creationId xmlns:a16="http://schemas.microsoft.com/office/drawing/2014/main" xmlns="" id="{CC23093D-A8BF-4001-8391-24DB2CD7FC43}"/>
+                <a16:creationId xmlns:a16="http://schemas.microsoft.com/office/drawing/2014/main" id="{CC23093D-A8BF-4001-8391-24DB2CD7FC43}"/>
               </a:ext>
             </a:extLst>
           </p:cNvPr>
@@ -4413,7 +4587,7 @@
           <p:cNvPr id="5" name="Date Placeholder 4">
             <a:extLst>
               <a:ext uri="{FF2B5EF4-FFF2-40B4-BE49-F238E27FC236}">
-                <a16:creationId xmlns:a16="http://schemas.microsoft.com/office/drawing/2014/main" xmlns="" id="{56A90E2D-DC24-4359-8EB7-DD8EAA19B655}"/>
+                <a16:creationId xmlns:a16="http://schemas.microsoft.com/office/drawing/2014/main" id="{56A90E2D-DC24-4359-8EB7-DD8EAA19B655}"/>
               </a:ext>
             </a:extLst>
           </p:cNvPr>
@@ -4432,7 +4606,7 @@
             <a:fld id="{B8159077-EF48-40E3-BF6E-366926B30A93}" type="datetimeFigureOut">
               <a:rPr lang="en-US" smtClean="0"/>
               <a:pPr/>
-              <a:t>11/13/2018</a:t>
+              <a:t>11/14/2018</a:t>
             </a:fld>
             <a:endParaRPr lang="en-US"/>
           </a:p>
@@ -4443,7 +4617,7 @@
           <p:cNvPr id="6" name="Footer Placeholder 5">
             <a:extLst>
               <a:ext uri="{FF2B5EF4-FFF2-40B4-BE49-F238E27FC236}">
-                <a16:creationId xmlns:a16="http://schemas.microsoft.com/office/drawing/2014/main" xmlns="" id="{79DA5AB0-20EC-4A87-B765-F369816EDAB6}"/>
+                <a16:creationId xmlns:a16="http://schemas.microsoft.com/office/drawing/2014/main" id="{79DA5AB0-20EC-4A87-B765-F369816EDAB6}"/>
               </a:ext>
             </a:extLst>
           </p:cNvPr>
@@ -4468,7 +4642,7 @@
           <p:cNvPr id="7" name="Slide Number Placeholder 6">
             <a:extLst>
               <a:ext uri="{FF2B5EF4-FFF2-40B4-BE49-F238E27FC236}">
-                <a16:creationId xmlns:a16="http://schemas.microsoft.com/office/drawing/2014/main" xmlns="" id="{952F5AE5-E610-4F52-8B1F-CC450BDE23A4}"/>
+                <a16:creationId xmlns:a16="http://schemas.microsoft.com/office/drawing/2014/main" id="{952F5AE5-E610-4F52-8B1F-CC450BDE23A4}"/>
               </a:ext>
             </a:extLst>
           </p:cNvPr>
@@ -4496,7 +4670,7 @@
     </p:spTree>
     <p:extLst>
       <p:ext uri="{BB962C8B-B14F-4D97-AF65-F5344CB8AC3E}">
-        <p14:creationId xmlns:p14="http://schemas.microsoft.com/office/powerpoint/2010/main" xmlns="" val="3132102381"/>
+        <p14:creationId xmlns:p14="http://schemas.microsoft.com/office/powerpoint/2010/main" val="3132102381"/>
       </p:ext>
     </p:extLst>
   </p:cSld>
@@ -4528,7 +4702,7 @@
           <p:cNvPr id="2" name="Title 1">
             <a:extLst>
               <a:ext uri="{FF2B5EF4-FFF2-40B4-BE49-F238E27FC236}">
-                <a16:creationId xmlns:a16="http://schemas.microsoft.com/office/drawing/2014/main" xmlns="" id="{8B92E141-FE3E-4AF1-BC37-7F56A0CE766F}"/>
+                <a16:creationId xmlns:a16="http://schemas.microsoft.com/office/drawing/2014/main" id="{8B92E141-FE3E-4AF1-BC37-7F56A0CE766F}"/>
               </a:ext>
             </a:extLst>
           </p:cNvPr>
@@ -4565,7 +4739,7 @@
           <p:cNvPr id="3" name="Picture Placeholder 2">
             <a:extLst>
               <a:ext uri="{FF2B5EF4-FFF2-40B4-BE49-F238E27FC236}">
-                <a16:creationId xmlns:a16="http://schemas.microsoft.com/office/drawing/2014/main" xmlns="" id="{D5D1CE18-F9BD-41B4-8056-E22AEEF6D3A1}"/>
+                <a16:creationId xmlns:a16="http://schemas.microsoft.com/office/drawing/2014/main" id="{D5D1CE18-F9BD-41B4-8056-E22AEEF6D3A1}"/>
               </a:ext>
             </a:extLst>
           </p:cNvPr>
@@ -4632,7 +4806,7 @@
           <p:cNvPr id="4" name="Text Placeholder 3">
             <a:extLst>
               <a:ext uri="{FF2B5EF4-FFF2-40B4-BE49-F238E27FC236}">
-                <a16:creationId xmlns:a16="http://schemas.microsoft.com/office/drawing/2014/main" xmlns="" id="{8B2DB4DA-BA72-424A-845C-3E305D36B41E}"/>
+                <a16:creationId xmlns:a16="http://schemas.microsoft.com/office/drawing/2014/main" id="{8B2DB4DA-BA72-424A-845C-3E305D36B41E}"/>
               </a:ext>
             </a:extLst>
           </p:cNvPr>
@@ -4703,7 +4877,7 @@
           <p:cNvPr id="5" name="Date Placeholder 4">
             <a:extLst>
               <a:ext uri="{FF2B5EF4-FFF2-40B4-BE49-F238E27FC236}">
-                <a16:creationId xmlns:a16="http://schemas.microsoft.com/office/drawing/2014/main" xmlns="" id="{9E0F6947-54BB-40F7-85A7-2EB72C1BEAE8}"/>
+                <a16:creationId xmlns:a16="http://schemas.microsoft.com/office/drawing/2014/main" id="{9E0F6947-54BB-40F7-85A7-2EB72C1BEAE8}"/>
               </a:ext>
             </a:extLst>
           </p:cNvPr>
@@ -4722,7 +4896,7 @@
             <a:fld id="{B8159077-EF48-40E3-BF6E-366926B30A93}" type="datetimeFigureOut">
               <a:rPr lang="en-US" smtClean="0"/>
               <a:pPr/>
-              <a:t>11/13/2018</a:t>
+              <a:t>11/14/2018</a:t>
             </a:fld>
             <a:endParaRPr lang="en-US"/>
           </a:p>
@@ -4733,7 +4907,7 @@
           <p:cNvPr id="6" name="Footer Placeholder 5">
             <a:extLst>
               <a:ext uri="{FF2B5EF4-FFF2-40B4-BE49-F238E27FC236}">
-                <a16:creationId xmlns:a16="http://schemas.microsoft.com/office/drawing/2014/main" xmlns="" id="{AFA4069D-0CC7-4B93-8DF5-3B1D962E47A6}"/>
+                <a16:creationId xmlns:a16="http://schemas.microsoft.com/office/drawing/2014/main" id="{AFA4069D-0CC7-4B93-8DF5-3B1D962E47A6}"/>
               </a:ext>
             </a:extLst>
           </p:cNvPr>
@@ -4758,7 +4932,7 @@
           <p:cNvPr id="7" name="Slide Number Placeholder 6">
             <a:extLst>
               <a:ext uri="{FF2B5EF4-FFF2-40B4-BE49-F238E27FC236}">
-                <a16:creationId xmlns:a16="http://schemas.microsoft.com/office/drawing/2014/main" xmlns="" id="{74BC649E-CEE5-4CE0-9B43-09D802EFB90F}"/>
+                <a16:creationId xmlns:a16="http://schemas.microsoft.com/office/drawing/2014/main" id="{74BC649E-CEE5-4CE0-9B43-09D802EFB90F}"/>
               </a:ext>
             </a:extLst>
           </p:cNvPr>
@@ -4786,7 +4960,7 @@
     </p:spTree>
     <p:extLst>
       <p:ext uri="{BB962C8B-B14F-4D97-AF65-F5344CB8AC3E}">
-        <p14:creationId xmlns:p14="http://schemas.microsoft.com/office/powerpoint/2010/main" xmlns="" val="3685579883"/>
+        <p14:creationId xmlns:p14="http://schemas.microsoft.com/office/powerpoint/2010/main" val="3685579883"/>
       </p:ext>
     </p:extLst>
   </p:cSld>
@@ -4823,7 +4997,7 @@
           <p:cNvPr id="2" name="Title Placeholder 1">
             <a:extLst>
               <a:ext uri="{FF2B5EF4-FFF2-40B4-BE49-F238E27FC236}">
-                <a16:creationId xmlns:a16="http://schemas.microsoft.com/office/drawing/2014/main" xmlns="" id="{93167B93-6A4A-48BB-9AAF-6A6950557AEF}"/>
+                <a16:creationId xmlns:a16="http://schemas.microsoft.com/office/drawing/2014/main" id="{93167B93-6A4A-48BB-9AAF-6A6950557AEF}"/>
               </a:ext>
             </a:extLst>
           </p:cNvPr>
@@ -4861,7 +5035,7 @@
           <p:cNvPr id="3" name="Text Placeholder 2">
             <a:extLst>
               <a:ext uri="{FF2B5EF4-FFF2-40B4-BE49-F238E27FC236}">
-                <a16:creationId xmlns:a16="http://schemas.microsoft.com/office/drawing/2014/main" xmlns="" id="{C8681EC6-9512-483B-BA61-30A00B970F39}"/>
+                <a16:creationId xmlns:a16="http://schemas.microsoft.com/office/drawing/2014/main" id="{C8681EC6-9512-483B-BA61-30A00B970F39}"/>
               </a:ext>
             </a:extLst>
           </p:cNvPr>
@@ -4928,7 +5102,7 @@
           <p:cNvPr id="4" name="Date Placeholder 3">
             <a:extLst>
               <a:ext uri="{FF2B5EF4-FFF2-40B4-BE49-F238E27FC236}">
-                <a16:creationId xmlns:a16="http://schemas.microsoft.com/office/drawing/2014/main" xmlns="" id="{D3A290A6-5736-4CB6-A19C-DC4230F932F1}"/>
+                <a16:creationId xmlns:a16="http://schemas.microsoft.com/office/drawing/2014/main" id="{D3A290A6-5736-4CB6-A19C-DC4230F932F1}"/>
               </a:ext>
             </a:extLst>
           </p:cNvPr>
@@ -4965,7 +5139,7 @@
             <a:fld id="{B8159077-EF48-40E3-BF6E-366926B30A93}" type="datetimeFigureOut">
               <a:rPr lang="en-US" smtClean="0"/>
               <a:pPr/>
-              <a:t>11/13/2018</a:t>
+              <a:t>11/14/2018</a:t>
             </a:fld>
             <a:endParaRPr lang="en-US"/>
           </a:p>
@@ -4976,7 +5150,7 @@
           <p:cNvPr id="5" name="Footer Placeholder 4">
             <a:extLst>
               <a:ext uri="{FF2B5EF4-FFF2-40B4-BE49-F238E27FC236}">
-                <a16:creationId xmlns:a16="http://schemas.microsoft.com/office/drawing/2014/main" xmlns="" id="{22EBE582-B1AB-4666-997A-F36EB63FD8D6}"/>
+                <a16:creationId xmlns:a16="http://schemas.microsoft.com/office/drawing/2014/main" id="{22EBE582-B1AB-4666-997A-F36EB63FD8D6}"/>
               </a:ext>
             </a:extLst>
           </p:cNvPr>
@@ -5019,7 +5193,7 @@
           <p:cNvPr id="6" name="Slide Number Placeholder 5">
             <a:extLst>
               <a:ext uri="{FF2B5EF4-FFF2-40B4-BE49-F238E27FC236}">
-                <a16:creationId xmlns:a16="http://schemas.microsoft.com/office/drawing/2014/main" xmlns="" id="{77B13510-3D74-470C-BD4E-4623587E12E3}"/>
+                <a16:creationId xmlns:a16="http://schemas.microsoft.com/office/drawing/2014/main" id="{77B13510-3D74-470C-BD4E-4623587E12E3}"/>
               </a:ext>
             </a:extLst>
           </p:cNvPr>
@@ -5067,7 +5241,7 @@
           <p:cNvPr id="7" name="Rectangle 6">
             <a:extLst>
               <a:ext uri="{FF2B5EF4-FFF2-40B4-BE49-F238E27FC236}">
-                <a16:creationId xmlns:a16="http://schemas.microsoft.com/office/drawing/2014/main" xmlns="" id="{0ABD61A2-ECDD-4A5C-8B2C-67D04DF1A4F8}"/>
+                <a16:creationId xmlns:a16="http://schemas.microsoft.com/office/drawing/2014/main" id="{0ABD61A2-ECDD-4A5C-8B2C-67D04DF1A4F8}"/>
               </a:ext>
             </a:extLst>
           </p:cNvPr>
@@ -5109,7 +5283,7 @@
           <p:cNvPr id="8" name="Rectangle 7">
             <a:extLst>
               <a:ext uri="{FF2B5EF4-FFF2-40B4-BE49-F238E27FC236}">
-                <a16:creationId xmlns:a16="http://schemas.microsoft.com/office/drawing/2014/main" xmlns="" id="{B8ECBD3F-E3E0-4AF7-9498-072C80E24DAF}"/>
+                <a16:creationId xmlns:a16="http://schemas.microsoft.com/office/drawing/2014/main" id="{B8ECBD3F-E3E0-4AF7-9498-072C80E24DAF}"/>
               </a:ext>
             </a:extLst>
           </p:cNvPr>
@@ -5151,7 +5325,7 @@
     </p:spTree>
     <p:extLst>
       <p:ext uri="{BB962C8B-B14F-4D97-AF65-F5344CB8AC3E}">
-        <p14:creationId xmlns:p14="http://schemas.microsoft.com/office/powerpoint/2010/main" xmlns="" val="2651013160"/>
+        <p14:creationId xmlns:p14="http://schemas.microsoft.com/office/powerpoint/2010/main" val="2651013160"/>
       </p:ext>
     </p:extLst>
   </p:cSld>
@@ -5474,7 +5648,7 @@
           <p:cNvPr id="2" name="Title 1">
             <a:extLst>
               <a:ext uri="{FF2B5EF4-FFF2-40B4-BE49-F238E27FC236}">
-                <a16:creationId xmlns:a16="http://schemas.microsoft.com/office/drawing/2014/main" xmlns="" id="{67B1F4F5-F0B9-4D17-9B31-DE22B611FFFE}"/>
+                <a16:creationId xmlns:a16="http://schemas.microsoft.com/office/drawing/2014/main" id="{67B1F4F5-F0B9-4D17-9B31-DE22B611FFFE}"/>
               </a:ext>
             </a:extLst>
           </p:cNvPr>
@@ -5508,7 +5682,7 @@
           <p:cNvPr id="3" name="Subtitle 2">
             <a:extLst>
               <a:ext uri="{FF2B5EF4-FFF2-40B4-BE49-F238E27FC236}">
-                <a16:creationId xmlns:a16="http://schemas.microsoft.com/office/drawing/2014/main" xmlns="" id="{B3F7542E-6F3A-4349-99DB-1F21ABC8470C}"/>
+                <a16:creationId xmlns:a16="http://schemas.microsoft.com/office/drawing/2014/main" id="{B3F7542E-6F3A-4349-99DB-1F21ABC8470C}"/>
               </a:ext>
             </a:extLst>
           </p:cNvPr>
@@ -5539,7 +5713,7 @@
           <p:cNvPr id="4" name="Picture 3">
             <a:extLst>
               <a:ext uri="{FF2B5EF4-FFF2-40B4-BE49-F238E27FC236}">
-                <a16:creationId xmlns:a16="http://schemas.microsoft.com/office/drawing/2014/main" xmlns="" id="{72CB8E91-B469-4BBE-8EE8-56242C4C092C}"/>
+                <a16:creationId xmlns:a16="http://schemas.microsoft.com/office/drawing/2014/main" id="{72CB8E91-B469-4BBE-8EE8-56242C4C092C}"/>
               </a:ext>
             </a:extLst>
           </p:cNvPr>
@@ -5567,7 +5741,7 @@
     </p:spTree>
     <p:extLst>
       <p:ext uri="{BB962C8B-B14F-4D97-AF65-F5344CB8AC3E}">
-        <p14:creationId xmlns:p14="http://schemas.microsoft.com/office/powerpoint/2010/main" xmlns="" val="108172572"/>
+        <p14:creationId xmlns:p14="http://schemas.microsoft.com/office/powerpoint/2010/main" val="108172572"/>
       </p:ext>
     </p:extLst>
   </p:cSld>
@@ -5599,7 +5773,7 @@
           <p:cNvPr id="2" name="Title 1">
             <a:extLst>
               <a:ext uri="{FF2B5EF4-FFF2-40B4-BE49-F238E27FC236}">
-                <a16:creationId xmlns:a16="http://schemas.microsoft.com/office/drawing/2014/main" xmlns="" id="{D7C84779-5F93-4DCC-86DF-8D79DEAEC374}"/>
+                <a16:creationId xmlns:a16="http://schemas.microsoft.com/office/drawing/2014/main" id="{D7C84779-5F93-4DCC-86DF-8D79DEAEC374}"/>
               </a:ext>
             </a:extLst>
           </p:cNvPr>
@@ -5628,7 +5802,7 @@
           <p:cNvPr id="9" name="Rectangle 8">
             <a:extLst>
               <a:ext uri="{FF2B5EF4-FFF2-40B4-BE49-F238E27FC236}">
-                <a16:creationId xmlns:a16="http://schemas.microsoft.com/office/drawing/2014/main" xmlns="" id="{09DF8025-61D7-487E-B878-BECE556123CE}"/>
+                <a16:creationId xmlns:a16="http://schemas.microsoft.com/office/drawing/2014/main" id="{09DF8025-61D7-487E-B878-BECE556123CE}"/>
               </a:ext>
             </a:extLst>
           </p:cNvPr>
@@ -5726,7 +5900,7 @@
               <a:buChar char="•"/>
             </a:pPr>
             <a:r>
-              <a:rPr lang="en-US" altLang="zh-CN" sz="3200" dirty="0" smtClean="0"/>
+              <a:rPr lang="en-US" altLang="zh-CN" sz="3200" dirty="0"/>
               <a:t>Buffer</a:t>
             </a:r>
             <a:r>
@@ -5750,7 +5924,7 @@
               <a:t>或者</a:t>
             </a:r>
             <a:r>
-              <a:rPr lang="en-US" altLang="zh-CN" sz="3200" dirty="0" smtClean="0"/>
+              <a:rPr lang="en-US" altLang="zh-CN" sz="3200" dirty="0"/>
               <a:t>Read</a:t>
             </a:r>
           </a:p>
@@ -5760,14 +5934,14 @@
               <a:buChar char="•"/>
             </a:pPr>
             <a:r>
-              <a:rPr lang="en-US" altLang="zh-CN" sz="3200" dirty="0" smtClean="0"/>
+              <a:rPr lang="en-US" altLang="zh-CN" sz="3200" dirty="0"/>
               <a:t>Channel </a:t>
             </a:r>
             <a:r>
-              <a:rPr lang="zh-CN" altLang="en-US" sz="3200" dirty="0" smtClean="0"/>
+              <a:rPr lang="zh-CN" altLang="en-US" sz="3200" dirty="0"/>
               <a:t>像消息队列</a:t>
             </a:r>
-            <a:endParaRPr lang="en-US" altLang="zh-CN" sz="3200" dirty="0" smtClean="0"/>
+            <a:endParaRPr lang="en-US" altLang="zh-CN" sz="3200" dirty="0"/>
           </a:p>
           <a:p>
             <a:pPr marL="514350" indent="-514350">
@@ -5847,7 +6021,7 @@
     </p:spTree>
     <p:extLst>
       <p:ext uri="{BB962C8B-B14F-4D97-AF65-F5344CB8AC3E}">
-        <p14:creationId xmlns:p14="http://schemas.microsoft.com/office/powerpoint/2010/main" xmlns="" val="1934937011"/>
+        <p14:creationId xmlns:p14="http://schemas.microsoft.com/office/powerpoint/2010/main" val="1934937011"/>
       </p:ext>
     </p:extLst>
   </p:cSld>
@@ -5879,7 +6053,7 @@
           <p:cNvPr id="2" name="Title 1">
             <a:extLst>
               <a:ext uri="{FF2B5EF4-FFF2-40B4-BE49-F238E27FC236}">
-                <a16:creationId xmlns:a16="http://schemas.microsoft.com/office/drawing/2014/main" xmlns="" id="{D7C84779-5F93-4DCC-86DF-8D79DEAEC374}"/>
+                <a16:creationId xmlns:a16="http://schemas.microsoft.com/office/drawing/2014/main" id="{D7C84779-5F93-4DCC-86DF-8D79DEAEC374}"/>
               </a:ext>
             </a:extLst>
           </p:cNvPr>
@@ -5912,7 +6086,7 @@
           <p:cNvPr id="9" name="Rectangle 8">
             <a:extLst>
               <a:ext uri="{FF2B5EF4-FFF2-40B4-BE49-F238E27FC236}">
-                <a16:creationId xmlns:a16="http://schemas.microsoft.com/office/drawing/2014/main" xmlns="" id="{09DF8025-61D7-487E-B878-BECE556123CE}"/>
+                <a16:creationId xmlns:a16="http://schemas.microsoft.com/office/drawing/2014/main" id="{09DF8025-61D7-487E-B878-BECE556123CE}"/>
               </a:ext>
             </a:extLst>
           </p:cNvPr>
@@ -6070,7 +6244,7 @@
     </p:spTree>
     <p:extLst>
       <p:ext uri="{BB962C8B-B14F-4D97-AF65-F5344CB8AC3E}">
-        <p14:creationId xmlns:p14="http://schemas.microsoft.com/office/powerpoint/2010/main" xmlns="" val="375138371"/>
+        <p14:creationId xmlns:p14="http://schemas.microsoft.com/office/powerpoint/2010/main" val="375138371"/>
       </p:ext>
     </p:extLst>
   </p:cSld>
@@ -6102,7 +6276,7 @@
           <p:cNvPr id="2" name="Title 1">
             <a:extLst>
               <a:ext uri="{FF2B5EF4-FFF2-40B4-BE49-F238E27FC236}">
-                <a16:creationId xmlns:a16="http://schemas.microsoft.com/office/drawing/2014/main" xmlns="" id="{D7C84779-5F93-4DCC-86DF-8D79DEAEC374}"/>
+                <a16:creationId xmlns:a16="http://schemas.microsoft.com/office/drawing/2014/main" id="{D7C84779-5F93-4DCC-86DF-8D79DEAEC374}"/>
               </a:ext>
             </a:extLst>
           </p:cNvPr>
@@ -6143,7 +6317,7 @@
           <p:cNvPr id="9" name="Rectangle 8">
             <a:extLst>
               <a:ext uri="{FF2B5EF4-FFF2-40B4-BE49-F238E27FC236}">
-                <a16:creationId xmlns:a16="http://schemas.microsoft.com/office/drawing/2014/main" xmlns="" id="{09DF8025-61D7-487E-B878-BECE556123CE}"/>
+                <a16:creationId xmlns:a16="http://schemas.microsoft.com/office/drawing/2014/main" id="{09DF8025-61D7-487E-B878-BECE556123CE}"/>
               </a:ext>
             </a:extLst>
           </p:cNvPr>
@@ -6298,7 +6472,7 @@
     </p:spTree>
     <p:extLst>
       <p:ext uri="{BB962C8B-B14F-4D97-AF65-F5344CB8AC3E}">
-        <p14:creationId xmlns:p14="http://schemas.microsoft.com/office/powerpoint/2010/main" xmlns="" val="375138371"/>
+        <p14:creationId xmlns:p14="http://schemas.microsoft.com/office/powerpoint/2010/main" val="375138371"/>
       </p:ext>
     </p:extLst>
   </p:cSld>
@@ -6330,7 +6504,7 @@
           <p:cNvPr id="2" name="Title 1">
             <a:extLst>
               <a:ext uri="{FF2B5EF4-FFF2-40B4-BE49-F238E27FC236}">
-                <a16:creationId xmlns:a16="http://schemas.microsoft.com/office/drawing/2014/main" xmlns="" id="{D7C84779-5F93-4DCC-86DF-8D79DEAEC374}"/>
+                <a16:creationId xmlns:a16="http://schemas.microsoft.com/office/drawing/2014/main" id="{D7C84779-5F93-4DCC-86DF-8D79DEAEC374}"/>
               </a:ext>
             </a:extLst>
           </p:cNvPr>
@@ -6391,7 +6565,7 @@
           <p:cNvPr id="9" name="Rectangle 8">
             <a:extLst>
               <a:ext uri="{FF2B5EF4-FFF2-40B4-BE49-F238E27FC236}">
-                <a16:creationId xmlns:a16="http://schemas.microsoft.com/office/drawing/2014/main" xmlns="" id="{09DF8025-61D7-487E-B878-BECE556123CE}"/>
+                <a16:creationId xmlns:a16="http://schemas.microsoft.com/office/drawing/2014/main" id="{09DF8025-61D7-487E-B878-BECE556123CE}"/>
               </a:ext>
             </a:extLst>
           </p:cNvPr>
@@ -6434,11 +6608,7 @@
             </a:pPr>
             <a:r>
               <a:rPr lang="en-US" altLang="zh-CN" sz="3200" dirty="0"/>
-              <a:t>1</a:t>
-            </a:r>
-            <a:r>
-              <a:rPr lang="en-US" altLang="zh-CN" sz="3200" dirty="0" smtClean="0"/>
-              <a:t> </a:t>
+              <a:t>1 </a:t>
             </a:r>
             <a:r>
               <a:rPr lang="zh-CN" altLang="en-US" sz="3200" dirty="0"/>
@@ -6455,18 +6625,17 @@
               <a:buAutoNum type="arabicPeriod"/>
             </a:pPr>
             <a:r>
-              <a:rPr lang="en-US" altLang="zh-CN" sz="3200" dirty="0" smtClean="0"/>
+              <a:rPr lang="en-US" altLang="zh-CN" sz="3200" dirty="0"/>
               <a:t>N</a:t>
             </a:r>
             <a:r>
-              <a:rPr lang="zh-CN" altLang="en-US" sz="3200" dirty="0" smtClean="0"/>
+              <a:rPr lang="zh-CN" altLang="en-US" sz="3200" dirty="0"/>
               <a:t>个</a:t>
             </a:r>
             <a:r>
-              <a:rPr lang="en-US" altLang="zh-CN" sz="3200" dirty="0" smtClean="0"/>
+              <a:rPr lang="en-US" altLang="zh-CN" sz="3200" dirty="0"/>
               <a:t>Reader</a:t>
             </a:r>
-            <a:endParaRPr lang="en-US" altLang="zh-CN" sz="3200" dirty="0"/>
           </a:p>
           <a:p>
             <a:pPr marL="514350" indent="-514350">
@@ -6599,7 +6768,7 @@
     </p:spTree>
     <p:extLst>
       <p:ext uri="{BB962C8B-B14F-4D97-AF65-F5344CB8AC3E}">
-        <p14:creationId xmlns:p14="http://schemas.microsoft.com/office/powerpoint/2010/main" xmlns="" val="375138371"/>
+        <p14:creationId xmlns:p14="http://schemas.microsoft.com/office/powerpoint/2010/main" val="375138371"/>
       </p:ext>
     </p:extLst>
   </p:cSld>
@@ -6631,7 +6800,7 @@
           <p:cNvPr id="2" name="Title 1">
             <a:extLst>
               <a:ext uri="{FF2B5EF4-FFF2-40B4-BE49-F238E27FC236}">
-                <a16:creationId xmlns:a16="http://schemas.microsoft.com/office/drawing/2014/main" xmlns="" id="{D7C84779-5F93-4DCC-86DF-8D79DEAEC374}"/>
+                <a16:creationId xmlns:a16="http://schemas.microsoft.com/office/drawing/2014/main" id="{D7C84779-5F93-4DCC-86DF-8D79DEAEC374}"/>
               </a:ext>
             </a:extLst>
           </p:cNvPr>
@@ -6692,7 +6861,7 @@
           <p:cNvPr id="9" name="Rectangle 8">
             <a:extLst>
               <a:ext uri="{FF2B5EF4-FFF2-40B4-BE49-F238E27FC236}">
-                <a16:creationId xmlns:a16="http://schemas.microsoft.com/office/drawing/2014/main" xmlns="" id="{09DF8025-61D7-487E-B878-BECE556123CE}"/>
+                <a16:creationId xmlns:a16="http://schemas.microsoft.com/office/drawing/2014/main" id="{09DF8025-61D7-487E-B878-BECE556123CE}"/>
               </a:ext>
             </a:extLst>
           </p:cNvPr>
@@ -6936,7 +7105,7 @@
     </p:spTree>
     <p:extLst>
       <p:ext uri="{BB962C8B-B14F-4D97-AF65-F5344CB8AC3E}">
-        <p14:creationId xmlns:p14="http://schemas.microsoft.com/office/powerpoint/2010/main" xmlns="" val="375138371"/>
+        <p14:creationId xmlns:p14="http://schemas.microsoft.com/office/powerpoint/2010/main" val="375138371"/>
       </p:ext>
     </p:extLst>
   </p:cSld>
@@ -6968,7 +7137,7 @@
           <p:cNvPr id="2" name="Title 1">
             <a:extLst>
               <a:ext uri="{FF2B5EF4-FFF2-40B4-BE49-F238E27FC236}">
-                <a16:creationId xmlns:a16="http://schemas.microsoft.com/office/drawing/2014/main" xmlns="" id="{D7C84779-5F93-4DCC-86DF-8D79DEAEC374}"/>
+                <a16:creationId xmlns:a16="http://schemas.microsoft.com/office/drawing/2014/main" id="{D7C84779-5F93-4DCC-86DF-8D79DEAEC374}"/>
               </a:ext>
             </a:extLst>
           </p:cNvPr>
@@ -6994,11 +7163,7 @@
             </a:r>
             <a:r>
               <a:rPr lang="en-US" altLang="zh-CN" dirty="0"/>
-              <a:t>Channel – </a:t>
-            </a:r>
-            <a:r>
-              <a:rPr lang="en-US" altLang="zh-CN" dirty="0" smtClean="0"/>
-              <a:t>Random or Race</a:t>
+              <a:t>Channel – Random or Race</a:t>
             </a:r>
             <a:endParaRPr lang="en-US" dirty="0"/>
           </a:p>
@@ -7009,7 +7174,7 @@
           <p:cNvPr id="9" name="Rectangle 8">
             <a:extLst>
               <a:ext uri="{FF2B5EF4-FFF2-40B4-BE49-F238E27FC236}">
-                <a16:creationId xmlns:a16="http://schemas.microsoft.com/office/drawing/2014/main" xmlns="" id="{09DF8025-61D7-487E-B878-BECE556123CE}"/>
+                <a16:creationId xmlns:a16="http://schemas.microsoft.com/office/drawing/2014/main" id="{09DF8025-61D7-487E-B878-BECE556123CE}"/>
               </a:ext>
             </a:extLst>
           </p:cNvPr>
@@ -7195,7 +7360,7 @@
     </p:spTree>
     <p:extLst>
       <p:ext uri="{BB962C8B-B14F-4D97-AF65-F5344CB8AC3E}">
-        <p14:creationId xmlns:p14="http://schemas.microsoft.com/office/powerpoint/2010/main" xmlns="" val="3308199554"/>
+        <p14:creationId xmlns:p14="http://schemas.microsoft.com/office/powerpoint/2010/main" val="3308199554"/>
       </p:ext>
     </p:extLst>
   </p:cSld>
@@ -7227,7 +7392,7 @@
           <p:cNvPr id="2" name="Title 1">
             <a:extLst>
               <a:ext uri="{FF2B5EF4-FFF2-40B4-BE49-F238E27FC236}">
-                <a16:creationId xmlns:a16="http://schemas.microsoft.com/office/drawing/2014/main" xmlns="" id="{D7C84779-5F93-4DCC-86DF-8D79DEAEC374}"/>
+                <a16:creationId xmlns:a16="http://schemas.microsoft.com/office/drawing/2014/main" id="{D7C84779-5F93-4DCC-86DF-8D79DEAEC374}"/>
               </a:ext>
             </a:extLst>
           </p:cNvPr>
@@ -7264,7 +7429,7 @@
           <p:cNvPr id="9" name="Rectangle 8">
             <a:extLst>
               <a:ext uri="{FF2B5EF4-FFF2-40B4-BE49-F238E27FC236}">
-                <a16:creationId xmlns:a16="http://schemas.microsoft.com/office/drawing/2014/main" xmlns="" id="{09DF8025-61D7-487E-B878-BECE556123CE}"/>
+                <a16:creationId xmlns:a16="http://schemas.microsoft.com/office/drawing/2014/main" id="{09DF8025-61D7-487E-B878-BECE556123CE}"/>
               </a:ext>
             </a:extLst>
           </p:cNvPr>
@@ -7311,7 +7476,7 @@
           <p:cNvPr id="6" name="Picture 5">
             <a:extLst>
               <a:ext uri="{FF2B5EF4-FFF2-40B4-BE49-F238E27FC236}">
-                <a16:creationId xmlns:a16="http://schemas.microsoft.com/office/drawing/2014/main" xmlns="" id="{803B6F91-4E64-444F-A565-D062A84CD754}"/>
+                <a16:creationId xmlns:a16="http://schemas.microsoft.com/office/drawing/2014/main" id="{803B6F91-4E64-444F-A565-D062A84CD754}"/>
               </a:ext>
             </a:extLst>
           </p:cNvPr>
@@ -7339,7 +7504,7 @@
     </p:spTree>
     <p:extLst>
       <p:ext uri="{BB962C8B-B14F-4D97-AF65-F5344CB8AC3E}">
-        <p14:creationId xmlns:p14="http://schemas.microsoft.com/office/powerpoint/2010/main" xmlns="" val="2622786567"/>
+        <p14:creationId xmlns:p14="http://schemas.microsoft.com/office/powerpoint/2010/main" val="2622786567"/>
       </p:ext>
     </p:extLst>
   </p:cSld>
@@ -7371,7 +7536,7 @@
           <p:cNvPr id="2" name="Title 1">
             <a:extLst>
               <a:ext uri="{FF2B5EF4-FFF2-40B4-BE49-F238E27FC236}">
-                <a16:creationId xmlns:a16="http://schemas.microsoft.com/office/drawing/2014/main" xmlns="" id="{D7C84779-5F93-4DCC-86DF-8D79DEAEC374}"/>
+                <a16:creationId xmlns:a16="http://schemas.microsoft.com/office/drawing/2014/main" id="{D7C84779-5F93-4DCC-86DF-8D79DEAEC374}"/>
               </a:ext>
             </a:extLst>
           </p:cNvPr>
@@ -7408,7 +7573,7 @@
           <p:cNvPr id="9" name="Rectangle 8">
             <a:extLst>
               <a:ext uri="{FF2B5EF4-FFF2-40B4-BE49-F238E27FC236}">
-                <a16:creationId xmlns:a16="http://schemas.microsoft.com/office/drawing/2014/main" xmlns="" id="{09DF8025-61D7-487E-B878-BECE556123CE}"/>
+                <a16:creationId xmlns:a16="http://schemas.microsoft.com/office/drawing/2014/main" id="{09DF8025-61D7-487E-B878-BECE556123CE}"/>
               </a:ext>
             </a:extLst>
           </p:cNvPr>
@@ -7471,10 +7636,40 @@
           <a:effectLst/>
         </p:spPr>
       </p:pic>
+      <p:pic>
+        <p:nvPicPr>
+          <p:cNvPr id="4" name="Picture 3">
+            <a:extLst>
+              <a:ext uri="{FF2B5EF4-FFF2-40B4-BE49-F238E27FC236}">
+                <a16:creationId xmlns:a16="http://schemas.microsoft.com/office/drawing/2014/main" id="{0B95BE6B-4050-4C7D-BAE9-3F7AADB1AC9C}"/>
+              </a:ext>
+            </a:extLst>
+          </p:cNvPr>
+          <p:cNvPicPr>
+            <a:picLocks noChangeAspect="1"/>
+          </p:cNvPicPr>
+          <p:nvPr/>
+        </p:nvPicPr>
+        <p:blipFill>
+          <a:blip r:embed="rId4"/>
+          <a:stretch>
+            <a:fillRect/>
+          </a:stretch>
+        </p:blipFill>
+        <p:spPr>
+          <a:xfrm>
+            <a:off x="6095999" y="3027097"/>
+            <a:ext cx="3990455" cy="1929914"/>
+          </a:xfrm>
+          <a:prstGeom prst="rect">
+            <a:avLst/>
+          </a:prstGeom>
+        </p:spPr>
+      </p:pic>
     </p:spTree>
     <p:extLst>
       <p:ext uri="{BB962C8B-B14F-4D97-AF65-F5344CB8AC3E}">
-        <p14:creationId xmlns:p14="http://schemas.microsoft.com/office/powerpoint/2010/main" xmlns="" val="2066996563"/>
+        <p14:creationId xmlns:p14="http://schemas.microsoft.com/office/powerpoint/2010/main" val="2066996563"/>
       </p:ext>
     </p:extLst>
   </p:cSld>
@@ -7506,7 +7701,7 @@
           <p:cNvPr id="2" name="Title 1">
             <a:extLst>
               <a:ext uri="{FF2B5EF4-FFF2-40B4-BE49-F238E27FC236}">
-                <a16:creationId xmlns:a16="http://schemas.microsoft.com/office/drawing/2014/main" xmlns="" id="{D7C84779-5F93-4DCC-86DF-8D79DEAEC374}"/>
+                <a16:creationId xmlns:a16="http://schemas.microsoft.com/office/drawing/2014/main" id="{D7C84779-5F93-4DCC-86DF-8D79DEAEC374}"/>
               </a:ext>
             </a:extLst>
           </p:cNvPr>
@@ -7515,40 +7710,45 @@
           </p:cNvSpPr>
           <p:nvPr>
             <p:ph type="title"/>
-          </p:nvPr>
-        </p:nvSpPr>
-        <p:spPr/>
-        <p:txBody>
-          <a:bodyPr/>
-          <a:lstStyle/>
-          <a:p>
-            <a:r>
-              <a:rPr lang="en-US" dirty="0"/>
-              <a:t>Appendix</a:t>
-            </a:r>
-          </a:p>
-        </p:txBody>
-      </p:sp>
-      <p:sp>
-        <p:nvSpPr>
-          <p:cNvPr id="3" name="Content Placeholder 2">
-            <a:extLst>
-              <a:ext uri="{FF2B5EF4-FFF2-40B4-BE49-F238E27FC236}">
-                <a16:creationId xmlns:a16="http://schemas.microsoft.com/office/drawing/2014/main" xmlns="" id="{0E59A1AE-F806-46F3-BA69-B4B5C2C30661}"/>
-              </a:ext>
-            </a:extLst>
-          </p:cNvPr>
-          <p:cNvSpPr>
-            <a:spLocks noGrp="1"/>
-          </p:cNvSpPr>
-          <p:nvPr>
-            <p:ph idx="1"/>
           </p:nvPr>
         </p:nvSpPr>
         <p:spPr>
           <a:xfrm>
-            <a:off x="1100887" y="932464"/>
-            <a:ext cx="9944101" cy="2027304"/>
+            <a:off x="299102" y="136526"/>
+            <a:ext cx="11647919" cy="544511"/>
+          </a:xfrm>
+        </p:spPr>
+        <p:txBody>
+          <a:bodyPr/>
+          <a:lstStyle/>
+          <a:p>
+            <a:r>
+              <a:rPr lang="en-US" dirty="0"/>
+              <a:t>Example</a:t>
+            </a:r>
+          </a:p>
+        </p:txBody>
+      </p:sp>
+      <p:sp>
+        <p:nvSpPr>
+          <p:cNvPr id="9" name="Content Placeholder 8">
+            <a:extLst>
+              <a:ext uri="{FF2B5EF4-FFF2-40B4-BE49-F238E27FC236}">
+                <a16:creationId xmlns:a16="http://schemas.microsoft.com/office/drawing/2014/main" id="{8CA4467B-1621-4762-8082-EDC139BD03F4}"/>
+              </a:ext>
+            </a:extLst>
+          </p:cNvPr>
+          <p:cNvSpPr>
+            <a:spLocks noGrp="1"/>
+          </p:cNvSpPr>
+          <p:nvPr>
+            <p:ph idx="1"/>
+          </p:nvPr>
+        </p:nvSpPr>
+        <p:spPr>
+          <a:xfrm>
+            <a:off x="1947427" y="2171715"/>
+            <a:ext cx="6835625" cy="2159654"/>
           </a:xfrm>
         </p:spPr>
         <p:txBody>
@@ -7558,29 +7758,126 @@
           <a:lstStyle/>
           <a:p>
             <a:r>
-              <a:rPr lang="en-US" i="1" dirty="0"/>
-              <a:t>Codes</a:t>
-            </a:r>
-          </a:p>
-          <a:p>
-            <a:r>
-              <a:rPr lang="en-US" i="1" dirty="0" err="1"/>
-              <a:t>CheatSheet</a:t>
-            </a:r>
-            <a:endParaRPr lang="en-US" i="1" dirty="0"/>
-          </a:p>
-          <a:p>
-            <a:endParaRPr lang="en-US" dirty="0"/>
-          </a:p>
-          <a:p>
-            <a:endParaRPr lang="en-US" dirty="0"/>
+              <a:rPr lang="en-US" altLang="zh-CN" sz="3600" dirty="0"/>
+              <a:t>Golang</a:t>
+            </a:r>
+            <a:r>
+              <a:rPr lang="zh-CN" altLang="en-US" sz="3600" dirty="0"/>
+              <a:t>如何改善</a:t>
+            </a:r>
+            <a:r>
+              <a:rPr lang="en-US" altLang="zh-CN" sz="3600" dirty="0"/>
+              <a:t>Google Search</a:t>
+            </a:r>
+            <a:endParaRPr lang="en-US" sz="3600" dirty="0"/>
           </a:p>
         </p:txBody>
       </p:sp>
     </p:spTree>
     <p:extLst>
       <p:ext uri="{BB962C8B-B14F-4D97-AF65-F5344CB8AC3E}">
-        <p14:creationId xmlns:p14="http://schemas.microsoft.com/office/powerpoint/2010/main" xmlns="" val="1408701152"/>
+        <p14:creationId xmlns:p14="http://schemas.microsoft.com/office/powerpoint/2010/main" val="1408701152"/>
+      </p:ext>
+    </p:extLst>
+  </p:cSld>
+  <p:clrMapOvr>
+    <a:masterClrMapping/>
+  </p:clrMapOvr>
+</p:sld>
+</file>
+
+<file path=ppt/slides/slide19.xml><?xml version="1.0" encoding="utf-8"?>
+<p:sld xmlns:a="http://schemas.openxmlformats.org/drawingml/2006/main" xmlns:r="http://schemas.openxmlformats.org/officeDocument/2006/relationships" xmlns:p="http://schemas.openxmlformats.org/presentationml/2006/main">
+  <p:cSld>
+    <p:spTree>
+      <p:nvGrpSpPr>
+        <p:cNvPr id="1" name=""/>
+        <p:cNvGrpSpPr/>
+        <p:nvPr/>
+      </p:nvGrpSpPr>
+      <p:grpSpPr>
+        <a:xfrm>
+          <a:off x="0" y="0"/>
+          <a:ext cx="0" cy="0"/>
+          <a:chOff x="0" y="0"/>
+          <a:chExt cx="0" cy="0"/>
+        </a:xfrm>
+      </p:grpSpPr>
+      <p:sp>
+        <p:nvSpPr>
+          <p:cNvPr id="2" name="Title 1">
+            <a:extLst>
+              <a:ext uri="{FF2B5EF4-FFF2-40B4-BE49-F238E27FC236}">
+                <a16:creationId xmlns:a16="http://schemas.microsoft.com/office/drawing/2014/main" id="{D7C84779-5F93-4DCC-86DF-8D79DEAEC374}"/>
+              </a:ext>
+            </a:extLst>
+          </p:cNvPr>
+          <p:cNvSpPr>
+            <a:spLocks noGrp="1"/>
+          </p:cNvSpPr>
+          <p:nvPr>
+            <p:ph type="title"/>
+          </p:nvPr>
+        </p:nvSpPr>
+        <p:spPr>
+          <a:xfrm>
+            <a:off x="299102" y="136526"/>
+            <a:ext cx="11647919" cy="544511"/>
+          </a:xfrm>
+        </p:spPr>
+        <p:txBody>
+          <a:bodyPr/>
+          <a:lstStyle/>
+          <a:p>
+            <a:r>
+              <a:rPr lang="zh-CN" altLang="en-US" dirty="0"/>
+              <a:t>个人感想</a:t>
+            </a:r>
+            <a:endParaRPr lang="en-US" dirty="0"/>
+          </a:p>
+        </p:txBody>
+      </p:sp>
+      <p:sp>
+        <p:nvSpPr>
+          <p:cNvPr id="9" name="Content Placeholder 8">
+            <a:extLst>
+              <a:ext uri="{FF2B5EF4-FFF2-40B4-BE49-F238E27FC236}">
+                <a16:creationId xmlns:a16="http://schemas.microsoft.com/office/drawing/2014/main" id="{8CA4467B-1621-4762-8082-EDC139BD03F4}"/>
+              </a:ext>
+            </a:extLst>
+          </p:cNvPr>
+          <p:cNvSpPr>
+            <a:spLocks noGrp="1"/>
+          </p:cNvSpPr>
+          <p:nvPr>
+            <p:ph idx="1"/>
+          </p:nvPr>
+        </p:nvSpPr>
+        <p:spPr/>
+        <p:txBody>
+          <a:bodyPr/>
+          <a:lstStyle/>
+          <a:p>
+            <a:r>
+              <a:rPr lang="en-US" altLang="zh-CN" dirty="0"/>
+              <a:t>Golang</a:t>
+            </a:r>
+            <a:r>
+              <a:rPr lang="zh-CN" altLang="en-US" dirty="0"/>
+              <a:t>如何改善</a:t>
+            </a:r>
+            <a:r>
+              <a:rPr lang="en-US" altLang="zh-CN" dirty="0"/>
+              <a:t>Google Search</a:t>
+            </a:r>
+            <a:endParaRPr lang="en-US" dirty="0"/>
+          </a:p>
+        </p:txBody>
+      </p:sp>
+    </p:spTree>
+    <p:extLst>
+      <p:ext uri="{BB962C8B-B14F-4D97-AF65-F5344CB8AC3E}">
+        <p14:creationId xmlns:p14="http://schemas.microsoft.com/office/powerpoint/2010/main" val="1667030114"/>
       </p:ext>
     </p:extLst>
   </p:cSld>
@@ -7612,7 +7909,7 @@
           <p:cNvPr id="2" name="Title 1">
             <a:extLst>
               <a:ext uri="{FF2B5EF4-FFF2-40B4-BE49-F238E27FC236}">
-                <a16:creationId xmlns:a16="http://schemas.microsoft.com/office/drawing/2014/main" xmlns="" id="{8342A161-B3E9-4758-A71C-0474D4118B56}"/>
+                <a16:creationId xmlns:a16="http://schemas.microsoft.com/office/drawing/2014/main" id="{8342A161-B3E9-4758-A71C-0474D4118B56}"/>
               </a:ext>
             </a:extLst>
           </p:cNvPr>
@@ -7640,7 +7937,7 @@
           <p:cNvPr id="3" name="Content Placeholder 2">
             <a:extLst>
               <a:ext uri="{FF2B5EF4-FFF2-40B4-BE49-F238E27FC236}">
-                <a16:creationId xmlns:a16="http://schemas.microsoft.com/office/drawing/2014/main" xmlns="" id="{EFC431BF-252A-4742-96DF-4B53752625D3}"/>
+                <a16:creationId xmlns:a16="http://schemas.microsoft.com/office/drawing/2014/main" id="{EFC431BF-252A-4742-96DF-4B53752625D3}"/>
               </a:ext>
             </a:extLst>
           </p:cNvPr>
@@ -7809,7 +8106,15 @@
           <a:p>
             <a:r>
               <a:rPr lang="en-US" dirty="0"/>
-              <a:t>Other thinking</a:t>
+              <a:t>Other </a:t>
+            </a:r>
+            <a:r>
+              <a:rPr lang="en-US" dirty="0" err="1"/>
+              <a:t>thinking</a:t>
+            </a:r>
+            <a:r>
+              <a:rPr lang="en-US" altLang="zh-CN" dirty="0" err="1"/>
+              <a:t>s</a:t>
             </a:r>
             <a:endParaRPr lang="en-US" dirty="0">
               <a:solidFill>
@@ -7853,7 +8158,113 @@
     </p:spTree>
     <p:extLst>
       <p:ext uri="{BB962C8B-B14F-4D97-AF65-F5344CB8AC3E}">
-        <p14:creationId xmlns:p14="http://schemas.microsoft.com/office/powerpoint/2010/main" xmlns="" val="3122889517"/>
+        <p14:creationId xmlns:p14="http://schemas.microsoft.com/office/powerpoint/2010/main" val="3122889517"/>
+      </p:ext>
+    </p:extLst>
+  </p:cSld>
+  <p:clrMapOvr>
+    <a:masterClrMapping/>
+  </p:clrMapOvr>
+</p:sld>
+</file>
+
+<file path=ppt/slides/slide20.xml><?xml version="1.0" encoding="utf-8"?>
+<p:sld xmlns:a="http://schemas.openxmlformats.org/drawingml/2006/main" xmlns:r="http://schemas.openxmlformats.org/officeDocument/2006/relationships" xmlns:p="http://schemas.openxmlformats.org/presentationml/2006/main">
+  <p:cSld>
+    <p:spTree>
+      <p:nvGrpSpPr>
+        <p:cNvPr id="1" name=""/>
+        <p:cNvGrpSpPr/>
+        <p:nvPr/>
+      </p:nvGrpSpPr>
+      <p:grpSpPr>
+        <a:xfrm>
+          <a:off x="0" y="0"/>
+          <a:ext cx="0" cy="0"/>
+          <a:chOff x="0" y="0"/>
+          <a:chExt cx="0" cy="0"/>
+        </a:xfrm>
+      </p:grpSpPr>
+      <p:sp>
+        <p:nvSpPr>
+          <p:cNvPr id="2" name="Title 1">
+            <a:extLst>
+              <a:ext uri="{FF2B5EF4-FFF2-40B4-BE49-F238E27FC236}">
+                <a16:creationId xmlns:a16="http://schemas.microsoft.com/office/drawing/2014/main" id="{D7C84779-5F93-4DCC-86DF-8D79DEAEC374}"/>
+              </a:ext>
+            </a:extLst>
+          </p:cNvPr>
+          <p:cNvSpPr>
+            <a:spLocks noGrp="1"/>
+          </p:cNvSpPr>
+          <p:nvPr>
+            <p:ph type="title"/>
+          </p:nvPr>
+        </p:nvSpPr>
+        <p:spPr/>
+        <p:txBody>
+          <a:bodyPr/>
+          <a:lstStyle/>
+          <a:p>
+            <a:r>
+              <a:rPr lang="en-US" dirty="0"/>
+              <a:t>Appendix</a:t>
+            </a:r>
+          </a:p>
+        </p:txBody>
+      </p:sp>
+      <p:sp>
+        <p:nvSpPr>
+          <p:cNvPr id="3" name="Content Placeholder 2">
+            <a:extLst>
+              <a:ext uri="{FF2B5EF4-FFF2-40B4-BE49-F238E27FC236}">
+                <a16:creationId xmlns:a16="http://schemas.microsoft.com/office/drawing/2014/main" id="{0E59A1AE-F806-46F3-BA69-B4B5C2C30661}"/>
+              </a:ext>
+            </a:extLst>
+          </p:cNvPr>
+          <p:cNvSpPr>
+            <a:spLocks noGrp="1"/>
+          </p:cNvSpPr>
+          <p:nvPr>
+            <p:ph idx="1"/>
+          </p:nvPr>
+        </p:nvSpPr>
+        <p:spPr>
+          <a:xfrm>
+            <a:off x="1100887" y="932464"/>
+            <a:ext cx="9944101" cy="2027304"/>
+          </a:xfrm>
+        </p:spPr>
+        <p:txBody>
+          <a:bodyPr>
+            <a:normAutofit/>
+          </a:bodyPr>
+          <a:lstStyle/>
+          <a:p>
+            <a:r>
+              <a:rPr lang="en-US" i="1" dirty="0"/>
+              <a:t>Codes</a:t>
+            </a:r>
+          </a:p>
+          <a:p>
+            <a:r>
+              <a:rPr lang="en-US" i="1" dirty="0" err="1"/>
+              <a:t>CheatSheet</a:t>
+            </a:r>
+            <a:endParaRPr lang="en-US" i="1" dirty="0"/>
+          </a:p>
+          <a:p>
+            <a:endParaRPr lang="en-US" dirty="0"/>
+          </a:p>
+          <a:p>
+            <a:endParaRPr lang="en-US" dirty="0"/>
+          </a:p>
+        </p:txBody>
+      </p:sp>
+    </p:spTree>
+    <p:extLst>
+      <p:ext uri="{BB962C8B-B14F-4D97-AF65-F5344CB8AC3E}">
+        <p14:creationId xmlns:p14="http://schemas.microsoft.com/office/powerpoint/2010/main" val="1153648341"/>
       </p:ext>
     </p:extLst>
   </p:cSld>
@@ -7885,7 +8296,7 @@
           <p:cNvPr id="2" name="Title 1">
             <a:extLst>
               <a:ext uri="{FF2B5EF4-FFF2-40B4-BE49-F238E27FC236}">
-                <a16:creationId xmlns:a16="http://schemas.microsoft.com/office/drawing/2014/main" xmlns="" id="{AB0A8BCD-AB0A-49E3-A2BA-459943BAEEF4}"/>
+                <a16:creationId xmlns:a16="http://schemas.microsoft.com/office/drawing/2014/main" id="{AB0A8BCD-AB0A-49E3-A2BA-459943BAEEF4}"/>
               </a:ext>
             </a:extLst>
           </p:cNvPr>
@@ -7922,7 +8333,7 @@
           <p:cNvPr id="3" name="Content Placeholder 2">
             <a:extLst>
               <a:ext uri="{FF2B5EF4-FFF2-40B4-BE49-F238E27FC236}">
-                <a16:creationId xmlns:a16="http://schemas.microsoft.com/office/drawing/2014/main" xmlns="" id="{9CEEFE61-DC95-418E-BAF4-089832837283}"/>
+                <a16:creationId xmlns:a16="http://schemas.microsoft.com/office/drawing/2014/main" id="{9CEEFE61-DC95-418E-BAF4-089832837283}"/>
               </a:ext>
             </a:extLst>
           </p:cNvPr>
@@ -8004,19 +8415,19 @@
           <a:p>
             <a:pPr lvl="1"/>
             <a:r>
-              <a:rPr lang="en-US" altLang="zh-CN" dirty="0" smtClean="0"/>
+              <a:rPr lang="en-US" altLang="zh-CN" dirty="0"/>
               <a:t>2</a:t>
             </a:r>
             <a:r>
-              <a:rPr lang="zh-CN" altLang="en-US" dirty="0" smtClean="0"/>
+              <a:rPr lang="zh-CN" altLang="en-US" dirty="0"/>
               <a:t>次网络传输</a:t>
             </a:r>
-            <a:endParaRPr lang="en-US" altLang="zh-CN" dirty="0" smtClean="0"/>
+            <a:endParaRPr lang="en-US" altLang="zh-CN" dirty="0"/>
           </a:p>
           <a:p>
             <a:pPr lvl="1"/>
             <a:r>
-              <a:rPr lang="en-US" altLang="zh-CN" dirty="0" smtClean="0"/>
+              <a:rPr lang="en-US" altLang="zh-CN" dirty="0"/>
               <a:t>2</a:t>
             </a:r>
             <a:r>
@@ -8056,7 +8467,7 @@
           <p:cNvPr id="6" name="Picture 5">
             <a:extLst>
               <a:ext uri="{FF2B5EF4-FFF2-40B4-BE49-F238E27FC236}">
-                <a16:creationId xmlns:a16="http://schemas.microsoft.com/office/drawing/2014/main" xmlns="" id="{27422100-F92B-4F00-8593-4B9D8040F490}"/>
+                <a16:creationId xmlns:a16="http://schemas.microsoft.com/office/drawing/2014/main" id="{27422100-F92B-4F00-8593-4B9D8040F490}"/>
               </a:ext>
             </a:extLst>
           </p:cNvPr>
@@ -8086,7 +8497,7 @@
           <p:cNvPr id="7" name="Picture 6">
             <a:extLst>
               <a:ext uri="{FF2B5EF4-FFF2-40B4-BE49-F238E27FC236}">
-                <a16:creationId xmlns:a16="http://schemas.microsoft.com/office/drawing/2014/main" xmlns="" id="{12A8AA35-23E3-4CB9-9C81-24C609C120D7}"/>
+                <a16:creationId xmlns:a16="http://schemas.microsoft.com/office/drawing/2014/main" id="{12A8AA35-23E3-4CB9-9C81-24C609C120D7}"/>
               </a:ext>
             </a:extLst>
           </p:cNvPr>
@@ -8114,7 +8525,7 @@
     </p:spTree>
     <p:extLst>
       <p:ext uri="{BB962C8B-B14F-4D97-AF65-F5344CB8AC3E}">
-        <p14:creationId xmlns:p14="http://schemas.microsoft.com/office/powerpoint/2010/main" xmlns="" val="2376815334"/>
+        <p14:creationId xmlns:p14="http://schemas.microsoft.com/office/powerpoint/2010/main" val="2376815334"/>
       </p:ext>
     </p:extLst>
   </p:cSld>
@@ -8146,7 +8557,7 @@
           <p:cNvPr id="2" name="Title 1">
             <a:extLst>
               <a:ext uri="{FF2B5EF4-FFF2-40B4-BE49-F238E27FC236}">
-                <a16:creationId xmlns:a16="http://schemas.microsoft.com/office/drawing/2014/main" xmlns="" id="{D7C84779-5F93-4DCC-86DF-8D79DEAEC374}"/>
+                <a16:creationId xmlns:a16="http://schemas.microsoft.com/office/drawing/2014/main" id="{D7C84779-5F93-4DCC-86DF-8D79DEAEC374}"/>
               </a:ext>
             </a:extLst>
           </p:cNvPr>
@@ -8179,7 +8590,7 @@
           <p:cNvPr id="3" name="Content Placeholder 2">
             <a:extLst>
               <a:ext uri="{FF2B5EF4-FFF2-40B4-BE49-F238E27FC236}">
-                <a16:creationId xmlns:a16="http://schemas.microsoft.com/office/drawing/2014/main" xmlns="" id="{0E59A1AE-F806-46F3-BA69-B4B5C2C30661}"/>
+                <a16:creationId xmlns:a16="http://schemas.microsoft.com/office/drawing/2014/main" id="{0E59A1AE-F806-46F3-BA69-B4B5C2C30661}"/>
               </a:ext>
             </a:extLst>
           </p:cNvPr>
@@ -8218,7 +8629,7 @@
           <p:cNvPr id="4" name="TextBox 3">
             <a:extLst>
               <a:ext uri="{FF2B5EF4-FFF2-40B4-BE49-F238E27FC236}">
-                <a16:creationId xmlns:a16="http://schemas.microsoft.com/office/drawing/2014/main" xmlns="" id="{945B14A7-9B10-4210-9FBD-CCE24D646A83}"/>
+                <a16:creationId xmlns:a16="http://schemas.microsoft.com/office/drawing/2014/main" id="{945B14A7-9B10-4210-9FBD-CCE24D646A83}"/>
               </a:ext>
             </a:extLst>
           </p:cNvPr>
@@ -8243,32 +8654,24 @@
           <a:p>
             <a:pPr marL="514350" indent="-514350"/>
             <a:r>
-              <a:rPr lang="zh-CN" altLang="en-US" sz="3200" dirty="0" smtClean="0"/>
-              <a:t>只需加</a:t>
-            </a:r>
-            <a:r>
               <a:rPr lang="zh-CN" altLang="en-US" sz="3200" dirty="0"/>
-              <a:t>个 </a:t>
+              <a:t>只需加个 </a:t>
             </a:r>
             <a:r>
               <a:rPr lang="en-US" altLang="zh-CN" sz="3200" dirty="0"/>
               <a:t>go </a:t>
             </a:r>
             <a:r>
-              <a:rPr lang="zh-CN" altLang="en-US" sz="3200" dirty="0" smtClean="0"/>
+              <a:rPr lang="zh-CN" altLang="en-US" sz="3200" dirty="0"/>
               <a:t>关键字</a:t>
             </a:r>
             <a:r>
-              <a:rPr lang="en-US" altLang="zh-CN" sz="3200" dirty="0" smtClean="0"/>
+              <a:rPr lang="en-US" altLang="zh-CN" sz="3200" dirty="0"/>
               <a:t>,</a:t>
             </a:r>
             <a:r>
-              <a:rPr lang="zh-CN" altLang="en-US" sz="3200" dirty="0" smtClean="0"/>
-              <a:t>简单</a:t>
-            </a:r>
-            <a:r>
               <a:rPr lang="zh-CN" altLang="en-US" sz="3200" dirty="0"/>
-              <a:t>粗暴而富有成效</a:t>
+              <a:t>简单粗暴而富有成效</a:t>
             </a:r>
             <a:endParaRPr lang="en-US" altLang="zh-CN" sz="3200" dirty="0"/>
           </a:p>
@@ -8279,7 +8682,7 @@
           <p:cNvPr id="6" name="Picture 5">
             <a:extLst>
               <a:ext uri="{FF2B5EF4-FFF2-40B4-BE49-F238E27FC236}">
-                <a16:creationId xmlns:a16="http://schemas.microsoft.com/office/drawing/2014/main" xmlns="" id="{D9D35F01-3DBC-40A8-B0E2-A754678B0CB6}"/>
+                <a16:creationId xmlns:a16="http://schemas.microsoft.com/office/drawing/2014/main" id="{D9D35F01-3DBC-40A8-B0E2-A754678B0CB6}"/>
               </a:ext>
             </a:extLst>
           </p:cNvPr>
@@ -8307,7 +8710,7 @@
     </p:spTree>
     <p:extLst>
       <p:ext uri="{BB962C8B-B14F-4D97-AF65-F5344CB8AC3E}">
-        <p14:creationId xmlns:p14="http://schemas.microsoft.com/office/powerpoint/2010/main" xmlns="" val="3732194823"/>
+        <p14:creationId xmlns:p14="http://schemas.microsoft.com/office/powerpoint/2010/main" val="3732194823"/>
       </p:ext>
     </p:extLst>
   </p:cSld>
@@ -8339,7 +8742,7 @@
           <p:cNvPr id="2" name="Title 1">
             <a:extLst>
               <a:ext uri="{FF2B5EF4-FFF2-40B4-BE49-F238E27FC236}">
-                <a16:creationId xmlns:a16="http://schemas.microsoft.com/office/drawing/2014/main" xmlns="" id="{D7C84779-5F93-4DCC-86DF-8D79DEAEC374}"/>
+                <a16:creationId xmlns:a16="http://schemas.microsoft.com/office/drawing/2014/main" id="{D7C84779-5F93-4DCC-86DF-8D79DEAEC374}"/>
               </a:ext>
             </a:extLst>
           </p:cNvPr>
@@ -8372,7 +8775,7 @@
           <p:cNvPr id="8" name="Picture 7">
             <a:extLst>
               <a:ext uri="{FF2B5EF4-FFF2-40B4-BE49-F238E27FC236}">
-                <a16:creationId xmlns:a16="http://schemas.microsoft.com/office/drawing/2014/main" xmlns="" id="{AD1537C4-A03B-4DA5-8884-D31334E7119A}"/>
+                <a16:creationId xmlns:a16="http://schemas.microsoft.com/office/drawing/2014/main" id="{AD1537C4-A03B-4DA5-8884-D31334E7119A}"/>
               </a:ext>
             </a:extLst>
           </p:cNvPr>
@@ -8494,10 +8897,10 @@
               <a:buAutoNum type="arabicPeriod"/>
             </a:pPr>
             <a:r>
-              <a:rPr lang="zh-CN" altLang="en-US" sz="2800" dirty="0" smtClean="0"/>
+              <a:rPr lang="zh-CN" altLang="en-US" sz="2800" dirty="0"/>
               <a:t>协程是用户态的线程，切换代价很小。</a:t>
             </a:r>
-            <a:endParaRPr lang="en-US" altLang="zh-CN" sz="2800" dirty="0" smtClean="0"/>
+            <a:endParaRPr lang="en-US" altLang="zh-CN" sz="2800" dirty="0"/>
           </a:p>
           <a:p>
             <a:pPr marL="514350" indent="-514350">
@@ -8505,14 +8908,10 @@
               <a:buAutoNum type="arabicPeriod"/>
             </a:pPr>
             <a:r>
-              <a:rPr lang="zh-CN" altLang="en-US" sz="2800" dirty="0" smtClean="0"/>
-              <a:t>协程的开销是如此的廉价，用完就</a:t>
-            </a:r>
-            <a:r>
-              <a:rPr lang="zh-CN" altLang="en-US" sz="2800" dirty="0" smtClean="0"/>
-              <a:t>扔</a:t>
-            </a:r>
-            <a:endParaRPr lang="en-US" altLang="zh-CN" sz="2800" dirty="0" smtClean="0"/>
+              <a:rPr lang="zh-CN" altLang="en-US" sz="2800" dirty="0"/>
+              <a:t>协程的开销是如此的廉价，用完就扔</a:t>
+            </a:r>
+            <a:endParaRPr lang="en-US" altLang="zh-CN" sz="2800" dirty="0"/>
           </a:p>
           <a:p>
             <a:pPr marL="514350" indent="-514350">
@@ -8520,14 +8919,10 @@
               <a:buAutoNum type="arabicPeriod"/>
             </a:pPr>
             <a:r>
-              <a:rPr lang="zh-CN" altLang="en-US" sz="2800" dirty="0" smtClean="0"/>
-              <a:t>协</a:t>
-            </a:r>
-            <a:r>
-              <a:rPr lang="zh-CN" altLang="en-US" sz="2800" dirty="0" smtClean="0"/>
-              <a:t>程的通信同步控制很重要</a:t>
-            </a:r>
-            <a:endParaRPr lang="en-US" altLang="zh-CN" sz="2800" dirty="0" smtClean="0"/>
+              <a:rPr lang="zh-CN" altLang="en-US" sz="2800" dirty="0"/>
+              <a:t>协程的通信同步控制很重要</a:t>
+            </a:r>
+            <a:endParaRPr lang="en-US" altLang="zh-CN" sz="2800" dirty="0"/>
           </a:p>
           <a:p>
             <a:pPr marL="514350" indent="-514350"/>
@@ -8545,7 +8940,7 @@
     </p:spTree>
     <p:extLst>
       <p:ext uri="{BB962C8B-B14F-4D97-AF65-F5344CB8AC3E}">
-        <p14:creationId xmlns:p14="http://schemas.microsoft.com/office/powerpoint/2010/main" xmlns="" val="3032618518"/>
+        <p14:creationId xmlns:p14="http://schemas.microsoft.com/office/powerpoint/2010/main" val="3032618518"/>
       </p:ext>
     </p:extLst>
   </p:cSld>
@@ -8577,7 +8972,7 @@
           <p:cNvPr id="2" name="Title 1">
             <a:extLst>
               <a:ext uri="{FF2B5EF4-FFF2-40B4-BE49-F238E27FC236}">
-                <a16:creationId xmlns:a16="http://schemas.microsoft.com/office/drawing/2014/main" xmlns="" id="{D7C84779-5F93-4DCC-86DF-8D79DEAEC374}"/>
+                <a16:creationId xmlns:a16="http://schemas.microsoft.com/office/drawing/2014/main" id="{D7C84779-5F93-4DCC-86DF-8D79DEAEC374}"/>
               </a:ext>
             </a:extLst>
           </p:cNvPr>
@@ -8610,7 +9005,7 @@
           <p:cNvPr id="9" name="Rectangle 8">
             <a:extLst>
               <a:ext uri="{FF2B5EF4-FFF2-40B4-BE49-F238E27FC236}">
-                <a16:creationId xmlns:a16="http://schemas.microsoft.com/office/drawing/2014/main" xmlns="" id="{09DF8025-61D7-487E-B878-BECE556123CE}"/>
+                <a16:creationId xmlns:a16="http://schemas.microsoft.com/office/drawing/2014/main" id="{09DF8025-61D7-487E-B878-BECE556123CE}"/>
               </a:ext>
             </a:extLst>
           </p:cNvPr>
@@ -8768,7 +9163,7 @@
     </p:spTree>
     <p:extLst>
       <p:ext uri="{BB962C8B-B14F-4D97-AF65-F5344CB8AC3E}">
-        <p14:creationId xmlns:p14="http://schemas.microsoft.com/office/powerpoint/2010/main" xmlns="" val="421020347"/>
+        <p14:creationId xmlns:p14="http://schemas.microsoft.com/office/powerpoint/2010/main" val="421020347"/>
       </p:ext>
     </p:extLst>
   </p:cSld>
@@ -8800,7 +9195,7 @@
           <p:cNvPr id="2" name="Title 1">
             <a:extLst>
               <a:ext uri="{FF2B5EF4-FFF2-40B4-BE49-F238E27FC236}">
-                <a16:creationId xmlns:a16="http://schemas.microsoft.com/office/drawing/2014/main" xmlns="" id="{D7C84779-5F93-4DCC-86DF-8D79DEAEC374}"/>
+                <a16:creationId xmlns:a16="http://schemas.microsoft.com/office/drawing/2014/main" id="{D7C84779-5F93-4DCC-86DF-8D79DEAEC374}"/>
               </a:ext>
             </a:extLst>
           </p:cNvPr>
@@ -8829,7 +9224,7 @@
           <p:cNvPr id="9" name="Rectangle 8">
             <a:extLst>
               <a:ext uri="{FF2B5EF4-FFF2-40B4-BE49-F238E27FC236}">
-                <a16:creationId xmlns:a16="http://schemas.microsoft.com/office/drawing/2014/main" xmlns="" id="{09DF8025-61D7-487E-B878-BECE556123CE}"/>
+                <a16:creationId xmlns:a16="http://schemas.microsoft.com/office/drawing/2014/main" id="{09DF8025-61D7-487E-B878-BECE556123CE}"/>
               </a:ext>
             </a:extLst>
           </p:cNvPr>
@@ -8967,7 +9362,7 @@
           <p:cNvPr id="3" name="Picture 2">
             <a:extLst>
               <a:ext uri="{FF2B5EF4-FFF2-40B4-BE49-F238E27FC236}">
-                <a16:creationId xmlns:a16="http://schemas.microsoft.com/office/drawing/2014/main" xmlns="" id="{1A39D9B2-21D2-44D4-A413-6845A3A83FEC}"/>
+                <a16:creationId xmlns:a16="http://schemas.microsoft.com/office/drawing/2014/main" id="{1A39D9B2-21D2-44D4-A413-6845A3A83FEC}"/>
               </a:ext>
             </a:extLst>
           </p:cNvPr>
@@ -8995,7 +9390,7 @@
     </p:spTree>
     <p:extLst>
       <p:ext uri="{BB962C8B-B14F-4D97-AF65-F5344CB8AC3E}">
-        <p14:creationId xmlns:p14="http://schemas.microsoft.com/office/powerpoint/2010/main" xmlns="" val="626934487"/>
+        <p14:creationId xmlns:p14="http://schemas.microsoft.com/office/powerpoint/2010/main" val="626934487"/>
       </p:ext>
     </p:extLst>
   </p:cSld>
@@ -9027,7 +9422,7 @@
           <p:cNvPr id="2" name="Title 1">
             <a:extLst>
               <a:ext uri="{FF2B5EF4-FFF2-40B4-BE49-F238E27FC236}">
-                <a16:creationId xmlns:a16="http://schemas.microsoft.com/office/drawing/2014/main" xmlns="" id="{D7C84779-5F93-4DCC-86DF-8D79DEAEC374}"/>
+                <a16:creationId xmlns:a16="http://schemas.microsoft.com/office/drawing/2014/main" id="{D7C84779-5F93-4DCC-86DF-8D79DEAEC374}"/>
               </a:ext>
             </a:extLst>
           </p:cNvPr>
@@ -9056,7 +9451,7 @@
           <p:cNvPr id="9" name="Rectangle 8">
             <a:extLst>
               <a:ext uri="{FF2B5EF4-FFF2-40B4-BE49-F238E27FC236}">
-                <a16:creationId xmlns:a16="http://schemas.microsoft.com/office/drawing/2014/main" xmlns="" id="{09DF8025-61D7-487E-B878-BECE556123CE}"/>
+                <a16:creationId xmlns:a16="http://schemas.microsoft.com/office/drawing/2014/main" id="{09DF8025-61D7-487E-B878-BECE556123CE}"/>
               </a:ext>
             </a:extLst>
           </p:cNvPr>
@@ -9344,7 +9739,7 @@
     </p:spTree>
     <p:extLst>
       <p:ext uri="{BB962C8B-B14F-4D97-AF65-F5344CB8AC3E}">
-        <p14:creationId xmlns:p14="http://schemas.microsoft.com/office/powerpoint/2010/main" xmlns="" val="1934937011"/>
+        <p14:creationId xmlns:p14="http://schemas.microsoft.com/office/powerpoint/2010/main" val="1934937011"/>
       </p:ext>
     </p:extLst>
   </p:cSld>
@@ -9376,7 +9771,7 @@
           <p:cNvPr id="2" name="Title 1">
             <a:extLst>
               <a:ext uri="{FF2B5EF4-FFF2-40B4-BE49-F238E27FC236}">
-                <a16:creationId xmlns:a16="http://schemas.microsoft.com/office/drawing/2014/main" xmlns="" id="{D7C84779-5F93-4DCC-86DF-8D79DEAEC374}"/>
+                <a16:creationId xmlns:a16="http://schemas.microsoft.com/office/drawing/2014/main" id="{D7C84779-5F93-4DCC-86DF-8D79DEAEC374}"/>
               </a:ext>
             </a:extLst>
           </p:cNvPr>
@@ -9409,7 +9804,7 @@
           <p:cNvPr id="9" name="Rectangle 8">
             <a:extLst>
               <a:ext uri="{FF2B5EF4-FFF2-40B4-BE49-F238E27FC236}">
-                <a16:creationId xmlns:a16="http://schemas.microsoft.com/office/drawing/2014/main" xmlns="" id="{09DF8025-61D7-487E-B878-BECE556123CE}"/>
+                <a16:creationId xmlns:a16="http://schemas.microsoft.com/office/drawing/2014/main" id="{09DF8025-61D7-487E-B878-BECE556123CE}"/>
               </a:ext>
             </a:extLst>
           </p:cNvPr>
@@ -9543,7 +9938,7 @@
     </p:spTree>
     <p:extLst>
       <p:ext uri="{BB962C8B-B14F-4D97-AF65-F5344CB8AC3E}">
-        <p14:creationId xmlns:p14="http://schemas.microsoft.com/office/powerpoint/2010/main" xmlns="" val="1934937011"/>
+        <p14:creationId xmlns:p14="http://schemas.microsoft.com/office/powerpoint/2010/main" val="1934937011"/>
       </p:ext>
     </p:extLst>
   </p:cSld>
@@ -9842,7 +10237,7 @@
   <a:extraClrSchemeLst/>
   <a:extLst>
     <a:ext uri="{05A4C25C-085E-4340-85A3-A5531E510DB2}">
-      <thm15:themeFamily xmlns:thm15="http://schemas.microsoft.com/office/thememl/2012/main" xmlns="" name="Office Theme" id="{62F939B6-93AF-4DB8-9C6B-D6C7DFDC589F}" vid="{4A3C46E8-61CC-4603-A589-7422A47A8E4A}"/>
+      <thm15:themeFamily xmlns:thm15="http://schemas.microsoft.com/office/thememl/2012/main" name="Office Theme" id="{62F939B6-93AF-4DB8-9C6B-D6C7DFDC589F}" vid="{4A3C46E8-61CC-4603-A589-7422A47A8E4A}"/>
     </a:ext>
   </a:extLst>
 </a:theme>
@@ -10137,7 +10532,7 @@
   <a:extraClrSchemeLst/>
   <a:extLst>
     <a:ext uri="{05A4C25C-085E-4340-85A3-A5531E510DB2}">
-      <thm15:themeFamily xmlns:thm15="http://schemas.microsoft.com/office/thememl/2012/main" xmlns="" name="Office Theme" id="{62F939B6-93AF-4DB8-9C6B-D6C7DFDC589F}" vid="{4A3C46E8-61CC-4603-A589-7422A47A8E4A}"/>
+      <thm15:themeFamily xmlns:thm15="http://schemas.microsoft.com/office/thememl/2012/main" name="Office Theme" id="{62F939B6-93AF-4DB8-9C6B-D6C7DFDC589F}" vid="{4A3C46E8-61CC-4603-A589-7422A47A8E4A}"/>
     </a:ext>
   </a:extLst>
 </a:theme>

--- a/GolangConcurency.pptx
+++ b/GolangConcurency.pptx
@@ -5,7 +5,7 @@
     <p:sldMasterId id="2147483648" r:id="rId4"/>
   </p:sldMasterIdLst>
   <p:notesMasterIdLst>
-    <p:notesMasterId r:id="rId25"/>
+    <p:notesMasterId r:id="rId33"/>
   </p:notesMasterIdLst>
   <p:sldIdLst>
     <p:sldId id="256" r:id="rId5"/>
@@ -27,7 +27,15 @@
     <p:sldId id="334" r:id="rId21"/>
     <p:sldId id="322" r:id="rId22"/>
     <p:sldId id="336" r:id="rId23"/>
-    <p:sldId id="335" r:id="rId24"/>
+    <p:sldId id="337" r:id="rId24"/>
+    <p:sldId id="338" r:id="rId25"/>
+    <p:sldId id="340" r:id="rId26"/>
+    <p:sldId id="339" r:id="rId27"/>
+    <p:sldId id="341" r:id="rId28"/>
+    <p:sldId id="343" r:id="rId29"/>
+    <p:sldId id="345" r:id="rId30"/>
+    <p:sldId id="346" r:id="rId31"/>
+    <p:sldId id="335" r:id="rId32"/>
   </p:sldIdLst>
   <p:sldSz cx="12192000" cy="6858000"/>
   <p:notesSz cx="6858000" cy="9144000"/>
@@ -154,6 +162,14 @@
           <p14:sldIdLst>
             <p14:sldId id="322"/>
             <p14:sldId id="336"/>
+            <p14:sldId id="337"/>
+            <p14:sldId id="338"/>
+            <p14:sldId id="340"/>
+            <p14:sldId id="339"/>
+            <p14:sldId id="341"/>
+            <p14:sldId id="343"/>
+            <p14:sldId id="345"/>
+            <p14:sldId id="346"/>
             <p14:sldId id="335"/>
           </p14:sldIdLst>
         </p14:section>
@@ -272,7 +288,7 @@
             <a:fld id="{81A7F5E0-26D3-4F44-BD3F-0851D1E00D07}" type="datetimeFigureOut">
               <a:rPr lang="en-US" smtClean="0"/>
               <a:pPr/>
-              <a:t>11/14/2018</a:t>
+              <a:t>11/15/2018</a:t>
             </a:fld>
             <a:endParaRPr lang="en-US"/>
           </a:p>
@@ -1465,7 +1481,7 @@
     </p:spTree>
     <p:extLst>
       <p:ext uri="{BB962C8B-B14F-4D97-AF65-F5344CB8AC3E}">
-        <p14:creationId xmlns:p14="http://schemas.microsoft.com/office/powerpoint/2010/main" val="1878289805"/>
+        <p14:creationId xmlns:p14="http://schemas.microsoft.com/office/powerpoint/2010/main" val="1130930753"/>
       </p:ext>
     </p:extLst>
   </p:cSld>
@@ -1551,6 +1567,686 @@
     <p:extLst>
       <p:ext uri="{BB962C8B-B14F-4D97-AF65-F5344CB8AC3E}">
         <p14:creationId xmlns:p14="http://schemas.microsoft.com/office/powerpoint/2010/main" val="1236732504"/>
+      </p:ext>
+    </p:extLst>
+  </p:cSld>
+  <p:clrMapOvr>
+    <a:masterClrMapping/>
+  </p:clrMapOvr>
+</p:notes>
+</file>
+
+<file path=ppt/notesSlides/notesSlide20.xml><?xml version="1.0" encoding="utf-8"?>
+<p:notes xmlns:a="http://schemas.openxmlformats.org/drawingml/2006/main" xmlns:r="http://schemas.openxmlformats.org/officeDocument/2006/relationships" xmlns:p="http://schemas.openxmlformats.org/presentationml/2006/main">
+  <p:cSld>
+    <p:spTree>
+      <p:nvGrpSpPr>
+        <p:cNvPr id="1" name=""/>
+        <p:cNvGrpSpPr/>
+        <p:nvPr/>
+      </p:nvGrpSpPr>
+      <p:grpSpPr>
+        <a:xfrm>
+          <a:off x="0" y="0"/>
+          <a:ext cx="0" cy="0"/>
+          <a:chOff x="0" y="0"/>
+          <a:chExt cx="0" cy="0"/>
+        </a:xfrm>
+      </p:grpSpPr>
+      <p:sp>
+        <p:nvSpPr>
+          <p:cNvPr id="2" name="Slide Image Placeholder 1"/>
+          <p:cNvSpPr>
+            <a:spLocks noGrp="1" noRot="1" noChangeAspect="1"/>
+          </p:cNvSpPr>
+          <p:nvPr>
+            <p:ph type="sldImg"/>
+          </p:nvPr>
+        </p:nvSpPr>
+        <p:spPr/>
+      </p:sp>
+      <p:sp>
+        <p:nvSpPr>
+          <p:cNvPr id="3" name="Notes Placeholder 2"/>
+          <p:cNvSpPr>
+            <a:spLocks noGrp="1"/>
+          </p:cNvSpPr>
+          <p:nvPr>
+            <p:ph type="body" idx="1"/>
+          </p:nvPr>
+        </p:nvSpPr>
+        <p:spPr/>
+        <p:txBody>
+          <a:bodyPr/>
+          <a:lstStyle/>
+          <a:p>
+            <a:endParaRPr lang="en-US" dirty="0"/>
+          </a:p>
+        </p:txBody>
+      </p:sp>
+      <p:sp>
+        <p:nvSpPr>
+          <p:cNvPr id="4" name="Slide Number Placeholder 3"/>
+          <p:cNvSpPr>
+            <a:spLocks noGrp="1"/>
+          </p:cNvSpPr>
+          <p:nvPr>
+            <p:ph type="sldNum" sz="quarter" idx="10"/>
+          </p:nvPr>
+        </p:nvSpPr>
+        <p:spPr/>
+        <p:txBody>
+          <a:bodyPr/>
+          <a:lstStyle/>
+          <a:p>
+            <a:fld id="{148CC6F0-A91C-42A5-9365-46DAD84980C2}" type="slidenum">
+              <a:rPr lang="en-US" smtClean="0"/>
+              <a:pPr/>
+              <a:t>21</a:t>
+            </a:fld>
+            <a:endParaRPr lang="en-US"/>
+          </a:p>
+        </p:txBody>
+      </p:sp>
+    </p:spTree>
+    <p:extLst>
+      <p:ext uri="{BB962C8B-B14F-4D97-AF65-F5344CB8AC3E}">
+        <p14:creationId xmlns:p14="http://schemas.microsoft.com/office/powerpoint/2010/main" val="3376366299"/>
+      </p:ext>
+    </p:extLst>
+  </p:cSld>
+  <p:clrMapOvr>
+    <a:masterClrMapping/>
+  </p:clrMapOvr>
+</p:notes>
+</file>
+
+<file path=ppt/notesSlides/notesSlide21.xml><?xml version="1.0" encoding="utf-8"?>
+<p:notes xmlns:a="http://schemas.openxmlformats.org/drawingml/2006/main" xmlns:r="http://schemas.openxmlformats.org/officeDocument/2006/relationships" xmlns:p="http://schemas.openxmlformats.org/presentationml/2006/main">
+  <p:cSld>
+    <p:spTree>
+      <p:nvGrpSpPr>
+        <p:cNvPr id="1" name=""/>
+        <p:cNvGrpSpPr/>
+        <p:nvPr/>
+      </p:nvGrpSpPr>
+      <p:grpSpPr>
+        <a:xfrm>
+          <a:off x="0" y="0"/>
+          <a:ext cx="0" cy="0"/>
+          <a:chOff x="0" y="0"/>
+          <a:chExt cx="0" cy="0"/>
+        </a:xfrm>
+      </p:grpSpPr>
+      <p:sp>
+        <p:nvSpPr>
+          <p:cNvPr id="2" name="Slide Image Placeholder 1"/>
+          <p:cNvSpPr>
+            <a:spLocks noGrp="1" noRot="1" noChangeAspect="1"/>
+          </p:cNvSpPr>
+          <p:nvPr>
+            <p:ph type="sldImg"/>
+          </p:nvPr>
+        </p:nvSpPr>
+        <p:spPr/>
+      </p:sp>
+      <p:sp>
+        <p:nvSpPr>
+          <p:cNvPr id="3" name="Notes Placeholder 2"/>
+          <p:cNvSpPr>
+            <a:spLocks noGrp="1"/>
+          </p:cNvSpPr>
+          <p:nvPr>
+            <p:ph type="body" idx="1"/>
+          </p:nvPr>
+        </p:nvSpPr>
+        <p:spPr/>
+        <p:txBody>
+          <a:bodyPr/>
+          <a:lstStyle/>
+          <a:p>
+            <a:endParaRPr lang="en-US" dirty="0"/>
+          </a:p>
+        </p:txBody>
+      </p:sp>
+      <p:sp>
+        <p:nvSpPr>
+          <p:cNvPr id="4" name="Slide Number Placeholder 3"/>
+          <p:cNvSpPr>
+            <a:spLocks noGrp="1"/>
+          </p:cNvSpPr>
+          <p:nvPr>
+            <p:ph type="sldNum" sz="quarter" idx="10"/>
+          </p:nvPr>
+        </p:nvSpPr>
+        <p:spPr/>
+        <p:txBody>
+          <a:bodyPr/>
+          <a:lstStyle/>
+          <a:p>
+            <a:fld id="{148CC6F0-A91C-42A5-9365-46DAD84980C2}" type="slidenum">
+              <a:rPr lang="en-US" smtClean="0"/>
+              <a:pPr/>
+              <a:t>22</a:t>
+            </a:fld>
+            <a:endParaRPr lang="en-US"/>
+          </a:p>
+        </p:txBody>
+      </p:sp>
+    </p:spTree>
+    <p:extLst>
+      <p:ext uri="{BB962C8B-B14F-4D97-AF65-F5344CB8AC3E}">
+        <p14:creationId xmlns:p14="http://schemas.microsoft.com/office/powerpoint/2010/main" val="2421331174"/>
+      </p:ext>
+    </p:extLst>
+  </p:cSld>
+  <p:clrMapOvr>
+    <a:masterClrMapping/>
+  </p:clrMapOvr>
+</p:notes>
+</file>
+
+<file path=ppt/notesSlides/notesSlide22.xml><?xml version="1.0" encoding="utf-8"?>
+<p:notes xmlns:a="http://schemas.openxmlformats.org/drawingml/2006/main" xmlns:r="http://schemas.openxmlformats.org/officeDocument/2006/relationships" xmlns:p="http://schemas.openxmlformats.org/presentationml/2006/main">
+  <p:cSld>
+    <p:spTree>
+      <p:nvGrpSpPr>
+        <p:cNvPr id="1" name=""/>
+        <p:cNvGrpSpPr/>
+        <p:nvPr/>
+      </p:nvGrpSpPr>
+      <p:grpSpPr>
+        <a:xfrm>
+          <a:off x="0" y="0"/>
+          <a:ext cx="0" cy="0"/>
+          <a:chOff x="0" y="0"/>
+          <a:chExt cx="0" cy="0"/>
+        </a:xfrm>
+      </p:grpSpPr>
+      <p:sp>
+        <p:nvSpPr>
+          <p:cNvPr id="2" name="Slide Image Placeholder 1"/>
+          <p:cNvSpPr>
+            <a:spLocks noGrp="1" noRot="1" noChangeAspect="1"/>
+          </p:cNvSpPr>
+          <p:nvPr>
+            <p:ph type="sldImg"/>
+          </p:nvPr>
+        </p:nvSpPr>
+        <p:spPr/>
+      </p:sp>
+      <p:sp>
+        <p:nvSpPr>
+          <p:cNvPr id="3" name="Notes Placeholder 2"/>
+          <p:cNvSpPr>
+            <a:spLocks noGrp="1"/>
+          </p:cNvSpPr>
+          <p:nvPr>
+            <p:ph type="body" idx="1"/>
+          </p:nvPr>
+        </p:nvSpPr>
+        <p:spPr/>
+        <p:txBody>
+          <a:bodyPr/>
+          <a:lstStyle/>
+          <a:p>
+            <a:endParaRPr lang="en-US" dirty="0"/>
+          </a:p>
+        </p:txBody>
+      </p:sp>
+      <p:sp>
+        <p:nvSpPr>
+          <p:cNvPr id="4" name="Slide Number Placeholder 3"/>
+          <p:cNvSpPr>
+            <a:spLocks noGrp="1"/>
+          </p:cNvSpPr>
+          <p:nvPr>
+            <p:ph type="sldNum" sz="quarter" idx="10"/>
+          </p:nvPr>
+        </p:nvSpPr>
+        <p:spPr/>
+        <p:txBody>
+          <a:bodyPr/>
+          <a:lstStyle/>
+          <a:p>
+            <a:fld id="{148CC6F0-A91C-42A5-9365-46DAD84980C2}" type="slidenum">
+              <a:rPr lang="en-US" smtClean="0"/>
+              <a:pPr/>
+              <a:t>23</a:t>
+            </a:fld>
+            <a:endParaRPr lang="en-US"/>
+          </a:p>
+        </p:txBody>
+      </p:sp>
+    </p:spTree>
+    <p:extLst>
+      <p:ext uri="{BB962C8B-B14F-4D97-AF65-F5344CB8AC3E}">
+        <p14:creationId xmlns:p14="http://schemas.microsoft.com/office/powerpoint/2010/main" val="2553016045"/>
+      </p:ext>
+    </p:extLst>
+  </p:cSld>
+  <p:clrMapOvr>
+    <a:masterClrMapping/>
+  </p:clrMapOvr>
+</p:notes>
+</file>
+
+<file path=ppt/notesSlides/notesSlide23.xml><?xml version="1.0" encoding="utf-8"?>
+<p:notes xmlns:a="http://schemas.openxmlformats.org/drawingml/2006/main" xmlns:r="http://schemas.openxmlformats.org/officeDocument/2006/relationships" xmlns:p="http://schemas.openxmlformats.org/presentationml/2006/main">
+  <p:cSld>
+    <p:spTree>
+      <p:nvGrpSpPr>
+        <p:cNvPr id="1" name=""/>
+        <p:cNvGrpSpPr/>
+        <p:nvPr/>
+      </p:nvGrpSpPr>
+      <p:grpSpPr>
+        <a:xfrm>
+          <a:off x="0" y="0"/>
+          <a:ext cx="0" cy="0"/>
+          <a:chOff x="0" y="0"/>
+          <a:chExt cx="0" cy="0"/>
+        </a:xfrm>
+      </p:grpSpPr>
+      <p:sp>
+        <p:nvSpPr>
+          <p:cNvPr id="2" name="Slide Image Placeholder 1"/>
+          <p:cNvSpPr>
+            <a:spLocks noGrp="1" noRot="1" noChangeAspect="1"/>
+          </p:cNvSpPr>
+          <p:nvPr>
+            <p:ph type="sldImg"/>
+          </p:nvPr>
+        </p:nvSpPr>
+        <p:spPr/>
+      </p:sp>
+      <p:sp>
+        <p:nvSpPr>
+          <p:cNvPr id="3" name="Notes Placeholder 2"/>
+          <p:cNvSpPr>
+            <a:spLocks noGrp="1"/>
+          </p:cNvSpPr>
+          <p:nvPr>
+            <p:ph type="body" idx="1"/>
+          </p:nvPr>
+        </p:nvSpPr>
+        <p:spPr/>
+        <p:txBody>
+          <a:bodyPr/>
+          <a:lstStyle/>
+          <a:p>
+            <a:endParaRPr lang="en-US" dirty="0"/>
+          </a:p>
+        </p:txBody>
+      </p:sp>
+      <p:sp>
+        <p:nvSpPr>
+          <p:cNvPr id="4" name="Slide Number Placeholder 3"/>
+          <p:cNvSpPr>
+            <a:spLocks noGrp="1"/>
+          </p:cNvSpPr>
+          <p:nvPr>
+            <p:ph type="sldNum" sz="quarter" idx="10"/>
+          </p:nvPr>
+        </p:nvSpPr>
+        <p:spPr/>
+        <p:txBody>
+          <a:bodyPr/>
+          <a:lstStyle/>
+          <a:p>
+            <a:fld id="{148CC6F0-A91C-42A5-9365-46DAD84980C2}" type="slidenum">
+              <a:rPr lang="en-US" smtClean="0"/>
+              <a:pPr/>
+              <a:t>24</a:t>
+            </a:fld>
+            <a:endParaRPr lang="en-US"/>
+          </a:p>
+        </p:txBody>
+      </p:sp>
+    </p:spTree>
+    <p:extLst>
+      <p:ext uri="{BB962C8B-B14F-4D97-AF65-F5344CB8AC3E}">
+        <p14:creationId xmlns:p14="http://schemas.microsoft.com/office/powerpoint/2010/main" val="165906700"/>
+      </p:ext>
+    </p:extLst>
+  </p:cSld>
+  <p:clrMapOvr>
+    <a:masterClrMapping/>
+  </p:clrMapOvr>
+</p:notes>
+</file>
+
+<file path=ppt/notesSlides/notesSlide24.xml><?xml version="1.0" encoding="utf-8"?>
+<p:notes xmlns:a="http://schemas.openxmlformats.org/drawingml/2006/main" xmlns:r="http://schemas.openxmlformats.org/officeDocument/2006/relationships" xmlns:p="http://schemas.openxmlformats.org/presentationml/2006/main">
+  <p:cSld>
+    <p:spTree>
+      <p:nvGrpSpPr>
+        <p:cNvPr id="1" name=""/>
+        <p:cNvGrpSpPr/>
+        <p:nvPr/>
+      </p:nvGrpSpPr>
+      <p:grpSpPr>
+        <a:xfrm>
+          <a:off x="0" y="0"/>
+          <a:ext cx="0" cy="0"/>
+          <a:chOff x="0" y="0"/>
+          <a:chExt cx="0" cy="0"/>
+        </a:xfrm>
+      </p:grpSpPr>
+      <p:sp>
+        <p:nvSpPr>
+          <p:cNvPr id="2" name="Slide Image Placeholder 1"/>
+          <p:cNvSpPr>
+            <a:spLocks noGrp="1" noRot="1" noChangeAspect="1"/>
+          </p:cNvSpPr>
+          <p:nvPr>
+            <p:ph type="sldImg"/>
+          </p:nvPr>
+        </p:nvSpPr>
+        <p:spPr/>
+      </p:sp>
+      <p:sp>
+        <p:nvSpPr>
+          <p:cNvPr id="3" name="Notes Placeholder 2"/>
+          <p:cNvSpPr>
+            <a:spLocks noGrp="1"/>
+          </p:cNvSpPr>
+          <p:nvPr>
+            <p:ph type="body" idx="1"/>
+          </p:nvPr>
+        </p:nvSpPr>
+        <p:spPr/>
+        <p:txBody>
+          <a:bodyPr/>
+          <a:lstStyle/>
+          <a:p>
+            <a:endParaRPr lang="en-US" dirty="0"/>
+          </a:p>
+        </p:txBody>
+      </p:sp>
+      <p:sp>
+        <p:nvSpPr>
+          <p:cNvPr id="4" name="Slide Number Placeholder 3"/>
+          <p:cNvSpPr>
+            <a:spLocks noGrp="1"/>
+          </p:cNvSpPr>
+          <p:nvPr>
+            <p:ph type="sldNum" sz="quarter" idx="10"/>
+          </p:nvPr>
+        </p:nvSpPr>
+        <p:spPr/>
+        <p:txBody>
+          <a:bodyPr/>
+          <a:lstStyle/>
+          <a:p>
+            <a:fld id="{148CC6F0-A91C-42A5-9365-46DAD84980C2}" type="slidenum">
+              <a:rPr lang="en-US" smtClean="0"/>
+              <a:pPr/>
+              <a:t>25</a:t>
+            </a:fld>
+            <a:endParaRPr lang="en-US"/>
+          </a:p>
+        </p:txBody>
+      </p:sp>
+    </p:spTree>
+    <p:extLst>
+      <p:ext uri="{BB962C8B-B14F-4D97-AF65-F5344CB8AC3E}">
+        <p14:creationId xmlns:p14="http://schemas.microsoft.com/office/powerpoint/2010/main" val="3510348480"/>
+      </p:ext>
+    </p:extLst>
+  </p:cSld>
+  <p:clrMapOvr>
+    <a:masterClrMapping/>
+  </p:clrMapOvr>
+</p:notes>
+</file>
+
+<file path=ppt/notesSlides/notesSlide25.xml><?xml version="1.0" encoding="utf-8"?>
+<p:notes xmlns:a="http://schemas.openxmlformats.org/drawingml/2006/main" xmlns:r="http://schemas.openxmlformats.org/officeDocument/2006/relationships" xmlns:p="http://schemas.openxmlformats.org/presentationml/2006/main">
+  <p:cSld>
+    <p:spTree>
+      <p:nvGrpSpPr>
+        <p:cNvPr id="1" name=""/>
+        <p:cNvGrpSpPr/>
+        <p:nvPr/>
+      </p:nvGrpSpPr>
+      <p:grpSpPr>
+        <a:xfrm>
+          <a:off x="0" y="0"/>
+          <a:ext cx="0" cy="0"/>
+          <a:chOff x="0" y="0"/>
+          <a:chExt cx="0" cy="0"/>
+        </a:xfrm>
+      </p:grpSpPr>
+      <p:sp>
+        <p:nvSpPr>
+          <p:cNvPr id="2" name="Slide Image Placeholder 1"/>
+          <p:cNvSpPr>
+            <a:spLocks noGrp="1" noRot="1" noChangeAspect="1"/>
+          </p:cNvSpPr>
+          <p:nvPr>
+            <p:ph type="sldImg"/>
+          </p:nvPr>
+        </p:nvSpPr>
+        <p:spPr/>
+      </p:sp>
+      <p:sp>
+        <p:nvSpPr>
+          <p:cNvPr id="3" name="Notes Placeholder 2"/>
+          <p:cNvSpPr>
+            <a:spLocks noGrp="1"/>
+          </p:cNvSpPr>
+          <p:nvPr>
+            <p:ph type="body" idx="1"/>
+          </p:nvPr>
+        </p:nvSpPr>
+        <p:spPr/>
+        <p:txBody>
+          <a:bodyPr/>
+          <a:lstStyle/>
+          <a:p>
+            <a:endParaRPr lang="en-US" dirty="0"/>
+          </a:p>
+        </p:txBody>
+      </p:sp>
+      <p:sp>
+        <p:nvSpPr>
+          <p:cNvPr id="4" name="Slide Number Placeholder 3"/>
+          <p:cNvSpPr>
+            <a:spLocks noGrp="1"/>
+          </p:cNvSpPr>
+          <p:nvPr>
+            <p:ph type="sldNum" sz="quarter" idx="10"/>
+          </p:nvPr>
+        </p:nvSpPr>
+        <p:spPr/>
+        <p:txBody>
+          <a:bodyPr/>
+          <a:lstStyle/>
+          <a:p>
+            <a:fld id="{148CC6F0-A91C-42A5-9365-46DAD84980C2}" type="slidenum">
+              <a:rPr lang="en-US" smtClean="0"/>
+              <a:pPr/>
+              <a:t>26</a:t>
+            </a:fld>
+            <a:endParaRPr lang="en-US"/>
+          </a:p>
+        </p:txBody>
+      </p:sp>
+    </p:spTree>
+    <p:extLst>
+      <p:ext uri="{BB962C8B-B14F-4D97-AF65-F5344CB8AC3E}">
+        <p14:creationId xmlns:p14="http://schemas.microsoft.com/office/powerpoint/2010/main" val="2350648499"/>
+      </p:ext>
+    </p:extLst>
+  </p:cSld>
+  <p:clrMapOvr>
+    <a:masterClrMapping/>
+  </p:clrMapOvr>
+</p:notes>
+</file>
+
+<file path=ppt/notesSlides/notesSlide26.xml><?xml version="1.0" encoding="utf-8"?>
+<p:notes xmlns:a="http://schemas.openxmlformats.org/drawingml/2006/main" xmlns:r="http://schemas.openxmlformats.org/officeDocument/2006/relationships" xmlns:p="http://schemas.openxmlformats.org/presentationml/2006/main">
+  <p:cSld>
+    <p:spTree>
+      <p:nvGrpSpPr>
+        <p:cNvPr id="1" name=""/>
+        <p:cNvGrpSpPr/>
+        <p:nvPr/>
+      </p:nvGrpSpPr>
+      <p:grpSpPr>
+        <a:xfrm>
+          <a:off x="0" y="0"/>
+          <a:ext cx="0" cy="0"/>
+          <a:chOff x="0" y="0"/>
+          <a:chExt cx="0" cy="0"/>
+        </a:xfrm>
+      </p:grpSpPr>
+      <p:sp>
+        <p:nvSpPr>
+          <p:cNvPr id="2" name="Slide Image Placeholder 1"/>
+          <p:cNvSpPr>
+            <a:spLocks noGrp="1" noRot="1" noChangeAspect="1"/>
+          </p:cNvSpPr>
+          <p:nvPr>
+            <p:ph type="sldImg"/>
+          </p:nvPr>
+        </p:nvSpPr>
+        <p:spPr/>
+      </p:sp>
+      <p:sp>
+        <p:nvSpPr>
+          <p:cNvPr id="3" name="Notes Placeholder 2"/>
+          <p:cNvSpPr>
+            <a:spLocks noGrp="1"/>
+          </p:cNvSpPr>
+          <p:nvPr>
+            <p:ph type="body" idx="1"/>
+          </p:nvPr>
+        </p:nvSpPr>
+        <p:spPr/>
+        <p:txBody>
+          <a:bodyPr/>
+          <a:lstStyle/>
+          <a:p>
+            <a:endParaRPr lang="en-US" dirty="0"/>
+          </a:p>
+        </p:txBody>
+      </p:sp>
+      <p:sp>
+        <p:nvSpPr>
+          <p:cNvPr id="4" name="Slide Number Placeholder 3"/>
+          <p:cNvSpPr>
+            <a:spLocks noGrp="1"/>
+          </p:cNvSpPr>
+          <p:nvPr>
+            <p:ph type="sldNum" sz="quarter" idx="10"/>
+          </p:nvPr>
+        </p:nvSpPr>
+        <p:spPr/>
+        <p:txBody>
+          <a:bodyPr/>
+          <a:lstStyle/>
+          <a:p>
+            <a:fld id="{148CC6F0-A91C-42A5-9365-46DAD84980C2}" type="slidenum">
+              <a:rPr lang="en-US" smtClean="0"/>
+              <a:pPr/>
+              <a:t>27</a:t>
+            </a:fld>
+            <a:endParaRPr lang="en-US"/>
+          </a:p>
+        </p:txBody>
+      </p:sp>
+    </p:spTree>
+    <p:extLst>
+      <p:ext uri="{BB962C8B-B14F-4D97-AF65-F5344CB8AC3E}">
+        <p14:creationId xmlns:p14="http://schemas.microsoft.com/office/powerpoint/2010/main" val="2807633666"/>
+      </p:ext>
+    </p:extLst>
+  </p:cSld>
+  <p:clrMapOvr>
+    <a:masterClrMapping/>
+  </p:clrMapOvr>
+</p:notes>
+</file>
+
+<file path=ppt/notesSlides/notesSlide27.xml><?xml version="1.0" encoding="utf-8"?>
+<p:notes xmlns:a="http://schemas.openxmlformats.org/drawingml/2006/main" xmlns:r="http://schemas.openxmlformats.org/officeDocument/2006/relationships" xmlns:p="http://schemas.openxmlformats.org/presentationml/2006/main">
+  <p:cSld>
+    <p:spTree>
+      <p:nvGrpSpPr>
+        <p:cNvPr id="1" name=""/>
+        <p:cNvGrpSpPr/>
+        <p:nvPr/>
+      </p:nvGrpSpPr>
+      <p:grpSpPr>
+        <a:xfrm>
+          <a:off x="0" y="0"/>
+          <a:ext cx="0" cy="0"/>
+          <a:chOff x="0" y="0"/>
+          <a:chExt cx="0" cy="0"/>
+        </a:xfrm>
+      </p:grpSpPr>
+      <p:sp>
+        <p:nvSpPr>
+          <p:cNvPr id="2" name="Slide Image Placeholder 1"/>
+          <p:cNvSpPr>
+            <a:spLocks noGrp="1" noRot="1" noChangeAspect="1"/>
+          </p:cNvSpPr>
+          <p:nvPr>
+            <p:ph type="sldImg"/>
+          </p:nvPr>
+        </p:nvSpPr>
+        <p:spPr/>
+      </p:sp>
+      <p:sp>
+        <p:nvSpPr>
+          <p:cNvPr id="3" name="Notes Placeholder 2"/>
+          <p:cNvSpPr>
+            <a:spLocks noGrp="1"/>
+          </p:cNvSpPr>
+          <p:nvPr>
+            <p:ph type="body" idx="1"/>
+          </p:nvPr>
+        </p:nvSpPr>
+        <p:spPr/>
+        <p:txBody>
+          <a:bodyPr/>
+          <a:lstStyle/>
+          <a:p>
+            <a:endParaRPr lang="en-US" dirty="0"/>
+          </a:p>
+        </p:txBody>
+      </p:sp>
+      <p:sp>
+        <p:nvSpPr>
+          <p:cNvPr id="4" name="Slide Number Placeholder 3"/>
+          <p:cNvSpPr>
+            <a:spLocks noGrp="1"/>
+          </p:cNvSpPr>
+          <p:nvPr>
+            <p:ph type="sldNum" sz="quarter" idx="10"/>
+          </p:nvPr>
+        </p:nvSpPr>
+        <p:spPr/>
+        <p:txBody>
+          <a:bodyPr/>
+          <a:lstStyle/>
+          <a:p>
+            <a:fld id="{148CC6F0-A91C-42A5-9365-46DAD84980C2}" type="slidenum">
+              <a:rPr lang="en-US" smtClean="0"/>
+              <a:pPr/>
+              <a:t>28</a:t>
+            </a:fld>
+            <a:endParaRPr lang="en-US"/>
+          </a:p>
+        </p:txBody>
+      </p:sp>
+    </p:spTree>
+    <p:extLst>
+      <p:ext uri="{BB962C8B-B14F-4D97-AF65-F5344CB8AC3E}">
+        <p14:creationId xmlns:p14="http://schemas.microsoft.com/office/powerpoint/2010/main" val="1878289805"/>
       </p:ext>
     </p:extLst>
   </p:cSld>
@@ -2303,7 +2999,7 @@
             <a:fld id="{B8159077-EF48-40E3-BF6E-366926B30A93}" type="datetimeFigureOut">
               <a:rPr lang="en-US" smtClean="0"/>
               <a:pPr/>
-              <a:t>11/14/2018</a:t>
+              <a:t>11/15/2018</a:t>
             </a:fld>
             <a:endParaRPr lang="en-US"/>
           </a:p>
@@ -2591,7 +3287,7 @@
             <a:fld id="{B8159077-EF48-40E3-BF6E-366926B30A93}" type="datetimeFigureOut">
               <a:rPr lang="en-US" smtClean="0"/>
               <a:pPr/>
-              <a:t>11/14/2018</a:t>
+              <a:t>11/15/2018</a:t>
             </a:fld>
             <a:endParaRPr lang="en-US"/>
           </a:p>
@@ -2801,7 +3497,7 @@
             <a:fld id="{B8159077-EF48-40E3-BF6E-366926B30A93}" type="datetimeFigureOut">
               <a:rPr lang="en-US" smtClean="0"/>
               <a:pPr/>
-              <a:t>11/14/2018</a:t>
+              <a:t>11/15/2018</a:t>
             </a:fld>
             <a:endParaRPr lang="en-US"/>
           </a:p>
@@ -3001,7 +3697,7 @@
             <a:fld id="{B8159077-EF48-40E3-BF6E-366926B30A93}" type="datetimeFigureOut">
               <a:rPr lang="en-US" smtClean="0"/>
               <a:pPr/>
-              <a:t>11/14/2018</a:t>
+              <a:t>11/15/2018</a:t>
             </a:fld>
             <a:endParaRPr lang="en-US"/>
           </a:p>
@@ -3316,7 +4012,7 @@
             <a:fld id="{B8159077-EF48-40E3-BF6E-366926B30A93}" type="datetimeFigureOut">
               <a:rPr lang="en-US" smtClean="0"/>
               <a:pPr/>
-              <a:t>11/14/2018</a:t>
+              <a:t>11/15/2018</a:t>
             </a:fld>
             <a:endParaRPr lang="en-US"/>
           </a:p>
@@ -3621,7 +4317,7 @@
             <a:fld id="{B8159077-EF48-40E3-BF6E-366926B30A93}" type="datetimeFigureOut">
               <a:rPr lang="en-US" smtClean="0"/>
               <a:pPr/>
-              <a:t>11/14/2018</a:t>
+              <a:t>11/15/2018</a:t>
             </a:fld>
             <a:endParaRPr lang="en-US"/>
           </a:p>
@@ -4035,7 +4731,7 @@
             <a:fld id="{B8159077-EF48-40E3-BF6E-366926B30A93}" type="datetimeFigureOut">
               <a:rPr lang="en-US" smtClean="0"/>
               <a:pPr/>
-              <a:t>11/14/2018</a:t>
+              <a:t>11/15/2018</a:t>
             </a:fld>
             <a:endParaRPr lang="en-US"/>
           </a:p>
@@ -4178,7 +4874,7 @@
             <a:fld id="{B8159077-EF48-40E3-BF6E-366926B30A93}" type="datetimeFigureOut">
               <a:rPr lang="en-US" smtClean="0"/>
               <a:pPr/>
-              <a:t>11/14/2018</a:t>
+              <a:t>11/15/2018</a:t>
             </a:fld>
             <a:endParaRPr lang="en-US"/>
           </a:p>
@@ -4293,7 +4989,7 @@
             <a:fld id="{B8159077-EF48-40E3-BF6E-366926B30A93}" type="datetimeFigureOut">
               <a:rPr lang="en-US" smtClean="0"/>
               <a:pPr/>
-              <a:t>11/14/2018</a:t>
+              <a:t>11/15/2018</a:t>
             </a:fld>
             <a:endParaRPr lang="en-US"/>
           </a:p>
@@ -4606,7 +5302,7 @@
             <a:fld id="{B8159077-EF48-40E3-BF6E-366926B30A93}" type="datetimeFigureOut">
               <a:rPr lang="en-US" smtClean="0"/>
               <a:pPr/>
-              <a:t>11/14/2018</a:t>
+              <a:t>11/15/2018</a:t>
             </a:fld>
             <a:endParaRPr lang="en-US"/>
           </a:p>
@@ -4896,7 +5592,7 @@
             <a:fld id="{B8159077-EF48-40E3-BF6E-366926B30A93}" type="datetimeFigureOut">
               <a:rPr lang="en-US" smtClean="0"/>
               <a:pPr/>
-              <a:t>11/14/2018</a:t>
+              <a:t>11/15/2018</a:t>
             </a:fld>
             <a:endParaRPr lang="en-US"/>
           </a:p>
@@ -5139,7 +5835,7 @@
             <a:fld id="{B8159077-EF48-40E3-BF6E-366926B30A93}" type="datetimeFigureOut">
               <a:rPr lang="en-US" smtClean="0"/>
               <a:pPr/>
-              <a:t>11/14/2018</a:t>
+              <a:t>11/15/2018</a:t>
             </a:fld>
             <a:endParaRPr lang="en-US"/>
           </a:p>
@@ -7757,6 +8453,9 @@
           </a:bodyPr>
           <a:lstStyle/>
           <a:p>
+            <a:pPr marL="0" indent="0">
+              <a:buNone/>
+            </a:pPr>
             <a:r>
               <a:rPr lang="en-US" altLang="zh-CN" sz="3600" dirty="0"/>
               <a:t>Golang</a:t>
@@ -7769,6 +8468,23 @@
               <a:rPr lang="en-US" altLang="zh-CN" sz="3600" dirty="0"/>
               <a:t>Google Search</a:t>
             </a:r>
+          </a:p>
+          <a:p>
+            <a:pPr marL="0" indent="0">
+              <a:buNone/>
+            </a:pPr>
+            <a:r>
+              <a:rPr lang="en-US" sz="2000" dirty="0">
+                <a:hlinkClick r:id="rId3"/>
+              </a:rPr>
+              <a:t>https://talks.golang.org/2012/concurrency.slide#42</a:t>
+            </a:r>
+            <a:endParaRPr lang="en-US" sz="2000" dirty="0"/>
+          </a:p>
+          <a:p>
+            <a:pPr marL="0" indent="0">
+              <a:buNone/>
+            </a:pPr>
             <a:endParaRPr lang="en-US" sz="3600" dirty="0"/>
           </a:p>
         </p:txBody>
@@ -7831,7 +8547,15 @@
           <a:p>
             <a:r>
               <a:rPr lang="zh-CN" altLang="en-US" dirty="0"/>
-              <a:t>个人感想</a:t>
+              <a:t>并发</a:t>
+            </a:r>
+            <a:r>
+              <a:rPr lang="en-US" altLang="zh-CN" dirty="0"/>
+              <a:t>/IO/</a:t>
+            </a:r>
+            <a:r>
+              <a:rPr lang="zh-CN" altLang="en-US" dirty="0"/>
+              <a:t>与线程管理</a:t>
             </a:r>
             <a:endParaRPr lang="en-US" dirty="0"/>
           </a:p>
@@ -7859,17 +8583,47 @@
           <a:lstStyle/>
           <a:p>
             <a:r>
+              <a:rPr lang="zh-CN" altLang="en-US" dirty="0"/>
+              <a:t>如何支持高并发？</a:t>
+            </a:r>
+            <a:endParaRPr lang="en-US" altLang="zh-CN" dirty="0"/>
+          </a:p>
+          <a:p>
+            <a:r>
               <a:rPr lang="en-US" altLang="zh-CN" dirty="0"/>
-              <a:t>Golang</a:t>
+              <a:t>C10K</a:t>
             </a:r>
             <a:r>
               <a:rPr lang="zh-CN" altLang="en-US" dirty="0"/>
-              <a:t>如何改善</a:t>
+              <a:t>问题</a:t>
             </a:r>
             <a:r>
               <a:rPr lang="en-US" altLang="zh-CN" dirty="0"/>
-              <a:t>Google Search</a:t>
-            </a:r>
+              <a:t> </a:t>
+            </a:r>
+            <a:r>
+              <a:rPr lang="en-US" altLang="zh-CN" dirty="0">
+                <a:hlinkClick r:id="rId3"/>
+              </a:rPr>
+              <a:t>http://www.kegel.com/c10k.html</a:t>
+            </a:r>
+            <a:endParaRPr lang="en-US" altLang="zh-CN" dirty="0"/>
+          </a:p>
+          <a:p>
+            <a:r>
+              <a:rPr lang="en-US" altLang="zh-CN" dirty="0"/>
+              <a:t>IO</a:t>
+            </a:r>
+            <a:r>
+              <a:rPr lang="zh-CN" altLang="en-US" dirty="0"/>
+              <a:t>与线程管理是关键</a:t>
+            </a:r>
+            <a:r>
+              <a:rPr lang="en-US" altLang="zh-CN" dirty="0"/>
+              <a:t> </a:t>
+            </a:r>
+          </a:p>
+          <a:p>
             <a:endParaRPr lang="en-US" dirty="0"/>
           </a:p>
         </p:txBody>
@@ -7951,12 +8705,12 @@
         <p:spPr>
           <a:xfrm>
             <a:off x="299101" y="800114"/>
-            <a:ext cx="11647919" cy="5352785"/>
+            <a:ext cx="11647919" cy="5714986"/>
           </a:xfrm>
         </p:spPr>
         <p:txBody>
           <a:bodyPr>
-            <a:normAutofit/>
+            <a:normAutofit lnSpcReduction="10000"/>
           </a:bodyPr>
           <a:lstStyle/>
           <a:p>
@@ -8105,22 +8859,25 @@
           </a:p>
           <a:p>
             <a:r>
-              <a:rPr lang="en-US" dirty="0"/>
-              <a:t>Other </a:t>
-            </a:r>
-            <a:r>
-              <a:rPr lang="en-US" dirty="0" err="1"/>
-              <a:t>thinking</a:t>
-            </a:r>
-            <a:r>
-              <a:rPr lang="en-US" altLang="zh-CN" dirty="0" err="1"/>
-              <a:t>s</a:t>
-            </a:r>
-            <a:endParaRPr lang="en-US" dirty="0">
-              <a:solidFill>
-                <a:srgbClr val="FFC000"/>
-              </a:solidFill>
-            </a:endParaRPr>
+              <a:rPr lang="zh-CN" altLang="en-US" dirty="0"/>
+              <a:t>并发</a:t>
+            </a:r>
+            <a:r>
+              <a:rPr lang="en-US" altLang="zh-CN" dirty="0"/>
+              <a:t>/IO/</a:t>
+            </a:r>
+            <a:r>
+              <a:rPr lang="zh-CN" altLang="en-US" dirty="0"/>
+              <a:t>与线程管理</a:t>
+            </a:r>
+            <a:endParaRPr lang="en-US" altLang="zh-CN" dirty="0"/>
+          </a:p>
+          <a:p>
+            <a:r>
+              <a:rPr lang="zh-CN" altLang="en-US" dirty="0"/>
+              <a:t>个人有感</a:t>
+            </a:r>
+            <a:endParaRPr lang="en-US" dirty="0"/>
           </a:p>
           <a:p>
             <a:r>
@@ -8201,63 +8958,1664 @@
             <p:ph type="title"/>
           </p:nvPr>
         </p:nvSpPr>
-        <p:spPr/>
-        <p:txBody>
-          <a:bodyPr/>
-          <a:lstStyle/>
-          <a:p>
-            <a:r>
-              <a:rPr lang="en-US" dirty="0"/>
-              <a:t>Appendix</a:t>
-            </a:r>
-          </a:p>
-        </p:txBody>
-      </p:sp>
-      <p:sp>
-        <p:nvSpPr>
-          <p:cNvPr id="3" name="Content Placeholder 2">
-            <a:extLst>
-              <a:ext uri="{FF2B5EF4-FFF2-40B4-BE49-F238E27FC236}">
-                <a16:creationId xmlns:a16="http://schemas.microsoft.com/office/drawing/2014/main" id="{0E59A1AE-F806-46F3-BA69-B4B5C2C30661}"/>
-              </a:ext>
-            </a:extLst>
-          </p:cNvPr>
-          <p:cNvSpPr>
-            <a:spLocks noGrp="1"/>
-          </p:cNvSpPr>
-          <p:nvPr>
-            <p:ph idx="1"/>
-          </p:nvPr>
-        </p:nvSpPr>
         <p:spPr>
           <a:xfrm>
-            <a:off x="1100887" y="932464"/>
-            <a:ext cx="9944101" cy="2027304"/>
+            <a:off x="299102" y="136526"/>
+            <a:ext cx="11647919" cy="544511"/>
           </a:xfrm>
         </p:spPr>
+        <p:txBody>
+          <a:bodyPr/>
+          <a:lstStyle/>
+          <a:p>
+            <a:r>
+              <a:rPr lang="zh-CN" altLang="en-US" dirty="0"/>
+              <a:t>典型的服务端处理流程</a:t>
+            </a:r>
+            <a:endParaRPr lang="en-US" dirty="0"/>
+          </a:p>
+        </p:txBody>
+      </p:sp>
+      <p:sp>
+        <p:nvSpPr>
+          <p:cNvPr id="5" name="Content Placeholder 4">
+            <a:extLst>
+              <a:ext uri="{FF2B5EF4-FFF2-40B4-BE49-F238E27FC236}">
+                <a16:creationId xmlns:a16="http://schemas.microsoft.com/office/drawing/2014/main" id="{7A7E2851-6141-4C9C-BEEC-09785EFD900F}"/>
+              </a:ext>
+            </a:extLst>
+          </p:cNvPr>
+          <p:cNvSpPr>
+            <a:spLocks noGrp="1"/>
+          </p:cNvSpPr>
+          <p:nvPr>
+            <p:ph idx="1"/>
+          </p:nvPr>
+        </p:nvSpPr>
+        <p:spPr/>
+        <p:txBody>
+          <a:bodyPr/>
+          <a:lstStyle/>
+          <a:p>
+            <a:r>
+              <a:rPr lang="zh-CN" altLang="en-US" dirty="0"/>
+              <a:t>内核缓冲不可读</a:t>
+            </a:r>
+            <a:r>
+              <a:rPr lang="en-US" altLang="zh-CN" dirty="0"/>
+              <a:t>/</a:t>
+            </a:r>
+            <a:r>
+              <a:rPr lang="zh-CN" altLang="en-US" dirty="0"/>
+              <a:t>不可写 会带来什么？</a:t>
+            </a:r>
+            <a:endParaRPr lang="en-US" dirty="0"/>
+          </a:p>
+        </p:txBody>
+      </p:sp>
+      <p:pic>
+        <p:nvPicPr>
+          <p:cNvPr id="6" name="Picture 5">
+            <a:extLst>
+              <a:ext uri="{FF2B5EF4-FFF2-40B4-BE49-F238E27FC236}">
+                <a16:creationId xmlns:a16="http://schemas.microsoft.com/office/drawing/2014/main" id="{429D6416-EC50-4351-8EA4-ED041C732EDD}"/>
+              </a:ext>
+            </a:extLst>
+          </p:cNvPr>
+          <p:cNvPicPr>
+            <a:picLocks noChangeAspect="1"/>
+          </p:cNvPicPr>
+          <p:nvPr/>
+        </p:nvPicPr>
+        <p:blipFill>
+          <a:blip r:embed="rId3"/>
+          <a:stretch>
+            <a:fillRect/>
+          </a:stretch>
+        </p:blipFill>
+        <p:spPr>
+          <a:xfrm>
+            <a:off x="666687" y="1541280"/>
+            <a:ext cx="10292391" cy="4635683"/>
+          </a:xfrm>
+          <a:prstGeom prst="rect">
+            <a:avLst/>
+          </a:prstGeom>
+        </p:spPr>
+      </p:pic>
+    </p:spTree>
+    <p:extLst>
+      <p:ext uri="{BB962C8B-B14F-4D97-AF65-F5344CB8AC3E}">
+        <p14:creationId xmlns:p14="http://schemas.microsoft.com/office/powerpoint/2010/main" val="2616448833"/>
+      </p:ext>
+    </p:extLst>
+  </p:cSld>
+  <p:clrMapOvr>
+    <a:masterClrMapping/>
+  </p:clrMapOvr>
+</p:sld>
+</file>
+
+<file path=ppt/slides/slide21.xml><?xml version="1.0" encoding="utf-8"?>
+<p:sld xmlns:a="http://schemas.openxmlformats.org/drawingml/2006/main" xmlns:r="http://schemas.openxmlformats.org/officeDocument/2006/relationships" xmlns:p="http://schemas.openxmlformats.org/presentationml/2006/main">
+  <p:cSld>
+    <p:spTree>
+      <p:nvGrpSpPr>
+        <p:cNvPr id="1" name=""/>
+        <p:cNvGrpSpPr/>
+        <p:nvPr/>
+      </p:nvGrpSpPr>
+      <p:grpSpPr>
+        <a:xfrm>
+          <a:off x="0" y="0"/>
+          <a:ext cx="0" cy="0"/>
+          <a:chOff x="0" y="0"/>
+          <a:chExt cx="0" cy="0"/>
+        </a:xfrm>
+      </p:grpSpPr>
+      <p:sp>
+        <p:nvSpPr>
+          <p:cNvPr id="2" name="Title 1">
+            <a:extLst>
+              <a:ext uri="{FF2B5EF4-FFF2-40B4-BE49-F238E27FC236}">
+                <a16:creationId xmlns:a16="http://schemas.microsoft.com/office/drawing/2014/main" id="{D7C84779-5F93-4DCC-86DF-8D79DEAEC374}"/>
+              </a:ext>
+            </a:extLst>
+          </p:cNvPr>
+          <p:cNvSpPr>
+            <a:spLocks noGrp="1"/>
+          </p:cNvSpPr>
+          <p:nvPr>
+            <p:ph type="title"/>
+          </p:nvPr>
+        </p:nvSpPr>
+        <p:spPr>
+          <a:xfrm>
+            <a:off x="299102" y="136526"/>
+            <a:ext cx="11647919" cy="544511"/>
+          </a:xfrm>
+        </p:spPr>
+        <p:txBody>
+          <a:bodyPr/>
+          <a:lstStyle/>
+          <a:p>
+            <a:r>
+              <a:rPr lang="en-US" altLang="zh-CN" dirty="0"/>
+              <a:t>Blocking IO</a:t>
+            </a:r>
+            <a:endParaRPr lang="en-US" dirty="0"/>
+          </a:p>
+        </p:txBody>
+      </p:sp>
+      <p:sp>
+        <p:nvSpPr>
+          <p:cNvPr id="5" name="Content Placeholder 4">
+            <a:extLst>
+              <a:ext uri="{FF2B5EF4-FFF2-40B4-BE49-F238E27FC236}">
+                <a16:creationId xmlns:a16="http://schemas.microsoft.com/office/drawing/2014/main" id="{7A7E2851-6141-4C9C-BEEC-09785EFD900F}"/>
+              </a:ext>
+            </a:extLst>
+          </p:cNvPr>
+          <p:cNvSpPr>
+            <a:spLocks noGrp="1"/>
+          </p:cNvSpPr>
+          <p:nvPr>
+            <p:ph idx="1"/>
+          </p:nvPr>
+        </p:nvSpPr>
+        <p:spPr/>
+        <p:txBody>
+          <a:bodyPr/>
+          <a:lstStyle/>
+          <a:p>
+            <a:r>
+              <a:rPr lang="en-US" altLang="zh-CN" dirty="0"/>
+              <a:t>1</a:t>
+            </a:r>
+            <a:r>
+              <a:rPr lang="zh-CN" altLang="en-US" dirty="0"/>
+              <a:t>线程处理</a:t>
+            </a:r>
+            <a:r>
+              <a:rPr lang="en-US" altLang="zh-CN" dirty="0"/>
+              <a:t>1TCP</a:t>
+            </a:r>
+            <a:r>
+              <a:rPr lang="zh-CN" altLang="en-US" dirty="0"/>
+              <a:t>长连接。 </a:t>
+            </a:r>
+            <a:endParaRPr lang="en-US" dirty="0"/>
+          </a:p>
+        </p:txBody>
+      </p:sp>
+      <p:pic>
+        <p:nvPicPr>
+          <p:cNvPr id="3" name="Picture 2">
+            <a:extLst>
+              <a:ext uri="{FF2B5EF4-FFF2-40B4-BE49-F238E27FC236}">
+                <a16:creationId xmlns:a16="http://schemas.microsoft.com/office/drawing/2014/main" id="{6E8CCC1D-869B-4622-8DFA-3CB43B29ED2D}"/>
+              </a:ext>
+            </a:extLst>
+          </p:cNvPr>
+          <p:cNvPicPr>
+            <a:picLocks noChangeAspect="1"/>
+          </p:cNvPicPr>
+          <p:nvPr/>
+        </p:nvPicPr>
+        <p:blipFill>
+          <a:blip r:embed="rId3"/>
+          <a:stretch>
+            <a:fillRect/>
+          </a:stretch>
+        </p:blipFill>
+        <p:spPr>
+          <a:xfrm>
+            <a:off x="817918" y="1490616"/>
+            <a:ext cx="8747185" cy="4686347"/>
+          </a:xfrm>
+          <a:prstGeom prst="rect">
+            <a:avLst/>
+          </a:prstGeom>
+        </p:spPr>
+      </p:pic>
+    </p:spTree>
+    <p:extLst>
+      <p:ext uri="{BB962C8B-B14F-4D97-AF65-F5344CB8AC3E}">
+        <p14:creationId xmlns:p14="http://schemas.microsoft.com/office/powerpoint/2010/main" val="825655188"/>
+      </p:ext>
+    </p:extLst>
+  </p:cSld>
+  <p:clrMapOvr>
+    <a:masterClrMapping/>
+  </p:clrMapOvr>
+</p:sld>
+</file>
+
+<file path=ppt/slides/slide22.xml><?xml version="1.0" encoding="utf-8"?>
+<p:sld xmlns:a="http://schemas.openxmlformats.org/drawingml/2006/main" xmlns:r="http://schemas.openxmlformats.org/officeDocument/2006/relationships" xmlns:p="http://schemas.openxmlformats.org/presentationml/2006/main">
+  <p:cSld>
+    <p:spTree>
+      <p:nvGrpSpPr>
+        <p:cNvPr id="1" name=""/>
+        <p:cNvGrpSpPr/>
+        <p:nvPr/>
+      </p:nvGrpSpPr>
+      <p:grpSpPr>
+        <a:xfrm>
+          <a:off x="0" y="0"/>
+          <a:ext cx="0" cy="0"/>
+          <a:chOff x="0" y="0"/>
+          <a:chExt cx="0" cy="0"/>
+        </a:xfrm>
+      </p:grpSpPr>
+      <p:sp>
+        <p:nvSpPr>
+          <p:cNvPr id="2" name="Title 1">
+            <a:extLst>
+              <a:ext uri="{FF2B5EF4-FFF2-40B4-BE49-F238E27FC236}">
+                <a16:creationId xmlns:a16="http://schemas.microsoft.com/office/drawing/2014/main" id="{D7C84779-5F93-4DCC-86DF-8D79DEAEC374}"/>
+              </a:ext>
+            </a:extLst>
+          </p:cNvPr>
+          <p:cNvSpPr>
+            <a:spLocks noGrp="1"/>
+          </p:cNvSpPr>
+          <p:nvPr>
+            <p:ph type="title"/>
+          </p:nvPr>
+        </p:nvSpPr>
+        <p:spPr>
+          <a:xfrm>
+            <a:off x="299102" y="136526"/>
+            <a:ext cx="11647919" cy="544511"/>
+          </a:xfrm>
+        </p:spPr>
+        <p:txBody>
+          <a:bodyPr/>
+          <a:lstStyle/>
+          <a:p>
+            <a:r>
+              <a:rPr lang="en-US" altLang="zh-CN" dirty="0"/>
+              <a:t>IO</a:t>
+            </a:r>
+            <a:r>
+              <a:rPr lang="zh-CN" altLang="en-US" dirty="0"/>
+              <a:t>多路复用 </a:t>
+            </a:r>
+            <a:r>
+              <a:rPr lang="en-US" altLang="zh-CN" dirty="0"/>
+              <a:t> select/poll/</a:t>
+            </a:r>
+            <a:r>
+              <a:rPr lang="en-US" altLang="zh-CN" dirty="0" err="1"/>
+              <a:t>epoll</a:t>
+            </a:r>
+            <a:r>
+              <a:rPr lang="en-US" altLang="zh-CN" dirty="0"/>
+              <a:t>/</a:t>
+            </a:r>
+            <a:r>
+              <a:rPr lang="en-US" altLang="zh-CN" dirty="0" err="1"/>
+              <a:t>iocp</a:t>
+            </a:r>
+            <a:r>
+              <a:rPr lang="en-US" altLang="zh-CN" dirty="0"/>
+              <a:t>/</a:t>
+            </a:r>
+            <a:endParaRPr lang="en-US" dirty="0"/>
+          </a:p>
+        </p:txBody>
+      </p:sp>
+      <p:sp>
+        <p:nvSpPr>
+          <p:cNvPr id="5" name="Content Placeholder 4">
+            <a:extLst>
+              <a:ext uri="{FF2B5EF4-FFF2-40B4-BE49-F238E27FC236}">
+                <a16:creationId xmlns:a16="http://schemas.microsoft.com/office/drawing/2014/main" id="{7A7E2851-6141-4C9C-BEEC-09785EFD900F}"/>
+              </a:ext>
+            </a:extLst>
+          </p:cNvPr>
+          <p:cNvSpPr>
+            <a:spLocks noGrp="1"/>
+          </p:cNvSpPr>
+          <p:nvPr>
+            <p:ph idx="1"/>
+          </p:nvPr>
+        </p:nvSpPr>
+        <p:spPr/>
+        <p:txBody>
+          <a:bodyPr/>
+          <a:lstStyle/>
+          <a:p>
+            <a:r>
+              <a:rPr lang="zh-CN" altLang="en-US" dirty="0"/>
+              <a:t>一个线程管理多个</a:t>
+            </a:r>
+            <a:r>
+              <a:rPr lang="en-US" altLang="zh-CN" dirty="0"/>
+              <a:t>IO</a:t>
+            </a:r>
+            <a:endParaRPr lang="en-US" dirty="0"/>
+          </a:p>
+        </p:txBody>
+      </p:sp>
+      <p:pic>
+        <p:nvPicPr>
+          <p:cNvPr id="4" name="Picture 3">
+            <a:extLst>
+              <a:ext uri="{FF2B5EF4-FFF2-40B4-BE49-F238E27FC236}">
+                <a16:creationId xmlns:a16="http://schemas.microsoft.com/office/drawing/2014/main" id="{08FA5801-05A9-4F75-96A7-6E964329EAAB}"/>
+              </a:ext>
+            </a:extLst>
+          </p:cNvPr>
+          <p:cNvPicPr>
+            <a:picLocks noChangeAspect="1"/>
+          </p:cNvPicPr>
+          <p:nvPr/>
+        </p:nvPicPr>
+        <p:blipFill>
+          <a:blip r:embed="rId3"/>
+          <a:stretch>
+            <a:fillRect/>
+          </a:stretch>
+        </p:blipFill>
+        <p:spPr>
+          <a:xfrm>
+            <a:off x="499097" y="1352809"/>
+            <a:ext cx="10160881" cy="4895187"/>
+          </a:xfrm>
+          <a:prstGeom prst="rect">
+            <a:avLst/>
+          </a:prstGeom>
+        </p:spPr>
+      </p:pic>
+    </p:spTree>
+    <p:extLst>
+      <p:ext uri="{BB962C8B-B14F-4D97-AF65-F5344CB8AC3E}">
+        <p14:creationId xmlns:p14="http://schemas.microsoft.com/office/powerpoint/2010/main" val="64897101"/>
+      </p:ext>
+    </p:extLst>
+  </p:cSld>
+  <p:clrMapOvr>
+    <a:masterClrMapping/>
+  </p:clrMapOvr>
+</p:sld>
+</file>
+
+<file path=ppt/slides/slide23.xml><?xml version="1.0" encoding="utf-8"?>
+<p:sld xmlns:a="http://schemas.openxmlformats.org/drawingml/2006/main" xmlns:r="http://schemas.openxmlformats.org/officeDocument/2006/relationships" xmlns:p="http://schemas.openxmlformats.org/presentationml/2006/main">
+  <p:cSld>
+    <p:spTree>
+      <p:nvGrpSpPr>
+        <p:cNvPr id="1" name=""/>
+        <p:cNvGrpSpPr/>
+        <p:nvPr/>
+      </p:nvGrpSpPr>
+      <p:grpSpPr>
+        <a:xfrm>
+          <a:off x="0" y="0"/>
+          <a:ext cx="0" cy="0"/>
+          <a:chOff x="0" y="0"/>
+          <a:chExt cx="0" cy="0"/>
+        </a:xfrm>
+      </p:grpSpPr>
+      <p:sp>
+        <p:nvSpPr>
+          <p:cNvPr id="2" name="Title 1">
+            <a:extLst>
+              <a:ext uri="{FF2B5EF4-FFF2-40B4-BE49-F238E27FC236}">
+                <a16:creationId xmlns:a16="http://schemas.microsoft.com/office/drawing/2014/main" id="{D7C84779-5F93-4DCC-86DF-8D79DEAEC374}"/>
+              </a:ext>
+            </a:extLst>
+          </p:cNvPr>
+          <p:cNvSpPr>
+            <a:spLocks noGrp="1"/>
+          </p:cNvSpPr>
+          <p:nvPr>
+            <p:ph type="title"/>
+          </p:nvPr>
+        </p:nvSpPr>
+        <p:spPr>
+          <a:xfrm>
+            <a:off x="299102" y="136526"/>
+            <a:ext cx="11647919" cy="544511"/>
+          </a:xfrm>
+        </p:spPr>
+        <p:txBody>
+          <a:bodyPr/>
+          <a:lstStyle/>
+          <a:p>
+            <a:r>
+              <a:rPr lang="en-US" altLang="zh-CN" dirty="0"/>
+              <a:t>5</a:t>
+            </a:r>
+            <a:r>
+              <a:rPr lang="zh-CN" altLang="en-US" dirty="0"/>
+              <a:t>种</a:t>
+            </a:r>
+            <a:r>
+              <a:rPr lang="en-US" altLang="zh-CN" dirty="0"/>
+              <a:t>IO</a:t>
+            </a:r>
+            <a:r>
+              <a:rPr lang="zh-CN" altLang="en-US" dirty="0"/>
+              <a:t>模型的比较</a:t>
+            </a:r>
+            <a:endParaRPr lang="en-US" dirty="0"/>
+          </a:p>
+        </p:txBody>
+      </p:sp>
+      <p:sp>
+        <p:nvSpPr>
+          <p:cNvPr id="5" name="Content Placeholder 4">
+            <a:extLst>
+              <a:ext uri="{FF2B5EF4-FFF2-40B4-BE49-F238E27FC236}">
+                <a16:creationId xmlns:a16="http://schemas.microsoft.com/office/drawing/2014/main" id="{7A7E2851-6141-4C9C-BEEC-09785EFD900F}"/>
+              </a:ext>
+            </a:extLst>
+          </p:cNvPr>
+          <p:cNvSpPr>
+            <a:spLocks noGrp="1"/>
+          </p:cNvSpPr>
+          <p:nvPr>
+            <p:ph idx="1"/>
+          </p:nvPr>
+        </p:nvSpPr>
+        <p:spPr/>
+        <p:txBody>
+          <a:bodyPr/>
+          <a:lstStyle/>
+          <a:p>
+            <a:r>
+              <a:rPr lang="en-US" altLang="zh-CN" strike="sngStrike" dirty="0"/>
+              <a:t>2) </a:t>
+            </a:r>
+            <a:r>
+              <a:rPr lang="en-US" altLang="zh-CN" strike="sngStrike" dirty="0" err="1"/>
+              <a:t>HighCPU</a:t>
+            </a:r>
+            <a:r>
+              <a:rPr lang="en-US" altLang="zh-CN" strike="sngStrike" dirty="0"/>
+              <a:t>    4) </a:t>
+            </a:r>
+            <a:r>
+              <a:rPr lang="zh-CN" altLang="en-US" strike="sngStrike" dirty="0"/>
+              <a:t>对</a:t>
+            </a:r>
+            <a:r>
+              <a:rPr lang="en-US" altLang="zh-CN" strike="sngStrike" dirty="0"/>
+              <a:t>TCP</a:t>
+            </a:r>
+            <a:r>
+              <a:rPr lang="zh-CN" altLang="en-US" strike="sngStrike" dirty="0"/>
+              <a:t>无用   </a:t>
+            </a:r>
+            <a:r>
+              <a:rPr lang="en-US" altLang="zh-CN" strike="sngStrike" dirty="0"/>
+              <a:t>5)</a:t>
+            </a:r>
+            <a:r>
+              <a:rPr lang="zh-CN" altLang="en-US" strike="sngStrike" dirty="0"/>
+              <a:t> </a:t>
+            </a:r>
+            <a:r>
+              <a:rPr lang="en-US" altLang="zh-CN" strike="sngStrike" dirty="0"/>
+              <a:t>LINUX</a:t>
+            </a:r>
+            <a:r>
+              <a:rPr lang="zh-CN" altLang="en-US" strike="sngStrike" dirty="0"/>
+              <a:t>没</a:t>
+            </a:r>
+            <a:r>
+              <a:rPr lang="en-US" altLang="zh-CN" strike="sngStrike" dirty="0"/>
+              <a:t>Ready</a:t>
+            </a:r>
+            <a:endParaRPr lang="en-US" strike="sngStrike" dirty="0"/>
+          </a:p>
+        </p:txBody>
+      </p:sp>
+      <p:pic>
+        <p:nvPicPr>
+          <p:cNvPr id="4" name="Picture 3">
+            <a:extLst>
+              <a:ext uri="{FF2B5EF4-FFF2-40B4-BE49-F238E27FC236}">
+                <a16:creationId xmlns:a16="http://schemas.microsoft.com/office/drawing/2014/main" id="{4EE70FF7-76AF-47A3-BA62-F60C7C00E4FD}"/>
+              </a:ext>
+            </a:extLst>
+          </p:cNvPr>
+          <p:cNvPicPr>
+            <a:picLocks noChangeAspect="1"/>
+          </p:cNvPicPr>
+          <p:nvPr/>
+        </p:nvPicPr>
+        <p:blipFill>
+          <a:blip r:embed="rId3"/>
+          <a:stretch>
+            <a:fillRect/>
+          </a:stretch>
+        </p:blipFill>
+        <p:spPr>
+          <a:xfrm>
+            <a:off x="480049" y="1350331"/>
+            <a:ext cx="8657143" cy="4590476"/>
+          </a:xfrm>
+          <a:prstGeom prst="rect">
+            <a:avLst/>
+          </a:prstGeom>
+        </p:spPr>
+      </p:pic>
+    </p:spTree>
+    <p:extLst>
+      <p:ext uri="{BB962C8B-B14F-4D97-AF65-F5344CB8AC3E}">
+        <p14:creationId xmlns:p14="http://schemas.microsoft.com/office/powerpoint/2010/main" val="3994399625"/>
+      </p:ext>
+    </p:extLst>
+  </p:cSld>
+  <p:clrMapOvr>
+    <a:masterClrMapping/>
+  </p:clrMapOvr>
+</p:sld>
+</file>
+
+<file path=ppt/slides/slide24.xml><?xml version="1.0" encoding="utf-8"?>
+<p:sld xmlns:a="http://schemas.openxmlformats.org/drawingml/2006/main" xmlns:r="http://schemas.openxmlformats.org/officeDocument/2006/relationships" xmlns:p="http://schemas.openxmlformats.org/presentationml/2006/main">
+  <p:cSld>
+    <p:spTree>
+      <p:nvGrpSpPr>
+        <p:cNvPr id="1" name=""/>
+        <p:cNvGrpSpPr/>
+        <p:nvPr/>
+      </p:nvGrpSpPr>
+      <p:grpSpPr>
+        <a:xfrm>
+          <a:off x="0" y="0"/>
+          <a:ext cx="0" cy="0"/>
+          <a:chOff x="0" y="0"/>
+          <a:chExt cx="0" cy="0"/>
+        </a:xfrm>
+      </p:grpSpPr>
+      <p:sp>
+        <p:nvSpPr>
+          <p:cNvPr id="2" name="Title 1">
+            <a:extLst>
+              <a:ext uri="{FF2B5EF4-FFF2-40B4-BE49-F238E27FC236}">
+                <a16:creationId xmlns:a16="http://schemas.microsoft.com/office/drawing/2014/main" id="{D7C84779-5F93-4DCC-86DF-8D79DEAEC374}"/>
+              </a:ext>
+            </a:extLst>
+          </p:cNvPr>
+          <p:cNvSpPr>
+            <a:spLocks noGrp="1"/>
+          </p:cNvSpPr>
+          <p:nvPr>
+            <p:ph type="title"/>
+          </p:nvPr>
+        </p:nvSpPr>
+        <p:spPr>
+          <a:xfrm>
+            <a:off x="299102" y="136526"/>
+            <a:ext cx="11647919" cy="544511"/>
+          </a:xfrm>
+        </p:spPr>
+        <p:txBody>
+          <a:bodyPr/>
+          <a:lstStyle/>
+          <a:p>
+            <a:r>
+              <a:rPr lang="en-US" altLang="zh-CN" dirty="0"/>
+              <a:t>IO</a:t>
+            </a:r>
+            <a:r>
+              <a:rPr lang="zh-CN" altLang="en-US" dirty="0"/>
+              <a:t>多路复用：很牛很快很难用</a:t>
+            </a:r>
+            <a:endParaRPr lang="en-US" dirty="0"/>
+          </a:p>
+        </p:txBody>
+      </p:sp>
+      <p:sp>
+        <p:nvSpPr>
+          <p:cNvPr id="5" name="Content Placeholder 4">
+            <a:extLst>
+              <a:ext uri="{FF2B5EF4-FFF2-40B4-BE49-F238E27FC236}">
+                <a16:creationId xmlns:a16="http://schemas.microsoft.com/office/drawing/2014/main" id="{7A7E2851-6141-4C9C-BEEC-09785EFD900F}"/>
+              </a:ext>
+            </a:extLst>
+          </p:cNvPr>
+          <p:cNvSpPr>
+            <a:spLocks noGrp="1"/>
+          </p:cNvSpPr>
+          <p:nvPr>
+            <p:ph idx="1"/>
+          </p:nvPr>
+        </p:nvSpPr>
+        <p:spPr/>
+        <p:txBody>
+          <a:bodyPr/>
+          <a:lstStyle/>
+          <a:p>
+            <a:pPr marL="0" indent="0">
+              <a:buNone/>
+            </a:pPr>
+            <a:r>
+              <a:rPr lang="zh-CN" altLang="en-US" dirty="0"/>
+              <a:t>他们都有一个特点</a:t>
+            </a:r>
+            <a:r>
+              <a:rPr lang="en-US" altLang="zh-CN" dirty="0"/>
+              <a:t>:</a:t>
+            </a:r>
+          </a:p>
+          <a:p>
+            <a:r>
+              <a:rPr lang="en-US" altLang="zh-CN" dirty="0" err="1"/>
+              <a:t>Netty</a:t>
+            </a:r>
+            <a:r>
+              <a:rPr lang="en-US" altLang="zh-CN" dirty="0"/>
+              <a:t>, Undertow, </a:t>
+            </a:r>
+            <a:r>
+              <a:rPr lang="en-US" altLang="zh-CN" dirty="0" err="1"/>
+              <a:t>Vert.x</a:t>
+            </a:r>
+            <a:r>
+              <a:rPr lang="en-US" altLang="zh-CN" dirty="0"/>
+              <a:t>,</a:t>
+            </a:r>
+          </a:p>
+          <a:p>
+            <a:r>
+              <a:rPr lang="en-US" altLang="zh-CN" dirty="0"/>
+              <a:t>Dubbo, Hadoop </a:t>
+            </a:r>
+          </a:p>
+          <a:p>
+            <a:r>
+              <a:rPr lang="en-US" altLang="zh-CN" dirty="0"/>
+              <a:t>Node.js</a:t>
+            </a:r>
+          </a:p>
+          <a:p>
+            <a:r>
+              <a:rPr lang="en-US" dirty="0"/>
+              <a:t>Nginx </a:t>
+            </a:r>
+          </a:p>
+          <a:p>
+            <a:r>
+              <a:rPr lang="en-US" dirty="0"/>
+              <a:t>Kafka, Redis</a:t>
+            </a:r>
+          </a:p>
+          <a:p>
+            <a:r>
+              <a:rPr lang="zh-CN" altLang="en-US" dirty="0"/>
+              <a:t>微信  </a:t>
+            </a:r>
+            <a:r>
+              <a:rPr lang="en-US" altLang="zh-CN" dirty="0"/>
+              <a:t>(</a:t>
+            </a:r>
+            <a:r>
+              <a:rPr lang="zh-CN" altLang="en-US" dirty="0"/>
+              <a:t>见附录</a:t>
+            </a:r>
+            <a:r>
+              <a:rPr lang="en-US" altLang="zh-CN" dirty="0"/>
+              <a:t>)</a:t>
+            </a:r>
+            <a:endParaRPr lang="en-US" dirty="0"/>
+          </a:p>
+          <a:p>
+            <a:pPr marL="0" indent="0">
+              <a:buNone/>
+            </a:pPr>
+            <a:endParaRPr lang="en-US" altLang="zh-CN" dirty="0"/>
+          </a:p>
+          <a:p>
+            <a:pPr marL="0" indent="0">
+              <a:buNone/>
+            </a:pPr>
+            <a:r>
+              <a:rPr lang="en-US" altLang="zh-CN" dirty="0"/>
+              <a:t>Reactor/</a:t>
+            </a:r>
+            <a:r>
+              <a:rPr lang="en-US" altLang="zh-CN" dirty="0" err="1"/>
+              <a:t>Proactor</a:t>
+            </a:r>
+            <a:r>
+              <a:rPr lang="en-US" altLang="zh-CN" dirty="0"/>
+              <a:t> </a:t>
+            </a:r>
+            <a:r>
+              <a:rPr lang="zh-CN" altLang="en-US" dirty="0"/>
+              <a:t>模型</a:t>
+            </a:r>
+            <a:r>
+              <a:rPr lang="en-US" altLang="zh-CN" dirty="0"/>
+              <a:t>, Buffer </a:t>
+            </a:r>
+            <a:r>
+              <a:rPr lang="zh-CN" altLang="en-US" dirty="0"/>
+              <a:t>管理，事件回调，好复杂</a:t>
+            </a:r>
+            <a:endParaRPr lang="en-US" altLang="zh-CN" dirty="0"/>
+          </a:p>
+        </p:txBody>
+      </p:sp>
+    </p:spTree>
+    <p:extLst>
+      <p:ext uri="{BB962C8B-B14F-4D97-AF65-F5344CB8AC3E}">
+        <p14:creationId xmlns:p14="http://schemas.microsoft.com/office/powerpoint/2010/main" val="3030197197"/>
+      </p:ext>
+    </p:extLst>
+  </p:cSld>
+  <p:clrMapOvr>
+    <a:masterClrMapping/>
+  </p:clrMapOvr>
+</p:sld>
+</file>
+
+<file path=ppt/slides/slide25.xml><?xml version="1.0" encoding="utf-8"?>
+<p:sld xmlns:a="http://schemas.openxmlformats.org/drawingml/2006/main" xmlns:r="http://schemas.openxmlformats.org/officeDocument/2006/relationships" xmlns:p="http://schemas.openxmlformats.org/presentationml/2006/main">
+  <p:cSld>
+    <p:spTree>
+      <p:nvGrpSpPr>
+        <p:cNvPr id="1" name=""/>
+        <p:cNvGrpSpPr/>
+        <p:nvPr/>
+      </p:nvGrpSpPr>
+      <p:grpSpPr>
+        <a:xfrm>
+          <a:off x="0" y="0"/>
+          <a:ext cx="0" cy="0"/>
+          <a:chOff x="0" y="0"/>
+          <a:chExt cx="0" cy="0"/>
+        </a:xfrm>
+      </p:grpSpPr>
+      <p:sp>
+        <p:nvSpPr>
+          <p:cNvPr id="2" name="Title 1">
+            <a:extLst>
+              <a:ext uri="{FF2B5EF4-FFF2-40B4-BE49-F238E27FC236}">
+                <a16:creationId xmlns:a16="http://schemas.microsoft.com/office/drawing/2014/main" id="{D7C84779-5F93-4DCC-86DF-8D79DEAEC374}"/>
+              </a:ext>
+            </a:extLst>
+          </p:cNvPr>
+          <p:cNvSpPr>
+            <a:spLocks noGrp="1"/>
+          </p:cNvSpPr>
+          <p:nvPr>
+            <p:ph type="title"/>
+          </p:nvPr>
+        </p:nvSpPr>
+        <p:spPr>
+          <a:xfrm>
+            <a:off x="299102" y="136526"/>
+            <a:ext cx="11647919" cy="544511"/>
+          </a:xfrm>
+        </p:spPr>
+        <p:txBody>
+          <a:bodyPr/>
+          <a:lstStyle/>
+          <a:p>
+            <a:r>
+              <a:rPr lang="en-US" altLang="zh-CN" dirty="0"/>
+              <a:t>Golang:</a:t>
+            </a:r>
+            <a:r>
+              <a:rPr lang="zh-CN" altLang="en-US" dirty="0"/>
+              <a:t> 简单好用的高并发</a:t>
+            </a:r>
+            <a:endParaRPr lang="en-US" dirty="0"/>
+          </a:p>
+        </p:txBody>
+      </p:sp>
+      <p:sp>
+        <p:nvSpPr>
+          <p:cNvPr id="5" name="Content Placeholder 4">
+            <a:extLst>
+              <a:ext uri="{FF2B5EF4-FFF2-40B4-BE49-F238E27FC236}">
+                <a16:creationId xmlns:a16="http://schemas.microsoft.com/office/drawing/2014/main" id="{7A7E2851-6141-4C9C-BEEC-09785EFD900F}"/>
+              </a:ext>
+            </a:extLst>
+          </p:cNvPr>
+          <p:cNvSpPr>
+            <a:spLocks noGrp="1"/>
+          </p:cNvSpPr>
+          <p:nvPr>
+            <p:ph idx="1"/>
+          </p:nvPr>
+        </p:nvSpPr>
+        <p:spPr>
+          <a:xfrm>
+            <a:off x="299101" y="824178"/>
+            <a:ext cx="11647919" cy="5352785"/>
+          </a:xfrm>
+        </p:spPr>
+        <p:txBody>
+          <a:bodyPr/>
+          <a:lstStyle/>
+          <a:p>
+            <a:r>
+              <a:rPr lang="zh-CN" altLang="en-US" dirty="0"/>
+              <a:t>语言级别支持轻量级协程，用户态切换</a:t>
+            </a:r>
+            <a:endParaRPr lang="en-US" altLang="zh-CN" dirty="0"/>
+          </a:p>
+          <a:p>
+            <a:r>
+              <a:rPr lang="zh-CN" altLang="en-US" dirty="0"/>
+              <a:t>同步的编程模型</a:t>
+            </a:r>
+            <a:r>
+              <a:rPr lang="en-US" altLang="zh-CN" dirty="0"/>
+              <a:t>,  </a:t>
+            </a:r>
+            <a:r>
+              <a:rPr lang="zh-CN" altLang="en-US" dirty="0"/>
+              <a:t>没有异步回调，心智负担轻</a:t>
+            </a:r>
+            <a:endParaRPr lang="en-US" altLang="zh-CN" dirty="0"/>
+          </a:p>
+          <a:p>
+            <a:r>
+              <a:rPr lang="zh-CN" altLang="en-US" dirty="0"/>
+              <a:t>自带</a:t>
+            </a:r>
+            <a:r>
+              <a:rPr lang="en-US" altLang="zh-CN" dirty="0"/>
+              <a:t>GC</a:t>
+            </a:r>
+          </a:p>
+          <a:p>
+            <a:r>
+              <a:rPr lang="zh-CN" altLang="en-US" dirty="0"/>
+              <a:t>静态类型</a:t>
+            </a:r>
+            <a:endParaRPr lang="en-US" altLang="zh-CN" dirty="0"/>
+          </a:p>
+          <a:p>
+            <a:r>
+              <a:rPr lang="zh-CN" altLang="en-US" dirty="0"/>
+              <a:t>函数是一等公民，简单直击要害</a:t>
+            </a:r>
+            <a:r>
+              <a:rPr lang="en-US" altLang="zh-CN" dirty="0"/>
+              <a:t>.  (</a:t>
+            </a:r>
+            <a:r>
+              <a:rPr lang="zh-CN" altLang="en-US" dirty="0"/>
+              <a:t>骈俪的</a:t>
+            </a:r>
+            <a:r>
+              <a:rPr lang="en-US" altLang="zh-CN" dirty="0"/>
+              <a:t>Java</a:t>
+            </a:r>
+            <a:r>
+              <a:rPr lang="zh-CN" altLang="en-US" dirty="0"/>
+              <a:t>设计模式</a:t>
+            </a:r>
+            <a:r>
+              <a:rPr lang="en-US" altLang="zh-CN" dirty="0"/>
+              <a:t>?)</a:t>
+            </a:r>
+          </a:p>
+          <a:p>
+            <a:r>
+              <a:rPr lang="zh-CN" altLang="en-US" dirty="0"/>
+              <a:t>编译快，跨平台，自带运行时，单一文件输出</a:t>
+            </a:r>
+            <a:endParaRPr lang="en-US" altLang="zh-CN" dirty="0"/>
+          </a:p>
+          <a:p>
+            <a:r>
+              <a:rPr lang="zh-CN" altLang="en-US" dirty="0"/>
+              <a:t>简单</a:t>
+            </a:r>
+            <a:endParaRPr lang="en-US" altLang="zh-CN" dirty="0"/>
+          </a:p>
+          <a:p>
+            <a:r>
+              <a:rPr lang="zh-CN" altLang="en-US" dirty="0"/>
+              <a:t>类库齐全</a:t>
+            </a:r>
+            <a:r>
+              <a:rPr lang="en-US" altLang="zh-CN" dirty="0"/>
+              <a:t>, </a:t>
+            </a:r>
+            <a:r>
+              <a:rPr lang="zh-CN" altLang="en-US" dirty="0"/>
+              <a:t>自带</a:t>
+            </a:r>
+            <a:r>
+              <a:rPr lang="en-US" altLang="zh-CN" dirty="0"/>
+              <a:t>Web/RPC </a:t>
+            </a:r>
+            <a:r>
+              <a:rPr lang="zh-CN" altLang="en-US" dirty="0"/>
+              <a:t>服务器</a:t>
+            </a:r>
+            <a:endParaRPr lang="en-US" altLang="zh-CN" dirty="0"/>
+          </a:p>
+          <a:p>
+            <a:r>
+              <a:rPr lang="zh-CN" altLang="en-US" dirty="0"/>
+              <a:t>无历史包袱</a:t>
+            </a:r>
+            <a:endParaRPr lang="en-US" altLang="zh-CN" dirty="0"/>
+          </a:p>
+          <a:p>
+            <a:r>
+              <a:rPr lang="zh-CN" altLang="en-US" dirty="0"/>
+              <a:t>适合</a:t>
+            </a:r>
+            <a:r>
+              <a:rPr lang="en-US" altLang="zh-CN" dirty="0"/>
+              <a:t> </a:t>
+            </a:r>
+            <a:r>
+              <a:rPr lang="zh-CN" altLang="en-US" dirty="0"/>
+              <a:t>服务端网络编程</a:t>
+            </a:r>
+            <a:endParaRPr lang="en-US" altLang="zh-CN" dirty="0"/>
+          </a:p>
+          <a:p>
+            <a:endParaRPr lang="en-US" dirty="0"/>
+          </a:p>
+          <a:p>
+            <a:pPr marL="0" indent="0">
+              <a:buNone/>
+            </a:pPr>
+            <a:endParaRPr lang="en-US" altLang="zh-CN" dirty="0"/>
+          </a:p>
+        </p:txBody>
+      </p:sp>
+    </p:spTree>
+    <p:extLst>
+      <p:ext uri="{BB962C8B-B14F-4D97-AF65-F5344CB8AC3E}">
+        <p14:creationId xmlns:p14="http://schemas.microsoft.com/office/powerpoint/2010/main" val="1844588651"/>
+      </p:ext>
+    </p:extLst>
+  </p:cSld>
+  <p:clrMapOvr>
+    <a:masterClrMapping/>
+  </p:clrMapOvr>
+</p:sld>
+</file>
+
+<file path=ppt/slides/slide26.xml><?xml version="1.0" encoding="utf-8"?>
+<p:sld xmlns:a="http://schemas.openxmlformats.org/drawingml/2006/main" xmlns:r="http://schemas.openxmlformats.org/officeDocument/2006/relationships" xmlns:p="http://schemas.openxmlformats.org/presentationml/2006/main">
+  <p:cSld>
+    <p:spTree>
+      <p:nvGrpSpPr>
+        <p:cNvPr id="1" name=""/>
+        <p:cNvGrpSpPr/>
+        <p:nvPr/>
+      </p:nvGrpSpPr>
+      <p:grpSpPr>
+        <a:xfrm>
+          <a:off x="0" y="0"/>
+          <a:ext cx="0" cy="0"/>
+          <a:chOff x="0" y="0"/>
+          <a:chExt cx="0" cy="0"/>
+        </a:xfrm>
+      </p:grpSpPr>
+      <p:sp>
+        <p:nvSpPr>
+          <p:cNvPr id="2" name="Title 1">
+            <a:extLst>
+              <a:ext uri="{FF2B5EF4-FFF2-40B4-BE49-F238E27FC236}">
+                <a16:creationId xmlns:a16="http://schemas.microsoft.com/office/drawing/2014/main" id="{D7C84779-5F93-4DCC-86DF-8D79DEAEC374}"/>
+              </a:ext>
+            </a:extLst>
+          </p:cNvPr>
+          <p:cNvSpPr>
+            <a:spLocks noGrp="1"/>
+          </p:cNvSpPr>
+          <p:nvPr>
+            <p:ph type="title"/>
+          </p:nvPr>
+        </p:nvSpPr>
+        <p:spPr>
+          <a:xfrm>
+            <a:off x="299102" y="136526"/>
+            <a:ext cx="11647919" cy="544511"/>
+          </a:xfrm>
+        </p:spPr>
+        <p:txBody>
+          <a:bodyPr/>
+          <a:lstStyle/>
+          <a:p>
+            <a:r>
+              <a:rPr lang="zh-CN" altLang="en-US" dirty="0"/>
+              <a:t>为什么推荐</a:t>
+            </a:r>
+            <a:r>
+              <a:rPr lang="en-US" altLang="zh-CN" dirty="0"/>
+              <a:t>Golang</a:t>
+            </a:r>
+            <a:endParaRPr lang="en-US" dirty="0"/>
+          </a:p>
+        </p:txBody>
+      </p:sp>
+      <p:sp>
+        <p:nvSpPr>
+          <p:cNvPr id="5" name="Content Placeholder 4">
+            <a:extLst>
+              <a:ext uri="{FF2B5EF4-FFF2-40B4-BE49-F238E27FC236}">
+                <a16:creationId xmlns:a16="http://schemas.microsoft.com/office/drawing/2014/main" id="{7A7E2851-6141-4C9C-BEEC-09785EFD900F}"/>
+              </a:ext>
+            </a:extLst>
+          </p:cNvPr>
+          <p:cNvSpPr>
+            <a:spLocks noGrp="1"/>
+          </p:cNvSpPr>
+          <p:nvPr>
+            <p:ph idx="1"/>
+          </p:nvPr>
+        </p:nvSpPr>
+        <p:spPr/>
+        <p:txBody>
+          <a:bodyPr/>
+          <a:lstStyle/>
+          <a:p>
+            <a:pPr marL="0" indent="0">
+              <a:buNone/>
+            </a:pPr>
+            <a:r>
+              <a:rPr lang="zh-CN" altLang="en-US" dirty="0"/>
+              <a:t>我发现我花了四年时间锤炼自己用 </a:t>
+            </a:r>
+            <a:r>
+              <a:rPr lang="en-US" altLang="zh-CN" dirty="0"/>
+              <a:t>C </a:t>
+            </a:r>
+            <a:r>
+              <a:rPr lang="zh-CN" altLang="en-US" dirty="0"/>
+              <a:t>语言构建系统的能力，试图找到一个规范，可以更好的编写软件。结果发现只是对 </a:t>
+            </a:r>
+            <a:r>
+              <a:rPr lang="en-US" altLang="zh-CN" dirty="0"/>
+              <a:t>Go </a:t>
+            </a:r>
+            <a:r>
+              <a:rPr lang="zh-CN" altLang="en-US" dirty="0"/>
+              <a:t>的模仿。缺乏语言层面的支持，只能是一个拙劣的模仿。</a:t>
+            </a:r>
+            <a:endParaRPr lang="en-US" altLang="zh-CN" dirty="0"/>
+          </a:p>
+          <a:p>
+            <a:pPr marL="0" indent="0">
+              <a:buNone/>
+            </a:pPr>
+            <a:r>
+              <a:rPr lang="en-US" altLang="zh-CN" dirty="0"/>
+              <a:t>--</a:t>
+            </a:r>
+            <a:r>
+              <a:rPr lang="zh-CN" altLang="en-US" dirty="0"/>
+              <a:t>云风博客</a:t>
+            </a:r>
+            <a:endParaRPr lang="en-US" altLang="zh-CN" dirty="0"/>
+          </a:p>
+        </p:txBody>
+      </p:sp>
+    </p:spTree>
+    <p:extLst>
+      <p:ext uri="{BB962C8B-B14F-4D97-AF65-F5344CB8AC3E}">
+        <p14:creationId xmlns:p14="http://schemas.microsoft.com/office/powerpoint/2010/main" val="1100923261"/>
+      </p:ext>
+    </p:extLst>
+  </p:cSld>
+  <p:clrMapOvr>
+    <a:masterClrMapping/>
+  </p:clrMapOvr>
+</p:sld>
+</file>
+
+<file path=ppt/slides/slide27.xml><?xml version="1.0" encoding="utf-8"?>
+<p:sld xmlns:a="http://schemas.openxmlformats.org/drawingml/2006/main" xmlns:r="http://schemas.openxmlformats.org/officeDocument/2006/relationships" xmlns:p="http://schemas.openxmlformats.org/presentationml/2006/main">
+  <p:cSld>
+    <p:spTree>
+      <p:nvGrpSpPr>
+        <p:cNvPr id="1" name=""/>
+        <p:cNvGrpSpPr/>
+        <p:nvPr/>
+      </p:nvGrpSpPr>
+      <p:grpSpPr>
+        <a:xfrm>
+          <a:off x="0" y="0"/>
+          <a:ext cx="0" cy="0"/>
+          <a:chOff x="0" y="0"/>
+          <a:chExt cx="0" cy="0"/>
+        </a:xfrm>
+      </p:grpSpPr>
+      <p:sp>
+        <p:nvSpPr>
+          <p:cNvPr id="2" name="Title 1">
+            <a:extLst>
+              <a:ext uri="{FF2B5EF4-FFF2-40B4-BE49-F238E27FC236}">
+                <a16:creationId xmlns:a16="http://schemas.microsoft.com/office/drawing/2014/main" id="{D7C84779-5F93-4DCC-86DF-8D79DEAEC374}"/>
+              </a:ext>
+            </a:extLst>
+          </p:cNvPr>
+          <p:cNvSpPr>
+            <a:spLocks noGrp="1"/>
+          </p:cNvSpPr>
+          <p:nvPr>
+            <p:ph type="title"/>
+          </p:nvPr>
+        </p:nvSpPr>
+        <p:spPr>
+          <a:xfrm>
+            <a:off x="299102" y="136526"/>
+            <a:ext cx="11647919" cy="544511"/>
+          </a:xfrm>
+        </p:spPr>
+        <p:txBody>
+          <a:bodyPr/>
+          <a:lstStyle/>
+          <a:p>
+            <a:r>
+              <a:rPr lang="zh-CN" altLang="en-US" dirty="0"/>
+              <a:t>为什么推荐</a:t>
+            </a:r>
+            <a:r>
+              <a:rPr lang="en-US" altLang="zh-CN" dirty="0"/>
+              <a:t>Golang</a:t>
+            </a:r>
+            <a:endParaRPr lang="en-US" dirty="0"/>
+          </a:p>
+        </p:txBody>
+      </p:sp>
+      <p:sp>
+        <p:nvSpPr>
+          <p:cNvPr id="5" name="Content Placeholder 4">
+            <a:extLst>
+              <a:ext uri="{FF2B5EF4-FFF2-40B4-BE49-F238E27FC236}">
+                <a16:creationId xmlns:a16="http://schemas.microsoft.com/office/drawing/2014/main" id="{7A7E2851-6141-4C9C-BEEC-09785EFD900F}"/>
+              </a:ext>
+            </a:extLst>
+          </p:cNvPr>
+          <p:cNvSpPr>
+            <a:spLocks noGrp="1"/>
+          </p:cNvSpPr>
+          <p:nvPr>
+            <p:ph idx="1"/>
+          </p:nvPr>
+        </p:nvSpPr>
+        <p:spPr/>
         <p:txBody>
           <a:bodyPr>
             <a:normAutofit/>
           </a:bodyPr>
           <a:lstStyle/>
           <a:p>
-            <a:r>
-              <a:rPr lang="en-US" i="1" dirty="0"/>
-              <a:t>Codes</a:t>
-            </a:r>
-          </a:p>
-          <a:p>
-            <a:r>
-              <a:rPr lang="en-US" i="1" dirty="0" err="1"/>
-              <a:t>CheatSheet</a:t>
-            </a:r>
-            <a:endParaRPr lang="en-US" i="1" dirty="0"/>
-          </a:p>
-          <a:p>
-            <a:endParaRPr lang="en-US" dirty="0"/>
-          </a:p>
-          <a:p>
-            <a:endParaRPr lang="en-US" dirty="0"/>
+            <a:pPr marL="0" indent="0">
+              <a:buNone/>
+            </a:pPr>
+            <a:r>
+              <a:rPr lang="zh-CN" altLang="en-US" dirty="0"/>
+              <a:t>曾几何时，“协程编程”还是极少数高端玩家嘴里的黑话。无锁队列，并行，非阻塞，无栈有栈协议，上下文切换，</a:t>
+            </a:r>
+            <a:r>
+              <a:rPr lang="en-US" altLang="zh-CN" dirty="0"/>
+              <a:t>actor </a:t>
+            </a:r>
+            <a:r>
+              <a:rPr lang="zh-CN" altLang="en-US" dirty="0"/>
+              <a:t>，</a:t>
+            </a:r>
+            <a:r>
+              <a:rPr lang="en-US" altLang="zh-CN" dirty="0" err="1"/>
+              <a:t>csp</a:t>
+            </a:r>
+            <a:r>
+              <a:rPr lang="zh-CN" altLang="en-US" dirty="0"/>
+              <a:t>这些黑话足以把你的膀胱吓得漏液。如今，作为资深</a:t>
+            </a:r>
+            <a:r>
+              <a:rPr lang="en-US" altLang="zh-CN" dirty="0"/>
+              <a:t>c/</a:t>
+            </a:r>
+            <a:r>
+              <a:rPr lang="en-US" altLang="zh-CN" dirty="0" err="1"/>
+              <a:t>c++</a:t>
+            </a:r>
+            <a:r>
+              <a:rPr lang="zh-CN" altLang="en-US" dirty="0"/>
+              <a:t>工程师的你看到一个</a:t>
+            </a:r>
+            <a:r>
+              <a:rPr lang="en-US" altLang="zh-CN" dirty="0"/>
+              <a:t>java CRUD boy</a:t>
+            </a:r>
+            <a:r>
+              <a:rPr lang="zh-CN" altLang="en-US" dirty="0"/>
+              <a:t>看</a:t>
+            </a:r>
+            <a:r>
+              <a:rPr lang="en-US" altLang="zh-CN" dirty="0"/>
+              <a:t>3</a:t>
+            </a:r>
+            <a:r>
+              <a:rPr lang="zh-CN" altLang="en-US" dirty="0"/>
+              <a:t>个小时</a:t>
+            </a:r>
+            <a:r>
+              <a:rPr lang="en-US" altLang="zh-CN" dirty="0"/>
+              <a:t>go cookbook </a:t>
+            </a:r>
+            <a:r>
+              <a:rPr lang="zh-CN" altLang="en-US" dirty="0"/>
+              <a:t>写出来的</a:t>
+            </a:r>
+            <a:r>
+              <a:rPr lang="en-US" altLang="zh-CN" dirty="0"/>
+              <a:t>socket</a:t>
+            </a:r>
+            <a:r>
+              <a:rPr lang="zh-CN" altLang="en-US" dirty="0"/>
+              <a:t>服务器的丑陋代码一开始你可能还会笑出声，但是一顿</a:t>
+            </a:r>
+            <a:r>
+              <a:rPr lang="en-US" altLang="zh-CN" dirty="0"/>
+              <a:t>profile benchmark</a:t>
+            </a:r>
+            <a:r>
+              <a:rPr lang="zh-CN" altLang="en-US" dirty="0"/>
+              <a:t>之后，你发现这丑陋玩意儿居然能比你花了半个月用</a:t>
+            </a:r>
+            <a:r>
+              <a:rPr lang="en-US" altLang="zh-CN" dirty="0"/>
+              <a:t>c</a:t>
+            </a:r>
+            <a:r>
+              <a:rPr lang="zh-CN" altLang="en-US" dirty="0"/>
+              <a:t>写的构建于</a:t>
+            </a:r>
+            <a:r>
+              <a:rPr lang="en-US" altLang="zh-CN" dirty="0" err="1"/>
+              <a:t>colib+libuv</a:t>
+            </a:r>
+            <a:r>
+              <a:rPr lang="en-US" altLang="zh-CN" dirty="0"/>
+              <a:t>+#</a:t>
+            </a:r>
+            <a:r>
+              <a:rPr lang="zh-CN" altLang="en-US" dirty="0"/>
+              <a:t>￥</a:t>
+            </a:r>
+            <a:r>
+              <a:rPr lang="en-US" altLang="zh-CN" dirty="0"/>
+              <a:t>%*&amp;</a:t>
+            </a:r>
+            <a:r>
+              <a:rPr lang="zh-CN" altLang="en-US" dirty="0"/>
+              <a:t>等一大堆你生怕写到简历上会引来一大堆猎头骚扰的黑科技构建的</a:t>
+            </a:r>
+            <a:r>
+              <a:rPr lang="en-US" altLang="zh-CN" dirty="0" err="1"/>
+              <a:t>tcp</a:t>
+            </a:r>
+            <a:r>
+              <a:rPr lang="zh-CN" altLang="en-US" dirty="0"/>
+              <a:t>服务端性能更高跑的更快的时候，笑容开始凝固并逐渐消失。</a:t>
+            </a:r>
+            <a:r>
+              <a:rPr lang="en-US" altLang="zh-CN" dirty="0"/>
+              <a:t>go</a:t>
+            </a:r>
+            <a:r>
+              <a:rPr lang="zh-CN" altLang="en-US" dirty="0"/>
+              <a:t>程序似乎不需要刻意调优，也不需要使用</a:t>
+            </a:r>
+            <a:r>
+              <a:rPr lang="en-US" altLang="zh-CN" dirty="0"/>
+              <a:t>supervisor</a:t>
+            </a:r>
+            <a:r>
+              <a:rPr lang="zh-CN" altLang="en-US" dirty="0"/>
+              <a:t>托管一堆进程，天然把协程分配到各核心上面自动压榨，而这一切还对程序员透明。终于你进入了“中年危机”  </a:t>
+            </a:r>
+            <a:r>
+              <a:rPr lang="en-US" altLang="zh-CN" dirty="0"/>
+              <a:t>(</a:t>
+            </a:r>
+            <a:r>
+              <a:rPr lang="zh-CN" altLang="en-US" dirty="0"/>
+              <a:t>引至</a:t>
+            </a:r>
+            <a:r>
+              <a:rPr lang="en-US" altLang="zh-CN" dirty="0" err="1"/>
+              <a:t>zhihu</a:t>
+            </a:r>
+            <a:r>
+              <a:rPr lang="en-US" altLang="zh-CN" dirty="0"/>
+              <a:t>)</a:t>
+            </a:r>
+            <a:endParaRPr lang="zh-CN" altLang="en-US" dirty="0"/>
+          </a:p>
+          <a:p>
+            <a:pPr marL="0" indent="0">
+              <a:buNone/>
+            </a:pPr>
+            <a:endParaRPr lang="en-US" altLang="zh-CN" dirty="0"/>
+          </a:p>
+          <a:p>
+            <a:pPr marL="0" indent="0">
+              <a:buNone/>
+            </a:pPr>
+            <a:r>
+              <a:rPr lang="zh-CN" altLang="en-US" dirty="0"/>
+              <a:t>唯有简单才是最终的解决方案</a:t>
+            </a:r>
+          </a:p>
+        </p:txBody>
+      </p:sp>
+    </p:spTree>
+    <p:extLst>
+      <p:ext uri="{BB962C8B-B14F-4D97-AF65-F5344CB8AC3E}">
+        <p14:creationId xmlns:p14="http://schemas.microsoft.com/office/powerpoint/2010/main" val="2499605271"/>
+      </p:ext>
+    </p:extLst>
+  </p:cSld>
+  <p:clrMapOvr>
+    <a:masterClrMapping/>
+  </p:clrMapOvr>
+</p:sld>
+</file>
+
+<file path=ppt/slides/slide28.xml><?xml version="1.0" encoding="utf-8"?>
+<p:sld xmlns:a="http://schemas.openxmlformats.org/drawingml/2006/main" xmlns:r="http://schemas.openxmlformats.org/officeDocument/2006/relationships" xmlns:p="http://schemas.openxmlformats.org/presentationml/2006/main">
+  <p:cSld>
+    <p:spTree>
+      <p:nvGrpSpPr>
+        <p:cNvPr id="1" name=""/>
+        <p:cNvGrpSpPr/>
+        <p:nvPr/>
+      </p:nvGrpSpPr>
+      <p:grpSpPr>
+        <a:xfrm>
+          <a:off x="0" y="0"/>
+          <a:ext cx="0" cy="0"/>
+          <a:chOff x="0" y="0"/>
+          <a:chExt cx="0" cy="0"/>
+        </a:xfrm>
+      </p:grpSpPr>
+      <p:sp>
+        <p:nvSpPr>
+          <p:cNvPr id="2" name="Title 1">
+            <a:extLst>
+              <a:ext uri="{FF2B5EF4-FFF2-40B4-BE49-F238E27FC236}">
+                <a16:creationId xmlns:a16="http://schemas.microsoft.com/office/drawing/2014/main" id="{D7C84779-5F93-4DCC-86DF-8D79DEAEC374}"/>
+              </a:ext>
+            </a:extLst>
+          </p:cNvPr>
+          <p:cNvSpPr>
+            <a:spLocks noGrp="1"/>
+          </p:cNvSpPr>
+          <p:nvPr>
+            <p:ph type="title"/>
+          </p:nvPr>
+        </p:nvSpPr>
+        <p:spPr/>
+        <p:txBody>
+          <a:bodyPr/>
+          <a:lstStyle/>
+          <a:p>
+            <a:r>
+              <a:rPr lang="en-US" dirty="0"/>
+              <a:t>Appendix</a:t>
+            </a:r>
+          </a:p>
+        </p:txBody>
+      </p:sp>
+      <p:sp>
+        <p:nvSpPr>
+          <p:cNvPr id="3" name="Content Placeholder 2">
+            <a:extLst>
+              <a:ext uri="{FF2B5EF4-FFF2-40B4-BE49-F238E27FC236}">
+                <a16:creationId xmlns:a16="http://schemas.microsoft.com/office/drawing/2014/main" id="{0E59A1AE-F806-46F3-BA69-B4B5C2C30661}"/>
+              </a:ext>
+            </a:extLst>
+          </p:cNvPr>
+          <p:cNvSpPr>
+            <a:spLocks noGrp="1"/>
+          </p:cNvSpPr>
+          <p:nvPr>
+            <p:ph idx="1"/>
+          </p:nvPr>
+        </p:nvSpPr>
+        <p:spPr>
+          <a:xfrm>
+            <a:off x="535403" y="1052778"/>
+            <a:ext cx="10875548" cy="4681272"/>
+          </a:xfrm>
+        </p:spPr>
+        <p:txBody>
+          <a:bodyPr>
+            <a:normAutofit/>
+          </a:bodyPr>
+          <a:lstStyle/>
+          <a:p>
+            <a:r>
+              <a:rPr lang="zh-CN" altLang="en-US" sz="1800" dirty="0"/>
+              <a:t>今日头条</a:t>
+            </a:r>
+            <a:r>
+              <a:rPr lang="en-US" altLang="zh-CN" sz="1800" dirty="0"/>
+              <a:t>Go</a:t>
+            </a:r>
+            <a:r>
+              <a:rPr lang="zh-CN" altLang="en-US" sz="1800" dirty="0"/>
+              <a:t>建千亿级微服务的实践 </a:t>
+            </a:r>
+            <a:r>
+              <a:rPr lang="en-US" sz="1800" i="1" dirty="0">
+                <a:hlinkClick r:id="rId3"/>
+              </a:rPr>
+              <a:t>https://36kr.com/p/5073181.html</a:t>
+            </a:r>
+            <a:r>
+              <a:rPr lang="en-US" sz="1800" i="1" dirty="0"/>
+              <a:t> </a:t>
+            </a:r>
+          </a:p>
+          <a:p>
+            <a:r>
+              <a:rPr lang="en-US" sz="1800" dirty="0"/>
+              <a:t>Golang</a:t>
+            </a:r>
+            <a:r>
+              <a:rPr lang="zh-CN" altLang="en-US" sz="1800" dirty="0"/>
+              <a:t>适合高并发场景的原因分析 </a:t>
+            </a:r>
+            <a:r>
+              <a:rPr lang="en-US" sz="1800" i="1" dirty="0">
+                <a:hlinkClick r:id="rId4"/>
+              </a:rPr>
+              <a:t>https://blog.csdn.net/ghj1976/article/details/27996095</a:t>
+            </a:r>
+            <a:endParaRPr lang="en-US" sz="1800" i="1" dirty="0"/>
+          </a:p>
+          <a:p>
+            <a:r>
+              <a:rPr lang="en-US" altLang="zh-CN" sz="1800" i="1" dirty="0"/>
+              <a:t>Dive-into-Golang </a:t>
+            </a:r>
+            <a:r>
+              <a:rPr lang="en-US" altLang="zh-CN" sz="1800" i="1" dirty="0">
+                <a:hlinkClick r:id="rId5"/>
+              </a:rPr>
+              <a:t>https://www.slideserve.com/farica/dive-into-golang</a:t>
+            </a:r>
+            <a:endParaRPr lang="en-US" altLang="zh-CN" sz="1800" i="1" dirty="0"/>
+          </a:p>
+          <a:p>
+            <a:r>
+              <a:rPr lang="zh-CN" altLang="en-US" sz="1800" dirty="0"/>
+              <a:t>高性能网络编程  </a:t>
+            </a:r>
+            <a:r>
+              <a:rPr lang="en-US" altLang="zh-CN" sz="1800" dirty="0">
+                <a:hlinkClick r:id="rId6"/>
+              </a:rPr>
+              <a:t>https://segmentfault.com/a/1190000007240744</a:t>
+            </a:r>
+            <a:endParaRPr lang="en-US" altLang="zh-CN" sz="1800" dirty="0"/>
+          </a:p>
+          <a:p>
+            <a:r>
+              <a:rPr lang="zh-CN" altLang="en-US" sz="1800" dirty="0"/>
+              <a:t>许式伟谈</a:t>
+            </a:r>
+            <a:r>
+              <a:rPr lang="en-US" altLang="zh-CN" sz="1800" dirty="0"/>
+              <a:t>Go Erlang</a:t>
+            </a:r>
+            <a:r>
+              <a:rPr lang="zh-CN" altLang="en-US" sz="1800" dirty="0"/>
+              <a:t>并发编程差异 </a:t>
+            </a:r>
+            <a:r>
+              <a:rPr lang="en-US" altLang="zh-CN" sz="1800" dirty="0">
+                <a:hlinkClick r:id="rId7"/>
+              </a:rPr>
+              <a:t>https://studygolang.com/articles/2945</a:t>
+            </a:r>
+            <a:endParaRPr lang="en-US" altLang="zh-CN" sz="1800" dirty="0"/>
+          </a:p>
+          <a:p>
+            <a:r>
+              <a:rPr lang="zh-CN" altLang="en-US" sz="1800" dirty="0"/>
+              <a:t>七种</a:t>
+            </a:r>
+            <a:r>
+              <a:rPr lang="en-US" altLang="zh-CN" sz="1800" dirty="0"/>
+              <a:t>WebSocket</a:t>
+            </a:r>
+            <a:r>
+              <a:rPr lang="zh-CN" altLang="en-US" sz="1800" dirty="0"/>
+              <a:t>框架的性能比较 </a:t>
+            </a:r>
+            <a:r>
+              <a:rPr lang="en-US" altLang="zh-CN" sz="1800" dirty="0">
+                <a:hlinkClick r:id="rId8"/>
+              </a:rPr>
+              <a:t>https://colobu.com/2015/07/14/performance-comparison-of-7-websocket-frameworks/</a:t>
+            </a:r>
+            <a:endParaRPr lang="en-US" altLang="zh-CN" sz="1800" dirty="0"/>
+          </a:p>
+          <a:p>
+            <a:r>
+              <a:rPr lang="en-US" altLang="zh-CN" sz="1800" dirty="0"/>
+              <a:t>C/C++</a:t>
+            </a:r>
+            <a:r>
+              <a:rPr lang="zh-CN" altLang="en-US" sz="1800" dirty="0"/>
+              <a:t>协程库</a:t>
+            </a:r>
+            <a:r>
+              <a:rPr lang="en-US" altLang="zh-CN" sz="1800" dirty="0" err="1"/>
+              <a:t>libco</a:t>
+            </a:r>
+            <a:r>
+              <a:rPr lang="zh-CN" altLang="en-US" sz="1800" dirty="0"/>
+              <a:t>：微信怎样漂亮地完成异步化改造 </a:t>
+            </a:r>
+            <a:r>
+              <a:rPr lang="en-US" altLang="zh-CN" sz="1800" dirty="0">
+                <a:hlinkClick r:id="rId9"/>
+              </a:rPr>
+              <a:t>https://www.infoq.cn/articles/CplusStyleCorourtine-At-Wechat</a:t>
+            </a:r>
+            <a:endParaRPr lang="en-US" altLang="zh-CN" sz="1800" dirty="0"/>
+          </a:p>
+          <a:p>
+            <a:r>
+              <a:rPr lang="zh-CN" altLang="en-US" sz="1800" dirty="0"/>
+              <a:t>协程：高并发</a:t>
+            </a:r>
+            <a:r>
+              <a:rPr lang="en-US" altLang="zh-CN" sz="1800" dirty="0"/>
+              <a:t>IO</a:t>
+            </a:r>
+            <a:r>
+              <a:rPr lang="zh-CN" altLang="en-US" sz="1800" dirty="0"/>
+              <a:t>终极杀器： </a:t>
+            </a:r>
+            <a:r>
+              <a:rPr lang="en-US" altLang="zh-CN" sz="1800" dirty="0">
+                <a:hlinkClick r:id="rId10"/>
+              </a:rPr>
+              <a:t>https://zhuanlan.zhihu.com/p/27519705</a:t>
+            </a:r>
+            <a:endParaRPr lang="en-US" altLang="zh-CN" sz="1800" dirty="0"/>
+          </a:p>
+          <a:p>
+            <a:r>
+              <a:rPr lang="zh-CN" altLang="en-US" sz="1800" b="1" dirty="0"/>
+              <a:t>为什么要使用 </a:t>
+            </a:r>
+            <a:r>
+              <a:rPr lang="en-US" altLang="zh-CN" sz="1800" b="1" dirty="0"/>
+              <a:t>Go </a:t>
+            </a:r>
+            <a:r>
+              <a:rPr lang="zh-CN" altLang="en-US" sz="1800" b="1" dirty="0"/>
+              <a:t>语言？</a:t>
+            </a:r>
+            <a:r>
+              <a:rPr lang="en-US" altLang="zh-CN" sz="1800" b="1" dirty="0"/>
+              <a:t>Go </a:t>
+            </a:r>
+            <a:r>
+              <a:rPr lang="zh-CN" altLang="en-US" sz="1800" b="1" dirty="0"/>
+              <a:t>语言的优势在哪里？ </a:t>
+            </a:r>
+            <a:r>
+              <a:rPr lang="en-US" altLang="zh-CN" sz="1800" dirty="0">
+                <a:hlinkClick r:id="rId11"/>
+              </a:rPr>
+              <a:t>https://www.zhihu.com/question/21409296</a:t>
+            </a:r>
+            <a:endParaRPr lang="en-US" altLang="zh-CN" sz="1800" dirty="0"/>
+          </a:p>
+          <a:p>
+            <a:endParaRPr lang="en-US" altLang="zh-CN" sz="1800" dirty="0"/>
+          </a:p>
+          <a:p>
+            <a:endParaRPr lang="en-US" altLang="zh-CN" sz="1800" dirty="0"/>
+          </a:p>
+          <a:p>
+            <a:endParaRPr lang="en-US" altLang="zh-CN" sz="1800" dirty="0"/>
+          </a:p>
+          <a:p>
+            <a:endParaRPr lang="en-US" altLang="zh-CN" sz="1800" dirty="0"/>
+          </a:p>
+          <a:p>
+            <a:endParaRPr lang="en-US" altLang="zh-CN" sz="1800" dirty="0"/>
+          </a:p>
+          <a:p>
+            <a:endParaRPr lang="en-US" altLang="zh-CN" sz="1800" dirty="0"/>
+          </a:p>
+          <a:p>
+            <a:endParaRPr lang="en-US" altLang="zh-CN" sz="1800" dirty="0"/>
+          </a:p>
+          <a:p>
+            <a:endParaRPr lang="en-US" altLang="zh-CN" sz="1800" dirty="0"/>
+          </a:p>
+          <a:p>
+            <a:endParaRPr lang="en-US" sz="1800" dirty="0"/>
+          </a:p>
+          <a:p>
+            <a:endParaRPr lang="en-US" sz="1800" dirty="0"/>
+          </a:p>
+          <a:p>
+            <a:endParaRPr lang="en-US" sz="1800" dirty="0"/>
           </a:p>
         </p:txBody>
       </p:sp>
@@ -10539,12 +12897,9 @@
 </file>
 
 <file path=customXml/item1.xml><?xml version="1.0" encoding="utf-8"?>
-<?mso-contentType ?>
-<FormTemplates xmlns="http://schemas.microsoft.com/sharepoint/v3/contenttype/forms">
-  <Display>DocumentLibraryForm</Display>
-  <Edit>DocumentLibraryForm</Edit>
-  <New>DocumentLibraryForm</New>
-</FormTemplates>
+<p:properties xmlns:p="http://schemas.microsoft.com/office/2006/metadata/properties" xmlns:xsi="http://www.w3.org/2001/XMLSchema-instance" xmlns:pc="http://schemas.microsoft.com/office/infopath/2007/PartnerControls">
+  <documentManagement/>
+</p:properties>
 </file>
 
 <file path=customXml/item2.xml><?xml version="1.0" encoding="utf-8"?>
@@ -10686,15 +13041,26 @@
 </file>
 
 <file path=customXml/item3.xml><?xml version="1.0" encoding="utf-8"?>
-<p:properties xmlns:p="http://schemas.microsoft.com/office/2006/metadata/properties" xmlns:xsi="http://www.w3.org/2001/XMLSchema-instance" xmlns:pc="http://schemas.microsoft.com/office/infopath/2007/PartnerControls">
-  <documentManagement/>
-</p:properties>
+<?mso-contentType ?>
+<FormTemplates xmlns="http://schemas.microsoft.com/sharepoint/v3/contenttype/forms">
+  <Display>DocumentLibraryForm</Display>
+  <Edit>DocumentLibraryForm</Edit>
+  <New>DocumentLibraryForm</New>
+</FormTemplates>
 </file>
 
 <file path=customXml/itemProps1.xml><?xml version="1.0" encoding="utf-8"?>
-<ds:datastoreItem xmlns:ds="http://schemas.openxmlformats.org/officeDocument/2006/customXml" ds:itemID="{8D58F66B-F132-4627-A8F1-473C8F1DC658}">
+<ds:datastoreItem xmlns:ds="http://schemas.openxmlformats.org/officeDocument/2006/customXml" ds:itemID="{09818F5F-9A4E-472D-957A-F61DB6A689A1}">
   <ds:schemaRefs>
-    <ds:schemaRef ds:uri="http://schemas.microsoft.com/sharepoint/v3/contenttype/forms"/>
+    <ds:schemaRef ds:uri="http://www.w3.org/XML/1998/namespace"/>
+    <ds:schemaRef ds:uri="http://schemas.microsoft.com/office/2006/metadata/properties"/>
+    <ds:schemaRef ds:uri="http://purl.org/dc/dcmitype/"/>
+    <ds:schemaRef ds:uri="a5770b6f-473e-481d-a1c6-8a0376abbd89"/>
+    <ds:schemaRef ds:uri="http://purl.org/dc/terms/"/>
+    <ds:schemaRef ds:uri="http://schemas.microsoft.com/office/infopath/2007/PartnerControls"/>
+    <ds:schemaRef ds:uri="http://schemas.microsoft.com/office/2006/documentManagement/types"/>
+    <ds:schemaRef ds:uri="http://schemas.openxmlformats.org/package/2006/metadata/core-properties"/>
+    <ds:schemaRef ds:uri="http://purl.org/dc/elements/1.1/"/>
   </ds:schemaRefs>
 </ds:datastoreItem>
 </file>
@@ -10718,17 +13084,9 @@
 </file>
 
 <file path=customXml/itemProps3.xml><?xml version="1.0" encoding="utf-8"?>
-<ds:datastoreItem xmlns:ds="http://schemas.openxmlformats.org/officeDocument/2006/customXml" ds:itemID="{09818F5F-9A4E-472D-957A-F61DB6A689A1}">
+<ds:datastoreItem xmlns:ds="http://schemas.openxmlformats.org/officeDocument/2006/customXml" ds:itemID="{8D58F66B-F132-4627-A8F1-473C8F1DC658}">
   <ds:schemaRefs>
-    <ds:schemaRef ds:uri="http://www.w3.org/XML/1998/namespace"/>
-    <ds:schemaRef ds:uri="http://schemas.microsoft.com/office/2006/metadata/properties"/>
-    <ds:schemaRef ds:uri="http://purl.org/dc/dcmitype/"/>
-    <ds:schemaRef ds:uri="a5770b6f-473e-481d-a1c6-8a0376abbd89"/>
-    <ds:schemaRef ds:uri="http://purl.org/dc/terms/"/>
-    <ds:schemaRef ds:uri="http://schemas.microsoft.com/office/infopath/2007/PartnerControls"/>
-    <ds:schemaRef ds:uri="http://schemas.microsoft.com/office/2006/documentManagement/types"/>
-    <ds:schemaRef ds:uri="http://schemas.openxmlformats.org/package/2006/metadata/core-properties"/>
-    <ds:schemaRef ds:uri="http://purl.org/dc/elements/1.1/"/>
+    <ds:schemaRef ds:uri="http://schemas.microsoft.com/sharepoint/v3/contenttype/forms"/>
   </ds:schemaRefs>
 </ds:datastoreItem>
 </file>
--- a/GolangConcurency.pptx
+++ b/GolangConcurency.pptx
@@ -144,6 +144,10 @@
             <p14:sldId id="260"/>
             <p14:sldId id="258"/>
             <p14:sldId id="317"/>
+          </p14:sldIdLst>
+        </p14:section>
+        <p14:section name="channel" id="{991077F5-3727-45A2-B745-3446CC8F19D0}">
+          <p14:sldIdLst>
             <p14:sldId id="323"/>
             <p14:sldId id="324"/>
             <p14:sldId id="325"/>
@@ -152,21 +156,37 @@
             <p14:sldId id="326"/>
             <p14:sldId id="328"/>
             <p14:sldId id="329"/>
+          </p14:sldIdLst>
+        </p14:section>
+        <p14:section name="channel + sync" id="{E66909E7-93AD-4C66-9BC0-5889E4B3C1DE}">
+          <p14:sldIdLst>
             <p14:sldId id="330"/>
+          </p14:sldIdLst>
+        </p14:section>
+        <p14:section name="select" id="{F61E93BA-5A32-464B-A7B3-1F3BE5F546F0}">
+          <p14:sldIdLst>
             <p14:sldId id="332"/>
             <p14:sldId id="333"/>
             <p14:sldId id="334"/>
           </p14:sldIdLst>
         </p14:section>
-        <p14:section name="Summary" id="{B6A0A644-47C2-48A4-AD14-D633EDD6C7CF}">
+        <p14:section name="google example" id="{B6A0A644-47C2-48A4-AD14-D633EDD6C7CF}">
           <p14:sldIdLst>
             <p14:sldId id="322"/>
+          </p14:sldIdLst>
+        </p14:section>
+        <p14:section name="I/O modal" id="{1D8B91DB-CE2B-428C-B4F7-F60193D8843D}">
+          <p14:sldIdLst>
             <p14:sldId id="336"/>
             <p14:sldId id="337"/>
             <p14:sldId id="338"/>
             <p14:sldId id="340"/>
             <p14:sldId id="339"/>
             <p14:sldId id="341"/>
+          </p14:sldIdLst>
+        </p14:section>
+        <p14:section name="why golang" id="{A0ACFAC8-BC0E-4099-9314-7BE53C9266DC}">
+          <p14:sldIdLst>
             <p14:sldId id="343"/>
             <p14:sldId id="345"/>
             <p14:sldId id="346"/>
@@ -11037,10 +11057,10 @@
       </p:sp>
       <p:pic>
         <p:nvPicPr>
-          <p:cNvPr id="6" name="Picture 5">
-            <a:extLst>
-              <a:ext uri="{FF2B5EF4-FFF2-40B4-BE49-F238E27FC236}">
-                <a16:creationId xmlns:a16="http://schemas.microsoft.com/office/drawing/2014/main" id="{D9D35F01-3DBC-40A8-B0E2-A754678B0CB6}"/>
+          <p:cNvPr id="5" name="Picture 4">
+            <a:extLst>
+              <a:ext uri="{FF2B5EF4-FFF2-40B4-BE49-F238E27FC236}">
+                <a16:creationId xmlns:a16="http://schemas.microsoft.com/office/drawing/2014/main" id="{53A4B057-3B19-4265-AAD3-16AF8114FA31}"/>
               </a:ext>
             </a:extLst>
           </p:cNvPr>
@@ -11057,8 +11077,8 @@
         </p:blipFill>
         <p:spPr>
           <a:xfrm>
-            <a:off x="1549528" y="1637580"/>
-            <a:ext cx="7966611" cy="4740867"/>
+            <a:off x="700411" y="1535269"/>
+            <a:ext cx="8457211" cy="4903631"/>
           </a:xfrm>
           <a:prstGeom prst="rect">
             <a:avLst/>
@@ -12897,9 +12917,12 @@
 </file>
 
 <file path=customXml/item1.xml><?xml version="1.0" encoding="utf-8"?>
-<p:properties xmlns:p="http://schemas.microsoft.com/office/2006/metadata/properties" xmlns:xsi="http://www.w3.org/2001/XMLSchema-instance" xmlns:pc="http://schemas.microsoft.com/office/infopath/2007/PartnerControls">
-  <documentManagement/>
-</p:properties>
+<?mso-contentType ?>
+<FormTemplates xmlns="http://schemas.microsoft.com/sharepoint/v3/contenttype/forms">
+  <Display>DocumentLibraryForm</Display>
+  <Edit>DocumentLibraryForm</Edit>
+  <New>DocumentLibraryForm</New>
+</FormTemplates>
 </file>
 
 <file path=customXml/item2.xml><?xml version="1.0" encoding="utf-8"?>
@@ -13041,26 +13064,15 @@
 </file>
 
 <file path=customXml/item3.xml><?xml version="1.0" encoding="utf-8"?>
-<?mso-contentType ?>
-<FormTemplates xmlns="http://schemas.microsoft.com/sharepoint/v3/contenttype/forms">
-  <Display>DocumentLibraryForm</Display>
-  <Edit>DocumentLibraryForm</Edit>
-  <New>DocumentLibraryForm</New>
-</FormTemplates>
+<p:properties xmlns:p="http://schemas.microsoft.com/office/2006/metadata/properties" xmlns:xsi="http://www.w3.org/2001/XMLSchema-instance" xmlns:pc="http://schemas.microsoft.com/office/infopath/2007/PartnerControls">
+  <documentManagement/>
+</p:properties>
 </file>
 
 <file path=customXml/itemProps1.xml><?xml version="1.0" encoding="utf-8"?>
-<ds:datastoreItem xmlns:ds="http://schemas.openxmlformats.org/officeDocument/2006/customXml" ds:itemID="{09818F5F-9A4E-472D-957A-F61DB6A689A1}">
+<ds:datastoreItem xmlns:ds="http://schemas.openxmlformats.org/officeDocument/2006/customXml" ds:itemID="{8D58F66B-F132-4627-A8F1-473C8F1DC658}">
   <ds:schemaRefs>
-    <ds:schemaRef ds:uri="http://www.w3.org/XML/1998/namespace"/>
-    <ds:schemaRef ds:uri="http://schemas.microsoft.com/office/2006/metadata/properties"/>
-    <ds:schemaRef ds:uri="http://purl.org/dc/dcmitype/"/>
-    <ds:schemaRef ds:uri="a5770b6f-473e-481d-a1c6-8a0376abbd89"/>
-    <ds:schemaRef ds:uri="http://purl.org/dc/terms/"/>
-    <ds:schemaRef ds:uri="http://schemas.microsoft.com/office/infopath/2007/PartnerControls"/>
-    <ds:schemaRef ds:uri="http://schemas.microsoft.com/office/2006/documentManagement/types"/>
-    <ds:schemaRef ds:uri="http://schemas.openxmlformats.org/package/2006/metadata/core-properties"/>
-    <ds:schemaRef ds:uri="http://purl.org/dc/elements/1.1/"/>
+    <ds:schemaRef ds:uri="http://schemas.microsoft.com/sharepoint/v3/contenttype/forms"/>
   </ds:schemaRefs>
 </ds:datastoreItem>
 </file>
@@ -13084,9 +13096,17 @@
 </file>
 
 <file path=customXml/itemProps3.xml><?xml version="1.0" encoding="utf-8"?>
-<ds:datastoreItem xmlns:ds="http://schemas.openxmlformats.org/officeDocument/2006/customXml" ds:itemID="{8D58F66B-F132-4627-A8F1-473C8F1DC658}">
+<ds:datastoreItem xmlns:ds="http://schemas.openxmlformats.org/officeDocument/2006/customXml" ds:itemID="{09818F5F-9A4E-472D-957A-F61DB6A689A1}">
   <ds:schemaRefs>
-    <ds:schemaRef ds:uri="http://schemas.microsoft.com/sharepoint/v3/contenttype/forms"/>
+    <ds:schemaRef ds:uri="http://www.w3.org/XML/1998/namespace"/>
+    <ds:schemaRef ds:uri="http://schemas.microsoft.com/office/2006/metadata/properties"/>
+    <ds:schemaRef ds:uri="http://purl.org/dc/dcmitype/"/>
+    <ds:schemaRef ds:uri="a5770b6f-473e-481d-a1c6-8a0376abbd89"/>
+    <ds:schemaRef ds:uri="http://purl.org/dc/terms/"/>
+    <ds:schemaRef ds:uri="http://schemas.microsoft.com/office/infopath/2007/PartnerControls"/>
+    <ds:schemaRef ds:uri="http://schemas.microsoft.com/office/2006/documentManagement/types"/>
+    <ds:schemaRef ds:uri="http://schemas.openxmlformats.org/package/2006/metadata/core-properties"/>
+    <ds:schemaRef ds:uri="http://purl.org/dc/elements/1.1/"/>
   </ds:schemaRefs>
 </ds:datastoreItem>
 </file>
--- a/GolangConcurency.pptx
+++ b/GolangConcurency.pptx
@@ -5,7 +5,7 @@
     <p:sldMasterId id="2147483648" r:id="rId4"/>
   </p:sldMasterIdLst>
   <p:notesMasterIdLst>
-    <p:notesMasterId r:id="rId33"/>
+    <p:notesMasterId r:id="rId35"/>
   </p:notesMasterIdLst>
   <p:sldIdLst>
     <p:sldId id="256" r:id="rId5"/>
@@ -35,7 +35,9 @@
     <p:sldId id="343" r:id="rId29"/>
     <p:sldId id="345" r:id="rId30"/>
     <p:sldId id="346" r:id="rId31"/>
-    <p:sldId id="335" r:id="rId32"/>
+    <p:sldId id="347" r:id="rId32"/>
+    <p:sldId id="348" r:id="rId33"/>
+    <p:sldId id="335" r:id="rId34"/>
   </p:sldIdLst>
   <p:sldSz cx="12192000" cy="6858000"/>
   <p:notesSz cx="6858000" cy="9144000"/>
@@ -136,7 +138,7 @@
   </p:defaultTextStyle>
   <p:extLst>
     <p:ext uri="{521415D9-36F7-43E2-AB2F-B90AF26B5E84}">
-      <p14:sectionLst xmlns:p14="http://schemas.microsoft.com/office/powerpoint/2010/main">
+      <p14:sectionLst xmlns:p14="http://schemas.microsoft.com/office/powerpoint/2010/main" xmlns="">
         <p14:section name="Introduction" id="{53D9EADD-8752-4C05-9F62-8DF6D7C58F99}">
           <p14:sldIdLst>
             <p14:sldId id="256"/>
@@ -196,7 +198,7 @@
       </p14:sectionLst>
     </p:ext>
     <p:ext uri="{EFAFB233-063F-42B5-8137-9DF3F51BA10A}">
-      <p15:sldGuideLst xmlns:p15="http://schemas.microsoft.com/office/powerpoint/2012/main">
+      <p15:sldGuideLst xmlns:p15="http://schemas.microsoft.com/office/powerpoint/2012/main" xmlns="">
         <p15:guide id="1" orient="horz" pos="2160">
           <p15:clr>
             <a:srgbClr val="A4A3A4"/>
@@ -218,7 +220,7 @@
   <p:cmAuthor id="1" name="MICHAEL GONG (DSCOE-ISD-OOCLL/ZHA)" initials="MG(" lastIdx="1" clrIdx="0">
     <p:extLst>
       <p:ext uri="{19B8F6BF-5375-455C-9EA6-DF929625EA0E}">
-        <p15:presenceInfo xmlns:p15="http://schemas.microsoft.com/office/powerpoint/2012/main" userId="S-1-5-21-2065039802-622210664-899889007-132009" providerId="AD"/>
+        <p15:presenceInfo xmlns:p15="http://schemas.microsoft.com/office/powerpoint/2012/main" xmlns="" userId="S-1-5-21-2065039802-622210664-899889007-132009" providerId="AD"/>
       </p:ext>
     </p:extLst>
   </p:cmAuthor>
@@ -476,7 +478,7 @@
     </p:spTree>
     <p:extLst>
       <p:ext uri="{BB962C8B-B14F-4D97-AF65-F5344CB8AC3E}">
-        <p14:creationId xmlns:p14="http://schemas.microsoft.com/office/powerpoint/2010/main" val="3511084736"/>
+        <p14:creationId xmlns:p14="http://schemas.microsoft.com/office/powerpoint/2010/main" xmlns="" val="3511084736"/>
       </p:ext>
     </p:extLst>
   </p:cSld>
@@ -651,7 +653,7 @@
     </p:spTree>
     <p:extLst>
       <p:ext uri="{BB962C8B-B14F-4D97-AF65-F5344CB8AC3E}">
-        <p14:creationId xmlns:p14="http://schemas.microsoft.com/office/powerpoint/2010/main" val="1504085620"/>
+        <p14:creationId xmlns:p14="http://schemas.microsoft.com/office/powerpoint/2010/main" xmlns="" val="1504085620"/>
       </p:ext>
     </p:extLst>
   </p:cSld>
@@ -736,7 +738,7 @@
     </p:spTree>
     <p:extLst>
       <p:ext uri="{BB962C8B-B14F-4D97-AF65-F5344CB8AC3E}">
-        <p14:creationId xmlns:p14="http://schemas.microsoft.com/office/powerpoint/2010/main" val="3843752410"/>
+        <p14:creationId xmlns:p14="http://schemas.microsoft.com/office/powerpoint/2010/main" xmlns="" val="3843752410"/>
       </p:ext>
     </p:extLst>
   </p:cSld>
@@ -821,7 +823,7 @@
     </p:spTree>
     <p:extLst>
       <p:ext uri="{BB962C8B-B14F-4D97-AF65-F5344CB8AC3E}">
-        <p14:creationId xmlns:p14="http://schemas.microsoft.com/office/powerpoint/2010/main" val="3843752410"/>
+        <p14:creationId xmlns:p14="http://schemas.microsoft.com/office/powerpoint/2010/main" xmlns="" val="3843752410"/>
       </p:ext>
     </p:extLst>
   </p:cSld>
@@ -906,7 +908,7 @@
     </p:spTree>
     <p:extLst>
       <p:ext uri="{BB962C8B-B14F-4D97-AF65-F5344CB8AC3E}">
-        <p14:creationId xmlns:p14="http://schemas.microsoft.com/office/powerpoint/2010/main" val="3843752410"/>
+        <p14:creationId xmlns:p14="http://schemas.microsoft.com/office/powerpoint/2010/main" xmlns="" val="3843752410"/>
       </p:ext>
     </p:extLst>
   </p:cSld>
@@ -991,7 +993,7 @@
     </p:spTree>
     <p:extLst>
       <p:ext uri="{BB962C8B-B14F-4D97-AF65-F5344CB8AC3E}">
-        <p14:creationId xmlns:p14="http://schemas.microsoft.com/office/powerpoint/2010/main" val="3843752410"/>
+        <p14:creationId xmlns:p14="http://schemas.microsoft.com/office/powerpoint/2010/main" xmlns="" val="3843752410"/>
       </p:ext>
     </p:extLst>
   </p:cSld>
@@ -1076,7 +1078,7 @@
     </p:spTree>
     <p:extLst>
       <p:ext uri="{BB962C8B-B14F-4D97-AF65-F5344CB8AC3E}">
-        <p14:creationId xmlns:p14="http://schemas.microsoft.com/office/powerpoint/2010/main" val="3208220907"/>
+        <p14:creationId xmlns:p14="http://schemas.microsoft.com/office/powerpoint/2010/main" xmlns="" val="3208220907"/>
       </p:ext>
     </p:extLst>
   </p:cSld>
@@ -1161,7 +1163,7 @@
     </p:spTree>
     <p:extLst>
       <p:ext uri="{BB962C8B-B14F-4D97-AF65-F5344CB8AC3E}">
-        <p14:creationId xmlns:p14="http://schemas.microsoft.com/office/powerpoint/2010/main" val="2782073266"/>
+        <p14:creationId xmlns:p14="http://schemas.microsoft.com/office/powerpoint/2010/main" xmlns="" val="2782073266"/>
       </p:ext>
     </p:extLst>
   </p:cSld>
@@ -1246,7 +1248,7 @@
     </p:spTree>
     <p:extLst>
       <p:ext uri="{BB962C8B-B14F-4D97-AF65-F5344CB8AC3E}">
-        <p14:creationId xmlns:p14="http://schemas.microsoft.com/office/powerpoint/2010/main" val="2434866526"/>
+        <p14:creationId xmlns:p14="http://schemas.microsoft.com/office/powerpoint/2010/main" xmlns="" val="2434866526"/>
       </p:ext>
     </p:extLst>
   </p:cSld>
@@ -1331,7 +1333,7 @@
     </p:spTree>
     <p:extLst>
       <p:ext uri="{BB962C8B-B14F-4D97-AF65-F5344CB8AC3E}">
-        <p14:creationId xmlns:p14="http://schemas.microsoft.com/office/powerpoint/2010/main" val="2905436193"/>
+        <p14:creationId xmlns:p14="http://schemas.microsoft.com/office/powerpoint/2010/main" xmlns="" val="2905436193"/>
       </p:ext>
     </p:extLst>
   </p:cSld>
@@ -1416,7 +1418,7 @@
     </p:spTree>
     <p:extLst>
       <p:ext uri="{BB962C8B-B14F-4D97-AF65-F5344CB8AC3E}">
-        <p14:creationId xmlns:p14="http://schemas.microsoft.com/office/powerpoint/2010/main" val="1164159088"/>
+        <p14:creationId xmlns:p14="http://schemas.microsoft.com/office/powerpoint/2010/main" xmlns="" val="1164159088"/>
       </p:ext>
     </p:extLst>
   </p:cSld>
@@ -1501,7 +1503,7 @@
     </p:spTree>
     <p:extLst>
       <p:ext uri="{BB962C8B-B14F-4D97-AF65-F5344CB8AC3E}">
-        <p14:creationId xmlns:p14="http://schemas.microsoft.com/office/powerpoint/2010/main" val="1130930753"/>
+        <p14:creationId xmlns:p14="http://schemas.microsoft.com/office/powerpoint/2010/main" xmlns="" val="1130930753"/>
       </p:ext>
     </p:extLst>
   </p:cSld>
@@ -1586,7 +1588,7 @@
     </p:spTree>
     <p:extLst>
       <p:ext uri="{BB962C8B-B14F-4D97-AF65-F5344CB8AC3E}">
-        <p14:creationId xmlns:p14="http://schemas.microsoft.com/office/powerpoint/2010/main" val="1236732504"/>
+        <p14:creationId xmlns:p14="http://schemas.microsoft.com/office/powerpoint/2010/main" xmlns="" val="1236732504"/>
       </p:ext>
     </p:extLst>
   </p:cSld>
@@ -1671,7 +1673,7 @@
     </p:spTree>
     <p:extLst>
       <p:ext uri="{BB962C8B-B14F-4D97-AF65-F5344CB8AC3E}">
-        <p14:creationId xmlns:p14="http://schemas.microsoft.com/office/powerpoint/2010/main" val="3376366299"/>
+        <p14:creationId xmlns:p14="http://schemas.microsoft.com/office/powerpoint/2010/main" xmlns="" val="3376366299"/>
       </p:ext>
     </p:extLst>
   </p:cSld>
@@ -1756,7 +1758,7 @@
     </p:spTree>
     <p:extLst>
       <p:ext uri="{BB962C8B-B14F-4D97-AF65-F5344CB8AC3E}">
-        <p14:creationId xmlns:p14="http://schemas.microsoft.com/office/powerpoint/2010/main" val="2421331174"/>
+        <p14:creationId xmlns:p14="http://schemas.microsoft.com/office/powerpoint/2010/main" xmlns="" val="2421331174"/>
       </p:ext>
     </p:extLst>
   </p:cSld>
@@ -1841,7 +1843,7 @@
     </p:spTree>
     <p:extLst>
       <p:ext uri="{BB962C8B-B14F-4D97-AF65-F5344CB8AC3E}">
-        <p14:creationId xmlns:p14="http://schemas.microsoft.com/office/powerpoint/2010/main" val="2553016045"/>
+        <p14:creationId xmlns:p14="http://schemas.microsoft.com/office/powerpoint/2010/main" xmlns="" val="2553016045"/>
       </p:ext>
     </p:extLst>
   </p:cSld>
@@ -1926,7 +1928,7 @@
     </p:spTree>
     <p:extLst>
       <p:ext uri="{BB962C8B-B14F-4D97-AF65-F5344CB8AC3E}">
-        <p14:creationId xmlns:p14="http://schemas.microsoft.com/office/powerpoint/2010/main" val="165906700"/>
+        <p14:creationId xmlns:p14="http://schemas.microsoft.com/office/powerpoint/2010/main" xmlns="" val="165906700"/>
       </p:ext>
     </p:extLst>
   </p:cSld>
@@ -2011,7 +2013,7 @@
     </p:spTree>
     <p:extLst>
       <p:ext uri="{BB962C8B-B14F-4D97-AF65-F5344CB8AC3E}">
-        <p14:creationId xmlns:p14="http://schemas.microsoft.com/office/powerpoint/2010/main" val="3510348480"/>
+        <p14:creationId xmlns:p14="http://schemas.microsoft.com/office/powerpoint/2010/main" xmlns="" val="3510348480"/>
       </p:ext>
     </p:extLst>
   </p:cSld>
@@ -2096,7 +2098,7 @@
     </p:spTree>
     <p:extLst>
       <p:ext uri="{BB962C8B-B14F-4D97-AF65-F5344CB8AC3E}">
-        <p14:creationId xmlns:p14="http://schemas.microsoft.com/office/powerpoint/2010/main" val="2350648499"/>
+        <p14:creationId xmlns:p14="http://schemas.microsoft.com/office/powerpoint/2010/main" xmlns="" val="2350648499"/>
       </p:ext>
     </p:extLst>
   </p:cSld>
@@ -2181,7 +2183,7 @@
     </p:spTree>
     <p:extLst>
       <p:ext uri="{BB962C8B-B14F-4D97-AF65-F5344CB8AC3E}">
-        <p14:creationId xmlns:p14="http://schemas.microsoft.com/office/powerpoint/2010/main" val="2807633666"/>
+        <p14:creationId xmlns:p14="http://schemas.microsoft.com/office/powerpoint/2010/main" xmlns="" val="2807633666"/>
       </p:ext>
     </p:extLst>
   </p:cSld>
@@ -2266,7 +2268,177 @@
     </p:spTree>
     <p:extLst>
       <p:ext uri="{BB962C8B-B14F-4D97-AF65-F5344CB8AC3E}">
-        <p14:creationId xmlns:p14="http://schemas.microsoft.com/office/powerpoint/2010/main" val="1878289805"/>
+        <p14:creationId xmlns:p14="http://schemas.microsoft.com/office/powerpoint/2010/main" xmlns="" val="2807633666"/>
+      </p:ext>
+    </p:extLst>
+  </p:cSld>
+  <p:clrMapOvr>
+    <a:masterClrMapping/>
+  </p:clrMapOvr>
+</p:notes>
+</file>
+
+<file path=ppt/notesSlides/notesSlide28.xml><?xml version="1.0" encoding="utf-8"?>
+<p:notes xmlns:a="http://schemas.openxmlformats.org/drawingml/2006/main" xmlns:r="http://schemas.openxmlformats.org/officeDocument/2006/relationships" xmlns:p="http://schemas.openxmlformats.org/presentationml/2006/main">
+  <p:cSld>
+    <p:spTree>
+      <p:nvGrpSpPr>
+        <p:cNvPr id="1" name=""/>
+        <p:cNvGrpSpPr/>
+        <p:nvPr/>
+      </p:nvGrpSpPr>
+      <p:grpSpPr>
+        <a:xfrm>
+          <a:off x="0" y="0"/>
+          <a:ext cx="0" cy="0"/>
+          <a:chOff x="0" y="0"/>
+          <a:chExt cx="0" cy="0"/>
+        </a:xfrm>
+      </p:grpSpPr>
+      <p:sp>
+        <p:nvSpPr>
+          <p:cNvPr id="2" name="Slide Image Placeholder 1"/>
+          <p:cNvSpPr>
+            <a:spLocks noGrp="1" noRot="1" noChangeAspect="1"/>
+          </p:cNvSpPr>
+          <p:nvPr>
+            <p:ph type="sldImg"/>
+          </p:nvPr>
+        </p:nvSpPr>
+        <p:spPr/>
+      </p:sp>
+      <p:sp>
+        <p:nvSpPr>
+          <p:cNvPr id="3" name="Notes Placeholder 2"/>
+          <p:cNvSpPr>
+            <a:spLocks noGrp="1"/>
+          </p:cNvSpPr>
+          <p:nvPr>
+            <p:ph type="body" idx="1"/>
+          </p:nvPr>
+        </p:nvSpPr>
+        <p:spPr/>
+        <p:txBody>
+          <a:bodyPr/>
+          <a:lstStyle/>
+          <a:p>
+            <a:endParaRPr lang="en-US" dirty="0"/>
+          </a:p>
+        </p:txBody>
+      </p:sp>
+      <p:sp>
+        <p:nvSpPr>
+          <p:cNvPr id="4" name="Slide Number Placeholder 3"/>
+          <p:cNvSpPr>
+            <a:spLocks noGrp="1"/>
+          </p:cNvSpPr>
+          <p:nvPr>
+            <p:ph type="sldNum" sz="quarter" idx="10"/>
+          </p:nvPr>
+        </p:nvSpPr>
+        <p:spPr/>
+        <p:txBody>
+          <a:bodyPr/>
+          <a:lstStyle/>
+          <a:p>
+            <a:fld id="{148CC6F0-A91C-42A5-9365-46DAD84980C2}" type="slidenum">
+              <a:rPr lang="en-US" smtClean="0"/>
+              <a:pPr/>
+              <a:t>29</a:t>
+            </a:fld>
+            <a:endParaRPr lang="en-US"/>
+          </a:p>
+        </p:txBody>
+      </p:sp>
+    </p:spTree>
+    <p:extLst>
+      <p:ext uri="{BB962C8B-B14F-4D97-AF65-F5344CB8AC3E}">
+        <p14:creationId xmlns:p14="http://schemas.microsoft.com/office/powerpoint/2010/main" xmlns="" val="2807633666"/>
+      </p:ext>
+    </p:extLst>
+  </p:cSld>
+  <p:clrMapOvr>
+    <a:masterClrMapping/>
+  </p:clrMapOvr>
+</p:notes>
+</file>
+
+<file path=ppt/notesSlides/notesSlide29.xml><?xml version="1.0" encoding="utf-8"?>
+<p:notes xmlns:a="http://schemas.openxmlformats.org/drawingml/2006/main" xmlns:r="http://schemas.openxmlformats.org/officeDocument/2006/relationships" xmlns:p="http://schemas.openxmlformats.org/presentationml/2006/main">
+  <p:cSld>
+    <p:spTree>
+      <p:nvGrpSpPr>
+        <p:cNvPr id="1" name=""/>
+        <p:cNvGrpSpPr/>
+        <p:nvPr/>
+      </p:nvGrpSpPr>
+      <p:grpSpPr>
+        <a:xfrm>
+          <a:off x="0" y="0"/>
+          <a:ext cx="0" cy="0"/>
+          <a:chOff x="0" y="0"/>
+          <a:chExt cx="0" cy="0"/>
+        </a:xfrm>
+      </p:grpSpPr>
+      <p:sp>
+        <p:nvSpPr>
+          <p:cNvPr id="2" name="Slide Image Placeholder 1"/>
+          <p:cNvSpPr>
+            <a:spLocks noGrp="1" noRot="1" noChangeAspect="1"/>
+          </p:cNvSpPr>
+          <p:nvPr>
+            <p:ph type="sldImg"/>
+          </p:nvPr>
+        </p:nvSpPr>
+        <p:spPr/>
+      </p:sp>
+      <p:sp>
+        <p:nvSpPr>
+          <p:cNvPr id="3" name="Notes Placeholder 2"/>
+          <p:cNvSpPr>
+            <a:spLocks noGrp="1"/>
+          </p:cNvSpPr>
+          <p:nvPr>
+            <p:ph type="body" idx="1"/>
+          </p:nvPr>
+        </p:nvSpPr>
+        <p:spPr/>
+        <p:txBody>
+          <a:bodyPr/>
+          <a:lstStyle/>
+          <a:p>
+            <a:endParaRPr lang="en-US" dirty="0"/>
+          </a:p>
+        </p:txBody>
+      </p:sp>
+      <p:sp>
+        <p:nvSpPr>
+          <p:cNvPr id="4" name="Slide Number Placeholder 3"/>
+          <p:cNvSpPr>
+            <a:spLocks noGrp="1"/>
+          </p:cNvSpPr>
+          <p:nvPr>
+            <p:ph type="sldNum" sz="quarter" idx="10"/>
+          </p:nvPr>
+        </p:nvSpPr>
+        <p:spPr/>
+        <p:txBody>
+          <a:bodyPr/>
+          <a:lstStyle/>
+          <a:p>
+            <a:fld id="{148CC6F0-A91C-42A5-9365-46DAD84980C2}" type="slidenum">
+              <a:rPr lang="en-US" smtClean="0"/>
+              <a:pPr/>
+              <a:t>30</a:t>
+            </a:fld>
+            <a:endParaRPr lang="en-US"/>
+          </a:p>
+        </p:txBody>
+      </p:sp>
+    </p:spTree>
+    <p:extLst>
+      <p:ext uri="{BB962C8B-B14F-4D97-AF65-F5344CB8AC3E}">
+        <p14:creationId xmlns:p14="http://schemas.microsoft.com/office/powerpoint/2010/main" xmlns="" val="1878289805"/>
       </p:ext>
     </p:extLst>
   </p:cSld>
@@ -2351,7 +2523,7 @@
     </p:spTree>
     <p:extLst>
       <p:ext uri="{BB962C8B-B14F-4D97-AF65-F5344CB8AC3E}">
-        <p14:creationId xmlns:p14="http://schemas.microsoft.com/office/powerpoint/2010/main" val="2279340415"/>
+        <p14:creationId xmlns:p14="http://schemas.microsoft.com/office/powerpoint/2010/main" xmlns="" val="2279340415"/>
       </p:ext>
     </p:extLst>
   </p:cSld>
@@ -2436,7 +2608,7 @@
     </p:spTree>
     <p:extLst>
       <p:ext uri="{BB962C8B-B14F-4D97-AF65-F5344CB8AC3E}">
-        <p14:creationId xmlns:p14="http://schemas.microsoft.com/office/powerpoint/2010/main" val="151475752"/>
+        <p14:creationId xmlns:p14="http://schemas.microsoft.com/office/powerpoint/2010/main" xmlns="" val="151475752"/>
       </p:ext>
     </p:extLst>
   </p:cSld>
@@ -2521,7 +2693,7 @@
     </p:spTree>
     <p:extLst>
       <p:ext uri="{BB962C8B-B14F-4D97-AF65-F5344CB8AC3E}">
-        <p14:creationId xmlns:p14="http://schemas.microsoft.com/office/powerpoint/2010/main" val="4142781396"/>
+        <p14:creationId xmlns:p14="http://schemas.microsoft.com/office/powerpoint/2010/main" xmlns="" val="4142781396"/>
       </p:ext>
     </p:extLst>
   </p:cSld>
@@ -2606,7 +2778,7 @@
     </p:spTree>
     <p:extLst>
       <p:ext uri="{BB962C8B-B14F-4D97-AF65-F5344CB8AC3E}">
-        <p14:creationId xmlns:p14="http://schemas.microsoft.com/office/powerpoint/2010/main" val="2925099622"/>
+        <p14:creationId xmlns:p14="http://schemas.microsoft.com/office/powerpoint/2010/main" xmlns="" val="2925099622"/>
       </p:ext>
     </p:extLst>
   </p:cSld>
@@ -2691,7 +2863,7 @@
     </p:spTree>
     <p:extLst>
       <p:ext uri="{BB962C8B-B14F-4D97-AF65-F5344CB8AC3E}">
-        <p14:creationId xmlns:p14="http://schemas.microsoft.com/office/powerpoint/2010/main" val="839460708"/>
+        <p14:creationId xmlns:p14="http://schemas.microsoft.com/office/powerpoint/2010/main" xmlns="" val="839460708"/>
       </p:ext>
     </p:extLst>
   </p:cSld>
@@ -2776,7 +2948,7 @@
     </p:spTree>
     <p:extLst>
       <p:ext uri="{BB962C8B-B14F-4D97-AF65-F5344CB8AC3E}">
-        <p14:creationId xmlns:p14="http://schemas.microsoft.com/office/powerpoint/2010/main" val="839460708"/>
+        <p14:creationId xmlns:p14="http://schemas.microsoft.com/office/powerpoint/2010/main" xmlns="" val="839460708"/>
       </p:ext>
     </p:extLst>
   </p:cSld>
@@ -2861,7 +3033,7 @@
     </p:spTree>
     <p:extLst>
       <p:ext uri="{BB962C8B-B14F-4D97-AF65-F5344CB8AC3E}">
-        <p14:creationId xmlns:p14="http://schemas.microsoft.com/office/powerpoint/2010/main" val="839460708"/>
+        <p14:creationId xmlns:p14="http://schemas.microsoft.com/office/powerpoint/2010/main" xmlns="" val="839460708"/>
       </p:ext>
     </p:extLst>
   </p:cSld>
@@ -2893,7 +3065,7 @@
           <p:cNvPr id="2" name="Title 1">
             <a:extLst>
               <a:ext uri="{FF2B5EF4-FFF2-40B4-BE49-F238E27FC236}">
-                <a16:creationId xmlns:a16="http://schemas.microsoft.com/office/drawing/2014/main" id="{EFF1F054-5F26-423F-A5DD-9C54CE0A2AE9}"/>
+                <a16:creationId xmlns:a16="http://schemas.microsoft.com/office/drawing/2014/main" xmlns="" id="{EFF1F054-5F26-423F-A5DD-9C54CE0A2AE9}"/>
               </a:ext>
             </a:extLst>
           </p:cNvPr>
@@ -2930,7 +3102,7 @@
           <p:cNvPr id="3" name="Subtitle 2">
             <a:extLst>
               <a:ext uri="{FF2B5EF4-FFF2-40B4-BE49-F238E27FC236}">
-                <a16:creationId xmlns:a16="http://schemas.microsoft.com/office/drawing/2014/main" id="{3BB2565F-9609-400E-9E2E-E6259786714D}"/>
+                <a16:creationId xmlns:a16="http://schemas.microsoft.com/office/drawing/2014/main" xmlns="" id="{3BB2565F-9609-400E-9E2E-E6259786714D}"/>
               </a:ext>
             </a:extLst>
           </p:cNvPr>
@@ -3000,7 +3172,7 @@
           <p:cNvPr id="4" name="Date Placeholder 3">
             <a:extLst>
               <a:ext uri="{FF2B5EF4-FFF2-40B4-BE49-F238E27FC236}">
-                <a16:creationId xmlns:a16="http://schemas.microsoft.com/office/drawing/2014/main" id="{EDA6FF66-933D-47F1-A95A-74DB940C384A}"/>
+                <a16:creationId xmlns:a16="http://schemas.microsoft.com/office/drawing/2014/main" xmlns="" id="{EDA6FF66-933D-47F1-A95A-74DB940C384A}"/>
               </a:ext>
             </a:extLst>
           </p:cNvPr>
@@ -3030,7 +3202,7 @@
           <p:cNvPr id="5" name="Footer Placeholder 4">
             <a:extLst>
               <a:ext uri="{FF2B5EF4-FFF2-40B4-BE49-F238E27FC236}">
-                <a16:creationId xmlns:a16="http://schemas.microsoft.com/office/drawing/2014/main" id="{89B5FEE5-1B4A-4EFE-B89E-F2559B365D40}"/>
+                <a16:creationId xmlns:a16="http://schemas.microsoft.com/office/drawing/2014/main" xmlns="" id="{89B5FEE5-1B4A-4EFE-B89E-F2559B365D40}"/>
               </a:ext>
             </a:extLst>
           </p:cNvPr>
@@ -3055,7 +3227,7 @@
           <p:cNvPr id="6" name="Slide Number Placeholder 5">
             <a:extLst>
               <a:ext uri="{FF2B5EF4-FFF2-40B4-BE49-F238E27FC236}">
-                <a16:creationId xmlns:a16="http://schemas.microsoft.com/office/drawing/2014/main" id="{C0D5733D-C7BB-4CC1-850C-DD54586BBBA5}"/>
+                <a16:creationId xmlns:a16="http://schemas.microsoft.com/office/drawing/2014/main" xmlns="" id="{C0D5733D-C7BB-4CC1-850C-DD54586BBBA5}"/>
               </a:ext>
             </a:extLst>
           </p:cNvPr>
@@ -3085,7 +3257,7 @@
           <p:cNvPr id="7" name="Straight Connector 6">
             <a:extLst>
               <a:ext uri="{FF2B5EF4-FFF2-40B4-BE49-F238E27FC236}">
-                <a16:creationId xmlns:a16="http://schemas.microsoft.com/office/drawing/2014/main" id="{3EA4CAC6-7389-48ED-AC06-BFADD41551D5}"/>
+                <a16:creationId xmlns:a16="http://schemas.microsoft.com/office/drawing/2014/main" xmlns="" id="{3EA4CAC6-7389-48ED-AC06-BFADD41551D5}"/>
               </a:ext>
             </a:extLst>
           </p:cNvPr>
@@ -3123,7 +3295,7 @@
           <p:cNvPr id="9" name="TextBox 8">
             <a:extLst>
               <a:ext uri="{FF2B5EF4-FFF2-40B4-BE49-F238E27FC236}">
-                <a16:creationId xmlns:a16="http://schemas.microsoft.com/office/drawing/2014/main" id="{67F2ADF3-F7F8-4087-858A-6F66D508D87C}"/>
+                <a16:creationId xmlns:a16="http://schemas.microsoft.com/office/drawing/2014/main" xmlns="" id="{67F2ADF3-F7F8-4087-858A-6F66D508D87C}"/>
               </a:ext>
             </a:extLst>
           </p:cNvPr>
@@ -3171,7 +3343,7 @@
     </p:spTree>
     <p:extLst>
       <p:ext uri="{BB962C8B-B14F-4D97-AF65-F5344CB8AC3E}">
-        <p14:creationId xmlns:p14="http://schemas.microsoft.com/office/powerpoint/2010/main" val="37654009"/>
+        <p14:creationId xmlns:p14="http://schemas.microsoft.com/office/powerpoint/2010/main" xmlns="" val="37654009"/>
       </p:ext>
     </p:extLst>
   </p:cSld>
@@ -3203,7 +3375,7 @@
           <p:cNvPr id="2" name="Title 1">
             <a:extLst>
               <a:ext uri="{FF2B5EF4-FFF2-40B4-BE49-F238E27FC236}">
-                <a16:creationId xmlns:a16="http://schemas.microsoft.com/office/drawing/2014/main" id="{D578F509-E66E-42C7-B414-DEDB8CB0009A}"/>
+                <a16:creationId xmlns:a16="http://schemas.microsoft.com/office/drawing/2014/main" xmlns="" id="{D578F509-E66E-42C7-B414-DEDB8CB0009A}"/>
               </a:ext>
             </a:extLst>
           </p:cNvPr>
@@ -3231,7 +3403,7 @@
           <p:cNvPr id="3" name="Vertical Text Placeholder 2">
             <a:extLst>
               <a:ext uri="{FF2B5EF4-FFF2-40B4-BE49-F238E27FC236}">
-                <a16:creationId xmlns:a16="http://schemas.microsoft.com/office/drawing/2014/main" id="{39FD8C8D-EF98-470B-8FD0-A9BB0450B149}"/>
+                <a16:creationId xmlns:a16="http://schemas.microsoft.com/office/drawing/2014/main" xmlns="" id="{39FD8C8D-EF98-470B-8FD0-A9BB0450B149}"/>
               </a:ext>
             </a:extLst>
           </p:cNvPr>
@@ -3288,7 +3460,7 @@
           <p:cNvPr id="4" name="Date Placeholder 3">
             <a:extLst>
               <a:ext uri="{FF2B5EF4-FFF2-40B4-BE49-F238E27FC236}">
-                <a16:creationId xmlns:a16="http://schemas.microsoft.com/office/drawing/2014/main" id="{0600363F-FFE9-4A83-A47C-7B025E73A7D3}"/>
+                <a16:creationId xmlns:a16="http://schemas.microsoft.com/office/drawing/2014/main" xmlns="" id="{0600363F-FFE9-4A83-A47C-7B025E73A7D3}"/>
               </a:ext>
             </a:extLst>
           </p:cNvPr>
@@ -3318,7 +3490,7 @@
           <p:cNvPr id="5" name="Footer Placeholder 4">
             <a:extLst>
               <a:ext uri="{FF2B5EF4-FFF2-40B4-BE49-F238E27FC236}">
-                <a16:creationId xmlns:a16="http://schemas.microsoft.com/office/drawing/2014/main" id="{2639756C-4793-47FF-AF0E-A346FA4D9F5A}"/>
+                <a16:creationId xmlns:a16="http://schemas.microsoft.com/office/drawing/2014/main" xmlns="" id="{2639756C-4793-47FF-AF0E-A346FA4D9F5A}"/>
               </a:ext>
             </a:extLst>
           </p:cNvPr>
@@ -3343,7 +3515,7 @@
           <p:cNvPr id="6" name="Slide Number Placeholder 5">
             <a:extLst>
               <a:ext uri="{FF2B5EF4-FFF2-40B4-BE49-F238E27FC236}">
-                <a16:creationId xmlns:a16="http://schemas.microsoft.com/office/drawing/2014/main" id="{55698755-6A6A-4B66-94EC-81D56DA8E372}"/>
+                <a16:creationId xmlns:a16="http://schemas.microsoft.com/office/drawing/2014/main" xmlns="" id="{55698755-6A6A-4B66-94EC-81D56DA8E372}"/>
               </a:ext>
             </a:extLst>
           </p:cNvPr>
@@ -3371,7 +3543,7 @@
     </p:spTree>
     <p:extLst>
       <p:ext uri="{BB962C8B-B14F-4D97-AF65-F5344CB8AC3E}">
-        <p14:creationId xmlns:p14="http://schemas.microsoft.com/office/powerpoint/2010/main" val="74609242"/>
+        <p14:creationId xmlns:p14="http://schemas.microsoft.com/office/powerpoint/2010/main" xmlns="" val="74609242"/>
       </p:ext>
     </p:extLst>
   </p:cSld>
@@ -3403,7 +3575,7 @@
           <p:cNvPr id="2" name="Vertical Title 1">
             <a:extLst>
               <a:ext uri="{FF2B5EF4-FFF2-40B4-BE49-F238E27FC236}">
-                <a16:creationId xmlns:a16="http://schemas.microsoft.com/office/drawing/2014/main" id="{02A87FEF-54B8-4489-85DC-D98FE6F28050}"/>
+                <a16:creationId xmlns:a16="http://schemas.microsoft.com/office/drawing/2014/main" xmlns="" id="{02A87FEF-54B8-4489-85DC-D98FE6F28050}"/>
               </a:ext>
             </a:extLst>
           </p:cNvPr>
@@ -3436,7 +3608,7 @@
           <p:cNvPr id="3" name="Vertical Text Placeholder 2">
             <a:extLst>
               <a:ext uri="{FF2B5EF4-FFF2-40B4-BE49-F238E27FC236}">
-                <a16:creationId xmlns:a16="http://schemas.microsoft.com/office/drawing/2014/main" id="{8B71D077-BD07-4382-8E63-59488FFCA8D5}"/>
+                <a16:creationId xmlns:a16="http://schemas.microsoft.com/office/drawing/2014/main" xmlns="" id="{8B71D077-BD07-4382-8E63-59488FFCA8D5}"/>
               </a:ext>
             </a:extLst>
           </p:cNvPr>
@@ -3498,7 +3670,7 @@
           <p:cNvPr id="4" name="Date Placeholder 3">
             <a:extLst>
               <a:ext uri="{FF2B5EF4-FFF2-40B4-BE49-F238E27FC236}">
-                <a16:creationId xmlns:a16="http://schemas.microsoft.com/office/drawing/2014/main" id="{9B481C67-9B19-4A17-87AF-47D2816A63D2}"/>
+                <a16:creationId xmlns:a16="http://schemas.microsoft.com/office/drawing/2014/main" xmlns="" id="{9B481C67-9B19-4A17-87AF-47D2816A63D2}"/>
               </a:ext>
             </a:extLst>
           </p:cNvPr>
@@ -3528,7 +3700,7 @@
           <p:cNvPr id="5" name="Footer Placeholder 4">
             <a:extLst>
               <a:ext uri="{FF2B5EF4-FFF2-40B4-BE49-F238E27FC236}">
-                <a16:creationId xmlns:a16="http://schemas.microsoft.com/office/drawing/2014/main" id="{9AB74035-BE1F-4B6A-A757-0A3BEBC07ECF}"/>
+                <a16:creationId xmlns:a16="http://schemas.microsoft.com/office/drawing/2014/main" xmlns="" id="{9AB74035-BE1F-4B6A-A757-0A3BEBC07ECF}"/>
               </a:ext>
             </a:extLst>
           </p:cNvPr>
@@ -3553,7 +3725,7 @@
           <p:cNvPr id="6" name="Slide Number Placeholder 5">
             <a:extLst>
               <a:ext uri="{FF2B5EF4-FFF2-40B4-BE49-F238E27FC236}">
-                <a16:creationId xmlns:a16="http://schemas.microsoft.com/office/drawing/2014/main" id="{FC371FF7-26AC-4666-A6E2-B9A9C931F17E}"/>
+                <a16:creationId xmlns:a16="http://schemas.microsoft.com/office/drawing/2014/main" xmlns="" id="{FC371FF7-26AC-4666-A6E2-B9A9C931F17E}"/>
               </a:ext>
             </a:extLst>
           </p:cNvPr>
@@ -3581,7 +3753,7 @@
     </p:spTree>
     <p:extLst>
       <p:ext uri="{BB962C8B-B14F-4D97-AF65-F5344CB8AC3E}">
-        <p14:creationId xmlns:p14="http://schemas.microsoft.com/office/powerpoint/2010/main" val="327360313"/>
+        <p14:creationId xmlns:p14="http://schemas.microsoft.com/office/powerpoint/2010/main" xmlns="" val="327360313"/>
       </p:ext>
     </p:extLst>
   </p:cSld>
@@ -3613,7 +3785,7 @@
           <p:cNvPr id="2" name="Title 1">
             <a:extLst>
               <a:ext uri="{FF2B5EF4-FFF2-40B4-BE49-F238E27FC236}">
-                <a16:creationId xmlns:a16="http://schemas.microsoft.com/office/drawing/2014/main" id="{11EFF147-8305-4C8C-86F1-D856EBBAF7C2}"/>
+                <a16:creationId xmlns:a16="http://schemas.microsoft.com/office/drawing/2014/main" xmlns="" id="{11EFF147-8305-4C8C-86F1-D856EBBAF7C2}"/>
               </a:ext>
             </a:extLst>
           </p:cNvPr>
@@ -3641,7 +3813,7 @@
           <p:cNvPr id="3" name="Content Placeholder 2">
             <a:extLst>
               <a:ext uri="{FF2B5EF4-FFF2-40B4-BE49-F238E27FC236}">
-                <a16:creationId xmlns:a16="http://schemas.microsoft.com/office/drawing/2014/main" id="{05BB0835-3F9B-44C7-A1E0-BB6A820FB090}"/>
+                <a16:creationId xmlns:a16="http://schemas.microsoft.com/office/drawing/2014/main" xmlns="" id="{05BB0835-3F9B-44C7-A1E0-BB6A820FB090}"/>
               </a:ext>
             </a:extLst>
           </p:cNvPr>
@@ -3698,7 +3870,7 @@
           <p:cNvPr id="4" name="Date Placeholder 3">
             <a:extLst>
               <a:ext uri="{FF2B5EF4-FFF2-40B4-BE49-F238E27FC236}">
-                <a16:creationId xmlns:a16="http://schemas.microsoft.com/office/drawing/2014/main" id="{6B8082C4-E0B0-4F75-9A71-E46836F54912}"/>
+                <a16:creationId xmlns:a16="http://schemas.microsoft.com/office/drawing/2014/main" xmlns="" id="{6B8082C4-E0B0-4F75-9A71-E46836F54912}"/>
               </a:ext>
             </a:extLst>
           </p:cNvPr>
@@ -3728,7 +3900,7 @@
           <p:cNvPr id="5" name="Footer Placeholder 4">
             <a:extLst>
               <a:ext uri="{FF2B5EF4-FFF2-40B4-BE49-F238E27FC236}">
-                <a16:creationId xmlns:a16="http://schemas.microsoft.com/office/drawing/2014/main" id="{6C2526BA-4562-4167-9CC0-13E0F1E07ED2}"/>
+                <a16:creationId xmlns:a16="http://schemas.microsoft.com/office/drawing/2014/main" xmlns="" id="{6C2526BA-4562-4167-9CC0-13E0F1E07ED2}"/>
               </a:ext>
             </a:extLst>
           </p:cNvPr>
@@ -3753,7 +3925,7 @@
           <p:cNvPr id="6" name="Slide Number Placeholder 5">
             <a:extLst>
               <a:ext uri="{FF2B5EF4-FFF2-40B4-BE49-F238E27FC236}">
-                <a16:creationId xmlns:a16="http://schemas.microsoft.com/office/drawing/2014/main" id="{54DC031C-236C-4C79-B203-6266D585985E}"/>
+                <a16:creationId xmlns:a16="http://schemas.microsoft.com/office/drawing/2014/main" xmlns="" id="{54DC031C-236C-4C79-B203-6266D585985E}"/>
               </a:ext>
             </a:extLst>
           </p:cNvPr>
@@ -3783,7 +3955,7 @@
           <p:cNvPr id="7" name="Straight Connector 6">
             <a:extLst>
               <a:ext uri="{FF2B5EF4-FFF2-40B4-BE49-F238E27FC236}">
-                <a16:creationId xmlns:a16="http://schemas.microsoft.com/office/drawing/2014/main" id="{EBA1F678-17D0-4A24-BC8C-596209B8A706}"/>
+                <a16:creationId xmlns:a16="http://schemas.microsoft.com/office/drawing/2014/main" xmlns="" id="{EBA1F678-17D0-4A24-BC8C-596209B8A706}"/>
               </a:ext>
             </a:extLst>
           </p:cNvPr>
@@ -3819,7 +3991,7 @@
     </p:spTree>
     <p:extLst>
       <p:ext uri="{BB962C8B-B14F-4D97-AF65-F5344CB8AC3E}">
-        <p14:creationId xmlns:p14="http://schemas.microsoft.com/office/powerpoint/2010/main" val="2709948559"/>
+        <p14:creationId xmlns:p14="http://schemas.microsoft.com/office/powerpoint/2010/main" xmlns="" val="2709948559"/>
       </p:ext>
     </p:extLst>
   </p:cSld>
@@ -3851,7 +4023,7 @@
           <p:cNvPr id="2" name="Title 1">
             <a:extLst>
               <a:ext uri="{FF2B5EF4-FFF2-40B4-BE49-F238E27FC236}">
-                <a16:creationId xmlns:a16="http://schemas.microsoft.com/office/drawing/2014/main" id="{9C77E9F5-987F-47D7-A80F-63B190B6C256}"/>
+                <a16:creationId xmlns:a16="http://schemas.microsoft.com/office/drawing/2014/main" xmlns="" id="{9C77E9F5-987F-47D7-A80F-63B190B6C256}"/>
               </a:ext>
             </a:extLst>
           </p:cNvPr>
@@ -3888,7 +4060,7 @@
           <p:cNvPr id="3" name="Text Placeholder 2">
             <a:extLst>
               <a:ext uri="{FF2B5EF4-FFF2-40B4-BE49-F238E27FC236}">
-                <a16:creationId xmlns:a16="http://schemas.microsoft.com/office/drawing/2014/main" id="{57A6DF7C-9109-464F-B881-82FA2A8012B7}"/>
+                <a16:creationId xmlns:a16="http://schemas.microsoft.com/office/drawing/2014/main" xmlns="" id="{57A6DF7C-9109-464F-B881-82FA2A8012B7}"/>
               </a:ext>
             </a:extLst>
           </p:cNvPr>
@@ -4013,7 +4185,7 @@
           <p:cNvPr id="4" name="Date Placeholder 3">
             <a:extLst>
               <a:ext uri="{FF2B5EF4-FFF2-40B4-BE49-F238E27FC236}">
-                <a16:creationId xmlns:a16="http://schemas.microsoft.com/office/drawing/2014/main" id="{2535BF5B-AF99-4CBF-AE0A-75C40BE9E0C1}"/>
+                <a16:creationId xmlns:a16="http://schemas.microsoft.com/office/drawing/2014/main" xmlns="" id="{2535BF5B-AF99-4CBF-AE0A-75C40BE9E0C1}"/>
               </a:ext>
             </a:extLst>
           </p:cNvPr>
@@ -4043,7 +4215,7 @@
           <p:cNvPr id="5" name="Footer Placeholder 4">
             <a:extLst>
               <a:ext uri="{FF2B5EF4-FFF2-40B4-BE49-F238E27FC236}">
-                <a16:creationId xmlns:a16="http://schemas.microsoft.com/office/drawing/2014/main" id="{E8645BFB-2055-42FB-AC89-BE1785D9BE1E}"/>
+                <a16:creationId xmlns:a16="http://schemas.microsoft.com/office/drawing/2014/main" xmlns="" id="{E8645BFB-2055-42FB-AC89-BE1785D9BE1E}"/>
               </a:ext>
             </a:extLst>
           </p:cNvPr>
@@ -4068,7 +4240,7 @@
           <p:cNvPr id="6" name="Slide Number Placeholder 5">
             <a:extLst>
               <a:ext uri="{FF2B5EF4-FFF2-40B4-BE49-F238E27FC236}">
-                <a16:creationId xmlns:a16="http://schemas.microsoft.com/office/drawing/2014/main" id="{3F95587E-758E-438B-84A0-1497D6C924FD}"/>
+                <a16:creationId xmlns:a16="http://schemas.microsoft.com/office/drawing/2014/main" xmlns="" id="{3F95587E-758E-438B-84A0-1497D6C924FD}"/>
               </a:ext>
             </a:extLst>
           </p:cNvPr>
@@ -4098,7 +4270,7 @@
           <p:cNvPr id="7" name="Straight Connector 6">
             <a:extLst>
               <a:ext uri="{FF2B5EF4-FFF2-40B4-BE49-F238E27FC236}">
-                <a16:creationId xmlns:a16="http://schemas.microsoft.com/office/drawing/2014/main" id="{EC3CA79F-75C6-44C0-8E41-48A8B125B502}"/>
+                <a16:creationId xmlns:a16="http://schemas.microsoft.com/office/drawing/2014/main" xmlns="" id="{EC3CA79F-75C6-44C0-8E41-48A8B125B502}"/>
               </a:ext>
             </a:extLst>
           </p:cNvPr>
@@ -4134,7 +4306,7 @@
     </p:spTree>
     <p:extLst>
       <p:ext uri="{BB962C8B-B14F-4D97-AF65-F5344CB8AC3E}">
-        <p14:creationId xmlns:p14="http://schemas.microsoft.com/office/powerpoint/2010/main" val="1251077641"/>
+        <p14:creationId xmlns:p14="http://schemas.microsoft.com/office/powerpoint/2010/main" xmlns="" val="1251077641"/>
       </p:ext>
     </p:extLst>
   </p:cSld>
@@ -4166,7 +4338,7 @@
           <p:cNvPr id="2" name="Title 1">
             <a:extLst>
               <a:ext uri="{FF2B5EF4-FFF2-40B4-BE49-F238E27FC236}">
-                <a16:creationId xmlns:a16="http://schemas.microsoft.com/office/drawing/2014/main" id="{3DA31CFB-0F52-4EF9-A70F-4C8567F61C44}"/>
+                <a16:creationId xmlns:a16="http://schemas.microsoft.com/office/drawing/2014/main" xmlns="" id="{3DA31CFB-0F52-4EF9-A70F-4C8567F61C44}"/>
               </a:ext>
             </a:extLst>
           </p:cNvPr>
@@ -4194,7 +4366,7 @@
           <p:cNvPr id="3" name="Content Placeholder 2">
             <a:extLst>
               <a:ext uri="{FF2B5EF4-FFF2-40B4-BE49-F238E27FC236}">
-                <a16:creationId xmlns:a16="http://schemas.microsoft.com/office/drawing/2014/main" id="{0E4BACCB-8876-41D5-A33E-3FF0D5DA1899}"/>
+                <a16:creationId xmlns:a16="http://schemas.microsoft.com/office/drawing/2014/main" xmlns="" id="{0E4BACCB-8876-41D5-A33E-3FF0D5DA1899}"/>
               </a:ext>
             </a:extLst>
           </p:cNvPr>
@@ -4256,7 +4428,7 @@
           <p:cNvPr id="4" name="Content Placeholder 3">
             <a:extLst>
               <a:ext uri="{FF2B5EF4-FFF2-40B4-BE49-F238E27FC236}">
-                <a16:creationId xmlns:a16="http://schemas.microsoft.com/office/drawing/2014/main" id="{9D75392B-76F8-4D10-B40E-F73EAEE0812A}"/>
+                <a16:creationId xmlns:a16="http://schemas.microsoft.com/office/drawing/2014/main" xmlns="" id="{9D75392B-76F8-4D10-B40E-F73EAEE0812A}"/>
               </a:ext>
             </a:extLst>
           </p:cNvPr>
@@ -4318,7 +4490,7 @@
           <p:cNvPr id="5" name="Date Placeholder 4">
             <a:extLst>
               <a:ext uri="{FF2B5EF4-FFF2-40B4-BE49-F238E27FC236}">
-                <a16:creationId xmlns:a16="http://schemas.microsoft.com/office/drawing/2014/main" id="{680D36E2-8A03-4DBF-950E-C5B08EF7E361}"/>
+                <a16:creationId xmlns:a16="http://schemas.microsoft.com/office/drawing/2014/main" xmlns="" id="{680D36E2-8A03-4DBF-950E-C5B08EF7E361}"/>
               </a:ext>
             </a:extLst>
           </p:cNvPr>
@@ -4348,7 +4520,7 @@
           <p:cNvPr id="6" name="Footer Placeholder 5">
             <a:extLst>
               <a:ext uri="{FF2B5EF4-FFF2-40B4-BE49-F238E27FC236}">
-                <a16:creationId xmlns:a16="http://schemas.microsoft.com/office/drawing/2014/main" id="{400922BD-5DB1-403B-8A20-3C8F43A71D70}"/>
+                <a16:creationId xmlns:a16="http://schemas.microsoft.com/office/drawing/2014/main" xmlns="" id="{400922BD-5DB1-403B-8A20-3C8F43A71D70}"/>
               </a:ext>
             </a:extLst>
           </p:cNvPr>
@@ -4373,7 +4545,7 @@
           <p:cNvPr id="7" name="Slide Number Placeholder 6">
             <a:extLst>
               <a:ext uri="{FF2B5EF4-FFF2-40B4-BE49-F238E27FC236}">
-                <a16:creationId xmlns:a16="http://schemas.microsoft.com/office/drawing/2014/main" id="{9C3F9DBC-86E0-4E27-B5D1-BCED9750ED38}"/>
+                <a16:creationId xmlns:a16="http://schemas.microsoft.com/office/drawing/2014/main" xmlns="" id="{9C3F9DBC-86E0-4E27-B5D1-BCED9750ED38}"/>
               </a:ext>
             </a:extLst>
           </p:cNvPr>
@@ -4401,7 +4573,7 @@
     </p:spTree>
     <p:extLst>
       <p:ext uri="{BB962C8B-B14F-4D97-AF65-F5344CB8AC3E}">
-        <p14:creationId xmlns:p14="http://schemas.microsoft.com/office/powerpoint/2010/main" val="759025932"/>
+        <p14:creationId xmlns:p14="http://schemas.microsoft.com/office/powerpoint/2010/main" xmlns="" val="759025932"/>
       </p:ext>
     </p:extLst>
   </p:cSld>
@@ -4433,7 +4605,7 @@
           <p:cNvPr id="2" name="Title 1">
             <a:extLst>
               <a:ext uri="{FF2B5EF4-FFF2-40B4-BE49-F238E27FC236}">
-                <a16:creationId xmlns:a16="http://schemas.microsoft.com/office/drawing/2014/main" id="{8CC6F189-CDD4-402C-BF48-5716492DB9F8}"/>
+                <a16:creationId xmlns:a16="http://schemas.microsoft.com/office/drawing/2014/main" xmlns="" id="{8CC6F189-CDD4-402C-BF48-5716492DB9F8}"/>
               </a:ext>
             </a:extLst>
           </p:cNvPr>
@@ -4466,7 +4638,7 @@
           <p:cNvPr id="3" name="Text Placeholder 2">
             <a:extLst>
               <a:ext uri="{FF2B5EF4-FFF2-40B4-BE49-F238E27FC236}">
-                <a16:creationId xmlns:a16="http://schemas.microsoft.com/office/drawing/2014/main" id="{50ED9ADE-86F8-4E1B-96EC-AAE4CE82A211}"/>
+                <a16:creationId xmlns:a16="http://schemas.microsoft.com/office/drawing/2014/main" xmlns="" id="{50ED9ADE-86F8-4E1B-96EC-AAE4CE82A211}"/>
               </a:ext>
             </a:extLst>
           </p:cNvPr>
@@ -4537,7 +4709,7 @@
           <p:cNvPr id="4" name="Content Placeholder 3">
             <a:extLst>
               <a:ext uri="{FF2B5EF4-FFF2-40B4-BE49-F238E27FC236}">
-                <a16:creationId xmlns:a16="http://schemas.microsoft.com/office/drawing/2014/main" id="{670DDFAE-921B-4FD1-96C7-CD55AB459341}"/>
+                <a16:creationId xmlns:a16="http://schemas.microsoft.com/office/drawing/2014/main" xmlns="" id="{670DDFAE-921B-4FD1-96C7-CD55AB459341}"/>
               </a:ext>
             </a:extLst>
           </p:cNvPr>
@@ -4599,7 +4771,7 @@
           <p:cNvPr id="5" name="Text Placeholder 4">
             <a:extLst>
               <a:ext uri="{FF2B5EF4-FFF2-40B4-BE49-F238E27FC236}">
-                <a16:creationId xmlns:a16="http://schemas.microsoft.com/office/drawing/2014/main" id="{5FD69DB8-23C3-4044-8A4D-4E92B22298C1}"/>
+                <a16:creationId xmlns:a16="http://schemas.microsoft.com/office/drawing/2014/main" xmlns="" id="{5FD69DB8-23C3-4044-8A4D-4E92B22298C1}"/>
               </a:ext>
             </a:extLst>
           </p:cNvPr>
@@ -4670,7 +4842,7 @@
           <p:cNvPr id="6" name="Content Placeholder 5">
             <a:extLst>
               <a:ext uri="{FF2B5EF4-FFF2-40B4-BE49-F238E27FC236}">
-                <a16:creationId xmlns:a16="http://schemas.microsoft.com/office/drawing/2014/main" id="{972B5D27-F40F-4F48-9993-561FC327DB43}"/>
+                <a16:creationId xmlns:a16="http://schemas.microsoft.com/office/drawing/2014/main" xmlns="" id="{972B5D27-F40F-4F48-9993-561FC327DB43}"/>
               </a:ext>
             </a:extLst>
           </p:cNvPr>
@@ -4732,7 +4904,7 @@
           <p:cNvPr id="7" name="Date Placeholder 6">
             <a:extLst>
               <a:ext uri="{FF2B5EF4-FFF2-40B4-BE49-F238E27FC236}">
-                <a16:creationId xmlns:a16="http://schemas.microsoft.com/office/drawing/2014/main" id="{B8D72A2F-6C03-4AA2-8675-A62997A1F179}"/>
+                <a16:creationId xmlns:a16="http://schemas.microsoft.com/office/drawing/2014/main" xmlns="" id="{B8D72A2F-6C03-4AA2-8675-A62997A1F179}"/>
               </a:ext>
             </a:extLst>
           </p:cNvPr>
@@ -4762,7 +4934,7 @@
           <p:cNvPr id="8" name="Footer Placeholder 7">
             <a:extLst>
               <a:ext uri="{FF2B5EF4-FFF2-40B4-BE49-F238E27FC236}">
-                <a16:creationId xmlns:a16="http://schemas.microsoft.com/office/drawing/2014/main" id="{C7FA0448-C108-4A98-BC11-71C694972BB9}"/>
+                <a16:creationId xmlns:a16="http://schemas.microsoft.com/office/drawing/2014/main" xmlns="" id="{C7FA0448-C108-4A98-BC11-71C694972BB9}"/>
               </a:ext>
             </a:extLst>
           </p:cNvPr>
@@ -4787,7 +4959,7 @@
           <p:cNvPr id="9" name="Slide Number Placeholder 8">
             <a:extLst>
               <a:ext uri="{FF2B5EF4-FFF2-40B4-BE49-F238E27FC236}">
-                <a16:creationId xmlns:a16="http://schemas.microsoft.com/office/drawing/2014/main" id="{907E1CB1-297A-48F9-BF2F-D32F99F4D530}"/>
+                <a16:creationId xmlns:a16="http://schemas.microsoft.com/office/drawing/2014/main" xmlns="" id="{907E1CB1-297A-48F9-BF2F-D32F99F4D530}"/>
               </a:ext>
             </a:extLst>
           </p:cNvPr>
@@ -4815,7 +4987,7 @@
     </p:spTree>
     <p:extLst>
       <p:ext uri="{BB962C8B-B14F-4D97-AF65-F5344CB8AC3E}">
-        <p14:creationId xmlns:p14="http://schemas.microsoft.com/office/powerpoint/2010/main" val="3574849597"/>
+        <p14:creationId xmlns:p14="http://schemas.microsoft.com/office/powerpoint/2010/main" xmlns="" val="3574849597"/>
       </p:ext>
     </p:extLst>
   </p:cSld>
@@ -4847,7 +5019,7 @@
           <p:cNvPr id="2" name="Title 1">
             <a:extLst>
               <a:ext uri="{FF2B5EF4-FFF2-40B4-BE49-F238E27FC236}">
-                <a16:creationId xmlns:a16="http://schemas.microsoft.com/office/drawing/2014/main" id="{F9252D30-D733-4779-B79D-EED11F294B48}"/>
+                <a16:creationId xmlns:a16="http://schemas.microsoft.com/office/drawing/2014/main" xmlns="" id="{F9252D30-D733-4779-B79D-EED11F294B48}"/>
               </a:ext>
             </a:extLst>
           </p:cNvPr>
@@ -4875,7 +5047,7 @@
           <p:cNvPr id="3" name="Date Placeholder 2">
             <a:extLst>
               <a:ext uri="{FF2B5EF4-FFF2-40B4-BE49-F238E27FC236}">
-                <a16:creationId xmlns:a16="http://schemas.microsoft.com/office/drawing/2014/main" id="{36388E6C-E68D-48B1-ADCE-523903DA4557}"/>
+                <a16:creationId xmlns:a16="http://schemas.microsoft.com/office/drawing/2014/main" xmlns="" id="{36388E6C-E68D-48B1-ADCE-523903DA4557}"/>
               </a:ext>
             </a:extLst>
           </p:cNvPr>
@@ -4905,7 +5077,7 @@
           <p:cNvPr id="4" name="Footer Placeholder 3">
             <a:extLst>
               <a:ext uri="{FF2B5EF4-FFF2-40B4-BE49-F238E27FC236}">
-                <a16:creationId xmlns:a16="http://schemas.microsoft.com/office/drawing/2014/main" id="{E709D5ED-193F-47A7-86C6-BA079964B35E}"/>
+                <a16:creationId xmlns:a16="http://schemas.microsoft.com/office/drawing/2014/main" xmlns="" id="{E709D5ED-193F-47A7-86C6-BA079964B35E}"/>
               </a:ext>
             </a:extLst>
           </p:cNvPr>
@@ -4930,7 +5102,7 @@
           <p:cNvPr id="5" name="Slide Number Placeholder 4">
             <a:extLst>
               <a:ext uri="{FF2B5EF4-FFF2-40B4-BE49-F238E27FC236}">
-                <a16:creationId xmlns:a16="http://schemas.microsoft.com/office/drawing/2014/main" id="{C51EF39B-32C5-4504-9D3C-C73B01918821}"/>
+                <a16:creationId xmlns:a16="http://schemas.microsoft.com/office/drawing/2014/main" xmlns="" id="{C51EF39B-32C5-4504-9D3C-C73B01918821}"/>
               </a:ext>
             </a:extLst>
           </p:cNvPr>
@@ -4958,7 +5130,7 @@
     </p:spTree>
     <p:extLst>
       <p:ext uri="{BB962C8B-B14F-4D97-AF65-F5344CB8AC3E}">
-        <p14:creationId xmlns:p14="http://schemas.microsoft.com/office/powerpoint/2010/main" val="579114760"/>
+        <p14:creationId xmlns:p14="http://schemas.microsoft.com/office/powerpoint/2010/main" xmlns="" val="579114760"/>
       </p:ext>
     </p:extLst>
   </p:cSld>
@@ -4990,7 +5162,7 @@
           <p:cNvPr id="2" name="Date Placeholder 1">
             <a:extLst>
               <a:ext uri="{FF2B5EF4-FFF2-40B4-BE49-F238E27FC236}">
-                <a16:creationId xmlns:a16="http://schemas.microsoft.com/office/drawing/2014/main" id="{49830188-1AC2-484C-9F53-B1C7CB88FB75}"/>
+                <a16:creationId xmlns:a16="http://schemas.microsoft.com/office/drawing/2014/main" xmlns="" id="{49830188-1AC2-484C-9F53-B1C7CB88FB75}"/>
               </a:ext>
             </a:extLst>
           </p:cNvPr>
@@ -5020,7 +5192,7 @@
           <p:cNvPr id="3" name="Footer Placeholder 2">
             <a:extLst>
               <a:ext uri="{FF2B5EF4-FFF2-40B4-BE49-F238E27FC236}">
-                <a16:creationId xmlns:a16="http://schemas.microsoft.com/office/drawing/2014/main" id="{8A333681-69BB-45B2-9377-67BC523A119F}"/>
+                <a16:creationId xmlns:a16="http://schemas.microsoft.com/office/drawing/2014/main" xmlns="" id="{8A333681-69BB-45B2-9377-67BC523A119F}"/>
               </a:ext>
             </a:extLst>
           </p:cNvPr>
@@ -5045,7 +5217,7 @@
           <p:cNvPr id="4" name="Slide Number Placeholder 3">
             <a:extLst>
               <a:ext uri="{FF2B5EF4-FFF2-40B4-BE49-F238E27FC236}">
-                <a16:creationId xmlns:a16="http://schemas.microsoft.com/office/drawing/2014/main" id="{8EDB1A5F-A319-4FCA-B8EB-7506ACFB7C78}"/>
+                <a16:creationId xmlns:a16="http://schemas.microsoft.com/office/drawing/2014/main" xmlns="" id="{8EDB1A5F-A319-4FCA-B8EB-7506ACFB7C78}"/>
               </a:ext>
             </a:extLst>
           </p:cNvPr>
@@ -5073,7 +5245,7 @@
     </p:spTree>
     <p:extLst>
       <p:ext uri="{BB962C8B-B14F-4D97-AF65-F5344CB8AC3E}">
-        <p14:creationId xmlns:p14="http://schemas.microsoft.com/office/powerpoint/2010/main" val="209110672"/>
+        <p14:creationId xmlns:p14="http://schemas.microsoft.com/office/powerpoint/2010/main" xmlns="" val="209110672"/>
       </p:ext>
     </p:extLst>
   </p:cSld>
@@ -5105,7 +5277,7 @@
           <p:cNvPr id="2" name="Title 1">
             <a:extLst>
               <a:ext uri="{FF2B5EF4-FFF2-40B4-BE49-F238E27FC236}">
-                <a16:creationId xmlns:a16="http://schemas.microsoft.com/office/drawing/2014/main" id="{70C55B79-F8B8-4759-9FBD-205D80AEA9D8}"/>
+                <a16:creationId xmlns:a16="http://schemas.microsoft.com/office/drawing/2014/main" xmlns="" id="{70C55B79-F8B8-4759-9FBD-205D80AEA9D8}"/>
               </a:ext>
             </a:extLst>
           </p:cNvPr>
@@ -5142,7 +5314,7 @@
           <p:cNvPr id="3" name="Content Placeholder 2">
             <a:extLst>
               <a:ext uri="{FF2B5EF4-FFF2-40B4-BE49-F238E27FC236}">
-                <a16:creationId xmlns:a16="http://schemas.microsoft.com/office/drawing/2014/main" id="{83882243-0F38-4450-B420-7132E7BE7154}"/>
+                <a16:creationId xmlns:a16="http://schemas.microsoft.com/office/drawing/2014/main" xmlns="" id="{83882243-0F38-4450-B420-7132E7BE7154}"/>
               </a:ext>
             </a:extLst>
           </p:cNvPr>
@@ -5232,7 +5404,7 @@
           <p:cNvPr id="4" name="Text Placeholder 3">
             <a:extLst>
               <a:ext uri="{FF2B5EF4-FFF2-40B4-BE49-F238E27FC236}">
-                <a16:creationId xmlns:a16="http://schemas.microsoft.com/office/drawing/2014/main" id="{CC23093D-A8BF-4001-8391-24DB2CD7FC43}"/>
+                <a16:creationId xmlns:a16="http://schemas.microsoft.com/office/drawing/2014/main" xmlns="" id="{CC23093D-A8BF-4001-8391-24DB2CD7FC43}"/>
               </a:ext>
             </a:extLst>
           </p:cNvPr>
@@ -5303,7 +5475,7 @@
           <p:cNvPr id="5" name="Date Placeholder 4">
             <a:extLst>
               <a:ext uri="{FF2B5EF4-FFF2-40B4-BE49-F238E27FC236}">
-                <a16:creationId xmlns:a16="http://schemas.microsoft.com/office/drawing/2014/main" id="{56A90E2D-DC24-4359-8EB7-DD8EAA19B655}"/>
+                <a16:creationId xmlns:a16="http://schemas.microsoft.com/office/drawing/2014/main" xmlns="" id="{56A90E2D-DC24-4359-8EB7-DD8EAA19B655}"/>
               </a:ext>
             </a:extLst>
           </p:cNvPr>
@@ -5333,7 +5505,7 @@
           <p:cNvPr id="6" name="Footer Placeholder 5">
             <a:extLst>
               <a:ext uri="{FF2B5EF4-FFF2-40B4-BE49-F238E27FC236}">
-                <a16:creationId xmlns:a16="http://schemas.microsoft.com/office/drawing/2014/main" id="{79DA5AB0-20EC-4A87-B765-F369816EDAB6}"/>
+                <a16:creationId xmlns:a16="http://schemas.microsoft.com/office/drawing/2014/main" xmlns="" id="{79DA5AB0-20EC-4A87-B765-F369816EDAB6}"/>
               </a:ext>
             </a:extLst>
           </p:cNvPr>
@@ -5358,7 +5530,7 @@
           <p:cNvPr id="7" name="Slide Number Placeholder 6">
             <a:extLst>
               <a:ext uri="{FF2B5EF4-FFF2-40B4-BE49-F238E27FC236}">
-                <a16:creationId xmlns:a16="http://schemas.microsoft.com/office/drawing/2014/main" id="{952F5AE5-E610-4F52-8B1F-CC450BDE23A4}"/>
+                <a16:creationId xmlns:a16="http://schemas.microsoft.com/office/drawing/2014/main" xmlns="" id="{952F5AE5-E610-4F52-8B1F-CC450BDE23A4}"/>
               </a:ext>
             </a:extLst>
           </p:cNvPr>
@@ -5386,7 +5558,7 @@
     </p:spTree>
     <p:extLst>
       <p:ext uri="{BB962C8B-B14F-4D97-AF65-F5344CB8AC3E}">
-        <p14:creationId xmlns:p14="http://schemas.microsoft.com/office/powerpoint/2010/main" val="3132102381"/>
+        <p14:creationId xmlns:p14="http://schemas.microsoft.com/office/powerpoint/2010/main" xmlns="" val="3132102381"/>
       </p:ext>
     </p:extLst>
   </p:cSld>
@@ -5418,7 +5590,7 @@
           <p:cNvPr id="2" name="Title 1">
             <a:extLst>
               <a:ext uri="{FF2B5EF4-FFF2-40B4-BE49-F238E27FC236}">
-                <a16:creationId xmlns:a16="http://schemas.microsoft.com/office/drawing/2014/main" id="{8B92E141-FE3E-4AF1-BC37-7F56A0CE766F}"/>
+                <a16:creationId xmlns:a16="http://schemas.microsoft.com/office/drawing/2014/main" xmlns="" id="{8B92E141-FE3E-4AF1-BC37-7F56A0CE766F}"/>
               </a:ext>
             </a:extLst>
           </p:cNvPr>
@@ -5455,7 +5627,7 @@
           <p:cNvPr id="3" name="Picture Placeholder 2">
             <a:extLst>
               <a:ext uri="{FF2B5EF4-FFF2-40B4-BE49-F238E27FC236}">
-                <a16:creationId xmlns:a16="http://schemas.microsoft.com/office/drawing/2014/main" id="{D5D1CE18-F9BD-41B4-8056-E22AEEF6D3A1}"/>
+                <a16:creationId xmlns:a16="http://schemas.microsoft.com/office/drawing/2014/main" xmlns="" id="{D5D1CE18-F9BD-41B4-8056-E22AEEF6D3A1}"/>
               </a:ext>
             </a:extLst>
           </p:cNvPr>
@@ -5522,7 +5694,7 @@
           <p:cNvPr id="4" name="Text Placeholder 3">
             <a:extLst>
               <a:ext uri="{FF2B5EF4-FFF2-40B4-BE49-F238E27FC236}">
-                <a16:creationId xmlns:a16="http://schemas.microsoft.com/office/drawing/2014/main" id="{8B2DB4DA-BA72-424A-845C-3E305D36B41E}"/>
+                <a16:creationId xmlns:a16="http://schemas.microsoft.com/office/drawing/2014/main" xmlns="" id="{8B2DB4DA-BA72-424A-845C-3E305D36B41E}"/>
               </a:ext>
             </a:extLst>
           </p:cNvPr>
@@ -5593,7 +5765,7 @@
           <p:cNvPr id="5" name="Date Placeholder 4">
             <a:extLst>
               <a:ext uri="{FF2B5EF4-FFF2-40B4-BE49-F238E27FC236}">
-                <a16:creationId xmlns:a16="http://schemas.microsoft.com/office/drawing/2014/main" id="{9E0F6947-54BB-40F7-85A7-2EB72C1BEAE8}"/>
+                <a16:creationId xmlns:a16="http://schemas.microsoft.com/office/drawing/2014/main" xmlns="" id="{9E0F6947-54BB-40F7-85A7-2EB72C1BEAE8}"/>
               </a:ext>
             </a:extLst>
           </p:cNvPr>
@@ -5623,7 +5795,7 @@
           <p:cNvPr id="6" name="Footer Placeholder 5">
             <a:extLst>
               <a:ext uri="{FF2B5EF4-FFF2-40B4-BE49-F238E27FC236}">
-                <a16:creationId xmlns:a16="http://schemas.microsoft.com/office/drawing/2014/main" id="{AFA4069D-0CC7-4B93-8DF5-3B1D962E47A6}"/>
+                <a16:creationId xmlns:a16="http://schemas.microsoft.com/office/drawing/2014/main" xmlns="" id="{AFA4069D-0CC7-4B93-8DF5-3B1D962E47A6}"/>
               </a:ext>
             </a:extLst>
           </p:cNvPr>
@@ -5648,7 +5820,7 @@
           <p:cNvPr id="7" name="Slide Number Placeholder 6">
             <a:extLst>
               <a:ext uri="{FF2B5EF4-FFF2-40B4-BE49-F238E27FC236}">
-                <a16:creationId xmlns:a16="http://schemas.microsoft.com/office/drawing/2014/main" id="{74BC649E-CEE5-4CE0-9B43-09D802EFB90F}"/>
+                <a16:creationId xmlns:a16="http://schemas.microsoft.com/office/drawing/2014/main" xmlns="" id="{74BC649E-CEE5-4CE0-9B43-09D802EFB90F}"/>
               </a:ext>
             </a:extLst>
           </p:cNvPr>
@@ -5676,7 +5848,7 @@
     </p:spTree>
     <p:extLst>
       <p:ext uri="{BB962C8B-B14F-4D97-AF65-F5344CB8AC3E}">
-        <p14:creationId xmlns:p14="http://schemas.microsoft.com/office/powerpoint/2010/main" val="3685579883"/>
+        <p14:creationId xmlns:p14="http://schemas.microsoft.com/office/powerpoint/2010/main" xmlns="" val="3685579883"/>
       </p:ext>
     </p:extLst>
   </p:cSld>
@@ -5713,7 +5885,7 @@
           <p:cNvPr id="2" name="Title Placeholder 1">
             <a:extLst>
               <a:ext uri="{FF2B5EF4-FFF2-40B4-BE49-F238E27FC236}">
-                <a16:creationId xmlns:a16="http://schemas.microsoft.com/office/drawing/2014/main" id="{93167B93-6A4A-48BB-9AAF-6A6950557AEF}"/>
+                <a16:creationId xmlns:a16="http://schemas.microsoft.com/office/drawing/2014/main" xmlns="" id="{93167B93-6A4A-48BB-9AAF-6A6950557AEF}"/>
               </a:ext>
             </a:extLst>
           </p:cNvPr>
@@ -5751,7 +5923,7 @@
           <p:cNvPr id="3" name="Text Placeholder 2">
             <a:extLst>
               <a:ext uri="{FF2B5EF4-FFF2-40B4-BE49-F238E27FC236}">
-                <a16:creationId xmlns:a16="http://schemas.microsoft.com/office/drawing/2014/main" id="{C8681EC6-9512-483B-BA61-30A00B970F39}"/>
+                <a16:creationId xmlns:a16="http://schemas.microsoft.com/office/drawing/2014/main" xmlns="" id="{C8681EC6-9512-483B-BA61-30A00B970F39}"/>
               </a:ext>
             </a:extLst>
           </p:cNvPr>
@@ -5818,7 +5990,7 @@
           <p:cNvPr id="4" name="Date Placeholder 3">
             <a:extLst>
               <a:ext uri="{FF2B5EF4-FFF2-40B4-BE49-F238E27FC236}">
-                <a16:creationId xmlns:a16="http://schemas.microsoft.com/office/drawing/2014/main" id="{D3A290A6-5736-4CB6-A19C-DC4230F932F1}"/>
+                <a16:creationId xmlns:a16="http://schemas.microsoft.com/office/drawing/2014/main" xmlns="" id="{D3A290A6-5736-4CB6-A19C-DC4230F932F1}"/>
               </a:ext>
             </a:extLst>
           </p:cNvPr>
@@ -5866,7 +6038,7 @@
           <p:cNvPr id="5" name="Footer Placeholder 4">
             <a:extLst>
               <a:ext uri="{FF2B5EF4-FFF2-40B4-BE49-F238E27FC236}">
-                <a16:creationId xmlns:a16="http://schemas.microsoft.com/office/drawing/2014/main" id="{22EBE582-B1AB-4666-997A-F36EB63FD8D6}"/>
+                <a16:creationId xmlns:a16="http://schemas.microsoft.com/office/drawing/2014/main" xmlns="" id="{22EBE582-B1AB-4666-997A-F36EB63FD8D6}"/>
               </a:ext>
             </a:extLst>
           </p:cNvPr>
@@ -5909,7 +6081,7 @@
           <p:cNvPr id="6" name="Slide Number Placeholder 5">
             <a:extLst>
               <a:ext uri="{FF2B5EF4-FFF2-40B4-BE49-F238E27FC236}">
-                <a16:creationId xmlns:a16="http://schemas.microsoft.com/office/drawing/2014/main" id="{77B13510-3D74-470C-BD4E-4623587E12E3}"/>
+                <a16:creationId xmlns:a16="http://schemas.microsoft.com/office/drawing/2014/main" xmlns="" id="{77B13510-3D74-470C-BD4E-4623587E12E3}"/>
               </a:ext>
             </a:extLst>
           </p:cNvPr>
@@ -5957,7 +6129,7 @@
           <p:cNvPr id="7" name="Rectangle 6">
             <a:extLst>
               <a:ext uri="{FF2B5EF4-FFF2-40B4-BE49-F238E27FC236}">
-                <a16:creationId xmlns:a16="http://schemas.microsoft.com/office/drawing/2014/main" id="{0ABD61A2-ECDD-4A5C-8B2C-67D04DF1A4F8}"/>
+                <a16:creationId xmlns:a16="http://schemas.microsoft.com/office/drawing/2014/main" xmlns="" id="{0ABD61A2-ECDD-4A5C-8B2C-67D04DF1A4F8}"/>
               </a:ext>
             </a:extLst>
           </p:cNvPr>
@@ -5999,7 +6171,7 @@
           <p:cNvPr id="8" name="Rectangle 7">
             <a:extLst>
               <a:ext uri="{FF2B5EF4-FFF2-40B4-BE49-F238E27FC236}">
-                <a16:creationId xmlns:a16="http://schemas.microsoft.com/office/drawing/2014/main" id="{B8ECBD3F-E3E0-4AF7-9498-072C80E24DAF}"/>
+                <a16:creationId xmlns:a16="http://schemas.microsoft.com/office/drawing/2014/main" xmlns="" id="{B8ECBD3F-E3E0-4AF7-9498-072C80E24DAF}"/>
               </a:ext>
             </a:extLst>
           </p:cNvPr>
@@ -6041,7 +6213,7 @@
     </p:spTree>
     <p:extLst>
       <p:ext uri="{BB962C8B-B14F-4D97-AF65-F5344CB8AC3E}">
-        <p14:creationId xmlns:p14="http://schemas.microsoft.com/office/powerpoint/2010/main" val="2651013160"/>
+        <p14:creationId xmlns:p14="http://schemas.microsoft.com/office/powerpoint/2010/main" xmlns="" val="2651013160"/>
       </p:ext>
     </p:extLst>
   </p:cSld>
@@ -6364,7 +6536,7 @@
           <p:cNvPr id="2" name="Title 1">
             <a:extLst>
               <a:ext uri="{FF2B5EF4-FFF2-40B4-BE49-F238E27FC236}">
-                <a16:creationId xmlns:a16="http://schemas.microsoft.com/office/drawing/2014/main" id="{67B1F4F5-F0B9-4D17-9B31-DE22B611FFFE}"/>
+                <a16:creationId xmlns:a16="http://schemas.microsoft.com/office/drawing/2014/main" xmlns="" id="{67B1F4F5-F0B9-4D17-9B31-DE22B611FFFE}"/>
               </a:ext>
             </a:extLst>
           </p:cNvPr>
@@ -6398,7 +6570,7 @@
           <p:cNvPr id="3" name="Subtitle 2">
             <a:extLst>
               <a:ext uri="{FF2B5EF4-FFF2-40B4-BE49-F238E27FC236}">
-                <a16:creationId xmlns:a16="http://schemas.microsoft.com/office/drawing/2014/main" id="{B3F7542E-6F3A-4349-99DB-1F21ABC8470C}"/>
+                <a16:creationId xmlns:a16="http://schemas.microsoft.com/office/drawing/2014/main" xmlns="" id="{B3F7542E-6F3A-4349-99DB-1F21ABC8470C}"/>
               </a:ext>
             </a:extLst>
           </p:cNvPr>
@@ -6429,7 +6601,7 @@
           <p:cNvPr id="4" name="Picture 3">
             <a:extLst>
               <a:ext uri="{FF2B5EF4-FFF2-40B4-BE49-F238E27FC236}">
-                <a16:creationId xmlns:a16="http://schemas.microsoft.com/office/drawing/2014/main" id="{72CB8E91-B469-4BBE-8EE8-56242C4C092C}"/>
+                <a16:creationId xmlns:a16="http://schemas.microsoft.com/office/drawing/2014/main" xmlns="" id="{72CB8E91-B469-4BBE-8EE8-56242C4C092C}"/>
               </a:ext>
             </a:extLst>
           </p:cNvPr>
@@ -6457,7 +6629,7 @@
     </p:spTree>
     <p:extLst>
       <p:ext uri="{BB962C8B-B14F-4D97-AF65-F5344CB8AC3E}">
-        <p14:creationId xmlns:p14="http://schemas.microsoft.com/office/powerpoint/2010/main" val="108172572"/>
+        <p14:creationId xmlns:p14="http://schemas.microsoft.com/office/powerpoint/2010/main" xmlns="" val="108172572"/>
       </p:ext>
     </p:extLst>
   </p:cSld>
@@ -6489,7 +6661,7 @@
           <p:cNvPr id="2" name="Title 1">
             <a:extLst>
               <a:ext uri="{FF2B5EF4-FFF2-40B4-BE49-F238E27FC236}">
-                <a16:creationId xmlns:a16="http://schemas.microsoft.com/office/drawing/2014/main" id="{D7C84779-5F93-4DCC-86DF-8D79DEAEC374}"/>
+                <a16:creationId xmlns:a16="http://schemas.microsoft.com/office/drawing/2014/main" xmlns="" id="{D7C84779-5F93-4DCC-86DF-8D79DEAEC374}"/>
               </a:ext>
             </a:extLst>
           </p:cNvPr>
@@ -6518,7 +6690,7 @@
           <p:cNvPr id="9" name="Rectangle 8">
             <a:extLst>
               <a:ext uri="{FF2B5EF4-FFF2-40B4-BE49-F238E27FC236}">
-                <a16:creationId xmlns:a16="http://schemas.microsoft.com/office/drawing/2014/main" id="{09DF8025-61D7-487E-B878-BECE556123CE}"/>
+                <a16:creationId xmlns:a16="http://schemas.microsoft.com/office/drawing/2014/main" xmlns="" id="{09DF8025-61D7-487E-B878-BECE556123CE}"/>
               </a:ext>
             </a:extLst>
           </p:cNvPr>
@@ -6737,7 +6909,7 @@
     </p:spTree>
     <p:extLst>
       <p:ext uri="{BB962C8B-B14F-4D97-AF65-F5344CB8AC3E}">
-        <p14:creationId xmlns:p14="http://schemas.microsoft.com/office/powerpoint/2010/main" val="1934937011"/>
+        <p14:creationId xmlns:p14="http://schemas.microsoft.com/office/powerpoint/2010/main" xmlns="" val="1934937011"/>
       </p:ext>
     </p:extLst>
   </p:cSld>
@@ -6769,7 +6941,7 @@
           <p:cNvPr id="2" name="Title 1">
             <a:extLst>
               <a:ext uri="{FF2B5EF4-FFF2-40B4-BE49-F238E27FC236}">
-                <a16:creationId xmlns:a16="http://schemas.microsoft.com/office/drawing/2014/main" id="{D7C84779-5F93-4DCC-86DF-8D79DEAEC374}"/>
+                <a16:creationId xmlns:a16="http://schemas.microsoft.com/office/drawing/2014/main" xmlns="" id="{D7C84779-5F93-4DCC-86DF-8D79DEAEC374}"/>
               </a:ext>
             </a:extLst>
           </p:cNvPr>
@@ -6802,7 +6974,7 @@
           <p:cNvPr id="9" name="Rectangle 8">
             <a:extLst>
               <a:ext uri="{FF2B5EF4-FFF2-40B4-BE49-F238E27FC236}">
-                <a16:creationId xmlns:a16="http://schemas.microsoft.com/office/drawing/2014/main" id="{09DF8025-61D7-487E-B878-BECE556123CE}"/>
+                <a16:creationId xmlns:a16="http://schemas.microsoft.com/office/drawing/2014/main" xmlns="" id="{09DF8025-61D7-487E-B878-BECE556123CE}"/>
               </a:ext>
             </a:extLst>
           </p:cNvPr>
@@ -6960,7 +7132,7 @@
     </p:spTree>
     <p:extLst>
       <p:ext uri="{BB962C8B-B14F-4D97-AF65-F5344CB8AC3E}">
-        <p14:creationId xmlns:p14="http://schemas.microsoft.com/office/powerpoint/2010/main" val="375138371"/>
+        <p14:creationId xmlns:p14="http://schemas.microsoft.com/office/powerpoint/2010/main" xmlns="" val="375138371"/>
       </p:ext>
     </p:extLst>
   </p:cSld>
@@ -6992,7 +7164,7 @@
           <p:cNvPr id="2" name="Title 1">
             <a:extLst>
               <a:ext uri="{FF2B5EF4-FFF2-40B4-BE49-F238E27FC236}">
-                <a16:creationId xmlns:a16="http://schemas.microsoft.com/office/drawing/2014/main" id="{D7C84779-5F93-4DCC-86DF-8D79DEAEC374}"/>
+                <a16:creationId xmlns:a16="http://schemas.microsoft.com/office/drawing/2014/main" xmlns="" id="{D7C84779-5F93-4DCC-86DF-8D79DEAEC374}"/>
               </a:ext>
             </a:extLst>
           </p:cNvPr>
@@ -7033,7 +7205,7 @@
           <p:cNvPr id="9" name="Rectangle 8">
             <a:extLst>
               <a:ext uri="{FF2B5EF4-FFF2-40B4-BE49-F238E27FC236}">
-                <a16:creationId xmlns:a16="http://schemas.microsoft.com/office/drawing/2014/main" id="{09DF8025-61D7-487E-B878-BECE556123CE}"/>
+                <a16:creationId xmlns:a16="http://schemas.microsoft.com/office/drawing/2014/main" xmlns="" id="{09DF8025-61D7-487E-B878-BECE556123CE}"/>
               </a:ext>
             </a:extLst>
           </p:cNvPr>
@@ -7188,7 +7360,7 @@
     </p:spTree>
     <p:extLst>
       <p:ext uri="{BB962C8B-B14F-4D97-AF65-F5344CB8AC3E}">
-        <p14:creationId xmlns:p14="http://schemas.microsoft.com/office/powerpoint/2010/main" val="375138371"/>
+        <p14:creationId xmlns:p14="http://schemas.microsoft.com/office/powerpoint/2010/main" xmlns="" val="375138371"/>
       </p:ext>
     </p:extLst>
   </p:cSld>
@@ -7220,7 +7392,7 @@
           <p:cNvPr id="2" name="Title 1">
             <a:extLst>
               <a:ext uri="{FF2B5EF4-FFF2-40B4-BE49-F238E27FC236}">
-                <a16:creationId xmlns:a16="http://schemas.microsoft.com/office/drawing/2014/main" id="{D7C84779-5F93-4DCC-86DF-8D79DEAEC374}"/>
+                <a16:creationId xmlns:a16="http://schemas.microsoft.com/office/drawing/2014/main" xmlns="" id="{D7C84779-5F93-4DCC-86DF-8D79DEAEC374}"/>
               </a:ext>
             </a:extLst>
           </p:cNvPr>
@@ -7281,7 +7453,7 @@
           <p:cNvPr id="9" name="Rectangle 8">
             <a:extLst>
               <a:ext uri="{FF2B5EF4-FFF2-40B4-BE49-F238E27FC236}">
-                <a16:creationId xmlns:a16="http://schemas.microsoft.com/office/drawing/2014/main" id="{09DF8025-61D7-487E-B878-BECE556123CE}"/>
+                <a16:creationId xmlns:a16="http://schemas.microsoft.com/office/drawing/2014/main" xmlns="" id="{09DF8025-61D7-487E-B878-BECE556123CE}"/>
               </a:ext>
             </a:extLst>
           </p:cNvPr>
@@ -7484,7 +7656,7 @@
     </p:spTree>
     <p:extLst>
       <p:ext uri="{BB962C8B-B14F-4D97-AF65-F5344CB8AC3E}">
-        <p14:creationId xmlns:p14="http://schemas.microsoft.com/office/powerpoint/2010/main" val="375138371"/>
+        <p14:creationId xmlns:p14="http://schemas.microsoft.com/office/powerpoint/2010/main" xmlns="" val="375138371"/>
       </p:ext>
     </p:extLst>
   </p:cSld>
@@ -7516,7 +7688,7 @@
           <p:cNvPr id="2" name="Title 1">
             <a:extLst>
               <a:ext uri="{FF2B5EF4-FFF2-40B4-BE49-F238E27FC236}">
-                <a16:creationId xmlns:a16="http://schemas.microsoft.com/office/drawing/2014/main" id="{D7C84779-5F93-4DCC-86DF-8D79DEAEC374}"/>
+                <a16:creationId xmlns:a16="http://schemas.microsoft.com/office/drawing/2014/main" xmlns="" id="{D7C84779-5F93-4DCC-86DF-8D79DEAEC374}"/>
               </a:ext>
             </a:extLst>
           </p:cNvPr>
@@ -7577,7 +7749,7 @@
           <p:cNvPr id="9" name="Rectangle 8">
             <a:extLst>
               <a:ext uri="{FF2B5EF4-FFF2-40B4-BE49-F238E27FC236}">
-                <a16:creationId xmlns:a16="http://schemas.microsoft.com/office/drawing/2014/main" id="{09DF8025-61D7-487E-B878-BECE556123CE}"/>
+                <a16:creationId xmlns:a16="http://schemas.microsoft.com/office/drawing/2014/main" xmlns="" id="{09DF8025-61D7-487E-B878-BECE556123CE}"/>
               </a:ext>
             </a:extLst>
           </p:cNvPr>
@@ -7821,7 +7993,7 @@
     </p:spTree>
     <p:extLst>
       <p:ext uri="{BB962C8B-B14F-4D97-AF65-F5344CB8AC3E}">
-        <p14:creationId xmlns:p14="http://schemas.microsoft.com/office/powerpoint/2010/main" val="375138371"/>
+        <p14:creationId xmlns:p14="http://schemas.microsoft.com/office/powerpoint/2010/main" xmlns="" val="375138371"/>
       </p:ext>
     </p:extLst>
   </p:cSld>
@@ -7853,7 +8025,7 @@
           <p:cNvPr id="2" name="Title 1">
             <a:extLst>
               <a:ext uri="{FF2B5EF4-FFF2-40B4-BE49-F238E27FC236}">
-                <a16:creationId xmlns:a16="http://schemas.microsoft.com/office/drawing/2014/main" id="{D7C84779-5F93-4DCC-86DF-8D79DEAEC374}"/>
+                <a16:creationId xmlns:a16="http://schemas.microsoft.com/office/drawing/2014/main" xmlns="" id="{D7C84779-5F93-4DCC-86DF-8D79DEAEC374}"/>
               </a:ext>
             </a:extLst>
           </p:cNvPr>
@@ -7890,7 +8062,7 @@
           <p:cNvPr id="9" name="Rectangle 8">
             <a:extLst>
               <a:ext uri="{FF2B5EF4-FFF2-40B4-BE49-F238E27FC236}">
-                <a16:creationId xmlns:a16="http://schemas.microsoft.com/office/drawing/2014/main" id="{09DF8025-61D7-487E-B878-BECE556123CE}"/>
+                <a16:creationId xmlns:a16="http://schemas.microsoft.com/office/drawing/2014/main" xmlns="" id="{09DF8025-61D7-487E-B878-BECE556123CE}"/>
               </a:ext>
             </a:extLst>
           </p:cNvPr>
@@ -8076,7 +8248,7 @@
     </p:spTree>
     <p:extLst>
       <p:ext uri="{BB962C8B-B14F-4D97-AF65-F5344CB8AC3E}">
-        <p14:creationId xmlns:p14="http://schemas.microsoft.com/office/powerpoint/2010/main" val="3308199554"/>
+        <p14:creationId xmlns:p14="http://schemas.microsoft.com/office/powerpoint/2010/main" xmlns="" val="3308199554"/>
       </p:ext>
     </p:extLst>
   </p:cSld>
@@ -8108,7 +8280,7 @@
           <p:cNvPr id="2" name="Title 1">
             <a:extLst>
               <a:ext uri="{FF2B5EF4-FFF2-40B4-BE49-F238E27FC236}">
-                <a16:creationId xmlns:a16="http://schemas.microsoft.com/office/drawing/2014/main" id="{D7C84779-5F93-4DCC-86DF-8D79DEAEC374}"/>
+                <a16:creationId xmlns:a16="http://schemas.microsoft.com/office/drawing/2014/main" xmlns="" id="{D7C84779-5F93-4DCC-86DF-8D79DEAEC374}"/>
               </a:ext>
             </a:extLst>
           </p:cNvPr>
@@ -8145,7 +8317,7 @@
           <p:cNvPr id="9" name="Rectangle 8">
             <a:extLst>
               <a:ext uri="{FF2B5EF4-FFF2-40B4-BE49-F238E27FC236}">
-                <a16:creationId xmlns:a16="http://schemas.microsoft.com/office/drawing/2014/main" id="{09DF8025-61D7-487E-B878-BECE556123CE}"/>
+                <a16:creationId xmlns:a16="http://schemas.microsoft.com/office/drawing/2014/main" xmlns="" id="{09DF8025-61D7-487E-B878-BECE556123CE}"/>
               </a:ext>
             </a:extLst>
           </p:cNvPr>
@@ -8192,7 +8364,7 @@
           <p:cNvPr id="6" name="Picture 5">
             <a:extLst>
               <a:ext uri="{FF2B5EF4-FFF2-40B4-BE49-F238E27FC236}">
-                <a16:creationId xmlns:a16="http://schemas.microsoft.com/office/drawing/2014/main" id="{803B6F91-4E64-444F-A565-D062A84CD754}"/>
+                <a16:creationId xmlns:a16="http://schemas.microsoft.com/office/drawing/2014/main" xmlns="" id="{803B6F91-4E64-444F-A565-D062A84CD754}"/>
               </a:ext>
             </a:extLst>
           </p:cNvPr>
@@ -8220,7 +8392,7 @@
     </p:spTree>
     <p:extLst>
       <p:ext uri="{BB962C8B-B14F-4D97-AF65-F5344CB8AC3E}">
-        <p14:creationId xmlns:p14="http://schemas.microsoft.com/office/powerpoint/2010/main" val="2622786567"/>
+        <p14:creationId xmlns:p14="http://schemas.microsoft.com/office/powerpoint/2010/main" xmlns="" val="2622786567"/>
       </p:ext>
     </p:extLst>
   </p:cSld>
@@ -8252,7 +8424,7 @@
           <p:cNvPr id="2" name="Title 1">
             <a:extLst>
               <a:ext uri="{FF2B5EF4-FFF2-40B4-BE49-F238E27FC236}">
-                <a16:creationId xmlns:a16="http://schemas.microsoft.com/office/drawing/2014/main" id="{D7C84779-5F93-4DCC-86DF-8D79DEAEC374}"/>
+                <a16:creationId xmlns:a16="http://schemas.microsoft.com/office/drawing/2014/main" xmlns="" id="{D7C84779-5F93-4DCC-86DF-8D79DEAEC374}"/>
               </a:ext>
             </a:extLst>
           </p:cNvPr>
@@ -8289,7 +8461,7 @@
           <p:cNvPr id="9" name="Rectangle 8">
             <a:extLst>
               <a:ext uri="{FF2B5EF4-FFF2-40B4-BE49-F238E27FC236}">
-                <a16:creationId xmlns:a16="http://schemas.microsoft.com/office/drawing/2014/main" id="{09DF8025-61D7-487E-B878-BECE556123CE}"/>
+                <a16:creationId xmlns:a16="http://schemas.microsoft.com/office/drawing/2014/main" xmlns="" id="{09DF8025-61D7-487E-B878-BECE556123CE}"/>
               </a:ext>
             </a:extLst>
           </p:cNvPr>
@@ -8357,7 +8529,7 @@
           <p:cNvPr id="4" name="Picture 3">
             <a:extLst>
               <a:ext uri="{FF2B5EF4-FFF2-40B4-BE49-F238E27FC236}">
-                <a16:creationId xmlns:a16="http://schemas.microsoft.com/office/drawing/2014/main" id="{0B95BE6B-4050-4C7D-BAE9-3F7AADB1AC9C}"/>
+                <a16:creationId xmlns:a16="http://schemas.microsoft.com/office/drawing/2014/main" xmlns="" id="{0B95BE6B-4050-4C7D-BAE9-3F7AADB1AC9C}"/>
               </a:ext>
             </a:extLst>
           </p:cNvPr>
@@ -8385,7 +8557,7 @@
     </p:spTree>
     <p:extLst>
       <p:ext uri="{BB962C8B-B14F-4D97-AF65-F5344CB8AC3E}">
-        <p14:creationId xmlns:p14="http://schemas.microsoft.com/office/powerpoint/2010/main" val="2066996563"/>
+        <p14:creationId xmlns:p14="http://schemas.microsoft.com/office/powerpoint/2010/main" xmlns="" val="2066996563"/>
       </p:ext>
     </p:extLst>
   </p:cSld>
@@ -8417,7 +8589,7 @@
           <p:cNvPr id="2" name="Title 1">
             <a:extLst>
               <a:ext uri="{FF2B5EF4-FFF2-40B4-BE49-F238E27FC236}">
-                <a16:creationId xmlns:a16="http://schemas.microsoft.com/office/drawing/2014/main" id="{D7C84779-5F93-4DCC-86DF-8D79DEAEC374}"/>
+                <a16:creationId xmlns:a16="http://schemas.microsoft.com/office/drawing/2014/main" xmlns="" id="{D7C84779-5F93-4DCC-86DF-8D79DEAEC374}"/>
               </a:ext>
             </a:extLst>
           </p:cNvPr>
@@ -8450,7 +8622,7 @@
           <p:cNvPr id="9" name="Content Placeholder 8">
             <a:extLst>
               <a:ext uri="{FF2B5EF4-FFF2-40B4-BE49-F238E27FC236}">
-                <a16:creationId xmlns:a16="http://schemas.microsoft.com/office/drawing/2014/main" id="{8CA4467B-1621-4762-8082-EDC139BD03F4}"/>
+                <a16:creationId xmlns:a16="http://schemas.microsoft.com/office/drawing/2014/main" xmlns="" id="{8CA4467B-1621-4762-8082-EDC139BD03F4}"/>
               </a:ext>
             </a:extLst>
           </p:cNvPr>
@@ -8512,7 +8684,7 @@
     </p:spTree>
     <p:extLst>
       <p:ext uri="{BB962C8B-B14F-4D97-AF65-F5344CB8AC3E}">
-        <p14:creationId xmlns:p14="http://schemas.microsoft.com/office/powerpoint/2010/main" val="1408701152"/>
+        <p14:creationId xmlns:p14="http://schemas.microsoft.com/office/powerpoint/2010/main" xmlns="" val="1408701152"/>
       </p:ext>
     </p:extLst>
   </p:cSld>
@@ -8544,7 +8716,7 @@
           <p:cNvPr id="2" name="Title 1">
             <a:extLst>
               <a:ext uri="{FF2B5EF4-FFF2-40B4-BE49-F238E27FC236}">
-                <a16:creationId xmlns:a16="http://schemas.microsoft.com/office/drawing/2014/main" id="{D7C84779-5F93-4DCC-86DF-8D79DEAEC374}"/>
+                <a16:creationId xmlns:a16="http://schemas.microsoft.com/office/drawing/2014/main" xmlns="" id="{D7C84779-5F93-4DCC-86DF-8D79DEAEC374}"/>
               </a:ext>
             </a:extLst>
           </p:cNvPr>
@@ -8586,7 +8758,7 @@
           <p:cNvPr id="9" name="Content Placeholder 8">
             <a:extLst>
               <a:ext uri="{FF2B5EF4-FFF2-40B4-BE49-F238E27FC236}">
-                <a16:creationId xmlns:a16="http://schemas.microsoft.com/office/drawing/2014/main" id="{8CA4467B-1621-4762-8082-EDC139BD03F4}"/>
+                <a16:creationId xmlns:a16="http://schemas.microsoft.com/office/drawing/2014/main" xmlns="" id="{8CA4467B-1621-4762-8082-EDC139BD03F4}"/>
               </a:ext>
             </a:extLst>
           </p:cNvPr>
@@ -8651,7 +8823,7 @@
     </p:spTree>
     <p:extLst>
       <p:ext uri="{BB962C8B-B14F-4D97-AF65-F5344CB8AC3E}">
-        <p14:creationId xmlns:p14="http://schemas.microsoft.com/office/powerpoint/2010/main" val="1667030114"/>
+        <p14:creationId xmlns:p14="http://schemas.microsoft.com/office/powerpoint/2010/main" xmlns="" val="1667030114"/>
       </p:ext>
     </p:extLst>
   </p:cSld>
@@ -8683,7 +8855,7 @@
           <p:cNvPr id="2" name="Title 1">
             <a:extLst>
               <a:ext uri="{FF2B5EF4-FFF2-40B4-BE49-F238E27FC236}">
-                <a16:creationId xmlns:a16="http://schemas.microsoft.com/office/drawing/2014/main" id="{8342A161-B3E9-4758-A71C-0474D4118B56}"/>
+                <a16:creationId xmlns:a16="http://schemas.microsoft.com/office/drawing/2014/main" xmlns="" id="{8342A161-B3E9-4758-A71C-0474D4118B56}"/>
               </a:ext>
             </a:extLst>
           </p:cNvPr>
@@ -8711,7 +8883,7 @@
           <p:cNvPr id="3" name="Content Placeholder 2">
             <a:extLst>
               <a:ext uri="{FF2B5EF4-FFF2-40B4-BE49-F238E27FC236}">
-                <a16:creationId xmlns:a16="http://schemas.microsoft.com/office/drawing/2014/main" id="{EFC431BF-252A-4742-96DF-4B53752625D3}"/>
+                <a16:creationId xmlns:a16="http://schemas.microsoft.com/office/drawing/2014/main" xmlns="" id="{EFC431BF-252A-4742-96DF-4B53752625D3}"/>
               </a:ext>
             </a:extLst>
           </p:cNvPr>
@@ -8935,7 +9107,7 @@
     </p:spTree>
     <p:extLst>
       <p:ext uri="{BB962C8B-B14F-4D97-AF65-F5344CB8AC3E}">
-        <p14:creationId xmlns:p14="http://schemas.microsoft.com/office/powerpoint/2010/main" val="3122889517"/>
+        <p14:creationId xmlns:p14="http://schemas.microsoft.com/office/powerpoint/2010/main" xmlns="" val="3122889517"/>
       </p:ext>
     </p:extLst>
   </p:cSld>
@@ -8967,7 +9139,7 @@
           <p:cNvPr id="2" name="Title 1">
             <a:extLst>
               <a:ext uri="{FF2B5EF4-FFF2-40B4-BE49-F238E27FC236}">
-                <a16:creationId xmlns:a16="http://schemas.microsoft.com/office/drawing/2014/main" id="{D7C84779-5F93-4DCC-86DF-8D79DEAEC374}"/>
+                <a16:creationId xmlns:a16="http://schemas.microsoft.com/office/drawing/2014/main" xmlns="" id="{D7C84779-5F93-4DCC-86DF-8D79DEAEC374}"/>
               </a:ext>
             </a:extLst>
           </p:cNvPr>
@@ -9001,7 +9173,7 @@
           <p:cNvPr id="5" name="Content Placeholder 4">
             <a:extLst>
               <a:ext uri="{FF2B5EF4-FFF2-40B4-BE49-F238E27FC236}">
-                <a16:creationId xmlns:a16="http://schemas.microsoft.com/office/drawing/2014/main" id="{7A7E2851-6141-4C9C-BEEC-09785EFD900F}"/>
+                <a16:creationId xmlns:a16="http://schemas.microsoft.com/office/drawing/2014/main" xmlns="" id="{7A7E2851-6141-4C9C-BEEC-09785EFD900F}"/>
               </a:ext>
             </a:extLst>
           </p:cNvPr>
@@ -9038,7 +9210,7 @@
           <p:cNvPr id="6" name="Picture 5">
             <a:extLst>
               <a:ext uri="{FF2B5EF4-FFF2-40B4-BE49-F238E27FC236}">
-                <a16:creationId xmlns:a16="http://schemas.microsoft.com/office/drawing/2014/main" id="{429D6416-EC50-4351-8EA4-ED041C732EDD}"/>
+                <a16:creationId xmlns:a16="http://schemas.microsoft.com/office/drawing/2014/main" xmlns="" id="{429D6416-EC50-4351-8EA4-ED041C732EDD}"/>
               </a:ext>
             </a:extLst>
           </p:cNvPr>
@@ -9066,7 +9238,7 @@
     </p:spTree>
     <p:extLst>
       <p:ext uri="{BB962C8B-B14F-4D97-AF65-F5344CB8AC3E}">
-        <p14:creationId xmlns:p14="http://schemas.microsoft.com/office/powerpoint/2010/main" val="2616448833"/>
+        <p14:creationId xmlns:p14="http://schemas.microsoft.com/office/powerpoint/2010/main" xmlns="" val="2616448833"/>
       </p:ext>
     </p:extLst>
   </p:cSld>
@@ -9098,7 +9270,7 @@
           <p:cNvPr id="2" name="Title 1">
             <a:extLst>
               <a:ext uri="{FF2B5EF4-FFF2-40B4-BE49-F238E27FC236}">
-                <a16:creationId xmlns:a16="http://schemas.microsoft.com/office/drawing/2014/main" id="{D7C84779-5F93-4DCC-86DF-8D79DEAEC374}"/>
+                <a16:creationId xmlns:a16="http://schemas.microsoft.com/office/drawing/2014/main" xmlns="" id="{D7C84779-5F93-4DCC-86DF-8D79DEAEC374}"/>
               </a:ext>
             </a:extLst>
           </p:cNvPr>
@@ -9132,7 +9304,7 @@
           <p:cNvPr id="5" name="Content Placeholder 4">
             <a:extLst>
               <a:ext uri="{FF2B5EF4-FFF2-40B4-BE49-F238E27FC236}">
-                <a16:creationId xmlns:a16="http://schemas.microsoft.com/office/drawing/2014/main" id="{7A7E2851-6141-4C9C-BEEC-09785EFD900F}"/>
+                <a16:creationId xmlns:a16="http://schemas.microsoft.com/office/drawing/2014/main" xmlns="" id="{7A7E2851-6141-4C9C-BEEC-09785EFD900F}"/>
               </a:ext>
             </a:extLst>
           </p:cNvPr>
@@ -9173,7 +9345,7 @@
           <p:cNvPr id="3" name="Picture 2">
             <a:extLst>
               <a:ext uri="{FF2B5EF4-FFF2-40B4-BE49-F238E27FC236}">
-                <a16:creationId xmlns:a16="http://schemas.microsoft.com/office/drawing/2014/main" id="{6E8CCC1D-869B-4622-8DFA-3CB43B29ED2D}"/>
+                <a16:creationId xmlns:a16="http://schemas.microsoft.com/office/drawing/2014/main" xmlns="" id="{6E8CCC1D-869B-4622-8DFA-3CB43B29ED2D}"/>
               </a:ext>
             </a:extLst>
           </p:cNvPr>
@@ -9201,7 +9373,7 @@
     </p:spTree>
     <p:extLst>
       <p:ext uri="{BB962C8B-B14F-4D97-AF65-F5344CB8AC3E}">
-        <p14:creationId xmlns:p14="http://schemas.microsoft.com/office/powerpoint/2010/main" val="825655188"/>
+        <p14:creationId xmlns:p14="http://schemas.microsoft.com/office/powerpoint/2010/main" xmlns="" val="825655188"/>
       </p:ext>
     </p:extLst>
   </p:cSld>
@@ -9233,7 +9405,7 @@
           <p:cNvPr id="2" name="Title 1">
             <a:extLst>
               <a:ext uri="{FF2B5EF4-FFF2-40B4-BE49-F238E27FC236}">
-                <a16:creationId xmlns:a16="http://schemas.microsoft.com/office/drawing/2014/main" id="{D7C84779-5F93-4DCC-86DF-8D79DEAEC374}"/>
+                <a16:creationId xmlns:a16="http://schemas.microsoft.com/office/drawing/2014/main" xmlns="" id="{D7C84779-5F93-4DCC-86DF-8D79DEAEC374}"/>
               </a:ext>
             </a:extLst>
           </p:cNvPr>
@@ -9291,7 +9463,7 @@
           <p:cNvPr id="5" name="Content Placeholder 4">
             <a:extLst>
               <a:ext uri="{FF2B5EF4-FFF2-40B4-BE49-F238E27FC236}">
-                <a16:creationId xmlns:a16="http://schemas.microsoft.com/office/drawing/2014/main" id="{7A7E2851-6141-4C9C-BEEC-09785EFD900F}"/>
+                <a16:creationId xmlns:a16="http://schemas.microsoft.com/office/drawing/2014/main" xmlns="" id="{7A7E2851-6141-4C9C-BEEC-09785EFD900F}"/>
               </a:ext>
             </a:extLst>
           </p:cNvPr>
@@ -9324,7 +9496,7 @@
           <p:cNvPr id="4" name="Picture 3">
             <a:extLst>
               <a:ext uri="{FF2B5EF4-FFF2-40B4-BE49-F238E27FC236}">
-                <a16:creationId xmlns:a16="http://schemas.microsoft.com/office/drawing/2014/main" id="{08FA5801-05A9-4F75-96A7-6E964329EAAB}"/>
+                <a16:creationId xmlns:a16="http://schemas.microsoft.com/office/drawing/2014/main" xmlns="" id="{08FA5801-05A9-4F75-96A7-6E964329EAAB}"/>
               </a:ext>
             </a:extLst>
           </p:cNvPr>
@@ -9352,7 +9524,7 @@
     </p:spTree>
     <p:extLst>
       <p:ext uri="{BB962C8B-B14F-4D97-AF65-F5344CB8AC3E}">
-        <p14:creationId xmlns:p14="http://schemas.microsoft.com/office/powerpoint/2010/main" val="64897101"/>
+        <p14:creationId xmlns:p14="http://schemas.microsoft.com/office/powerpoint/2010/main" xmlns="" val="64897101"/>
       </p:ext>
     </p:extLst>
   </p:cSld>
@@ -9384,7 +9556,7 @@
           <p:cNvPr id="2" name="Title 1">
             <a:extLst>
               <a:ext uri="{FF2B5EF4-FFF2-40B4-BE49-F238E27FC236}">
-                <a16:creationId xmlns:a16="http://schemas.microsoft.com/office/drawing/2014/main" id="{D7C84779-5F93-4DCC-86DF-8D79DEAEC374}"/>
+                <a16:creationId xmlns:a16="http://schemas.microsoft.com/office/drawing/2014/main" xmlns="" id="{D7C84779-5F93-4DCC-86DF-8D79DEAEC374}"/>
               </a:ext>
             </a:extLst>
           </p:cNvPr>
@@ -9430,7 +9602,7 @@
           <p:cNvPr id="5" name="Content Placeholder 4">
             <a:extLst>
               <a:ext uri="{FF2B5EF4-FFF2-40B4-BE49-F238E27FC236}">
-                <a16:creationId xmlns:a16="http://schemas.microsoft.com/office/drawing/2014/main" id="{7A7E2851-6141-4C9C-BEEC-09785EFD900F}"/>
+                <a16:creationId xmlns:a16="http://schemas.microsoft.com/office/drawing/2014/main" xmlns="" id="{7A7E2851-6141-4C9C-BEEC-09785EFD900F}"/>
               </a:ext>
             </a:extLst>
           </p:cNvPr>
@@ -9499,7 +9671,7 @@
           <p:cNvPr id="4" name="Picture 3">
             <a:extLst>
               <a:ext uri="{FF2B5EF4-FFF2-40B4-BE49-F238E27FC236}">
-                <a16:creationId xmlns:a16="http://schemas.microsoft.com/office/drawing/2014/main" id="{4EE70FF7-76AF-47A3-BA62-F60C7C00E4FD}"/>
+                <a16:creationId xmlns:a16="http://schemas.microsoft.com/office/drawing/2014/main" xmlns="" id="{4EE70FF7-76AF-47A3-BA62-F60C7C00E4FD}"/>
               </a:ext>
             </a:extLst>
           </p:cNvPr>
@@ -9527,7 +9699,7 @@
     </p:spTree>
     <p:extLst>
       <p:ext uri="{BB962C8B-B14F-4D97-AF65-F5344CB8AC3E}">
-        <p14:creationId xmlns:p14="http://schemas.microsoft.com/office/powerpoint/2010/main" val="3994399625"/>
+        <p14:creationId xmlns:p14="http://schemas.microsoft.com/office/powerpoint/2010/main" xmlns="" val="3994399625"/>
       </p:ext>
     </p:extLst>
   </p:cSld>
@@ -9559,7 +9731,7 @@
           <p:cNvPr id="2" name="Title 1">
             <a:extLst>
               <a:ext uri="{FF2B5EF4-FFF2-40B4-BE49-F238E27FC236}">
-                <a16:creationId xmlns:a16="http://schemas.microsoft.com/office/drawing/2014/main" id="{D7C84779-5F93-4DCC-86DF-8D79DEAEC374}"/>
+                <a16:creationId xmlns:a16="http://schemas.microsoft.com/office/drawing/2014/main" xmlns="" id="{D7C84779-5F93-4DCC-86DF-8D79DEAEC374}"/>
               </a:ext>
             </a:extLst>
           </p:cNvPr>
@@ -9597,7 +9769,7 @@
           <p:cNvPr id="5" name="Content Placeholder 4">
             <a:extLst>
               <a:ext uri="{FF2B5EF4-FFF2-40B4-BE49-F238E27FC236}">
-                <a16:creationId xmlns:a16="http://schemas.microsoft.com/office/drawing/2014/main" id="{7A7E2851-6141-4C9C-BEEC-09785EFD900F}"/>
+                <a16:creationId xmlns:a16="http://schemas.microsoft.com/office/drawing/2014/main" xmlns="" id="{7A7E2851-6141-4C9C-BEEC-09785EFD900F}"/>
               </a:ext>
             </a:extLst>
           </p:cNvPr>
@@ -9670,7 +9842,19 @@
           <a:p>
             <a:r>
               <a:rPr lang="zh-CN" altLang="en-US" dirty="0"/>
-              <a:t>微信  </a:t>
+              <a:t>微</a:t>
+            </a:r>
+            <a:r>
+              <a:rPr lang="zh-CN" altLang="en-US" dirty="0" smtClean="0"/>
+              <a:t>信</a:t>
+            </a:r>
+            <a:r>
+              <a:rPr lang="en-US" altLang="zh-CN" dirty="0" err="1" smtClean="0"/>
+              <a:t>libco</a:t>
+            </a:r>
+            <a:r>
+              <a:rPr lang="zh-CN" altLang="en-US" dirty="0" smtClean="0"/>
+              <a:t>库  </a:t>
             </a:r>
             <a:r>
               <a:rPr lang="en-US" altLang="zh-CN" dirty="0"/>
@@ -9727,7 +9911,7 @@
     </p:spTree>
     <p:extLst>
       <p:ext uri="{BB962C8B-B14F-4D97-AF65-F5344CB8AC3E}">
-        <p14:creationId xmlns:p14="http://schemas.microsoft.com/office/powerpoint/2010/main" val="3030197197"/>
+        <p14:creationId xmlns:p14="http://schemas.microsoft.com/office/powerpoint/2010/main" xmlns="" val="3030197197"/>
       </p:ext>
     </p:extLst>
   </p:cSld>
@@ -9759,7 +9943,7 @@
           <p:cNvPr id="2" name="Title 1">
             <a:extLst>
               <a:ext uri="{FF2B5EF4-FFF2-40B4-BE49-F238E27FC236}">
-                <a16:creationId xmlns:a16="http://schemas.microsoft.com/office/drawing/2014/main" id="{D7C84779-5F93-4DCC-86DF-8D79DEAEC374}"/>
+                <a16:creationId xmlns:a16="http://schemas.microsoft.com/office/drawing/2014/main" xmlns="" id="{D7C84779-5F93-4DCC-86DF-8D79DEAEC374}"/>
               </a:ext>
             </a:extLst>
           </p:cNvPr>
@@ -9797,7 +9981,7 @@
           <p:cNvPr id="5" name="Content Placeholder 4">
             <a:extLst>
               <a:ext uri="{FF2B5EF4-FFF2-40B4-BE49-F238E27FC236}">
-                <a16:creationId xmlns:a16="http://schemas.microsoft.com/office/drawing/2014/main" id="{7A7E2851-6141-4C9C-BEEC-09785EFD900F}"/>
+                <a16:creationId xmlns:a16="http://schemas.microsoft.com/office/drawing/2014/main" xmlns="" id="{7A7E2851-6141-4C9C-BEEC-09785EFD900F}"/>
               </a:ext>
             </a:extLst>
           </p:cNvPr>
@@ -9936,8 +10120,12 @@
               <a:t> </a:t>
             </a:r>
             <a:r>
+              <a:rPr lang="zh-CN" altLang="en-US" dirty="0" smtClean="0"/>
+              <a:t>高并发服务</a:t>
+            </a:r>
+            <a:r>
               <a:rPr lang="zh-CN" altLang="en-US" dirty="0"/>
-              <a:t>服务端网络编程</a:t>
+              <a:t>端网络编程</a:t>
             </a:r>
             <a:endParaRPr lang="en-US" altLang="zh-CN" dirty="0"/>
           </a:p>
@@ -9955,7 +10143,7 @@
     </p:spTree>
     <p:extLst>
       <p:ext uri="{BB962C8B-B14F-4D97-AF65-F5344CB8AC3E}">
-        <p14:creationId xmlns:p14="http://schemas.microsoft.com/office/powerpoint/2010/main" val="1844588651"/>
+        <p14:creationId xmlns:p14="http://schemas.microsoft.com/office/powerpoint/2010/main" xmlns="" val="1844588651"/>
       </p:ext>
     </p:extLst>
   </p:cSld>
@@ -9987,7 +10175,7 @@
           <p:cNvPr id="2" name="Title 1">
             <a:extLst>
               <a:ext uri="{FF2B5EF4-FFF2-40B4-BE49-F238E27FC236}">
-                <a16:creationId xmlns:a16="http://schemas.microsoft.com/office/drawing/2014/main" id="{D7C84779-5F93-4DCC-86DF-8D79DEAEC374}"/>
+                <a16:creationId xmlns:a16="http://schemas.microsoft.com/office/drawing/2014/main" xmlns="" id="{D7C84779-5F93-4DCC-86DF-8D79DEAEC374}"/>
               </a:ext>
             </a:extLst>
           </p:cNvPr>
@@ -10025,7 +10213,7 @@
           <p:cNvPr id="5" name="Content Placeholder 4">
             <a:extLst>
               <a:ext uri="{FF2B5EF4-FFF2-40B4-BE49-F238E27FC236}">
-                <a16:creationId xmlns:a16="http://schemas.microsoft.com/office/drawing/2014/main" id="{7A7E2851-6141-4C9C-BEEC-09785EFD900F}"/>
+                <a16:creationId xmlns:a16="http://schemas.microsoft.com/office/drawing/2014/main" xmlns="" id="{7A7E2851-6141-4C9C-BEEC-09785EFD900F}"/>
               </a:ext>
             </a:extLst>
           </p:cNvPr>
@@ -10071,21 +10259,86 @@
               <a:buNone/>
             </a:pPr>
             <a:r>
-              <a:rPr lang="en-US" altLang="zh-CN" dirty="0"/>
-              <a:t>--</a:t>
-            </a:r>
-            <a:r>
-              <a:rPr lang="zh-CN" altLang="en-US" dirty="0"/>
-              <a:t>云风博客</a:t>
-            </a:r>
-            <a:endParaRPr lang="en-US" altLang="zh-CN" dirty="0"/>
+              <a:rPr lang="zh-CN" altLang="en-US" dirty="0" smtClean="0">
+                <a:solidFill>
+                  <a:srgbClr val="00B0F0"/>
+                </a:solidFill>
+              </a:rPr>
+              <a:t>云</a:t>
+            </a:r>
+            <a:r>
+              <a:rPr lang="zh-CN" altLang="en-US" dirty="0">
+                <a:solidFill>
+                  <a:srgbClr val="00B0F0"/>
+                </a:solidFill>
+              </a:rPr>
+              <a:t>风博</a:t>
+            </a:r>
+            <a:r>
+              <a:rPr lang="zh-CN" altLang="en-US" dirty="0" smtClean="0">
+                <a:solidFill>
+                  <a:srgbClr val="00B0F0"/>
+                </a:solidFill>
+              </a:rPr>
+              <a:t>客</a:t>
+            </a:r>
+            <a:endParaRPr lang="en-US" altLang="zh-CN" dirty="0" smtClean="0">
+              <a:solidFill>
+                <a:srgbClr val="00B0F0"/>
+              </a:solidFill>
+            </a:endParaRPr>
+          </a:p>
+          <a:p>
+            <a:pPr marL="0" indent="0">
+              <a:buNone/>
+            </a:pPr>
+            <a:endParaRPr lang="en-US" altLang="zh-CN" dirty="0" smtClean="0"/>
+          </a:p>
+          <a:p>
+            <a:pPr marL="0" indent="0">
+              <a:buNone/>
+            </a:pPr>
+            <a:r>
+              <a:rPr lang="en-US" dirty="0" smtClean="0"/>
+              <a:t>If you’re doing distributed work then you’ll find Go’s expressive concurrency primitives very helpful. We could achieve similar things in Node with generators, but in my opinion generators will only ever get us half way there. Without separate stacks error handling &amp; reporting will be mediocre at best. I also don’t want to wait 3 years for the community to defragment, when we have solutions that work now, and work well</a:t>
+            </a:r>
+            <a:r>
+              <a:rPr lang="en-US" dirty="0" smtClean="0"/>
+              <a:t>.</a:t>
+            </a:r>
+          </a:p>
+          <a:p>
+            <a:pPr marL="0" indent="0">
+              <a:buNone/>
+            </a:pPr>
+            <a:r>
+              <a:rPr lang="en-US" dirty="0" smtClean="0">
+                <a:solidFill>
+                  <a:srgbClr val="00B0F0"/>
+                </a:solidFill>
+              </a:rPr>
+              <a:t>TJ </a:t>
+            </a:r>
+            <a:r>
+              <a:rPr lang="en-US" dirty="0" err="1" smtClean="0">
+                <a:solidFill>
+                  <a:srgbClr val="00B0F0"/>
+                </a:solidFill>
+              </a:rPr>
+              <a:t>Holowaychuk</a:t>
+            </a:r>
+            <a:endParaRPr lang="en-US" altLang="zh-CN" dirty="0">
+              <a:solidFill>
+                <a:srgbClr val="00B0F0"/>
+              </a:solidFill>
+            </a:endParaRPr>
           </a:p>
         </p:txBody>
       </p:sp>
     </p:spTree>
     <p:extLst>
       <p:ext uri="{BB962C8B-B14F-4D97-AF65-F5344CB8AC3E}">
-        <p14:creationId xmlns:p14="http://schemas.microsoft.com/office/powerpoint/2010/main" val="1100923261"/>
+        <p14:creationId xmlns:p14="http://schemas.microsoft.com/office/powerpoint/2010/main" xmlns="" val="1100923261"/>
       </p:ext>
     </p:extLst>
   </p:cSld>
@@ -10117,7 +10370,7 @@
           <p:cNvPr id="2" name="Title 1">
             <a:extLst>
               <a:ext uri="{FF2B5EF4-FFF2-40B4-BE49-F238E27FC236}">
-                <a16:creationId xmlns:a16="http://schemas.microsoft.com/office/drawing/2014/main" id="{D7C84779-5F93-4DCC-86DF-8D79DEAEC374}"/>
+                <a16:creationId xmlns:a16="http://schemas.microsoft.com/office/drawing/2014/main" xmlns="" id="{D7C84779-5F93-4DCC-86DF-8D79DEAEC374}"/>
               </a:ext>
             </a:extLst>
           </p:cNvPr>
@@ -10155,7 +10408,7 @@
           <p:cNvPr id="5" name="Content Placeholder 4">
             <a:extLst>
               <a:ext uri="{FF2B5EF4-FFF2-40B4-BE49-F238E27FC236}">
-                <a16:creationId xmlns:a16="http://schemas.microsoft.com/office/drawing/2014/main" id="{7A7E2851-6141-4C9C-BEEC-09785EFD900F}"/>
+                <a16:creationId xmlns:a16="http://schemas.microsoft.com/office/drawing/2014/main" xmlns="" id="{7A7E2851-6141-4C9C-BEEC-09785EFD900F}"/>
               </a:ext>
             </a:extLst>
           </p:cNvPr>
@@ -10194,7 +10447,15 @@
             </a:r>
             <a:r>
               <a:rPr lang="zh-CN" altLang="en-US" dirty="0"/>
-              <a:t>这些黑话足以把你的膀胱吓得漏液。如今，作为资深</a:t>
+              <a:t>这些黑话足以把你的膀胱吓得漏液</a:t>
+            </a:r>
+            <a:r>
+              <a:rPr lang="zh-CN" altLang="en-US" dirty="0" smtClean="0"/>
+              <a:t>。如今</a:t>
+            </a:r>
+            <a:r>
+              <a:rPr lang="zh-CN" altLang="en-US" dirty="0"/>
+              <a:t>，作为资深</a:t>
             </a:r>
             <a:r>
               <a:rPr lang="en-US" altLang="zh-CN" dirty="0"/>
@@ -10338,7 +10599,7 @@
     </p:spTree>
     <p:extLst>
       <p:ext uri="{BB962C8B-B14F-4D97-AF65-F5344CB8AC3E}">
-        <p14:creationId xmlns:p14="http://schemas.microsoft.com/office/powerpoint/2010/main" val="2499605271"/>
+        <p14:creationId xmlns:p14="http://schemas.microsoft.com/office/powerpoint/2010/main" xmlns="" val="2499605271"/>
       </p:ext>
     </p:extLst>
   </p:cSld>
@@ -10370,7 +10631,7 @@
           <p:cNvPr id="2" name="Title 1">
             <a:extLst>
               <a:ext uri="{FF2B5EF4-FFF2-40B4-BE49-F238E27FC236}">
-                <a16:creationId xmlns:a16="http://schemas.microsoft.com/office/drawing/2014/main" id="{D7C84779-5F93-4DCC-86DF-8D79DEAEC374}"/>
+                <a16:creationId xmlns:a16="http://schemas.microsoft.com/office/drawing/2014/main" xmlns="" id="{D7C84779-5F93-4DCC-86DF-8D79DEAEC374}"/>
               </a:ext>
             </a:extLst>
           </p:cNvPr>
@@ -10379,270 +10640,172 @@
           </p:cNvSpPr>
           <p:nvPr>
             <p:ph type="title"/>
-          </p:nvPr>
-        </p:nvSpPr>
-        <p:spPr/>
-        <p:txBody>
-          <a:bodyPr/>
-          <a:lstStyle/>
-          <a:p>
-            <a:r>
-              <a:rPr lang="en-US" dirty="0"/>
-              <a:t>Appendix</a:t>
-            </a:r>
-          </a:p>
-        </p:txBody>
-      </p:sp>
-      <p:sp>
-        <p:nvSpPr>
-          <p:cNvPr id="3" name="Content Placeholder 2">
-            <a:extLst>
-              <a:ext uri="{FF2B5EF4-FFF2-40B4-BE49-F238E27FC236}">
-                <a16:creationId xmlns:a16="http://schemas.microsoft.com/office/drawing/2014/main" id="{0E59A1AE-F806-46F3-BA69-B4B5C2C30661}"/>
-              </a:ext>
-            </a:extLst>
-          </p:cNvPr>
-          <p:cNvSpPr>
-            <a:spLocks noGrp="1"/>
-          </p:cNvSpPr>
-          <p:nvPr>
-            <p:ph idx="1"/>
           </p:nvPr>
         </p:nvSpPr>
         <p:spPr>
           <a:xfrm>
-            <a:off x="535403" y="1052778"/>
-            <a:ext cx="10875548" cy="4681272"/>
+            <a:off x="299102" y="136526"/>
+            <a:ext cx="11647919" cy="544511"/>
           </a:xfrm>
         </p:spPr>
         <p:txBody>
-          <a:bodyPr>
-            <a:normAutofit/>
-          </a:bodyPr>
-          <a:lstStyle/>
-          <a:p>
-            <a:r>
-              <a:rPr lang="zh-CN" altLang="en-US" sz="1800" dirty="0"/>
-              <a:t>今日头条</a:t>
-            </a:r>
-            <a:r>
-              <a:rPr lang="en-US" altLang="zh-CN" sz="1800" dirty="0"/>
-              <a:t>Go</a:t>
-            </a:r>
-            <a:r>
-              <a:rPr lang="zh-CN" altLang="en-US" sz="1800" dirty="0"/>
-              <a:t>建千亿级微服务的实践 </a:t>
-            </a:r>
-            <a:r>
-              <a:rPr lang="en-US" sz="1800" i="1" dirty="0">
-                <a:hlinkClick r:id="rId3"/>
-              </a:rPr>
-              <a:t>https://36kr.com/p/5073181.html</a:t>
-            </a:r>
-            <a:r>
-              <a:rPr lang="en-US" sz="1800" i="1" dirty="0"/>
-              <a:t> </a:t>
-            </a:r>
-          </a:p>
-          <a:p>
-            <a:r>
-              <a:rPr lang="en-US" sz="1800" dirty="0"/>
+          <a:bodyPr/>
+          <a:lstStyle/>
+          <a:p>
+            <a:r>
+              <a:rPr lang="en-US" altLang="zh-CN" dirty="0" err="1" smtClean="0"/>
               <a:t>Golang</a:t>
             </a:r>
             <a:r>
-              <a:rPr lang="zh-CN" altLang="en-US" sz="1800" dirty="0"/>
-              <a:t>适合高并发场景的原因分析 </a:t>
-            </a:r>
-            <a:r>
-              <a:rPr lang="en-US" sz="1800" i="1" dirty="0">
-                <a:hlinkClick r:id="rId4"/>
-              </a:rPr>
-              <a:t>https://blog.csdn.net/ghj1976/article/details/27996095</a:t>
-            </a:r>
-            <a:endParaRPr lang="en-US" sz="1800" i="1" dirty="0"/>
-          </a:p>
-          <a:p>
-            <a:r>
-              <a:rPr lang="en-US" altLang="zh-CN" sz="1800" i="1" dirty="0"/>
-              <a:t>Dive-into-Golang </a:t>
-            </a:r>
-            <a:r>
-              <a:rPr lang="en-US" altLang="zh-CN" sz="1800" i="1" dirty="0">
-                <a:hlinkClick r:id="rId5"/>
-              </a:rPr>
-              <a:t>https://www.slideserve.com/farica/dive-into-golang</a:t>
-            </a:r>
-            <a:endParaRPr lang="en-US" altLang="zh-CN" sz="1800" i="1" dirty="0"/>
-          </a:p>
-          <a:p>
-            <a:r>
-              <a:rPr lang="zh-CN" altLang="en-US" sz="1800" dirty="0"/>
-              <a:t>高性能网络编程  </a:t>
-            </a:r>
-            <a:r>
-              <a:rPr lang="en-US" altLang="zh-CN" sz="1800" dirty="0">
-                <a:hlinkClick r:id="rId6"/>
-              </a:rPr>
-              <a:t>https://segmentfault.com/a/1190000007240744</a:t>
-            </a:r>
-            <a:endParaRPr lang="en-US" altLang="zh-CN" sz="1800" dirty="0"/>
-          </a:p>
-          <a:p>
-            <a:r>
-              <a:rPr lang="zh-CN" altLang="en-US" sz="1800" dirty="0"/>
-              <a:t>许式伟谈</a:t>
-            </a:r>
-            <a:r>
-              <a:rPr lang="en-US" altLang="zh-CN" sz="1800" dirty="0"/>
-              <a:t>Go Erlang</a:t>
-            </a:r>
-            <a:r>
-              <a:rPr lang="zh-CN" altLang="en-US" sz="1800" dirty="0"/>
-              <a:t>并发编程差异 </a:t>
-            </a:r>
-            <a:r>
-              <a:rPr lang="en-US" altLang="zh-CN" sz="1800" dirty="0">
-                <a:hlinkClick r:id="rId7"/>
-              </a:rPr>
-              <a:t>https://studygolang.com/articles/2945</a:t>
-            </a:r>
-            <a:endParaRPr lang="en-US" altLang="zh-CN" sz="1800" dirty="0"/>
-          </a:p>
-          <a:p>
-            <a:r>
-              <a:rPr lang="zh-CN" altLang="en-US" sz="1800" dirty="0"/>
-              <a:t>七种</a:t>
-            </a:r>
-            <a:r>
-              <a:rPr lang="en-US" altLang="zh-CN" sz="1800" dirty="0"/>
-              <a:t>WebSocket</a:t>
-            </a:r>
-            <a:r>
-              <a:rPr lang="zh-CN" altLang="en-US" sz="1800" dirty="0"/>
-              <a:t>框架的性能比较 </a:t>
-            </a:r>
-            <a:r>
-              <a:rPr lang="en-US" altLang="zh-CN" sz="1800" dirty="0">
-                <a:hlinkClick r:id="rId8"/>
-              </a:rPr>
-              <a:t>https://colobu.com/2015/07/14/performance-comparison-of-7-websocket-frameworks/</a:t>
-            </a:r>
-            <a:endParaRPr lang="en-US" altLang="zh-CN" sz="1800" dirty="0"/>
-          </a:p>
-          <a:p>
-            <a:r>
-              <a:rPr lang="en-US" altLang="zh-CN" sz="1800" dirty="0"/>
-              <a:t>C/C++</a:t>
-            </a:r>
-            <a:r>
-              <a:rPr lang="zh-CN" altLang="en-US" sz="1800" dirty="0"/>
-              <a:t>协程库</a:t>
-            </a:r>
-            <a:r>
-              <a:rPr lang="en-US" altLang="zh-CN" sz="1800" dirty="0" err="1"/>
-              <a:t>libco</a:t>
-            </a:r>
-            <a:r>
-              <a:rPr lang="zh-CN" altLang="en-US" sz="1800" dirty="0"/>
-              <a:t>：微信怎样漂亮地完成异步化改造 </a:t>
-            </a:r>
-            <a:r>
-              <a:rPr lang="en-US" altLang="zh-CN" sz="1800" dirty="0">
-                <a:hlinkClick r:id="rId9"/>
-              </a:rPr>
-              <a:t>https://www.infoq.cn/articles/CplusStyleCorourtine-At-Wechat</a:t>
-            </a:r>
-            <a:endParaRPr lang="en-US" altLang="zh-CN" sz="1800" dirty="0"/>
-          </a:p>
-          <a:p>
-            <a:r>
-              <a:rPr lang="zh-CN" altLang="en-US" sz="1800" dirty="0"/>
-              <a:t>协程：高并发</a:t>
-            </a:r>
-            <a:r>
-              <a:rPr lang="en-US" altLang="zh-CN" sz="1800" dirty="0"/>
-              <a:t>IO</a:t>
-            </a:r>
-            <a:r>
-              <a:rPr lang="zh-CN" altLang="en-US" sz="1800" dirty="0"/>
-              <a:t>终极杀器： </a:t>
-            </a:r>
-            <a:r>
-              <a:rPr lang="en-US" altLang="zh-CN" sz="1800" dirty="0">
-                <a:hlinkClick r:id="rId10"/>
-              </a:rPr>
-              <a:t>https://zhuanlan.zhihu.com/p/27519705</a:t>
-            </a:r>
-            <a:endParaRPr lang="en-US" altLang="zh-CN" sz="1800" dirty="0"/>
-          </a:p>
-          <a:p>
-            <a:r>
-              <a:rPr lang="zh-CN" altLang="en-US" sz="1800" b="1" dirty="0"/>
-              <a:t>为什么要使用 </a:t>
-            </a:r>
-            <a:r>
-              <a:rPr lang="en-US" altLang="zh-CN" sz="1800" b="1" dirty="0"/>
-              <a:t>Go </a:t>
-            </a:r>
-            <a:r>
-              <a:rPr lang="zh-CN" altLang="en-US" sz="1800" b="1" dirty="0"/>
-              <a:t>语言？</a:t>
-            </a:r>
-            <a:r>
-              <a:rPr lang="en-US" altLang="zh-CN" sz="1800" b="1" dirty="0"/>
-              <a:t>Go </a:t>
-            </a:r>
-            <a:r>
-              <a:rPr lang="zh-CN" altLang="en-US" sz="1800" b="1" dirty="0"/>
-              <a:t>语言的优势在哪里？ </a:t>
-            </a:r>
-            <a:r>
-              <a:rPr lang="en-US" altLang="zh-CN" sz="1800" dirty="0">
-                <a:hlinkClick r:id="rId11"/>
-              </a:rPr>
-              <a:t>https://www.zhihu.com/question/21409296</a:t>
-            </a:r>
-            <a:endParaRPr lang="en-US" altLang="zh-CN" sz="1800" dirty="0"/>
-          </a:p>
-          <a:p>
-            <a:endParaRPr lang="en-US" altLang="zh-CN" sz="1800" dirty="0"/>
-          </a:p>
-          <a:p>
-            <a:endParaRPr lang="en-US" altLang="zh-CN" sz="1800" dirty="0"/>
-          </a:p>
-          <a:p>
-            <a:endParaRPr lang="en-US" altLang="zh-CN" sz="1800" dirty="0"/>
-          </a:p>
-          <a:p>
-            <a:endParaRPr lang="en-US" altLang="zh-CN" sz="1800" dirty="0"/>
-          </a:p>
-          <a:p>
-            <a:endParaRPr lang="en-US" altLang="zh-CN" sz="1800" dirty="0"/>
-          </a:p>
-          <a:p>
-            <a:endParaRPr lang="en-US" altLang="zh-CN" sz="1800" dirty="0"/>
-          </a:p>
-          <a:p>
-            <a:endParaRPr lang="en-US" altLang="zh-CN" sz="1800" dirty="0"/>
-          </a:p>
-          <a:p>
-            <a:endParaRPr lang="en-US" altLang="zh-CN" sz="1800" dirty="0"/>
-          </a:p>
-          <a:p>
-            <a:endParaRPr lang="en-US" sz="1800" dirty="0"/>
-          </a:p>
-          <a:p>
-            <a:endParaRPr lang="en-US" sz="1800" dirty="0"/>
-          </a:p>
-          <a:p>
-            <a:endParaRPr lang="en-US" sz="1800" dirty="0"/>
-          </a:p>
-        </p:txBody>
-      </p:sp>
+              <a:rPr lang="zh-CN" altLang="en-US" dirty="0" smtClean="0"/>
+              <a:t>开发团队</a:t>
+            </a:r>
+            <a:endParaRPr lang="en-US" dirty="0"/>
+          </a:p>
+        </p:txBody>
+      </p:sp>
+      <p:pic>
+        <p:nvPicPr>
+          <p:cNvPr id="1026" name="Picture 2"/>
+          <p:cNvPicPr>
+            <a:picLocks noGrp="1" noChangeAspect="1" noChangeArrowheads="1"/>
+          </p:cNvPicPr>
+          <p:nvPr>
+            <p:ph idx="1"/>
+          </p:nvPr>
+        </p:nvPicPr>
+        <p:blipFill>
+          <a:blip r:embed="rId3"/>
+          <a:srcRect/>
+          <a:stretch>
+            <a:fillRect/>
+          </a:stretch>
+        </p:blipFill>
+        <p:spPr bwMode="auto">
+          <a:xfrm>
+            <a:off x="406811" y="823913"/>
+            <a:ext cx="11432353" cy="5353050"/>
+          </a:xfrm>
+          <a:prstGeom prst="rect">
+            <a:avLst/>
+          </a:prstGeom>
+          <a:noFill/>
+          <a:ln w="9525">
+            <a:noFill/>
+            <a:miter lim="800000"/>
+            <a:headEnd/>
+            <a:tailEnd/>
+          </a:ln>
+          <a:effectLst/>
+        </p:spPr>
+      </p:pic>
     </p:spTree>
     <p:extLst>
       <p:ext uri="{BB962C8B-B14F-4D97-AF65-F5344CB8AC3E}">
-        <p14:creationId xmlns:p14="http://schemas.microsoft.com/office/powerpoint/2010/main" val="1153648341"/>
+        <p14:creationId xmlns:p14="http://schemas.microsoft.com/office/powerpoint/2010/main" xmlns="" val="2499605271"/>
+      </p:ext>
+    </p:extLst>
+  </p:cSld>
+  <p:clrMapOvr>
+    <a:masterClrMapping/>
+  </p:clrMapOvr>
+</p:sld>
+</file>
+
+<file path=ppt/slides/slide29.xml><?xml version="1.0" encoding="utf-8"?>
+<p:sld xmlns:a="http://schemas.openxmlformats.org/drawingml/2006/main" xmlns:r="http://schemas.openxmlformats.org/officeDocument/2006/relationships" xmlns:p="http://schemas.openxmlformats.org/presentationml/2006/main">
+  <p:cSld>
+    <p:spTree>
+      <p:nvGrpSpPr>
+        <p:cNvPr id="1" name=""/>
+        <p:cNvGrpSpPr/>
+        <p:nvPr/>
+      </p:nvGrpSpPr>
+      <p:grpSpPr>
+        <a:xfrm>
+          <a:off x="0" y="0"/>
+          <a:ext cx="0" cy="0"/>
+          <a:chOff x="0" y="0"/>
+          <a:chExt cx="0" cy="0"/>
+        </a:xfrm>
+      </p:grpSpPr>
+      <p:sp>
+        <p:nvSpPr>
+          <p:cNvPr id="2" name="Title 1">
+            <a:extLst>
+              <a:ext uri="{FF2B5EF4-FFF2-40B4-BE49-F238E27FC236}">
+                <a16:creationId xmlns:a16="http://schemas.microsoft.com/office/drawing/2014/main" xmlns="" id="{D7C84779-5F93-4DCC-86DF-8D79DEAEC374}"/>
+              </a:ext>
+            </a:extLst>
+          </p:cNvPr>
+          <p:cNvSpPr>
+            <a:spLocks noGrp="1"/>
+          </p:cNvSpPr>
+          <p:nvPr>
+            <p:ph type="title"/>
+          </p:nvPr>
+        </p:nvSpPr>
+        <p:spPr>
+          <a:xfrm>
+            <a:off x="299102" y="136526"/>
+            <a:ext cx="11647919" cy="544511"/>
+          </a:xfrm>
+        </p:spPr>
+        <p:txBody>
+          <a:bodyPr/>
+          <a:lstStyle/>
+          <a:p>
+            <a:r>
+              <a:rPr lang="en-US" altLang="zh-CN" dirty="0" err="1" smtClean="0"/>
+              <a:t>Golang</a:t>
+            </a:r>
+            <a:r>
+              <a:rPr lang="zh-CN" altLang="en-US" dirty="0" smtClean="0"/>
+              <a:t>案例</a:t>
+            </a:r>
+            <a:endParaRPr lang="en-US" dirty="0"/>
+          </a:p>
+        </p:txBody>
+      </p:sp>
+      <p:pic>
+        <p:nvPicPr>
+          <p:cNvPr id="2050" name="Picture 2"/>
+          <p:cNvPicPr>
+            <a:picLocks noGrp="1" noChangeAspect="1" noChangeArrowheads="1"/>
+          </p:cNvPicPr>
+          <p:nvPr>
+            <p:ph idx="1"/>
+          </p:nvPr>
+        </p:nvPicPr>
+        <p:blipFill>
+          <a:blip r:embed="rId3"/>
+          <a:srcRect/>
+          <a:stretch>
+            <a:fillRect/>
+          </a:stretch>
+        </p:blipFill>
+        <p:spPr bwMode="auto">
+          <a:xfrm>
+            <a:off x="1073247" y="1099997"/>
+            <a:ext cx="9630746" cy="4662850"/>
+          </a:xfrm>
+          <a:prstGeom prst="rect">
+            <a:avLst/>
+          </a:prstGeom>
+          <a:noFill/>
+          <a:ln w="9525">
+            <a:noFill/>
+            <a:miter lim="800000"/>
+            <a:headEnd/>
+            <a:tailEnd/>
+          </a:ln>
+          <a:effectLst/>
+        </p:spPr>
+      </p:pic>
+    </p:spTree>
+    <p:extLst>
+      <p:ext uri="{BB962C8B-B14F-4D97-AF65-F5344CB8AC3E}">
+        <p14:creationId xmlns:p14="http://schemas.microsoft.com/office/powerpoint/2010/main" xmlns="" val="2499605271"/>
       </p:ext>
     </p:extLst>
   </p:cSld>
@@ -10674,7 +10837,7 @@
           <p:cNvPr id="2" name="Title 1">
             <a:extLst>
               <a:ext uri="{FF2B5EF4-FFF2-40B4-BE49-F238E27FC236}">
-                <a16:creationId xmlns:a16="http://schemas.microsoft.com/office/drawing/2014/main" id="{AB0A8BCD-AB0A-49E3-A2BA-459943BAEEF4}"/>
+                <a16:creationId xmlns:a16="http://schemas.microsoft.com/office/drawing/2014/main" xmlns="" id="{AB0A8BCD-AB0A-49E3-A2BA-459943BAEEF4}"/>
               </a:ext>
             </a:extLst>
           </p:cNvPr>
@@ -10711,7 +10874,7 @@
           <p:cNvPr id="3" name="Content Placeholder 2">
             <a:extLst>
               <a:ext uri="{FF2B5EF4-FFF2-40B4-BE49-F238E27FC236}">
-                <a16:creationId xmlns:a16="http://schemas.microsoft.com/office/drawing/2014/main" id="{9CEEFE61-DC95-418E-BAF4-089832837283}"/>
+                <a16:creationId xmlns:a16="http://schemas.microsoft.com/office/drawing/2014/main" xmlns="" id="{9CEEFE61-DC95-418E-BAF4-089832837283}"/>
               </a:ext>
             </a:extLst>
           </p:cNvPr>
@@ -10845,7 +11008,7 @@
           <p:cNvPr id="6" name="Picture 5">
             <a:extLst>
               <a:ext uri="{FF2B5EF4-FFF2-40B4-BE49-F238E27FC236}">
-                <a16:creationId xmlns:a16="http://schemas.microsoft.com/office/drawing/2014/main" id="{27422100-F92B-4F00-8593-4B9D8040F490}"/>
+                <a16:creationId xmlns:a16="http://schemas.microsoft.com/office/drawing/2014/main" xmlns="" id="{27422100-F92B-4F00-8593-4B9D8040F490}"/>
               </a:ext>
             </a:extLst>
           </p:cNvPr>
@@ -10875,7 +11038,7 @@
           <p:cNvPr id="7" name="Picture 6">
             <a:extLst>
               <a:ext uri="{FF2B5EF4-FFF2-40B4-BE49-F238E27FC236}">
-                <a16:creationId xmlns:a16="http://schemas.microsoft.com/office/drawing/2014/main" id="{12A8AA35-23E3-4CB9-9C81-24C609C120D7}"/>
+                <a16:creationId xmlns:a16="http://schemas.microsoft.com/office/drawing/2014/main" xmlns="" id="{12A8AA35-23E3-4CB9-9C81-24C609C120D7}"/>
               </a:ext>
             </a:extLst>
           </p:cNvPr>
@@ -10903,7 +11066,389 @@
     </p:spTree>
     <p:extLst>
       <p:ext uri="{BB962C8B-B14F-4D97-AF65-F5344CB8AC3E}">
-        <p14:creationId xmlns:p14="http://schemas.microsoft.com/office/powerpoint/2010/main" val="2376815334"/>
+        <p14:creationId xmlns:p14="http://schemas.microsoft.com/office/powerpoint/2010/main" xmlns="" val="2376815334"/>
+      </p:ext>
+    </p:extLst>
+  </p:cSld>
+  <p:clrMapOvr>
+    <a:masterClrMapping/>
+  </p:clrMapOvr>
+</p:sld>
+</file>
+
+<file path=ppt/slides/slide30.xml><?xml version="1.0" encoding="utf-8"?>
+<p:sld xmlns:a="http://schemas.openxmlformats.org/drawingml/2006/main" xmlns:r="http://schemas.openxmlformats.org/officeDocument/2006/relationships" xmlns:p="http://schemas.openxmlformats.org/presentationml/2006/main">
+  <p:cSld>
+    <p:spTree>
+      <p:nvGrpSpPr>
+        <p:cNvPr id="1" name=""/>
+        <p:cNvGrpSpPr/>
+        <p:nvPr/>
+      </p:nvGrpSpPr>
+      <p:grpSpPr>
+        <a:xfrm>
+          <a:off x="0" y="0"/>
+          <a:ext cx="0" cy="0"/>
+          <a:chOff x="0" y="0"/>
+          <a:chExt cx="0" cy="0"/>
+        </a:xfrm>
+      </p:grpSpPr>
+      <p:sp>
+        <p:nvSpPr>
+          <p:cNvPr id="2" name="Title 1">
+            <a:extLst>
+              <a:ext uri="{FF2B5EF4-FFF2-40B4-BE49-F238E27FC236}">
+                <a16:creationId xmlns:a16="http://schemas.microsoft.com/office/drawing/2014/main" xmlns="" id="{D7C84779-5F93-4DCC-86DF-8D79DEAEC374}"/>
+              </a:ext>
+            </a:extLst>
+          </p:cNvPr>
+          <p:cNvSpPr>
+            <a:spLocks noGrp="1"/>
+          </p:cNvSpPr>
+          <p:nvPr>
+            <p:ph type="title"/>
+          </p:nvPr>
+        </p:nvSpPr>
+        <p:spPr/>
+        <p:txBody>
+          <a:bodyPr/>
+          <a:lstStyle/>
+          <a:p>
+            <a:r>
+              <a:rPr lang="en-US" dirty="0"/>
+              <a:t>Appendix</a:t>
+            </a:r>
+          </a:p>
+        </p:txBody>
+      </p:sp>
+      <p:sp>
+        <p:nvSpPr>
+          <p:cNvPr id="3" name="Content Placeholder 2">
+            <a:extLst>
+              <a:ext uri="{FF2B5EF4-FFF2-40B4-BE49-F238E27FC236}">
+                <a16:creationId xmlns:a16="http://schemas.microsoft.com/office/drawing/2014/main" xmlns="" id="{0E59A1AE-F806-46F3-BA69-B4B5C2C30661}"/>
+              </a:ext>
+            </a:extLst>
+          </p:cNvPr>
+          <p:cNvSpPr>
+            <a:spLocks noGrp="1"/>
+          </p:cNvSpPr>
+          <p:nvPr>
+            <p:ph idx="1"/>
+          </p:nvPr>
+        </p:nvSpPr>
+        <p:spPr>
+          <a:xfrm>
+            <a:off x="535403" y="808074"/>
+            <a:ext cx="10875548" cy="4925976"/>
+          </a:xfrm>
+        </p:spPr>
+        <p:txBody>
+          <a:bodyPr>
+            <a:normAutofit/>
+          </a:bodyPr>
+          <a:lstStyle/>
+          <a:p>
+            <a:r>
+              <a:rPr lang="zh-CN" altLang="en-US" sz="1800" dirty="0"/>
+              <a:t>今日头条</a:t>
+            </a:r>
+            <a:r>
+              <a:rPr lang="en-US" altLang="zh-CN" sz="1800" dirty="0"/>
+              <a:t>Go</a:t>
+            </a:r>
+            <a:r>
+              <a:rPr lang="zh-CN" altLang="en-US" sz="1800" dirty="0"/>
+              <a:t>建千亿级微服务的实践 </a:t>
+            </a:r>
+            <a:r>
+              <a:rPr lang="en-US" sz="1800" i="1" dirty="0">
+                <a:hlinkClick r:id="rId3"/>
+              </a:rPr>
+              <a:t>https://36kr.com/p/5073181.html</a:t>
+            </a:r>
+            <a:r>
+              <a:rPr lang="en-US" sz="1800" i="1" dirty="0"/>
+              <a:t> </a:t>
+            </a:r>
+          </a:p>
+          <a:p>
+            <a:r>
+              <a:rPr lang="en-US" sz="1800" dirty="0"/>
+              <a:t>Golang</a:t>
+            </a:r>
+            <a:r>
+              <a:rPr lang="zh-CN" altLang="en-US" sz="1800" dirty="0"/>
+              <a:t>适合高并发场景的原因分析 </a:t>
+            </a:r>
+            <a:r>
+              <a:rPr lang="en-US" sz="1800" i="1" dirty="0">
+                <a:hlinkClick r:id="rId4"/>
+              </a:rPr>
+              <a:t>https://blog.csdn.net/ghj1976/article/details/27996095</a:t>
+            </a:r>
+            <a:endParaRPr lang="en-US" sz="1800" i="1" dirty="0"/>
+          </a:p>
+          <a:p>
+            <a:r>
+              <a:rPr lang="en-US" altLang="zh-CN" sz="1800" i="1" dirty="0"/>
+              <a:t>Dive-into-Golang </a:t>
+            </a:r>
+            <a:r>
+              <a:rPr lang="en-US" altLang="zh-CN" sz="1800" i="1" dirty="0">
+                <a:hlinkClick r:id="rId5"/>
+              </a:rPr>
+              <a:t>https://www.slideserve.com/farica/dive-into-golang</a:t>
+            </a:r>
+            <a:endParaRPr lang="en-US" altLang="zh-CN" sz="1800" i="1" dirty="0"/>
+          </a:p>
+          <a:p>
+            <a:r>
+              <a:rPr lang="zh-CN" altLang="en-US" sz="1800" dirty="0"/>
+              <a:t>高性能网络编程  </a:t>
+            </a:r>
+            <a:r>
+              <a:rPr lang="en-US" altLang="zh-CN" sz="1800" dirty="0">
+                <a:hlinkClick r:id="rId6"/>
+              </a:rPr>
+              <a:t>https://segmentfault.com/a/1190000007240744</a:t>
+            </a:r>
+            <a:endParaRPr lang="en-US" altLang="zh-CN" sz="1800" dirty="0"/>
+          </a:p>
+          <a:p>
+            <a:r>
+              <a:rPr lang="zh-CN" altLang="en-US" sz="1800" dirty="0"/>
+              <a:t>许式伟谈</a:t>
+            </a:r>
+            <a:r>
+              <a:rPr lang="en-US" altLang="zh-CN" sz="1800" dirty="0"/>
+              <a:t>Go Erlang</a:t>
+            </a:r>
+            <a:r>
+              <a:rPr lang="zh-CN" altLang="en-US" sz="1800" dirty="0"/>
+              <a:t>并发编程差异 </a:t>
+            </a:r>
+            <a:r>
+              <a:rPr lang="en-US" altLang="zh-CN" sz="1800" dirty="0">
+                <a:hlinkClick r:id="rId7"/>
+              </a:rPr>
+              <a:t>https://studygolang.com/articles/2945</a:t>
+            </a:r>
+            <a:endParaRPr lang="en-US" altLang="zh-CN" sz="1800" dirty="0"/>
+          </a:p>
+          <a:p>
+            <a:r>
+              <a:rPr lang="zh-CN" altLang="en-US" sz="1800" dirty="0"/>
+              <a:t>七种</a:t>
+            </a:r>
+            <a:r>
+              <a:rPr lang="en-US" altLang="zh-CN" sz="1800" dirty="0"/>
+              <a:t>WebSocket</a:t>
+            </a:r>
+            <a:r>
+              <a:rPr lang="zh-CN" altLang="en-US" sz="1800" dirty="0"/>
+              <a:t>框架的性能比较 </a:t>
+            </a:r>
+            <a:r>
+              <a:rPr lang="en-US" altLang="zh-CN" sz="1800" dirty="0">
+                <a:hlinkClick r:id="rId8"/>
+              </a:rPr>
+              <a:t>https://colobu.com/2015/07/14/performance-comparison-of-7-websocket-frameworks/</a:t>
+            </a:r>
+            <a:endParaRPr lang="en-US" altLang="zh-CN" sz="1800" dirty="0"/>
+          </a:p>
+          <a:p>
+            <a:r>
+              <a:rPr lang="en-US" altLang="zh-CN" sz="1800" dirty="0"/>
+              <a:t>C/C++</a:t>
+            </a:r>
+            <a:r>
+              <a:rPr lang="zh-CN" altLang="en-US" sz="1800" dirty="0"/>
+              <a:t>协程库</a:t>
+            </a:r>
+            <a:r>
+              <a:rPr lang="en-US" altLang="zh-CN" sz="1800" dirty="0" err="1"/>
+              <a:t>libco</a:t>
+            </a:r>
+            <a:r>
+              <a:rPr lang="zh-CN" altLang="en-US" sz="1800" dirty="0"/>
+              <a:t>：微信怎样漂亮地完成异步化改造 </a:t>
+            </a:r>
+            <a:r>
+              <a:rPr lang="en-US" altLang="zh-CN" sz="1800" dirty="0">
+                <a:hlinkClick r:id="rId9"/>
+              </a:rPr>
+              <a:t>https://www.infoq.cn/articles/CplusStyleCorourtine-At-Wechat</a:t>
+            </a:r>
+            <a:endParaRPr lang="en-US" altLang="zh-CN" sz="1800" dirty="0"/>
+          </a:p>
+          <a:p>
+            <a:r>
+              <a:rPr lang="zh-CN" altLang="en-US" sz="1800" dirty="0"/>
+              <a:t>协程：高并发</a:t>
+            </a:r>
+            <a:r>
+              <a:rPr lang="en-US" altLang="zh-CN" sz="1800" dirty="0"/>
+              <a:t>IO</a:t>
+            </a:r>
+            <a:r>
+              <a:rPr lang="zh-CN" altLang="en-US" sz="1800" dirty="0"/>
+              <a:t>终极杀器： </a:t>
+            </a:r>
+            <a:r>
+              <a:rPr lang="en-US" altLang="zh-CN" sz="1800" dirty="0">
+                <a:hlinkClick r:id="rId10"/>
+              </a:rPr>
+              <a:t>https://zhuanlan.zhihu.com/p/27519705</a:t>
+            </a:r>
+            <a:endParaRPr lang="en-US" altLang="zh-CN" sz="1800" dirty="0"/>
+          </a:p>
+          <a:p>
+            <a:r>
+              <a:rPr lang="zh-CN" altLang="en-US" sz="1800" dirty="0"/>
+              <a:t>为什么要使用 </a:t>
+            </a:r>
+            <a:r>
+              <a:rPr lang="en-US" altLang="zh-CN" sz="1800" dirty="0"/>
+              <a:t>Go </a:t>
+            </a:r>
+            <a:r>
+              <a:rPr lang="zh-CN" altLang="en-US" sz="1800" dirty="0"/>
+              <a:t>语言？</a:t>
+            </a:r>
+            <a:r>
+              <a:rPr lang="en-US" altLang="zh-CN" sz="1800" dirty="0"/>
+              <a:t>Go </a:t>
+            </a:r>
+            <a:r>
+              <a:rPr lang="zh-CN" altLang="en-US" sz="1800" dirty="0"/>
+              <a:t>语言的优势在哪里？ </a:t>
+            </a:r>
+            <a:r>
+              <a:rPr lang="en-US" altLang="zh-CN" sz="1800" dirty="0">
+                <a:hlinkClick r:id="rId11"/>
+              </a:rPr>
+              <a:t>https://</a:t>
+            </a:r>
+            <a:r>
+              <a:rPr lang="en-US" altLang="zh-CN" sz="1800" dirty="0" smtClean="0">
+                <a:hlinkClick r:id="rId11"/>
+              </a:rPr>
+              <a:t>www.zhihu.com/question/21409296</a:t>
+            </a:r>
+            <a:endParaRPr lang="en-US" altLang="zh-CN" sz="1800" dirty="0" smtClean="0"/>
+          </a:p>
+          <a:p>
+            <a:r>
+              <a:rPr lang="zh-CN" altLang="en-US" sz="1800" dirty="0" smtClean="0"/>
+              <a:t>如何看待 </a:t>
+            </a:r>
+            <a:r>
+              <a:rPr lang="en-US" altLang="zh-CN" sz="1800" dirty="0" smtClean="0"/>
+              <a:t>TJ </a:t>
+            </a:r>
+            <a:r>
+              <a:rPr lang="zh-CN" altLang="en-US" sz="1800" dirty="0" smtClean="0"/>
+              <a:t>宣布退出 </a:t>
+            </a:r>
+            <a:r>
+              <a:rPr lang="en-US" altLang="zh-CN" sz="1800" dirty="0" smtClean="0"/>
+              <a:t>Node.js </a:t>
+            </a:r>
+            <a:r>
+              <a:rPr lang="zh-CN" altLang="en-US" sz="1800" dirty="0" smtClean="0"/>
+              <a:t>开发，转向 </a:t>
+            </a:r>
+            <a:r>
+              <a:rPr lang="en-US" altLang="zh-CN" sz="1800" dirty="0" smtClean="0"/>
+              <a:t>Go</a:t>
+            </a:r>
+            <a:r>
+              <a:rPr lang="zh-CN" altLang="en-US" sz="1800" dirty="0" smtClean="0"/>
+              <a:t>？ </a:t>
+            </a:r>
+          </a:p>
+          <a:p>
+            <a:pPr lvl="1"/>
+            <a:r>
+              <a:rPr lang="en-US" altLang="zh-CN" sz="1400" dirty="0" smtClean="0">
+                <a:hlinkClick r:id="rId12"/>
+              </a:rPr>
+              <a:t>https</a:t>
+            </a:r>
+            <a:r>
+              <a:rPr lang="en-US" altLang="zh-CN" sz="1400" dirty="0" smtClean="0">
+                <a:hlinkClick r:id="rId12"/>
+              </a:rPr>
+              <a:t>://</a:t>
+            </a:r>
+            <a:r>
+              <a:rPr lang="en-US" altLang="zh-CN" sz="1400" dirty="0" smtClean="0">
+                <a:hlinkClick r:id="rId12"/>
+              </a:rPr>
+              <a:t>yq.aliyun.com/ask/259719</a:t>
+            </a:r>
+            <a:endParaRPr lang="en-US" altLang="zh-CN" sz="1400" dirty="0" smtClean="0"/>
+          </a:p>
+          <a:p>
+            <a:pPr lvl="1"/>
+            <a:r>
+              <a:rPr lang="en-US" altLang="zh-CN" sz="1400" dirty="0" smtClean="0">
+                <a:hlinkClick r:id="rId13"/>
+              </a:rPr>
+              <a:t>https://</a:t>
+            </a:r>
+            <a:r>
+              <a:rPr lang="en-US" altLang="zh-CN" sz="1400" dirty="0" smtClean="0">
+                <a:hlinkClick r:id="rId13"/>
+              </a:rPr>
+              <a:t>studygolang.com/articles/2675</a:t>
+            </a:r>
+            <a:endParaRPr lang="en-US" altLang="zh-CN" sz="1400" dirty="0" smtClean="0"/>
+          </a:p>
+          <a:p>
+            <a:pPr lvl="1"/>
+            <a:endParaRPr lang="en-US" altLang="zh-CN" sz="1400" dirty="0"/>
+          </a:p>
+          <a:p>
+            <a:endParaRPr lang="en-US" altLang="zh-CN" sz="1800" dirty="0"/>
+          </a:p>
+          <a:p>
+            <a:endParaRPr lang="en-US" altLang="zh-CN" sz="1800" dirty="0"/>
+          </a:p>
+          <a:p>
+            <a:endParaRPr lang="en-US" altLang="zh-CN" sz="1800" dirty="0"/>
+          </a:p>
+          <a:p>
+            <a:endParaRPr lang="en-US" altLang="zh-CN" sz="1800" dirty="0"/>
+          </a:p>
+          <a:p>
+            <a:endParaRPr lang="en-US" altLang="zh-CN" sz="1800" dirty="0"/>
+          </a:p>
+          <a:p>
+            <a:endParaRPr lang="en-US" altLang="zh-CN" sz="1800" dirty="0"/>
+          </a:p>
+          <a:p>
+            <a:endParaRPr lang="en-US" altLang="zh-CN" sz="1800" dirty="0"/>
+          </a:p>
+          <a:p>
+            <a:endParaRPr lang="en-US" altLang="zh-CN" sz="1800" dirty="0"/>
+          </a:p>
+          <a:p>
+            <a:endParaRPr lang="en-US" sz="1800" dirty="0"/>
+          </a:p>
+          <a:p>
+            <a:endParaRPr lang="en-US" sz="1800" dirty="0"/>
+          </a:p>
+          <a:p>
+            <a:endParaRPr lang="en-US" sz="1800" dirty="0"/>
+          </a:p>
+        </p:txBody>
+      </p:sp>
+    </p:spTree>
+    <p:extLst>
+      <p:ext uri="{BB962C8B-B14F-4D97-AF65-F5344CB8AC3E}">
+        <p14:creationId xmlns:p14="http://schemas.microsoft.com/office/powerpoint/2010/main" xmlns="" val="1153648341"/>
       </p:ext>
     </p:extLst>
   </p:cSld>
@@ -10935,7 +11480,7 @@
           <p:cNvPr id="2" name="Title 1">
             <a:extLst>
               <a:ext uri="{FF2B5EF4-FFF2-40B4-BE49-F238E27FC236}">
-                <a16:creationId xmlns:a16="http://schemas.microsoft.com/office/drawing/2014/main" id="{D7C84779-5F93-4DCC-86DF-8D79DEAEC374}"/>
+                <a16:creationId xmlns:a16="http://schemas.microsoft.com/office/drawing/2014/main" xmlns="" id="{D7C84779-5F93-4DCC-86DF-8D79DEAEC374}"/>
               </a:ext>
             </a:extLst>
           </p:cNvPr>
@@ -10968,7 +11513,7 @@
           <p:cNvPr id="3" name="Content Placeholder 2">
             <a:extLst>
               <a:ext uri="{FF2B5EF4-FFF2-40B4-BE49-F238E27FC236}">
-                <a16:creationId xmlns:a16="http://schemas.microsoft.com/office/drawing/2014/main" id="{0E59A1AE-F806-46F3-BA69-B4B5C2C30661}"/>
+                <a16:creationId xmlns:a16="http://schemas.microsoft.com/office/drawing/2014/main" xmlns="" id="{0E59A1AE-F806-46F3-BA69-B4B5C2C30661}"/>
               </a:ext>
             </a:extLst>
           </p:cNvPr>
@@ -11007,7 +11552,7 @@
           <p:cNvPr id="4" name="TextBox 3">
             <a:extLst>
               <a:ext uri="{FF2B5EF4-FFF2-40B4-BE49-F238E27FC236}">
-                <a16:creationId xmlns:a16="http://schemas.microsoft.com/office/drawing/2014/main" id="{945B14A7-9B10-4210-9FBD-CCE24D646A83}"/>
+                <a16:creationId xmlns:a16="http://schemas.microsoft.com/office/drawing/2014/main" xmlns="" id="{945B14A7-9B10-4210-9FBD-CCE24D646A83}"/>
               </a:ext>
             </a:extLst>
           </p:cNvPr>
@@ -11060,7 +11605,7 @@
           <p:cNvPr id="5" name="Picture 4">
             <a:extLst>
               <a:ext uri="{FF2B5EF4-FFF2-40B4-BE49-F238E27FC236}">
-                <a16:creationId xmlns:a16="http://schemas.microsoft.com/office/drawing/2014/main" id="{53A4B057-3B19-4265-AAD3-16AF8114FA31}"/>
+                <a16:creationId xmlns:a16="http://schemas.microsoft.com/office/drawing/2014/main" xmlns="" id="{53A4B057-3B19-4265-AAD3-16AF8114FA31}"/>
               </a:ext>
             </a:extLst>
           </p:cNvPr>
@@ -11088,7 +11633,7 @@
     </p:spTree>
     <p:extLst>
       <p:ext uri="{BB962C8B-B14F-4D97-AF65-F5344CB8AC3E}">
-        <p14:creationId xmlns:p14="http://schemas.microsoft.com/office/powerpoint/2010/main" val="3732194823"/>
+        <p14:creationId xmlns:p14="http://schemas.microsoft.com/office/powerpoint/2010/main" xmlns="" val="3732194823"/>
       </p:ext>
     </p:extLst>
   </p:cSld>
@@ -11120,7 +11665,7 @@
           <p:cNvPr id="2" name="Title 1">
             <a:extLst>
               <a:ext uri="{FF2B5EF4-FFF2-40B4-BE49-F238E27FC236}">
-                <a16:creationId xmlns:a16="http://schemas.microsoft.com/office/drawing/2014/main" id="{D7C84779-5F93-4DCC-86DF-8D79DEAEC374}"/>
+                <a16:creationId xmlns:a16="http://schemas.microsoft.com/office/drawing/2014/main" xmlns="" id="{D7C84779-5F93-4DCC-86DF-8D79DEAEC374}"/>
               </a:ext>
             </a:extLst>
           </p:cNvPr>
@@ -11153,7 +11698,7 @@
           <p:cNvPr id="8" name="Picture 7">
             <a:extLst>
               <a:ext uri="{FF2B5EF4-FFF2-40B4-BE49-F238E27FC236}">
-                <a16:creationId xmlns:a16="http://schemas.microsoft.com/office/drawing/2014/main" id="{AD1537C4-A03B-4DA5-8884-D31334E7119A}"/>
+                <a16:creationId xmlns:a16="http://schemas.microsoft.com/office/drawing/2014/main" xmlns="" id="{AD1537C4-A03B-4DA5-8884-D31334E7119A}"/>
               </a:ext>
             </a:extLst>
           </p:cNvPr>
@@ -11318,7 +11863,7 @@
     </p:spTree>
     <p:extLst>
       <p:ext uri="{BB962C8B-B14F-4D97-AF65-F5344CB8AC3E}">
-        <p14:creationId xmlns:p14="http://schemas.microsoft.com/office/powerpoint/2010/main" val="3032618518"/>
+        <p14:creationId xmlns:p14="http://schemas.microsoft.com/office/powerpoint/2010/main" xmlns="" val="3032618518"/>
       </p:ext>
     </p:extLst>
   </p:cSld>
@@ -11350,7 +11895,7 @@
           <p:cNvPr id="2" name="Title 1">
             <a:extLst>
               <a:ext uri="{FF2B5EF4-FFF2-40B4-BE49-F238E27FC236}">
-                <a16:creationId xmlns:a16="http://schemas.microsoft.com/office/drawing/2014/main" id="{D7C84779-5F93-4DCC-86DF-8D79DEAEC374}"/>
+                <a16:creationId xmlns:a16="http://schemas.microsoft.com/office/drawing/2014/main" xmlns="" id="{D7C84779-5F93-4DCC-86DF-8D79DEAEC374}"/>
               </a:ext>
             </a:extLst>
           </p:cNvPr>
@@ -11383,7 +11928,7 @@
           <p:cNvPr id="9" name="Rectangle 8">
             <a:extLst>
               <a:ext uri="{FF2B5EF4-FFF2-40B4-BE49-F238E27FC236}">
-                <a16:creationId xmlns:a16="http://schemas.microsoft.com/office/drawing/2014/main" id="{09DF8025-61D7-487E-B878-BECE556123CE}"/>
+                <a16:creationId xmlns:a16="http://schemas.microsoft.com/office/drawing/2014/main" xmlns="" id="{09DF8025-61D7-487E-B878-BECE556123CE}"/>
               </a:ext>
             </a:extLst>
           </p:cNvPr>
@@ -11541,7 +12086,7 @@
     </p:spTree>
     <p:extLst>
       <p:ext uri="{BB962C8B-B14F-4D97-AF65-F5344CB8AC3E}">
-        <p14:creationId xmlns:p14="http://schemas.microsoft.com/office/powerpoint/2010/main" val="421020347"/>
+        <p14:creationId xmlns:p14="http://schemas.microsoft.com/office/powerpoint/2010/main" xmlns="" val="421020347"/>
       </p:ext>
     </p:extLst>
   </p:cSld>
@@ -11573,7 +12118,7 @@
           <p:cNvPr id="2" name="Title 1">
             <a:extLst>
               <a:ext uri="{FF2B5EF4-FFF2-40B4-BE49-F238E27FC236}">
-                <a16:creationId xmlns:a16="http://schemas.microsoft.com/office/drawing/2014/main" id="{D7C84779-5F93-4DCC-86DF-8D79DEAEC374}"/>
+                <a16:creationId xmlns:a16="http://schemas.microsoft.com/office/drawing/2014/main" xmlns="" id="{D7C84779-5F93-4DCC-86DF-8D79DEAEC374}"/>
               </a:ext>
             </a:extLst>
           </p:cNvPr>
@@ -11602,7 +12147,7 @@
           <p:cNvPr id="9" name="Rectangle 8">
             <a:extLst>
               <a:ext uri="{FF2B5EF4-FFF2-40B4-BE49-F238E27FC236}">
-                <a16:creationId xmlns:a16="http://schemas.microsoft.com/office/drawing/2014/main" id="{09DF8025-61D7-487E-B878-BECE556123CE}"/>
+                <a16:creationId xmlns:a16="http://schemas.microsoft.com/office/drawing/2014/main" xmlns="" id="{09DF8025-61D7-487E-B878-BECE556123CE}"/>
               </a:ext>
             </a:extLst>
           </p:cNvPr>
@@ -11740,7 +12285,7 @@
           <p:cNvPr id="3" name="Picture 2">
             <a:extLst>
               <a:ext uri="{FF2B5EF4-FFF2-40B4-BE49-F238E27FC236}">
-                <a16:creationId xmlns:a16="http://schemas.microsoft.com/office/drawing/2014/main" id="{1A39D9B2-21D2-44D4-A413-6845A3A83FEC}"/>
+                <a16:creationId xmlns:a16="http://schemas.microsoft.com/office/drawing/2014/main" xmlns="" id="{1A39D9B2-21D2-44D4-A413-6845A3A83FEC}"/>
               </a:ext>
             </a:extLst>
           </p:cNvPr>
@@ -11768,7 +12313,7 @@
     </p:spTree>
     <p:extLst>
       <p:ext uri="{BB962C8B-B14F-4D97-AF65-F5344CB8AC3E}">
-        <p14:creationId xmlns:p14="http://schemas.microsoft.com/office/powerpoint/2010/main" val="626934487"/>
+        <p14:creationId xmlns:p14="http://schemas.microsoft.com/office/powerpoint/2010/main" xmlns="" val="626934487"/>
       </p:ext>
     </p:extLst>
   </p:cSld>
@@ -11800,7 +12345,7 @@
           <p:cNvPr id="2" name="Title 1">
             <a:extLst>
               <a:ext uri="{FF2B5EF4-FFF2-40B4-BE49-F238E27FC236}">
-                <a16:creationId xmlns:a16="http://schemas.microsoft.com/office/drawing/2014/main" id="{D7C84779-5F93-4DCC-86DF-8D79DEAEC374}"/>
+                <a16:creationId xmlns:a16="http://schemas.microsoft.com/office/drawing/2014/main" xmlns="" id="{D7C84779-5F93-4DCC-86DF-8D79DEAEC374}"/>
               </a:ext>
             </a:extLst>
           </p:cNvPr>
@@ -11829,7 +12374,7 @@
           <p:cNvPr id="9" name="Rectangle 8">
             <a:extLst>
               <a:ext uri="{FF2B5EF4-FFF2-40B4-BE49-F238E27FC236}">
-                <a16:creationId xmlns:a16="http://schemas.microsoft.com/office/drawing/2014/main" id="{09DF8025-61D7-487E-B878-BECE556123CE}"/>
+                <a16:creationId xmlns:a16="http://schemas.microsoft.com/office/drawing/2014/main" xmlns="" id="{09DF8025-61D7-487E-B878-BECE556123CE}"/>
               </a:ext>
             </a:extLst>
           </p:cNvPr>
@@ -12117,7 +12662,7 @@
     </p:spTree>
     <p:extLst>
       <p:ext uri="{BB962C8B-B14F-4D97-AF65-F5344CB8AC3E}">
-        <p14:creationId xmlns:p14="http://schemas.microsoft.com/office/powerpoint/2010/main" val="1934937011"/>
+        <p14:creationId xmlns:p14="http://schemas.microsoft.com/office/powerpoint/2010/main" xmlns="" val="1934937011"/>
       </p:ext>
     </p:extLst>
   </p:cSld>
@@ -12149,7 +12694,7 @@
           <p:cNvPr id="2" name="Title 1">
             <a:extLst>
               <a:ext uri="{FF2B5EF4-FFF2-40B4-BE49-F238E27FC236}">
-                <a16:creationId xmlns:a16="http://schemas.microsoft.com/office/drawing/2014/main" id="{D7C84779-5F93-4DCC-86DF-8D79DEAEC374}"/>
+                <a16:creationId xmlns:a16="http://schemas.microsoft.com/office/drawing/2014/main" xmlns="" id="{D7C84779-5F93-4DCC-86DF-8D79DEAEC374}"/>
               </a:ext>
             </a:extLst>
           </p:cNvPr>
@@ -12182,7 +12727,7 @@
           <p:cNvPr id="9" name="Rectangle 8">
             <a:extLst>
               <a:ext uri="{FF2B5EF4-FFF2-40B4-BE49-F238E27FC236}">
-                <a16:creationId xmlns:a16="http://schemas.microsoft.com/office/drawing/2014/main" id="{09DF8025-61D7-487E-B878-BECE556123CE}"/>
+                <a16:creationId xmlns:a16="http://schemas.microsoft.com/office/drawing/2014/main" xmlns="" id="{09DF8025-61D7-487E-B878-BECE556123CE}"/>
               </a:ext>
             </a:extLst>
           </p:cNvPr>
@@ -12316,7 +12861,7 @@
     </p:spTree>
     <p:extLst>
       <p:ext uri="{BB962C8B-B14F-4D97-AF65-F5344CB8AC3E}">
-        <p14:creationId xmlns:p14="http://schemas.microsoft.com/office/powerpoint/2010/main" val="1934937011"/>
+        <p14:creationId xmlns:p14="http://schemas.microsoft.com/office/powerpoint/2010/main" xmlns="" val="1934937011"/>
       </p:ext>
     </p:extLst>
   </p:cSld>
@@ -12615,7 +13160,7 @@
   <a:extraClrSchemeLst/>
   <a:extLst>
     <a:ext uri="{05A4C25C-085E-4340-85A3-A5531E510DB2}">
-      <thm15:themeFamily xmlns:thm15="http://schemas.microsoft.com/office/thememl/2012/main" name="Office Theme" id="{62F939B6-93AF-4DB8-9C6B-D6C7DFDC589F}" vid="{4A3C46E8-61CC-4603-A589-7422A47A8E4A}"/>
+      <thm15:themeFamily xmlns:thm15="http://schemas.microsoft.com/office/thememl/2012/main" xmlns="" name="Office Theme" id="{62F939B6-93AF-4DB8-9C6B-D6C7DFDC589F}" vid="{4A3C46E8-61CC-4603-A589-7422A47A8E4A}"/>
     </a:ext>
   </a:extLst>
 </a:theme>
@@ -12910,19 +13455,16 @@
   <a:extraClrSchemeLst/>
   <a:extLst>
     <a:ext uri="{05A4C25C-085E-4340-85A3-A5531E510DB2}">
-      <thm15:themeFamily xmlns:thm15="http://schemas.microsoft.com/office/thememl/2012/main" name="Office Theme" id="{62F939B6-93AF-4DB8-9C6B-D6C7DFDC589F}" vid="{4A3C46E8-61CC-4603-A589-7422A47A8E4A}"/>
+      <thm15:themeFamily xmlns:thm15="http://schemas.microsoft.com/office/thememl/2012/main" xmlns="" name="Office Theme" id="{62F939B6-93AF-4DB8-9C6B-D6C7DFDC589F}" vid="{4A3C46E8-61CC-4603-A589-7422A47A8E4A}"/>
     </a:ext>
   </a:extLst>
 </a:theme>
 </file>
 
 <file path=customXml/item1.xml><?xml version="1.0" encoding="utf-8"?>
-<?mso-contentType ?>
-<FormTemplates xmlns="http://schemas.microsoft.com/sharepoint/v3/contenttype/forms">
-  <Display>DocumentLibraryForm</Display>
-  <Edit>DocumentLibraryForm</Edit>
-  <New>DocumentLibraryForm</New>
-</FormTemplates>
+<p:properties xmlns:p="http://schemas.microsoft.com/office/2006/metadata/properties" xmlns:xsi="http://www.w3.org/2001/XMLSchema-instance" xmlns:pc="http://schemas.microsoft.com/office/infopath/2007/PartnerControls">
+  <documentManagement/>
+</p:properties>
 </file>
 
 <file path=customXml/item2.xml><?xml version="1.0" encoding="utf-8"?>
@@ -13064,15 +13606,26 @@
 </file>
 
 <file path=customXml/item3.xml><?xml version="1.0" encoding="utf-8"?>
-<p:properties xmlns:p="http://schemas.microsoft.com/office/2006/metadata/properties" xmlns:xsi="http://www.w3.org/2001/XMLSchema-instance" xmlns:pc="http://schemas.microsoft.com/office/infopath/2007/PartnerControls">
-  <documentManagement/>
-</p:properties>
+<?mso-contentType ?>
+<FormTemplates xmlns="http://schemas.microsoft.com/sharepoint/v3/contenttype/forms">
+  <Display>DocumentLibraryForm</Display>
+  <Edit>DocumentLibraryForm</Edit>
+  <New>DocumentLibraryForm</New>
+</FormTemplates>
 </file>
 
 <file path=customXml/itemProps1.xml><?xml version="1.0" encoding="utf-8"?>
-<ds:datastoreItem xmlns:ds="http://schemas.openxmlformats.org/officeDocument/2006/customXml" ds:itemID="{8D58F66B-F132-4627-A8F1-473C8F1DC658}">
+<ds:datastoreItem xmlns:ds="http://schemas.openxmlformats.org/officeDocument/2006/customXml" ds:itemID="{09818F5F-9A4E-472D-957A-F61DB6A689A1}">
   <ds:schemaRefs>
-    <ds:schemaRef ds:uri="http://schemas.microsoft.com/sharepoint/v3/contenttype/forms"/>
+    <ds:schemaRef ds:uri="http://www.w3.org/XML/1998/namespace"/>
+    <ds:schemaRef ds:uri="http://schemas.microsoft.com/office/2006/metadata/properties"/>
+    <ds:schemaRef ds:uri="http://purl.org/dc/dcmitype/"/>
+    <ds:schemaRef ds:uri="a5770b6f-473e-481d-a1c6-8a0376abbd89"/>
+    <ds:schemaRef ds:uri="http://purl.org/dc/terms/"/>
+    <ds:schemaRef ds:uri="http://schemas.microsoft.com/office/infopath/2007/PartnerControls"/>
+    <ds:schemaRef ds:uri="http://schemas.microsoft.com/office/2006/documentManagement/types"/>
+    <ds:schemaRef ds:uri="http://schemas.openxmlformats.org/package/2006/metadata/core-properties"/>
+    <ds:schemaRef ds:uri="http://purl.org/dc/elements/1.1/"/>
   </ds:schemaRefs>
 </ds:datastoreItem>
 </file>
@@ -13096,17 +13649,9 @@
 </file>
 
 <file path=customXml/itemProps3.xml><?xml version="1.0" encoding="utf-8"?>
-<ds:datastoreItem xmlns:ds="http://schemas.openxmlformats.org/officeDocument/2006/customXml" ds:itemID="{09818F5F-9A4E-472D-957A-F61DB6A689A1}">
+<ds:datastoreItem xmlns:ds="http://schemas.openxmlformats.org/officeDocument/2006/customXml" ds:itemID="{8D58F66B-F132-4627-A8F1-473C8F1DC658}">
   <ds:schemaRefs>
-    <ds:schemaRef ds:uri="http://www.w3.org/XML/1998/namespace"/>
-    <ds:schemaRef ds:uri="http://schemas.microsoft.com/office/2006/metadata/properties"/>
-    <ds:schemaRef ds:uri="http://purl.org/dc/dcmitype/"/>
-    <ds:schemaRef ds:uri="a5770b6f-473e-481d-a1c6-8a0376abbd89"/>
-    <ds:schemaRef ds:uri="http://purl.org/dc/terms/"/>
-    <ds:schemaRef ds:uri="http://schemas.microsoft.com/office/infopath/2007/PartnerControls"/>
-    <ds:schemaRef ds:uri="http://schemas.microsoft.com/office/2006/documentManagement/types"/>
-    <ds:schemaRef ds:uri="http://schemas.openxmlformats.org/package/2006/metadata/core-properties"/>
-    <ds:schemaRef ds:uri="http://purl.org/dc/elements/1.1/"/>
+    <ds:schemaRef ds:uri="http://schemas.microsoft.com/sharepoint/v3/contenttype/forms"/>
   </ds:schemaRefs>
 </ds:datastoreItem>
 </file>
--- a/GolangConcurency.pptx
+++ b/GolangConcurency.pptx
@@ -138,7 +138,7 @@
   </p:defaultTextStyle>
   <p:extLst>
     <p:ext uri="{521415D9-36F7-43E2-AB2F-B90AF26B5E84}">
-      <p14:sectionLst xmlns:p14="http://schemas.microsoft.com/office/powerpoint/2010/main" xmlns="">
+      <p14:sectionLst xmlns:p14="http://schemas.microsoft.com/office/powerpoint/2010/main">
         <p14:section name="Introduction" id="{53D9EADD-8752-4C05-9F62-8DF6D7C58F99}">
           <p14:sldIdLst>
             <p14:sldId id="256"/>
@@ -192,13 +192,15 @@
             <p14:sldId id="343"/>
             <p14:sldId id="345"/>
             <p14:sldId id="346"/>
+            <p14:sldId id="347"/>
+            <p14:sldId id="348"/>
             <p14:sldId id="335"/>
           </p14:sldIdLst>
         </p14:section>
       </p14:sectionLst>
     </p:ext>
     <p:ext uri="{EFAFB233-063F-42B5-8137-9DF3F51BA10A}">
-      <p15:sldGuideLst xmlns:p15="http://schemas.microsoft.com/office/powerpoint/2012/main" xmlns="">
+      <p15:sldGuideLst xmlns:p15="http://schemas.microsoft.com/office/powerpoint/2012/main">
         <p15:guide id="1" orient="horz" pos="2160">
           <p15:clr>
             <a:srgbClr val="A4A3A4"/>
@@ -220,7 +222,7 @@
   <p:cmAuthor id="1" name="MICHAEL GONG (DSCOE-ISD-OOCLL/ZHA)" initials="MG(" lastIdx="1" clrIdx="0">
     <p:extLst>
       <p:ext uri="{19B8F6BF-5375-455C-9EA6-DF929625EA0E}">
-        <p15:presenceInfo xmlns:p15="http://schemas.microsoft.com/office/powerpoint/2012/main" xmlns="" userId="S-1-5-21-2065039802-622210664-899889007-132009" providerId="AD"/>
+        <p15:presenceInfo xmlns:p15="http://schemas.microsoft.com/office/powerpoint/2012/main" userId="S-1-5-21-2065039802-622210664-899889007-132009" providerId="AD"/>
       </p:ext>
     </p:extLst>
   </p:cmAuthor>
@@ -310,7 +312,7 @@
             <a:fld id="{81A7F5E0-26D3-4F44-BD3F-0851D1E00D07}" type="datetimeFigureOut">
               <a:rPr lang="en-US" smtClean="0"/>
               <a:pPr/>
-              <a:t>11/15/2018</a:t>
+              <a:t>11/16/2018</a:t>
             </a:fld>
             <a:endParaRPr lang="en-US"/>
           </a:p>
@@ -478,7 +480,7 @@
     </p:spTree>
     <p:extLst>
       <p:ext uri="{BB962C8B-B14F-4D97-AF65-F5344CB8AC3E}">
-        <p14:creationId xmlns:p14="http://schemas.microsoft.com/office/powerpoint/2010/main" xmlns="" val="3511084736"/>
+        <p14:creationId xmlns:p14="http://schemas.microsoft.com/office/powerpoint/2010/main" val="3511084736"/>
       </p:ext>
     </p:extLst>
   </p:cSld>
@@ -653,7 +655,7 @@
     </p:spTree>
     <p:extLst>
       <p:ext uri="{BB962C8B-B14F-4D97-AF65-F5344CB8AC3E}">
-        <p14:creationId xmlns:p14="http://schemas.microsoft.com/office/powerpoint/2010/main" xmlns="" val="1504085620"/>
+        <p14:creationId xmlns:p14="http://schemas.microsoft.com/office/powerpoint/2010/main" val="1504085620"/>
       </p:ext>
     </p:extLst>
   </p:cSld>
@@ -738,7 +740,7 @@
     </p:spTree>
     <p:extLst>
       <p:ext uri="{BB962C8B-B14F-4D97-AF65-F5344CB8AC3E}">
-        <p14:creationId xmlns:p14="http://schemas.microsoft.com/office/powerpoint/2010/main" xmlns="" val="3843752410"/>
+        <p14:creationId xmlns:p14="http://schemas.microsoft.com/office/powerpoint/2010/main" val="3843752410"/>
       </p:ext>
     </p:extLst>
   </p:cSld>
@@ -823,7 +825,7 @@
     </p:spTree>
     <p:extLst>
       <p:ext uri="{BB962C8B-B14F-4D97-AF65-F5344CB8AC3E}">
-        <p14:creationId xmlns:p14="http://schemas.microsoft.com/office/powerpoint/2010/main" xmlns="" val="3843752410"/>
+        <p14:creationId xmlns:p14="http://schemas.microsoft.com/office/powerpoint/2010/main" val="3843752410"/>
       </p:ext>
     </p:extLst>
   </p:cSld>
@@ -908,7 +910,7 @@
     </p:spTree>
     <p:extLst>
       <p:ext uri="{BB962C8B-B14F-4D97-AF65-F5344CB8AC3E}">
-        <p14:creationId xmlns:p14="http://schemas.microsoft.com/office/powerpoint/2010/main" xmlns="" val="3843752410"/>
+        <p14:creationId xmlns:p14="http://schemas.microsoft.com/office/powerpoint/2010/main" val="3843752410"/>
       </p:ext>
     </p:extLst>
   </p:cSld>
@@ -993,7 +995,7 @@
     </p:spTree>
     <p:extLst>
       <p:ext uri="{BB962C8B-B14F-4D97-AF65-F5344CB8AC3E}">
-        <p14:creationId xmlns:p14="http://schemas.microsoft.com/office/powerpoint/2010/main" xmlns="" val="3843752410"/>
+        <p14:creationId xmlns:p14="http://schemas.microsoft.com/office/powerpoint/2010/main" val="3843752410"/>
       </p:ext>
     </p:extLst>
   </p:cSld>
@@ -1078,7 +1080,7 @@
     </p:spTree>
     <p:extLst>
       <p:ext uri="{BB962C8B-B14F-4D97-AF65-F5344CB8AC3E}">
-        <p14:creationId xmlns:p14="http://schemas.microsoft.com/office/powerpoint/2010/main" xmlns="" val="3208220907"/>
+        <p14:creationId xmlns:p14="http://schemas.microsoft.com/office/powerpoint/2010/main" val="3208220907"/>
       </p:ext>
     </p:extLst>
   </p:cSld>
@@ -1163,7 +1165,7 @@
     </p:spTree>
     <p:extLst>
       <p:ext uri="{BB962C8B-B14F-4D97-AF65-F5344CB8AC3E}">
-        <p14:creationId xmlns:p14="http://schemas.microsoft.com/office/powerpoint/2010/main" xmlns="" val="2782073266"/>
+        <p14:creationId xmlns:p14="http://schemas.microsoft.com/office/powerpoint/2010/main" val="2782073266"/>
       </p:ext>
     </p:extLst>
   </p:cSld>
@@ -1248,7 +1250,7 @@
     </p:spTree>
     <p:extLst>
       <p:ext uri="{BB962C8B-B14F-4D97-AF65-F5344CB8AC3E}">
-        <p14:creationId xmlns:p14="http://schemas.microsoft.com/office/powerpoint/2010/main" xmlns="" val="2434866526"/>
+        <p14:creationId xmlns:p14="http://schemas.microsoft.com/office/powerpoint/2010/main" val="2434866526"/>
       </p:ext>
     </p:extLst>
   </p:cSld>
@@ -1333,7 +1335,7 @@
     </p:spTree>
     <p:extLst>
       <p:ext uri="{BB962C8B-B14F-4D97-AF65-F5344CB8AC3E}">
-        <p14:creationId xmlns:p14="http://schemas.microsoft.com/office/powerpoint/2010/main" xmlns="" val="2905436193"/>
+        <p14:creationId xmlns:p14="http://schemas.microsoft.com/office/powerpoint/2010/main" val="2905436193"/>
       </p:ext>
     </p:extLst>
   </p:cSld>
@@ -1418,7 +1420,7 @@
     </p:spTree>
     <p:extLst>
       <p:ext uri="{BB962C8B-B14F-4D97-AF65-F5344CB8AC3E}">
-        <p14:creationId xmlns:p14="http://schemas.microsoft.com/office/powerpoint/2010/main" xmlns="" val="1164159088"/>
+        <p14:creationId xmlns:p14="http://schemas.microsoft.com/office/powerpoint/2010/main" val="1164159088"/>
       </p:ext>
     </p:extLst>
   </p:cSld>
@@ -1503,7 +1505,7 @@
     </p:spTree>
     <p:extLst>
       <p:ext uri="{BB962C8B-B14F-4D97-AF65-F5344CB8AC3E}">
-        <p14:creationId xmlns:p14="http://schemas.microsoft.com/office/powerpoint/2010/main" xmlns="" val="1130930753"/>
+        <p14:creationId xmlns:p14="http://schemas.microsoft.com/office/powerpoint/2010/main" val="1130930753"/>
       </p:ext>
     </p:extLst>
   </p:cSld>
@@ -1588,7 +1590,7 @@
     </p:spTree>
     <p:extLst>
       <p:ext uri="{BB962C8B-B14F-4D97-AF65-F5344CB8AC3E}">
-        <p14:creationId xmlns:p14="http://schemas.microsoft.com/office/powerpoint/2010/main" xmlns="" val="1236732504"/>
+        <p14:creationId xmlns:p14="http://schemas.microsoft.com/office/powerpoint/2010/main" val="1236732504"/>
       </p:ext>
     </p:extLst>
   </p:cSld>
@@ -1673,7 +1675,7 @@
     </p:spTree>
     <p:extLst>
       <p:ext uri="{BB962C8B-B14F-4D97-AF65-F5344CB8AC3E}">
-        <p14:creationId xmlns:p14="http://schemas.microsoft.com/office/powerpoint/2010/main" xmlns="" val="3376366299"/>
+        <p14:creationId xmlns:p14="http://schemas.microsoft.com/office/powerpoint/2010/main" val="3376366299"/>
       </p:ext>
     </p:extLst>
   </p:cSld>
@@ -1758,7 +1760,7 @@
     </p:spTree>
     <p:extLst>
       <p:ext uri="{BB962C8B-B14F-4D97-AF65-F5344CB8AC3E}">
-        <p14:creationId xmlns:p14="http://schemas.microsoft.com/office/powerpoint/2010/main" xmlns="" val="2421331174"/>
+        <p14:creationId xmlns:p14="http://schemas.microsoft.com/office/powerpoint/2010/main" val="2421331174"/>
       </p:ext>
     </p:extLst>
   </p:cSld>
@@ -1843,7 +1845,7 @@
     </p:spTree>
     <p:extLst>
       <p:ext uri="{BB962C8B-B14F-4D97-AF65-F5344CB8AC3E}">
-        <p14:creationId xmlns:p14="http://schemas.microsoft.com/office/powerpoint/2010/main" xmlns="" val="2553016045"/>
+        <p14:creationId xmlns:p14="http://schemas.microsoft.com/office/powerpoint/2010/main" val="2553016045"/>
       </p:ext>
     </p:extLst>
   </p:cSld>
@@ -1928,7 +1930,7 @@
     </p:spTree>
     <p:extLst>
       <p:ext uri="{BB962C8B-B14F-4D97-AF65-F5344CB8AC3E}">
-        <p14:creationId xmlns:p14="http://schemas.microsoft.com/office/powerpoint/2010/main" xmlns="" val="165906700"/>
+        <p14:creationId xmlns:p14="http://schemas.microsoft.com/office/powerpoint/2010/main" val="165906700"/>
       </p:ext>
     </p:extLst>
   </p:cSld>
@@ -2013,7 +2015,7 @@
     </p:spTree>
     <p:extLst>
       <p:ext uri="{BB962C8B-B14F-4D97-AF65-F5344CB8AC3E}">
-        <p14:creationId xmlns:p14="http://schemas.microsoft.com/office/powerpoint/2010/main" xmlns="" val="3510348480"/>
+        <p14:creationId xmlns:p14="http://schemas.microsoft.com/office/powerpoint/2010/main" val="3510348480"/>
       </p:ext>
     </p:extLst>
   </p:cSld>
@@ -2098,7 +2100,7 @@
     </p:spTree>
     <p:extLst>
       <p:ext uri="{BB962C8B-B14F-4D97-AF65-F5344CB8AC3E}">
-        <p14:creationId xmlns:p14="http://schemas.microsoft.com/office/powerpoint/2010/main" xmlns="" val="2350648499"/>
+        <p14:creationId xmlns:p14="http://schemas.microsoft.com/office/powerpoint/2010/main" val="2350648499"/>
       </p:ext>
     </p:extLst>
   </p:cSld>
@@ -2183,7 +2185,7 @@
     </p:spTree>
     <p:extLst>
       <p:ext uri="{BB962C8B-B14F-4D97-AF65-F5344CB8AC3E}">
-        <p14:creationId xmlns:p14="http://schemas.microsoft.com/office/powerpoint/2010/main" xmlns="" val="2807633666"/>
+        <p14:creationId xmlns:p14="http://schemas.microsoft.com/office/powerpoint/2010/main" val="2807633666"/>
       </p:ext>
     </p:extLst>
   </p:cSld>
@@ -2268,7 +2270,7 @@
     </p:spTree>
     <p:extLst>
       <p:ext uri="{BB962C8B-B14F-4D97-AF65-F5344CB8AC3E}">
-        <p14:creationId xmlns:p14="http://schemas.microsoft.com/office/powerpoint/2010/main" xmlns="" val="2807633666"/>
+        <p14:creationId xmlns:p14="http://schemas.microsoft.com/office/powerpoint/2010/main" val="2807633666"/>
       </p:ext>
     </p:extLst>
   </p:cSld>
@@ -2353,7 +2355,7 @@
     </p:spTree>
     <p:extLst>
       <p:ext uri="{BB962C8B-B14F-4D97-AF65-F5344CB8AC3E}">
-        <p14:creationId xmlns:p14="http://schemas.microsoft.com/office/powerpoint/2010/main" xmlns="" val="2807633666"/>
+        <p14:creationId xmlns:p14="http://schemas.microsoft.com/office/powerpoint/2010/main" val="2807633666"/>
       </p:ext>
     </p:extLst>
   </p:cSld>
@@ -2438,7 +2440,7 @@
     </p:spTree>
     <p:extLst>
       <p:ext uri="{BB962C8B-B14F-4D97-AF65-F5344CB8AC3E}">
-        <p14:creationId xmlns:p14="http://schemas.microsoft.com/office/powerpoint/2010/main" xmlns="" val="1878289805"/>
+        <p14:creationId xmlns:p14="http://schemas.microsoft.com/office/powerpoint/2010/main" val="1878289805"/>
       </p:ext>
     </p:extLst>
   </p:cSld>
@@ -2523,7 +2525,7 @@
     </p:spTree>
     <p:extLst>
       <p:ext uri="{BB962C8B-B14F-4D97-AF65-F5344CB8AC3E}">
-        <p14:creationId xmlns:p14="http://schemas.microsoft.com/office/powerpoint/2010/main" xmlns="" val="2279340415"/>
+        <p14:creationId xmlns:p14="http://schemas.microsoft.com/office/powerpoint/2010/main" val="2279340415"/>
       </p:ext>
     </p:extLst>
   </p:cSld>
@@ -2608,7 +2610,7 @@
     </p:spTree>
     <p:extLst>
       <p:ext uri="{BB962C8B-B14F-4D97-AF65-F5344CB8AC3E}">
-        <p14:creationId xmlns:p14="http://schemas.microsoft.com/office/powerpoint/2010/main" xmlns="" val="151475752"/>
+        <p14:creationId xmlns:p14="http://schemas.microsoft.com/office/powerpoint/2010/main" val="151475752"/>
       </p:ext>
     </p:extLst>
   </p:cSld>
@@ -2693,7 +2695,7 @@
     </p:spTree>
     <p:extLst>
       <p:ext uri="{BB962C8B-B14F-4D97-AF65-F5344CB8AC3E}">
-        <p14:creationId xmlns:p14="http://schemas.microsoft.com/office/powerpoint/2010/main" xmlns="" val="4142781396"/>
+        <p14:creationId xmlns:p14="http://schemas.microsoft.com/office/powerpoint/2010/main" val="4142781396"/>
       </p:ext>
     </p:extLst>
   </p:cSld>
@@ -2778,7 +2780,7 @@
     </p:spTree>
     <p:extLst>
       <p:ext uri="{BB962C8B-B14F-4D97-AF65-F5344CB8AC3E}">
-        <p14:creationId xmlns:p14="http://schemas.microsoft.com/office/powerpoint/2010/main" xmlns="" val="2925099622"/>
+        <p14:creationId xmlns:p14="http://schemas.microsoft.com/office/powerpoint/2010/main" val="2925099622"/>
       </p:ext>
     </p:extLst>
   </p:cSld>
@@ -2863,7 +2865,7 @@
     </p:spTree>
     <p:extLst>
       <p:ext uri="{BB962C8B-B14F-4D97-AF65-F5344CB8AC3E}">
-        <p14:creationId xmlns:p14="http://schemas.microsoft.com/office/powerpoint/2010/main" xmlns="" val="839460708"/>
+        <p14:creationId xmlns:p14="http://schemas.microsoft.com/office/powerpoint/2010/main" val="839460708"/>
       </p:ext>
     </p:extLst>
   </p:cSld>
@@ -2948,7 +2950,7 @@
     </p:spTree>
     <p:extLst>
       <p:ext uri="{BB962C8B-B14F-4D97-AF65-F5344CB8AC3E}">
-        <p14:creationId xmlns:p14="http://schemas.microsoft.com/office/powerpoint/2010/main" xmlns="" val="839460708"/>
+        <p14:creationId xmlns:p14="http://schemas.microsoft.com/office/powerpoint/2010/main" val="839460708"/>
       </p:ext>
     </p:extLst>
   </p:cSld>
@@ -3033,7 +3035,7 @@
     </p:spTree>
     <p:extLst>
       <p:ext uri="{BB962C8B-B14F-4D97-AF65-F5344CB8AC3E}">
-        <p14:creationId xmlns:p14="http://schemas.microsoft.com/office/powerpoint/2010/main" xmlns="" val="839460708"/>
+        <p14:creationId xmlns:p14="http://schemas.microsoft.com/office/powerpoint/2010/main" val="839460708"/>
       </p:ext>
     </p:extLst>
   </p:cSld>
@@ -3065,7 +3067,7 @@
           <p:cNvPr id="2" name="Title 1">
             <a:extLst>
               <a:ext uri="{FF2B5EF4-FFF2-40B4-BE49-F238E27FC236}">
-                <a16:creationId xmlns:a16="http://schemas.microsoft.com/office/drawing/2014/main" xmlns="" id="{EFF1F054-5F26-423F-A5DD-9C54CE0A2AE9}"/>
+                <a16:creationId xmlns:a16="http://schemas.microsoft.com/office/drawing/2014/main" id="{EFF1F054-5F26-423F-A5DD-9C54CE0A2AE9}"/>
               </a:ext>
             </a:extLst>
           </p:cNvPr>
@@ -3102,7 +3104,7 @@
           <p:cNvPr id="3" name="Subtitle 2">
             <a:extLst>
               <a:ext uri="{FF2B5EF4-FFF2-40B4-BE49-F238E27FC236}">
-                <a16:creationId xmlns:a16="http://schemas.microsoft.com/office/drawing/2014/main" xmlns="" id="{3BB2565F-9609-400E-9E2E-E6259786714D}"/>
+                <a16:creationId xmlns:a16="http://schemas.microsoft.com/office/drawing/2014/main" id="{3BB2565F-9609-400E-9E2E-E6259786714D}"/>
               </a:ext>
             </a:extLst>
           </p:cNvPr>
@@ -3172,7 +3174,7 @@
           <p:cNvPr id="4" name="Date Placeholder 3">
             <a:extLst>
               <a:ext uri="{FF2B5EF4-FFF2-40B4-BE49-F238E27FC236}">
-                <a16:creationId xmlns:a16="http://schemas.microsoft.com/office/drawing/2014/main" xmlns="" id="{EDA6FF66-933D-47F1-A95A-74DB940C384A}"/>
+                <a16:creationId xmlns:a16="http://schemas.microsoft.com/office/drawing/2014/main" id="{EDA6FF66-933D-47F1-A95A-74DB940C384A}"/>
               </a:ext>
             </a:extLst>
           </p:cNvPr>
@@ -3191,7 +3193,7 @@
             <a:fld id="{B8159077-EF48-40E3-BF6E-366926B30A93}" type="datetimeFigureOut">
               <a:rPr lang="en-US" smtClean="0"/>
               <a:pPr/>
-              <a:t>11/15/2018</a:t>
+              <a:t>11/16/2018</a:t>
             </a:fld>
             <a:endParaRPr lang="en-US"/>
           </a:p>
@@ -3202,7 +3204,7 @@
           <p:cNvPr id="5" name="Footer Placeholder 4">
             <a:extLst>
               <a:ext uri="{FF2B5EF4-FFF2-40B4-BE49-F238E27FC236}">
-                <a16:creationId xmlns:a16="http://schemas.microsoft.com/office/drawing/2014/main" xmlns="" id="{89B5FEE5-1B4A-4EFE-B89E-F2559B365D40}"/>
+                <a16:creationId xmlns:a16="http://schemas.microsoft.com/office/drawing/2014/main" id="{89B5FEE5-1B4A-4EFE-B89E-F2559B365D40}"/>
               </a:ext>
             </a:extLst>
           </p:cNvPr>
@@ -3227,7 +3229,7 @@
           <p:cNvPr id="6" name="Slide Number Placeholder 5">
             <a:extLst>
               <a:ext uri="{FF2B5EF4-FFF2-40B4-BE49-F238E27FC236}">
-                <a16:creationId xmlns:a16="http://schemas.microsoft.com/office/drawing/2014/main" xmlns="" id="{C0D5733D-C7BB-4CC1-850C-DD54586BBBA5}"/>
+                <a16:creationId xmlns:a16="http://schemas.microsoft.com/office/drawing/2014/main" id="{C0D5733D-C7BB-4CC1-850C-DD54586BBBA5}"/>
               </a:ext>
             </a:extLst>
           </p:cNvPr>
@@ -3257,7 +3259,7 @@
           <p:cNvPr id="7" name="Straight Connector 6">
             <a:extLst>
               <a:ext uri="{FF2B5EF4-FFF2-40B4-BE49-F238E27FC236}">
-                <a16:creationId xmlns:a16="http://schemas.microsoft.com/office/drawing/2014/main" xmlns="" id="{3EA4CAC6-7389-48ED-AC06-BFADD41551D5}"/>
+                <a16:creationId xmlns:a16="http://schemas.microsoft.com/office/drawing/2014/main" id="{3EA4CAC6-7389-48ED-AC06-BFADD41551D5}"/>
               </a:ext>
             </a:extLst>
           </p:cNvPr>
@@ -3295,7 +3297,7 @@
           <p:cNvPr id="9" name="TextBox 8">
             <a:extLst>
               <a:ext uri="{FF2B5EF4-FFF2-40B4-BE49-F238E27FC236}">
-                <a16:creationId xmlns:a16="http://schemas.microsoft.com/office/drawing/2014/main" xmlns="" id="{67F2ADF3-F7F8-4087-858A-6F66D508D87C}"/>
+                <a16:creationId xmlns:a16="http://schemas.microsoft.com/office/drawing/2014/main" id="{67F2ADF3-F7F8-4087-858A-6F66D508D87C}"/>
               </a:ext>
             </a:extLst>
           </p:cNvPr>
@@ -3343,7 +3345,7 @@
     </p:spTree>
     <p:extLst>
       <p:ext uri="{BB962C8B-B14F-4D97-AF65-F5344CB8AC3E}">
-        <p14:creationId xmlns:p14="http://schemas.microsoft.com/office/powerpoint/2010/main" xmlns="" val="37654009"/>
+        <p14:creationId xmlns:p14="http://schemas.microsoft.com/office/powerpoint/2010/main" val="37654009"/>
       </p:ext>
     </p:extLst>
   </p:cSld>
@@ -3375,7 +3377,7 @@
           <p:cNvPr id="2" name="Title 1">
             <a:extLst>
               <a:ext uri="{FF2B5EF4-FFF2-40B4-BE49-F238E27FC236}">
-                <a16:creationId xmlns:a16="http://schemas.microsoft.com/office/drawing/2014/main" xmlns="" id="{D578F509-E66E-42C7-B414-DEDB8CB0009A}"/>
+                <a16:creationId xmlns:a16="http://schemas.microsoft.com/office/drawing/2014/main" id="{D578F509-E66E-42C7-B414-DEDB8CB0009A}"/>
               </a:ext>
             </a:extLst>
           </p:cNvPr>
@@ -3403,7 +3405,7 @@
           <p:cNvPr id="3" name="Vertical Text Placeholder 2">
             <a:extLst>
               <a:ext uri="{FF2B5EF4-FFF2-40B4-BE49-F238E27FC236}">
-                <a16:creationId xmlns:a16="http://schemas.microsoft.com/office/drawing/2014/main" xmlns="" id="{39FD8C8D-EF98-470B-8FD0-A9BB0450B149}"/>
+                <a16:creationId xmlns:a16="http://schemas.microsoft.com/office/drawing/2014/main" id="{39FD8C8D-EF98-470B-8FD0-A9BB0450B149}"/>
               </a:ext>
             </a:extLst>
           </p:cNvPr>
@@ -3460,7 +3462,7 @@
           <p:cNvPr id="4" name="Date Placeholder 3">
             <a:extLst>
               <a:ext uri="{FF2B5EF4-FFF2-40B4-BE49-F238E27FC236}">
-                <a16:creationId xmlns:a16="http://schemas.microsoft.com/office/drawing/2014/main" xmlns="" id="{0600363F-FFE9-4A83-A47C-7B025E73A7D3}"/>
+                <a16:creationId xmlns:a16="http://schemas.microsoft.com/office/drawing/2014/main" id="{0600363F-FFE9-4A83-A47C-7B025E73A7D3}"/>
               </a:ext>
             </a:extLst>
           </p:cNvPr>
@@ -3479,7 +3481,7 @@
             <a:fld id="{B8159077-EF48-40E3-BF6E-366926B30A93}" type="datetimeFigureOut">
               <a:rPr lang="en-US" smtClean="0"/>
               <a:pPr/>
-              <a:t>11/15/2018</a:t>
+              <a:t>11/16/2018</a:t>
             </a:fld>
             <a:endParaRPr lang="en-US"/>
           </a:p>
@@ -3490,7 +3492,7 @@
           <p:cNvPr id="5" name="Footer Placeholder 4">
             <a:extLst>
               <a:ext uri="{FF2B5EF4-FFF2-40B4-BE49-F238E27FC236}">
-                <a16:creationId xmlns:a16="http://schemas.microsoft.com/office/drawing/2014/main" xmlns="" id="{2639756C-4793-47FF-AF0E-A346FA4D9F5A}"/>
+                <a16:creationId xmlns:a16="http://schemas.microsoft.com/office/drawing/2014/main" id="{2639756C-4793-47FF-AF0E-A346FA4D9F5A}"/>
               </a:ext>
             </a:extLst>
           </p:cNvPr>
@@ -3515,7 +3517,7 @@
           <p:cNvPr id="6" name="Slide Number Placeholder 5">
             <a:extLst>
               <a:ext uri="{FF2B5EF4-FFF2-40B4-BE49-F238E27FC236}">
-                <a16:creationId xmlns:a16="http://schemas.microsoft.com/office/drawing/2014/main" xmlns="" id="{55698755-6A6A-4B66-94EC-81D56DA8E372}"/>
+                <a16:creationId xmlns:a16="http://schemas.microsoft.com/office/drawing/2014/main" id="{55698755-6A6A-4B66-94EC-81D56DA8E372}"/>
               </a:ext>
             </a:extLst>
           </p:cNvPr>
@@ -3543,7 +3545,7 @@
     </p:spTree>
     <p:extLst>
       <p:ext uri="{BB962C8B-B14F-4D97-AF65-F5344CB8AC3E}">
-        <p14:creationId xmlns:p14="http://schemas.microsoft.com/office/powerpoint/2010/main" xmlns="" val="74609242"/>
+        <p14:creationId xmlns:p14="http://schemas.microsoft.com/office/powerpoint/2010/main" val="74609242"/>
       </p:ext>
     </p:extLst>
   </p:cSld>
@@ -3575,7 +3577,7 @@
           <p:cNvPr id="2" name="Vertical Title 1">
             <a:extLst>
               <a:ext uri="{FF2B5EF4-FFF2-40B4-BE49-F238E27FC236}">
-                <a16:creationId xmlns:a16="http://schemas.microsoft.com/office/drawing/2014/main" xmlns="" id="{02A87FEF-54B8-4489-85DC-D98FE6F28050}"/>
+                <a16:creationId xmlns:a16="http://schemas.microsoft.com/office/drawing/2014/main" id="{02A87FEF-54B8-4489-85DC-D98FE6F28050}"/>
               </a:ext>
             </a:extLst>
           </p:cNvPr>
@@ -3608,7 +3610,7 @@
           <p:cNvPr id="3" name="Vertical Text Placeholder 2">
             <a:extLst>
               <a:ext uri="{FF2B5EF4-FFF2-40B4-BE49-F238E27FC236}">
-                <a16:creationId xmlns:a16="http://schemas.microsoft.com/office/drawing/2014/main" xmlns="" id="{8B71D077-BD07-4382-8E63-59488FFCA8D5}"/>
+                <a16:creationId xmlns:a16="http://schemas.microsoft.com/office/drawing/2014/main" id="{8B71D077-BD07-4382-8E63-59488FFCA8D5}"/>
               </a:ext>
             </a:extLst>
           </p:cNvPr>
@@ -3670,7 +3672,7 @@
           <p:cNvPr id="4" name="Date Placeholder 3">
             <a:extLst>
               <a:ext uri="{FF2B5EF4-FFF2-40B4-BE49-F238E27FC236}">
-                <a16:creationId xmlns:a16="http://schemas.microsoft.com/office/drawing/2014/main" xmlns="" id="{9B481C67-9B19-4A17-87AF-47D2816A63D2}"/>
+                <a16:creationId xmlns:a16="http://schemas.microsoft.com/office/drawing/2014/main" id="{9B481C67-9B19-4A17-87AF-47D2816A63D2}"/>
               </a:ext>
             </a:extLst>
           </p:cNvPr>
@@ -3689,7 +3691,7 @@
             <a:fld id="{B8159077-EF48-40E3-BF6E-366926B30A93}" type="datetimeFigureOut">
               <a:rPr lang="en-US" smtClean="0"/>
               <a:pPr/>
-              <a:t>11/15/2018</a:t>
+              <a:t>11/16/2018</a:t>
             </a:fld>
             <a:endParaRPr lang="en-US"/>
           </a:p>
@@ -3700,7 +3702,7 @@
           <p:cNvPr id="5" name="Footer Placeholder 4">
             <a:extLst>
               <a:ext uri="{FF2B5EF4-FFF2-40B4-BE49-F238E27FC236}">
-                <a16:creationId xmlns:a16="http://schemas.microsoft.com/office/drawing/2014/main" xmlns="" id="{9AB74035-BE1F-4B6A-A757-0A3BEBC07ECF}"/>
+                <a16:creationId xmlns:a16="http://schemas.microsoft.com/office/drawing/2014/main" id="{9AB74035-BE1F-4B6A-A757-0A3BEBC07ECF}"/>
               </a:ext>
             </a:extLst>
           </p:cNvPr>
@@ -3725,7 +3727,7 @@
           <p:cNvPr id="6" name="Slide Number Placeholder 5">
             <a:extLst>
               <a:ext uri="{FF2B5EF4-FFF2-40B4-BE49-F238E27FC236}">
-                <a16:creationId xmlns:a16="http://schemas.microsoft.com/office/drawing/2014/main" xmlns="" id="{FC371FF7-26AC-4666-A6E2-B9A9C931F17E}"/>
+                <a16:creationId xmlns:a16="http://schemas.microsoft.com/office/drawing/2014/main" id="{FC371FF7-26AC-4666-A6E2-B9A9C931F17E}"/>
               </a:ext>
             </a:extLst>
           </p:cNvPr>
@@ -3753,7 +3755,7 @@
     </p:spTree>
     <p:extLst>
       <p:ext uri="{BB962C8B-B14F-4D97-AF65-F5344CB8AC3E}">
-        <p14:creationId xmlns:p14="http://schemas.microsoft.com/office/powerpoint/2010/main" xmlns="" val="327360313"/>
+        <p14:creationId xmlns:p14="http://schemas.microsoft.com/office/powerpoint/2010/main" val="327360313"/>
       </p:ext>
     </p:extLst>
   </p:cSld>
@@ -3785,7 +3787,7 @@
           <p:cNvPr id="2" name="Title 1">
             <a:extLst>
               <a:ext uri="{FF2B5EF4-FFF2-40B4-BE49-F238E27FC236}">
-                <a16:creationId xmlns:a16="http://schemas.microsoft.com/office/drawing/2014/main" xmlns="" id="{11EFF147-8305-4C8C-86F1-D856EBBAF7C2}"/>
+                <a16:creationId xmlns:a16="http://schemas.microsoft.com/office/drawing/2014/main" id="{11EFF147-8305-4C8C-86F1-D856EBBAF7C2}"/>
               </a:ext>
             </a:extLst>
           </p:cNvPr>
@@ -3813,7 +3815,7 @@
           <p:cNvPr id="3" name="Content Placeholder 2">
             <a:extLst>
               <a:ext uri="{FF2B5EF4-FFF2-40B4-BE49-F238E27FC236}">
-                <a16:creationId xmlns:a16="http://schemas.microsoft.com/office/drawing/2014/main" xmlns="" id="{05BB0835-3F9B-44C7-A1E0-BB6A820FB090}"/>
+                <a16:creationId xmlns:a16="http://schemas.microsoft.com/office/drawing/2014/main" id="{05BB0835-3F9B-44C7-A1E0-BB6A820FB090}"/>
               </a:ext>
             </a:extLst>
           </p:cNvPr>
@@ -3870,7 +3872,7 @@
           <p:cNvPr id="4" name="Date Placeholder 3">
             <a:extLst>
               <a:ext uri="{FF2B5EF4-FFF2-40B4-BE49-F238E27FC236}">
-                <a16:creationId xmlns:a16="http://schemas.microsoft.com/office/drawing/2014/main" xmlns="" id="{6B8082C4-E0B0-4F75-9A71-E46836F54912}"/>
+                <a16:creationId xmlns:a16="http://schemas.microsoft.com/office/drawing/2014/main" id="{6B8082C4-E0B0-4F75-9A71-E46836F54912}"/>
               </a:ext>
             </a:extLst>
           </p:cNvPr>
@@ -3889,7 +3891,7 @@
             <a:fld id="{B8159077-EF48-40E3-BF6E-366926B30A93}" type="datetimeFigureOut">
               <a:rPr lang="en-US" smtClean="0"/>
               <a:pPr/>
-              <a:t>11/15/2018</a:t>
+              <a:t>11/16/2018</a:t>
             </a:fld>
             <a:endParaRPr lang="en-US"/>
           </a:p>
@@ -3900,7 +3902,7 @@
           <p:cNvPr id="5" name="Footer Placeholder 4">
             <a:extLst>
               <a:ext uri="{FF2B5EF4-FFF2-40B4-BE49-F238E27FC236}">
-                <a16:creationId xmlns:a16="http://schemas.microsoft.com/office/drawing/2014/main" xmlns="" id="{6C2526BA-4562-4167-9CC0-13E0F1E07ED2}"/>
+                <a16:creationId xmlns:a16="http://schemas.microsoft.com/office/drawing/2014/main" id="{6C2526BA-4562-4167-9CC0-13E0F1E07ED2}"/>
               </a:ext>
             </a:extLst>
           </p:cNvPr>
@@ -3925,7 +3927,7 @@
           <p:cNvPr id="6" name="Slide Number Placeholder 5">
             <a:extLst>
               <a:ext uri="{FF2B5EF4-FFF2-40B4-BE49-F238E27FC236}">
-                <a16:creationId xmlns:a16="http://schemas.microsoft.com/office/drawing/2014/main" xmlns="" id="{54DC031C-236C-4C79-B203-6266D585985E}"/>
+                <a16:creationId xmlns:a16="http://schemas.microsoft.com/office/drawing/2014/main" id="{54DC031C-236C-4C79-B203-6266D585985E}"/>
               </a:ext>
             </a:extLst>
           </p:cNvPr>
@@ -3955,7 +3957,7 @@
           <p:cNvPr id="7" name="Straight Connector 6">
             <a:extLst>
               <a:ext uri="{FF2B5EF4-FFF2-40B4-BE49-F238E27FC236}">
-                <a16:creationId xmlns:a16="http://schemas.microsoft.com/office/drawing/2014/main" xmlns="" id="{EBA1F678-17D0-4A24-BC8C-596209B8A706}"/>
+                <a16:creationId xmlns:a16="http://schemas.microsoft.com/office/drawing/2014/main" id="{EBA1F678-17D0-4A24-BC8C-596209B8A706}"/>
               </a:ext>
             </a:extLst>
           </p:cNvPr>
@@ -3991,7 +3993,7 @@
     </p:spTree>
     <p:extLst>
       <p:ext uri="{BB962C8B-B14F-4D97-AF65-F5344CB8AC3E}">
-        <p14:creationId xmlns:p14="http://schemas.microsoft.com/office/powerpoint/2010/main" xmlns="" val="2709948559"/>
+        <p14:creationId xmlns:p14="http://schemas.microsoft.com/office/powerpoint/2010/main" val="2709948559"/>
       </p:ext>
     </p:extLst>
   </p:cSld>
@@ -4023,7 +4025,7 @@
           <p:cNvPr id="2" name="Title 1">
             <a:extLst>
               <a:ext uri="{FF2B5EF4-FFF2-40B4-BE49-F238E27FC236}">
-                <a16:creationId xmlns:a16="http://schemas.microsoft.com/office/drawing/2014/main" xmlns="" id="{9C77E9F5-987F-47D7-A80F-63B190B6C256}"/>
+                <a16:creationId xmlns:a16="http://schemas.microsoft.com/office/drawing/2014/main" id="{9C77E9F5-987F-47D7-A80F-63B190B6C256}"/>
               </a:ext>
             </a:extLst>
           </p:cNvPr>
@@ -4060,7 +4062,7 @@
           <p:cNvPr id="3" name="Text Placeholder 2">
             <a:extLst>
               <a:ext uri="{FF2B5EF4-FFF2-40B4-BE49-F238E27FC236}">
-                <a16:creationId xmlns:a16="http://schemas.microsoft.com/office/drawing/2014/main" xmlns="" id="{57A6DF7C-9109-464F-B881-82FA2A8012B7}"/>
+                <a16:creationId xmlns:a16="http://schemas.microsoft.com/office/drawing/2014/main" id="{57A6DF7C-9109-464F-B881-82FA2A8012B7}"/>
               </a:ext>
             </a:extLst>
           </p:cNvPr>
@@ -4185,7 +4187,7 @@
           <p:cNvPr id="4" name="Date Placeholder 3">
             <a:extLst>
               <a:ext uri="{FF2B5EF4-FFF2-40B4-BE49-F238E27FC236}">
-                <a16:creationId xmlns:a16="http://schemas.microsoft.com/office/drawing/2014/main" xmlns="" id="{2535BF5B-AF99-4CBF-AE0A-75C40BE9E0C1}"/>
+                <a16:creationId xmlns:a16="http://schemas.microsoft.com/office/drawing/2014/main" id="{2535BF5B-AF99-4CBF-AE0A-75C40BE9E0C1}"/>
               </a:ext>
             </a:extLst>
           </p:cNvPr>
@@ -4204,7 +4206,7 @@
             <a:fld id="{B8159077-EF48-40E3-BF6E-366926B30A93}" type="datetimeFigureOut">
               <a:rPr lang="en-US" smtClean="0"/>
               <a:pPr/>
-              <a:t>11/15/2018</a:t>
+              <a:t>11/16/2018</a:t>
             </a:fld>
             <a:endParaRPr lang="en-US"/>
           </a:p>
@@ -4215,7 +4217,7 @@
           <p:cNvPr id="5" name="Footer Placeholder 4">
             <a:extLst>
               <a:ext uri="{FF2B5EF4-FFF2-40B4-BE49-F238E27FC236}">
-                <a16:creationId xmlns:a16="http://schemas.microsoft.com/office/drawing/2014/main" xmlns="" id="{E8645BFB-2055-42FB-AC89-BE1785D9BE1E}"/>
+                <a16:creationId xmlns:a16="http://schemas.microsoft.com/office/drawing/2014/main" id="{E8645BFB-2055-42FB-AC89-BE1785D9BE1E}"/>
               </a:ext>
             </a:extLst>
           </p:cNvPr>
@@ -4240,7 +4242,7 @@
           <p:cNvPr id="6" name="Slide Number Placeholder 5">
             <a:extLst>
               <a:ext uri="{FF2B5EF4-FFF2-40B4-BE49-F238E27FC236}">
-                <a16:creationId xmlns:a16="http://schemas.microsoft.com/office/drawing/2014/main" xmlns="" id="{3F95587E-758E-438B-84A0-1497D6C924FD}"/>
+                <a16:creationId xmlns:a16="http://schemas.microsoft.com/office/drawing/2014/main" id="{3F95587E-758E-438B-84A0-1497D6C924FD}"/>
               </a:ext>
             </a:extLst>
           </p:cNvPr>
@@ -4270,7 +4272,7 @@
           <p:cNvPr id="7" name="Straight Connector 6">
             <a:extLst>
               <a:ext uri="{FF2B5EF4-FFF2-40B4-BE49-F238E27FC236}">
-                <a16:creationId xmlns:a16="http://schemas.microsoft.com/office/drawing/2014/main" xmlns="" id="{EC3CA79F-75C6-44C0-8E41-48A8B125B502}"/>
+                <a16:creationId xmlns:a16="http://schemas.microsoft.com/office/drawing/2014/main" id="{EC3CA79F-75C6-44C0-8E41-48A8B125B502}"/>
               </a:ext>
             </a:extLst>
           </p:cNvPr>
@@ -4306,7 +4308,7 @@
     </p:spTree>
     <p:extLst>
       <p:ext uri="{BB962C8B-B14F-4D97-AF65-F5344CB8AC3E}">
-        <p14:creationId xmlns:p14="http://schemas.microsoft.com/office/powerpoint/2010/main" xmlns="" val="1251077641"/>
+        <p14:creationId xmlns:p14="http://schemas.microsoft.com/office/powerpoint/2010/main" val="1251077641"/>
       </p:ext>
     </p:extLst>
   </p:cSld>
@@ -4338,7 +4340,7 @@
           <p:cNvPr id="2" name="Title 1">
             <a:extLst>
               <a:ext uri="{FF2B5EF4-FFF2-40B4-BE49-F238E27FC236}">
-                <a16:creationId xmlns:a16="http://schemas.microsoft.com/office/drawing/2014/main" xmlns="" id="{3DA31CFB-0F52-4EF9-A70F-4C8567F61C44}"/>
+                <a16:creationId xmlns:a16="http://schemas.microsoft.com/office/drawing/2014/main" id="{3DA31CFB-0F52-4EF9-A70F-4C8567F61C44}"/>
               </a:ext>
             </a:extLst>
           </p:cNvPr>
@@ -4366,7 +4368,7 @@
           <p:cNvPr id="3" name="Content Placeholder 2">
             <a:extLst>
               <a:ext uri="{FF2B5EF4-FFF2-40B4-BE49-F238E27FC236}">
-                <a16:creationId xmlns:a16="http://schemas.microsoft.com/office/drawing/2014/main" xmlns="" id="{0E4BACCB-8876-41D5-A33E-3FF0D5DA1899}"/>
+                <a16:creationId xmlns:a16="http://schemas.microsoft.com/office/drawing/2014/main" id="{0E4BACCB-8876-41D5-A33E-3FF0D5DA1899}"/>
               </a:ext>
             </a:extLst>
           </p:cNvPr>
@@ -4428,7 +4430,7 @@
           <p:cNvPr id="4" name="Content Placeholder 3">
             <a:extLst>
               <a:ext uri="{FF2B5EF4-FFF2-40B4-BE49-F238E27FC236}">
-                <a16:creationId xmlns:a16="http://schemas.microsoft.com/office/drawing/2014/main" xmlns="" id="{9D75392B-76F8-4D10-B40E-F73EAEE0812A}"/>
+                <a16:creationId xmlns:a16="http://schemas.microsoft.com/office/drawing/2014/main" id="{9D75392B-76F8-4D10-B40E-F73EAEE0812A}"/>
               </a:ext>
             </a:extLst>
           </p:cNvPr>
@@ -4490,7 +4492,7 @@
           <p:cNvPr id="5" name="Date Placeholder 4">
             <a:extLst>
               <a:ext uri="{FF2B5EF4-FFF2-40B4-BE49-F238E27FC236}">
-                <a16:creationId xmlns:a16="http://schemas.microsoft.com/office/drawing/2014/main" xmlns="" id="{680D36E2-8A03-4DBF-950E-C5B08EF7E361}"/>
+                <a16:creationId xmlns:a16="http://schemas.microsoft.com/office/drawing/2014/main" id="{680D36E2-8A03-4DBF-950E-C5B08EF7E361}"/>
               </a:ext>
             </a:extLst>
           </p:cNvPr>
@@ -4509,7 +4511,7 @@
             <a:fld id="{B8159077-EF48-40E3-BF6E-366926B30A93}" type="datetimeFigureOut">
               <a:rPr lang="en-US" smtClean="0"/>
               <a:pPr/>
-              <a:t>11/15/2018</a:t>
+              <a:t>11/16/2018</a:t>
             </a:fld>
             <a:endParaRPr lang="en-US"/>
           </a:p>
@@ -4520,7 +4522,7 @@
           <p:cNvPr id="6" name="Footer Placeholder 5">
             <a:extLst>
               <a:ext uri="{FF2B5EF4-FFF2-40B4-BE49-F238E27FC236}">
-                <a16:creationId xmlns:a16="http://schemas.microsoft.com/office/drawing/2014/main" xmlns="" id="{400922BD-5DB1-403B-8A20-3C8F43A71D70}"/>
+                <a16:creationId xmlns:a16="http://schemas.microsoft.com/office/drawing/2014/main" id="{400922BD-5DB1-403B-8A20-3C8F43A71D70}"/>
               </a:ext>
             </a:extLst>
           </p:cNvPr>
@@ -4545,7 +4547,7 @@
           <p:cNvPr id="7" name="Slide Number Placeholder 6">
             <a:extLst>
               <a:ext uri="{FF2B5EF4-FFF2-40B4-BE49-F238E27FC236}">
-                <a16:creationId xmlns:a16="http://schemas.microsoft.com/office/drawing/2014/main" xmlns="" id="{9C3F9DBC-86E0-4E27-B5D1-BCED9750ED38}"/>
+                <a16:creationId xmlns:a16="http://schemas.microsoft.com/office/drawing/2014/main" id="{9C3F9DBC-86E0-4E27-B5D1-BCED9750ED38}"/>
               </a:ext>
             </a:extLst>
           </p:cNvPr>
@@ -4573,7 +4575,7 @@
     </p:spTree>
     <p:extLst>
       <p:ext uri="{BB962C8B-B14F-4D97-AF65-F5344CB8AC3E}">
-        <p14:creationId xmlns:p14="http://schemas.microsoft.com/office/powerpoint/2010/main" xmlns="" val="759025932"/>
+        <p14:creationId xmlns:p14="http://schemas.microsoft.com/office/powerpoint/2010/main" val="759025932"/>
       </p:ext>
     </p:extLst>
   </p:cSld>
@@ -4605,7 +4607,7 @@
           <p:cNvPr id="2" name="Title 1">
             <a:extLst>
               <a:ext uri="{FF2B5EF4-FFF2-40B4-BE49-F238E27FC236}">
-                <a16:creationId xmlns:a16="http://schemas.microsoft.com/office/drawing/2014/main" xmlns="" id="{8CC6F189-CDD4-402C-BF48-5716492DB9F8}"/>
+                <a16:creationId xmlns:a16="http://schemas.microsoft.com/office/drawing/2014/main" id="{8CC6F189-CDD4-402C-BF48-5716492DB9F8}"/>
               </a:ext>
             </a:extLst>
           </p:cNvPr>
@@ -4638,7 +4640,7 @@
           <p:cNvPr id="3" name="Text Placeholder 2">
             <a:extLst>
               <a:ext uri="{FF2B5EF4-FFF2-40B4-BE49-F238E27FC236}">
-                <a16:creationId xmlns:a16="http://schemas.microsoft.com/office/drawing/2014/main" xmlns="" id="{50ED9ADE-86F8-4E1B-96EC-AAE4CE82A211}"/>
+                <a16:creationId xmlns:a16="http://schemas.microsoft.com/office/drawing/2014/main" id="{50ED9ADE-86F8-4E1B-96EC-AAE4CE82A211}"/>
               </a:ext>
             </a:extLst>
           </p:cNvPr>
@@ -4709,7 +4711,7 @@
           <p:cNvPr id="4" name="Content Placeholder 3">
             <a:extLst>
               <a:ext uri="{FF2B5EF4-FFF2-40B4-BE49-F238E27FC236}">
-                <a16:creationId xmlns:a16="http://schemas.microsoft.com/office/drawing/2014/main" xmlns="" id="{670DDFAE-921B-4FD1-96C7-CD55AB459341}"/>
+                <a16:creationId xmlns:a16="http://schemas.microsoft.com/office/drawing/2014/main" id="{670DDFAE-921B-4FD1-96C7-CD55AB459341}"/>
               </a:ext>
             </a:extLst>
           </p:cNvPr>
@@ -4771,7 +4773,7 @@
           <p:cNvPr id="5" name="Text Placeholder 4">
             <a:extLst>
               <a:ext uri="{FF2B5EF4-FFF2-40B4-BE49-F238E27FC236}">
-                <a16:creationId xmlns:a16="http://schemas.microsoft.com/office/drawing/2014/main" xmlns="" id="{5FD69DB8-23C3-4044-8A4D-4E92B22298C1}"/>
+                <a16:creationId xmlns:a16="http://schemas.microsoft.com/office/drawing/2014/main" id="{5FD69DB8-23C3-4044-8A4D-4E92B22298C1}"/>
               </a:ext>
             </a:extLst>
           </p:cNvPr>
@@ -4842,7 +4844,7 @@
           <p:cNvPr id="6" name="Content Placeholder 5">
             <a:extLst>
               <a:ext uri="{FF2B5EF4-FFF2-40B4-BE49-F238E27FC236}">
-                <a16:creationId xmlns:a16="http://schemas.microsoft.com/office/drawing/2014/main" xmlns="" id="{972B5D27-F40F-4F48-9993-561FC327DB43}"/>
+                <a16:creationId xmlns:a16="http://schemas.microsoft.com/office/drawing/2014/main" id="{972B5D27-F40F-4F48-9993-561FC327DB43}"/>
               </a:ext>
             </a:extLst>
           </p:cNvPr>
@@ -4904,7 +4906,7 @@
           <p:cNvPr id="7" name="Date Placeholder 6">
             <a:extLst>
               <a:ext uri="{FF2B5EF4-FFF2-40B4-BE49-F238E27FC236}">
-                <a16:creationId xmlns:a16="http://schemas.microsoft.com/office/drawing/2014/main" xmlns="" id="{B8D72A2F-6C03-4AA2-8675-A62997A1F179}"/>
+                <a16:creationId xmlns:a16="http://schemas.microsoft.com/office/drawing/2014/main" id="{B8D72A2F-6C03-4AA2-8675-A62997A1F179}"/>
               </a:ext>
             </a:extLst>
           </p:cNvPr>
@@ -4923,7 +4925,7 @@
             <a:fld id="{B8159077-EF48-40E3-BF6E-366926B30A93}" type="datetimeFigureOut">
               <a:rPr lang="en-US" smtClean="0"/>
               <a:pPr/>
-              <a:t>11/15/2018</a:t>
+              <a:t>11/16/2018</a:t>
             </a:fld>
             <a:endParaRPr lang="en-US"/>
           </a:p>
@@ -4934,7 +4936,7 @@
           <p:cNvPr id="8" name="Footer Placeholder 7">
             <a:extLst>
               <a:ext uri="{FF2B5EF4-FFF2-40B4-BE49-F238E27FC236}">
-                <a16:creationId xmlns:a16="http://schemas.microsoft.com/office/drawing/2014/main" xmlns="" id="{C7FA0448-C108-4A98-BC11-71C694972BB9}"/>
+                <a16:creationId xmlns:a16="http://schemas.microsoft.com/office/drawing/2014/main" id="{C7FA0448-C108-4A98-BC11-71C694972BB9}"/>
               </a:ext>
             </a:extLst>
           </p:cNvPr>
@@ -4959,7 +4961,7 @@
           <p:cNvPr id="9" name="Slide Number Placeholder 8">
             <a:extLst>
               <a:ext uri="{FF2B5EF4-FFF2-40B4-BE49-F238E27FC236}">
-                <a16:creationId xmlns:a16="http://schemas.microsoft.com/office/drawing/2014/main" xmlns="" id="{907E1CB1-297A-48F9-BF2F-D32F99F4D530}"/>
+                <a16:creationId xmlns:a16="http://schemas.microsoft.com/office/drawing/2014/main" id="{907E1CB1-297A-48F9-BF2F-D32F99F4D530}"/>
               </a:ext>
             </a:extLst>
           </p:cNvPr>
@@ -4987,7 +4989,7 @@
     </p:spTree>
     <p:extLst>
       <p:ext uri="{BB962C8B-B14F-4D97-AF65-F5344CB8AC3E}">
-        <p14:creationId xmlns:p14="http://schemas.microsoft.com/office/powerpoint/2010/main" xmlns="" val="3574849597"/>
+        <p14:creationId xmlns:p14="http://schemas.microsoft.com/office/powerpoint/2010/main" val="3574849597"/>
       </p:ext>
     </p:extLst>
   </p:cSld>
@@ -5019,7 +5021,7 @@
           <p:cNvPr id="2" name="Title 1">
             <a:extLst>
               <a:ext uri="{FF2B5EF4-FFF2-40B4-BE49-F238E27FC236}">
-                <a16:creationId xmlns:a16="http://schemas.microsoft.com/office/drawing/2014/main" xmlns="" id="{F9252D30-D733-4779-B79D-EED11F294B48}"/>
+                <a16:creationId xmlns:a16="http://schemas.microsoft.com/office/drawing/2014/main" id="{F9252D30-D733-4779-B79D-EED11F294B48}"/>
               </a:ext>
             </a:extLst>
           </p:cNvPr>
@@ -5047,7 +5049,7 @@
           <p:cNvPr id="3" name="Date Placeholder 2">
             <a:extLst>
               <a:ext uri="{FF2B5EF4-FFF2-40B4-BE49-F238E27FC236}">
-                <a16:creationId xmlns:a16="http://schemas.microsoft.com/office/drawing/2014/main" xmlns="" id="{36388E6C-E68D-48B1-ADCE-523903DA4557}"/>
+                <a16:creationId xmlns:a16="http://schemas.microsoft.com/office/drawing/2014/main" id="{36388E6C-E68D-48B1-ADCE-523903DA4557}"/>
               </a:ext>
             </a:extLst>
           </p:cNvPr>
@@ -5066,7 +5068,7 @@
             <a:fld id="{B8159077-EF48-40E3-BF6E-366926B30A93}" type="datetimeFigureOut">
               <a:rPr lang="en-US" smtClean="0"/>
               <a:pPr/>
-              <a:t>11/15/2018</a:t>
+              <a:t>11/16/2018</a:t>
             </a:fld>
             <a:endParaRPr lang="en-US"/>
           </a:p>
@@ -5077,7 +5079,7 @@
           <p:cNvPr id="4" name="Footer Placeholder 3">
             <a:extLst>
               <a:ext uri="{FF2B5EF4-FFF2-40B4-BE49-F238E27FC236}">
-                <a16:creationId xmlns:a16="http://schemas.microsoft.com/office/drawing/2014/main" xmlns="" id="{E709D5ED-193F-47A7-86C6-BA079964B35E}"/>
+                <a16:creationId xmlns:a16="http://schemas.microsoft.com/office/drawing/2014/main" id="{E709D5ED-193F-47A7-86C6-BA079964B35E}"/>
               </a:ext>
             </a:extLst>
           </p:cNvPr>
@@ -5102,7 +5104,7 @@
           <p:cNvPr id="5" name="Slide Number Placeholder 4">
             <a:extLst>
               <a:ext uri="{FF2B5EF4-FFF2-40B4-BE49-F238E27FC236}">
-                <a16:creationId xmlns:a16="http://schemas.microsoft.com/office/drawing/2014/main" xmlns="" id="{C51EF39B-32C5-4504-9D3C-C73B01918821}"/>
+                <a16:creationId xmlns:a16="http://schemas.microsoft.com/office/drawing/2014/main" id="{C51EF39B-32C5-4504-9D3C-C73B01918821}"/>
               </a:ext>
             </a:extLst>
           </p:cNvPr>
@@ -5130,7 +5132,7 @@
     </p:spTree>
     <p:extLst>
       <p:ext uri="{BB962C8B-B14F-4D97-AF65-F5344CB8AC3E}">
-        <p14:creationId xmlns:p14="http://schemas.microsoft.com/office/powerpoint/2010/main" xmlns="" val="579114760"/>
+        <p14:creationId xmlns:p14="http://schemas.microsoft.com/office/powerpoint/2010/main" val="579114760"/>
       </p:ext>
     </p:extLst>
   </p:cSld>
@@ -5162,7 +5164,7 @@
           <p:cNvPr id="2" name="Date Placeholder 1">
             <a:extLst>
               <a:ext uri="{FF2B5EF4-FFF2-40B4-BE49-F238E27FC236}">
-                <a16:creationId xmlns:a16="http://schemas.microsoft.com/office/drawing/2014/main" xmlns="" id="{49830188-1AC2-484C-9F53-B1C7CB88FB75}"/>
+                <a16:creationId xmlns:a16="http://schemas.microsoft.com/office/drawing/2014/main" id="{49830188-1AC2-484C-9F53-B1C7CB88FB75}"/>
               </a:ext>
             </a:extLst>
           </p:cNvPr>
@@ -5181,7 +5183,7 @@
             <a:fld id="{B8159077-EF48-40E3-BF6E-366926B30A93}" type="datetimeFigureOut">
               <a:rPr lang="en-US" smtClean="0"/>
               <a:pPr/>
-              <a:t>11/15/2018</a:t>
+              <a:t>11/16/2018</a:t>
             </a:fld>
             <a:endParaRPr lang="en-US"/>
           </a:p>
@@ -5192,7 +5194,7 @@
           <p:cNvPr id="3" name="Footer Placeholder 2">
             <a:extLst>
               <a:ext uri="{FF2B5EF4-FFF2-40B4-BE49-F238E27FC236}">
-                <a16:creationId xmlns:a16="http://schemas.microsoft.com/office/drawing/2014/main" xmlns="" id="{8A333681-69BB-45B2-9377-67BC523A119F}"/>
+                <a16:creationId xmlns:a16="http://schemas.microsoft.com/office/drawing/2014/main" id="{8A333681-69BB-45B2-9377-67BC523A119F}"/>
               </a:ext>
             </a:extLst>
           </p:cNvPr>
@@ -5217,7 +5219,7 @@
           <p:cNvPr id="4" name="Slide Number Placeholder 3">
             <a:extLst>
               <a:ext uri="{FF2B5EF4-FFF2-40B4-BE49-F238E27FC236}">
-                <a16:creationId xmlns:a16="http://schemas.microsoft.com/office/drawing/2014/main" xmlns="" id="{8EDB1A5F-A319-4FCA-B8EB-7506ACFB7C78}"/>
+                <a16:creationId xmlns:a16="http://schemas.microsoft.com/office/drawing/2014/main" id="{8EDB1A5F-A319-4FCA-B8EB-7506ACFB7C78}"/>
               </a:ext>
             </a:extLst>
           </p:cNvPr>
@@ -5245,7 +5247,7 @@
     </p:spTree>
     <p:extLst>
       <p:ext uri="{BB962C8B-B14F-4D97-AF65-F5344CB8AC3E}">
-        <p14:creationId xmlns:p14="http://schemas.microsoft.com/office/powerpoint/2010/main" xmlns="" val="209110672"/>
+        <p14:creationId xmlns:p14="http://schemas.microsoft.com/office/powerpoint/2010/main" val="209110672"/>
       </p:ext>
     </p:extLst>
   </p:cSld>
@@ -5277,7 +5279,7 @@
           <p:cNvPr id="2" name="Title 1">
             <a:extLst>
               <a:ext uri="{FF2B5EF4-FFF2-40B4-BE49-F238E27FC236}">
-                <a16:creationId xmlns:a16="http://schemas.microsoft.com/office/drawing/2014/main" xmlns="" id="{70C55B79-F8B8-4759-9FBD-205D80AEA9D8}"/>
+                <a16:creationId xmlns:a16="http://schemas.microsoft.com/office/drawing/2014/main" id="{70C55B79-F8B8-4759-9FBD-205D80AEA9D8}"/>
               </a:ext>
             </a:extLst>
           </p:cNvPr>
@@ -5314,7 +5316,7 @@
           <p:cNvPr id="3" name="Content Placeholder 2">
             <a:extLst>
               <a:ext uri="{FF2B5EF4-FFF2-40B4-BE49-F238E27FC236}">
-                <a16:creationId xmlns:a16="http://schemas.microsoft.com/office/drawing/2014/main" xmlns="" id="{83882243-0F38-4450-B420-7132E7BE7154}"/>
+                <a16:creationId xmlns:a16="http://schemas.microsoft.com/office/drawing/2014/main" id="{83882243-0F38-4450-B420-7132E7BE7154}"/>
               </a:ext>
             </a:extLst>
           </p:cNvPr>
@@ -5404,7 +5406,7 @@
           <p:cNvPr id="4" name="Text Placeholder 3">
             <a:extLst>
               <a:ext uri="{FF2B5EF4-FFF2-40B4-BE49-F238E27FC236}">
-                <a16:creationId xmlns:a16="http://schemas.microsoft.com/office/drawing/2014/main" xmlns="" id="{CC23093D-A8BF-4001-8391-24DB2CD7FC43}"/>
+                <a16:creationId xmlns:a16="http://schemas.microsoft.com/office/drawing/2014/main" id="{CC23093D-A8BF-4001-8391-24DB2CD7FC43}"/>
               </a:ext>
             </a:extLst>
           </p:cNvPr>
@@ -5475,7 +5477,7 @@
           <p:cNvPr id="5" name="Date Placeholder 4">
             <a:extLst>
               <a:ext uri="{FF2B5EF4-FFF2-40B4-BE49-F238E27FC236}">
-                <a16:creationId xmlns:a16="http://schemas.microsoft.com/office/drawing/2014/main" xmlns="" id="{56A90E2D-DC24-4359-8EB7-DD8EAA19B655}"/>
+                <a16:creationId xmlns:a16="http://schemas.microsoft.com/office/drawing/2014/main" id="{56A90E2D-DC24-4359-8EB7-DD8EAA19B655}"/>
               </a:ext>
             </a:extLst>
           </p:cNvPr>
@@ -5494,7 +5496,7 @@
             <a:fld id="{B8159077-EF48-40E3-BF6E-366926B30A93}" type="datetimeFigureOut">
               <a:rPr lang="en-US" smtClean="0"/>
               <a:pPr/>
-              <a:t>11/15/2018</a:t>
+              <a:t>11/16/2018</a:t>
             </a:fld>
             <a:endParaRPr lang="en-US"/>
           </a:p>
@@ -5505,7 +5507,7 @@
           <p:cNvPr id="6" name="Footer Placeholder 5">
             <a:extLst>
               <a:ext uri="{FF2B5EF4-FFF2-40B4-BE49-F238E27FC236}">
-                <a16:creationId xmlns:a16="http://schemas.microsoft.com/office/drawing/2014/main" xmlns="" id="{79DA5AB0-20EC-4A87-B765-F369816EDAB6}"/>
+                <a16:creationId xmlns:a16="http://schemas.microsoft.com/office/drawing/2014/main" id="{79DA5AB0-20EC-4A87-B765-F369816EDAB6}"/>
               </a:ext>
             </a:extLst>
           </p:cNvPr>
@@ -5530,7 +5532,7 @@
           <p:cNvPr id="7" name="Slide Number Placeholder 6">
             <a:extLst>
               <a:ext uri="{FF2B5EF4-FFF2-40B4-BE49-F238E27FC236}">
-                <a16:creationId xmlns:a16="http://schemas.microsoft.com/office/drawing/2014/main" xmlns="" id="{952F5AE5-E610-4F52-8B1F-CC450BDE23A4}"/>
+                <a16:creationId xmlns:a16="http://schemas.microsoft.com/office/drawing/2014/main" id="{952F5AE5-E610-4F52-8B1F-CC450BDE23A4}"/>
               </a:ext>
             </a:extLst>
           </p:cNvPr>
@@ -5558,7 +5560,7 @@
     </p:spTree>
     <p:extLst>
       <p:ext uri="{BB962C8B-B14F-4D97-AF65-F5344CB8AC3E}">
-        <p14:creationId xmlns:p14="http://schemas.microsoft.com/office/powerpoint/2010/main" xmlns="" val="3132102381"/>
+        <p14:creationId xmlns:p14="http://schemas.microsoft.com/office/powerpoint/2010/main" val="3132102381"/>
       </p:ext>
     </p:extLst>
   </p:cSld>
@@ -5590,7 +5592,7 @@
           <p:cNvPr id="2" name="Title 1">
             <a:extLst>
               <a:ext uri="{FF2B5EF4-FFF2-40B4-BE49-F238E27FC236}">
-                <a16:creationId xmlns:a16="http://schemas.microsoft.com/office/drawing/2014/main" xmlns="" id="{8B92E141-FE3E-4AF1-BC37-7F56A0CE766F}"/>
+                <a16:creationId xmlns:a16="http://schemas.microsoft.com/office/drawing/2014/main" id="{8B92E141-FE3E-4AF1-BC37-7F56A0CE766F}"/>
               </a:ext>
             </a:extLst>
           </p:cNvPr>
@@ -5627,7 +5629,7 @@
           <p:cNvPr id="3" name="Picture Placeholder 2">
             <a:extLst>
               <a:ext uri="{FF2B5EF4-FFF2-40B4-BE49-F238E27FC236}">
-                <a16:creationId xmlns:a16="http://schemas.microsoft.com/office/drawing/2014/main" xmlns="" id="{D5D1CE18-F9BD-41B4-8056-E22AEEF6D3A1}"/>
+                <a16:creationId xmlns:a16="http://schemas.microsoft.com/office/drawing/2014/main" id="{D5D1CE18-F9BD-41B4-8056-E22AEEF6D3A1}"/>
               </a:ext>
             </a:extLst>
           </p:cNvPr>
@@ -5694,7 +5696,7 @@
           <p:cNvPr id="4" name="Text Placeholder 3">
             <a:extLst>
               <a:ext uri="{FF2B5EF4-FFF2-40B4-BE49-F238E27FC236}">
-                <a16:creationId xmlns:a16="http://schemas.microsoft.com/office/drawing/2014/main" xmlns="" id="{8B2DB4DA-BA72-424A-845C-3E305D36B41E}"/>
+                <a16:creationId xmlns:a16="http://schemas.microsoft.com/office/drawing/2014/main" id="{8B2DB4DA-BA72-424A-845C-3E305D36B41E}"/>
               </a:ext>
             </a:extLst>
           </p:cNvPr>
@@ -5765,7 +5767,7 @@
           <p:cNvPr id="5" name="Date Placeholder 4">
             <a:extLst>
               <a:ext uri="{FF2B5EF4-FFF2-40B4-BE49-F238E27FC236}">
-                <a16:creationId xmlns:a16="http://schemas.microsoft.com/office/drawing/2014/main" xmlns="" id="{9E0F6947-54BB-40F7-85A7-2EB72C1BEAE8}"/>
+                <a16:creationId xmlns:a16="http://schemas.microsoft.com/office/drawing/2014/main" id="{9E0F6947-54BB-40F7-85A7-2EB72C1BEAE8}"/>
               </a:ext>
             </a:extLst>
           </p:cNvPr>
@@ -5784,7 +5786,7 @@
             <a:fld id="{B8159077-EF48-40E3-BF6E-366926B30A93}" type="datetimeFigureOut">
               <a:rPr lang="en-US" smtClean="0"/>
               <a:pPr/>
-              <a:t>11/15/2018</a:t>
+              <a:t>11/16/2018</a:t>
             </a:fld>
             <a:endParaRPr lang="en-US"/>
           </a:p>
@@ -5795,7 +5797,7 @@
           <p:cNvPr id="6" name="Footer Placeholder 5">
             <a:extLst>
               <a:ext uri="{FF2B5EF4-FFF2-40B4-BE49-F238E27FC236}">
-                <a16:creationId xmlns:a16="http://schemas.microsoft.com/office/drawing/2014/main" xmlns="" id="{AFA4069D-0CC7-4B93-8DF5-3B1D962E47A6}"/>
+                <a16:creationId xmlns:a16="http://schemas.microsoft.com/office/drawing/2014/main" id="{AFA4069D-0CC7-4B93-8DF5-3B1D962E47A6}"/>
               </a:ext>
             </a:extLst>
           </p:cNvPr>
@@ -5820,7 +5822,7 @@
           <p:cNvPr id="7" name="Slide Number Placeholder 6">
             <a:extLst>
               <a:ext uri="{FF2B5EF4-FFF2-40B4-BE49-F238E27FC236}">
-                <a16:creationId xmlns:a16="http://schemas.microsoft.com/office/drawing/2014/main" xmlns="" id="{74BC649E-CEE5-4CE0-9B43-09D802EFB90F}"/>
+                <a16:creationId xmlns:a16="http://schemas.microsoft.com/office/drawing/2014/main" id="{74BC649E-CEE5-4CE0-9B43-09D802EFB90F}"/>
               </a:ext>
             </a:extLst>
           </p:cNvPr>
@@ -5848,7 +5850,7 @@
     </p:spTree>
     <p:extLst>
       <p:ext uri="{BB962C8B-B14F-4D97-AF65-F5344CB8AC3E}">
-        <p14:creationId xmlns:p14="http://schemas.microsoft.com/office/powerpoint/2010/main" xmlns="" val="3685579883"/>
+        <p14:creationId xmlns:p14="http://schemas.microsoft.com/office/powerpoint/2010/main" val="3685579883"/>
       </p:ext>
     </p:extLst>
   </p:cSld>
@@ -5885,7 +5887,7 @@
           <p:cNvPr id="2" name="Title Placeholder 1">
             <a:extLst>
               <a:ext uri="{FF2B5EF4-FFF2-40B4-BE49-F238E27FC236}">
-                <a16:creationId xmlns:a16="http://schemas.microsoft.com/office/drawing/2014/main" xmlns="" id="{93167B93-6A4A-48BB-9AAF-6A6950557AEF}"/>
+                <a16:creationId xmlns:a16="http://schemas.microsoft.com/office/drawing/2014/main" id="{93167B93-6A4A-48BB-9AAF-6A6950557AEF}"/>
               </a:ext>
             </a:extLst>
           </p:cNvPr>
@@ -5923,7 +5925,7 @@
           <p:cNvPr id="3" name="Text Placeholder 2">
             <a:extLst>
               <a:ext uri="{FF2B5EF4-FFF2-40B4-BE49-F238E27FC236}">
-                <a16:creationId xmlns:a16="http://schemas.microsoft.com/office/drawing/2014/main" xmlns="" id="{C8681EC6-9512-483B-BA61-30A00B970F39}"/>
+                <a16:creationId xmlns:a16="http://schemas.microsoft.com/office/drawing/2014/main" id="{C8681EC6-9512-483B-BA61-30A00B970F39}"/>
               </a:ext>
             </a:extLst>
           </p:cNvPr>
@@ -5990,7 +5992,7 @@
           <p:cNvPr id="4" name="Date Placeholder 3">
             <a:extLst>
               <a:ext uri="{FF2B5EF4-FFF2-40B4-BE49-F238E27FC236}">
-                <a16:creationId xmlns:a16="http://schemas.microsoft.com/office/drawing/2014/main" xmlns="" id="{D3A290A6-5736-4CB6-A19C-DC4230F932F1}"/>
+                <a16:creationId xmlns:a16="http://schemas.microsoft.com/office/drawing/2014/main" id="{D3A290A6-5736-4CB6-A19C-DC4230F932F1}"/>
               </a:ext>
             </a:extLst>
           </p:cNvPr>
@@ -6027,7 +6029,7 @@
             <a:fld id="{B8159077-EF48-40E3-BF6E-366926B30A93}" type="datetimeFigureOut">
               <a:rPr lang="en-US" smtClean="0"/>
               <a:pPr/>
-              <a:t>11/15/2018</a:t>
+              <a:t>11/16/2018</a:t>
             </a:fld>
             <a:endParaRPr lang="en-US"/>
           </a:p>
@@ -6038,7 +6040,7 @@
           <p:cNvPr id="5" name="Footer Placeholder 4">
             <a:extLst>
               <a:ext uri="{FF2B5EF4-FFF2-40B4-BE49-F238E27FC236}">
-                <a16:creationId xmlns:a16="http://schemas.microsoft.com/office/drawing/2014/main" xmlns="" id="{22EBE582-B1AB-4666-997A-F36EB63FD8D6}"/>
+                <a16:creationId xmlns:a16="http://schemas.microsoft.com/office/drawing/2014/main" id="{22EBE582-B1AB-4666-997A-F36EB63FD8D6}"/>
               </a:ext>
             </a:extLst>
           </p:cNvPr>
@@ -6081,7 +6083,7 @@
           <p:cNvPr id="6" name="Slide Number Placeholder 5">
             <a:extLst>
               <a:ext uri="{FF2B5EF4-FFF2-40B4-BE49-F238E27FC236}">
-                <a16:creationId xmlns:a16="http://schemas.microsoft.com/office/drawing/2014/main" xmlns="" id="{77B13510-3D74-470C-BD4E-4623587E12E3}"/>
+                <a16:creationId xmlns:a16="http://schemas.microsoft.com/office/drawing/2014/main" id="{77B13510-3D74-470C-BD4E-4623587E12E3}"/>
               </a:ext>
             </a:extLst>
           </p:cNvPr>
@@ -6129,7 +6131,7 @@
           <p:cNvPr id="7" name="Rectangle 6">
             <a:extLst>
               <a:ext uri="{FF2B5EF4-FFF2-40B4-BE49-F238E27FC236}">
-                <a16:creationId xmlns:a16="http://schemas.microsoft.com/office/drawing/2014/main" xmlns="" id="{0ABD61A2-ECDD-4A5C-8B2C-67D04DF1A4F8}"/>
+                <a16:creationId xmlns:a16="http://schemas.microsoft.com/office/drawing/2014/main" id="{0ABD61A2-ECDD-4A5C-8B2C-67D04DF1A4F8}"/>
               </a:ext>
             </a:extLst>
           </p:cNvPr>
@@ -6171,7 +6173,7 @@
           <p:cNvPr id="8" name="Rectangle 7">
             <a:extLst>
               <a:ext uri="{FF2B5EF4-FFF2-40B4-BE49-F238E27FC236}">
-                <a16:creationId xmlns:a16="http://schemas.microsoft.com/office/drawing/2014/main" xmlns="" id="{B8ECBD3F-E3E0-4AF7-9498-072C80E24DAF}"/>
+                <a16:creationId xmlns:a16="http://schemas.microsoft.com/office/drawing/2014/main" id="{B8ECBD3F-E3E0-4AF7-9498-072C80E24DAF}"/>
               </a:ext>
             </a:extLst>
           </p:cNvPr>
@@ -6213,7 +6215,7 @@
     </p:spTree>
     <p:extLst>
       <p:ext uri="{BB962C8B-B14F-4D97-AF65-F5344CB8AC3E}">
-        <p14:creationId xmlns:p14="http://schemas.microsoft.com/office/powerpoint/2010/main" xmlns="" val="2651013160"/>
+        <p14:creationId xmlns:p14="http://schemas.microsoft.com/office/powerpoint/2010/main" val="2651013160"/>
       </p:ext>
     </p:extLst>
   </p:cSld>
@@ -6536,7 +6538,7 @@
           <p:cNvPr id="2" name="Title 1">
             <a:extLst>
               <a:ext uri="{FF2B5EF4-FFF2-40B4-BE49-F238E27FC236}">
-                <a16:creationId xmlns:a16="http://schemas.microsoft.com/office/drawing/2014/main" xmlns="" id="{67B1F4F5-F0B9-4D17-9B31-DE22B611FFFE}"/>
+                <a16:creationId xmlns:a16="http://schemas.microsoft.com/office/drawing/2014/main" id="{67B1F4F5-F0B9-4D17-9B31-DE22B611FFFE}"/>
               </a:ext>
             </a:extLst>
           </p:cNvPr>
@@ -6570,7 +6572,7 @@
           <p:cNvPr id="3" name="Subtitle 2">
             <a:extLst>
               <a:ext uri="{FF2B5EF4-FFF2-40B4-BE49-F238E27FC236}">
-                <a16:creationId xmlns:a16="http://schemas.microsoft.com/office/drawing/2014/main" xmlns="" id="{B3F7542E-6F3A-4349-99DB-1F21ABC8470C}"/>
+                <a16:creationId xmlns:a16="http://schemas.microsoft.com/office/drawing/2014/main" id="{B3F7542E-6F3A-4349-99DB-1F21ABC8470C}"/>
               </a:ext>
             </a:extLst>
           </p:cNvPr>
@@ -6601,7 +6603,7 @@
           <p:cNvPr id="4" name="Picture 3">
             <a:extLst>
               <a:ext uri="{FF2B5EF4-FFF2-40B4-BE49-F238E27FC236}">
-                <a16:creationId xmlns:a16="http://schemas.microsoft.com/office/drawing/2014/main" xmlns="" id="{72CB8E91-B469-4BBE-8EE8-56242C4C092C}"/>
+                <a16:creationId xmlns:a16="http://schemas.microsoft.com/office/drawing/2014/main" id="{72CB8E91-B469-4BBE-8EE8-56242C4C092C}"/>
               </a:ext>
             </a:extLst>
           </p:cNvPr>
@@ -6629,7 +6631,7 @@
     </p:spTree>
     <p:extLst>
       <p:ext uri="{BB962C8B-B14F-4D97-AF65-F5344CB8AC3E}">
-        <p14:creationId xmlns:p14="http://schemas.microsoft.com/office/powerpoint/2010/main" xmlns="" val="108172572"/>
+        <p14:creationId xmlns:p14="http://schemas.microsoft.com/office/powerpoint/2010/main" val="108172572"/>
       </p:ext>
     </p:extLst>
   </p:cSld>
@@ -6661,7 +6663,7 @@
           <p:cNvPr id="2" name="Title 1">
             <a:extLst>
               <a:ext uri="{FF2B5EF4-FFF2-40B4-BE49-F238E27FC236}">
-                <a16:creationId xmlns:a16="http://schemas.microsoft.com/office/drawing/2014/main" xmlns="" id="{D7C84779-5F93-4DCC-86DF-8D79DEAEC374}"/>
+                <a16:creationId xmlns:a16="http://schemas.microsoft.com/office/drawing/2014/main" id="{D7C84779-5F93-4DCC-86DF-8D79DEAEC374}"/>
               </a:ext>
             </a:extLst>
           </p:cNvPr>
@@ -6690,7 +6692,7 @@
           <p:cNvPr id="9" name="Rectangle 8">
             <a:extLst>
               <a:ext uri="{FF2B5EF4-FFF2-40B4-BE49-F238E27FC236}">
-                <a16:creationId xmlns:a16="http://schemas.microsoft.com/office/drawing/2014/main" xmlns="" id="{09DF8025-61D7-487E-B878-BECE556123CE}"/>
+                <a16:creationId xmlns:a16="http://schemas.microsoft.com/office/drawing/2014/main" id="{09DF8025-61D7-487E-B878-BECE556123CE}"/>
               </a:ext>
             </a:extLst>
           </p:cNvPr>
@@ -6713,8 +6715,8 @@
           <a:lstStyle/>
           <a:p>
             <a:pPr marL="514350" indent="-514350">
-              <a:buFont typeface="Arial" panose="020B0604020202020204" pitchFamily="34" charset="0"/>
-              <a:buChar char="•"/>
+              <a:buFont typeface="+mj-lt"/>
+              <a:buAutoNum type="arabicPeriod"/>
             </a:pPr>
             <a:r>
               <a:rPr lang="en-US" sz="3200" dirty="0"/>
@@ -6728,8 +6730,8 @@
           </a:p>
           <a:p>
             <a:pPr marL="514350" indent="-514350">
-              <a:buFont typeface="Arial" panose="020B0604020202020204" pitchFamily="34" charset="0"/>
-              <a:buChar char="•"/>
+              <a:buFont typeface="+mj-lt"/>
+              <a:buAutoNum type="arabicPeriod"/>
             </a:pPr>
             <a:r>
               <a:rPr lang="en-US" altLang="zh-CN" sz="3200" dirty="0"/>
@@ -6743,8 +6745,8 @@
           </a:p>
           <a:p>
             <a:pPr marL="514350" indent="-514350">
-              <a:buFont typeface="Arial" panose="020B0604020202020204" pitchFamily="34" charset="0"/>
-              <a:buChar char="•"/>
+              <a:buFont typeface="+mj-lt"/>
+              <a:buAutoNum type="arabicPeriod"/>
             </a:pPr>
             <a:r>
               <a:rPr lang="zh-CN" altLang="en-US" sz="3200" dirty="0"/>
@@ -6761,8 +6763,8 @@
           </a:p>
           <a:p>
             <a:pPr marL="514350" indent="-514350">
-              <a:buFont typeface="Arial" panose="020B0604020202020204" pitchFamily="34" charset="0"/>
-              <a:buChar char="•"/>
+              <a:buFont typeface="+mj-lt"/>
+              <a:buAutoNum type="arabicPeriod"/>
             </a:pPr>
             <a:r>
               <a:rPr lang="en-US" altLang="zh-CN" sz="3200" dirty="0"/>
@@ -6784,8 +6786,8 @@
           </a:p>
           <a:p>
             <a:pPr marL="514350" indent="-514350">
-              <a:buFont typeface="Arial" panose="020B0604020202020204" pitchFamily="34" charset="0"/>
-              <a:buChar char="•"/>
+              <a:buFont typeface="+mj-lt"/>
+              <a:buAutoNum type="arabicPeriod"/>
             </a:pPr>
             <a:r>
               <a:rPr lang="en-US" altLang="zh-CN" sz="3200" dirty="0"/>
@@ -6818,8 +6820,8 @@
           </a:p>
           <a:p>
             <a:pPr marL="514350" indent="-514350">
-              <a:buFont typeface="Arial" panose="020B0604020202020204" pitchFamily="34" charset="0"/>
-              <a:buChar char="•"/>
+              <a:buFont typeface="+mj-lt"/>
+              <a:buAutoNum type="arabicPeriod"/>
             </a:pPr>
             <a:r>
               <a:rPr lang="en-US" altLang="zh-CN" sz="3200" dirty="0"/>
@@ -6909,7 +6911,7 @@
     </p:spTree>
     <p:extLst>
       <p:ext uri="{BB962C8B-B14F-4D97-AF65-F5344CB8AC3E}">
-        <p14:creationId xmlns:p14="http://schemas.microsoft.com/office/powerpoint/2010/main" xmlns="" val="1934937011"/>
+        <p14:creationId xmlns:p14="http://schemas.microsoft.com/office/powerpoint/2010/main" val="1934937011"/>
       </p:ext>
     </p:extLst>
   </p:cSld>
@@ -6941,7 +6943,7 @@
           <p:cNvPr id="2" name="Title 1">
             <a:extLst>
               <a:ext uri="{FF2B5EF4-FFF2-40B4-BE49-F238E27FC236}">
-                <a16:creationId xmlns:a16="http://schemas.microsoft.com/office/drawing/2014/main" xmlns="" id="{D7C84779-5F93-4DCC-86DF-8D79DEAEC374}"/>
+                <a16:creationId xmlns:a16="http://schemas.microsoft.com/office/drawing/2014/main" id="{D7C84779-5F93-4DCC-86DF-8D79DEAEC374}"/>
               </a:ext>
             </a:extLst>
           </p:cNvPr>
@@ -6974,7 +6976,7 @@
           <p:cNvPr id="9" name="Rectangle 8">
             <a:extLst>
               <a:ext uri="{FF2B5EF4-FFF2-40B4-BE49-F238E27FC236}">
-                <a16:creationId xmlns:a16="http://schemas.microsoft.com/office/drawing/2014/main" xmlns="" id="{09DF8025-61D7-487E-B878-BECE556123CE}"/>
+                <a16:creationId xmlns:a16="http://schemas.microsoft.com/office/drawing/2014/main" id="{09DF8025-61D7-487E-B878-BECE556123CE}"/>
               </a:ext>
             </a:extLst>
           </p:cNvPr>
@@ -7132,7 +7134,7 @@
     </p:spTree>
     <p:extLst>
       <p:ext uri="{BB962C8B-B14F-4D97-AF65-F5344CB8AC3E}">
-        <p14:creationId xmlns:p14="http://schemas.microsoft.com/office/powerpoint/2010/main" xmlns="" val="375138371"/>
+        <p14:creationId xmlns:p14="http://schemas.microsoft.com/office/powerpoint/2010/main" val="375138371"/>
       </p:ext>
     </p:extLst>
   </p:cSld>
@@ -7164,7 +7166,7 @@
           <p:cNvPr id="2" name="Title 1">
             <a:extLst>
               <a:ext uri="{FF2B5EF4-FFF2-40B4-BE49-F238E27FC236}">
-                <a16:creationId xmlns:a16="http://schemas.microsoft.com/office/drawing/2014/main" xmlns="" id="{D7C84779-5F93-4DCC-86DF-8D79DEAEC374}"/>
+                <a16:creationId xmlns:a16="http://schemas.microsoft.com/office/drawing/2014/main" id="{D7C84779-5F93-4DCC-86DF-8D79DEAEC374}"/>
               </a:ext>
             </a:extLst>
           </p:cNvPr>
@@ -7205,7 +7207,7 @@
           <p:cNvPr id="9" name="Rectangle 8">
             <a:extLst>
               <a:ext uri="{FF2B5EF4-FFF2-40B4-BE49-F238E27FC236}">
-                <a16:creationId xmlns:a16="http://schemas.microsoft.com/office/drawing/2014/main" xmlns="" id="{09DF8025-61D7-487E-B878-BECE556123CE}"/>
+                <a16:creationId xmlns:a16="http://schemas.microsoft.com/office/drawing/2014/main" id="{09DF8025-61D7-487E-B878-BECE556123CE}"/>
               </a:ext>
             </a:extLst>
           </p:cNvPr>
@@ -7360,7 +7362,7 @@
     </p:spTree>
     <p:extLst>
       <p:ext uri="{BB962C8B-B14F-4D97-AF65-F5344CB8AC3E}">
-        <p14:creationId xmlns:p14="http://schemas.microsoft.com/office/powerpoint/2010/main" xmlns="" val="375138371"/>
+        <p14:creationId xmlns:p14="http://schemas.microsoft.com/office/powerpoint/2010/main" val="375138371"/>
       </p:ext>
     </p:extLst>
   </p:cSld>
@@ -7392,7 +7394,7 @@
           <p:cNvPr id="2" name="Title 1">
             <a:extLst>
               <a:ext uri="{FF2B5EF4-FFF2-40B4-BE49-F238E27FC236}">
-                <a16:creationId xmlns:a16="http://schemas.microsoft.com/office/drawing/2014/main" xmlns="" id="{D7C84779-5F93-4DCC-86DF-8D79DEAEC374}"/>
+                <a16:creationId xmlns:a16="http://schemas.microsoft.com/office/drawing/2014/main" id="{D7C84779-5F93-4DCC-86DF-8D79DEAEC374}"/>
               </a:ext>
             </a:extLst>
           </p:cNvPr>
@@ -7453,7 +7455,7 @@
           <p:cNvPr id="9" name="Rectangle 8">
             <a:extLst>
               <a:ext uri="{FF2B5EF4-FFF2-40B4-BE49-F238E27FC236}">
-                <a16:creationId xmlns:a16="http://schemas.microsoft.com/office/drawing/2014/main" xmlns="" id="{09DF8025-61D7-487E-B878-BECE556123CE}"/>
+                <a16:creationId xmlns:a16="http://schemas.microsoft.com/office/drawing/2014/main" id="{09DF8025-61D7-487E-B878-BECE556123CE}"/>
               </a:ext>
             </a:extLst>
           </p:cNvPr>
@@ -7656,7 +7658,7 @@
     </p:spTree>
     <p:extLst>
       <p:ext uri="{BB962C8B-B14F-4D97-AF65-F5344CB8AC3E}">
-        <p14:creationId xmlns:p14="http://schemas.microsoft.com/office/powerpoint/2010/main" xmlns="" val="375138371"/>
+        <p14:creationId xmlns:p14="http://schemas.microsoft.com/office/powerpoint/2010/main" val="375138371"/>
       </p:ext>
     </p:extLst>
   </p:cSld>
@@ -7688,7 +7690,7 @@
           <p:cNvPr id="2" name="Title 1">
             <a:extLst>
               <a:ext uri="{FF2B5EF4-FFF2-40B4-BE49-F238E27FC236}">
-                <a16:creationId xmlns:a16="http://schemas.microsoft.com/office/drawing/2014/main" xmlns="" id="{D7C84779-5F93-4DCC-86DF-8D79DEAEC374}"/>
+                <a16:creationId xmlns:a16="http://schemas.microsoft.com/office/drawing/2014/main" id="{D7C84779-5F93-4DCC-86DF-8D79DEAEC374}"/>
               </a:ext>
             </a:extLst>
           </p:cNvPr>
@@ -7749,7 +7751,7 @@
           <p:cNvPr id="9" name="Rectangle 8">
             <a:extLst>
               <a:ext uri="{FF2B5EF4-FFF2-40B4-BE49-F238E27FC236}">
-                <a16:creationId xmlns:a16="http://schemas.microsoft.com/office/drawing/2014/main" xmlns="" id="{09DF8025-61D7-487E-B878-BECE556123CE}"/>
+                <a16:creationId xmlns:a16="http://schemas.microsoft.com/office/drawing/2014/main" id="{09DF8025-61D7-487E-B878-BECE556123CE}"/>
               </a:ext>
             </a:extLst>
           </p:cNvPr>
@@ -7993,7 +7995,7 @@
     </p:spTree>
     <p:extLst>
       <p:ext uri="{BB962C8B-B14F-4D97-AF65-F5344CB8AC3E}">
-        <p14:creationId xmlns:p14="http://schemas.microsoft.com/office/powerpoint/2010/main" xmlns="" val="375138371"/>
+        <p14:creationId xmlns:p14="http://schemas.microsoft.com/office/powerpoint/2010/main" val="375138371"/>
       </p:ext>
     </p:extLst>
   </p:cSld>
@@ -8025,7 +8027,7 @@
           <p:cNvPr id="2" name="Title 1">
             <a:extLst>
               <a:ext uri="{FF2B5EF4-FFF2-40B4-BE49-F238E27FC236}">
-                <a16:creationId xmlns:a16="http://schemas.microsoft.com/office/drawing/2014/main" xmlns="" id="{D7C84779-5F93-4DCC-86DF-8D79DEAEC374}"/>
+                <a16:creationId xmlns:a16="http://schemas.microsoft.com/office/drawing/2014/main" id="{D7C84779-5F93-4DCC-86DF-8D79DEAEC374}"/>
               </a:ext>
             </a:extLst>
           </p:cNvPr>
@@ -8062,7 +8064,7 @@
           <p:cNvPr id="9" name="Rectangle 8">
             <a:extLst>
               <a:ext uri="{FF2B5EF4-FFF2-40B4-BE49-F238E27FC236}">
-                <a16:creationId xmlns:a16="http://schemas.microsoft.com/office/drawing/2014/main" xmlns="" id="{09DF8025-61D7-487E-B878-BECE556123CE}"/>
+                <a16:creationId xmlns:a16="http://schemas.microsoft.com/office/drawing/2014/main" id="{09DF8025-61D7-487E-B878-BECE556123CE}"/>
               </a:ext>
             </a:extLst>
           </p:cNvPr>
@@ -8248,7 +8250,7 @@
     </p:spTree>
     <p:extLst>
       <p:ext uri="{BB962C8B-B14F-4D97-AF65-F5344CB8AC3E}">
-        <p14:creationId xmlns:p14="http://schemas.microsoft.com/office/powerpoint/2010/main" xmlns="" val="3308199554"/>
+        <p14:creationId xmlns:p14="http://schemas.microsoft.com/office/powerpoint/2010/main" val="3308199554"/>
       </p:ext>
     </p:extLst>
   </p:cSld>
@@ -8280,7 +8282,7 @@
           <p:cNvPr id="2" name="Title 1">
             <a:extLst>
               <a:ext uri="{FF2B5EF4-FFF2-40B4-BE49-F238E27FC236}">
-                <a16:creationId xmlns:a16="http://schemas.microsoft.com/office/drawing/2014/main" xmlns="" id="{D7C84779-5F93-4DCC-86DF-8D79DEAEC374}"/>
+                <a16:creationId xmlns:a16="http://schemas.microsoft.com/office/drawing/2014/main" id="{D7C84779-5F93-4DCC-86DF-8D79DEAEC374}"/>
               </a:ext>
             </a:extLst>
           </p:cNvPr>
@@ -8317,7 +8319,7 @@
           <p:cNvPr id="9" name="Rectangle 8">
             <a:extLst>
               <a:ext uri="{FF2B5EF4-FFF2-40B4-BE49-F238E27FC236}">
-                <a16:creationId xmlns:a16="http://schemas.microsoft.com/office/drawing/2014/main" xmlns="" id="{09DF8025-61D7-487E-B878-BECE556123CE}"/>
+                <a16:creationId xmlns:a16="http://schemas.microsoft.com/office/drawing/2014/main" id="{09DF8025-61D7-487E-B878-BECE556123CE}"/>
               </a:ext>
             </a:extLst>
           </p:cNvPr>
@@ -8364,7 +8366,7 @@
           <p:cNvPr id="6" name="Picture 5">
             <a:extLst>
               <a:ext uri="{FF2B5EF4-FFF2-40B4-BE49-F238E27FC236}">
-                <a16:creationId xmlns:a16="http://schemas.microsoft.com/office/drawing/2014/main" xmlns="" id="{803B6F91-4E64-444F-A565-D062A84CD754}"/>
+                <a16:creationId xmlns:a16="http://schemas.microsoft.com/office/drawing/2014/main" id="{803B6F91-4E64-444F-A565-D062A84CD754}"/>
               </a:ext>
             </a:extLst>
           </p:cNvPr>
@@ -8392,7 +8394,7 @@
     </p:spTree>
     <p:extLst>
       <p:ext uri="{BB962C8B-B14F-4D97-AF65-F5344CB8AC3E}">
-        <p14:creationId xmlns:p14="http://schemas.microsoft.com/office/powerpoint/2010/main" xmlns="" val="2622786567"/>
+        <p14:creationId xmlns:p14="http://schemas.microsoft.com/office/powerpoint/2010/main" val="2622786567"/>
       </p:ext>
     </p:extLst>
   </p:cSld>
@@ -8424,7 +8426,7 @@
           <p:cNvPr id="2" name="Title 1">
             <a:extLst>
               <a:ext uri="{FF2B5EF4-FFF2-40B4-BE49-F238E27FC236}">
-                <a16:creationId xmlns:a16="http://schemas.microsoft.com/office/drawing/2014/main" xmlns="" id="{D7C84779-5F93-4DCC-86DF-8D79DEAEC374}"/>
+                <a16:creationId xmlns:a16="http://schemas.microsoft.com/office/drawing/2014/main" id="{D7C84779-5F93-4DCC-86DF-8D79DEAEC374}"/>
               </a:ext>
             </a:extLst>
           </p:cNvPr>
@@ -8461,7 +8463,7 @@
           <p:cNvPr id="9" name="Rectangle 8">
             <a:extLst>
               <a:ext uri="{FF2B5EF4-FFF2-40B4-BE49-F238E27FC236}">
-                <a16:creationId xmlns:a16="http://schemas.microsoft.com/office/drawing/2014/main" xmlns="" id="{09DF8025-61D7-487E-B878-BECE556123CE}"/>
+                <a16:creationId xmlns:a16="http://schemas.microsoft.com/office/drawing/2014/main" id="{09DF8025-61D7-487E-B878-BECE556123CE}"/>
               </a:ext>
             </a:extLst>
           </p:cNvPr>
@@ -8529,7 +8531,7 @@
           <p:cNvPr id="4" name="Picture 3">
             <a:extLst>
               <a:ext uri="{FF2B5EF4-FFF2-40B4-BE49-F238E27FC236}">
-                <a16:creationId xmlns:a16="http://schemas.microsoft.com/office/drawing/2014/main" xmlns="" id="{0B95BE6B-4050-4C7D-BAE9-3F7AADB1AC9C}"/>
+                <a16:creationId xmlns:a16="http://schemas.microsoft.com/office/drawing/2014/main" id="{0B95BE6B-4050-4C7D-BAE9-3F7AADB1AC9C}"/>
               </a:ext>
             </a:extLst>
           </p:cNvPr>
@@ -8557,7 +8559,7 @@
     </p:spTree>
     <p:extLst>
       <p:ext uri="{BB962C8B-B14F-4D97-AF65-F5344CB8AC3E}">
-        <p14:creationId xmlns:p14="http://schemas.microsoft.com/office/powerpoint/2010/main" xmlns="" val="2066996563"/>
+        <p14:creationId xmlns:p14="http://schemas.microsoft.com/office/powerpoint/2010/main" val="2066996563"/>
       </p:ext>
     </p:extLst>
   </p:cSld>
@@ -8589,7 +8591,7 @@
           <p:cNvPr id="2" name="Title 1">
             <a:extLst>
               <a:ext uri="{FF2B5EF4-FFF2-40B4-BE49-F238E27FC236}">
-                <a16:creationId xmlns:a16="http://schemas.microsoft.com/office/drawing/2014/main" xmlns="" id="{D7C84779-5F93-4DCC-86DF-8D79DEAEC374}"/>
+                <a16:creationId xmlns:a16="http://schemas.microsoft.com/office/drawing/2014/main" id="{D7C84779-5F93-4DCC-86DF-8D79DEAEC374}"/>
               </a:ext>
             </a:extLst>
           </p:cNvPr>
@@ -8622,7 +8624,7 @@
           <p:cNvPr id="9" name="Content Placeholder 8">
             <a:extLst>
               <a:ext uri="{FF2B5EF4-FFF2-40B4-BE49-F238E27FC236}">
-                <a16:creationId xmlns:a16="http://schemas.microsoft.com/office/drawing/2014/main" xmlns="" id="{8CA4467B-1621-4762-8082-EDC139BD03F4}"/>
+                <a16:creationId xmlns:a16="http://schemas.microsoft.com/office/drawing/2014/main" id="{8CA4467B-1621-4762-8082-EDC139BD03F4}"/>
               </a:ext>
             </a:extLst>
           </p:cNvPr>
@@ -8671,6 +8673,14 @@
               </a:rPr>
               <a:t>https://talks.golang.org/2012/concurrency.slide#42</a:t>
             </a:r>
+            <a:r>
+              <a:rPr lang="en-US" sz="2000" dirty="0"/>
+              <a:t>  </a:t>
+            </a:r>
+            <a:r>
+              <a:rPr lang="zh-CN" altLang="en-US" sz="2000" dirty="0"/>
+              <a:t>要翻墙</a:t>
+            </a:r>
             <a:endParaRPr lang="en-US" sz="2000" dirty="0"/>
           </a:p>
           <a:p>
@@ -8684,7 +8694,7 @@
     </p:spTree>
     <p:extLst>
       <p:ext uri="{BB962C8B-B14F-4D97-AF65-F5344CB8AC3E}">
-        <p14:creationId xmlns:p14="http://schemas.microsoft.com/office/powerpoint/2010/main" xmlns="" val="1408701152"/>
+        <p14:creationId xmlns:p14="http://schemas.microsoft.com/office/powerpoint/2010/main" val="1408701152"/>
       </p:ext>
     </p:extLst>
   </p:cSld>
@@ -8716,7 +8726,7 @@
           <p:cNvPr id="2" name="Title 1">
             <a:extLst>
               <a:ext uri="{FF2B5EF4-FFF2-40B4-BE49-F238E27FC236}">
-                <a16:creationId xmlns:a16="http://schemas.microsoft.com/office/drawing/2014/main" xmlns="" id="{D7C84779-5F93-4DCC-86DF-8D79DEAEC374}"/>
+                <a16:creationId xmlns:a16="http://schemas.microsoft.com/office/drawing/2014/main" id="{D7C84779-5F93-4DCC-86DF-8D79DEAEC374}"/>
               </a:ext>
             </a:extLst>
           </p:cNvPr>
@@ -8758,7 +8768,7 @@
           <p:cNvPr id="9" name="Content Placeholder 8">
             <a:extLst>
               <a:ext uri="{FF2B5EF4-FFF2-40B4-BE49-F238E27FC236}">
-                <a16:creationId xmlns:a16="http://schemas.microsoft.com/office/drawing/2014/main" xmlns="" id="{8CA4467B-1621-4762-8082-EDC139BD03F4}"/>
+                <a16:creationId xmlns:a16="http://schemas.microsoft.com/office/drawing/2014/main" id="{8CA4467B-1621-4762-8082-EDC139BD03F4}"/>
               </a:ext>
             </a:extLst>
           </p:cNvPr>
@@ -8774,6 +8784,10 @@
           <a:bodyPr/>
           <a:lstStyle/>
           <a:p>
+            <a:pPr marL="514350" indent="-514350">
+              <a:buFont typeface="+mj-lt"/>
+              <a:buAutoNum type="arabicPeriod"/>
+            </a:pPr>
             <a:r>
               <a:rPr lang="zh-CN" altLang="en-US" dirty="0"/>
               <a:t>如何支持高并发？</a:t>
@@ -8781,6 +8795,10 @@
             <a:endParaRPr lang="en-US" altLang="zh-CN" dirty="0"/>
           </a:p>
           <a:p>
+            <a:pPr marL="514350" indent="-514350">
+              <a:buFont typeface="+mj-lt"/>
+              <a:buAutoNum type="arabicPeriod"/>
+            </a:pPr>
             <a:r>
               <a:rPr lang="en-US" altLang="zh-CN" dirty="0"/>
               <a:t>C10K</a:t>
@@ -8802,6 +8820,10 @@
             <a:endParaRPr lang="en-US" altLang="zh-CN" dirty="0"/>
           </a:p>
           <a:p>
+            <a:pPr marL="514350" indent="-514350">
+              <a:buFont typeface="+mj-lt"/>
+              <a:buAutoNum type="arabicPeriod"/>
+            </a:pPr>
             <a:r>
               <a:rPr lang="en-US" altLang="zh-CN" dirty="0"/>
               <a:t>IO</a:t>
@@ -8814,6 +8836,60 @@
               <a:rPr lang="en-US" altLang="zh-CN" dirty="0"/>
               <a:t> </a:t>
             </a:r>
+          </a:p>
+          <a:p>
+            <a:pPr marL="514350" indent="-514350">
+              <a:buFont typeface="+mj-lt"/>
+              <a:buAutoNum type="arabicPeriod"/>
+            </a:pPr>
+            <a:r>
+              <a:rPr lang="zh-CN" altLang="en-US" dirty="0"/>
+              <a:t>单台服务器能处理的连接数与机器性能不是线性</a:t>
+            </a:r>
+            <a:r>
+              <a:rPr lang="en-US" altLang="zh-CN" dirty="0"/>
+              <a:t>O(N)</a:t>
+            </a:r>
+            <a:r>
+              <a:rPr lang="zh-CN" altLang="en-US" dirty="0"/>
+              <a:t>的关系</a:t>
+            </a:r>
+            <a:endParaRPr lang="en-US" altLang="zh-CN" dirty="0"/>
+          </a:p>
+          <a:p>
+            <a:pPr marL="514350" indent="-514350">
+              <a:buFont typeface="+mj-lt"/>
+              <a:buAutoNum type="arabicPeriod"/>
+            </a:pPr>
+            <a:r>
+              <a:rPr lang="zh-CN" altLang="en-US" dirty="0"/>
+              <a:t>进程线程多了，数据拷贝频繁（缓存</a:t>
+            </a:r>
+            <a:r>
+              <a:rPr lang="en-US" altLang="zh-CN" dirty="0"/>
+              <a:t>I/O</a:t>
+            </a:r>
+            <a:r>
+              <a:rPr lang="zh-CN" altLang="en-US" dirty="0"/>
+              <a:t>、内核将数据拷贝到用户进程空间、阻塞）， 进程</a:t>
+            </a:r>
+            <a:r>
+              <a:rPr lang="en-US" altLang="zh-CN" dirty="0"/>
+              <a:t>/</a:t>
+            </a:r>
+            <a:r>
+              <a:rPr lang="zh-CN" altLang="en-US" dirty="0"/>
+              <a:t>线程上下文切换消耗大， 导致操作系统崩溃，这就是</a:t>
+            </a:r>
+            <a:r>
+              <a:rPr lang="en-US" altLang="zh-CN" dirty="0"/>
+              <a:t>C10K</a:t>
+            </a:r>
+            <a:r>
+              <a:rPr lang="zh-CN" altLang="en-US" dirty="0"/>
+              <a:t>问题的本质。</a:t>
+            </a:r>
+            <a:endParaRPr lang="en-US" altLang="zh-CN" dirty="0"/>
           </a:p>
           <a:p>
             <a:endParaRPr lang="en-US" dirty="0"/>
@@ -8823,7 +8899,7 @@
     </p:spTree>
     <p:extLst>
       <p:ext uri="{BB962C8B-B14F-4D97-AF65-F5344CB8AC3E}">
-        <p14:creationId xmlns:p14="http://schemas.microsoft.com/office/powerpoint/2010/main" xmlns="" val="1667030114"/>
+        <p14:creationId xmlns:p14="http://schemas.microsoft.com/office/powerpoint/2010/main" val="1667030114"/>
       </p:ext>
     </p:extLst>
   </p:cSld>
@@ -8855,7 +8931,7 @@
           <p:cNvPr id="2" name="Title 1">
             <a:extLst>
               <a:ext uri="{FF2B5EF4-FFF2-40B4-BE49-F238E27FC236}">
-                <a16:creationId xmlns:a16="http://schemas.microsoft.com/office/drawing/2014/main" xmlns="" id="{8342A161-B3E9-4758-A71C-0474D4118B56}"/>
+                <a16:creationId xmlns:a16="http://schemas.microsoft.com/office/drawing/2014/main" id="{8342A161-B3E9-4758-A71C-0474D4118B56}"/>
               </a:ext>
             </a:extLst>
           </p:cNvPr>
@@ -8883,7 +8959,7 @@
           <p:cNvPr id="3" name="Content Placeholder 2">
             <a:extLst>
               <a:ext uri="{FF2B5EF4-FFF2-40B4-BE49-F238E27FC236}">
-                <a16:creationId xmlns:a16="http://schemas.microsoft.com/office/drawing/2014/main" xmlns="" id="{EFC431BF-252A-4742-96DF-4B53752625D3}"/>
+                <a16:creationId xmlns:a16="http://schemas.microsoft.com/office/drawing/2014/main" id="{EFC431BF-252A-4742-96DF-4B53752625D3}"/>
               </a:ext>
             </a:extLst>
           </p:cNvPr>
@@ -8906,135 +8982,287 @@
           </a:bodyPr>
           <a:lstStyle/>
           <a:p>
-            <a:r>
-              <a:rPr lang="zh-CN" altLang="en-US" dirty="0"/>
+            <a:pPr marL="514350" indent="-514350">
+              <a:buFont typeface="+mj-lt"/>
+              <a:buAutoNum type="arabicPeriod"/>
+            </a:pPr>
+            <a:r>
+              <a:rPr lang="zh-CN" altLang="en-US" dirty="0">
+                <a:solidFill>
+                  <a:srgbClr val="7030A0"/>
+                </a:solidFill>
+              </a:rPr>
               <a:t>从一个</a:t>
             </a:r>
             <a:r>
-              <a:rPr lang="en-US" altLang="zh-CN" dirty="0"/>
+              <a:rPr lang="en-US" altLang="zh-CN" dirty="0">
+                <a:solidFill>
+                  <a:srgbClr val="7030A0"/>
+                </a:solidFill>
+              </a:rPr>
               <a:t>RPC</a:t>
             </a:r>
             <a:r>
-              <a:rPr lang="zh-CN" altLang="en-US" dirty="0"/>
+              <a:rPr lang="zh-CN" altLang="en-US" dirty="0">
+                <a:solidFill>
+                  <a:srgbClr val="7030A0"/>
+                </a:solidFill>
+              </a:rPr>
               <a:t> 调用说起</a:t>
             </a:r>
-            <a:endParaRPr lang="en-US" altLang="zh-CN" dirty="0"/>
-          </a:p>
-          <a:p>
-            <a:r>
-              <a:rPr lang="zh-CN" altLang="en-US" dirty="0"/>
+            <a:endParaRPr lang="en-US" altLang="zh-CN" dirty="0">
+              <a:solidFill>
+                <a:srgbClr val="7030A0"/>
+              </a:solidFill>
+            </a:endParaRPr>
+          </a:p>
+          <a:p>
+            <a:pPr marL="514350" indent="-514350">
+              <a:buFont typeface="+mj-lt"/>
+              <a:buAutoNum type="arabicPeriod"/>
+            </a:pPr>
+            <a:r>
+              <a:rPr lang="zh-CN" altLang="en-US" dirty="0">
+                <a:solidFill>
+                  <a:srgbClr val="7030A0"/>
+                </a:solidFill>
+              </a:rPr>
               <a:t>初识</a:t>
             </a:r>
             <a:r>
-              <a:rPr lang="en-US" dirty="0"/>
+              <a:rPr lang="en-US" dirty="0">
+                <a:solidFill>
+                  <a:srgbClr val="7030A0"/>
+                </a:solidFill>
+              </a:rPr>
               <a:t>Goroutine </a:t>
             </a:r>
           </a:p>
           <a:p>
-            <a:r>
-              <a:rPr lang="en-US" dirty="0"/>
+            <a:pPr marL="514350" indent="-514350">
+              <a:buFont typeface="+mj-lt"/>
+              <a:buAutoNum type="arabicPeriod"/>
+            </a:pPr>
+            <a:r>
+              <a:rPr lang="en-US" dirty="0">
+                <a:solidFill>
+                  <a:srgbClr val="0070C0"/>
+                </a:solidFill>
+              </a:rPr>
               <a:t>Channel </a:t>
             </a:r>
             <a:r>
-              <a:rPr lang="zh-CN" altLang="en-US" dirty="0"/>
+              <a:rPr lang="zh-CN" altLang="en-US" dirty="0">
+                <a:solidFill>
+                  <a:srgbClr val="0070C0"/>
+                </a:solidFill>
+              </a:rPr>
               <a:t>通道</a:t>
             </a:r>
-            <a:endParaRPr lang="en-US" altLang="zh-CN" dirty="0"/>
+            <a:endParaRPr lang="en-US" altLang="zh-CN" dirty="0">
+              <a:solidFill>
+                <a:srgbClr val="0070C0"/>
+              </a:solidFill>
+            </a:endParaRPr>
           </a:p>
           <a:p>
             <a:pPr lvl="1"/>
             <a:r>
-              <a:rPr lang="zh-CN" altLang="en-US" dirty="0"/>
+              <a:rPr lang="zh-CN" altLang="en-US" dirty="0">
+                <a:solidFill>
+                  <a:srgbClr val="0070C0"/>
+                </a:solidFill>
+              </a:rPr>
               <a:t>方向，类型，阻塞，</a:t>
             </a:r>
             <a:r>
-              <a:rPr lang="en-US" altLang="zh-CN" dirty="0"/>
+              <a:rPr lang="en-US" altLang="zh-CN" dirty="0">
+                <a:solidFill>
+                  <a:srgbClr val="0070C0"/>
+                </a:solidFill>
+              </a:rPr>
               <a:t>Ticker </a:t>
             </a:r>
             <a:r>
-              <a:rPr lang="zh-CN" altLang="en-US" dirty="0"/>
+              <a:rPr lang="zh-CN" altLang="en-US" dirty="0">
+                <a:solidFill>
+                  <a:srgbClr val="0070C0"/>
+                </a:solidFill>
+              </a:rPr>
               <a:t>打点器</a:t>
             </a:r>
-            <a:endParaRPr lang="en-US" altLang="zh-CN" dirty="0"/>
+            <a:endParaRPr lang="en-US" altLang="zh-CN" dirty="0">
+              <a:solidFill>
+                <a:srgbClr val="0070C0"/>
+              </a:solidFill>
+            </a:endParaRPr>
           </a:p>
           <a:p>
             <a:pPr lvl="1"/>
             <a:r>
-              <a:rPr lang="zh-CN" altLang="en-US" dirty="0"/>
+              <a:rPr lang="zh-CN" altLang="en-US" dirty="0">
+                <a:solidFill>
+                  <a:srgbClr val="0070C0"/>
+                </a:solidFill>
+              </a:rPr>
               <a:t>缓冲</a:t>
             </a:r>
             <a:r>
-              <a:rPr lang="en-US" altLang="zh-CN" dirty="0"/>
+              <a:rPr lang="en-US" altLang="zh-CN" dirty="0">
+                <a:solidFill>
+                  <a:srgbClr val="0070C0"/>
+                </a:solidFill>
+              </a:rPr>
               <a:t>Channel</a:t>
             </a:r>
           </a:p>
           <a:p>
             <a:pPr lvl="1"/>
             <a:r>
-              <a:rPr lang="zh-CN" altLang="en-US" dirty="0"/>
+              <a:rPr lang="zh-CN" altLang="en-US" dirty="0">
+                <a:solidFill>
+                  <a:srgbClr val="0070C0"/>
+                </a:solidFill>
+              </a:rPr>
               <a:t>把</a:t>
             </a:r>
             <a:r>
-              <a:rPr lang="en-US" altLang="zh-CN" dirty="0"/>
+              <a:rPr lang="en-US" altLang="zh-CN" dirty="0">
+                <a:solidFill>
+                  <a:srgbClr val="0070C0"/>
+                </a:solidFill>
+              </a:rPr>
               <a:t>Channel</a:t>
             </a:r>
             <a:r>
-              <a:rPr lang="zh-CN" altLang="en-US" dirty="0"/>
+              <a:rPr lang="zh-CN" altLang="en-US" dirty="0">
+                <a:solidFill>
+                  <a:srgbClr val="0070C0"/>
+                </a:solidFill>
+              </a:rPr>
               <a:t>当作消息队列  </a:t>
             </a:r>
             <a:r>
-              <a:rPr lang="en-US" altLang="zh-CN" dirty="0"/>
+              <a:rPr lang="en-US" altLang="zh-CN" dirty="0">
+                <a:solidFill>
+                  <a:srgbClr val="0070C0"/>
+                </a:solidFill>
+              </a:rPr>
               <a:t>1:1,</a:t>
             </a:r>
             <a:r>
-              <a:rPr lang="zh-CN" altLang="en-US" dirty="0"/>
+              <a:rPr lang="zh-CN" altLang="en-US" dirty="0">
+                <a:solidFill>
+                  <a:srgbClr val="0070C0"/>
+                </a:solidFill>
+              </a:rPr>
               <a:t> </a:t>
             </a:r>
             <a:r>
-              <a:rPr lang="en-US" altLang="zh-CN" dirty="0"/>
+              <a:rPr lang="en-US" altLang="zh-CN" dirty="0">
+                <a:solidFill>
+                  <a:srgbClr val="0070C0"/>
+                </a:solidFill>
+              </a:rPr>
               <a:t>N:1, 1:N</a:t>
             </a:r>
-            <a:endParaRPr lang="en-US" dirty="0"/>
-          </a:p>
-          <a:p>
-            <a:r>
-              <a:rPr lang="en-US" dirty="0"/>
+            <a:endParaRPr lang="en-US" dirty="0">
+              <a:solidFill>
+                <a:srgbClr val="0070C0"/>
+              </a:solidFill>
+            </a:endParaRPr>
+          </a:p>
+          <a:p>
+            <a:pPr marL="514350" indent="-514350">
+              <a:buFont typeface="+mj-lt"/>
+              <a:buAutoNum type="arabicPeriod"/>
+            </a:pPr>
+            <a:r>
+              <a:rPr lang="en-US" dirty="0">
+                <a:solidFill>
+                  <a:srgbClr val="0070C0"/>
+                </a:solidFill>
+              </a:rPr>
               <a:t>Sync</a:t>
             </a:r>
             <a:r>
-              <a:rPr lang="zh-CN" altLang="en-US" dirty="0"/>
+              <a:rPr lang="zh-CN" altLang="en-US" dirty="0">
+                <a:solidFill>
+                  <a:srgbClr val="0070C0"/>
+                </a:solidFill>
+              </a:rPr>
               <a:t>包 </a:t>
             </a:r>
-            <a:endParaRPr lang="en-US" altLang="zh-CN" dirty="0"/>
-          </a:p>
-          <a:p>
-            <a:r>
-              <a:rPr lang="en-US" dirty="0"/>
+            <a:endParaRPr lang="en-US" altLang="zh-CN" dirty="0">
+              <a:solidFill>
+                <a:srgbClr val="0070C0"/>
+              </a:solidFill>
+            </a:endParaRPr>
+          </a:p>
+          <a:p>
+            <a:pPr marL="514350" indent="-514350">
+              <a:buFont typeface="+mj-lt"/>
+              <a:buAutoNum type="arabicPeriod"/>
+            </a:pPr>
+            <a:r>
+              <a:rPr lang="en-US" dirty="0">
+                <a:solidFill>
+                  <a:srgbClr val="0070C0"/>
+                </a:solidFill>
+              </a:rPr>
               <a:t>Select: </a:t>
             </a:r>
             <a:r>
-              <a:rPr lang="zh-CN" altLang="en-US" dirty="0"/>
+              <a:rPr lang="zh-CN" altLang="en-US" dirty="0">
+                <a:solidFill>
+                  <a:srgbClr val="0070C0"/>
+                </a:solidFill>
+              </a:rPr>
               <a:t>随机或竞赛</a:t>
             </a:r>
             <a:r>
-              <a:rPr lang="en-US" altLang="zh-CN" dirty="0"/>
+              <a:rPr lang="en-US" altLang="zh-CN" dirty="0">
+                <a:solidFill>
+                  <a:srgbClr val="0070C0"/>
+                </a:solidFill>
+              </a:rPr>
               <a:t>/</a:t>
             </a:r>
             <a:r>
-              <a:rPr lang="zh-CN" altLang="en-US" dirty="0"/>
+              <a:rPr lang="zh-CN" altLang="en-US" dirty="0">
+                <a:solidFill>
+                  <a:srgbClr val="0070C0"/>
+                </a:solidFill>
+              </a:rPr>
               <a:t>扇入</a:t>
             </a:r>
             <a:r>
-              <a:rPr lang="en-US" altLang="zh-CN" dirty="0"/>
+              <a:rPr lang="en-US" altLang="zh-CN" dirty="0">
+                <a:solidFill>
+                  <a:srgbClr val="0070C0"/>
+                </a:solidFill>
+              </a:rPr>
               <a:t>/</a:t>
             </a:r>
             <a:r>
-              <a:rPr lang="zh-CN" altLang="en-US" dirty="0"/>
+              <a:rPr lang="zh-CN" altLang="en-US" dirty="0">
+                <a:solidFill>
+                  <a:srgbClr val="0070C0"/>
+                </a:solidFill>
+              </a:rPr>
               <a:t>超时</a:t>
             </a:r>
-            <a:endParaRPr lang="en-US" dirty="0"/>
-          </a:p>
-          <a:p>
+            <a:endParaRPr lang="en-US" dirty="0">
+              <a:solidFill>
+                <a:srgbClr val="0070C0"/>
+              </a:solidFill>
+            </a:endParaRPr>
+          </a:p>
+          <a:p>
+            <a:pPr marL="514350" indent="-514350">
+              <a:buFont typeface="+mj-lt"/>
+              <a:buAutoNum type="arabicPeriod"/>
+            </a:pPr>
             <a:r>
               <a:rPr lang="en-US" altLang="zh-CN" dirty="0"/>
               <a:t>Golang</a:t>
@@ -9050,28 +9278,64 @@
             <a:endParaRPr lang="en-US" dirty="0"/>
           </a:p>
           <a:p>
-            <a:r>
-              <a:rPr lang="zh-CN" altLang="en-US" dirty="0"/>
+            <a:pPr marL="514350" indent="-514350">
+              <a:buFont typeface="+mj-lt"/>
+              <a:buAutoNum type="arabicPeriod"/>
+            </a:pPr>
+            <a:r>
+              <a:rPr lang="zh-CN" altLang="en-US" dirty="0">
+                <a:solidFill>
+                  <a:srgbClr val="00B050"/>
+                </a:solidFill>
+              </a:rPr>
               <a:t>并发</a:t>
             </a:r>
             <a:r>
-              <a:rPr lang="en-US" altLang="zh-CN" dirty="0"/>
+              <a:rPr lang="en-US" altLang="zh-CN" dirty="0">
+                <a:solidFill>
+                  <a:srgbClr val="00B050"/>
+                </a:solidFill>
+              </a:rPr>
               <a:t>/IO/</a:t>
             </a:r>
             <a:r>
-              <a:rPr lang="zh-CN" altLang="en-US" dirty="0"/>
+              <a:rPr lang="zh-CN" altLang="en-US" dirty="0">
+                <a:solidFill>
+                  <a:srgbClr val="00B050"/>
+                </a:solidFill>
+              </a:rPr>
               <a:t>与线程管理</a:t>
             </a:r>
-            <a:endParaRPr lang="en-US" altLang="zh-CN" dirty="0"/>
-          </a:p>
-          <a:p>
-            <a:r>
-              <a:rPr lang="zh-CN" altLang="en-US" dirty="0"/>
+            <a:endParaRPr lang="en-US" altLang="zh-CN" dirty="0">
+              <a:solidFill>
+                <a:srgbClr val="00B050"/>
+              </a:solidFill>
+            </a:endParaRPr>
+          </a:p>
+          <a:p>
+            <a:pPr marL="514350" indent="-514350">
+              <a:buFont typeface="+mj-lt"/>
+              <a:buAutoNum type="arabicPeriod"/>
+            </a:pPr>
+            <a:r>
+              <a:rPr lang="zh-CN" altLang="en-US" dirty="0">
+                <a:solidFill>
+                  <a:srgbClr val="00B050"/>
+                </a:solidFill>
+              </a:rPr>
               <a:t>个人有感</a:t>
             </a:r>
-            <a:endParaRPr lang="en-US" dirty="0"/>
-          </a:p>
-          <a:p>
+            <a:endParaRPr lang="en-US" dirty="0">
+              <a:solidFill>
+                <a:srgbClr val="00B050"/>
+              </a:solidFill>
+            </a:endParaRPr>
+          </a:p>
+          <a:p>
+            <a:pPr marL="514350" indent="-514350">
+              <a:buFont typeface="+mj-lt"/>
+              <a:buAutoNum type="arabicPeriod"/>
+            </a:pPr>
             <a:r>
               <a:rPr lang="en-US" dirty="0"/>
               <a:t>Appendixes</a:t>
@@ -9107,7 +9371,7 @@
     </p:spTree>
     <p:extLst>
       <p:ext uri="{BB962C8B-B14F-4D97-AF65-F5344CB8AC3E}">
-        <p14:creationId xmlns:p14="http://schemas.microsoft.com/office/powerpoint/2010/main" xmlns="" val="3122889517"/>
+        <p14:creationId xmlns:p14="http://schemas.microsoft.com/office/powerpoint/2010/main" val="3122889517"/>
       </p:ext>
     </p:extLst>
   </p:cSld>
@@ -9139,7 +9403,7 @@
           <p:cNvPr id="2" name="Title 1">
             <a:extLst>
               <a:ext uri="{FF2B5EF4-FFF2-40B4-BE49-F238E27FC236}">
-                <a16:creationId xmlns:a16="http://schemas.microsoft.com/office/drawing/2014/main" xmlns="" id="{D7C84779-5F93-4DCC-86DF-8D79DEAEC374}"/>
+                <a16:creationId xmlns:a16="http://schemas.microsoft.com/office/drawing/2014/main" id="{D7C84779-5F93-4DCC-86DF-8D79DEAEC374}"/>
               </a:ext>
             </a:extLst>
           </p:cNvPr>
@@ -9173,7 +9437,7 @@
           <p:cNvPr id="5" name="Content Placeholder 4">
             <a:extLst>
               <a:ext uri="{FF2B5EF4-FFF2-40B4-BE49-F238E27FC236}">
-                <a16:creationId xmlns:a16="http://schemas.microsoft.com/office/drawing/2014/main" xmlns="" id="{7A7E2851-6141-4C9C-BEEC-09785EFD900F}"/>
+                <a16:creationId xmlns:a16="http://schemas.microsoft.com/office/drawing/2014/main" id="{7A7E2851-6141-4C9C-BEEC-09785EFD900F}"/>
               </a:ext>
             </a:extLst>
           </p:cNvPr>
@@ -9210,7 +9474,7 @@
           <p:cNvPr id="6" name="Picture 5">
             <a:extLst>
               <a:ext uri="{FF2B5EF4-FFF2-40B4-BE49-F238E27FC236}">
-                <a16:creationId xmlns:a16="http://schemas.microsoft.com/office/drawing/2014/main" xmlns="" id="{429D6416-EC50-4351-8EA4-ED041C732EDD}"/>
+                <a16:creationId xmlns:a16="http://schemas.microsoft.com/office/drawing/2014/main" id="{429D6416-EC50-4351-8EA4-ED041C732EDD}"/>
               </a:ext>
             </a:extLst>
           </p:cNvPr>
@@ -9238,7 +9502,7 @@
     </p:spTree>
     <p:extLst>
       <p:ext uri="{BB962C8B-B14F-4D97-AF65-F5344CB8AC3E}">
-        <p14:creationId xmlns:p14="http://schemas.microsoft.com/office/powerpoint/2010/main" xmlns="" val="2616448833"/>
+        <p14:creationId xmlns:p14="http://schemas.microsoft.com/office/powerpoint/2010/main" val="2616448833"/>
       </p:ext>
     </p:extLst>
   </p:cSld>
@@ -9270,7 +9534,7 @@
           <p:cNvPr id="2" name="Title 1">
             <a:extLst>
               <a:ext uri="{FF2B5EF4-FFF2-40B4-BE49-F238E27FC236}">
-                <a16:creationId xmlns:a16="http://schemas.microsoft.com/office/drawing/2014/main" xmlns="" id="{D7C84779-5F93-4DCC-86DF-8D79DEAEC374}"/>
+                <a16:creationId xmlns:a16="http://schemas.microsoft.com/office/drawing/2014/main" id="{D7C84779-5F93-4DCC-86DF-8D79DEAEC374}"/>
               </a:ext>
             </a:extLst>
           </p:cNvPr>
@@ -9304,7 +9568,7 @@
           <p:cNvPr id="5" name="Content Placeholder 4">
             <a:extLst>
               <a:ext uri="{FF2B5EF4-FFF2-40B4-BE49-F238E27FC236}">
-                <a16:creationId xmlns:a16="http://schemas.microsoft.com/office/drawing/2014/main" xmlns="" id="{7A7E2851-6141-4C9C-BEEC-09785EFD900F}"/>
+                <a16:creationId xmlns:a16="http://schemas.microsoft.com/office/drawing/2014/main" id="{7A7E2851-6141-4C9C-BEEC-09785EFD900F}"/>
               </a:ext>
             </a:extLst>
           </p:cNvPr>
@@ -9345,7 +9609,7 @@
           <p:cNvPr id="3" name="Picture 2">
             <a:extLst>
               <a:ext uri="{FF2B5EF4-FFF2-40B4-BE49-F238E27FC236}">
-                <a16:creationId xmlns:a16="http://schemas.microsoft.com/office/drawing/2014/main" xmlns="" id="{6E8CCC1D-869B-4622-8DFA-3CB43B29ED2D}"/>
+                <a16:creationId xmlns:a16="http://schemas.microsoft.com/office/drawing/2014/main" id="{6E8CCC1D-869B-4622-8DFA-3CB43B29ED2D}"/>
               </a:ext>
             </a:extLst>
           </p:cNvPr>
@@ -9373,7 +9637,7 @@
     </p:spTree>
     <p:extLst>
       <p:ext uri="{BB962C8B-B14F-4D97-AF65-F5344CB8AC3E}">
-        <p14:creationId xmlns:p14="http://schemas.microsoft.com/office/powerpoint/2010/main" xmlns="" val="825655188"/>
+        <p14:creationId xmlns:p14="http://schemas.microsoft.com/office/powerpoint/2010/main" val="825655188"/>
       </p:ext>
     </p:extLst>
   </p:cSld>
@@ -9405,7 +9669,7 @@
           <p:cNvPr id="2" name="Title 1">
             <a:extLst>
               <a:ext uri="{FF2B5EF4-FFF2-40B4-BE49-F238E27FC236}">
-                <a16:creationId xmlns:a16="http://schemas.microsoft.com/office/drawing/2014/main" xmlns="" id="{D7C84779-5F93-4DCC-86DF-8D79DEAEC374}"/>
+                <a16:creationId xmlns:a16="http://schemas.microsoft.com/office/drawing/2014/main" id="{D7C84779-5F93-4DCC-86DF-8D79DEAEC374}"/>
               </a:ext>
             </a:extLst>
           </p:cNvPr>
@@ -9463,7 +9727,7 @@
           <p:cNvPr id="5" name="Content Placeholder 4">
             <a:extLst>
               <a:ext uri="{FF2B5EF4-FFF2-40B4-BE49-F238E27FC236}">
-                <a16:creationId xmlns:a16="http://schemas.microsoft.com/office/drawing/2014/main" xmlns="" id="{7A7E2851-6141-4C9C-BEEC-09785EFD900F}"/>
+                <a16:creationId xmlns:a16="http://schemas.microsoft.com/office/drawing/2014/main" id="{7A7E2851-6141-4C9C-BEEC-09785EFD900F}"/>
               </a:ext>
             </a:extLst>
           </p:cNvPr>
@@ -9496,7 +9760,7 @@
           <p:cNvPr id="4" name="Picture 3">
             <a:extLst>
               <a:ext uri="{FF2B5EF4-FFF2-40B4-BE49-F238E27FC236}">
-                <a16:creationId xmlns:a16="http://schemas.microsoft.com/office/drawing/2014/main" xmlns="" id="{08FA5801-05A9-4F75-96A7-6E964329EAAB}"/>
+                <a16:creationId xmlns:a16="http://schemas.microsoft.com/office/drawing/2014/main" id="{08FA5801-05A9-4F75-96A7-6E964329EAAB}"/>
               </a:ext>
             </a:extLst>
           </p:cNvPr>
@@ -9524,7 +9788,7 @@
     </p:spTree>
     <p:extLst>
       <p:ext uri="{BB962C8B-B14F-4D97-AF65-F5344CB8AC3E}">
-        <p14:creationId xmlns:p14="http://schemas.microsoft.com/office/powerpoint/2010/main" xmlns="" val="64897101"/>
+        <p14:creationId xmlns:p14="http://schemas.microsoft.com/office/powerpoint/2010/main" val="64897101"/>
       </p:ext>
     </p:extLst>
   </p:cSld>
@@ -9556,7 +9820,7 @@
           <p:cNvPr id="2" name="Title 1">
             <a:extLst>
               <a:ext uri="{FF2B5EF4-FFF2-40B4-BE49-F238E27FC236}">
-                <a16:creationId xmlns:a16="http://schemas.microsoft.com/office/drawing/2014/main" xmlns="" id="{D7C84779-5F93-4DCC-86DF-8D79DEAEC374}"/>
+                <a16:creationId xmlns:a16="http://schemas.microsoft.com/office/drawing/2014/main" id="{D7C84779-5F93-4DCC-86DF-8D79DEAEC374}"/>
               </a:ext>
             </a:extLst>
           </p:cNvPr>
@@ -9602,7 +9866,7 @@
           <p:cNvPr id="5" name="Content Placeholder 4">
             <a:extLst>
               <a:ext uri="{FF2B5EF4-FFF2-40B4-BE49-F238E27FC236}">
-                <a16:creationId xmlns:a16="http://schemas.microsoft.com/office/drawing/2014/main" xmlns="" id="{7A7E2851-6141-4C9C-BEEC-09785EFD900F}"/>
+                <a16:creationId xmlns:a16="http://schemas.microsoft.com/office/drawing/2014/main" id="{7A7E2851-6141-4C9C-BEEC-09785EFD900F}"/>
               </a:ext>
             </a:extLst>
           </p:cNvPr>
@@ -9671,7 +9935,7 @@
           <p:cNvPr id="4" name="Picture 3">
             <a:extLst>
               <a:ext uri="{FF2B5EF4-FFF2-40B4-BE49-F238E27FC236}">
-                <a16:creationId xmlns:a16="http://schemas.microsoft.com/office/drawing/2014/main" xmlns="" id="{4EE70FF7-76AF-47A3-BA62-F60C7C00E4FD}"/>
+                <a16:creationId xmlns:a16="http://schemas.microsoft.com/office/drawing/2014/main" id="{4EE70FF7-76AF-47A3-BA62-F60C7C00E4FD}"/>
               </a:ext>
             </a:extLst>
           </p:cNvPr>
@@ -9699,7 +9963,7 @@
     </p:spTree>
     <p:extLst>
       <p:ext uri="{BB962C8B-B14F-4D97-AF65-F5344CB8AC3E}">
-        <p14:creationId xmlns:p14="http://schemas.microsoft.com/office/powerpoint/2010/main" xmlns="" val="3994399625"/>
+        <p14:creationId xmlns:p14="http://schemas.microsoft.com/office/powerpoint/2010/main" val="3994399625"/>
       </p:ext>
     </p:extLst>
   </p:cSld>
@@ -9731,7 +9995,7 @@
           <p:cNvPr id="2" name="Title 1">
             <a:extLst>
               <a:ext uri="{FF2B5EF4-FFF2-40B4-BE49-F238E27FC236}">
-                <a16:creationId xmlns:a16="http://schemas.microsoft.com/office/drawing/2014/main" xmlns="" id="{D7C84779-5F93-4DCC-86DF-8D79DEAEC374}"/>
+                <a16:creationId xmlns:a16="http://schemas.microsoft.com/office/drawing/2014/main" id="{D7C84779-5F93-4DCC-86DF-8D79DEAEC374}"/>
               </a:ext>
             </a:extLst>
           </p:cNvPr>
@@ -9769,7 +10033,7 @@
           <p:cNvPr id="5" name="Content Placeholder 4">
             <a:extLst>
               <a:ext uri="{FF2B5EF4-FFF2-40B4-BE49-F238E27FC236}">
-                <a16:creationId xmlns:a16="http://schemas.microsoft.com/office/drawing/2014/main" xmlns="" id="{7A7E2851-6141-4C9C-BEEC-09785EFD900F}"/>
+                <a16:creationId xmlns:a16="http://schemas.microsoft.com/office/drawing/2014/main" id="{7A7E2851-6141-4C9C-BEEC-09785EFD900F}"/>
               </a:ext>
             </a:extLst>
           </p:cNvPr>
@@ -9798,6 +10062,10 @@
             </a:r>
           </a:p>
           <a:p>
+            <a:pPr marL="514350" indent="-514350">
+              <a:buFont typeface="+mj-lt"/>
+              <a:buAutoNum type="arabicPeriod"/>
+            </a:pPr>
             <a:r>
               <a:rPr lang="en-US" altLang="zh-CN" dirty="0" err="1"/>
               <a:t>Netty</a:t>
@@ -9816,44 +10084,60 @@
             </a:r>
           </a:p>
           <a:p>
+            <a:pPr marL="514350" indent="-514350">
+              <a:buFont typeface="+mj-lt"/>
+              <a:buAutoNum type="arabicPeriod"/>
+            </a:pPr>
             <a:r>
               <a:rPr lang="en-US" altLang="zh-CN" dirty="0"/>
               <a:t>Dubbo, Hadoop </a:t>
             </a:r>
           </a:p>
           <a:p>
+            <a:pPr marL="514350" indent="-514350">
+              <a:buFont typeface="+mj-lt"/>
+              <a:buAutoNum type="arabicPeriod"/>
+            </a:pPr>
             <a:r>
               <a:rPr lang="en-US" altLang="zh-CN" dirty="0"/>
               <a:t>Node.js</a:t>
             </a:r>
           </a:p>
           <a:p>
+            <a:pPr marL="514350" indent="-514350">
+              <a:buFont typeface="+mj-lt"/>
+              <a:buAutoNum type="arabicPeriod"/>
+            </a:pPr>
             <a:r>
               <a:rPr lang="en-US" dirty="0"/>
               <a:t>Nginx </a:t>
             </a:r>
           </a:p>
           <a:p>
+            <a:pPr marL="514350" indent="-514350">
+              <a:buFont typeface="+mj-lt"/>
+              <a:buAutoNum type="arabicPeriod"/>
+            </a:pPr>
             <a:r>
               <a:rPr lang="en-US" dirty="0"/>
               <a:t>Kafka, Redis</a:t>
             </a:r>
           </a:p>
           <a:p>
+            <a:pPr marL="514350" indent="-514350">
+              <a:buFont typeface="+mj-lt"/>
+              <a:buAutoNum type="arabicPeriod"/>
+            </a:pPr>
             <a:r>
               <a:rPr lang="zh-CN" altLang="en-US" dirty="0"/>
-              <a:t>微</a:t>
-            </a:r>
-            <a:r>
-              <a:rPr lang="zh-CN" altLang="en-US" dirty="0" smtClean="0"/>
-              <a:t>信</a:t>
-            </a:r>
-            <a:r>
-              <a:rPr lang="en-US" altLang="zh-CN" dirty="0" err="1" smtClean="0"/>
+              <a:t>微信</a:t>
+            </a:r>
+            <a:r>
+              <a:rPr lang="en-US" altLang="zh-CN" dirty="0" err="1"/>
               <a:t>libco</a:t>
             </a:r>
             <a:r>
-              <a:rPr lang="zh-CN" altLang="en-US" dirty="0" smtClean="0"/>
+              <a:rPr lang="zh-CN" altLang="en-US" dirty="0"/>
               <a:t>库  </a:t>
             </a:r>
             <a:r>
@@ -9911,7 +10195,7 @@
     </p:spTree>
     <p:extLst>
       <p:ext uri="{BB962C8B-B14F-4D97-AF65-F5344CB8AC3E}">
-        <p14:creationId xmlns:p14="http://schemas.microsoft.com/office/powerpoint/2010/main" xmlns="" val="3030197197"/>
+        <p14:creationId xmlns:p14="http://schemas.microsoft.com/office/powerpoint/2010/main" val="3030197197"/>
       </p:ext>
     </p:extLst>
   </p:cSld>
@@ -9943,7 +10227,7 @@
           <p:cNvPr id="2" name="Title 1">
             <a:extLst>
               <a:ext uri="{FF2B5EF4-FFF2-40B4-BE49-F238E27FC236}">
-                <a16:creationId xmlns:a16="http://schemas.microsoft.com/office/drawing/2014/main" xmlns="" id="{D7C84779-5F93-4DCC-86DF-8D79DEAEC374}"/>
+                <a16:creationId xmlns:a16="http://schemas.microsoft.com/office/drawing/2014/main" id="{D7C84779-5F93-4DCC-86DF-8D79DEAEC374}"/>
               </a:ext>
             </a:extLst>
           </p:cNvPr>
@@ -9981,7 +10265,7 @@
           <p:cNvPr id="5" name="Content Placeholder 4">
             <a:extLst>
               <a:ext uri="{FF2B5EF4-FFF2-40B4-BE49-F238E27FC236}">
-                <a16:creationId xmlns:a16="http://schemas.microsoft.com/office/drawing/2014/main" xmlns="" id="{7A7E2851-6141-4C9C-BEEC-09785EFD900F}"/>
+                <a16:creationId xmlns:a16="http://schemas.microsoft.com/office/drawing/2014/main" id="{7A7E2851-6141-4C9C-BEEC-09785EFD900F}"/>
               </a:ext>
             </a:extLst>
           </p:cNvPr>
@@ -10120,12 +10404,8 @@
               <a:t> </a:t>
             </a:r>
             <a:r>
-              <a:rPr lang="zh-CN" altLang="en-US" dirty="0" smtClean="0"/>
-              <a:t>高并发服务</a:t>
-            </a:r>
-            <a:r>
               <a:rPr lang="zh-CN" altLang="en-US" dirty="0"/>
-              <a:t>端网络编程</a:t>
+              <a:t>高并发服务端网络编程</a:t>
             </a:r>
             <a:endParaRPr lang="en-US" altLang="zh-CN" dirty="0"/>
           </a:p>
@@ -10143,7 +10423,7 @@
     </p:spTree>
     <p:extLst>
       <p:ext uri="{BB962C8B-B14F-4D97-AF65-F5344CB8AC3E}">
-        <p14:creationId xmlns:p14="http://schemas.microsoft.com/office/powerpoint/2010/main" xmlns="" val="1844588651"/>
+        <p14:creationId xmlns:p14="http://schemas.microsoft.com/office/powerpoint/2010/main" val="1844588651"/>
       </p:ext>
     </p:extLst>
   </p:cSld>
@@ -10175,7 +10455,7 @@
           <p:cNvPr id="2" name="Title 1">
             <a:extLst>
               <a:ext uri="{FF2B5EF4-FFF2-40B4-BE49-F238E27FC236}">
-                <a16:creationId xmlns:a16="http://schemas.microsoft.com/office/drawing/2014/main" xmlns="" id="{D7C84779-5F93-4DCC-86DF-8D79DEAEC374}"/>
+                <a16:creationId xmlns:a16="http://schemas.microsoft.com/office/drawing/2014/main" id="{D7C84779-5F93-4DCC-86DF-8D79DEAEC374}"/>
               </a:ext>
             </a:extLst>
           </p:cNvPr>
@@ -10213,7 +10493,7 @@
           <p:cNvPr id="5" name="Content Placeholder 4">
             <a:extLst>
               <a:ext uri="{FF2B5EF4-FFF2-40B4-BE49-F238E27FC236}">
-                <a16:creationId xmlns:a16="http://schemas.microsoft.com/office/drawing/2014/main" xmlns="" id="{7A7E2851-6141-4C9C-BEEC-09785EFD900F}"/>
+                <a16:creationId xmlns:a16="http://schemas.microsoft.com/office/drawing/2014/main" id="{7A7E2851-6141-4C9C-BEEC-09785EFD900F}"/>
               </a:ext>
             </a:extLst>
           </p:cNvPr>
@@ -10224,9 +10504,16 @@
             <p:ph idx="1"/>
           </p:nvPr>
         </p:nvSpPr>
-        <p:spPr/>
-        <p:txBody>
-          <a:bodyPr/>
+        <p:spPr>
+          <a:xfrm>
+            <a:off x="299101" y="824178"/>
+            <a:ext cx="11892899" cy="6033822"/>
+          </a:xfrm>
+        </p:spPr>
+        <p:txBody>
+          <a:bodyPr>
+            <a:normAutofit lnSpcReduction="10000"/>
+          </a:bodyPr>
           <a:lstStyle/>
           <a:p>
             <a:pPr marL="0" indent="0">
@@ -10258,31 +10545,31 @@
             <a:pPr marL="0" indent="0">
               <a:buNone/>
             </a:pPr>
-            <a:r>
-              <a:rPr lang="zh-CN" altLang="en-US" dirty="0" smtClean="0">
-                <a:solidFill>
-                  <a:srgbClr val="00B0F0"/>
-                </a:solidFill>
-              </a:rPr>
-              <a:t>云</a:t>
-            </a:r>
             <a:r>
               <a:rPr lang="zh-CN" altLang="en-US" dirty="0">
                 <a:solidFill>
                   <a:srgbClr val="00B0F0"/>
                 </a:solidFill>
               </a:rPr>
-              <a:t>风博</a:t>
-            </a:r>
-            <a:r>
-              <a:rPr lang="zh-CN" altLang="en-US" dirty="0" smtClean="0">
+              <a:t>云风 </a:t>
+            </a:r>
+            <a:r>
+              <a:rPr lang="en-US" altLang="zh-CN" dirty="0">
                 <a:solidFill>
                   <a:srgbClr val="00B0F0"/>
                 </a:solidFill>
               </a:rPr>
-              <a:t>客</a:t>
-            </a:r>
-            <a:endParaRPr lang="en-US" altLang="zh-CN" dirty="0" smtClean="0">
+              <a:t>-</a:t>
+            </a:r>
+            <a:r>
+              <a:rPr lang="zh-CN" altLang="en-US" dirty="0">
+                <a:solidFill>
+                  <a:srgbClr val="00B0F0"/>
+                </a:solidFill>
+              </a:rPr>
+              <a:t>大话西游主程</a:t>
+            </a:r>
+            <a:endParaRPr lang="en-US" altLang="zh-CN" dirty="0">
               <a:solidFill>
                 <a:srgbClr val="00B0F0"/>
               </a:solidFill>
@@ -10292,27 +10579,25 @@
             <a:pPr marL="0" indent="0">
               <a:buNone/>
             </a:pPr>
-            <a:endParaRPr lang="en-US" altLang="zh-CN" dirty="0" smtClean="0"/>
+            <a:r>
+              <a:rPr lang="en-US" dirty="0"/>
+              <a:t>he more I’ve been working with distributed systems, the more I’m frustrated by Node’s direction, which </a:t>
+            </a:r>
+            <a:r>
+              <a:rPr lang="en-US" dirty="0" err="1"/>
+              <a:t>favours</a:t>
+            </a:r>
+            <a:r>
+              <a:rPr lang="en-US" dirty="0"/>
+              <a:t> performance over usability and robustness. In the past week I’ve rewritten a relatively large distributed system in Go, and it’s robust, performs better, it’s easier to maintain, and has better test coverage since synchronous code is generally nicer and simpler to work with.</a:t>
+            </a:r>
           </a:p>
           <a:p>
             <a:pPr marL="0" indent="0">
               <a:buNone/>
             </a:pPr>
             <a:r>
-              <a:rPr lang="en-US" dirty="0" smtClean="0"/>
-              <a:t>If you’re doing distributed work then you’ll find Go’s expressive concurrency primitives very helpful. We could achieve similar things in Node with generators, but in my opinion generators will only ever get us half way there. Without separate stacks error handling &amp; reporting will be mediocre at best. I also don’t want to wait 3 years for the community to defragment, when we have solutions that work now, and work well</a:t>
-            </a:r>
-            <a:r>
-              <a:rPr lang="en-US" dirty="0" smtClean="0"/>
-              <a:t>.</a:t>
-            </a:r>
-          </a:p>
-          <a:p>
-            <a:pPr marL="0" indent="0">
-              <a:buNone/>
-            </a:pPr>
-            <a:r>
-              <a:rPr lang="en-US" dirty="0" smtClean="0">
+              <a:rPr lang="en-US" dirty="0">
                 <a:solidFill>
                   <a:srgbClr val="00B0F0"/>
                 </a:solidFill>
@@ -10320,13 +10605,115 @@
               <a:t>TJ </a:t>
             </a:r>
             <a:r>
-              <a:rPr lang="en-US" dirty="0" err="1" smtClean="0">
+              <a:rPr lang="en-US" dirty="0" err="1">
                 <a:solidFill>
                   <a:srgbClr val="00B0F0"/>
                 </a:solidFill>
               </a:rPr>
               <a:t>Holowaychuk</a:t>
             </a:r>
+            <a:r>
+              <a:rPr lang="en-US" dirty="0">
+                <a:solidFill>
+                  <a:srgbClr val="00B0F0"/>
+                </a:solidFill>
+              </a:rPr>
+              <a:t> </a:t>
+            </a:r>
+            <a:r>
+              <a:rPr lang="en-US" altLang="zh-CN" dirty="0">
+                <a:solidFill>
+                  <a:srgbClr val="00B0F0"/>
+                </a:solidFill>
+              </a:rPr>
+              <a:t>– 3%</a:t>
+            </a:r>
+            <a:r>
+              <a:rPr lang="zh-CN" altLang="en-US" dirty="0">
+                <a:solidFill>
+                  <a:srgbClr val="00B0F0"/>
+                </a:solidFill>
+              </a:rPr>
+              <a:t>的</a:t>
+            </a:r>
+            <a:r>
+              <a:rPr lang="en-US" altLang="zh-CN" dirty="0" err="1">
+                <a:solidFill>
+                  <a:srgbClr val="00B0F0"/>
+                </a:solidFill>
+              </a:rPr>
+              <a:t>npm</a:t>
+            </a:r>
+            <a:r>
+              <a:rPr lang="en-US" altLang="zh-CN" dirty="0">
+                <a:solidFill>
+                  <a:srgbClr val="00B0F0"/>
+                </a:solidFill>
+              </a:rPr>
+              <a:t> </a:t>
+            </a:r>
+          </a:p>
+          <a:p>
+            <a:pPr marL="0" indent="0">
+              <a:buNone/>
+            </a:pPr>
+            <a:r>
+              <a:rPr lang="zh-CN" altLang="en-US" dirty="0"/>
+              <a:t>在十余年的技术生涯中，我接触过、使用过、喜爱过不同的编程语言，但总体而言，</a:t>
+            </a:r>
+            <a:r>
+              <a:rPr lang="en-US" altLang="zh-CN" dirty="0"/>
+              <a:t>Go</a:t>
+            </a:r>
+            <a:r>
+              <a:rPr lang="zh-CN" altLang="en-US" dirty="0"/>
+              <a:t>语言的出现是最让我兴奋的事情</a:t>
+            </a:r>
+            <a:r>
+              <a:rPr lang="en-US" altLang="zh-CN" dirty="0"/>
+              <a:t>…</a:t>
+            </a:r>
+          </a:p>
+          <a:p>
+            <a:pPr marL="0" indent="0">
+              <a:buNone/>
+            </a:pPr>
+            <a:r>
+              <a:rPr lang="zh-CN" altLang="en-US" dirty="0"/>
+              <a:t>我自己最早是</a:t>
+            </a:r>
+            <a:r>
+              <a:rPr lang="en-US" altLang="zh-CN" dirty="0"/>
+              <a:t>C++</a:t>
+            </a:r>
+            <a:r>
+              <a:rPr lang="zh-CN" altLang="en-US" dirty="0"/>
+              <a:t>的粉丝，但是我接触</a:t>
+            </a:r>
+            <a:r>
+              <a:rPr lang="en-US" altLang="zh-CN" dirty="0"/>
+              <a:t>Go</a:t>
+            </a:r>
+            <a:r>
+              <a:rPr lang="zh-CN" altLang="en-US" dirty="0"/>
+              <a:t>以后有一个非常强烈的愿望我希望</a:t>
+            </a:r>
+            <a:r>
+              <a:rPr lang="en-US" altLang="zh-CN" dirty="0"/>
+              <a:t>C++</a:t>
+            </a:r>
+            <a:r>
+              <a:rPr lang="zh-CN" altLang="en-US" dirty="0"/>
+              <a:t>这样的东西最好还是能够早点退出历史舞台 </a:t>
+            </a:r>
+            <a:r>
+              <a:rPr lang="en-US" altLang="zh-CN" dirty="0"/>
+              <a:t>– </a:t>
+            </a:r>
+            <a:r>
+              <a:rPr lang="zh-CN" altLang="en-US" dirty="0"/>
+              <a:t>许式伟 </a:t>
+            </a:r>
             <a:endParaRPr lang="en-US" altLang="zh-CN" dirty="0">
               <a:solidFill>
                 <a:srgbClr val="00B0F0"/>
@@ -10338,7 +10725,7 @@
     </p:spTree>
     <p:extLst>
       <p:ext uri="{BB962C8B-B14F-4D97-AF65-F5344CB8AC3E}">
-        <p14:creationId xmlns:p14="http://schemas.microsoft.com/office/powerpoint/2010/main" xmlns="" val="1100923261"/>
+        <p14:creationId xmlns:p14="http://schemas.microsoft.com/office/powerpoint/2010/main" val="1100923261"/>
       </p:ext>
     </p:extLst>
   </p:cSld>
@@ -10370,7 +10757,7 @@
           <p:cNvPr id="2" name="Title 1">
             <a:extLst>
               <a:ext uri="{FF2B5EF4-FFF2-40B4-BE49-F238E27FC236}">
-                <a16:creationId xmlns:a16="http://schemas.microsoft.com/office/drawing/2014/main" xmlns="" id="{D7C84779-5F93-4DCC-86DF-8D79DEAEC374}"/>
+                <a16:creationId xmlns:a16="http://schemas.microsoft.com/office/drawing/2014/main" id="{D7C84779-5F93-4DCC-86DF-8D79DEAEC374}"/>
               </a:ext>
             </a:extLst>
           </p:cNvPr>
@@ -10408,7 +10795,7 @@
           <p:cNvPr id="5" name="Content Placeholder 4">
             <a:extLst>
               <a:ext uri="{FF2B5EF4-FFF2-40B4-BE49-F238E27FC236}">
-                <a16:creationId xmlns:a16="http://schemas.microsoft.com/office/drawing/2014/main" xmlns="" id="{7A7E2851-6141-4C9C-BEEC-09785EFD900F}"/>
+                <a16:creationId xmlns:a16="http://schemas.microsoft.com/office/drawing/2014/main" id="{7A7E2851-6141-4C9C-BEEC-09785EFD900F}"/>
               </a:ext>
             </a:extLst>
           </p:cNvPr>
@@ -10447,15 +10834,7 @@
             </a:r>
             <a:r>
               <a:rPr lang="zh-CN" altLang="en-US" dirty="0"/>
-              <a:t>这些黑话足以把你的膀胱吓得漏液</a:t>
-            </a:r>
-            <a:r>
-              <a:rPr lang="zh-CN" altLang="en-US" dirty="0" smtClean="0"/>
-              <a:t>。如今</a:t>
-            </a:r>
-            <a:r>
-              <a:rPr lang="zh-CN" altLang="en-US" dirty="0"/>
-              <a:t>，作为资深</a:t>
+              <a:t>这些黑话足以把你的膀胱吓得漏液。如今，作为资深</a:t>
             </a:r>
             <a:r>
               <a:rPr lang="en-US" altLang="zh-CN" dirty="0"/>
@@ -10599,7 +10978,7 @@
     </p:spTree>
     <p:extLst>
       <p:ext uri="{BB962C8B-B14F-4D97-AF65-F5344CB8AC3E}">
-        <p14:creationId xmlns:p14="http://schemas.microsoft.com/office/powerpoint/2010/main" xmlns="" val="2499605271"/>
+        <p14:creationId xmlns:p14="http://schemas.microsoft.com/office/powerpoint/2010/main" val="2499605271"/>
       </p:ext>
     </p:extLst>
   </p:cSld>
@@ -10631,7 +11010,7 @@
           <p:cNvPr id="2" name="Title 1">
             <a:extLst>
               <a:ext uri="{FF2B5EF4-FFF2-40B4-BE49-F238E27FC236}">
-                <a16:creationId xmlns:a16="http://schemas.microsoft.com/office/drawing/2014/main" xmlns="" id="{D7C84779-5F93-4DCC-86DF-8D79DEAEC374}"/>
+                <a16:creationId xmlns:a16="http://schemas.microsoft.com/office/drawing/2014/main" id="{D7C84779-5F93-4DCC-86DF-8D79DEAEC374}"/>
               </a:ext>
             </a:extLst>
           </p:cNvPr>
@@ -10653,11 +11032,11 @@
           <a:lstStyle/>
           <a:p>
             <a:r>
-              <a:rPr lang="en-US" altLang="zh-CN" dirty="0" err="1" smtClean="0"/>
+              <a:rPr lang="en-US" altLang="zh-CN" dirty="0" err="1"/>
               <a:t>Golang</a:t>
             </a:r>
             <a:r>
-              <a:rPr lang="zh-CN" altLang="en-US" dirty="0" smtClean="0"/>
+              <a:rPr lang="zh-CN" altLang="en-US" dirty="0"/>
               <a:t>开发团队</a:t>
             </a:r>
             <a:endParaRPr lang="en-US" dirty="0"/>
@@ -10702,7 +11081,7 @@
     </p:spTree>
     <p:extLst>
       <p:ext uri="{BB962C8B-B14F-4D97-AF65-F5344CB8AC3E}">
-        <p14:creationId xmlns:p14="http://schemas.microsoft.com/office/powerpoint/2010/main" xmlns="" val="2499605271"/>
+        <p14:creationId xmlns:p14="http://schemas.microsoft.com/office/powerpoint/2010/main" val="2499605271"/>
       </p:ext>
     </p:extLst>
   </p:cSld>
@@ -10734,7 +11113,7 @@
           <p:cNvPr id="2" name="Title 1">
             <a:extLst>
               <a:ext uri="{FF2B5EF4-FFF2-40B4-BE49-F238E27FC236}">
-                <a16:creationId xmlns:a16="http://schemas.microsoft.com/office/drawing/2014/main" xmlns="" id="{D7C84779-5F93-4DCC-86DF-8D79DEAEC374}"/>
+                <a16:creationId xmlns:a16="http://schemas.microsoft.com/office/drawing/2014/main" id="{D7C84779-5F93-4DCC-86DF-8D79DEAEC374}"/>
               </a:ext>
             </a:extLst>
           </p:cNvPr>
@@ -10756,11 +11135,11 @@
           <a:lstStyle/>
           <a:p>
             <a:r>
-              <a:rPr lang="en-US" altLang="zh-CN" dirty="0" err="1" smtClean="0"/>
+              <a:rPr lang="en-US" altLang="zh-CN" dirty="0" err="1"/>
               <a:t>Golang</a:t>
             </a:r>
             <a:r>
-              <a:rPr lang="zh-CN" altLang="en-US" dirty="0" smtClean="0"/>
+              <a:rPr lang="zh-CN" altLang="en-US" dirty="0"/>
               <a:t>案例</a:t>
             </a:r>
             <a:endParaRPr lang="en-US" dirty="0"/>
@@ -10805,7 +11184,7 @@
     </p:spTree>
     <p:extLst>
       <p:ext uri="{BB962C8B-B14F-4D97-AF65-F5344CB8AC3E}">
-        <p14:creationId xmlns:p14="http://schemas.microsoft.com/office/powerpoint/2010/main" xmlns="" val="2499605271"/>
+        <p14:creationId xmlns:p14="http://schemas.microsoft.com/office/powerpoint/2010/main" val="2499605271"/>
       </p:ext>
     </p:extLst>
   </p:cSld>
@@ -10837,7 +11216,7 @@
           <p:cNvPr id="2" name="Title 1">
             <a:extLst>
               <a:ext uri="{FF2B5EF4-FFF2-40B4-BE49-F238E27FC236}">
-                <a16:creationId xmlns:a16="http://schemas.microsoft.com/office/drawing/2014/main" xmlns="" id="{AB0A8BCD-AB0A-49E3-A2BA-459943BAEEF4}"/>
+                <a16:creationId xmlns:a16="http://schemas.microsoft.com/office/drawing/2014/main" id="{AB0A8BCD-AB0A-49E3-A2BA-459943BAEEF4}"/>
               </a:ext>
             </a:extLst>
           </p:cNvPr>
@@ -10874,7 +11253,7 @@
           <p:cNvPr id="3" name="Content Placeholder 2">
             <a:extLst>
               <a:ext uri="{FF2B5EF4-FFF2-40B4-BE49-F238E27FC236}">
-                <a16:creationId xmlns:a16="http://schemas.microsoft.com/office/drawing/2014/main" xmlns="" id="{9CEEFE61-DC95-418E-BAF4-089832837283}"/>
+                <a16:creationId xmlns:a16="http://schemas.microsoft.com/office/drawing/2014/main" id="{9CEEFE61-DC95-418E-BAF4-089832837283}"/>
               </a:ext>
             </a:extLst>
           </p:cNvPr>
@@ -11008,7 +11387,7 @@
           <p:cNvPr id="6" name="Picture 5">
             <a:extLst>
               <a:ext uri="{FF2B5EF4-FFF2-40B4-BE49-F238E27FC236}">
-                <a16:creationId xmlns:a16="http://schemas.microsoft.com/office/drawing/2014/main" xmlns="" id="{27422100-F92B-4F00-8593-4B9D8040F490}"/>
+                <a16:creationId xmlns:a16="http://schemas.microsoft.com/office/drawing/2014/main" id="{27422100-F92B-4F00-8593-4B9D8040F490}"/>
               </a:ext>
             </a:extLst>
           </p:cNvPr>
@@ -11038,7 +11417,7 @@
           <p:cNvPr id="7" name="Picture 6">
             <a:extLst>
               <a:ext uri="{FF2B5EF4-FFF2-40B4-BE49-F238E27FC236}">
-                <a16:creationId xmlns:a16="http://schemas.microsoft.com/office/drawing/2014/main" xmlns="" id="{12A8AA35-23E3-4CB9-9C81-24C609C120D7}"/>
+                <a16:creationId xmlns:a16="http://schemas.microsoft.com/office/drawing/2014/main" id="{12A8AA35-23E3-4CB9-9C81-24C609C120D7}"/>
               </a:ext>
             </a:extLst>
           </p:cNvPr>
@@ -11066,7 +11445,7 @@
     </p:spTree>
     <p:extLst>
       <p:ext uri="{BB962C8B-B14F-4D97-AF65-F5344CB8AC3E}">
-        <p14:creationId xmlns:p14="http://schemas.microsoft.com/office/powerpoint/2010/main" xmlns="" val="2376815334"/>
+        <p14:creationId xmlns:p14="http://schemas.microsoft.com/office/powerpoint/2010/main" val="2376815334"/>
       </p:ext>
     </p:extLst>
   </p:cSld>
@@ -11098,7 +11477,7 @@
           <p:cNvPr id="2" name="Title 1">
             <a:extLst>
               <a:ext uri="{FF2B5EF4-FFF2-40B4-BE49-F238E27FC236}">
-                <a16:creationId xmlns:a16="http://schemas.microsoft.com/office/drawing/2014/main" xmlns="" id="{D7C84779-5F93-4DCC-86DF-8D79DEAEC374}"/>
+                <a16:creationId xmlns:a16="http://schemas.microsoft.com/office/drawing/2014/main" id="{D7C84779-5F93-4DCC-86DF-8D79DEAEC374}"/>
               </a:ext>
             </a:extLst>
           </p:cNvPr>
@@ -11126,7 +11505,7 @@
           <p:cNvPr id="3" name="Content Placeholder 2">
             <a:extLst>
               <a:ext uri="{FF2B5EF4-FFF2-40B4-BE49-F238E27FC236}">
-                <a16:creationId xmlns:a16="http://schemas.microsoft.com/office/drawing/2014/main" xmlns="" id="{0E59A1AE-F806-46F3-BA69-B4B5C2C30661}"/>
+                <a16:creationId xmlns:a16="http://schemas.microsoft.com/office/drawing/2014/main" id="{0E59A1AE-F806-46F3-BA69-B4B5C2C30661}"/>
               </a:ext>
             </a:extLst>
           </p:cNvPr>
@@ -11139,8 +11518,8 @@
         </p:nvSpPr>
         <p:spPr>
           <a:xfrm>
-            <a:off x="535403" y="808074"/>
-            <a:ext cx="10875548" cy="4925976"/>
+            <a:off x="535402" y="808074"/>
+            <a:ext cx="11142247" cy="5459376"/>
           </a:xfrm>
         </p:spPr>
         <p:txBody>
@@ -11328,83 +11707,69 @@
               <a:rPr lang="en-US" altLang="zh-CN" sz="1800" dirty="0">
                 <a:hlinkClick r:id="rId11"/>
               </a:rPr>
-              <a:t>https://</a:t>
-            </a:r>
-            <a:r>
-              <a:rPr lang="en-US" altLang="zh-CN" sz="1800" dirty="0" smtClean="0">
-                <a:hlinkClick r:id="rId11"/>
-              </a:rPr>
-              <a:t>www.zhihu.com/question/21409296</a:t>
-            </a:r>
-            <a:endParaRPr lang="en-US" altLang="zh-CN" sz="1800" dirty="0" smtClean="0"/>
-          </a:p>
-          <a:p>
-            <a:r>
-              <a:rPr lang="zh-CN" altLang="en-US" sz="1800" dirty="0" smtClean="0"/>
+              <a:t>https://www.zhihu.com/question/21409296</a:t>
+            </a:r>
+            <a:endParaRPr lang="en-US" altLang="zh-CN" sz="1800" dirty="0"/>
+          </a:p>
+          <a:p>
+            <a:r>
+              <a:rPr lang="zh-CN" altLang="en-US" sz="1800" dirty="0"/>
               <a:t>如何看待 </a:t>
             </a:r>
             <a:r>
-              <a:rPr lang="en-US" altLang="zh-CN" sz="1800" dirty="0" smtClean="0"/>
+              <a:rPr lang="en-US" altLang="zh-CN" sz="1800" dirty="0"/>
               <a:t>TJ </a:t>
             </a:r>
             <a:r>
-              <a:rPr lang="zh-CN" altLang="en-US" sz="1800" dirty="0" smtClean="0"/>
+              <a:rPr lang="zh-CN" altLang="en-US" sz="1800" dirty="0"/>
               <a:t>宣布退出 </a:t>
             </a:r>
             <a:r>
-              <a:rPr lang="en-US" altLang="zh-CN" sz="1800" dirty="0" smtClean="0"/>
+              <a:rPr lang="en-US" altLang="zh-CN" sz="1800" dirty="0"/>
               <a:t>Node.js </a:t>
             </a:r>
             <a:r>
-              <a:rPr lang="zh-CN" altLang="en-US" sz="1800" dirty="0" smtClean="0"/>
+              <a:rPr lang="zh-CN" altLang="en-US" sz="1800" dirty="0"/>
               <a:t>开发，转向 </a:t>
             </a:r>
             <a:r>
-              <a:rPr lang="en-US" altLang="zh-CN" sz="1800" dirty="0" smtClean="0"/>
+              <a:rPr lang="en-US" altLang="zh-CN" sz="1800" dirty="0"/>
               <a:t>Go</a:t>
             </a:r>
             <a:r>
-              <a:rPr lang="zh-CN" altLang="en-US" sz="1800" dirty="0" smtClean="0"/>
+              <a:rPr lang="zh-CN" altLang="en-US" sz="1800" dirty="0"/>
               <a:t>？ </a:t>
             </a:r>
           </a:p>
           <a:p>
             <a:pPr lvl="1"/>
             <a:r>
-              <a:rPr lang="en-US" altLang="zh-CN" sz="1400" dirty="0" smtClean="0">
+              <a:rPr lang="en-US" altLang="zh-CN" sz="1400" dirty="0">
                 <a:hlinkClick r:id="rId12"/>
               </a:rPr>
-              <a:t>https</a:t>
-            </a:r>
-            <a:r>
-              <a:rPr lang="en-US" altLang="zh-CN" sz="1400" dirty="0" smtClean="0">
-                <a:hlinkClick r:id="rId12"/>
-              </a:rPr>
-              <a:t>://</a:t>
-            </a:r>
-            <a:r>
-              <a:rPr lang="en-US" altLang="zh-CN" sz="1400" dirty="0" smtClean="0">
-                <a:hlinkClick r:id="rId12"/>
-              </a:rPr>
-              <a:t>yq.aliyun.com/ask/259719</a:t>
-            </a:r>
-            <a:endParaRPr lang="en-US" altLang="zh-CN" sz="1400" dirty="0" smtClean="0"/>
+              <a:t>https://yq.aliyun.com/ask/259719</a:t>
+            </a:r>
+            <a:endParaRPr lang="en-US" altLang="zh-CN" sz="1400" dirty="0"/>
           </a:p>
           <a:p>
             <a:pPr lvl="1"/>
             <a:r>
-              <a:rPr lang="en-US" altLang="zh-CN" sz="1400" dirty="0" smtClean="0">
+              <a:rPr lang="en-US" altLang="zh-CN" sz="1400" dirty="0">
                 <a:hlinkClick r:id="rId13"/>
               </a:rPr>
-              <a:t>https://</a:t>
-            </a:r>
-            <a:r>
-              <a:rPr lang="en-US" altLang="zh-CN" sz="1400" dirty="0" smtClean="0">
-                <a:hlinkClick r:id="rId13"/>
+              <a:t>https://studygolang.com/articles/2675</a:t>
+            </a:r>
+            <a:endParaRPr lang="en-US" altLang="zh-CN" sz="1400" dirty="0"/>
+          </a:p>
+          <a:p>
+            <a:pPr lvl="1"/>
+            <a:r>
+              <a:rPr lang="en-US" altLang="zh-CN" sz="1400" dirty="0">
+                <a:hlinkClick r:id="rId14"/>
               </a:rPr>
-              <a:t>studygolang.com/articles/2675</a:t>
-            </a:r>
-            <a:endParaRPr lang="en-US" altLang="zh-CN" sz="1400" dirty="0" smtClean="0"/>
+              <a:t>https://studygolang.com/articles/6385</a:t>
+            </a:r>
+            <a:endParaRPr lang="en-US" altLang="zh-CN" sz="1400" dirty="0"/>
           </a:p>
           <a:p>
             <a:pPr lvl="1"/>
@@ -11448,7 +11813,7 @@
     </p:spTree>
     <p:extLst>
       <p:ext uri="{BB962C8B-B14F-4D97-AF65-F5344CB8AC3E}">
-        <p14:creationId xmlns:p14="http://schemas.microsoft.com/office/powerpoint/2010/main" xmlns="" val="1153648341"/>
+        <p14:creationId xmlns:p14="http://schemas.microsoft.com/office/powerpoint/2010/main" val="1153648341"/>
       </p:ext>
     </p:extLst>
   </p:cSld>
@@ -11480,7 +11845,7 @@
           <p:cNvPr id="2" name="Title 1">
             <a:extLst>
               <a:ext uri="{FF2B5EF4-FFF2-40B4-BE49-F238E27FC236}">
-                <a16:creationId xmlns:a16="http://schemas.microsoft.com/office/drawing/2014/main" xmlns="" id="{D7C84779-5F93-4DCC-86DF-8D79DEAEC374}"/>
+                <a16:creationId xmlns:a16="http://schemas.microsoft.com/office/drawing/2014/main" id="{D7C84779-5F93-4DCC-86DF-8D79DEAEC374}"/>
               </a:ext>
             </a:extLst>
           </p:cNvPr>
@@ -11513,7 +11878,7 @@
           <p:cNvPr id="3" name="Content Placeholder 2">
             <a:extLst>
               <a:ext uri="{FF2B5EF4-FFF2-40B4-BE49-F238E27FC236}">
-                <a16:creationId xmlns:a16="http://schemas.microsoft.com/office/drawing/2014/main" xmlns="" id="{0E59A1AE-F806-46F3-BA69-B4B5C2C30661}"/>
+                <a16:creationId xmlns:a16="http://schemas.microsoft.com/office/drawing/2014/main" id="{0E59A1AE-F806-46F3-BA69-B4B5C2C30661}"/>
               </a:ext>
             </a:extLst>
           </p:cNvPr>
@@ -11552,7 +11917,7 @@
           <p:cNvPr id="4" name="TextBox 3">
             <a:extLst>
               <a:ext uri="{FF2B5EF4-FFF2-40B4-BE49-F238E27FC236}">
-                <a16:creationId xmlns:a16="http://schemas.microsoft.com/office/drawing/2014/main" xmlns="" id="{945B14A7-9B10-4210-9FBD-CCE24D646A83}"/>
+                <a16:creationId xmlns:a16="http://schemas.microsoft.com/office/drawing/2014/main" id="{945B14A7-9B10-4210-9FBD-CCE24D646A83}"/>
               </a:ext>
             </a:extLst>
           </p:cNvPr>
@@ -11605,7 +11970,7 @@
           <p:cNvPr id="5" name="Picture 4">
             <a:extLst>
               <a:ext uri="{FF2B5EF4-FFF2-40B4-BE49-F238E27FC236}">
-                <a16:creationId xmlns:a16="http://schemas.microsoft.com/office/drawing/2014/main" xmlns="" id="{53A4B057-3B19-4265-AAD3-16AF8114FA31}"/>
+                <a16:creationId xmlns:a16="http://schemas.microsoft.com/office/drawing/2014/main" id="{53A4B057-3B19-4265-AAD3-16AF8114FA31}"/>
               </a:ext>
             </a:extLst>
           </p:cNvPr>
@@ -11633,7 +11998,7 @@
     </p:spTree>
     <p:extLst>
       <p:ext uri="{BB962C8B-B14F-4D97-AF65-F5344CB8AC3E}">
-        <p14:creationId xmlns:p14="http://schemas.microsoft.com/office/powerpoint/2010/main" xmlns="" val="3732194823"/>
+        <p14:creationId xmlns:p14="http://schemas.microsoft.com/office/powerpoint/2010/main" val="3732194823"/>
       </p:ext>
     </p:extLst>
   </p:cSld>
@@ -11665,7 +12030,7 @@
           <p:cNvPr id="2" name="Title 1">
             <a:extLst>
               <a:ext uri="{FF2B5EF4-FFF2-40B4-BE49-F238E27FC236}">
-                <a16:creationId xmlns:a16="http://schemas.microsoft.com/office/drawing/2014/main" xmlns="" id="{D7C84779-5F93-4DCC-86DF-8D79DEAEC374}"/>
+                <a16:creationId xmlns:a16="http://schemas.microsoft.com/office/drawing/2014/main" id="{D7C84779-5F93-4DCC-86DF-8D79DEAEC374}"/>
               </a:ext>
             </a:extLst>
           </p:cNvPr>
@@ -11698,7 +12063,7 @@
           <p:cNvPr id="8" name="Picture 7">
             <a:extLst>
               <a:ext uri="{FF2B5EF4-FFF2-40B4-BE49-F238E27FC236}">
-                <a16:creationId xmlns:a16="http://schemas.microsoft.com/office/drawing/2014/main" xmlns="" id="{AD1537C4-A03B-4DA5-8884-D31334E7119A}"/>
+                <a16:creationId xmlns:a16="http://schemas.microsoft.com/office/drawing/2014/main" id="{AD1537C4-A03B-4DA5-8884-D31334E7119A}"/>
               </a:ext>
             </a:extLst>
           </p:cNvPr>
@@ -11863,7 +12228,7 @@
     </p:spTree>
     <p:extLst>
       <p:ext uri="{BB962C8B-B14F-4D97-AF65-F5344CB8AC3E}">
-        <p14:creationId xmlns:p14="http://schemas.microsoft.com/office/powerpoint/2010/main" xmlns="" val="3032618518"/>
+        <p14:creationId xmlns:p14="http://schemas.microsoft.com/office/powerpoint/2010/main" val="3032618518"/>
       </p:ext>
     </p:extLst>
   </p:cSld>
@@ -11895,7 +12260,7 @@
           <p:cNvPr id="2" name="Title 1">
             <a:extLst>
               <a:ext uri="{FF2B5EF4-FFF2-40B4-BE49-F238E27FC236}">
-                <a16:creationId xmlns:a16="http://schemas.microsoft.com/office/drawing/2014/main" xmlns="" id="{D7C84779-5F93-4DCC-86DF-8D79DEAEC374}"/>
+                <a16:creationId xmlns:a16="http://schemas.microsoft.com/office/drawing/2014/main" id="{D7C84779-5F93-4DCC-86DF-8D79DEAEC374}"/>
               </a:ext>
             </a:extLst>
           </p:cNvPr>
@@ -11928,7 +12293,7 @@
           <p:cNvPr id="9" name="Rectangle 8">
             <a:extLst>
               <a:ext uri="{FF2B5EF4-FFF2-40B4-BE49-F238E27FC236}">
-                <a16:creationId xmlns:a16="http://schemas.microsoft.com/office/drawing/2014/main" xmlns="" id="{09DF8025-61D7-487E-B878-BECE556123CE}"/>
+                <a16:creationId xmlns:a16="http://schemas.microsoft.com/office/drawing/2014/main" id="{09DF8025-61D7-487E-B878-BECE556123CE}"/>
               </a:ext>
             </a:extLst>
           </p:cNvPr>
@@ -12086,7 +12451,7 @@
     </p:spTree>
     <p:extLst>
       <p:ext uri="{BB962C8B-B14F-4D97-AF65-F5344CB8AC3E}">
-        <p14:creationId xmlns:p14="http://schemas.microsoft.com/office/powerpoint/2010/main" xmlns="" val="421020347"/>
+        <p14:creationId xmlns:p14="http://schemas.microsoft.com/office/powerpoint/2010/main" val="421020347"/>
       </p:ext>
     </p:extLst>
   </p:cSld>
@@ -12118,7 +12483,7 @@
           <p:cNvPr id="2" name="Title 1">
             <a:extLst>
               <a:ext uri="{FF2B5EF4-FFF2-40B4-BE49-F238E27FC236}">
-                <a16:creationId xmlns:a16="http://schemas.microsoft.com/office/drawing/2014/main" xmlns="" id="{D7C84779-5F93-4DCC-86DF-8D79DEAEC374}"/>
+                <a16:creationId xmlns:a16="http://schemas.microsoft.com/office/drawing/2014/main" id="{D7C84779-5F93-4DCC-86DF-8D79DEAEC374}"/>
               </a:ext>
             </a:extLst>
           </p:cNvPr>
@@ -12147,7 +12512,7 @@
           <p:cNvPr id="9" name="Rectangle 8">
             <a:extLst>
               <a:ext uri="{FF2B5EF4-FFF2-40B4-BE49-F238E27FC236}">
-                <a16:creationId xmlns:a16="http://schemas.microsoft.com/office/drawing/2014/main" xmlns="" id="{09DF8025-61D7-487E-B878-BECE556123CE}"/>
+                <a16:creationId xmlns:a16="http://schemas.microsoft.com/office/drawing/2014/main" id="{09DF8025-61D7-487E-B878-BECE556123CE}"/>
               </a:ext>
             </a:extLst>
           </p:cNvPr>
@@ -12285,7 +12650,7 @@
           <p:cNvPr id="3" name="Picture 2">
             <a:extLst>
               <a:ext uri="{FF2B5EF4-FFF2-40B4-BE49-F238E27FC236}">
-                <a16:creationId xmlns:a16="http://schemas.microsoft.com/office/drawing/2014/main" xmlns="" id="{1A39D9B2-21D2-44D4-A413-6845A3A83FEC}"/>
+                <a16:creationId xmlns:a16="http://schemas.microsoft.com/office/drawing/2014/main" id="{1A39D9B2-21D2-44D4-A413-6845A3A83FEC}"/>
               </a:ext>
             </a:extLst>
           </p:cNvPr>
@@ -12313,7 +12678,7 @@
     </p:spTree>
     <p:extLst>
       <p:ext uri="{BB962C8B-B14F-4D97-AF65-F5344CB8AC3E}">
-        <p14:creationId xmlns:p14="http://schemas.microsoft.com/office/powerpoint/2010/main" xmlns="" val="626934487"/>
+        <p14:creationId xmlns:p14="http://schemas.microsoft.com/office/powerpoint/2010/main" val="626934487"/>
       </p:ext>
     </p:extLst>
   </p:cSld>
@@ -12345,7 +12710,7 @@
           <p:cNvPr id="2" name="Title 1">
             <a:extLst>
               <a:ext uri="{FF2B5EF4-FFF2-40B4-BE49-F238E27FC236}">
-                <a16:creationId xmlns:a16="http://schemas.microsoft.com/office/drawing/2014/main" xmlns="" id="{D7C84779-5F93-4DCC-86DF-8D79DEAEC374}"/>
+                <a16:creationId xmlns:a16="http://schemas.microsoft.com/office/drawing/2014/main" id="{D7C84779-5F93-4DCC-86DF-8D79DEAEC374}"/>
               </a:ext>
             </a:extLst>
           </p:cNvPr>
@@ -12374,7 +12739,7 @@
           <p:cNvPr id="9" name="Rectangle 8">
             <a:extLst>
               <a:ext uri="{FF2B5EF4-FFF2-40B4-BE49-F238E27FC236}">
-                <a16:creationId xmlns:a16="http://schemas.microsoft.com/office/drawing/2014/main" xmlns="" id="{09DF8025-61D7-487E-B878-BECE556123CE}"/>
+                <a16:creationId xmlns:a16="http://schemas.microsoft.com/office/drawing/2014/main" id="{09DF8025-61D7-487E-B878-BECE556123CE}"/>
               </a:ext>
             </a:extLst>
           </p:cNvPr>
@@ -12662,7 +13027,7 @@
     </p:spTree>
     <p:extLst>
       <p:ext uri="{BB962C8B-B14F-4D97-AF65-F5344CB8AC3E}">
-        <p14:creationId xmlns:p14="http://schemas.microsoft.com/office/powerpoint/2010/main" xmlns="" val="1934937011"/>
+        <p14:creationId xmlns:p14="http://schemas.microsoft.com/office/powerpoint/2010/main" val="1934937011"/>
       </p:ext>
     </p:extLst>
   </p:cSld>
@@ -12694,7 +13059,7 @@
           <p:cNvPr id="2" name="Title 1">
             <a:extLst>
               <a:ext uri="{FF2B5EF4-FFF2-40B4-BE49-F238E27FC236}">
-                <a16:creationId xmlns:a16="http://schemas.microsoft.com/office/drawing/2014/main" xmlns="" id="{D7C84779-5F93-4DCC-86DF-8D79DEAEC374}"/>
+                <a16:creationId xmlns:a16="http://schemas.microsoft.com/office/drawing/2014/main" id="{D7C84779-5F93-4DCC-86DF-8D79DEAEC374}"/>
               </a:ext>
             </a:extLst>
           </p:cNvPr>
@@ -12727,7 +13092,7 @@
           <p:cNvPr id="9" name="Rectangle 8">
             <a:extLst>
               <a:ext uri="{FF2B5EF4-FFF2-40B4-BE49-F238E27FC236}">
-                <a16:creationId xmlns:a16="http://schemas.microsoft.com/office/drawing/2014/main" xmlns="" id="{09DF8025-61D7-487E-B878-BECE556123CE}"/>
+                <a16:creationId xmlns:a16="http://schemas.microsoft.com/office/drawing/2014/main" id="{09DF8025-61D7-487E-B878-BECE556123CE}"/>
               </a:ext>
             </a:extLst>
           </p:cNvPr>
@@ -12861,7 +13226,7 @@
     </p:spTree>
     <p:extLst>
       <p:ext uri="{BB962C8B-B14F-4D97-AF65-F5344CB8AC3E}">
-        <p14:creationId xmlns:p14="http://schemas.microsoft.com/office/powerpoint/2010/main" xmlns="" val="1934937011"/>
+        <p14:creationId xmlns:p14="http://schemas.microsoft.com/office/powerpoint/2010/main" val="1934937011"/>
       </p:ext>
     </p:extLst>
   </p:cSld>
@@ -13160,7 +13525,7 @@
   <a:extraClrSchemeLst/>
   <a:extLst>
     <a:ext uri="{05A4C25C-085E-4340-85A3-A5531E510DB2}">
-      <thm15:themeFamily xmlns:thm15="http://schemas.microsoft.com/office/thememl/2012/main" xmlns="" name="Office Theme" id="{62F939B6-93AF-4DB8-9C6B-D6C7DFDC589F}" vid="{4A3C46E8-61CC-4603-A589-7422A47A8E4A}"/>
+      <thm15:themeFamily xmlns:thm15="http://schemas.microsoft.com/office/thememl/2012/main" name="Office Theme" id="{62F939B6-93AF-4DB8-9C6B-D6C7DFDC589F}" vid="{4A3C46E8-61CC-4603-A589-7422A47A8E4A}"/>
     </a:ext>
   </a:extLst>
 </a:theme>
@@ -13455,16 +13820,19 @@
   <a:extraClrSchemeLst/>
   <a:extLst>
     <a:ext uri="{05A4C25C-085E-4340-85A3-A5531E510DB2}">
-      <thm15:themeFamily xmlns:thm15="http://schemas.microsoft.com/office/thememl/2012/main" xmlns="" name="Office Theme" id="{62F939B6-93AF-4DB8-9C6B-D6C7DFDC589F}" vid="{4A3C46E8-61CC-4603-A589-7422A47A8E4A}"/>
+      <thm15:themeFamily xmlns:thm15="http://schemas.microsoft.com/office/thememl/2012/main" name="Office Theme" id="{62F939B6-93AF-4DB8-9C6B-D6C7DFDC589F}" vid="{4A3C46E8-61CC-4603-A589-7422A47A8E4A}"/>
     </a:ext>
   </a:extLst>
 </a:theme>
 </file>
 
 <file path=customXml/item1.xml><?xml version="1.0" encoding="utf-8"?>
-<p:properties xmlns:p="http://schemas.microsoft.com/office/2006/metadata/properties" xmlns:xsi="http://www.w3.org/2001/XMLSchema-instance" xmlns:pc="http://schemas.microsoft.com/office/infopath/2007/PartnerControls">
-  <documentManagement/>
-</p:properties>
+<?mso-contentType ?>
+<FormTemplates xmlns="http://schemas.microsoft.com/sharepoint/v3/contenttype/forms">
+  <Display>DocumentLibraryForm</Display>
+  <Edit>DocumentLibraryForm</Edit>
+  <New>DocumentLibraryForm</New>
+</FormTemplates>
 </file>
 
 <file path=customXml/item2.xml><?xml version="1.0" encoding="utf-8"?>
@@ -13606,26 +13974,15 @@
 </file>
 
 <file path=customXml/item3.xml><?xml version="1.0" encoding="utf-8"?>
-<?mso-contentType ?>
-<FormTemplates xmlns="http://schemas.microsoft.com/sharepoint/v3/contenttype/forms">
-  <Display>DocumentLibraryForm</Display>
-  <Edit>DocumentLibraryForm</Edit>
-  <New>DocumentLibraryForm</New>
-</FormTemplates>
+<p:properties xmlns:p="http://schemas.microsoft.com/office/2006/metadata/properties" xmlns:xsi="http://www.w3.org/2001/XMLSchema-instance" xmlns:pc="http://schemas.microsoft.com/office/infopath/2007/PartnerControls">
+  <documentManagement/>
+</p:properties>
 </file>
 
 <file path=customXml/itemProps1.xml><?xml version="1.0" encoding="utf-8"?>
-<ds:datastoreItem xmlns:ds="http://schemas.openxmlformats.org/officeDocument/2006/customXml" ds:itemID="{09818F5F-9A4E-472D-957A-F61DB6A689A1}">
+<ds:datastoreItem xmlns:ds="http://schemas.openxmlformats.org/officeDocument/2006/customXml" ds:itemID="{8D58F66B-F132-4627-A8F1-473C8F1DC658}">
   <ds:schemaRefs>
-    <ds:schemaRef ds:uri="http://www.w3.org/XML/1998/namespace"/>
-    <ds:schemaRef ds:uri="http://schemas.microsoft.com/office/2006/metadata/properties"/>
-    <ds:schemaRef ds:uri="http://purl.org/dc/dcmitype/"/>
-    <ds:schemaRef ds:uri="a5770b6f-473e-481d-a1c6-8a0376abbd89"/>
-    <ds:schemaRef ds:uri="http://purl.org/dc/terms/"/>
-    <ds:schemaRef ds:uri="http://schemas.microsoft.com/office/infopath/2007/PartnerControls"/>
-    <ds:schemaRef ds:uri="http://schemas.microsoft.com/office/2006/documentManagement/types"/>
-    <ds:schemaRef ds:uri="http://schemas.openxmlformats.org/package/2006/metadata/core-properties"/>
-    <ds:schemaRef ds:uri="http://purl.org/dc/elements/1.1/"/>
+    <ds:schemaRef ds:uri="http://schemas.microsoft.com/sharepoint/v3/contenttype/forms"/>
   </ds:schemaRefs>
 </ds:datastoreItem>
 </file>
@@ -13649,9 +14006,17 @@
 </file>
 
 <file path=customXml/itemProps3.xml><?xml version="1.0" encoding="utf-8"?>
-<ds:datastoreItem xmlns:ds="http://schemas.openxmlformats.org/officeDocument/2006/customXml" ds:itemID="{8D58F66B-F132-4627-A8F1-473C8F1DC658}">
+<ds:datastoreItem xmlns:ds="http://schemas.openxmlformats.org/officeDocument/2006/customXml" ds:itemID="{09818F5F-9A4E-472D-957A-F61DB6A689A1}">
   <ds:schemaRefs>
-    <ds:schemaRef ds:uri="http://schemas.microsoft.com/sharepoint/v3/contenttype/forms"/>
+    <ds:schemaRef ds:uri="http://www.w3.org/XML/1998/namespace"/>
+    <ds:schemaRef ds:uri="http://schemas.microsoft.com/office/2006/metadata/properties"/>
+    <ds:schemaRef ds:uri="http://purl.org/dc/dcmitype/"/>
+    <ds:schemaRef ds:uri="a5770b6f-473e-481d-a1c6-8a0376abbd89"/>
+    <ds:schemaRef ds:uri="http://purl.org/dc/terms/"/>
+    <ds:schemaRef ds:uri="http://schemas.microsoft.com/office/infopath/2007/PartnerControls"/>
+    <ds:schemaRef ds:uri="http://schemas.microsoft.com/office/2006/documentManagement/types"/>
+    <ds:schemaRef ds:uri="http://schemas.openxmlformats.org/package/2006/metadata/core-properties"/>
+    <ds:schemaRef ds:uri="http://purl.org/dc/elements/1.1/"/>
   </ds:schemaRefs>
 </ds:datastoreItem>
 </file>
--- a/GolangConcurency.pptx
+++ b/GolangConcurency.pptx
@@ -10581,7 +10581,7 @@
             </a:pPr>
             <a:r>
               <a:rPr lang="en-US" dirty="0"/>
-              <a:t>he more I’ve been working with distributed systems, the more I’m frustrated by Node’s direction, which </a:t>
+              <a:t>The more I’ve been working with distributed systems, the more I’m frustrated by Node’s direction, which </a:t>
             </a:r>
             <a:r>
               <a:rPr lang="en-US" dirty="0" err="1"/>
@@ -10707,12 +10707,24 @@
               <a:t>这样的东西最好还是能够早点退出历史舞台 </a:t>
             </a:r>
             <a:r>
-              <a:rPr lang="en-US" altLang="zh-CN" dirty="0"/>
+              <a:rPr lang="en-US" altLang="zh-CN" dirty="0">
+                <a:solidFill>
+                  <a:srgbClr val="0070C0"/>
+                </a:solidFill>
+              </a:rPr>
               <a:t>– </a:t>
             </a:r>
             <a:r>
+              <a:rPr lang="zh-CN" altLang="en-US" dirty="0">
+                <a:solidFill>
+                  <a:srgbClr val="0070C0"/>
+                </a:solidFill>
+              </a:rPr>
+              <a:t>许式伟</a:t>
+            </a:r>
+            <a:r>
               <a:rPr lang="zh-CN" altLang="en-US" dirty="0"/>
-              <a:t>许式伟 </a:t>
+              <a:t> </a:t>
             </a:r>
             <a:endParaRPr lang="en-US" altLang="zh-CN" dirty="0">
               <a:solidFill>
@@ -10969,8 +10981,16 @@
               <a:buNone/>
             </a:pPr>
             <a:r>
+              <a:rPr lang="en-US" altLang="zh-CN"/>
+              <a:t>			</a:t>
+            </a:r>
+            <a:r>
+              <a:rPr lang="zh-CN" altLang="en-US"/>
+              <a:t>唯</a:t>
+            </a:r>
+            <a:r>
               <a:rPr lang="zh-CN" altLang="en-US" dirty="0"/>
-              <a:t>唯有简单才是最终的解决方案</a:t>
+              <a:t>有简单才是最终的解决方案</a:t>
             </a:r>
           </a:p>
         </p:txBody>
@@ -13827,12 +13847,9 @@
 </file>
 
 <file path=customXml/item1.xml><?xml version="1.0" encoding="utf-8"?>
-<?mso-contentType ?>
-<FormTemplates xmlns="http://schemas.microsoft.com/sharepoint/v3/contenttype/forms">
-  <Display>DocumentLibraryForm</Display>
-  <Edit>DocumentLibraryForm</Edit>
-  <New>DocumentLibraryForm</New>
-</FormTemplates>
+<p:properties xmlns:p="http://schemas.microsoft.com/office/2006/metadata/properties" xmlns:xsi="http://www.w3.org/2001/XMLSchema-instance" xmlns:pc="http://schemas.microsoft.com/office/infopath/2007/PartnerControls">
+  <documentManagement/>
+</p:properties>
 </file>
 
 <file path=customXml/item2.xml><?xml version="1.0" encoding="utf-8"?>
@@ -13974,15 +13991,26 @@
 </file>
 
 <file path=customXml/item3.xml><?xml version="1.0" encoding="utf-8"?>
-<p:properties xmlns:p="http://schemas.microsoft.com/office/2006/metadata/properties" xmlns:xsi="http://www.w3.org/2001/XMLSchema-instance" xmlns:pc="http://schemas.microsoft.com/office/infopath/2007/PartnerControls">
-  <documentManagement/>
-</p:properties>
+<?mso-contentType ?>
+<FormTemplates xmlns="http://schemas.microsoft.com/sharepoint/v3/contenttype/forms">
+  <Display>DocumentLibraryForm</Display>
+  <Edit>DocumentLibraryForm</Edit>
+  <New>DocumentLibraryForm</New>
+</FormTemplates>
 </file>
 
 <file path=customXml/itemProps1.xml><?xml version="1.0" encoding="utf-8"?>
-<ds:datastoreItem xmlns:ds="http://schemas.openxmlformats.org/officeDocument/2006/customXml" ds:itemID="{8D58F66B-F132-4627-A8F1-473C8F1DC658}">
+<ds:datastoreItem xmlns:ds="http://schemas.openxmlformats.org/officeDocument/2006/customXml" ds:itemID="{09818F5F-9A4E-472D-957A-F61DB6A689A1}">
   <ds:schemaRefs>
-    <ds:schemaRef ds:uri="http://schemas.microsoft.com/sharepoint/v3/contenttype/forms"/>
+    <ds:schemaRef ds:uri="http://www.w3.org/XML/1998/namespace"/>
+    <ds:schemaRef ds:uri="http://schemas.microsoft.com/office/2006/metadata/properties"/>
+    <ds:schemaRef ds:uri="http://purl.org/dc/dcmitype/"/>
+    <ds:schemaRef ds:uri="a5770b6f-473e-481d-a1c6-8a0376abbd89"/>
+    <ds:schemaRef ds:uri="http://purl.org/dc/terms/"/>
+    <ds:schemaRef ds:uri="http://schemas.microsoft.com/office/infopath/2007/PartnerControls"/>
+    <ds:schemaRef ds:uri="http://schemas.microsoft.com/office/2006/documentManagement/types"/>
+    <ds:schemaRef ds:uri="http://schemas.openxmlformats.org/package/2006/metadata/core-properties"/>
+    <ds:schemaRef ds:uri="http://purl.org/dc/elements/1.1/"/>
   </ds:schemaRefs>
 </ds:datastoreItem>
 </file>
@@ -14006,17 +14034,9 @@
 </file>
 
 <file path=customXml/itemProps3.xml><?xml version="1.0" encoding="utf-8"?>
-<ds:datastoreItem xmlns:ds="http://schemas.openxmlformats.org/officeDocument/2006/customXml" ds:itemID="{09818F5F-9A4E-472D-957A-F61DB6A689A1}">
+<ds:datastoreItem xmlns:ds="http://schemas.openxmlformats.org/officeDocument/2006/customXml" ds:itemID="{8D58F66B-F132-4627-A8F1-473C8F1DC658}">
   <ds:schemaRefs>
-    <ds:schemaRef ds:uri="http://www.w3.org/XML/1998/namespace"/>
-    <ds:schemaRef ds:uri="http://schemas.microsoft.com/office/2006/metadata/properties"/>
-    <ds:schemaRef ds:uri="http://purl.org/dc/dcmitype/"/>
-    <ds:schemaRef ds:uri="a5770b6f-473e-481d-a1c6-8a0376abbd89"/>
-    <ds:schemaRef ds:uri="http://purl.org/dc/terms/"/>
-    <ds:schemaRef ds:uri="http://schemas.microsoft.com/office/infopath/2007/PartnerControls"/>
-    <ds:schemaRef ds:uri="http://schemas.microsoft.com/office/2006/documentManagement/types"/>
-    <ds:schemaRef ds:uri="http://schemas.openxmlformats.org/package/2006/metadata/core-properties"/>
-    <ds:schemaRef ds:uri="http://purl.org/dc/elements/1.1/"/>
+    <ds:schemaRef ds:uri="http://schemas.microsoft.com/sharepoint/v3/contenttype/forms"/>
   </ds:schemaRefs>
 </ds:datastoreItem>
 </file>
--- a/GolangConcurency.pptx
+++ b/GolangConcurency.pptx
@@ -5,7 +5,7 @@
     <p:sldMasterId id="2147483648" r:id="rId4"/>
   </p:sldMasterIdLst>
   <p:notesMasterIdLst>
-    <p:notesMasterId r:id="rId35"/>
+    <p:notesMasterId r:id="rId36"/>
   </p:notesMasterIdLst>
   <p:sldIdLst>
     <p:sldId id="256" r:id="rId5"/>
@@ -33,11 +33,12 @@
     <p:sldId id="339" r:id="rId27"/>
     <p:sldId id="341" r:id="rId28"/>
     <p:sldId id="343" r:id="rId29"/>
-    <p:sldId id="345" r:id="rId30"/>
-    <p:sldId id="346" r:id="rId31"/>
-    <p:sldId id="347" r:id="rId32"/>
-    <p:sldId id="348" r:id="rId33"/>
-    <p:sldId id="335" r:id="rId34"/>
+    <p:sldId id="349" r:id="rId30"/>
+    <p:sldId id="345" r:id="rId31"/>
+    <p:sldId id="346" r:id="rId32"/>
+    <p:sldId id="347" r:id="rId33"/>
+    <p:sldId id="348" r:id="rId34"/>
+    <p:sldId id="335" r:id="rId35"/>
   </p:sldIdLst>
   <p:sldSz cx="12192000" cy="6858000"/>
   <p:notesSz cx="6858000" cy="9144000"/>
@@ -190,6 +191,7 @@
         <p14:section name="why golang" id="{A0ACFAC8-BC0E-4099-9314-7BE53C9266DC}">
           <p14:sldIdLst>
             <p14:sldId id="343"/>
+            <p14:sldId id="349"/>
             <p14:sldId id="345"/>
             <p14:sldId id="346"/>
             <p14:sldId id="347"/>
@@ -312,7 +314,7 @@
             <a:fld id="{81A7F5E0-26D3-4F44-BD3F-0851D1E00D07}" type="datetimeFigureOut">
               <a:rPr lang="en-US" smtClean="0"/>
               <a:pPr/>
-              <a:t>11/16/2018</a:t>
+              <a:t>11/19/2018</a:t>
             </a:fld>
             <a:endParaRPr lang="en-US"/>
           </a:p>
@@ -2100,7 +2102,7 @@
     </p:spTree>
     <p:extLst>
       <p:ext uri="{BB962C8B-B14F-4D97-AF65-F5344CB8AC3E}">
-        <p14:creationId xmlns:p14="http://schemas.microsoft.com/office/powerpoint/2010/main" val="2350648499"/>
+        <p14:creationId xmlns:p14="http://schemas.microsoft.com/office/powerpoint/2010/main" val="3411169213"/>
       </p:ext>
     </p:extLst>
   </p:cSld>
@@ -2185,7 +2187,7 @@
     </p:spTree>
     <p:extLst>
       <p:ext uri="{BB962C8B-B14F-4D97-AF65-F5344CB8AC3E}">
-        <p14:creationId xmlns:p14="http://schemas.microsoft.com/office/powerpoint/2010/main" val="2807633666"/>
+        <p14:creationId xmlns:p14="http://schemas.microsoft.com/office/powerpoint/2010/main" val="2350648499"/>
       </p:ext>
     </p:extLst>
   </p:cSld>
@@ -2440,7 +2442,7 @@
     </p:spTree>
     <p:extLst>
       <p:ext uri="{BB962C8B-B14F-4D97-AF65-F5344CB8AC3E}">
-        <p14:creationId xmlns:p14="http://schemas.microsoft.com/office/powerpoint/2010/main" val="1878289805"/>
+        <p14:creationId xmlns:p14="http://schemas.microsoft.com/office/powerpoint/2010/main" val="2807633666"/>
       </p:ext>
     </p:extLst>
   </p:cSld>
@@ -2526,6 +2528,91 @@
     <p:extLst>
       <p:ext uri="{BB962C8B-B14F-4D97-AF65-F5344CB8AC3E}">
         <p14:creationId xmlns:p14="http://schemas.microsoft.com/office/powerpoint/2010/main" val="2279340415"/>
+      </p:ext>
+    </p:extLst>
+  </p:cSld>
+  <p:clrMapOvr>
+    <a:masterClrMapping/>
+  </p:clrMapOvr>
+</p:notes>
+</file>
+
+<file path=ppt/notesSlides/notesSlide30.xml><?xml version="1.0" encoding="utf-8"?>
+<p:notes xmlns:a="http://schemas.openxmlformats.org/drawingml/2006/main" xmlns:r="http://schemas.openxmlformats.org/officeDocument/2006/relationships" xmlns:p="http://schemas.openxmlformats.org/presentationml/2006/main">
+  <p:cSld>
+    <p:spTree>
+      <p:nvGrpSpPr>
+        <p:cNvPr id="1" name=""/>
+        <p:cNvGrpSpPr/>
+        <p:nvPr/>
+      </p:nvGrpSpPr>
+      <p:grpSpPr>
+        <a:xfrm>
+          <a:off x="0" y="0"/>
+          <a:ext cx="0" cy="0"/>
+          <a:chOff x="0" y="0"/>
+          <a:chExt cx="0" cy="0"/>
+        </a:xfrm>
+      </p:grpSpPr>
+      <p:sp>
+        <p:nvSpPr>
+          <p:cNvPr id="2" name="Slide Image Placeholder 1"/>
+          <p:cNvSpPr>
+            <a:spLocks noGrp="1" noRot="1" noChangeAspect="1"/>
+          </p:cNvSpPr>
+          <p:nvPr>
+            <p:ph type="sldImg"/>
+          </p:nvPr>
+        </p:nvSpPr>
+        <p:spPr/>
+      </p:sp>
+      <p:sp>
+        <p:nvSpPr>
+          <p:cNvPr id="3" name="Notes Placeholder 2"/>
+          <p:cNvSpPr>
+            <a:spLocks noGrp="1"/>
+          </p:cNvSpPr>
+          <p:nvPr>
+            <p:ph type="body" idx="1"/>
+          </p:nvPr>
+        </p:nvSpPr>
+        <p:spPr/>
+        <p:txBody>
+          <a:bodyPr/>
+          <a:lstStyle/>
+          <a:p>
+            <a:endParaRPr lang="en-US" dirty="0"/>
+          </a:p>
+        </p:txBody>
+      </p:sp>
+      <p:sp>
+        <p:nvSpPr>
+          <p:cNvPr id="4" name="Slide Number Placeholder 3"/>
+          <p:cNvSpPr>
+            <a:spLocks noGrp="1"/>
+          </p:cNvSpPr>
+          <p:nvPr>
+            <p:ph type="sldNum" sz="quarter" idx="10"/>
+          </p:nvPr>
+        </p:nvSpPr>
+        <p:spPr/>
+        <p:txBody>
+          <a:bodyPr/>
+          <a:lstStyle/>
+          <a:p>
+            <a:fld id="{148CC6F0-A91C-42A5-9365-46DAD84980C2}" type="slidenum">
+              <a:rPr lang="en-US" smtClean="0"/>
+              <a:pPr/>
+              <a:t>31</a:t>
+            </a:fld>
+            <a:endParaRPr lang="en-US"/>
+          </a:p>
+        </p:txBody>
+      </p:sp>
+    </p:spTree>
+    <p:extLst>
+      <p:ext uri="{BB962C8B-B14F-4D97-AF65-F5344CB8AC3E}">
+        <p14:creationId xmlns:p14="http://schemas.microsoft.com/office/powerpoint/2010/main" val="1878289805"/>
       </p:ext>
     </p:extLst>
   </p:cSld>
@@ -3193,7 +3280,7 @@
             <a:fld id="{B8159077-EF48-40E3-BF6E-366926B30A93}" type="datetimeFigureOut">
               <a:rPr lang="en-US" smtClean="0"/>
               <a:pPr/>
-              <a:t>11/16/2018</a:t>
+              <a:t>11/19/2018</a:t>
             </a:fld>
             <a:endParaRPr lang="en-US"/>
           </a:p>
@@ -3481,7 +3568,7 @@
             <a:fld id="{B8159077-EF48-40E3-BF6E-366926B30A93}" type="datetimeFigureOut">
               <a:rPr lang="en-US" smtClean="0"/>
               <a:pPr/>
-              <a:t>11/16/2018</a:t>
+              <a:t>11/19/2018</a:t>
             </a:fld>
             <a:endParaRPr lang="en-US"/>
           </a:p>
@@ -3691,7 +3778,7 @@
             <a:fld id="{B8159077-EF48-40E3-BF6E-366926B30A93}" type="datetimeFigureOut">
               <a:rPr lang="en-US" smtClean="0"/>
               <a:pPr/>
-              <a:t>11/16/2018</a:t>
+              <a:t>11/19/2018</a:t>
             </a:fld>
             <a:endParaRPr lang="en-US"/>
           </a:p>
@@ -3891,7 +3978,7 @@
             <a:fld id="{B8159077-EF48-40E3-BF6E-366926B30A93}" type="datetimeFigureOut">
               <a:rPr lang="en-US" smtClean="0"/>
               <a:pPr/>
-              <a:t>11/16/2018</a:t>
+              <a:t>11/19/2018</a:t>
             </a:fld>
             <a:endParaRPr lang="en-US"/>
           </a:p>
@@ -4206,7 +4293,7 @@
             <a:fld id="{B8159077-EF48-40E3-BF6E-366926B30A93}" type="datetimeFigureOut">
               <a:rPr lang="en-US" smtClean="0"/>
               <a:pPr/>
-              <a:t>11/16/2018</a:t>
+              <a:t>11/19/2018</a:t>
             </a:fld>
             <a:endParaRPr lang="en-US"/>
           </a:p>
@@ -4511,7 +4598,7 @@
             <a:fld id="{B8159077-EF48-40E3-BF6E-366926B30A93}" type="datetimeFigureOut">
               <a:rPr lang="en-US" smtClean="0"/>
               <a:pPr/>
-              <a:t>11/16/2018</a:t>
+              <a:t>11/19/2018</a:t>
             </a:fld>
             <a:endParaRPr lang="en-US"/>
           </a:p>
@@ -4925,7 +5012,7 @@
             <a:fld id="{B8159077-EF48-40E3-BF6E-366926B30A93}" type="datetimeFigureOut">
               <a:rPr lang="en-US" smtClean="0"/>
               <a:pPr/>
-              <a:t>11/16/2018</a:t>
+              <a:t>11/19/2018</a:t>
             </a:fld>
             <a:endParaRPr lang="en-US"/>
           </a:p>
@@ -5068,7 +5155,7 @@
             <a:fld id="{B8159077-EF48-40E3-BF6E-366926B30A93}" type="datetimeFigureOut">
               <a:rPr lang="en-US" smtClean="0"/>
               <a:pPr/>
-              <a:t>11/16/2018</a:t>
+              <a:t>11/19/2018</a:t>
             </a:fld>
             <a:endParaRPr lang="en-US"/>
           </a:p>
@@ -5183,7 +5270,7 @@
             <a:fld id="{B8159077-EF48-40E3-BF6E-366926B30A93}" type="datetimeFigureOut">
               <a:rPr lang="en-US" smtClean="0"/>
               <a:pPr/>
-              <a:t>11/16/2018</a:t>
+              <a:t>11/19/2018</a:t>
             </a:fld>
             <a:endParaRPr lang="en-US"/>
           </a:p>
@@ -5496,7 +5583,7 @@
             <a:fld id="{B8159077-EF48-40E3-BF6E-366926B30A93}" type="datetimeFigureOut">
               <a:rPr lang="en-US" smtClean="0"/>
               <a:pPr/>
-              <a:t>11/16/2018</a:t>
+              <a:t>11/19/2018</a:t>
             </a:fld>
             <a:endParaRPr lang="en-US"/>
           </a:p>
@@ -5786,7 +5873,7 @@
             <a:fld id="{B8159077-EF48-40E3-BF6E-366926B30A93}" type="datetimeFigureOut">
               <a:rPr lang="en-US" smtClean="0"/>
               <a:pPr/>
-              <a:t>11/16/2018</a:t>
+              <a:t>11/19/2018</a:t>
             </a:fld>
             <a:endParaRPr lang="en-US"/>
           </a:p>
@@ -6029,7 +6116,7 @@
             <a:fld id="{B8159077-EF48-40E3-BF6E-366926B30A93}" type="datetimeFigureOut">
               <a:rPr lang="en-US" smtClean="0"/>
               <a:pPr/>
-              <a:t>11/16/2018</a:t>
+              <a:t>11/19/2018</a:t>
             </a:fld>
             <a:endParaRPr lang="en-US"/>
           </a:p>
@@ -10477,12 +10564,12 @@
           <a:lstStyle/>
           <a:p>
             <a:r>
+              <a:rPr lang="en-US" altLang="zh-CN" dirty="0"/>
+              <a:t>Golang:</a:t>
+            </a:r>
+            <a:r>
               <a:rPr lang="zh-CN" altLang="en-US" dirty="0"/>
-              <a:t>为什么推荐</a:t>
-            </a:r>
-            <a:r>
-              <a:rPr lang="en-US" altLang="zh-CN" dirty="0"/>
-              <a:t>Golang</a:t>
+              <a:t> 带来的思考</a:t>
             </a:r>
             <a:endParaRPr lang="en-US" dirty="0"/>
           </a:p>
@@ -10507,237 +10594,70 @@
         <p:spPr>
           <a:xfrm>
             <a:off x="299101" y="824178"/>
-            <a:ext cx="11892899" cy="6033822"/>
+            <a:ext cx="11647919" cy="5352785"/>
           </a:xfrm>
         </p:spPr>
         <p:txBody>
-          <a:bodyPr>
-            <a:normAutofit lnSpcReduction="10000"/>
-          </a:bodyPr>
-          <a:lstStyle/>
+          <a:bodyPr/>
+          <a:lstStyle/>
+          <a:p>
+            <a:r>
+              <a:rPr lang="zh-CN" altLang="en-US" dirty="0"/>
+              <a:t>没有继承：用组合代替继承</a:t>
+            </a:r>
+            <a:r>
+              <a:rPr lang="en-US" altLang="zh-CN" dirty="0"/>
+              <a:t>.</a:t>
+            </a:r>
+            <a:r>
+              <a:rPr lang="zh-CN" altLang="en-US" dirty="0"/>
+              <a:t> </a:t>
+            </a:r>
+            <a:endParaRPr lang="en-US" altLang="zh-CN" dirty="0"/>
+          </a:p>
+          <a:p>
+            <a:r>
+              <a:rPr lang="zh-CN" altLang="en-US" dirty="0"/>
+              <a:t>没有异常：错误也是逻辑的一部分</a:t>
+            </a:r>
+            <a:r>
+              <a:rPr lang="en-US" altLang="zh-CN" dirty="0"/>
+              <a:t>.</a:t>
+            </a:r>
+          </a:p>
+          <a:p>
+            <a:r>
+              <a:rPr lang="zh-CN" altLang="en-US" dirty="0"/>
+              <a:t>隐式接口：显式实现接口有什么不好？</a:t>
+            </a:r>
+            <a:endParaRPr lang="en-US" altLang="zh-CN" dirty="0"/>
+          </a:p>
+          <a:p>
+            <a:r>
+              <a:rPr lang="zh-CN" altLang="en-US" dirty="0"/>
+              <a:t>没有泛型：泛型真的没有必要么？</a:t>
+            </a:r>
+            <a:endParaRPr lang="en-US" altLang="zh-CN" dirty="0"/>
+          </a:p>
+          <a:p>
+            <a:r>
+              <a:rPr lang="zh-CN" altLang="en-US" dirty="0"/>
+              <a:t>一等公民函数：设计模式是不是太骈俪了？</a:t>
+            </a:r>
+            <a:endParaRPr lang="en-US" dirty="0"/>
+          </a:p>
           <a:p>
             <a:pPr marL="0" indent="0">
               <a:buNone/>
             </a:pPr>
-            <a:r>
-              <a:rPr lang="zh-CN" altLang="en-US" dirty="0"/>
-              <a:t>我发现我花了四年时间锤炼自己用 </a:t>
-            </a:r>
-            <a:r>
-              <a:rPr lang="en-US" altLang="zh-CN" dirty="0"/>
-              <a:t>C </a:t>
-            </a:r>
-            <a:r>
-              <a:rPr lang="zh-CN" altLang="en-US" dirty="0"/>
-              <a:t>语言构建系统的能力，试图找到一个规范，可以更好的编写软件。结果发现只是对 </a:t>
-            </a:r>
-            <a:r>
-              <a:rPr lang="en-US" altLang="zh-CN" dirty="0"/>
-              <a:t>Go </a:t>
-            </a:r>
-            <a:r>
-              <a:rPr lang="zh-CN" altLang="en-US" dirty="0"/>
-              <a:t>的模仿。缺乏语言层面的支持，只能是一个拙劣的模仿。</a:t>
-            </a:r>
             <a:endParaRPr lang="en-US" altLang="zh-CN" dirty="0"/>
-          </a:p>
-          <a:p>
-            <a:pPr marL="0" indent="0">
-              <a:buNone/>
-            </a:pPr>
-            <a:r>
-              <a:rPr lang="zh-CN" altLang="en-US" dirty="0">
-                <a:solidFill>
-                  <a:srgbClr val="00B0F0"/>
-                </a:solidFill>
-              </a:rPr>
-              <a:t>云风 </a:t>
-            </a:r>
-            <a:r>
-              <a:rPr lang="en-US" altLang="zh-CN" dirty="0">
-                <a:solidFill>
-                  <a:srgbClr val="00B0F0"/>
-                </a:solidFill>
-              </a:rPr>
-              <a:t>-</a:t>
-            </a:r>
-            <a:r>
-              <a:rPr lang="zh-CN" altLang="en-US" dirty="0">
-                <a:solidFill>
-                  <a:srgbClr val="00B0F0"/>
-                </a:solidFill>
-              </a:rPr>
-              <a:t>大话西游主程</a:t>
-            </a:r>
-            <a:endParaRPr lang="en-US" altLang="zh-CN" dirty="0">
-              <a:solidFill>
-                <a:srgbClr val="00B0F0"/>
-              </a:solidFill>
-            </a:endParaRPr>
-          </a:p>
-          <a:p>
-            <a:pPr marL="0" indent="0">
-              <a:buNone/>
-            </a:pPr>
-            <a:r>
-              <a:rPr lang="en-US" dirty="0"/>
-              <a:t>The more I’ve been working with distributed systems, the more I’m frustrated by Node’s direction, which </a:t>
-            </a:r>
-            <a:r>
-              <a:rPr lang="en-US" dirty="0" err="1"/>
-              <a:t>favours</a:t>
-            </a:r>
-            <a:r>
-              <a:rPr lang="en-US" dirty="0"/>
-              <a:t> performance over usability and robustness. In the past week I’ve rewritten a relatively large distributed system in Go, and it’s robust, performs better, it’s easier to maintain, and has better test coverage since synchronous code is generally nicer and simpler to work with.</a:t>
-            </a:r>
-          </a:p>
-          <a:p>
-            <a:pPr marL="0" indent="0">
-              <a:buNone/>
-            </a:pPr>
-            <a:r>
-              <a:rPr lang="en-US" dirty="0">
-                <a:solidFill>
-                  <a:srgbClr val="00B0F0"/>
-                </a:solidFill>
-              </a:rPr>
-              <a:t>TJ </a:t>
-            </a:r>
-            <a:r>
-              <a:rPr lang="en-US" dirty="0" err="1">
-                <a:solidFill>
-                  <a:srgbClr val="00B0F0"/>
-                </a:solidFill>
-              </a:rPr>
-              <a:t>Holowaychuk</a:t>
-            </a:r>
-            <a:r>
-              <a:rPr lang="en-US" dirty="0">
-                <a:solidFill>
-                  <a:srgbClr val="00B0F0"/>
-                </a:solidFill>
-              </a:rPr>
-              <a:t> </a:t>
-            </a:r>
-            <a:r>
-              <a:rPr lang="en-US" altLang="zh-CN" dirty="0">
-                <a:solidFill>
-                  <a:srgbClr val="00B0F0"/>
-                </a:solidFill>
-              </a:rPr>
-              <a:t>– 3%</a:t>
-            </a:r>
-            <a:r>
-              <a:rPr lang="zh-CN" altLang="en-US" dirty="0">
-                <a:solidFill>
-                  <a:srgbClr val="00B0F0"/>
-                </a:solidFill>
-              </a:rPr>
-              <a:t>的</a:t>
-            </a:r>
-            <a:r>
-              <a:rPr lang="en-US" altLang="zh-CN" dirty="0" err="1">
-                <a:solidFill>
-                  <a:srgbClr val="00B0F0"/>
-                </a:solidFill>
-              </a:rPr>
-              <a:t>npm</a:t>
-            </a:r>
-            <a:r>
-              <a:rPr lang="en-US" altLang="zh-CN" dirty="0">
-                <a:solidFill>
-                  <a:srgbClr val="00B0F0"/>
-                </a:solidFill>
-              </a:rPr>
-              <a:t> </a:t>
-            </a:r>
-          </a:p>
-          <a:p>
-            <a:pPr marL="0" indent="0">
-              <a:buNone/>
-            </a:pPr>
-            <a:r>
-              <a:rPr lang="zh-CN" altLang="en-US" dirty="0"/>
-              <a:t>在十余年的技术生涯中，我接触过、使用过、喜爱过不同的编程语言，但总体而言，</a:t>
-            </a:r>
-            <a:r>
-              <a:rPr lang="en-US" altLang="zh-CN" dirty="0"/>
-              <a:t>Go</a:t>
-            </a:r>
-            <a:r>
-              <a:rPr lang="zh-CN" altLang="en-US" dirty="0"/>
-              <a:t>语言的出现是最让我兴奋的事情</a:t>
-            </a:r>
-            <a:r>
-              <a:rPr lang="en-US" altLang="zh-CN" dirty="0"/>
-              <a:t>…</a:t>
-            </a:r>
-          </a:p>
-          <a:p>
-            <a:pPr marL="0" indent="0">
-              <a:buNone/>
-            </a:pPr>
-            <a:r>
-              <a:rPr lang="zh-CN" altLang="en-US" dirty="0"/>
-              <a:t>我自己最早是</a:t>
-            </a:r>
-            <a:r>
-              <a:rPr lang="en-US" altLang="zh-CN" dirty="0"/>
-              <a:t>C++</a:t>
-            </a:r>
-            <a:r>
-              <a:rPr lang="zh-CN" altLang="en-US" dirty="0"/>
-              <a:t>的粉丝，但是我接触</a:t>
-            </a:r>
-            <a:r>
-              <a:rPr lang="en-US" altLang="zh-CN" dirty="0"/>
-              <a:t>Go</a:t>
-            </a:r>
-            <a:r>
-              <a:rPr lang="zh-CN" altLang="en-US" dirty="0"/>
-              <a:t>以后有一个非常强烈的愿望我希望</a:t>
-            </a:r>
-            <a:r>
-              <a:rPr lang="en-US" altLang="zh-CN" dirty="0"/>
-              <a:t>C++</a:t>
-            </a:r>
-            <a:r>
-              <a:rPr lang="zh-CN" altLang="en-US" dirty="0"/>
-              <a:t>这样的东西最好还是能够早点退出历史舞台 </a:t>
-            </a:r>
-            <a:r>
-              <a:rPr lang="en-US" altLang="zh-CN" dirty="0">
-                <a:solidFill>
-                  <a:srgbClr val="0070C0"/>
-                </a:solidFill>
-              </a:rPr>
-              <a:t>– </a:t>
-            </a:r>
-            <a:r>
-              <a:rPr lang="zh-CN" altLang="en-US" dirty="0">
-                <a:solidFill>
-                  <a:srgbClr val="0070C0"/>
-                </a:solidFill>
-              </a:rPr>
-              <a:t>许式伟</a:t>
-            </a:r>
-            <a:r>
-              <a:rPr lang="zh-CN" altLang="en-US" dirty="0"/>
-              <a:t> </a:t>
-            </a:r>
-            <a:endParaRPr lang="en-US" altLang="zh-CN" dirty="0">
-              <a:solidFill>
-                <a:srgbClr val="00B0F0"/>
-              </a:solidFill>
-            </a:endParaRPr>
           </a:p>
         </p:txBody>
       </p:sp>
     </p:spTree>
     <p:extLst>
       <p:ext uri="{BB962C8B-B14F-4D97-AF65-F5344CB8AC3E}">
-        <p14:creationId xmlns:p14="http://schemas.microsoft.com/office/powerpoint/2010/main" val="1100923261"/>
+        <p14:creationId xmlns:p14="http://schemas.microsoft.com/office/powerpoint/2010/main" val="1847534644"/>
       </p:ext>
     </p:extLst>
   </p:cSld>
@@ -10818,10 +10738,15 @@
             <p:ph idx="1"/>
           </p:nvPr>
         </p:nvSpPr>
-        <p:spPr/>
+        <p:spPr>
+          <a:xfrm>
+            <a:off x="299101" y="824178"/>
+            <a:ext cx="11892899" cy="6033822"/>
+          </a:xfrm>
+        </p:spPr>
         <p:txBody>
           <a:bodyPr>
-            <a:normAutofit/>
+            <a:normAutofit lnSpcReduction="10000"/>
           </a:bodyPr>
           <a:lstStyle/>
           <a:p>
@@ -10830,175 +10755,223 @@
             </a:pPr>
             <a:r>
               <a:rPr lang="zh-CN" altLang="en-US" dirty="0"/>
-              <a:t>曾几何时，“协程编程”还是极少数高端玩家嘴里的黑话。无锁队列，并行，非阻塞，无栈有栈协议，上下文切换，</a:t>
+              <a:t>我发现我花了四年时间锤炼自己用 </a:t>
             </a:r>
             <a:r>
               <a:rPr lang="en-US" altLang="zh-CN" dirty="0"/>
-              <a:t>actor </a:t>
+              <a:t>C </a:t>
             </a:r>
             <a:r>
               <a:rPr lang="zh-CN" altLang="en-US" dirty="0"/>
-              <a:t>，</a:t>
-            </a:r>
-            <a:r>
-              <a:rPr lang="en-US" altLang="zh-CN" dirty="0" err="1"/>
-              <a:t>csp</a:t>
+              <a:t>语言构建系统的能力，试图找到一个规范，可以更好的编写软件。结果发现只是对 </a:t>
+            </a:r>
+            <a:r>
+              <a:rPr lang="en-US" altLang="zh-CN" dirty="0"/>
+              <a:t>Go </a:t>
             </a:r>
             <a:r>
               <a:rPr lang="zh-CN" altLang="en-US" dirty="0"/>
-              <a:t>这些黑话足以把你的膀胱吓得漏液。如今，作为资深</a:t>
-            </a:r>
-            <a:r>
-              <a:rPr lang="en-US" altLang="zh-CN" dirty="0"/>
-              <a:t>c/</a:t>
-            </a:r>
-            <a:r>
-              <a:rPr lang="en-US" altLang="zh-CN" dirty="0" err="1"/>
-              <a:t>c++</a:t>
-            </a:r>
-            <a:r>
-              <a:rPr lang="zh-CN" altLang="en-US" dirty="0"/>
-              <a:t>工程师的你看到一个</a:t>
-            </a:r>
-            <a:r>
-              <a:rPr lang="en-US" altLang="zh-CN" dirty="0"/>
-              <a:t>java CRUD boy</a:t>
-            </a:r>
-            <a:r>
-              <a:rPr lang="zh-CN" altLang="en-US" dirty="0"/>
-              <a:t>看</a:t>
-            </a:r>
-            <a:r>
-              <a:rPr lang="en-US" altLang="zh-CN" dirty="0"/>
-              <a:t>3</a:t>
-            </a:r>
-            <a:r>
-              <a:rPr lang="zh-CN" altLang="en-US" dirty="0"/>
-              <a:t>个小时</a:t>
-            </a:r>
-            <a:r>
-              <a:rPr lang="en-US" altLang="zh-CN" dirty="0"/>
-              <a:t>go cookbook </a:t>
-            </a:r>
-            <a:r>
-              <a:rPr lang="zh-CN" altLang="en-US" dirty="0"/>
-              <a:t>写出来的</a:t>
-            </a:r>
-            <a:r>
-              <a:rPr lang="en-US" altLang="zh-CN" dirty="0"/>
-              <a:t>socket</a:t>
-            </a:r>
-            <a:r>
-              <a:rPr lang="zh-CN" altLang="en-US" dirty="0"/>
-              <a:t>服务器的丑陋代码一开始你可能还会笑出声，但是一顿</a:t>
-            </a:r>
-            <a:r>
-              <a:rPr lang="en-US" altLang="zh-CN" dirty="0"/>
-              <a:t>profile benchmark</a:t>
-            </a:r>
-            <a:r>
-              <a:rPr lang="zh-CN" altLang="en-US" dirty="0"/>
-              <a:t>之后，你发现这丑陋玩意儿居然能比你花了半个月用</a:t>
-            </a:r>
-            <a:r>
-              <a:rPr lang="en-US" altLang="zh-CN" dirty="0"/>
-              <a:t>c</a:t>
-            </a:r>
-            <a:r>
-              <a:rPr lang="zh-CN" altLang="en-US" dirty="0"/>
-              <a:t>写的构建于</a:t>
-            </a:r>
-            <a:r>
-              <a:rPr lang="en-US" altLang="zh-CN" dirty="0" err="1"/>
-              <a:t>colib+libuv</a:t>
-            </a:r>
-            <a:r>
-              <a:rPr lang="en-US" altLang="zh-CN" dirty="0"/>
-              <a:t>+#</a:t>
-            </a:r>
-            <a:r>
-              <a:rPr lang="zh-CN" altLang="en-US" dirty="0"/>
-              <a:t>￥</a:t>
-            </a:r>
-            <a:r>
-              <a:rPr lang="en-US" altLang="zh-CN" dirty="0"/>
-              <a:t>%*&amp;</a:t>
-            </a:r>
-            <a:r>
-              <a:rPr lang="zh-CN" altLang="en-US" dirty="0"/>
-              <a:t>等一大堆你生怕写到简历上会引来一大堆猎头骚扰的黑科技构建的</a:t>
-            </a:r>
-            <a:r>
-              <a:rPr lang="en-US" altLang="zh-CN" dirty="0" err="1"/>
-              <a:t>tcp</a:t>
-            </a:r>
-            <a:r>
-              <a:rPr lang="zh-CN" altLang="en-US" dirty="0"/>
-              <a:t>服务端性能更高跑的更快的时候，笑容开始凝固并逐渐消失。</a:t>
-            </a:r>
-            <a:r>
-              <a:rPr lang="en-US" altLang="zh-CN" dirty="0"/>
-              <a:t>go</a:t>
-            </a:r>
-            <a:r>
-              <a:rPr lang="zh-CN" altLang="en-US" dirty="0"/>
-              <a:t>程序似乎不需要刻意调优，也不需要使用</a:t>
-            </a:r>
-            <a:r>
-              <a:rPr lang="en-US" altLang="zh-CN" dirty="0"/>
-              <a:t>supervisor</a:t>
-            </a:r>
-            <a:r>
-              <a:rPr lang="zh-CN" altLang="en-US" dirty="0"/>
-              <a:t>托管一堆进程，天然把协程分配到各核心上面自动压榨，而这一切还对程序员透明。终于你进入了“中年危机”  </a:t>
-            </a:r>
-            <a:r>
-              <a:rPr lang="en-US" altLang="zh-CN" dirty="0"/>
-              <a:t>(</a:t>
-            </a:r>
-            <a:r>
-              <a:rPr lang="zh-CN" altLang="en-US" dirty="0"/>
-              <a:t>引至</a:t>
-            </a:r>
-            <a:r>
-              <a:rPr lang="en-US" altLang="zh-CN" dirty="0" err="1"/>
-              <a:t>zhihu</a:t>
-            </a:r>
-            <a:r>
-              <a:rPr lang="en-US" altLang="zh-CN" dirty="0"/>
-              <a:t>)</a:t>
-            </a:r>
-            <a:endParaRPr lang="zh-CN" altLang="en-US" dirty="0"/>
+              <a:t>的模仿。缺乏语言层面的支持，只能是一个拙劣的模仿。</a:t>
+            </a:r>
+            <a:endParaRPr lang="en-US" altLang="zh-CN" dirty="0"/>
           </a:p>
           <a:p>
             <a:pPr marL="0" indent="0">
               <a:buNone/>
             </a:pPr>
-            <a:endParaRPr lang="en-US" altLang="zh-CN" dirty="0"/>
+            <a:r>
+              <a:rPr lang="zh-CN" altLang="en-US" dirty="0">
+                <a:solidFill>
+                  <a:srgbClr val="00B0F0"/>
+                </a:solidFill>
+              </a:rPr>
+              <a:t>云风 </a:t>
+            </a:r>
+            <a:r>
+              <a:rPr lang="en-US" altLang="zh-CN" dirty="0">
+                <a:solidFill>
+                  <a:srgbClr val="00B0F0"/>
+                </a:solidFill>
+              </a:rPr>
+              <a:t>-</a:t>
+            </a:r>
+            <a:r>
+              <a:rPr lang="zh-CN" altLang="en-US" dirty="0">
+                <a:solidFill>
+                  <a:srgbClr val="00B0F0"/>
+                </a:solidFill>
+              </a:rPr>
+              <a:t>大话西游主程</a:t>
+            </a:r>
+            <a:endParaRPr lang="en-US" altLang="zh-CN" dirty="0">
+              <a:solidFill>
+                <a:srgbClr val="00B0F0"/>
+              </a:solidFill>
+            </a:endParaRPr>
           </a:p>
           <a:p>
             <a:pPr marL="0" indent="0">
               <a:buNone/>
             </a:pPr>
             <a:r>
-              <a:rPr lang="en-US" altLang="zh-CN"/>
-              <a:t>			</a:t>
-            </a:r>
-            <a:r>
-              <a:rPr lang="zh-CN" altLang="en-US"/>
-              <a:t>唯</a:t>
-            </a:r>
+              <a:rPr lang="en-US" dirty="0"/>
+              <a:t>The more I’ve been working with distributed systems, the more I’m frustrated by Node’s direction, which </a:t>
+            </a:r>
+            <a:r>
+              <a:rPr lang="en-US" dirty="0" err="1"/>
+              <a:t>favours</a:t>
+            </a:r>
+            <a:r>
+              <a:rPr lang="en-US" dirty="0"/>
+              <a:t> performance over usability and robustness. In the past week I’ve rewritten a relatively large distributed system in Go, and it’s robust, performs better, it’s easier to maintain, and has better test coverage since synchronous code is generally nicer and simpler to work with.</a:t>
+            </a:r>
+          </a:p>
+          <a:p>
+            <a:pPr marL="0" indent="0">
+              <a:buNone/>
+            </a:pPr>
+            <a:r>
+              <a:rPr lang="en-US" dirty="0">
+                <a:solidFill>
+                  <a:srgbClr val="00B0F0"/>
+                </a:solidFill>
+              </a:rPr>
+              <a:t>TJ </a:t>
+            </a:r>
+            <a:r>
+              <a:rPr lang="en-US" dirty="0" err="1">
+                <a:solidFill>
+                  <a:srgbClr val="00B0F0"/>
+                </a:solidFill>
+              </a:rPr>
+              <a:t>Holowaychuk</a:t>
+            </a:r>
+            <a:r>
+              <a:rPr lang="en-US" dirty="0">
+                <a:solidFill>
+                  <a:srgbClr val="00B0F0"/>
+                </a:solidFill>
+              </a:rPr>
+              <a:t> </a:t>
+            </a:r>
+            <a:r>
+              <a:rPr lang="en-US" altLang="zh-CN" dirty="0">
+                <a:solidFill>
+                  <a:srgbClr val="00B0F0"/>
+                </a:solidFill>
+              </a:rPr>
+              <a:t>– 3%</a:t>
+            </a:r>
+            <a:r>
+              <a:rPr lang="zh-CN" altLang="en-US" dirty="0">
+                <a:solidFill>
+                  <a:srgbClr val="00B0F0"/>
+                </a:solidFill>
+              </a:rPr>
+              <a:t>的</a:t>
+            </a:r>
+            <a:r>
+              <a:rPr lang="en-US" altLang="zh-CN" dirty="0" err="1">
+                <a:solidFill>
+                  <a:srgbClr val="00B0F0"/>
+                </a:solidFill>
+              </a:rPr>
+              <a:t>npm</a:t>
+            </a:r>
+            <a:r>
+              <a:rPr lang="en-US" altLang="zh-CN" dirty="0">
+                <a:solidFill>
+                  <a:srgbClr val="00B0F0"/>
+                </a:solidFill>
+              </a:rPr>
+              <a:t> </a:t>
+            </a:r>
+          </a:p>
+          <a:p>
+            <a:pPr marL="0" indent="0">
+              <a:buNone/>
+            </a:pPr>
             <a:r>
               <a:rPr lang="zh-CN" altLang="en-US" dirty="0"/>
-              <a:t>有简单才是最终的解决方案</a:t>
-            </a:r>
+              <a:t>在十余年的技术生涯中，我接触过、使用过、喜爱过不同的编程语言，但总体而言，</a:t>
+            </a:r>
+            <a:r>
+              <a:rPr lang="en-US" altLang="zh-CN" dirty="0"/>
+              <a:t>Go</a:t>
+            </a:r>
+            <a:r>
+              <a:rPr lang="zh-CN" altLang="en-US" dirty="0"/>
+              <a:t>语言的出现是最让我兴奋的事情</a:t>
+            </a:r>
+            <a:r>
+              <a:rPr lang="en-US" altLang="zh-CN" dirty="0"/>
+              <a:t>…</a:t>
+            </a:r>
+          </a:p>
+          <a:p>
+            <a:pPr marL="0" indent="0">
+              <a:buNone/>
+            </a:pPr>
+            <a:r>
+              <a:rPr lang="zh-CN" altLang="en-US" dirty="0"/>
+              <a:t>我自己最早是</a:t>
+            </a:r>
+            <a:r>
+              <a:rPr lang="en-US" altLang="zh-CN" dirty="0"/>
+              <a:t>C++</a:t>
+            </a:r>
+            <a:r>
+              <a:rPr lang="zh-CN" altLang="en-US" dirty="0"/>
+              <a:t>的粉丝，但是我接触</a:t>
+            </a:r>
+            <a:r>
+              <a:rPr lang="en-US" altLang="zh-CN" dirty="0"/>
+              <a:t>Go</a:t>
+            </a:r>
+            <a:r>
+              <a:rPr lang="zh-CN" altLang="en-US" dirty="0"/>
+              <a:t>以后有一个非常强烈的愿望我希望</a:t>
+            </a:r>
+            <a:r>
+              <a:rPr lang="en-US" altLang="zh-CN" dirty="0"/>
+              <a:t>C++</a:t>
+            </a:r>
+            <a:r>
+              <a:rPr lang="zh-CN" altLang="en-US" dirty="0"/>
+              <a:t>这样的东西最好还是能够早点退出历史舞台 </a:t>
+            </a:r>
+            <a:r>
+              <a:rPr lang="en-US" altLang="zh-CN" dirty="0">
+                <a:solidFill>
+                  <a:srgbClr val="0070C0"/>
+                </a:solidFill>
+              </a:rPr>
+              <a:t>– </a:t>
+            </a:r>
+            <a:r>
+              <a:rPr lang="zh-CN" altLang="en-US" dirty="0">
+                <a:solidFill>
+                  <a:srgbClr val="0070C0"/>
+                </a:solidFill>
+              </a:rPr>
+              <a:t>许式伟</a:t>
+            </a:r>
+            <a:r>
+              <a:rPr lang="zh-CN" altLang="en-US" dirty="0"/>
+              <a:t> </a:t>
+            </a:r>
+            <a:endParaRPr lang="en-US" altLang="zh-CN" dirty="0">
+              <a:solidFill>
+                <a:srgbClr val="00B0F0"/>
+              </a:solidFill>
+            </a:endParaRPr>
           </a:p>
         </p:txBody>
       </p:sp>
     </p:spTree>
     <p:extLst>
       <p:ext uri="{BB962C8B-B14F-4D97-AF65-F5344CB8AC3E}">
-        <p14:creationId xmlns:p14="http://schemas.microsoft.com/office/powerpoint/2010/main" val="2499605271"/>
+        <p14:creationId xmlns:p14="http://schemas.microsoft.com/office/powerpoint/2010/main" val="1100923261"/>
       </p:ext>
     </p:extLst>
   </p:cSld>
@@ -11052,52 +11025,210 @@
           <a:lstStyle/>
           <a:p>
             <a:r>
+              <a:rPr lang="zh-CN" altLang="en-US" dirty="0"/>
+              <a:t>为什么推荐</a:t>
+            </a:r>
+            <a:r>
+              <a:rPr lang="en-US" altLang="zh-CN" dirty="0"/>
+              <a:t>Golang</a:t>
+            </a:r>
+            <a:endParaRPr lang="en-US" dirty="0"/>
+          </a:p>
+        </p:txBody>
+      </p:sp>
+      <p:sp>
+        <p:nvSpPr>
+          <p:cNvPr id="5" name="Content Placeholder 4">
+            <a:extLst>
+              <a:ext uri="{FF2B5EF4-FFF2-40B4-BE49-F238E27FC236}">
+                <a16:creationId xmlns:a16="http://schemas.microsoft.com/office/drawing/2014/main" id="{7A7E2851-6141-4C9C-BEEC-09785EFD900F}"/>
+              </a:ext>
+            </a:extLst>
+          </p:cNvPr>
+          <p:cNvSpPr>
+            <a:spLocks noGrp="1"/>
+          </p:cNvSpPr>
+          <p:nvPr>
+            <p:ph idx="1"/>
+          </p:nvPr>
+        </p:nvSpPr>
+        <p:spPr/>
+        <p:txBody>
+          <a:bodyPr>
+            <a:normAutofit/>
+          </a:bodyPr>
+          <a:lstStyle/>
+          <a:p>
+            <a:pPr marL="0" indent="0">
+              <a:buNone/>
+            </a:pPr>
+            <a:r>
+              <a:rPr lang="zh-CN" altLang="en-US" dirty="0"/>
+              <a:t>曾几何时，“协程编程”还是极少数高端玩家嘴里的黑话。无锁队列，并行，非阻塞，无栈有栈协议，上下文切换，</a:t>
+            </a:r>
+            <a:r>
+              <a:rPr lang="en-US" altLang="zh-CN" dirty="0"/>
+              <a:t>actor </a:t>
+            </a:r>
+            <a:r>
+              <a:rPr lang="zh-CN" altLang="en-US" dirty="0"/>
+              <a:t>，</a:t>
+            </a:r>
+            <a:r>
               <a:rPr lang="en-US" altLang="zh-CN" dirty="0" err="1"/>
-              <a:t>Golang</a:t>
+              <a:t>csp</a:t>
             </a:r>
             <a:r>
               <a:rPr lang="zh-CN" altLang="en-US" dirty="0"/>
-              <a:t>开发团队</a:t>
-            </a:r>
-            <a:endParaRPr lang="en-US" dirty="0"/>
-          </a:p>
-        </p:txBody>
-      </p:sp>
-      <p:pic>
-        <p:nvPicPr>
-          <p:cNvPr id="1026" name="Picture 2"/>
-          <p:cNvPicPr>
-            <a:picLocks noGrp="1" noChangeAspect="1" noChangeArrowheads="1"/>
-          </p:cNvPicPr>
-          <p:nvPr>
-            <p:ph idx="1"/>
-          </p:nvPr>
-        </p:nvPicPr>
-        <p:blipFill>
-          <a:blip r:embed="rId3"/>
-          <a:srcRect/>
-          <a:stretch>
-            <a:fillRect/>
-          </a:stretch>
-        </p:blipFill>
-        <p:spPr bwMode="auto">
-          <a:xfrm>
-            <a:off x="406811" y="823913"/>
-            <a:ext cx="11432353" cy="5353050"/>
-          </a:xfrm>
-          <a:prstGeom prst="rect">
-            <a:avLst/>
-          </a:prstGeom>
-          <a:noFill/>
-          <a:ln w="9525">
-            <a:noFill/>
-            <a:miter lim="800000"/>
-            <a:headEnd/>
-            <a:tailEnd/>
-          </a:ln>
-          <a:effectLst/>
-        </p:spPr>
-      </p:pic>
+              <a:t>这些黑话足以把你的膀胱吓得漏液。如今，作为资深</a:t>
+            </a:r>
+            <a:r>
+              <a:rPr lang="en-US" altLang="zh-CN" dirty="0"/>
+              <a:t>c/</a:t>
+            </a:r>
+            <a:r>
+              <a:rPr lang="en-US" altLang="zh-CN" dirty="0" err="1"/>
+              <a:t>c++</a:t>
+            </a:r>
+            <a:r>
+              <a:rPr lang="zh-CN" altLang="en-US" dirty="0"/>
+              <a:t>工程师的你看到一个</a:t>
+            </a:r>
+            <a:r>
+              <a:rPr lang="en-US" altLang="zh-CN" dirty="0"/>
+              <a:t>java CRUD boy</a:t>
+            </a:r>
+            <a:r>
+              <a:rPr lang="zh-CN" altLang="en-US" dirty="0"/>
+              <a:t>看</a:t>
+            </a:r>
+            <a:r>
+              <a:rPr lang="en-US" altLang="zh-CN" dirty="0"/>
+              <a:t>3</a:t>
+            </a:r>
+            <a:r>
+              <a:rPr lang="zh-CN" altLang="en-US" dirty="0"/>
+              <a:t>个小时</a:t>
+            </a:r>
+            <a:r>
+              <a:rPr lang="en-US" altLang="zh-CN" dirty="0"/>
+              <a:t>go cookbook </a:t>
+            </a:r>
+            <a:r>
+              <a:rPr lang="zh-CN" altLang="en-US" dirty="0"/>
+              <a:t>写出来的</a:t>
+            </a:r>
+            <a:r>
+              <a:rPr lang="en-US" altLang="zh-CN" dirty="0"/>
+              <a:t>socket</a:t>
+            </a:r>
+            <a:r>
+              <a:rPr lang="zh-CN" altLang="en-US" dirty="0"/>
+              <a:t>服务器的丑陋代码一开始你可能还会笑出声，但是一顿</a:t>
+            </a:r>
+            <a:r>
+              <a:rPr lang="en-US" altLang="zh-CN" dirty="0"/>
+              <a:t>profile benchmark</a:t>
+            </a:r>
+            <a:r>
+              <a:rPr lang="zh-CN" altLang="en-US" dirty="0"/>
+              <a:t>之后，你发现这丑陋玩意儿居然能比你花了半个月用</a:t>
+            </a:r>
+            <a:r>
+              <a:rPr lang="en-US" altLang="zh-CN" dirty="0"/>
+              <a:t>c</a:t>
+            </a:r>
+            <a:r>
+              <a:rPr lang="zh-CN" altLang="en-US" dirty="0"/>
+              <a:t>写的构建于</a:t>
+            </a:r>
+            <a:r>
+              <a:rPr lang="en-US" altLang="zh-CN" dirty="0" err="1"/>
+              <a:t>colib+libuv</a:t>
+            </a:r>
+            <a:r>
+              <a:rPr lang="en-US" altLang="zh-CN" dirty="0"/>
+              <a:t>+#</a:t>
+            </a:r>
+            <a:r>
+              <a:rPr lang="zh-CN" altLang="en-US" dirty="0"/>
+              <a:t>￥</a:t>
+            </a:r>
+            <a:r>
+              <a:rPr lang="en-US" altLang="zh-CN" dirty="0"/>
+              <a:t>%*&amp;</a:t>
+            </a:r>
+            <a:r>
+              <a:rPr lang="zh-CN" altLang="en-US" dirty="0"/>
+              <a:t>等一大堆你生怕写到简历上会引来一大堆猎头骚扰的黑科技构建的</a:t>
+            </a:r>
+            <a:r>
+              <a:rPr lang="en-US" altLang="zh-CN" dirty="0" err="1"/>
+              <a:t>tcp</a:t>
+            </a:r>
+            <a:r>
+              <a:rPr lang="zh-CN" altLang="en-US" dirty="0"/>
+              <a:t>服务端性能更高跑的更快的时候，笑容开始凝固并逐渐消失。</a:t>
+            </a:r>
+            <a:r>
+              <a:rPr lang="en-US" altLang="zh-CN" dirty="0"/>
+              <a:t>go</a:t>
+            </a:r>
+            <a:r>
+              <a:rPr lang="zh-CN" altLang="en-US" dirty="0"/>
+              <a:t>程序似乎不需要刻意调优，也不需要使用</a:t>
+            </a:r>
+            <a:r>
+              <a:rPr lang="en-US" altLang="zh-CN" dirty="0"/>
+              <a:t>supervisor</a:t>
+            </a:r>
+            <a:r>
+              <a:rPr lang="zh-CN" altLang="en-US" dirty="0"/>
+              <a:t>托管一堆进程，天然把协程分配到各核心上面自动压榨，而这一切还对程序员透明。终于你进入了“中年危机”  </a:t>
+            </a:r>
+            <a:r>
+              <a:rPr lang="en-US" altLang="zh-CN" dirty="0"/>
+              <a:t>(</a:t>
+            </a:r>
+            <a:r>
+              <a:rPr lang="zh-CN" altLang="en-US" dirty="0"/>
+              <a:t>引至</a:t>
+            </a:r>
+            <a:r>
+              <a:rPr lang="en-US" altLang="zh-CN" dirty="0" err="1"/>
+              <a:t>zhihu</a:t>
+            </a:r>
+            <a:r>
+              <a:rPr lang="en-US" altLang="zh-CN" dirty="0"/>
+              <a:t>)</a:t>
+            </a:r>
+            <a:endParaRPr lang="zh-CN" altLang="en-US" dirty="0"/>
+          </a:p>
+          <a:p>
+            <a:pPr marL="0" indent="0">
+              <a:buNone/>
+            </a:pPr>
+            <a:endParaRPr lang="en-US" altLang="zh-CN" dirty="0"/>
+          </a:p>
+          <a:p>
+            <a:pPr marL="0" indent="0">
+              <a:buNone/>
+            </a:pPr>
+            <a:r>
+              <a:rPr lang="en-US" altLang="zh-CN"/>
+              <a:t>			</a:t>
+            </a:r>
+            <a:r>
+              <a:rPr lang="zh-CN" altLang="en-US"/>
+              <a:t>唯</a:t>
+            </a:r>
+            <a:r>
+              <a:rPr lang="zh-CN" altLang="en-US" dirty="0"/>
+              <a:t>有简单才是最终的解决方案</a:t>
+            </a:r>
+          </a:p>
+        </p:txBody>
+      </p:sp>
     </p:spTree>
     <p:extLst>
       <p:ext uri="{BB962C8B-B14F-4D97-AF65-F5344CB8AC3E}">
@@ -11160,7 +11291,7 @@
             </a:r>
             <a:r>
               <a:rPr lang="zh-CN" altLang="en-US" dirty="0"/>
-              <a:t>案例</a:t>
+              <a:t>开发团队</a:t>
             </a:r>
             <a:endParaRPr lang="en-US" dirty="0"/>
           </a:p>
@@ -11168,7 +11299,7 @@
       </p:sp>
       <p:pic>
         <p:nvPicPr>
-          <p:cNvPr id="2050" name="Picture 2"/>
+          <p:cNvPr id="1026" name="Picture 2"/>
           <p:cNvPicPr>
             <a:picLocks noGrp="1" noChangeAspect="1" noChangeArrowheads="1"/>
           </p:cNvPicPr>
@@ -11185,8 +11316,8 @@
         </p:blipFill>
         <p:spPr bwMode="auto">
           <a:xfrm>
-            <a:off x="1073247" y="1099997"/>
-            <a:ext cx="9630746" cy="4662850"/>
+            <a:off x="406811" y="823913"/>
+            <a:ext cx="11432353" cy="5353050"/>
           </a:xfrm>
           <a:prstGeom prst="rect">
             <a:avLst/>
@@ -11476,6 +11607,109 @@
 </file>
 
 <file path=ppt/slides/slide30.xml><?xml version="1.0" encoding="utf-8"?>
+<p:sld xmlns:a="http://schemas.openxmlformats.org/drawingml/2006/main" xmlns:r="http://schemas.openxmlformats.org/officeDocument/2006/relationships" xmlns:p="http://schemas.openxmlformats.org/presentationml/2006/main">
+  <p:cSld>
+    <p:spTree>
+      <p:nvGrpSpPr>
+        <p:cNvPr id="1" name=""/>
+        <p:cNvGrpSpPr/>
+        <p:nvPr/>
+      </p:nvGrpSpPr>
+      <p:grpSpPr>
+        <a:xfrm>
+          <a:off x="0" y="0"/>
+          <a:ext cx="0" cy="0"/>
+          <a:chOff x="0" y="0"/>
+          <a:chExt cx="0" cy="0"/>
+        </a:xfrm>
+      </p:grpSpPr>
+      <p:sp>
+        <p:nvSpPr>
+          <p:cNvPr id="2" name="Title 1">
+            <a:extLst>
+              <a:ext uri="{FF2B5EF4-FFF2-40B4-BE49-F238E27FC236}">
+                <a16:creationId xmlns:a16="http://schemas.microsoft.com/office/drawing/2014/main" id="{D7C84779-5F93-4DCC-86DF-8D79DEAEC374}"/>
+              </a:ext>
+            </a:extLst>
+          </p:cNvPr>
+          <p:cNvSpPr>
+            <a:spLocks noGrp="1"/>
+          </p:cNvSpPr>
+          <p:nvPr>
+            <p:ph type="title"/>
+          </p:nvPr>
+        </p:nvSpPr>
+        <p:spPr>
+          <a:xfrm>
+            <a:off x="299102" y="136526"/>
+            <a:ext cx="11647919" cy="544511"/>
+          </a:xfrm>
+        </p:spPr>
+        <p:txBody>
+          <a:bodyPr/>
+          <a:lstStyle/>
+          <a:p>
+            <a:r>
+              <a:rPr lang="en-US" altLang="zh-CN" dirty="0" err="1"/>
+              <a:t>Golang</a:t>
+            </a:r>
+            <a:r>
+              <a:rPr lang="zh-CN" altLang="en-US" dirty="0"/>
+              <a:t>案例</a:t>
+            </a:r>
+            <a:endParaRPr lang="en-US" dirty="0"/>
+          </a:p>
+        </p:txBody>
+      </p:sp>
+      <p:pic>
+        <p:nvPicPr>
+          <p:cNvPr id="2050" name="Picture 2"/>
+          <p:cNvPicPr>
+            <a:picLocks noGrp="1" noChangeAspect="1" noChangeArrowheads="1"/>
+          </p:cNvPicPr>
+          <p:nvPr>
+            <p:ph idx="1"/>
+          </p:nvPr>
+        </p:nvPicPr>
+        <p:blipFill>
+          <a:blip r:embed="rId3"/>
+          <a:srcRect/>
+          <a:stretch>
+            <a:fillRect/>
+          </a:stretch>
+        </p:blipFill>
+        <p:spPr bwMode="auto">
+          <a:xfrm>
+            <a:off x="1073247" y="1099997"/>
+            <a:ext cx="9630746" cy="4662850"/>
+          </a:xfrm>
+          <a:prstGeom prst="rect">
+            <a:avLst/>
+          </a:prstGeom>
+          <a:noFill/>
+          <a:ln w="9525">
+            <a:noFill/>
+            <a:miter lim="800000"/>
+            <a:headEnd/>
+            <a:tailEnd/>
+          </a:ln>
+          <a:effectLst/>
+        </p:spPr>
+      </p:pic>
+    </p:spTree>
+    <p:extLst>
+      <p:ext uri="{BB962C8B-B14F-4D97-AF65-F5344CB8AC3E}">
+        <p14:creationId xmlns:p14="http://schemas.microsoft.com/office/powerpoint/2010/main" val="2499605271"/>
+      </p:ext>
+    </p:extLst>
+  </p:cSld>
+  <p:clrMapOvr>
+    <a:masterClrMapping/>
+  </p:clrMapOvr>
+</p:sld>
+</file>
+
+<file path=ppt/slides/slide31.xml><?xml version="1.0" encoding="utf-8"?>
 <p:sld xmlns:a="http://schemas.openxmlformats.org/drawingml/2006/main" xmlns:r="http://schemas.openxmlformats.org/officeDocument/2006/relationships" xmlns:p="http://schemas.openxmlformats.org/presentationml/2006/main">
   <p:cSld>
     <p:spTree>
@@ -13847,9 +14081,12 @@
 </file>
 
 <file path=customXml/item1.xml><?xml version="1.0" encoding="utf-8"?>
-<p:properties xmlns:p="http://schemas.microsoft.com/office/2006/metadata/properties" xmlns:xsi="http://www.w3.org/2001/XMLSchema-instance" xmlns:pc="http://schemas.microsoft.com/office/infopath/2007/PartnerControls">
-  <documentManagement/>
-</p:properties>
+<?mso-contentType ?>
+<FormTemplates xmlns="http://schemas.microsoft.com/sharepoint/v3/contenttype/forms">
+  <Display>DocumentLibraryForm</Display>
+  <Edit>DocumentLibraryForm</Edit>
+  <New>DocumentLibraryForm</New>
+</FormTemplates>
 </file>
 
 <file path=customXml/item2.xml><?xml version="1.0" encoding="utf-8"?>
@@ -13991,26 +14228,15 @@
 </file>
 
 <file path=customXml/item3.xml><?xml version="1.0" encoding="utf-8"?>
-<?mso-contentType ?>
-<FormTemplates xmlns="http://schemas.microsoft.com/sharepoint/v3/contenttype/forms">
-  <Display>DocumentLibraryForm</Display>
-  <Edit>DocumentLibraryForm</Edit>
-  <New>DocumentLibraryForm</New>
-</FormTemplates>
+<p:properties xmlns:p="http://schemas.microsoft.com/office/2006/metadata/properties" xmlns:xsi="http://www.w3.org/2001/XMLSchema-instance" xmlns:pc="http://schemas.microsoft.com/office/infopath/2007/PartnerControls">
+  <documentManagement/>
+</p:properties>
 </file>
 
 <file path=customXml/itemProps1.xml><?xml version="1.0" encoding="utf-8"?>
-<ds:datastoreItem xmlns:ds="http://schemas.openxmlformats.org/officeDocument/2006/customXml" ds:itemID="{09818F5F-9A4E-472D-957A-F61DB6A689A1}">
+<ds:datastoreItem xmlns:ds="http://schemas.openxmlformats.org/officeDocument/2006/customXml" ds:itemID="{8D58F66B-F132-4627-A8F1-473C8F1DC658}">
   <ds:schemaRefs>
-    <ds:schemaRef ds:uri="http://www.w3.org/XML/1998/namespace"/>
-    <ds:schemaRef ds:uri="http://schemas.microsoft.com/office/2006/metadata/properties"/>
-    <ds:schemaRef ds:uri="http://purl.org/dc/dcmitype/"/>
-    <ds:schemaRef ds:uri="a5770b6f-473e-481d-a1c6-8a0376abbd89"/>
-    <ds:schemaRef ds:uri="http://purl.org/dc/terms/"/>
-    <ds:schemaRef ds:uri="http://schemas.microsoft.com/office/infopath/2007/PartnerControls"/>
-    <ds:schemaRef ds:uri="http://schemas.microsoft.com/office/2006/documentManagement/types"/>
-    <ds:schemaRef ds:uri="http://schemas.openxmlformats.org/package/2006/metadata/core-properties"/>
-    <ds:schemaRef ds:uri="http://purl.org/dc/elements/1.1/"/>
+    <ds:schemaRef ds:uri="http://schemas.microsoft.com/sharepoint/v3/contenttype/forms"/>
   </ds:schemaRefs>
 </ds:datastoreItem>
 </file>
@@ -14034,9 +14260,17 @@
 </file>
 
 <file path=customXml/itemProps3.xml><?xml version="1.0" encoding="utf-8"?>
-<ds:datastoreItem xmlns:ds="http://schemas.openxmlformats.org/officeDocument/2006/customXml" ds:itemID="{8D58F66B-F132-4627-A8F1-473C8F1DC658}">
+<ds:datastoreItem xmlns:ds="http://schemas.openxmlformats.org/officeDocument/2006/customXml" ds:itemID="{09818F5F-9A4E-472D-957A-F61DB6A689A1}">
   <ds:schemaRefs>
-    <ds:schemaRef ds:uri="http://schemas.microsoft.com/sharepoint/v3/contenttype/forms"/>
+    <ds:schemaRef ds:uri="http://www.w3.org/XML/1998/namespace"/>
+    <ds:schemaRef ds:uri="http://schemas.microsoft.com/office/2006/metadata/properties"/>
+    <ds:schemaRef ds:uri="http://purl.org/dc/dcmitype/"/>
+    <ds:schemaRef ds:uri="a5770b6f-473e-481d-a1c6-8a0376abbd89"/>
+    <ds:schemaRef ds:uri="http://purl.org/dc/terms/"/>
+    <ds:schemaRef ds:uri="http://schemas.microsoft.com/office/infopath/2007/PartnerControls"/>
+    <ds:schemaRef ds:uri="http://schemas.microsoft.com/office/2006/documentManagement/types"/>
+    <ds:schemaRef ds:uri="http://schemas.openxmlformats.org/package/2006/metadata/core-properties"/>
+    <ds:schemaRef ds:uri="http://purl.org/dc/elements/1.1/"/>
   </ds:schemaRefs>
 </ds:datastoreItem>
 </file>
--- a/GolangConcurency.pptx
+++ b/GolangConcurency.pptx
@@ -314,7 +314,7 @@
             <a:fld id="{81A7F5E0-26D3-4F44-BD3F-0851D1E00D07}" type="datetimeFigureOut">
               <a:rPr lang="en-US" smtClean="0"/>
               <a:pPr/>
-              <a:t>11/19/2018</a:t>
+              <a:t>11/20/2018</a:t>
             </a:fld>
             <a:endParaRPr lang="en-US"/>
           </a:p>
@@ -3280,7 +3280,7 @@
             <a:fld id="{B8159077-EF48-40E3-BF6E-366926B30A93}" type="datetimeFigureOut">
               <a:rPr lang="en-US" smtClean="0"/>
               <a:pPr/>
-              <a:t>11/19/2018</a:t>
+              <a:t>11/20/2018</a:t>
             </a:fld>
             <a:endParaRPr lang="en-US"/>
           </a:p>
@@ -3568,7 +3568,7 @@
             <a:fld id="{B8159077-EF48-40E3-BF6E-366926B30A93}" type="datetimeFigureOut">
               <a:rPr lang="en-US" smtClean="0"/>
               <a:pPr/>
-              <a:t>11/19/2018</a:t>
+              <a:t>11/20/2018</a:t>
             </a:fld>
             <a:endParaRPr lang="en-US"/>
           </a:p>
@@ -3778,7 +3778,7 @@
             <a:fld id="{B8159077-EF48-40E3-BF6E-366926B30A93}" type="datetimeFigureOut">
               <a:rPr lang="en-US" smtClean="0"/>
               <a:pPr/>
-              <a:t>11/19/2018</a:t>
+              <a:t>11/20/2018</a:t>
             </a:fld>
             <a:endParaRPr lang="en-US"/>
           </a:p>
@@ -3978,7 +3978,7 @@
             <a:fld id="{B8159077-EF48-40E3-BF6E-366926B30A93}" type="datetimeFigureOut">
               <a:rPr lang="en-US" smtClean="0"/>
               <a:pPr/>
-              <a:t>11/19/2018</a:t>
+              <a:t>11/20/2018</a:t>
             </a:fld>
             <a:endParaRPr lang="en-US"/>
           </a:p>
@@ -4293,7 +4293,7 @@
             <a:fld id="{B8159077-EF48-40E3-BF6E-366926B30A93}" type="datetimeFigureOut">
               <a:rPr lang="en-US" smtClean="0"/>
               <a:pPr/>
-              <a:t>11/19/2018</a:t>
+              <a:t>11/20/2018</a:t>
             </a:fld>
             <a:endParaRPr lang="en-US"/>
           </a:p>
@@ -4598,7 +4598,7 @@
             <a:fld id="{B8159077-EF48-40E3-BF6E-366926B30A93}" type="datetimeFigureOut">
               <a:rPr lang="en-US" smtClean="0"/>
               <a:pPr/>
-              <a:t>11/19/2018</a:t>
+              <a:t>11/20/2018</a:t>
             </a:fld>
             <a:endParaRPr lang="en-US"/>
           </a:p>
@@ -5012,7 +5012,7 @@
             <a:fld id="{B8159077-EF48-40E3-BF6E-366926B30A93}" type="datetimeFigureOut">
               <a:rPr lang="en-US" smtClean="0"/>
               <a:pPr/>
-              <a:t>11/19/2018</a:t>
+              <a:t>11/20/2018</a:t>
             </a:fld>
             <a:endParaRPr lang="en-US"/>
           </a:p>
@@ -5155,7 +5155,7 @@
             <a:fld id="{B8159077-EF48-40E3-BF6E-366926B30A93}" type="datetimeFigureOut">
               <a:rPr lang="en-US" smtClean="0"/>
               <a:pPr/>
-              <a:t>11/19/2018</a:t>
+              <a:t>11/20/2018</a:t>
             </a:fld>
             <a:endParaRPr lang="en-US"/>
           </a:p>
@@ -5270,7 +5270,7 @@
             <a:fld id="{B8159077-EF48-40E3-BF6E-366926B30A93}" type="datetimeFigureOut">
               <a:rPr lang="en-US" smtClean="0"/>
               <a:pPr/>
-              <a:t>11/19/2018</a:t>
+              <a:t>11/20/2018</a:t>
             </a:fld>
             <a:endParaRPr lang="en-US"/>
           </a:p>
@@ -5583,7 +5583,7 @@
             <a:fld id="{B8159077-EF48-40E3-BF6E-366926B30A93}" type="datetimeFigureOut">
               <a:rPr lang="en-US" smtClean="0"/>
               <a:pPr/>
-              <a:t>11/19/2018</a:t>
+              <a:t>11/20/2018</a:t>
             </a:fld>
             <a:endParaRPr lang="en-US"/>
           </a:p>
@@ -5873,7 +5873,7 @@
             <a:fld id="{B8159077-EF48-40E3-BF6E-366926B30A93}" type="datetimeFigureOut">
               <a:rPr lang="en-US" smtClean="0"/>
               <a:pPr/>
-              <a:t>11/19/2018</a:t>
+              <a:t>11/20/2018</a:t>
             </a:fld>
             <a:endParaRPr lang="en-US"/>
           </a:p>
@@ -6116,7 +6116,7 @@
             <a:fld id="{B8159077-EF48-40E3-BF6E-366926B30A93}" type="datetimeFigureOut">
               <a:rPr lang="en-US" smtClean="0"/>
               <a:pPr/>
-              <a:t>11/19/2018</a:t>
+              <a:t>11/20/2018</a:t>
             </a:fld>
             <a:endParaRPr lang="en-US"/>
           </a:p>
@@ -12312,12 +12312,149 @@
           </a:p>
         </p:txBody>
       </p:sp>
+      <p:sp>
+        <p:nvSpPr>
+          <p:cNvPr id="5" name="矩形 4"/>
+          <p:cNvSpPr/>
+          <p:nvPr/>
+        </p:nvSpPr>
+        <p:spPr>
+          <a:xfrm>
+            <a:off x="666306" y="1031358"/>
+            <a:ext cx="5096541" cy="5539978"/>
+          </a:xfrm>
+          <a:prstGeom prst="rect">
+            <a:avLst/>
+          </a:prstGeom>
+        </p:spPr>
+        <p:txBody>
+          <a:bodyPr wrap="square">
+            <a:spAutoFit/>
+          </a:bodyPr>
+          <a:lstStyle/>
+          <a:p>
+            <a:pPr marL="514350" indent="-514350">
+              <a:buFont typeface="+mj-lt"/>
+              <a:buAutoNum type="arabicPeriod"/>
+            </a:pPr>
+            <a:r>
+              <a:rPr lang="zh-CN" altLang="en-US" sz="2800" dirty="0"/>
+              <a:t>协程是最小的执行单位</a:t>
+            </a:r>
+            <a:r>
+              <a:rPr lang="en-US" altLang="zh-CN" sz="2800" dirty="0"/>
+              <a:t>.</a:t>
+            </a:r>
+          </a:p>
+          <a:p>
+            <a:pPr marL="514350" indent="-514350">
+              <a:buFont typeface="+mj-lt"/>
+              <a:buAutoNum type="arabicPeriod"/>
+            </a:pPr>
+            <a:r>
+              <a:rPr lang="zh-CN" altLang="en-US" sz="2800" dirty="0"/>
+              <a:t>轻量级，支持百万长连接</a:t>
+            </a:r>
+            <a:endParaRPr lang="en-US" altLang="zh-CN" sz="2800" dirty="0"/>
+          </a:p>
+          <a:p>
+            <a:pPr marL="514350" indent="-514350">
+              <a:buFont typeface="+mj-lt"/>
+              <a:buAutoNum type="arabicPeriod"/>
+            </a:pPr>
+            <a:r>
+              <a:rPr lang="zh-CN" altLang="en-US" sz="2800" dirty="0"/>
+              <a:t>线程其实很重</a:t>
+            </a:r>
+            <a:r>
+              <a:rPr lang="en-US" altLang="zh-CN" sz="2800" dirty="0"/>
+              <a:t>.</a:t>
+            </a:r>
+          </a:p>
+          <a:p>
+            <a:pPr marL="514350" indent="-514350">
+              <a:buFont typeface="+mj-lt"/>
+              <a:buAutoNum type="arabicPeriod"/>
+            </a:pPr>
+            <a:r>
+              <a:rPr lang="en-US" altLang="zh-CN" sz="2800" dirty="0"/>
+              <a:t>1</a:t>
+            </a:r>
+            <a:r>
+              <a:rPr lang="zh-CN" altLang="en-US" sz="2800" dirty="0"/>
+              <a:t>线程可以容纳万千个协程</a:t>
+            </a:r>
+            <a:r>
+              <a:rPr lang="en-US" altLang="zh-CN" sz="2800" dirty="0"/>
+              <a:t>.</a:t>
+            </a:r>
+          </a:p>
+          <a:p>
+            <a:pPr marL="514350" indent="-514350">
+              <a:buFont typeface="+mj-lt"/>
+              <a:buAutoNum type="arabicPeriod"/>
+            </a:pPr>
+            <a:r>
+              <a:rPr lang="zh-CN" altLang="en-US" sz="2800" dirty="0"/>
+              <a:t>协程有自己的栈空间，还可以动态增长</a:t>
+            </a:r>
+            <a:r>
+              <a:rPr lang="en-US" altLang="zh-CN" sz="2800" dirty="0"/>
+              <a:t>.</a:t>
+            </a:r>
+          </a:p>
+          <a:p>
+            <a:pPr marL="514350" indent="-514350">
+              <a:buFont typeface="+mj-lt"/>
+              <a:buAutoNum type="arabicPeriod"/>
+            </a:pPr>
+            <a:r>
+              <a:rPr lang="zh-CN" altLang="en-US" sz="2800" dirty="0"/>
+              <a:t>协程是用户态的线程，切换代价很小。</a:t>
+            </a:r>
+            <a:endParaRPr lang="en-US" altLang="zh-CN" sz="2800" dirty="0"/>
+          </a:p>
+          <a:p>
+            <a:pPr marL="514350" indent="-514350">
+              <a:buFont typeface="+mj-lt"/>
+              <a:buAutoNum type="arabicPeriod"/>
+            </a:pPr>
+            <a:r>
+              <a:rPr lang="zh-CN" altLang="en-US" sz="2800" dirty="0"/>
+              <a:t>协程的开销是如此的廉价，用完就扔</a:t>
+            </a:r>
+            <a:endParaRPr lang="en-US" altLang="zh-CN" sz="2800" dirty="0"/>
+          </a:p>
+          <a:p>
+            <a:pPr marL="514350" indent="-514350">
+              <a:buFont typeface="+mj-lt"/>
+              <a:buAutoNum type="arabicPeriod"/>
+            </a:pPr>
+            <a:r>
+              <a:rPr lang="zh-CN" altLang="en-US" sz="2800" dirty="0"/>
+              <a:t>协程的通信同步控制很重要</a:t>
+            </a:r>
+            <a:endParaRPr lang="en-US" altLang="zh-CN" sz="2800" dirty="0"/>
+          </a:p>
+          <a:p>
+            <a:pPr marL="514350" indent="-514350"/>
+            <a:endParaRPr lang="en-US" altLang="zh-CN" sz="2800" dirty="0"/>
+          </a:p>
+          <a:p>
+            <a:pPr marL="514350" indent="-514350">
+              <a:buFont typeface="+mj-lt"/>
+              <a:buAutoNum type="arabicPeriod"/>
+            </a:pPr>
+            <a:endParaRPr lang="en-US" dirty="0"/>
+          </a:p>
+        </p:txBody>
+      </p:sp>
       <p:pic>
         <p:nvPicPr>
-          <p:cNvPr id="8" name="Picture 7">
+          <p:cNvPr id="4" name="Picture 3">
             <a:extLst>
               <a:ext uri="{FF2B5EF4-FFF2-40B4-BE49-F238E27FC236}">
-                <a16:creationId xmlns:a16="http://schemas.microsoft.com/office/drawing/2014/main" id="{AD1537C4-A03B-4DA5-8884-D31334E7119A}"/>
+                <a16:creationId xmlns:a16="http://schemas.microsoft.com/office/drawing/2014/main" id="{52822B86-91DC-4EC3-89A4-472AC7985426}"/>
               </a:ext>
             </a:extLst>
           </p:cNvPr>
@@ -12334,151 +12471,14 @@
         </p:blipFill>
         <p:spPr>
           <a:xfrm>
-            <a:off x="6202108" y="1201178"/>
-            <a:ext cx="5543325" cy="3953265"/>
+            <a:off x="5762847" y="1034015"/>
+            <a:ext cx="6379295" cy="4488480"/>
           </a:xfrm>
           <a:prstGeom prst="rect">
             <a:avLst/>
           </a:prstGeom>
         </p:spPr>
       </p:pic>
-      <p:sp>
-        <p:nvSpPr>
-          <p:cNvPr id="5" name="矩形 4"/>
-          <p:cNvSpPr/>
-          <p:nvPr/>
-        </p:nvSpPr>
-        <p:spPr>
-          <a:xfrm>
-            <a:off x="666306" y="1031358"/>
-            <a:ext cx="5096541" cy="5539978"/>
-          </a:xfrm>
-          <a:prstGeom prst="rect">
-            <a:avLst/>
-          </a:prstGeom>
-        </p:spPr>
-        <p:txBody>
-          <a:bodyPr wrap="square">
-            <a:spAutoFit/>
-          </a:bodyPr>
-          <a:lstStyle/>
-          <a:p>
-            <a:pPr marL="514350" indent="-514350">
-              <a:buFont typeface="+mj-lt"/>
-              <a:buAutoNum type="arabicPeriod"/>
-            </a:pPr>
-            <a:r>
-              <a:rPr lang="zh-CN" altLang="en-US" sz="2800" dirty="0"/>
-              <a:t>协程是最小的执行单位</a:t>
-            </a:r>
-            <a:r>
-              <a:rPr lang="en-US" altLang="zh-CN" sz="2800" dirty="0"/>
-              <a:t>.</a:t>
-            </a:r>
-          </a:p>
-          <a:p>
-            <a:pPr marL="514350" indent="-514350">
-              <a:buFont typeface="+mj-lt"/>
-              <a:buAutoNum type="arabicPeriod"/>
-            </a:pPr>
-            <a:r>
-              <a:rPr lang="zh-CN" altLang="en-US" sz="2800" dirty="0"/>
-              <a:t>轻量级，支持百万长连接</a:t>
-            </a:r>
-            <a:endParaRPr lang="en-US" altLang="zh-CN" sz="2800" dirty="0"/>
-          </a:p>
-          <a:p>
-            <a:pPr marL="514350" indent="-514350">
-              <a:buFont typeface="+mj-lt"/>
-              <a:buAutoNum type="arabicPeriod"/>
-            </a:pPr>
-            <a:r>
-              <a:rPr lang="zh-CN" altLang="en-US" sz="2800" dirty="0"/>
-              <a:t>线程其实很重</a:t>
-            </a:r>
-            <a:r>
-              <a:rPr lang="en-US" altLang="zh-CN" sz="2800" dirty="0"/>
-              <a:t>.</a:t>
-            </a:r>
-          </a:p>
-          <a:p>
-            <a:pPr marL="514350" indent="-514350">
-              <a:buFont typeface="+mj-lt"/>
-              <a:buAutoNum type="arabicPeriod"/>
-            </a:pPr>
-            <a:r>
-              <a:rPr lang="en-US" altLang="zh-CN" sz="2800" dirty="0"/>
-              <a:t>1</a:t>
-            </a:r>
-            <a:r>
-              <a:rPr lang="zh-CN" altLang="en-US" sz="2800" dirty="0"/>
-              <a:t>线程可以容纳万千个协程</a:t>
-            </a:r>
-            <a:r>
-              <a:rPr lang="en-US" altLang="zh-CN" sz="2800" dirty="0"/>
-              <a:t>.</a:t>
-            </a:r>
-          </a:p>
-          <a:p>
-            <a:pPr marL="514350" indent="-514350">
-              <a:buFont typeface="+mj-lt"/>
-              <a:buAutoNum type="arabicPeriod"/>
-            </a:pPr>
-            <a:r>
-              <a:rPr lang="zh-CN" altLang="en-US" sz="2800" dirty="0"/>
-              <a:t>协程有自己的栈空间，还可以动态增长</a:t>
-            </a:r>
-            <a:r>
-              <a:rPr lang="en-US" altLang="zh-CN" sz="2800" dirty="0"/>
-              <a:t>.</a:t>
-            </a:r>
-          </a:p>
-          <a:p>
-            <a:pPr marL="514350" indent="-514350">
-              <a:buFont typeface="+mj-lt"/>
-              <a:buAutoNum type="arabicPeriod"/>
-            </a:pPr>
-            <a:r>
-              <a:rPr lang="zh-CN" altLang="en-US" sz="2800" dirty="0"/>
-              <a:t>协程是用户态的线程，切换代价很小。</a:t>
-            </a:r>
-            <a:endParaRPr lang="en-US" altLang="zh-CN" sz="2800" dirty="0"/>
-          </a:p>
-          <a:p>
-            <a:pPr marL="514350" indent="-514350">
-              <a:buFont typeface="+mj-lt"/>
-              <a:buAutoNum type="arabicPeriod"/>
-            </a:pPr>
-            <a:r>
-              <a:rPr lang="zh-CN" altLang="en-US" sz="2800" dirty="0"/>
-              <a:t>协程的开销是如此的廉价，用完就扔</a:t>
-            </a:r>
-            <a:endParaRPr lang="en-US" altLang="zh-CN" sz="2800" dirty="0"/>
-          </a:p>
-          <a:p>
-            <a:pPr marL="514350" indent="-514350">
-              <a:buFont typeface="+mj-lt"/>
-              <a:buAutoNum type="arabicPeriod"/>
-            </a:pPr>
-            <a:r>
-              <a:rPr lang="zh-CN" altLang="en-US" sz="2800" dirty="0"/>
-              <a:t>协程的通信同步控制很重要</a:t>
-            </a:r>
-            <a:endParaRPr lang="en-US" altLang="zh-CN" sz="2800" dirty="0"/>
-          </a:p>
-          <a:p>
-            <a:pPr marL="514350" indent="-514350"/>
-            <a:endParaRPr lang="en-US" altLang="zh-CN" sz="2800" dirty="0"/>
-          </a:p>
-          <a:p>
-            <a:pPr marL="514350" indent="-514350">
-              <a:buFont typeface="+mj-lt"/>
-              <a:buAutoNum type="arabicPeriod"/>
-            </a:pPr>
-            <a:endParaRPr lang="en-US" dirty="0"/>
-          </a:p>
-        </p:txBody>
-      </p:sp>
     </p:spTree>
     <p:extLst>
       <p:ext uri="{BB962C8B-B14F-4D97-AF65-F5344CB8AC3E}">
@@ -14081,12 +14081,9 @@
 </file>
 
 <file path=customXml/item1.xml><?xml version="1.0" encoding="utf-8"?>
-<?mso-contentType ?>
-<FormTemplates xmlns="http://schemas.microsoft.com/sharepoint/v3/contenttype/forms">
-  <Display>DocumentLibraryForm</Display>
-  <Edit>DocumentLibraryForm</Edit>
-  <New>DocumentLibraryForm</New>
-</FormTemplates>
+<p:properties xmlns:p="http://schemas.microsoft.com/office/2006/metadata/properties" xmlns:xsi="http://www.w3.org/2001/XMLSchema-instance" xmlns:pc="http://schemas.microsoft.com/office/infopath/2007/PartnerControls">
+  <documentManagement/>
+</p:properties>
 </file>
 
 <file path=customXml/item2.xml><?xml version="1.0" encoding="utf-8"?>
@@ -14228,15 +14225,26 @@
 </file>
 
 <file path=customXml/item3.xml><?xml version="1.0" encoding="utf-8"?>
-<p:properties xmlns:p="http://schemas.microsoft.com/office/2006/metadata/properties" xmlns:xsi="http://www.w3.org/2001/XMLSchema-instance" xmlns:pc="http://schemas.microsoft.com/office/infopath/2007/PartnerControls">
-  <documentManagement/>
-</p:properties>
+<?mso-contentType ?>
+<FormTemplates xmlns="http://schemas.microsoft.com/sharepoint/v3/contenttype/forms">
+  <Display>DocumentLibraryForm</Display>
+  <Edit>DocumentLibraryForm</Edit>
+  <New>DocumentLibraryForm</New>
+</FormTemplates>
 </file>
 
 <file path=customXml/itemProps1.xml><?xml version="1.0" encoding="utf-8"?>
-<ds:datastoreItem xmlns:ds="http://schemas.openxmlformats.org/officeDocument/2006/customXml" ds:itemID="{8D58F66B-F132-4627-A8F1-473C8F1DC658}">
+<ds:datastoreItem xmlns:ds="http://schemas.openxmlformats.org/officeDocument/2006/customXml" ds:itemID="{09818F5F-9A4E-472D-957A-F61DB6A689A1}">
   <ds:schemaRefs>
-    <ds:schemaRef ds:uri="http://schemas.microsoft.com/sharepoint/v3/contenttype/forms"/>
+    <ds:schemaRef ds:uri="http://www.w3.org/XML/1998/namespace"/>
+    <ds:schemaRef ds:uri="http://schemas.microsoft.com/office/2006/metadata/properties"/>
+    <ds:schemaRef ds:uri="http://purl.org/dc/dcmitype/"/>
+    <ds:schemaRef ds:uri="a5770b6f-473e-481d-a1c6-8a0376abbd89"/>
+    <ds:schemaRef ds:uri="http://purl.org/dc/terms/"/>
+    <ds:schemaRef ds:uri="http://schemas.microsoft.com/office/infopath/2007/PartnerControls"/>
+    <ds:schemaRef ds:uri="http://schemas.microsoft.com/office/2006/documentManagement/types"/>
+    <ds:schemaRef ds:uri="http://schemas.openxmlformats.org/package/2006/metadata/core-properties"/>
+    <ds:schemaRef ds:uri="http://purl.org/dc/elements/1.1/"/>
   </ds:schemaRefs>
 </ds:datastoreItem>
 </file>
@@ -14260,17 +14268,9 @@
 </file>
 
 <file path=customXml/itemProps3.xml><?xml version="1.0" encoding="utf-8"?>
-<ds:datastoreItem xmlns:ds="http://schemas.openxmlformats.org/officeDocument/2006/customXml" ds:itemID="{09818F5F-9A4E-472D-957A-F61DB6A689A1}">
+<ds:datastoreItem xmlns:ds="http://schemas.openxmlformats.org/officeDocument/2006/customXml" ds:itemID="{8D58F66B-F132-4627-A8F1-473C8F1DC658}">
   <ds:schemaRefs>
-    <ds:schemaRef ds:uri="http://www.w3.org/XML/1998/namespace"/>
-    <ds:schemaRef ds:uri="http://schemas.microsoft.com/office/2006/metadata/properties"/>
-    <ds:schemaRef ds:uri="http://purl.org/dc/dcmitype/"/>
-    <ds:schemaRef ds:uri="a5770b6f-473e-481d-a1c6-8a0376abbd89"/>
-    <ds:schemaRef ds:uri="http://purl.org/dc/terms/"/>
-    <ds:schemaRef ds:uri="http://schemas.microsoft.com/office/infopath/2007/PartnerControls"/>
-    <ds:schemaRef ds:uri="http://schemas.microsoft.com/office/2006/documentManagement/types"/>
-    <ds:schemaRef ds:uri="http://schemas.openxmlformats.org/package/2006/metadata/core-properties"/>
-    <ds:schemaRef ds:uri="http://purl.org/dc/elements/1.1/"/>
+    <ds:schemaRef ds:uri="http://schemas.microsoft.com/sharepoint/v3/contenttype/forms"/>
   </ds:schemaRefs>
 </ds:datastoreItem>
 </file>
--- a/GolangConcurency.pptx
+++ b/GolangConcurency.pptx
@@ -6947,7 +6947,7 @@
         <p:spPr bwMode="auto">
           <a:xfrm>
             <a:off x="5107725" y="5554624"/>
-            <a:ext cx="5397241" cy="698027"/>
+            <a:ext cx="6069612" cy="784985"/>
           </a:xfrm>
           <a:prstGeom prst="rect">
             <a:avLst/>
@@ -6980,7 +6980,7 @@
         <p:spPr bwMode="auto">
           <a:xfrm>
             <a:off x="5065196" y="925144"/>
-            <a:ext cx="5527921" cy="3434205"/>
+            <a:ext cx="6335022" cy="3935614"/>
           </a:xfrm>
           <a:prstGeom prst="rect">
             <a:avLst/>
@@ -7382,7 +7382,7 @@
       </p:sp>
       <p:pic>
         <p:nvPicPr>
-          <p:cNvPr id="34818" name="Picture 2"/>
+          <p:cNvPr id="34819" name="Picture 3"/>
           <p:cNvPicPr>
             <a:picLocks noChangeAspect="1" noChangeArrowheads="1"/>
           </p:cNvPicPr>
@@ -7390,39 +7390,6 @@
         </p:nvPicPr>
         <p:blipFill>
           <a:blip r:embed="rId3"/>
-          <a:srcRect/>
-          <a:stretch>
-            <a:fillRect/>
-          </a:stretch>
-        </p:blipFill>
-        <p:spPr bwMode="auto">
-          <a:xfrm>
-            <a:off x="4101621" y="1073446"/>
-            <a:ext cx="5817802" cy="4636237"/>
-          </a:xfrm>
-          <a:prstGeom prst="rect">
-            <a:avLst/>
-          </a:prstGeom>
-          <a:noFill/>
-          <a:ln w="9525">
-            <a:noFill/>
-            <a:miter lim="800000"/>
-            <a:headEnd/>
-            <a:tailEnd/>
-          </a:ln>
-          <a:effectLst/>
-        </p:spPr>
-      </p:pic>
-      <p:pic>
-        <p:nvPicPr>
-          <p:cNvPr id="34819" name="Picture 3"/>
-          <p:cNvPicPr>
-            <a:picLocks noChangeAspect="1" noChangeArrowheads="1"/>
-          </p:cNvPicPr>
-          <p:nvPr/>
-        </p:nvPicPr>
-        <p:blipFill>
-          <a:blip r:embed="rId4"/>
           <a:srcRect/>
           <a:stretch>
             <a:fillRect/>
@@ -7444,6 +7411,36 @@
             <a:tailEnd/>
           </a:ln>
           <a:effectLst/>
+        </p:spPr>
+      </p:pic>
+      <p:pic>
+        <p:nvPicPr>
+          <p:cNvPr id="4" name="Picture 3">
+            <a:extLst>
+              <a:ext uri="{FF2B5EF4-FFF2-40B4-BE49-F238E27FC236}">
+                <a16:creationId xmlns:a16="http://schemas.microsoft.com/office/drawing/2014/main" id="{552147AE-77B9-4675-B0A6-CADDE7659F08}"/>
+              </a:ext>
+            </a:extLst>
+          </p:cNvPr>
+          <p:cNvPicPr>
+            <a:picLocks noChangeAspect="1"/>
+          </p:cNvPicPr>
+          <p:nvPr/>
+        </p:nvPicPr>
+        <p:blipFill>
+          <a:blip r:embed="rId4"/>
+          <a:stretch>
+            <a:fillRect/>
+          </a:stretch>
+        </p:blipFill>
+        <p:spPr>
+          <a:xfrm>
+            <a:off x="4387330" y="1091363"/>
+            <a:ext cx="5556679" cy="4486828"/>
+          </a:xfrm>
+          <a:prstGeom prst="rect">
+            <a:avLst/>
+          </a:prstGeom>
         </p:spPr>
       </p:pic>
     </p:spTree>
@@ -8318,8 +8315,8 @@
         </p:blipFill>
         <p:spPr bwMode="auto">
           <a:xfrm>
-            <a:off x="5556382" y="975206"/>
-            <a:ext cx="6593086" cy="4883334"/>
+            <a:off x="5556382" y="975205"/>
+            <a:ext cx="7211494" cy="5341373"/>
           </a:xfrm>
           <a:prstGeom prst="rect">
             <a:avLst/>
@@ -13355,8 +13352,8 @@
         </p:nvSpPr>
         <p:spPr>
           <a:xfrm>
-            <a:off x="500770" y="837901"/>
-            <a:ext cx="8951574" cy="1077218"/>
+            <a:off x="500770" y="837900"/>
+            <a:ext cx="4853283" cy="2062103"/>
           </a:xfrm>
           <a:prstGeom prst="rect">
             <a:avLst/>
@@ -13428,8 +13425,8 @@
         </p:blipFill>
         <p:spPr bwMode="auto">
           <a:xfrm>
-            <a:off x="1234818" y="1926044"/>
-            <a:ext cx="4740681" cy="3036818"/>
+            <a:off x="5771495" y="837899"/>
+            <a:ext cx="6486560" cy="4155205"/>
           </a:xfrm>
           <a:prstGeom prst="rect">
             <a:avLst/>
@@ -13461,8 +13458,8 @@
         </p:blipFill>
         <p:spPr bwMode="auto">
           <a:xfrm>
-            <a:off x="1190293" y="5086904"/>
-            <a:ext cx="8070665" cy="1227203"/>
+            <a:off x="6054870" y="5553503"/>
+            <a:ext cx="6137130" cy="933195"/>
           </a:xfrm>
           <a:prstGeom prst="rect">
             <a:avLst/>
@@ -14081,9 +14078,12 @@
 </file>
 
 <file path=customXml/item1.xml><?xml version="1.0" encoding="utf-8"?>
-<p:properties xmlns:p="http://schemas.microsoft.com/office/2006/metadata/properties" xmlns:xsi="http://www.w3.org/2001/XMLSchema-instance" xmlns:pc="http://schemas.microsoft.com/office/infopath/2007/PartnerControls">
-  <documentManagement/>
-</p:properties>
+<?mso-contentType ?>
+<FormTemplates xmlns="http://schemas.microsoft.com/sharepoint/v3/contenttype/forms">
+  <Display>DocumentLibraryForm</Display>
+  <Edit>DocumentLibraryForm</Edit>
+  <New>DocumentLibraryForm</New>
+</FormTemplates>
 </file>
 
 <file path=customXml/item2.xml><?xml version="1.0" encoding="utf-8"?>
@@ -14225,26 +14225,15 @@
 </file>
 
 <file path=customXml/item3.xml><?xml version="1.0" encoding="utf-8"?>
-<?mso-contentType ?>
-<FormTemplates xmlns="http://schemas.microsoft.com/sharepoint/v3/contenttype/forms">
-  <Display>DocumentLibraryForm</Display>
-  <Edit>DocumentLibraryForm</Edit>
-  <New>DocumentLibraryForm</New>
-</FormTemplates>
+<p:properties xmlns:p="http://schemas.microsoft.com/office/2006/metadata/properties" xmlns:xsi="http://www.w3.org/2001/XMLSchema-instance" xmlns:pc="http://schemas.microsoft.com/office/infopath/2007/PartnerControls">
+  <documentManagement/>
+</p:properties>
 </file>
 
 <file path=customXml/itemProps1.xml><?xml version="1.0" encoding="utf-8"?>
-<ds:datastoreItem xmlns:ds="http://schemas.openxmlformats.org/officeDocument/2006/customXml" ds:itemID="{09818F5F-9A4E-472D-957A-F61DB6A689A1}">
+<ds:datastoreItem xmlns:ds="http://schemas.openxmlformats.org/officeDocument/2006/customXml" ds:itemID="{8D58F66B-F132-4627-A8F1-473C8F1DC658}">
   <ds:schemaRefs>
-    <ds:schemaRef ds:uri="http://www.w3.org/XML/1998/namespace"/>
-    <ds:schemaRef ds:uri="http://schemas.microsoft.com/office/2006/metadata/properties"/>
-    <ds:schemaRef ds:uri="http://purl.org/dc/dcmitype/"/>
-    <ds:schemaRef ds:uri="a5770b6f-473e-481d-a1c6-8a0376abbd89"/>
-    <ds:schemaRef ds:uri="http://purl.org/dc/terms/"/>
-    <ds:schemaRef ds:uri="http://schemas.microsoft.com/office/infopath/2007/PartnerControls"/>
-    <ds:schemaRef ds:uri="http://schemas.microsoft.com/office/2006/documentManagement/types"/>
-    <ds:schemaRef ds:uri="http://schemas.openxmlformats.org/package/2006/metadata/core-properties"/>
-    <ds:schemaRef ds:uri="http://purl.org/dc/elements/1.1/"/>
+    <ds:schemaRef ds:uri="http://schemas.microsoft.com/sharepoint/v3/contenttype/forms"/>
   </ds:schemaRefs>
 </ds:datastoreItem>
 </file>
@@ -14268,9 +14257,17 @@
 </file>
 
 <file path=customXml/itemProps3.xml><?xml version="1.0" encoding="utf-8"?>
-<ds:datastoreItem xmlns:ds="http://schemas.openxmlformats.org/officeDocument/2006/customXml" ds:itemID="{8D58F66B-F132-4627-A8F1-473C8F1DC658}">
+<ds:datastoreItem xmlns:ds="http://schemas.openxmlformats.org/officeDocument/2006/customXml" ds:itemID="{09818F5F-9A4E-472D-957A-F61DB6A689A1}">
   <ds:schemaRefs>
-    <ds:schemaRef ds:uri="http://schemas.microsoft.com/sharepoint/v3/contenttype/forms"/>
+    <ds:schemaRef ds:uri="http://www.w3.org/XML/1998/namespace"/>
+    <ds:schemaRef ds:uri="http://schemas.microsoft.com/office/2006/metadata/properties"/>
+    <ds:schemaRef ds:uri="http://purl.org/dc/dcmitype/"/>
+    <ds:schemaRef ds:uri="a5770b6f-473e-481d-a1c6-8a0376abbd89"/>
+    <ds:schemaRef ds:uri="http://purl.org/dc/terms/"/>
+    <ds:schemaRef ds:uri="http://schemas.microsoft.com/office/infopath/2007/PartnerControls"/>
+    <ds:schemaRef ds:uri="http://schemas.microsoft.com/office/2006/documentManagement/types"/>
+    <ds:schemaRef ds:uri="http://schemas.openxmlformats.org/package/2006/metadata/core-properties"/>
+    <ds:schemaRef ds:uri="http://purl.org/dc/elements/1.1/"/>
   </ds:schemaRefs>
 </ds:datastoreItem>
 </file>